--- a/artoon-spec.pptx
+++ b/artoon-spec.pptx
@@ -1,64 +1,38 @@
 
 <file path=ppt/presentation.xml><?xml version="1.0" encoding="utf-8"?>
-<p:presentation xmlns:a="http://schemas.openxmlformats.org/drawingml/2006/main" xmlns:r="http://schemas.openxmlformats.org/officeDocument/2006/relationships" xmlns:p="http://schemas.openxmlformats.org/presentationml/2006/main" embedTrueTypeFonts="1" saveSubsetFonts="1">
+<p:presentation xmlns:a="http://schemas.openxmlformats.org/drawingml/2006/main" xmlns:r="http://schemas.openxmlformats.org/officeDocument/2006/relationships" xmlns:p="http://schemas.openxmlformats.org/presentationml/2006/main" saveSubsetFonts="1">
   <p:sldMasterIdLst>
     <p:sldMasterId id="2147483689" r:id="rId1"/>
   </p:sldMasterIdLst>
   <p:notesMasterIdLst>
-    <p:notesMasterId r:id="rId19"/>
+    <p:notesMasterId r:id="rId21"/>
   </p:notesMasterIdLst>
   <p:handoutMasterIdLst>
-    <p:handoutMasterId r:id="rId20"/>
+    <p:handoutMasterId r:id="rId22"/>
   </p:handoutMasterIdLst>
   <p:sldIdLst>
     <p:sldId id="257" r:id="rId2"/>
     <p:sldId id="282" r:id="rId3"/>
     <p:sldId id="307" r:id="rId4"/>
-    <p:sldId id="283" r:id="rId5"/>
-    <p:sldId id="314" r:id="rId6"/>
-    <p:sldId id="313" r:id="rId7"/>
-    <p:sldId id="300" r:id="rId8"/>
-    <p:sldId id="319" r:id="rId9"/>
-    <p:sldId id="317" r:id="rId10"/>
-    <p:sldId id="293" r:id="rId11"/>
+    <p:sldId id="320" r:id="rId5"/>
+    <p:sldId id="321" r:id="rId6"/>
+    <p:sldId id="322" r:id="rId7"/>
+    <p:sldId id="313" r:id="rId8"/>
+    <p:sldId id="300" r:id="rId9"/>
+    <p:sldId id="319" r:id="rId10"/>
+    <p:sldId id="317" r:id="rId11"/>
     <p:sldId id="301" r:id="rId12"/>
-    <p:sldId id="308" r:id="rId13"/>
-    <p:sldId id="309" r:id="rId14"/>
-    <p:sldId id="310" r:id="rId15"/>
-    <p:sldId id="311" r:id="rId16"/>
-    <p:sldId id="304" r:id="rId17"/>
-    <p:sldId id="278" r:id="rId18"/>
+    <p:sldId id="326" r:id="rId13"/>
+    <p:sldId id="293" r:id="rId14"/>
+    <p:sldId id="308" r:id="rId15"/>
+    <p:sldId id="325" r:id="rId16"/>
+    <p:sldId id="323" r:id="rId17"/>
+    <p:sldId id="324" r:id="rId18"/>
+    <p:sldId id="304" r:id="rId19"/>
+    <p:sldId id="278" r:id="rId20"/>
   </p:sldIdLst>
   <p:sldSz cx="9144000" cy="6858000" type="screen4x3"/>
   <p:notesSz cx="6805613" cy="9939338"/>
-  <p:embeddedFontLst>
-    <p:embeddedFont>
-      <p:font typeface="나눔바른고딕" panose="020B0603020101020101" pitchFamily="50" charset="-127"/>
-      <p:regular r:id="rId21"/>
-      <p:bold r:id="rId22"/>
-    </p:embeddedFont>
-    <p:embeddedFont>
-      <p:font typeface="맑은 고딕" panose="020B0503020000020004" pitchFamily="50" charset="-127"/>
-      <p:regular r:id="rId23"/>
-      <p:bold r:id="rId24"/>
-    </p:embeddedFont>
-    <p:embeddedFont>
-      <p:font typeface="Corbel" panose="020B0503020204020204" pitchFamily="34" charset="0"/>
-      <p:regular r:id="rId25"/>
-      <p:bold r:id="rId26"/>
-      <p:italic r:id="rId27"/>
-      <p:boldItalic r:id="rId28"/>
-    </p:embeddedFont>
-    <p:embeddedFont>
-      <p:font typeface="Wingdings 3" panose="05040102010807070707" pitchFamily="18" charset="2"/>
-      <p:regular r:id="rId29"/>
-    </p:embeddedFont>
-    <p:embeddedFont>
-      <p:font typeface="나눔고딕" panose="020D0604000000000000" pitchFamily="50" charset="-127"/>
-      <p:regular r:id="rId30"/>
-      <p:bold r:id="rId31"/>
-    </p:embeddedFont>
-  </p:embeddedFontLst>
   <p:defaultTextStyle>
     <a:defPPr>
       <a:defRPr lang="ko-KR"/>
@@ -340,7 +314,7 @@
             <a:fld id="{207F23D9-DF40-4811-9C78-A2E2A32398DD}" type="datetimeFigureOut">
               <a:rPr lang="ko-KR" altLang="en-US" smtClean="0"/>
               <a:pPr/>
-              <a:t>2017-03-28</a:t>
+              <a:t>2017. 3. 29.</a:t>
             </a:fld>
             <a:endParaRPr lang="ko-KR" altLang="en-US"/>
           </a:p>
@@ -508,7 +482,7 @@
             <a:fld id="{F3AF6795-A612-454E-AF7A-9192B1BEBB13}" type="datetimeFigureOut">
               <a:rPr lang="ko-KR" altLang="en-US" smtClean="0"/>
               <a:pPr/>
-              <a:t>2017-03-28</a:t>
+              <a:t>2017. 3. 29.</a:t>
             </a:fld>
             <a:endParaRPr lang="ko-KR" altLang="en-US"/>
           </a:p>
@@ -825,6 +799,14 @@
           </a:bodyPr>
           <a:lstStyle/>
           <a:p>
+            <a:r>
+              <a:rPr lang="en-US" altLang="ko-KR" dirty="0" smtClean="0"/>
+              <a:t>TODO:</a:t>
+            </a:r>
+            <a:r>
+              <a:rPr lang="en-US" altLang="ko-KR" baseline="0" dirty="0" smtClean="0"/>
+              <a:t> Change team name</a:t>
+            </a:r>
             <a:endParaRPr lang="ko-KR" altLang="en-US" dirty="0"/>
           </a:p>
         </p:txBody>
@@ -936,7 +918,7 @@
     </p:spTree>
     <p:extLst>
       <p:ext uri="{BB962C8B-B14F-4D97-AF65-F5344CB8AC3E}">
-        <p14:creationId xmlns:p14="http://schemas.microsoft.com/office/powerpoint/2010/main" val="1158920028"/>
+        <p14:creationId xmlns:p14="http://schemas.microsoft.com/office/powerpoint/2010/main" val="2321851601"/>
       </p:ext>
     </p:extLst>
   </p:cSld>
@@ -1075,6 +1057,14 @@
           <a:bodyPr/>
           <a:lstStyle/>
           <a:p>
+            <a:r>
+              <a:rPr lang="en-US" altLang="ko-KR" dirty="0" smtClean="0"/>
+              <a:t>TODO: Sub-Architecture</a:t>
+            </a:r>
+            <a:r>
+              <a:rPr lang="en-US" altLang="ko-KR" baseline="0" dirty="0" smtClean="0"/>
+              <a:t> goes here</a:t>
+            </a:r>
             <a:endParaRPr lang="ko-KR" altLang="en-US" dirty="0"/>
           </a:p>
         </p:txBody>
@@ -1106,7 +1096,7 @@
     </p:spTree>
     <p:extLst>
       <p:ext uri="{BB962C8B-B14F-4D97-AF65-F5344CB8AC3E}">
-        <p14:creationId xmlns:p14="http://schemas.microsoft.com/office/powerpoint/2010/main" val="1158920028"/>
+        <p14:creationId xmlns:p14="http://schemas.microsoft.com/office/powerpoint/2010/main" val="2040369853"/>
       </p:ext>
     </p:extLst>
   </p:cSld>
@@ -1361,7 +1351,7 @@
     </p:spTree>
     <p:extLst>
       <p:ext uri="{BB962C8B-B14F-4D97-AF65-F5344CB8AC3E}">
-        <p14:creationId xmlns:p14="http://schemas.microsoft.com/office/powerpoint/2010/main" val="1158920028"/>
+        <p14:creationId xmlns:p14="http://schemas.microsoft.com/office/powerpoint/2010/main" val="493245506"/>
       </p:ext>
     </p:extLst>
   </p:cSld>
@@ -1415,6 +1405,18 @@
           <a:bodyPr/>
           <a:lstStyle/>
           <a:p>
+            <a:r>
+              <a:rPr lang="en-US" altLang="ko-KR" dirty="0" smtClean="0"/>
+              <a:t>Change</a:t>
+            </a:r>
+            <a:r>
+              <a:rPr lang="en-US" altLang="ko-KR" baseline="0" dirty="0" smtClean="0"/>
+              <a:t> </a:t>
+            </a:r>
+            <a:r>
+              <a:rPr lang="en-US" altLang="ko-KR" baseline="0" smtClean="0"/>
+              <a:t>the icon, and make the icon green</a:t>
+            </a:r>
             <a:endParaRPr lang="ko-KR" altLang="en-US" dirty="0"/>
           </a:p>
         </p:txBody>
@@ -1446,7 +1448,7 @@
     </p:spTree>
     <p:extLst>
       <p:ext uri="{BB962C8B-B14F-4D97-AF65-F5344CB8AC3E}">
-        <p14:creationId xmlns:p14="http://schemas.microsoft.com/office/powerpoint/2010/main" val="1158920028"/>
+        <p14:creationId xmlns:p14="http://schemas.microsoft.com/office/powerpoint/2010/main" val="1873821801"/>
       </p:ext>
     </p:extLst>
   </p:cSld>
@@ -1497,9 +1499,7 @@
         </p:nvSpPr>
         <p:spPr/>
         <p:txBody>
-          <a:bodyPr>
-            <a:normAutofit/>
-          </a:bodyPr>
+          <a:bodyPr/>
           <a:lstStyle/>
           <a:p>
             <a:endParaRPr lang="ko-KR" altLang="en-US" dirty="0"/>
@@ -1525,6 +1525,186 @@
               <a:rPr lang="ko-KR" altLang="en-US" smtClean="0"/>
               <a:pPr/>
               <a:t>17</a:t>
+            </a:fld>
+            <a:endParaRPr lang="ko-KR" altLang="en-US"/>
+          </a:p>
+        </p:txBody>
+      </p:sp>
+    </p:spTree>
+    <p:extLst>
+      <p:ext uri="{BB962C8B-B14F-4D97-AF65-F5344CB8AC3E}">
+        <p14:creationId xmlns:p14="http://schemas.microsoft.com/office/powerpoint/2010/main" val="167469824"/>
+      </p:ext>
+    </p:extLst>
+  </p:cSld>
+  <p:clrMapOvr>
+    <a:masterClrMapping/>
+  </p:clrMapOvr>
+</p:notes>
+</file>
+
+<file path=ppt/notesSlides/notesSlide18.xml><?xml version="1.0" encoding="utf-8"?>
+<p:notes xmlns:a="http://schemas.openxmlformats.org/drawingml/2006/main" xmlns:r="http://schemas.openxmlformats.org/officeDocument/2006/relationships" xmlns:p="http://schemas.openxmlformats.org/presentationml/2006/main">
+  <p:cSld>
+    <p:spTree>
+      <p:nvGrpSpPr>
+        <p:cNvPr id="1" name=""/>
+        <p:cNvGrpSpPr/>
+        <p:nvPr/>
+      </p:nvGrpSpPr>
+      <p:grpSpPr>
+        <a:xfrm>
+          <a:off x="0" y="0"/>
+          <a:ext cx="0" cy="0"/>
+          <a:chOff x="0" y="0"/>
+          <a:chExt cx="0" cy="0"/>
+        </a:xfrm>
+      </p:grpSpPr>
+      <p:sp>
+        <p:nvSpPr>
+          <p:cNvPr id="2" name="슬라이드 이미지 개체 틀 1"/>
+          <p:cNvSpPr>
+            <a:spLocks noGrp="1" noRot="1" noChangeAspect="1"/>
+          </p:cNvSpPr>
+          <p:nvPr>
+            <p:ph type="sldImg"/>
+          </p:nvPr>
+        </p:nvSpPr>
+        <p:spPr/>
+      </p:sp>
+      <p:sp>
+        <p:nvSpPr>
+          <p:cNvPr id="3" name="슬라이드 노트 개체 틀 2"/>
+          <p:cNvSpPr>
+            <a:spLocks noGrp="1"/>
+          </p:cNvSpPr>
+          <p:nvPr>
+            <p:ph type="body" idx="1"/>
+          </p:nvPr>
+        </p:nvSpPr>
+        <p:spPr/>
+        <p:txBody>
+          <a:bodyPr/>
+          <a:lstStyle/>
+          <a:p>
+            <a:r>
+              <a:rPr lang="en-US" altLang="ko-KR" dirty="0" smtClean="0"/>
+              <a:t>TODO: Change</a:t>
+            </a:r>
+            <a:r>
+              <a:rPr lang="en-US" altLang="ko-KR" baseline="0" dirty="0" smtClean="0"/>
+              <a:t> to line graph</a:t>
+            </a:r>
+            <a:endParaRPr lang="ko-KR" altLang="en-US" dirty="0"/>
+          </a:p>
+        </p:txBody>
+      </p:sp>
+      <p:sp>
+        <p:nvSpPr>
+          <p:cNvPr id="4" name="슬라이드 번호 개체 틀 3"/>
+          <p:cNvSpPr>
+            <a:spLocks noGrp="1"/>
+          </p:cNvSpPr>
+          <p:nvPr>
+            <p:ph type="sldNum" sz="quarter" idx="10"/>
+          </p:nvPr>
+        </p:nvSpPr>
+        <p:spPr/>
+        <p:txBody>
+          <a:bodyPr/>
+          <a:lstStyle/>
+          <a:p>
+            <a:fld id="{A0A51D67-0C14-4576-BCC5-A508196B7BB5}" type="slidenum">
+              <a:rPr lang="ko-KR" altLang="en-US" smtClean="0"/>
+              <a:pPr/>
+              <a:t>18</a:t>
+            </a:fld>
+            <a:endParaRPr lang="ko-KR" altLang="en-US"/>
+          </a:p>
+        </p:txBody>
+      </p:sp>
+    </p:spTree>
+    <p:extLst>
+      <p:ext uri="{BB962C8B-B14F-4D97-AF65-F5344CB8AC3E}">
+        <p14:creationId xmlns:p14="http://schemas.microsoft.com/office/powerpoint/2010/main" val="1158920028"/>
+      </p:ext>
+    </p:extLst>
+  </p:cSld>
+  <p:clrMapOvr>
+    <a:masterClrMapping/>
+  </p:clrMapOvr>
+</p:notes>
+</file>
+
+<file path=ppt/notesSlides/notesSlide19.xml><?xml version="1.0" encoding="utf-8"?>
+<p:notes xmlns:a="http://schemas.openxmlformats.org/drawingml/2006/main" xmlns:r="http://schemas.openxmlformats.org/officeDocument/2006/relationships" xmlns:p="http://schemas.openxmlformats.org/presentationml/2006/main">
+  <p:cSld>
+    <p:spTree>
+      <p:nvGrpSpPr>
+        <p:cNvPr id="1" name=""/>
+        <p:cNvGrpSpPr/>
+        <p:nvPr/>
+      </p:nvGrpSpPr>
+      <p:grpSpPr>
+        <a:xfrm>
+          <a:off x="0" y="0"/>
+          <a:ext cx="0" cy="0"/>
+          <a:chOff x="0" y="0"/>
+          <a:chExt cx="0" cy="0"/>
+        </a:xfrm>
+      </p:grpSpPr>
+      <p:sp>
+        <p:nvSpPr>
+          <p:cNvPr id="2" name="슬라이드 이미지 개체 틀 1"/>
+          <p:cNvSpPr>
+            <a:spLocks noGrp="1" noRot="1" noChangeAspect="1"/>
+          </p:cNvSpPr>
+          <p:nvPr>
+            <p:ph type="sldImg"/>
+          </p:nvPr>
+        </p:nvSpPr>
+        <p:spPr/>
+      </p:sp>
+      <p:sp>
+        <p:nvSpPr>
+          <p:cNvPr id="3" name="슬라이드 노트 개체 틀 2"/>
+          <p:cNvSpPr>
+            <a:spLocks noGrp="1"/>
+          </p:cNvSpPr>
+          <p:nvPr>
+            <p:ph type="body" idx="1"/>
+          </p:nvPr>
+        </p:nvSpPr>
+        <p:spPr/>
+        <p:txBody>
+          <a:bodyPr>
+            <a:normAutofit/>
+          </a:bodyPr>
+          <a:lstStyle/>
+          <a:p>
+            <a:endParaRPr lang="ko-KR" altLang="en-US" dirty="0"/>
+          </a:p>
+        </p:txBody>
+      </p:sp>
+      <p:sp>
+        <p:nvSpPr>
+          <p:cNvPr id="4" name="슬라이드 번호 개체 틀 3"/>
+          <p:cNvSpPr>
+            <a:spLocks noGrp="1"/>
+          </p:cNvSpPr>
+          <p:nvPr>
+            <p:ph type="sldNum" sz="quarter" idx="10"/>
+          </p:nvPr>
+        </p:nvSpPr>
+        <p:spPr/>
+        <p:txBody>
+          <a:bodyPr/>
+          <a:lstStyle/>
+          <a:p>
+            <a:fld id="{A0A51D67-0C14-4576-BCC5-A508196B7BB5}" type="slidenum">
+              <a:rPr lang="ko-KR" altLang="en-US" smtClean="0"/>
+              <a:pPr/>
+              <a:t>19</a:t>
             </a:fld>
             <a:endParaRPr lang="ko-KR" altLang="en-US"/>
           </a:p>
@@ -1582,6 +1762,14 @@
           <a:bodyPr/>
           <a:lstStyle/>
           <a:p>
+            <a:r>
+              <a:rPr lang="en-US" altLang="ko-KR" dirty="0" smtClean="0"/>
+              <a:t>TODO:</a:t>
+            </a:r>
+            <a:r>
+              <a:rPr lang="en-US" altLang="ko-KR" baseline="0" dirty="0" smtClean="0"/>
+              <a:t> this overview slide should be changed to match its order.</a:t>
+            </a:r>
             <a:endParaRPr lang="ko-KR" altLang="en-US" dirty="0"/>
           </a:p>
         </p:txBody>
@@ -1667,6 +1855,10 @@
           <a:bodyPr/>
           <a:lstStyle/>
           <a:p>
+            <a:r>
+              <a:rPr lang="en-US" altLang="ko-KR" dirty="0" smtClean="0"/>
+              <a:t>TODO: Add Overview</a:t>
+            </a:r>
             <a:endParaRPr lang="ko-KR" altLang="en-US" dirty="0"/>
           </a:p>
         </p:txBody>
@@ -1783,7 +1975,7 @@
     </p:spTree>
     <p:extLst>
       <p:ext uri="{BB962C8B-B14F-4D97-AF65-F5344CB8AC3E}">
-        <p14:creationId xmlns:p14="http://schemas.microsoft.com/office/powerpoint/2010/main" val="1158920028"/>
+        <p14:creationId xmlns:p14="http://schemas.microsoft.com/office/powerpoint/2010/main" val="860726366"/>
       </p:ext>
     </p:extLst>
   </p:cSld>
@@ -1868,7 +2060,7 @@
     </p:spTree>
     <p:extLst>
       <p:ext uri="{BB962C8B-B14F-4D97-AF65-F5344CB8AC3E}">
-        <p14:creationId xmlns:p14="http://schemas.microsoft.com/office/powerpoint/2010/main" val="1605350075"/>
+        <p14:creationId xmlns:p14="http://schemas.microsoft.com/office/powerpoint/2010/main" val="1611673784"/>
       </p:ext>
     </p:extLst>
   </p:cSld>
@@ -1953,7 +2145,7 @@
     </p:spTree>
     <p:extLst>
       <p:ext uri="{BB962C8B-B14F-4D97-AF65-F5344CB8AC3E}">
-        <p14:creationId xmlns:p14="http://schemas.microsoft.com/office/powerpoint/2010/main" val="577271603"/>
+        <p14:creationId xmlns:p14="http://schemas.microsoft.com/office/powerpoint/2010/main" val="1622825628"/>
       </p:ext>
     </p:extLst>
   </p:cSld>
@@ -2038,7 +2230,7 @@
     </p:spTree>
     <p:extLst>
       <p:ext uri="{BB962C8B-B14F-4D97-AF65-F5344CB8AC3E}">
-        <p14:creationId xmlns:p14="http://schemas.microsoft.com/office/powerpoint/2010/main" val="1158920028"/>
+        <p14:creationId xmlns:p14="http://schemas.microsoft.com/office/powerpoint/2010/main" val="577271603"/>
       </p:ext>
     </p:extLst>
   </p:cSld>
@@ -2123,7 +2315,7 @@
     </p:spTree>
     <p:extLst>
       <p:ext uri="{BB962C8B-B14F-4D97-AF65-F5344CB8AC3E}">
-        <p14:creationId xmlns:p14="http://schemas.microsoft.com/office/powerpoint/2010/main" val="3964401734"/>
+        <p14:creationId xmlns:p14="http://schemas.microsoft.com/office/powerpoint/2010/main" val="1158920028"/>
       </p:ext>
     </p:extLst>
   </p:cSld>
@@ -2208,7 +2400,7 @@
     </p:spTree>
     <p:extLst>
       <p:ext uri="{BB962C8B-B14F-4D97-AF65-F5344CB8AC3E}">
-        <p14:creationId xmlns:p14="http://schemas.microsoft.com/office/powerpoint/2010/main" val="2321851601"/>
+        <p14:creationId xmlns:p14="http://schemas.microsoft.com/office/powerpoint/2010/main" val="3964401734"/>
       </p:ext>
     </p:extLst>
   </p:cSld>
@@ -7346,6 +7538,13 @@
               </a:rPr>
               <a:t>사물인식 기반의 </a:t>
             </a:r>
+            <a:r>
+              <a:rPr lang="en-US" altLang="ko-KR" dirty="0">
+                <a:latin typeface="나눔바른고딕" panose="020B0603020101020101" pitchFamily="50" charset="-127"/>
+                <a:ea typeface="나눔바른고딕" panose="020B0603020101020101" pitchFamily="50" charset="-127"/>
+              </a:rPr>
+              <a:t/>
+            </a:r>
             <a:br>
               <a:rPr lang="en-US" altLang="ko-KR" dirty="0">
                 <a:latin typeface="나눔바른고딕" panose="020B0603020101020101" pitchFamily="50" charset="-127"/>
@@ -7754,336 +7953,16 @@
           <a:chExt cx="0" cy="0"/>
         </a:xfrm>
       </p:grpSpPr>
-      <p:pic>
-        <p:nvPicPr>
-          <p:cNvPr id="26" name="그림 25"/>
-          <p:cNvPicPr>
-            <a:picLocks noChangeAspect="1"/>
-          </p:cNvPicPr>
+      <p:sp>
+        <p:nvSpPr>
+          <p:cNvPr id="22" name="TextBox 21"/>
+          <p:cNvSpPr txBox="1"/>
           <p:nvPr/>
-        </p:nvPicPr>
-        <p:blipFill>
-          <a:blip r:embed="rId3" cstate="print">
-            <a:extLst>
-              <a:ext uri="{28A0092B-C50C-407E-A947-70E740481C1C}">
-                <a14:useLocalDpi xmlns:a14="http://schemas.microsoft.com/office/drawing/2010/main" val="0"/>
-              </a:ext>
-            </a:extLst>
-          </a:blip>
-          <a:stretch>
-            <a:fillRect/>
-          </a:stretch>
-        </p:blipFill>
+        </p:nvSpPr>
         <p:spPr>
           <a:xfrm>
-            <a:off x="6502893" y="4504700"/>
-            <a:ext cx="1645613" cy="1645613"/>
-          </a:xfrm>
-          <a:prstGeom prst="rect">
-            <a:avLst/>
-          </a:prstGeom>
-        </p:spPr>
-      </p:pic>
-      <p:sp>
-        <p:nvSpPr>
-          <p:cNvPr id="3" name="제목 2"/>
-          <p:cNvSpPr>
-            <a:spLocks noGrp="1"/>
-          </p:cNvSpPr>
-          <p:nvPr>
-            <p:ph type="title"/>
-          </p:nvPr>
-        </p:nvSpPr>
-        <p:spPr>
-          <a:xfrm>
-            <a:off x="457200" y="366780"/>
-            <a:ext cx="8229600" cy="648404"/>
-          </a:xfrm>
-        </p:spPr>
-        <p:txBody>
-          <a:bodyPr>
-            <a:normAutofit/>
-          </a:bodyPr>
-          <a:lstStyle/>
-          <a:p>
-            <a:r>
-              <a:rPr lang="en-US" altLang="ko-KR" dirty="0">
-                <a:latin typeface="+mj-lt"/>
-              </a:rPr>
-              <a:t>Development Environment</a:t>
-            </a:r>
-            <a:endParaRPr lang="ko-KR" altLang="en-US" dirty="0">
-              <a:latin typeface="+mj-lt"/>
-            </a:endParaRPr>
-          </a:p>
-        </p:txBody>
-      </p:sp>
-      <p:pic>
-        <p:nvPicPr>
-          <p:cNvPr id="8" name="그림 7"/>
-          <p:cNvPicPr>
-            <a:picLocks noChangeAspect="1"/>
-          </p:cNvPicPr>
-          <p:nvPr/>
-        </p:nvPicPr>
-        <p:blipFill>
-          <a:blip r:embed="rId4" cstate="print">
-            <a:extLst>
-              <a:ext uri="{28A0092B-C50C-407E-A947-70E740481C1C}">
-                <a14:useLocalDpi xmlns:a14="http://schemas.microsoft.com/office/drawing/2010/main" val="0"/>
-              </a:ext>
-            </a:extLst>
-          </a:blip>
-          <a:stretch>
-            <a:fillRect/>
-          </a:stretch>
-        </p:blipFill>
-        <p:spPr>
-          <a:xfrm>
-            <a:off x="6801514" y="1988422"/>
-            <a:ext cx="1048370" cy="1048370"/>
-          </a:xfrm>
-          <a:prstGeom prst="rect">
-            <a:avLst/>
-          </a:prstGeom>
-        </p:spPr>
-      </p:pic>
-      <p:pic>
-        <p:nvPicPr>
-          <p:cNvPr id="12" name="그림 11"/>
-          <p:cNvPicPr>
-            <a:picLocks noChangeAspect="1"/>
-          </p:cNvPicPr>
-          <p:nvPr/>
-        </p:nvPicPr>
-        <p:blipFill>
-          <a:blip r:embed="rId5">
-            <a:extLst>
-              <a:ext uri="{28A0092B-C50C-407E-A947-70E740481C1C}">
-                <a14:useLocalDpi xmlns:a14="http://schemas.microsoft.com/office/drawing/2010/main" val="0"/>
-              </a:ext>
-            </a:extLst>
-          </a:blip>
-          <a:stretch>
-            <a:fillRect/>
-          </a:stretch>
-        </p:blipFill>
-        <p:spPr>
-          <a:xfrm>
-            <a:off x="1256709" y="1806698"/>
-            <a:ext cx="1355143" cy="1355143"/>
-          </a:xfrm>
-          <a:prstGeom prst="rect">
-            <a:avLst/>
-          </a:prstGeom>
-        </p:spPr>
-      </p:pic>
-      <p:sp>
-        <p:nvSpPr>
-          <p:cNvPr id="13" name="내용 개체 틀 3"/>
-          <p:cNvSpPr>
-            <a:spLocks noGrp="1"/>
-          </p:cNvSpPr>
-          <p:nvPr>
-            <p:ph sz="quarter" idx="4294967295"/>
-          </p:nvPr>
-        </p:nvSpPr>
-        <p:spPr>
-          <a:xfrm>
-            <a:off x="270895" y="7109701"/>
-            <a:ext cx="4502426" cy="4690410"/>
-          </a:xfrm>
-        </p:spPr>
-        <p:txBody>
-          <a:bodyPr>
-            <a:normAutofit fontScale="85000" lnSpcReduction="20000"/>
-          </a:bodyPr>
-          <a:lstStyle/>
-          <a:p>
-            <a:pPr marL="0" indent="0">
-              <a:buNone/>
-            </a:pPr>
-            <a:r>
-              <a:rPr lang="en-US" altLang="ko-KR" b="1" dirty="0"/>
-              <a:t>Language</a:t>
-            </a:r>
-          </a:p>
-          <a:p>
-            <a:pPr marL="0" indent="0">
-              <a:buNone/>
-            </a:pPr>
-            <a:r>
-              <a:rPr lang="en-US" altLang="ko-KR" dirty="0"/>
-              <a:t>Python</a:t>
-            </a:r>
-            <a:r>
-              <a:rPr lang="en-US" altLang="ko-KR" sz="2800" dirty="0"/>
-              <a:t> </a:t>
-            </a:r>
-            <a:r>
-              <a:rPr lang="en-US" altLang="ko-KR" sz="2000" dirty="0"/>
-              <a:t>version 3.6.0</a:t>
-            </a:r>
-          </a:p>
-          <a:p>
-            <a:pPr marL="0" indent="0">
-              <a:buNone/>
-            </a:pPr>
-            <a:r>
-              <a:rPr lang="en-US" altLang="ko-KR" dirty="0"/>
-              <a:t>Java</a:t>
-            </a:r>
-          </a:p>
-          <a:p>
-            <a:pPr marL="0" indent="0">
-              <a:buNone/>
-            </a:pPr>
-            <a:endParaRPr lang="en-US" altLang="ko-KR" dirty="0"/>
-          </a:p>
-          <a:p>
-            <a:pPr marL="0" indent="0">
-              <a:buNone/>
-            </a:pPr>
-            <a:r>
-              <a:rPr lang="en-US" altLang="ko-KR" b="1" dirty="0"/>
-              <a:t>API</a:t>
-            </a:r>
-          </a:p>
-          <a:p>
-            <a:pPr marL="0" indent="0">
-              <a:buNone/>
-            </a:pPr>
-            <a:r>
-              <a:rPr lang="en-US" altLang="ko-KR" dirty="0" err="1"/>
-              <a:t>Tensorflow</a:t>
-            </a:r>
-            <a:r>
-              <a:rPr lang="en-US" altLang="ko-KR" dirty="0"/>
-              <a:t> 	</a:t>
-            </a:r>
-            <a:r>
-              <a:rPr lang="en-US" altLang="ko-KR" sz="2000" dirty="0"/>
-              <a:t>version 1.0.0</a:t>
-            </a:r>
-            <a:endParaRPr lang="en-US" altLang="ko-KR" dirty="0"/>
-          </a:p>
-          <a:p>
-            <a:pPr marL="0" indent="0">
-              <a:buNone/>
-            </a:pPr>
-            <a:endParaRPr lang="en-US" altLang="ko-KR" dirty="0"/>
-          </a:p>
-          <a:p>
-            <a:pPr marL="0" indent="0">
-              <a:buNone/>
-            </a:pPr>
-            <a:r>
-              <a:rPr lang="en-US" altLang="ko-KR" b="1" dirty="0"/>
-              <a:t>IDE</a:t>
-            </a:r>
-          </a:p>
-          <a:p>
-            <a:pPr marL="0" indent="0">
-              <a:buNone/>
-            </a:pPr>
-            <a:r>
-              <a:rPr lang="en-US" altLang="ko-KR" dirty="0" err="1"/>
-              <a:t>Pycharm</a:t>
-            </a:r>
-            <a:r>
-              <a:rPr lang="en-US" altLang="ko-KR" dirty="0"/>
-              <a:t> 	version 2017.1</a:t>
-            </a:r>
-          </a:p>
-          <a:p>
-            <a:pPr marL="0" indent="0">
-              <a:buNone/>
-            </a:pPr>
-            <a:r>
-              <a:rPr lang="en-US" altLang="ko-KR" dirty="0"/>
-              <a:t>Android Studio</a:t>
-            </a:r>
-            <a:r>
-              <a:rPr lang="en-US" altLang="ko-KR" sz="2800" dirty="0"/>
-              <a:t> 	</a:t>
-            </a:r>
-            <a:r>
-              <a:rPr lang="en-US" altLang="ko-KR" sz="2000" dirty="0"/>
-              <a:t>version 2.3</a:t>
-            </a:r>
-          </a:p>
-          <a:p>
-            <a:pPr marL="0" indent="0">
-              <a:buNone/>
-            </a:pPr>
-            <a:endParaRPr lang="en-US" altLang="ko-KR" dirty="0"/>
-          </a:p>
-          <a:p>
-            <a:pPr marL="0" indent="0">
-              <a:buNone/>
-            </a:pPr>
-            <a:r>
-              <a:rPr lang="en-US" altLang="ko-KR" b="1" dirty="0"/>
-              <a:t>OS</a:t>
-            </a:r>
-          </a:p>
-          <a:p>
-            <a:pPr marL="0" indent="0">
-              <a:buNone/>
-            </a:pPr>
-            <a:r>
-              <a:rPr lang="en-US" altLang="ko-KR" dirty="0"/>
-              <a:t>Windows</a:t>
-            </a:r>
-          </a:p>
-          <a:p>
-            <a:pPr marL="0" indent="0">
-              <a:buNone/>
-            </a:pPr>
-            <a:endParaRPr lang="en-US" altLang="ko-KR" dirty="0"/>
-          </a:p>
-        </p:txBody>
-      </p:sp>
-      <p:pic>
-        <p:nvPicPr>
-          <p:cNvPr id="14" name="그림 13"/>
-          <p:cNvPicPr>
-            <a:picLocks noChangeAspect="1"/>
-          </p:cNvPicPr>
-          <p:nvPr/>
-        </p:nvPicPr>
-        <p:blipFill>
-          <a:blip r:embed="rId6" cstate="print">
-            <a:extLst>
-              <a:ext uri="{28A0092B-C50C-407E-A947-70E740481C1C}">
-                <a14:useLocalDpi xmlns:a14="http://schemas.microsoft.com/office/drawing/2010/main" val="0"/>
-              </a:ext>
-            </a:extLst>
-          </a:blip>
-          <a:stretch>
-            <a:fillRect/>
-          </a:stretch>
-        </p:blipFill>
-        <p:spPr>
-          <a:xfrm>
-            <a:off x="1398739" y="4743018"/>
-            <a:ext cx="1147663" cy="1147663"/>
-          </a:xfrm>
-          <a:prstGeom prst="rect">
-            <a:avLst/>
-          </a:prstGeom>
-        </p:spPr>
-      </p:pic>
-      <p:sp>
-        <p:nvSpPr>
-          <p:cNvPr id="15" name="TextBox 14"/>
-          <p:cNvSpPr txBox="1"/>
-          <p:nvPr/>
-        </p:nvSpPr>
-        <p:spPr>
-          <a:xfrm>
-            <a:off x="1013777" y="3140775"/>
-            <a:ext cx="1797146" cy="584775"/>
+            <a:off x="635709" y="1095292"/>
+            <a:ext cx="8312622" cy="490519"/>
           </a:xfrm>
           <a:prstGeom prst="rect">
             <a:avLst/>
@@ -8096,23 +7975,54 @@
           </a:bodyPr>
           <a:lstStyle/>
           <a:p>
-            <a:pPr algn="ctr"/>
+            <a:pPr>
+              <a:lnSpc>
+                <a:spcPts val="3500"/>
+              </a:lnSpc>
+            </a:pPr>
+            <a:r>
+              <a:rPr lang="ko-KR" altLang="en-US" sz="2000" b="1" dirty="0"/>
+              <a:t>인식한 사람을 기반으로 웹툰 모드</a:t>
+            </a:r>
+            <a:r>
+              <a:rPr lang="en-US" altLang="ko-KR" sz="2000" b="1" dirty="0"/>
+              <a:t>/AR </a:t>
+            </a:r>
+            <a:r>
+              <a:rPr lang="ko-KR" altLang="en-US" sz="2000" b="1" dirty="0"/>
+              <a:t>모드 수행</a:t>
+            </a:r>
+            <a:endParaRPr lang="en-US" altLang="ko-KR" sz="2000" b="1" dirty="0"/>
+          </a:p>
+        </p:txBody>
+      </p:sp>
+      <p:sp>
+        <p:nvSpPr>
+          <p:cNvPr id="6" name="제목 5"/>
+          <p:cNvSpPr>
+            <a:spLocks noGrp="1"/>
+          </p:cNvSpPr>
+          <p:nvPr>
+            <p:ph type="title"/>
+          </p:nvPr>
+        </p:nvSpPr>
+        <p:spPr>
+          <a:xfrm>
+            <a:off x="457200" y="366780"/>
+            <a:ext cx="8229600" cy="648404"/>
+          </a:xfrm>
+        </p:spPr>
+        <p:txBody>
+          <a:bodyPr/>
+          <a:lstStyle/>
+          <a:p>
             <a:r>
               <a:rPr lang="en-US" altLang="ko-KR" dirty="0">
                 <a:latin typeface="+mj-lt"/>
               </a:rPr>
-              <a:t>Python</a:t>
-            </a:r>
-          </a:p>
-          <a:p>
-            <a:pPr algn="ctr"/>
-            <a:r>
-              <a:rPr lang="en-US" altLang="ko-KR" sz="1400" dirty="0">
-                <a:latin typeface="+mj-lt"/>
-              </a:rPr>
-              <a:t>Version 3.6.0</a:t>
-            </a:r>
-            <a:endParaRPr lang="ko-KR" altLang="en-US" sz="1400" dirty="0">
+              <a:t>Approach - Application</a:t>
+            </a:r>
+            <a:endParaRPr lang="ko-KR" altLang="en-US" dirty="0">
               <a:latin typeface="+mj-lt"/>
             </a:endParaRPr>
           </a:p>
@@ -8120,405 +8030,368 @@
       </p:sp>
       <p:sp>
         <p:nvSpPr>
-          <p:cNvPr id="16" name="직사각형 15"/>
+          <p:cNvPr id="2" name="타원 1"/>
           <p:cNvSpPr/>
           <p:nvPr/>
         </p:nvSpPr>
         <p:spPr>
           <a:xfrm>
-            <a:off x="573808" y="1376298"/>
-            <a:ext cx="1229824" cy="369332"/>
+            <a:off x="1122871" y="1925950"/>
+            <a:ext cx="2127849" cy="2127849"/>
+          </a:xfrm>
+          <a:prstGeom prst="ellipse">
+            <a:avLst/>
+          </a:prstGeom>
+          <a:solidFill>
+            <a:srgbClr val="479D8A"/>
+          </a:solidFill>
+          <a:ln>
+            <a:noFill/>
+          </a:ln>
+        </p:spPr>
+        <p:style>
+          <a:lnRef idx="2">
+            <a:schemeClr val="accent1">
+              <a:shade val="50000"/>
+            </a:schemeClr>
+          </a:lnRef>
+          <a:fillRef idx="1">
+            <a:schemeClr val="accent1"/>
+          </a:fillRef>
+          <a:effectRef idx="0">
+            <a:schemeClr val="accent1"/>
+          </a:effectRef>
+          <a:fontRef idx="minor">
+            <a:schemeClr val="lt1"/>
+          </a:fontRef>
+        </p:style>
+        <p:txBody>
+          <a:bodyPr rtlCol="0" anchor="ctr"/>
+          <a:lstStyle/>
+          <a:p>
+            <a:pPr algn="ctr"/>
+            <a:r>
+              <a:rPr lang="ko-KR" altLang="en-US" dirty="0"/>
+              <a:t>웹툰 모드</a:t>
+            </a:r>
+          </a:p>
+        </p:txBody>
+      </p:sp>
+      <p:sp>
+        <p:nvSpPr>
+          <p:cNvPr id="3" name="직사각형 2"/>
+          <p:cNvSpPr/>
+          <p:nvPr/>
+        </p:nvSpPr>
+        <p:spPr>
+          <a:xfrm>
+            <a:off x="802261" y="4158804"/>
+            <a:ext cx="3758241" cy="1631216"/>
           </a:xfrm>
           <a:prstGeom prst="rect">
             <a:avLst/>
           </a:prstGeom>
         </p:spPr>
         <p:txBody>
-          <a:bodyPr wrap="none">
+          <a:bodyPr wrap="square">
             <a:spAutoFit/>
           </a:bodyPr>
           <a:lstStyle/>
           <a:p>
+            <a:pPr>
+              <a:lnSpc>
+                <a:spcPts val="3000"/>
+              </a:lnSpc>
+            </a:pPr>
+            <a:r>
+              <a:rPr lang="en-US" altLang="ko-KR" b="1" dirty="0" err="1">
+                <a:solidFill>
+                  <a:srgbClr val="00B050"/>
+                </a:solidFill>
+              </a:rPr>
+              <a:t>RecyclerView</a:t>
+            </a:r>
+            <a:endParaRPr lang="en-US" altLang="ko-KR" b="1" dirty="0">
+              <a:solidFill>
+                <a:srgbClr val="00B050"/>
+              </a:solidFill>
+            </a:endParaRPr>
+          </a:p>
+          <a:p>
+            <a:pPr>
+              <a:lnSpc>
+                <a:spcPts val="3000"/>
+              </a:lnSpc>
+            </a:pPr>
+            <a:r>
+              <a:rPr lang="ko-KR" altLang="en-US" dirty="0"/>
+              <a:t>메모리 적은 모바일에서 웹툰 표현</a:t>
+            </a:r>
+            <a:endParaRPr lang="en-US" altLang="ko-KR" dirty="0"/>
+          </a:p>
+          <a:p>
+            <a:pPr>
+              <a:lnSpc>
+                <a:spcPts val="3000"/>
+              </a:lnSpc>
+            </a:pPr>
             <a:r>
               <a:rPr lang="en-US" altLang="ko-KR" b="1" dirty="0">
-                <a:latin typeface="+mj-lt"/>
+                <a:solidFill>
+                  <a:srgbClr val="00B050"/>
+                </a:solidFill>
               </a:rPr>
-              <a:t>Language</a:t>
-            </a:r>
+              <a:t>Glide API</a:t>
+            </a:r>
+          </a:p>
+          <a:p>
+            <a:pPr>
+              <a:lnSpc>
+                <a:spcPts val="3000"/>
+              </a:lnSpc>
+            </a:pPr>
+            <a:r>
+              <a:rPr lang="ko-KR" altLang="en-US" dirty="0"/>
+              <a:t>끊김</a:t>
+            </a:r>
+            <a:r>
+              <a:rPr lang="en-US" altLang="ko-KR" dirty="0"/>
+              <a:t>(ANR) </a:t>
+            </a:r>
+            <a:r>
+              <a:rPr lang="ko-KR" altLang="en-US" dirty="0"/>
+              <a:t>없이 </a:t>
+            </a:r>
+            <a:r>
+              <a:rPr lang="en-US" altLang="ko-KR" dirty="0"/>
+              <a:t>image </a:t>
+            </a:r>
+            <a:r>
+              <a:rPr lang="ko-KR" altLang="en-US" dirty="0"/>
+              <a:t>표현</a:t>
+            </a:r>
+            <a:endParaRPr lang="en-US" altLang="ko-KR" dirty="0"/>
           </a:p>
         </p:txBody>
       </p:sp>
       <p:sp>
         <p:nvSpPr>
-          <p:cNvPr id="17" name="직사각형 16"/>
+          <p:cNvPr id="7" name="타원 6"/>
           <p:cNvSpPr/>
           <p:nvPr/>
         </p:nvSpPr>
         <p:spPr>
           <a:xfrm>
-            <a:off x="5989870" y="1376298"/>
-            <a:ext cx="542136" cy="369332"/>
+            <a:off x="5287991" y="1925950"/>
+            <a:ext cx="2127849" cy="2127849"/>
+          </a:xfrm>
+          <a:prstGeom prst="ellipse">
+            <a:avLst/>
+          </a:prstGeom>
+          <a:solidFill>
+            <a:srgbClr val="00B050"/>
+          </a:solidFill>
+          <a:ln>
+            <a:noFill/>
+          </a:ln>
+        </p:spPr>
+        <p:style>
+          <a:lnRef idx="2">
+            <a:schemeClr val="accent1">
+              <a:shade val="50000"/>
+            </a:schemeClr>
+          </a:lnRef>
+          <a:fillRef idx="1">
+            <a:schemeClr val="accent1"/>
+          </a:fillRef>
+          <a:effectRef idx="0">
+            <a:schemeClr val="accent1"/>
+          </a:effectRef>
+          <a:fontRef idx="minor">
+            <a:schemeClr val="lt1"/>
+          </a:fontRef>
+        </p:style>
+        <p:txBody>
+          <a:bodyPr rtlCol="0" anchor="ctr"/>
+          <a:lstStyle/>
+          <a:p>
+            <a:pPr algn="ctr"/>
+            <a:r>
+              <a:rPr lang="en-US" altLang="ko-KR" dirty="0"/>
+              <a:t>AR</a:t>
+            </a:r>
+            <a:r>
+              <a:rPr lang="ko-KR" altLang="en-US" dirty="0"/>
+              <a:t> 모드</a:t>
+            </a:r>
+          </a:p>
+        </p:txBody>
+      </p:sp>
+      <p:sp>
+        <p:nvSpPr>
+          <p:cNvPr id="4" name="직사각형 3"/>
+          <p:cNvSpPr/>
+          <p:nvPr/>
+        </p:nvSpPr>
+        <p:spPr>
+          <a:xfrm>
+            <a:off x="4889787" y="4158804"/>
+            <a:ext cx="3627360" cy="2400657"/>
           </a:xfrm>
           <a:prstGeom prst="rect">
             <a:avLst/>
           </a:prstGeom>
         </p:spPr>
         <p:txBody>
-          <a:bodyPr wrap="none">
+          <a:bodyPr wrap="square">
             <a:spAutoFit/>
           </a:bodyPr>
           <a:lstStyle/>
           <a:p>
+            <a:pPr>
+              <a:lnSpc>
+                <a:spcPts val="3000"/>
+              </a:lnSpc>
+            </a:pPr>
             <a:r>
               <a:rPr lang="en-US" altLang="ko-KR" b="1" dirty="0">
-                <a:latin typeface="+mj-lt"/>
+                <a:solidFill>
+                  <a:srgbClr val="00B050"/>
+                </a:solidFill>
               </a:rPr>
-              <a:t>API</a:t>
+              <a:t>Multithreading</a:t>
+            </a:r>
+            <a:endParaRPr lang="en-US" altLang="ko-KR" dirty="0"/>
+          </a:p>
+          <a:p>
+            <a:pPr>
+              <a:lnSpc>
+                <a:spcPts val="3000"/>
+              </a:lnSpc>
+            </a:pPr>
+            <a:r>
+              <a:rPr lang="en-US" altLang="ko-KR" dirty="0"/>
+              <a:t>View</a:t>
+            </a:r>
+            <a:r>
+              <a:rPr lang="ko-KR" altLang="en-US" dirty="0"/>
+              <a:t>의 끊김 없이 사람 인식</a:t>
+            </a:r>
+            <a:endParaRPr lang="en-US" altLang="ko-KR" dirty="0"/>
+          </a:p>
+          <a:p>
+            <a:pPr>
+              <a:lnSpc>
+                <a:spcPts val="3000"/>
+              </a:lnSpc>
+            </a:pPr>
+            <a:r>
+              <a:rPr lang="en-US" altLang="ko-KR" b="1" dirty="0">
+                <a:solidFill>
+                  <a:srgbClr val="00B050"/>
+                </a:solidFill>
+              </a:rPr>
+              <a:t>OpenGL API</a:t>
+            </a:r>
+          </a:p>
+          <a:p>
+            <a:pPr>
+              <a:lnSpc>
+                <a:spcPts val="3000"/>
+              </a:lnSpc>
+            </a:pPr>
+            <a:r>
+              <a:rPr lang="ko-KR" altLang="en-US" dirty="0"/>
+              <a:t>인식한 사람 주변 </a:t>
+            </a:r>
+            <a:r>
+              <a:rPr lang="en-US" altLang="ko-KR" dirty="0"/>
+              <a:t>Animation </a:t>
+            </a:r>
+            <a:r>
+              <a:rPr lang="ko-KR" altLang="en-US" dirty="0"/>
+              <a:t>재생</a:t>
+            </a:r>
+            <a:endParaRPr lang="en-US" altLang="ko-KR" dirty="0"/>
+          </a:p>
+          <a:p>
+            <a:pPr>
+              <a:lnSpc>
+                <a:spcPts val="3000"/>
+              </a:lnSpc>
+            </a:pPr>
+            <a:r>
+              <a:rPr lang="en-US" altLang="ko-KR" b="1" dirty="0">
+                <a:solidFill>
+                  <a:srgbClr val="00B050"/>
+                </a:solidFill>
+              </a:rPr>
+              <a:t>Realm/SQLite</a:t>
+            </a:r>
+          </a:p>
+          <a:p>
+            <a:pPr>
+              <a:lnSpc>
+                <a:spcPts val="3000"/>
+              </a:lnSpc>
+            </a:pPr>
+            <a:r>
+              <a:rPr lang="en-US" altLang="ko-KR" dirty="0"/>
+              <a:t>Metadata </a:t>
+            </a:r>
+            <a:r>
+              <a:rPr lang="ko-KR" altLang="en-US" dirty="0"/>
+              <a:t>저장</a:t>
             </a:r>
           </a:p>
         </p:txBody>
       </p:sp>
-      <p:sp>
-        <p:nvSpPr>
-          <p:cNvPr id="18" name="TextBox 17"/>
-          <p:cNvSpPr txBox="1"/>
+      <p:cxnSp>
+        <p:nvCxnSpPr>
+          <p:cNvPr id="8" name="직선 화살표 연결선 7"/>
+          <p:cNvCxnSpPr>
+            <a:stCxn id="2" idx="6"/>
+            <a:endCxn id="7" idx="2"/>
+          </p:cNvCxnSpPr>
           <p:nvPr/>
-        </p:nvSpPr>
+        </p:nvCxnSpPr>
         <p:spPr>
           <a:xfrm>
-            <a:off x="6429839" y="3126422"/>
-            <a:ext cx="1797146" cy="584775"/>
+            <a:off x="3250720" y="2989875"/>
+            <a:ext cx="2037271" cy="0"/>
           </a:xfrm>
-          <a:prstGeom prst="rect">
+          <a:prstGeom prst="straightConnector1">
             <a:avLst/>
           </a:prstGeom>
-          <a:noFill/>
+          <a:ln w="38100">
+            <a:solidFill>
+              <a:schemeClr val="bg1">
+                <a:lumMod val="65000"/>
+              </a:schemeClr>
+            </a:solidFill>
+            <a:headEnd type="triangle" w="med" len="med"/>
+            <a:tailEnd type="triangle" w="med" len="med"/>
+          </a:ln>
         </p:spPr>
-        <p:txBody>
-          <a:bodyPr wrap="square" rtlCol="0">
-            <a:spAutoFit/>
-          </a:bodyPr>
-          <a:lstStyle/>
-          <a:p>
-            <a:pPr algn="ctr"/>
-            <a:r>
-              <a:rPr lang="en-US" altLang="ko-KR" dirty="0" err="1">
-                <a:latin typeface="+mj-lt"/>
-              </a:rPr>
-              <a:t>TensorFlow</a:t>
-            </a:r>
-            <a:endParaRPr lang="en-US" altLang="ko-KR" dirty="0">
-              <a:latin typeface="+mj-lt"/>
-            </a:endParaRPr>
-          </a:p>
-          <a:p>
-            <a:pPr algn="ctr"/>
-            <a:r>
-              <a:rPr lang="en-US" altLang="ko-KR" sz="1400" dirty="0">
-                <a:latin typeface="+mj-lt"/>
-              </a:rPr>
-              <a:t>Version 1.0.0</a:t>
-            </a:r>
-            <a:endParaRPr lang="ko-KR" altLang="en-US" sz="1400" dirty="0">
-              <a:latin typeface="+mj-lt"/>
-            </a:endParaRPr>
-          </a:p>
-        </p:txBody>
-      </p:sp>
-      <p:sp>
-        <p:nvSpPr>
-          <p:cNvPr id="19" name="직사각형 18"/>
-          <p:cNvSpPr/>
-          <p:nvPr/>
-        </p:nvSpPr>
-        <p:spPr>
-          <a:xfrm>
-            <a:off x="646584" y="4389846"/>
-            <a:ext cx="542136" cy="369332"/>
-          </a:xfrm>
-          <a:prstGeom prst="rect">
-            <a:avLst/>
-          </a:prstGeom>
-        </p:spPr>
-        <p:txBody>
-          <a:bodyPr wrap="none">
-            <a:spAutoFit/>
-          </a:bodyPr>
-          <a:lstStyle/>
-          <a:p>
-            <a:r>
-              <a:rPr lang="en-US" altLang="ko-KR" b="1" dirty="0">
-                <a:latin typeface="+mj-lt"/>
-              </a:rPr>
-              <a:t>IDE</a:t>
-            </a:r>
-          </a:p>
-        </p:txBody>
-      </p:sp>
-      <p:sp>
-        <p:nvSpPr>
-          <p:cNvPr id="20" name="TextBox 19"/>
-          <p:cNvSpPr txBox="1"/>
-          <p:nvPr/>
-        </p:nvSpPr>
-        <p:spPr>
-          <a:xfrm>
-            <a:off x="1013777" y="6071821"/>
-            <a:ext cx="1797146" cy="584775"/>
-          </a:xfrm>
-          <a:prstGeom prst="rect">
-            <a:avLst/>
-          </a:prstGeom>
-          <a:noFill/>
-        </p:spPr>
-        <p:txBody>
-          <a:bodyPr wrap="square" rtlCol="0">
-            <a:spAutoFit/>
-          </a:bodyPr>
-          <a:lstStyle/>
-          <a:p>
-            <a:pPr algn="ctr"/>
-            <a:r>
-              <a:rPr lang="en-US" altLang="ko-KR" dirty="0">
-                <a:latin typeface="+mj-lt"/>
-              </a:rPr>
-              <a:t>Android Studio</a:t>
-            </a:r>
-          </a:p>
-          <a:p>
-            <a:pPr algn="ctr"/>
-            <a:r>
-              <a:rPr lang="en-US" altLang="ko-KR" sz="1400" dirty="0">
-                <a:latin typeface="+mj-lt"/>
-              </a:rPr>
-              <a:t>Version 2.3</a:t>
-            </a:r>
-            <a:endParaRPr lang="ko-KR" altLang="en-US" sz="1400" dirty="0">
-              <a:latin typeface="+mj-lt"/>
-            </a:endParaRPr>
-          </a:p>
-        </p:txBody>
-      </p:sp>
-      <p:pic>
-        <p:nvPicPr>
-          <p:cNvPr id="22" name="그림 21"/>
-          <p:cNvPicPr>
-            <a:picLocks noChangeAspect="1"/>
-          </p:cNvPicPr>
-          <p:nvPr/>
-        </p:nvPicPr>
-        <p:blipFill>
-          <a:blip r:embed="rId7">
-            <a:extLst>
-              <a:ext uri="{28A0092B-C50C-407E-A947-70E740481C1C}">
-                <a14:useLocalDpi xmlns:a14="http://schemas.microsoft.com/office/drawing/2010/main" val="0"/>
-              </a:ext>
-            </a:extLst>
-          </a:blip>
-          <a:stretch>
-            <a:fillRect/>
-          </a:stretch>
-        </p:blipFill>
-        <p:spPr>
-          <a:xfrm>
-            <a:off x="3408514" y="4684447"/>
-            <a:ext cx="1236586" cy="1236586"/>
-          </a:xfrm>
-          <a:prstGeom prst="rect">
-            <a:avLst/>
-          </a:prstGeom>
-        </p:spPr>
-      </p:pic>
-      <p:sp>
-        <p:nvSpPr>
-          <p:cNvPr id="23" name="TextBox 22"/>
-          <p:cNvSpPr txBox="1"/>
-          <p:nvPr/>
-        </p:nvSpPr>
-        <p:spPr>
-          <a:xfrm>
-            <a:off x="3114425" y="6071821"/>
-            <a:ext cx="1797146" cy="584775"/>
-          </a:xfrm>
-          <a:prstGeom prst="rect">
-            <a:avLst/>
-          </a:prstGeom>
-          <a:noFill/>
-        </p:spPr>
-        <p:txBody>
-          <a:bodyPr wrap="square" rtlCol="0">
-            <a:spAutoFit/>
-          </a:bodyPr>
-          <a:lstStyle/>
-          <a:p>
-            <a:pPr algn="ctr"/>
-            <a:r>
-              <a:rPr lang="en-US" altLang="ko-KR" dirty="0" err="1">
-                <a:latin typeface="+mj-lt"/>
-              </a:rPr>
-              <a:t>PyCharm</a:t>
-            </a:r>
-            <a:endParaRPr lang="en-US" altLang="ko-KR" dirty="0">
-              <a:latin typeface="+mj-lt"/>
-            </a:endParaRPr>
-          </a:p>
-          <a:p>
-            <a:pPr algn="ctr"/>
-            <a:r>
-              <a:rPr lang="en-US" altLang="ko-KR" sz="1400" dirty="0">
-                <a:latin typeface="+mj-lt"/>
-              </a:rPr>
-              <a:t>Version 2017.1</a:t>
-            </a:r>
-            <a:endParaRPr lang="ko-KR" altLang="en-US" sz="1400" dirty="0">
-              <a:latin typeface="+mj-lt"/>
-            </a:endParaRPr>
-          </a:p>
-        </p:txBody>
-      </p:sp>
-      <p:sp>
-        <p:nvSpPr>
-          <p:cNvPr id="24" name="직사각형 23"/>
-          <p:cNvSpPr/>
-          <p:nvPr/>
-        </p:nvSpPr>
-        <p:spPr>
-          <a:xfrm>
-            <a:off x="6012053" y="4389846"/>
-            <a:ext cx="490840" cy="369332"/>
-          </a:xfrm>
-          <a:prstGeom prst="rect">
-            <a:avLst/>
-          </a:prstGeom>
-        </p:spPr>
-        <p:txBody>
-          <a:bodyPr wrap="none">
-            <a:spAutoFit/>
-          </a:bodyPr>
-          <a:lstStyle/>
-          <a:p>
-            <a:r>
-              <a:rPr lang="en-US" altLang="ko-KR" b="1" dirty="0">
-                <a:latin typeface="+mj-lt"/>
-              </a:rPr>
-              <a:t>OS</a:t>
-            </a:r>
-          </a:p>
-        </p:txBody>
-      </p:sp>
-      <p:sp>
-        <p:nvSpPr>
-          <p:cNvPr id="27" name="TextBox 26"/>
-          <p:cNvSpPr txBox="1"/>
-          <p:nvPr/>
-        </p:nvSpPr>
-        <p:spPr>
-          <a:xfrm>
-            <a:off x="6429839" y="6106771"/>
-            <a:ext cx="1797146" cy="369332"/>
-          </a:xfrm>
-          <a:prstGeom prst="rect">
-            <a:avLst/>
-          </a:prstGeom>
-          <a:noFill/>
-        </p:spPr>
-        <p:txBody>
-          <a:bodyPr wrap="square" rtlCol="0">
-            <a:spAutoFit/>
-          </a:bodyPr>
-          <a:lstStyle/>
-          <a:p>
-            <a:pPr algn="ctr"/>
-            <a:r>
-              <a:rPr lang="en-US" altLang="ko-KR" dirty="0">
-                <a:latin typeface="+mj-lt"/>
-              </a:rPr>
-              <a:t>Windows 10</a:t>
-            </a:r>
-            <a:endParaRPr lang="ko-KR" altLang="en-US" sz="1400" dirty="0">
-              <a:latin typeface="+mj-lt"/>
-            </a:endParaRPr>
-          </a:p>
-        </p:txBody>
-      </p:sp>
-      <p:pic>
-        <p:nvPicPr>
-          <p:cNvPr id="29" name="그림 28"/>
-          <p:cNvPicPr>
-            <a:picLocks noChangeAspect="1"/>
-          </p:cNvPicPr>
-          <p:nvPr/>
-        </p:nvPicPr>
-        <p:blipFill>
-          <a:blip r:embed="rId8">
-            <a:extLst>
-              <a:ext uri="{28A0092B-C50C-407E-A947-70E740481C1C}">
-                <a14:useLocalDpi xmlns:a14="http://schemas.microsoft.com/office/drawing/2010/main" val="0"/>
-              </a:ext>
-            </a:extLst>
-          </a:blip>
-          <a:stretch>
-            <a:fillRect/>
-          </a:stretch>
-        </p:blipFill>
-        <p:spPr>
-          <a:xfrm>
-            <a:off x="3053855" y="1545102"/>
-            <a:ext cx="1553722" cy="1553722"/>
-          </a:xfrm>
-          <a:prstGeom prst="rect">
-            <a:avLst/>
-          </a:prstGeom>
-        </p:spPr>
-      </p:pic>
-      <p:sp>
-        <p:nvSpPr>
-          <p:cNvPr id="30" name="TextBox 29"/>
-          <p:cNvSpPr txBox="1"/>
-          <p:nvPr/>
-        </p:nvSpPr>
-        <p:spPr>
-          <a:xfrm>
-            <a:off x="2976175" y="3140775"/>
-            <a:ext cx="1797146" cy="584775"/>
-          </a:xfrm>
-          <a:prstGeom prst="rect">
-            <a:avLst/>
-          </a:prstGeom>
-          <a:noFill/>
-        </p:spPr>
-        <p:txBody>
-          <a:bodyPr wrap="square" rtlCol="0">
-            <a:spAutoFit/>
-          </a:bodyPr>
-          <a:lstStyle/>
-          <a:p>
-            <a:pPr algn="ctr"/>
-            <a:r>
-              <a:rPr lang="en-US" altLang="ko-KR" dirty="0">
-                <a:latin typeface="+mj-lt"/>
-              </a:rPr>
-              <a:t>Java</a:t>
-            </a:r>
-          </a:p>
-          <a:p>
-            <a:pPr algn="ctr"/>
-            <a:r>
-              <a:rPr lang="en-US" altLang="ko-KR" sz="1400" dirty="0">
-                <a:latin typeface="+mj-lt"/>
-              </a:rPr>
-              <a:t>Version 1.8.0</a:t>
-            </a:r>
-            <a:endParaRPr lang="ko-KR" altLang="en-US" sz="1400" dirty="0">
-              <a:latin typeface="+mj-lt"/>
-            </a:endParaRPr>
-          </a:p>
-        </p:txBody>
-      </p:sp>
+        <p:style>
+          <a:lnRef idx="1">
+            <a:schemeClr val="dk1"/>
+          </a:lnRef>
+          <a:fillRef idx="0">
+            <a:schemeClr val="dk1"/>
+          </a:fillRef>
+          <a:effectRef idx="0">
+            <a:schemeClr val="dk1"/>
+          </a:effectRef>
+          <a:fontRef idx="minor">
+            <a:schemeClr val="tx1"/>
+          </a:fontRef>
+        </p:style>
+      </p:cxnSp>
     </p:spTree>
     <p:extLst>
       <p:ext uri="{BB962C8B-B14F-4D97-AF65-F5344CB8AC3E}">
-        <p14:creationId xmlns:p14="http://schemas.microsoft.com/office/powerpoint/2010/main" val="1017396023"/>
+        <p14:creationId xmlns:p14="http://schemas.microsoft.com/office/powerpoint/2010/main" val="22303765"/>
       </p:ext>
     </p:extLst>
   </p:cSld>
@@ -8923,7 +8796,7 @@
                 <a14:useLocalDpi xmlns:a14="http://schemas.microsoft.com/office/drawing/2010/main" val="0"/>
               </a:ext>
               <a:ext uri="{96DAC541-7B7A-43D3-8B79-37D633B846F1}">
-                <asvg:svgBlip xmlns:asvg="http://schemas.microsoft.com/office/drawing/2016/SVG/main" r:embed="rId4"/>
+                <asvg:svgBlip xmlns="" xmlns:asvg="http://schemas.microsoft.com/office/drawing/2016/SVG/main" r:embed="rId4"/>
               </a:ext>
             </a:extLst>
           </a:blip>
@@ -8956,7 +8829,7 @@
                 <a14:useLocalDpi xmlns:a14="http://schemas.microsoft.com/office/drawing/2010/main" val="0"/>
               </a:ext>
               <a:ext uri="{96DAC541-7B7A-43D3-8B79-37D633B846F1}">
-                <asvg:svgBlip xmlns:asvg="http://schemas.microsoft.com/office/drawing/2016/SVG/main" r:embed="rId6"/>
+                <asvg:svgBlip xmlns="" xmlns:asvg="http://schemas.microsoft.com/office/drawing/2016/SVG/main" r:embed="rId6"/>
               </a:ext>
             </a:extLst>
           </a:blip>
@@ -9019,6 +8892,872 @@
         </p:nvSpPr>
         <p:spPr>
           <a:xfrm>
+            <a:off x="457200" y="320772"/>
+            <a:ext cx="8229600" cy="648404"/>
+          </a:xfrm>
+        </p:spPr>
+        <p:txBody>
+          <a:bodyPr/>
+          <a:lstStyle/>
+          <a:p>
+            <a:r>
+              <a:rPr lang="en-US" altLang="ko-KR" dirty="0" smtClean="0">
+                <a:latin typeface="+mj-lt"/>
+              </a:rPr>
+              <a:t>Architecture</a:t>
+            </a:r>
+            <a:endParaRPr lang="ko-KR" altLang="en-US" dirty="0">
+              <a:latin typeface="+mj-lt"/>
+            </a:endParaRPr>
+          </a:p>
+        </p:txBody>
+      </p:sp>
+    </p:spTree>
+    <p:extLst>
+      <p:ext uri="{BB962C8B-B14F-4D97-AF65-F5344CB8AC3E}">
+        <p14:creationId xmlns:p14="http://schemas.microsoft.com/office/powerpoint/2010/main" val="1592558402"/>
+      </p:ext>
+    </p:extLst>
+  </p:cSld>
+  <p:clrMapOvr>
+    <a:masterClrMapping/>
+  </p:clrMapOvr>
+  <p:transition>
+    <p:fade/>
+  </p:transition>
+</p:sld>
+</file>
+
+<file path=ppt/slides/slide13.xml><?xml version="1.0" encoding="utf-8"?>
+<p:sld xmlns:a="http://schemas.openxmlformats.org/drawingml/2006/main" xmlns:r="http://schemas.openxmlformats.org/officeDocument/2006/relationships" xmlns:p="http://schemas.openxmlformats.org/presentationml/2006/main">
+  <p:cSld>
+    <p:spTree>
+      <p:nvGrpSpPr>
+        <p:cNvPr id="1" name=""/>
+        <p:cNvGrpSpPr/>
+        <p:nvPr/>
+      </p:nvGrpSpPr>
+      <p:grpSpPr>
+        <a:xfrm>
+          <a:off x="0" y="0"/>
+          <a:ext cx="0" cy="0"/>
+          <a:chOff x="0" y="0"/>
+          <a:chExt cx="0" cy="0"/>
+        </a:xfrm>
+      </p:grpSpPr>
+      <p:pic>
+        <p:nvPicPr>
+          <p:cNvPr id="26" name="그림 25"/>
+          <p:cNvPicPr>
+            <a:picLocks noChangeAspect="1"/>
+          </p:cNvPicPr>
+          <p:nvPr/>
+        </p:nvPicPr>
+        <p:blipFill>
+          <a:blip r:embed="rId3" cstate="print">
+            <a:extLst>
+              <a:ext uri="{28A0092B-C50C-407E-A947-70E740481C1C}">
+                <a14:useLocalDpi xmlns:a14="http://schemas.microsoft.com/office/drawing/2010/main" val="0"/>
+              </a:ext>
+            </a:extLst>
+          </a:blip>
+          <a:stretch>
+            <a:fillRect/>
+          </a:stretch>
+        </p:blipFill>
+        <p:spPr>
+          <a:xfrm>
+            <a:off x="6502893" y="4504700"/>
+            <a:ext cx="1645613" cy="1645613"/>
+          </a:xfrm>
+          <a:prstGeom prst="rect">
+            <a:avLst/>
+          </a:prstGeom>
+        </p:spPr>
+      </p:pic>
+      <p:sp>
+        <p:nvSpPr>
+          <p:cNvPr id="3" name="제목 2"/>
+          <p:cNvSpPr>
+            <a:spLocks noGrp="1"/>
+          </p:cNvSpPr>
+          <p:nvPr>
+            <p:ph type="title"/>
+          </p:nvPr>
+        </p:nvSpPr>
+        <p:spPr>
+          <a:xfrm>
+            <a:off x="457200" y="366780"/>
+            <a:ext cx="8229600" cy="648404"/>
+          </a:xfrm>
+        </p:spPr>
+        <p:txBody>
+          <a:bodyPr>
+            <a:normAutofit/>
+          </a:bodyPr>
+          <a:lstStyle/>
+          <a:p>
+            <a:r>
+              <a:rPr lang="en-US" altLang="ko-KR" dirty="0">
+                <a:latin typeface="+mj-lt"/>
+              </a:rPr>
+              <a:t>Development Environment</a:t>
+            </a:r>
+            <a:endParaRPr lang="ko-KR" altLang="en-US" dirty="0">
+              <a:latin typeface="+mj-lt"/>
+            </a:endParaRPr>
+          </a:p>
+        </p:txBody>
+      </p:sp>
+      <p:pic>
+        <p:nvPicPr>
+          <p:cNvPr id="8" name="그림 7"/>
+          <p:cNvPicPr>
+            <a:picLocks noChangeAspect="1"/>
+          </p:cNvPicPr>
+          <p:nvPr/>
+        </p:nvPicPr>
+        <p:blipFill>
+          <a:blip r:embed="rId4" cstate="print">
+            <a:extLst>
+              <a:ext uri="{28A0092B-C50C-407E-A947-70E740481C1C}">
+                <a14:useLocalDpi xmlns:a14="http://schemas.microsoft.com/office/drawing/2010/main" val="0"/>
+              </a:ext>
+            </a:extLst>
+          </a:blip>
+          <a:stretch>
+            <a:fillRect/>
+          </a:stretch>
+        </p:blipFill>
+        <p:spPr>
+          <a:xfrm>
+            <a:off x="6801514" y="1988422"/>
+            <a:ext cx="1048370" cy="1048370"/>
+          </a:xfrm>
+          <a:prstGeom prst="rect">
+            <a:avLst/>
+          </a:prstGeom>
+        </p:spPr>
+      </p:pic>
+      <p:pic>
+        <p:nvPicPr>
+          <p:cNvPr id="12" name="그림 11"/>
+          <p:cNvPicPr>
+            <a:picLocks noChangeAspect="1"/>
+          </p:cNvPicPr>
+          <p:nvPr/>
+        </p:nvPicPr>
+        <p:blipFill>
+          <a:blip r:embed="rId5">
+            <a:extLst>
+              <a:ext uri="{28A0092B-C50C-407E-A947-70E740481C1C}">
+                <a14:useLocalDpi xmlns:a14="http://schemas.microsoft.com/office/drawing/2010/main" val="0"/>
+              </a:ext>
+            </a:extLst>
+          </a:blip>
+          <a:stretch>
+            <a:fillRect/>
+          </a:stretch>
+        </p:blipFill>
+        <p:spPr>
+          <a:xfrm>
+            <a:off x="1256709" y="1806698"/>
+            <a:ext cx="1355143" cy="1355143"/>
+          </a:xfrm>
+          <a:prstGeom prst="rect">
+            <a:avLst/>
+          </a:prstGeom>
+        </p:spPr>
+      </p:pic>
+      <p:sp>
+        <p:nvSpPr>
+          <p:cNvPr id="13" name="내용 개체 틀 3"/>
+          <p:cNvSpPr>
+            <a:spLocks noGrp="1"/>
+          </p:cNvSpPr>
+          <p:nvPr>
+            <p:ph sz="quarter" idx="4294967295"/>
+          </p:nvPr>
+        </p:nvSpPr>
+        <p:spPr>
+          <a:xfrm>
+            <a:off x="270895" y="7109701"/>
+            <a:ext cx="4502426" cy="4690410"/>
+          </a:xfrm>
+        </p:spPr>
+        <p:txBody>
+          <a:bodyPr>
+            <a:normAutofit fontScale="85000" lnSpcReduction="20000"/>
+          </a:bodyPr>
+          <a:lstStyle/>
+          <a:p>
+            <a:pPr marL="0" indent="0">
+              <a:buNone/>
+            </a:pPr>
+            <a:r>
+              <a:rPr lang="en-US" altLang="ko-KR" b="1" dirty="0"/>
+              <a:t>Language</a:t>
+            </a:r>
+          </a:p>
+          <a:p>
+            <a:pPr marL="0" indent="0">
+              <a:buNone/>
+            </a:pPr>
+            <a:r>
+              <a:rPr lang="en-US" altLang="ko-KR" dirty="0"/>
+              <a:t>Python</a:t>
+            </a:r>
+            <a:r>
+              <a:rPr lang="en-US" altLang="ko-KR" sz="2800" dirty="0"/>
+              <a:t> </a:t>
+            </a:r>
+            <a:r>
+              <a:rPr lang="en-US" altLang="ko-KR" sz="2000" dirty="0"/>
+              <a:t>version 3.6.0</a:t>
+            </a:r>
+          </a:p>
+          <a:p>
+            <a:pPr marL="0" indent="0">
+              <a:buNone/>
+            </a:pPr>
+            <a:r>
+              <a:rPr lang="en-US" altLang="ko-KR" dirty="0"/>
+              <a:t>Java</a:t>
+            </a:r>
+          </a:p>
+          <a:p>
+            <a:pPr marL="0" indent="0">
+              <a:buNone/>
+            </a:pPr>
+            <a:endParaRPr lang="en-US" altLang="ko-KR" dirty="0"/>
+          </a:p>
+          <a:p>
+            <a:pPr marL="0" indent="0">
+              <a:buNone/>
+            </a:pPr>
+            <a:r>
+              <a:rPr lang="en-US" altLang="ko-KR" b="1" dirty="0"/>
+              <a:t>API</a:t>
+            </a:r>
+          </a:p>
+          <a:p>
+            <a:pPr marL="0" indent="0">
+              <a:buNone/>
+            </a:pPr>
+            <a:r>
+              <a:rPr lang="en-US" altLang="ko-KR" dirty="0" err="1"/>
+              <a:t>Tensorflow</a:t>
+            </a:r>
+            <a:r>
+              <a:rPr lang="en-US" altLang="ko-KR" dirty="0"/>
+              <a:t> 	</a:t>
+            </a:r>
+            <a:r>
+              <a:rPr lang="en-US" altLang="ko-KR" sz="2000" dirty="0"/>
+              <a:t>version 1.0.0</a:t>
+            </a:r>
+            <a:endParaRPr lang="en-US" altLang="ko-KR" dirty="0"/>
+          </a:p>
+          <a:p>
+            <a:pPr marL="0" indent="0">
+              <a:buNone/>
+            </a:pPr>
+            <a:endParaRPr lang="en-US" altLang="ko-KR" dirty="0"/>
+          </a:p>
+          <a:p>
+            <a:pPr marL="0" indent="0">
+              <a:buNone/>
+            </a:pPr>
+            <a:r>
+              <a:rPr lang="en-US" altLang="ko-KR" b="1" dirty="0"/>
+              <a:t>IDE</a:t>
+            </a:r>
+          </a:p>
+          <a:p>
+            <a:pPr marL="0" indent="0">
+              <a:buNone/>
+            </a:pPr>
+            <a:r>
+              <a:rPr lang="en-US" altLang="ko-KR" dirty="0" err="1"/>
+              <a:t>Pycharm</a:t>
+            </a:r>
+            <a:r>
+              <a:rPr lang="en-US" altLang="ko-KR" dirty="0"/>
+              <a:t> 	version 2017.1</a:t>
+            </a:r>
+          </a:p>
+          <a:p>
+            <a:pPr marL="0" indent="0">
+              <a:buNone/>
+            </a:pPr>
+            <a:r>
+              <a:rPr lang="en-US" altLang="ko-KR" dirty="0"/>
+              <a:t>Android Studio</a:t>
+            </a:r>
+            <a:r>
+              <a:rPr lang="en-US" altLang="ko-KR" sz="2800" dirty="0"/>
+              <a:t> 	</a:t>
+            </a:r>
+            <a:r>
+              <a:rPr lang="en-US" altLang="ko-KR" sz="2000" dirty="0"/>
+              <a:t>version 2.3</a:t>
+            </a:r>
+          </a:p>
+          <a:p>
+            <a:pPr marL="0" indent="0">
+              <a:buNone/>
+            </a:pPr>
+            <a:endParaRPr lang="en-US" altLang="ko-KR" dirty="0"/>
+          </a:p>
+          <a:p>
+            <a:pPr marL="0" indent="0">
+              <a:buNone/>
+            </a:pPr>
+            <a:r>
+              <a:rPr lang="en-US" altLang="ko-KR" b="1" dirty="0"/>
+              <a:t>OS</a:t>
+            </a:r>
+          </a:p>
+          <a:p>
+            <a:pPr marL="0" indent="0">
+              <a:buNone/>
+            </a:pPr>
+            <a:r>
+              <a:rPr lang="en-US" altLang="ko-KR" dirty="0"/>
+              <a:t>Windows</a:t>
+            </a:r>
+          </a:p>
+          <a:p>
+            <a:pPr marL="0" indent="0">
+              <a:buNone/>
+            </a:pPr>
+            <a:endParaRPr lang="en-US" altLang="ko-KR" dirty="0"/>
+          </a:p>
+        </p:txBody>
+      </p:sp>
+      <p:pic>
+        <p:nvPicPr>
+          <p:cNvPr id="14" name="그림 13"/>
+          <p:cNvPicPr>
+            <a:picLocks noChangeAspect="1"/>
+          </p:cNvPicPr>
+          <p:nvPr/>
+        </p:nvPicPr>
+        <p:blipFill>
+          <a:blip r:embed="rId6" cstate="print">
+            <a:extLst>
+              <a:ext uri="{28A0092B-C50C-407E-A947-70E740481C1C}">
+                <a14:useLocalDpi xmlns:a14="http://schemas.microsoft.com/office/drawing/2010/main" val="0"/>
+              </a:ext>
+            </a:extLst>
+          </a:blip>
+          <a:stretch>
+            <a:fillRect/>
+          </a:stretch>
+        </p:blipFill>
+        <p:spPr>
+          <a:xfrm>
+            <a:off x="1398739" y="4743018"/>
+            <a:ext cx="1147663" cy="1147663"/>
+          </a:xfrm>
+          <a:prstGeom prst="rect">
+            <a:avLst/>
+          </a:prstGeom>
+        </p:spPr>
+      </p:pic>
+      <p:sp>
+        <p:nvSpPr>
+          <p:cNvPr id="15" name="TextBox 14"/>
+          <p:cNvSpPr txBox="1"/>
+          <p:nvPr/>
+        </p:nvSpPr>
+        <p:spPr>
+          <a:xfrm>
+            <a:off x="1013777" y="3140775"/>
+            <a:ext cx="1797146" cy="584775"/>
+          </a:xfrm>
+          <a:prstGeom prst="rect">
+            <a:avLst/>
+          </a:prstGeom>
+          <a:noFill/>
+        </p:spPr>
+        <p:txBody>
+          <a:bodyPr wrap="square" rtlCol="0">
+            <a:spAutoFit/>
+          </a:bodyPr>
+          <a:lstStyle/>
+          <a:p>
+            <a:pPr algn="ctr"/>
+            <a:r>
+              <a:rPr lang="en-US" altLang="ko-KR" dirty="0">
+                <a:latin typeface="+mj-lt"/>
+              </a:rPr>
+              <a:t>Python</a:t>
+            </a:r>
+          </a:p>
+          <a:p>
+            <a:pPr algn="ctr"/>
+            <a:r>
+              <a:rPr lang="en-US" altLang="ko-KR" sz="1400" dirty="0">
+                <a:latin typeface="+mj-lt"/>
+              </a:rPr>
+              <a:t>Version 3.6.0</a:t>
+            </a:r>
+            <a:endParaRPr lang="ko-KR" altLang="en-US" sz="1400" dirty="0">
+              <a:latin typeface="+mj-lt"/>
+            </a:endParaRPr>
+          </a:p>
+        </p:txBody>
+      </p:sp>
+      <p:sp>
+        <p:nvSpPr>
+          <p:cNvPr id="16" name="직사각형 15"/>
+          <p:cNvSpPr/>
+          <p:nvPr/>
+        </p:nvSpPr>
+        <p:spPr>
+          <a:xfrm>
+            <a:off x="573808" y="1376298"/>
+            <a:ext cx="1229824" cy="369332"/>
+          </a:xfrm>
+          <a:prstGeom prst="rect">
+            <a:avLst/>
+          </a:prstGeom>
+        </p:spPr>
+        <p:txBody>
+          <a:bodyPr wrap="none">
+            <a:spAutoFit/>
+          </a:bodyPr>
+          <a:lstStyle/>
+          <a:p>
+            <a:r>
+              <a:rPr lang="en-US" altLang="ko-KR" b="1" dirty="0">
+                <a:latin typeface="+mj-lt"/>
+              </a:rPr>
+              <a:t>Language</a:t>
+            </a:r>
+          </a:p>
+        </p:txBody>
+      </p:sp>
+      <p:sp>
+        <p:nvSpPr>
+          <p:cNvPr id="17" name="직사각형 16"/>
+          <p:cNvSpPr/>
+          <p:nvPr/>
+        </p:nvSpPr>
+        <p:spPr>
+          <a:xfrm>
+            <a:off x="5989870" y="1376298"/>
+            <a:ext cx="542136" cy="369332"/>
+          </a:xfrm>
+          <a:prstGeom prst="rect">
+            <a:avLst/>
+          </a:prstGeom>
+        </p:spPr>
+        <p:txBody>
+          <a:bodyPr wrap="none">
+            <a:spAutoFit/>
+          </a:bodyPr>
+          <a:lstStyle/>
+          <a:p>
+            <a:r>
+              <a:rPr lang="en-US" altLang="ko-KR" b="1" dirty="0">
+                <a:latin typeface="+mj-lt"/>
+              </a:rPr>
+              <a:t>API</a:t>
+            </a:r>
+          </a:p>
+        </p:txBody>
+      </p:sp>
+      <p:sp>
+        <p:nvSpPr>
+          <p:cNvPr id="18" name="TextBox 17"/>
+          <p:cNvSpPr txBox="1"/>
+          <p:nvPr/>
+        </p:nvSpPr>
+        <p:spPr>
+          <a:xfrm>
+            <a:off x="6429839" y="3126422"/>
+            <a:ext cx="1797146" cy="584775"/>
+          </a:xfrm>
+          <a:prstGeom prst="rect">
+            <a:avLst/>
+          </a:prstGeom>
+          <a:noFill/>
+        </p:spPr>
+        <p:txBody>
+          <a:bodyPr wrap="square" rtlCol="0">
+            <a:spAutoFit/>
+          </a:bodyPr>
+          <a:lstStyle/>
+          <a:p>
+            <a:pPr algn="ctr"/>
+            <a:r>
+              <a:rPr lang="en-US" altLang="ko-KR" dirty="0" err="1">
+                <a:latin typeface="+mj-lt"/>
+              </a:rPr>
+              <a:t>TensorFlow</a:t>
+            </a:r>
+            <a:endParaRPr lang="en-US" altLang="ko-KR" dirty="0">
+              <a:latin typeface="+mj-lt"/>
+            </a:endParaRPr>
+          </a:p>
+          <a:p>
+            <a:pPr algn="ctr"/>
+            <a:r>
+              <a:rPr lang="en-US" altLang="ko-KR" sz="1400" dirty="0">
+                <a:latin typeface="+mj-lt"/>
+              </a:rPr>
+              <a:t>Version 1.0.0</a:t>
+            </a:r>
+            <a:endParaRPr lang="ko-KR" altLang="en-US" sz="1400" dirty="0">
+              <a:latin typeface="+mj-lt"/>
+            </a:endParaRPr>
+          </a:p>
+        </p:txBody>
+      </p:sp>
+      <p:sp>
+        <p:nvSpPr>
+          <p:cNvPr id="19" name="직사각형 18"/>
+          <p:cNvSpPr/>
+          <p:nvPr/>
+        </p:nvSpPr>
+        <p:spPr>
+          <a:xfrm>
+            <a:off x="646584" y="4389846"/>
+            <a:ext cx="542136" cy="369332"/>
+          </a:xfrm>
+          <a:prstGeom prst="rect">
+            <a:avLst/>
+          </a:prstGeom>
+        </p:spPr>
+        <p:txBody>
+          <a:bodyPr wrap="none">
+            <a:spAutoFit/>
+          </a:bodyPr>
+          <a:lstStyle/>
+          <a:p>
+            <a:r>
+              <a:rPr lang="en-US" altLang="ko-KR" b="1" dirty="0">
+                <a:latin typeface="+mj-lt"/>
+              </a:rPr>
+              <a:t>IDE</a:t>
+            </a:r>
+          </a:p>
+        </p:txBody>
+      </p:sp>
+      <p:sp>
+        <p:nvSpPr>
+          <p:cNvPr id="20" name="TextBox 19"/>
+          <p:cNvSpPr txBox="1"/>
+          <p:nvPr/>
+        </p:nvSpPr>
+        <p:spPr>
+          <a:xfrm>
+            <a:off x="1013777" y="6071821"/>
+            <a:ext cx="1797146" cy="584775"/>
+          </a:xfrm>
+          <a:prstGeom prst="rect">
+            <a:avLst/>
+          </a:prstGeom>
+          <a:noFill/>
+        </p:spPr>
+        <p:txBody>
+          <a:bodyPr wrap="square" rtlCol="0">
+            <a:spAutoFit/>
+          </a:bodyPr>
+          <a:lstStyle/>
+          <a:p>
+            <a:pPr algn="ctr"/>
+            <a:r>
+              <a:rPr lang="en-US" altLang="ko-KR" dirty="0">
+                <a:latin typeface="+mj-lt"/>
+              </a:rPr>
+              <a:t>Android Studio</a:t>
+            </a:r>
+          </a:p>
+          <a:p>
+            <a:pPr algn="ctr"/>
+            <a:r>
+              <a:rPr lang="en-US" altLang="ko-KR" sz="1400" dirty="0">
+                <a:latin typeface="+mj-lt"/>
+              </a:rPr>
+              <a:t>Version 2.3</a:t>
+            </a:r>
+            <a:endParaRPr lang="ko-KR" altLang="en-US" sz="1400" dirty="0">
+              <a:latin typeface="+mj-lt"/>
+            </a:endParaRPr>
+          </a:p>
+        </p:txBody>
+      </p:sp>
+      <p:pic>
+        <p:nvPicPr>
+          <p:cNvPr id="22" name="그림 21"/>
+          <p:cNvPicPr>
+            <a:picLocks noChangeAspect="1"/>
+          </p:cNvPicPr>
+          <p:nvPr/>
+        </p:nvPicPr>
+        <p:blipFill>
+          <a:blip r:embed="rId7">
+            <a:extLst>
+              <a:ext uri="{28A0092B-C50C-407E-A947-70E740481C1C}">
+                <a14:useLocalDpi xmlns:a14="http://schemas.microsoft.com/office/drawing/2010/main" val="0"/>
+              </a:ext>
+            </a:extLst>
+          </a:blip>
+          <a:stretch>
+            <a:fillRect/>
+          </a:stretch>
+        </p:blipFill>
+        <p:spPr>
+          <a:xfrm>
+            <a:off x="3408514" y="4684447"/>
+            <a:ext cx="1236586" cy="1236586"/>
+          </a:xfrm>
+          <a:prstGeom prst="rect">
+            <a:avLst/>
+          </a:prstGeom>
+        </p:spPr>
+      </p:pic>
+      <p:sp>
+        <p:nvSpPr>
+          <p:cNvPr id="23" name="TextBox 22"/>
+          <p:cNvSpPr txBox="1"/>
+          <p:nvPr/>
+        </p:nvSpPr>
+        <p:spPr>
+          <a:xfrm>
+            <a:off x="3114425" y="6071821"/>
+            <a:ext cx="1797146" cy="584775"/>
+          </a:xfrm>
+          <a:prstGeom prst="rect">
+            <a:avLst/>
+          </a:prstGeom>
+          <a:noFill/>
+        </p:spPr>
+        <p:txBody>
+          <a:bodyPr wrap="square" rtlCol="0">
+            <a:spAutoFit/>
+          </a:bodyPr>
+          <a:lstStyle/>
+          <a:p>
+            <a:pPr algn="ctr"/>
+            <a:r>
+              <a:rPr lang="en-US" altLang="ko-KR" dirty="0" err="1">
+                <a:latin typeface="+mj-lt"/>
+              </a:rPr>
+              <a:t>PyCharm</a:t>
+            </a:r>
+            <a:endParaRPr lang="en-US" altLang="ko-KR" dirty="0">
+              <a:latin typeface="+mj-lt"/>
+            </a:endParaRPr>
+          </a:p>
+          <a:p>
+            <a:pPr algn="ctr"/>
+            <a:r>
+              <a:rPr lang="en-US" altLang="ko-KR" sz="1400" dirty="0">
+                <a:latin typeface="+mj-lt"/>
+              </a:rPr>
+              <a:t>Version 2017.1</a:t>
+            </a:r>
+            <a:endParaRPr lang="ko-KR" altLang="en-US" sz="1400" dirty="0">
+              <a:latin typeface="+mj-lt"/>
+            </a:endParaRPr>
+          </a:p>
+        </p:txBody>
+      </p:sp>
+      <p:sp>
+        <p:nvSpPr>
+          <p:cNvPr id="24" name="직사각형 23"/>
+          <p:cNvSpPr/>
+          <p:nvPr/>
+        </p:nvSpPr>
+        <p:spPr>
+          <a:xfrm>
+            <a:off x="6012053" y="4389846"/>
+            <a:ext cx="490840" cy="369332"/>
+          </a:xfrm>
+          <a:prstGeom prst="rect">
+            <a:avLst/>
+          </a:prstGeom>
+        </p:spPr>
+        <p:txBody>
+          <a:bodyPr wrap="none">
+            <a:spAutoFit/>
+          </a:bodyPr>
+          <a:lstStyle/>
+          <a:p>
+            <a:r>
+              <a:rPr lang="en-US" altLang="ko-KR" b="1" dirty="0">
+                <a:latin typeface="+mj-lt"/>
+              </a:rPr>
+              <a:t>OS</a:t>
+            </a:r>
+          </a:p>
+        </p:txBody>
+      </p:sp>
+      <p:sp>
+        <p:nvSpPr>
+          <p:cNvPr id="27" name="TextBox 26"/>
+          <p:cNvSpPr txBox="1"/>
+          <p:nvPr/>
+        </p:nvSpPr>
+        <p:spPr>
+          <a:xfrm>
+            <a:off x="6429839" y="6106771"/>
+            <a:ext cx="1797146" cy="369332"/>
+          </a:xfrm>
+          <a:prstGeom prst="rect">
+            <a:avLst/>
+          </a:prstGeom>
+          <a:noFill/>
+        </p:spPr>
+        <p:txBody>
+          <a:bodyPr wrap="square" rtlCol="0">
+            <a:spAutoFit/>
+          </a:bodyPr>
+          <a:lstStyle/>
+          <a:p>
+            <a:pPr algn="ctr"/>
+            <a:r>
+              <a:rPr lang="en-US" altLang="ko-KR" dirty="0">
+                <a:latin typeface="+mj-lt"/>
+              </a:rPr>
+              <a:t>Windows 10</a:t>
+            </a:r>
+            <a:endParaRPr lang="ko-KR" altLang="en-US" sz="1400" dirty="0">
+              <a:latin typeface="+mj-lt"/>
+            </a:endParaRPr>
+          </a:p>
+        </p:txBody>
+      </p:sp>
+      <p:pic>
+        <p:nvPicPr>
+          <p:cNvPr id="29" name="그림 28"/>
+          <p:cNvPicPr>
+            <a:picLocks noChangeAspect="1"/>
+          </p:cNvPicPr>
+          <p:nvPr/>
+        </p:nvPicPr>
+        <p:blipFill>
+          <a:blip r:embed="rId8">
+            <a:extLst>
+              <a:ext uri="{28A0092B-C50C-407E-A947-70E740481C1C}">
+                <a14:useLocalDpi xmlns:a14="http://schemas.microsoft.com/office/drawing/2010/main" val="0"/>
+              </a:ext>
+            </a:extLst>
+          </a:blip>
+          <a:stretch>
+            <a:fillRect/>
+          </a:stretch>
+        </p:blipFill>
+        <p:spPr>
+          <a:xfrm>
+            <a:off x="3053855" y="1545102"/>
+            <a:ext cx="1553722" cy="1553722"/>
+          </a:xfrm>
+          <a:prstGeom prst="rect">
+            <a:avLst/>
+          </a:prstGeom>
+        </p:spPr>
+      </p:pic>
+      <p:sp>
+        <p:nvSpPr>
+          <p:cNvPr id="30" name="TextBox 29"/>
+          <p:cNvSpPr txBox="1"/>
+          <p:nvPr/>
+        </p:nvSpPr>
+        <p:spPr>
+          <a:xfrm>
+            <a:off x="2976175" y="3140775"/>
+            <a:ext cx="1797146" cy="584775"/>
+          </a:xfrm>
+          <a:prstGeom prst="rect">
+            <a:avLst/>
+          </a:prstGeom>
+          <a:noFill/>
+        </p:spPr>
+        <p:txBody>
+          <a:bodyPr wrap="square" rtlCol="0">
+            <a:spAutoFit/>
+          </a:bodyPr>
+          <a:lstStyle/>
+          <a:p>
+            <a:pPr algn="ctr"/>
+            <a:r>
+              <a:rPr lang="en-US" altLang="ko-KR" dirty="0">
+                <a:latin typeface="+mj-lt"/>
+              </a:rPr>
+              <a:t>Java</a:t>
+            </a:r>
+          </a:p>
+          <a:p>
+            <a:pPr algn="ctr"/>
+            <a:r>
+              <a:rPr lang="en-US" altLang="ko-KR" sz="1400" dirty="0">
+                <a:latin typeface="+mj-lt"/>
+              </a:rPr>
+              <a:t>Version 1.8.0</a:t>
+            </a:r>
+            <a:endParaRPr lang="ko-KR" altLang="en-US" sz="1400" dirty="0">
+              <a:latin typeface="+mj-lt"/>
+            </a:endParaRPr>
+          </a:p>
+        </p:txBody>
+      </p:sp>
+    </p:spTree>
+    <p:extLst>
+      <p:ext uri="{BB962C8B-B14F-4D97-AF65-F5344CB8AC3E}">
+        <p14:creationId xmlns:p14="http://schemas.microsoft.com/office/powerpoint/2010/main" val="1017396023"/>
+      </p:ext>
+    </p:extLst>
+  </p:cSld>
+  <p:clrMapOvr>
+    <a:masterClrMapping/>
+  </p:clrMapOvr>
+  <p:transition>
+    <p:fade/>
+  </p:transition>
+  <p:timing>
+    <p:tnLst>
+      <p:par>
+        <p:cTn id="1" dur="indefinite" restart="never" nodeType="tmRoot"/>
+      </p:par>
+    </p:tnLst>
+  </p:timing>
+</p:sld>
+</file>
+
+<file path=ppt/slides/slide14.xml><?xml version="1.0" encoding="utf-8"?>
+<p:sld xmlns:a="http://schemas.openxmlformats.org/drawingml/2006/main" xmlns:r="http://schemas.openxmlformats.org/officeDocument/2006/relationships" xmlns:p="http://schemas.openxmlformats.org/presentationml/2006/main">
+  <p:cSld>
+    <p:spTree>
+      <p:nvGrpSpPr>
+        <p:cNvPr id="1" name=""/>
+        <p:cNvGrpSpPr/>
+        <p:nvPr/>
+      </p:nvGrpSpPr>
+      <p:grpSpPr>
+        <a:xfrm>
+          <a:off x="0" y="0"/>
+          <a:ext cx="0" cy="0"/>
+          <a:chOff x="0" y="0"/>
+          <a:chExt cx="0" cy="0"/>
+        </a:xfrm>
+      </p:grpSpPr>
+      <p:sp>
+        <p:nvSpPr>
+          <p:cNvPr id="4" name="제목 3"/>
+          <p:cNvSpPr>
+            <a:spLocks noGrp="1"/>
+          </p:cNvSpPr>
+          <p:nvPr>
+            <p:ph type="title"/>
+          </p:nvPr>
+        </p:nvSpPr>
+        <p:spPr>
+          <a:xfrm>
             <a:off x="457200" y="366780"/>
             <a:ext cx="8229600" cy="648404"/>
           </a:xfrm>
@@ -9054,7 +9793,7 @@
                 <a14:useLocalDpi xmlns:a14="http://schemas.microsoft.com/office/drawing/2010/main" val="0"/>
               </a:ext>
               <a:ext uri="{96DAC541-7B7A-43D3-8B79-37D633B846F1}">
-                <asvg:svgBlip xmlns:asvg="http://schemas.microsoft.com/office/drawing/2016/SVG/main" r:embed="rId4"/>
+                <asvg:svgBlip xmlns="" xmlns:asvg="http://schemas.microsoft.com/office/drawing/2016/SVG/main" r:embed="rId4"/>
               </a:ext>
             </a:extLst>
           </a:blip>
@@ -9081,7 +9820,7 @@
         <p:spPr>
           <a:xfrm>
             <a:off x="3446585" y="2335209"/>
-            <a:ext cx="2202847" cy="461665"/>
+            <a:ext cx="2371162" cy="461665"/>
           </a:xfrm>
           <a:prstGeom prst="rect">
             <a:avLst/>
@@ -9095,8 +9834,12 @@
           <a:lstStyle/>
           <a:p>
             <a:r>
+              <a:rPr lang="en-US" altLang="ko-KR" sz="2400" b="1" dirty="0" smtClean="0"/>
+              <a:t>&gt;90% </a:t>
+            </a:r>
+            <a:r>
               <a:rPr lang="en-US" altLang="ko-KR" sz="2400" b="1" dirty="0"/>
-              <a:t>92% accuracy</a:t>
+              <a:t>accuracy</a:t>
             </a:r>
             <a:endParaRPr lang="ko-KR" altLang="en-US" sz="2400" b="1" dirty="0"/>
           </a:p>
@@ -9158,7 +9901,7 @@
                 <a14:useLocalDpi xmlns:a14="http://schemas.microsoft.com/office/drawing/2010/main" val="0"/>
               </a:ext>
               <a:ext uri="{96DAC541-7B7A-43D3-8B79-37D633B846F1}">
-                <asvg:svgBlip xmlns:asvg="http://schemas.microsoft.com/office/drawing/2016/SVG/main" r:embed="rId6"/>
+                <asvg:svgBlip xmlns="" xmlns:asvg="http://schemas.microsoft.com/office/drawing/2016/SVG/main" r:embed="rId6"/>
               </a:ext>
             </a:extLst>
           </a:blip>
@@ -9189,10 +9932,17 @@
   <p:transition>
     <p:fade/>
   </p:transition>
+  <p:timing>
+    <p:tnLst>
+      <p:par>
+        <p:cTn id="1" dur="indefinite" restart="never" nodeType="tmRoot"/>
+      </p:par>
+    </p:tnLst>
+  </p:timing>
 </p:sld>
 </file>
 
-<file path=ppt/slides/slide13.xml><?xml version="1.0" encoding="utf-8"?>
+<file path=ppt/slides/slide15.xml><?xml version="1.0" encoding="utf-8"?>
 <p:sld xmlns:a="http://schemas.openxmlformats.org/drawingml/2006/main" xmlns:r="http://schemas.openxmlformats.org/officeDocument/2006/relationships" xmlns:p="http://schemas.openxmlformats.org/presentationml/2006/main">
   <p:cSld>
     <p:spTree>
@@ -9231,7 +9981,7 @@
           <a:p>
             <a:r>
               <a:rPr lang="en-US" altLang="ko-KR" dirty="0"/>
-              <a:t>Current Status</a:t>
+              <a:t>Division and Assignment of Work</a:t>
             </a:r>
             <a:endParaRPr lang="ko-KR" altLang="en-US" dirty="0"/>
           </a:p>
@@ -9239,64 +9989,7 @@
       </p:sp>
       <p:sp>
         <p:nvSpPr>
-          <p:cNvPr id="2" name="Footer Placeholder 1"/>
-          <p:cNvSpPr>
-            <a:spLocks noGrp="1"/>
-          </p:cNvSpPr>
-          <p:nvPr>
-            <p:ph type="ftr" sz="quarter" idx="4294967295"/>
-          </p:nvPr>
-        </p:nvSpPr>
-        <p:spPr>
-          <a:xfrm>
-            <a:off x="2898648" y="6356350"/>
-            <a:ext cx="3505200" cy="365760"/>
-          </a:xfrm>
-        </p:spPr>
-        <p:txBody>
-          <a:bodyPr/>
-          <a:lstStyle/>
-          <a:p>
-            <a:r>
-              <a:rPr lang="en-US" altLang="ko-KR"/>
-              <a:t>Project1 Fall, 2013; Midterm</a:t>
-            </a:r>
-            <a:endParaRPr lang="ko-KR" altLang="en-US"/>
-          </a:p>
-        </p:txBody>
-      </p:sp>
-      <p:sp>
-        <p:nvSpPr>
-          <p:cNvPr id="3" name="슬라이드 번호 개체 틀 2"/>
-          <p:cNvSpPr>
-            <a:spLocks noGrp="1"/>
-          </p:cNvSpPr>
-          <p:nvPr>
-            <p:ph type="sldNum" sz="quarter" idx="4294967295"/>
-          </p:nvPr>
-        </p:nvSpPr>
-        <p:spPr>
-          <a:xfrm>
-            <a:off x="8191448" y="6356350"/>
-            <a:ext cx="688731" cy="365760"/>
-          </a:xfrm>
-        </p:spPr>
-        <p:txBody>
-          <a:bodyPr/>
-          <a:lstStyle/>
-          <a:p>
-            <a:fld id="{97D217C8-C1B9-4E84-BCEB-D9195FCD889E}" type="slidenum">
-              <a:rPr lang="ko-KR" altLang="en-US" smtClean="0"/>
-              <a:pPr/>
-              <a:t>13</a:t>
-            </a:fld>
-            <a:endParaRPr lang="ko-KR" altLang="en-US"/>
-          </a:p>
-        </p:txBody>
-      </p:sp>
-      <p:sp>
-        <p:nvSpPr>
-          <p:cNvPr id="6" name="Rectangle 1"/>
+          <p:cNvPr id="6" name="Content Placeholder 5"/>
           <p:cNvSpPr>
             <a:spLocks noGrp="1" noChangeArrowheads="1"/>
           </p:cNvSpPr>
@@ -9306,8 +9999,8 @@
         </p:nvSpPr>
         <p:spPr bwMode="auto">
           <a:xfrm>
-            <a:off x="555674" y="1974777"/>
-            <a:ext cx="6389891" cy="3046988"/>
+            <a:off x="457200" y="1680976"/>
+            <a:ext cx="7212231" cy="1107996"/>
           </a:xfrm>
           <a:prstGeom prst="rect">
             <a:avLst/>
@@ -9372,7 +10065,7 @@
               <a:tabLst/>
             </a:pPr>
             <a:r>
-              <a:rPr kumimoji="0" lang="ko-KR" altLang="en-US" sz="2400" b="0" i="0" u="none" strike="noStrike" cap="none" normalizeH="0" baseline="0" dirty="0">
+              <a:rPr kumimoji="0" lang="ko-KR" altLang="en-US" sz="2400" b="1" i="0" u="none" strike="noStrike" cap="none" normalizeH="0" baseline="0" dirty="0" smtClean="0">
                 <a:ln>
                   <a:noFill/>
                 </a:ln>
@@ -9383,10 +10076,94 @@
                 <a:latin typeface="Arial" panose="020B0604020202020204" pitchFamily="34" charset="0"/>
                 <a:cs typeface="Arial" panose="020B0604020202020204" pitchFamily="34" charset="0"/>
               </a:rPr>
-              <a:t>스터디</a:t>
-            </a:r>
-            <a:r>
-              <a:rPr kumimoji="0" lang="en-US" altLang="ko-KR" sz="2400" b="0" i="0" u="none" strike="noStrike" cap="none" normalizeH="0" baseline="0" dirty="0">
+              <a:t>프로젝트 특성 상 모든 팀원이 내용에 대해 이해해야 함</a:t>
+            </a:r>
+            <a:endParaRPr kumimoji="0" lang="en-US" altLang="ko-KR" sz="2400" b="1" i="0" u="none" strike="noStrike" cap="none" normalizeH="0" baseline="0" dirty="0" smtClean="0">
+              <a:ln>
+                <a:noFill/>
+              </a:ln>
+              <a:solidFill>
+                <a:srgbClr val="000000"/>
+              </a:solidFill>
+              <a:effectLst/>
+              <a:latin typeface="Arial" panose="020B0604020202020204" pitchFamily="34" charset="0"/>
+              <a:cs typeface="Arial" panose="020B0604020202020204" pitchFamily="34" charset="0"/>
+            </a:endParaRPr>
+          </a:p>
+          <a:p>
+            <a:pPr marR="0" lvl="0" algn="l" defTabSz="914400" rtl="0" eaLnBrk="0" fontAlgn="base" latinLnBrk="0" hangingPunct="0">
+              <a:lnSpc>
+                <a:spcPct val="100000"/>
+              </a:lnSpc>
+              <a:spcBef>
+                <a:spcPct val="0"/>
+              </a:spcBef>
+              <a:spcAft>
+                <a:spcPct val="0"/>
+              </a:spcAft>
+              <a:buClrTx/>
+              <a:buSzTx/>
+              <a:buFontTx/>
+              <a:buChar char="-"/>
+              <a:tabLst/>
+            </a:pPr>
+            <a:r>
+              <a:rPr lang="ko-KR" altLang="en-US" sz="2400" dirty="0" smtClean="0">
+                <a:solidFill>
+                  <a:srgbClr val="000000"/>
+                </a:solidFill>
+                <a:latin typeface="Arial" panose="020B0604020202020204" pitchFamily="34" charset="0"/>
+                <a:cs typeface="Arial" panose="020B0604020202020204" pitchFamily="34" charset="0"/>
+              </a:rPr>
+              <a:t>전담 분야 학습</a:t>
+            </a:r>
+            <a:r>
+              <a:rPr lang="en-US" altLang="ko-KR" sz="2400" dirty="0" smtClean="0">
+                <a:solidFill>
+                  <a:srgbClr val="000000"/>
+                </a:solidFill>
+                <a:latin typeface="Arial" panose="020B0604020202020204" pitchFamily="34" charset="0"/>
+                <a:cs typeface="Arial" panose="020B0604020202020204" pitchFamily="34" charset="0"/>
+              </a:rPr>
+              <a:t>,</a:t>
+            </a:r>
+            <a:r>
+              <a:rPr lang="ko-KR" altLang="en-US" sz="2400" dirty="0" smtClean="0">
+                <a:solidFill>
+                  <a:srgbClr val="000000"/>
+                </a:solidFill>
+                <a:latin typeface="Arial" panose="020B0604020202020204" pitchFamily="34" charset="0"/>
+                <a:cs typeface="Arial" panose="020B0604020202020204" pitchFamily="34" charset="0"/>
+              </a:rPr>
+              <a:t> 모두에게 공유</a:t>
+            </a:r>
+            <a:endParaRPr lang="en-US" altLang="ko-KR" sz="2400" dirty="0" smtClean="0">
+              <a:solidFill>
+                <a:srgbClr val="000000"/>
+              </a:solidFill>
+              <a:latin typeface="Arial" panose="020B0604020202020204" pitchFamily="34" charset="0"/>
+              <a:cs typeface="Arial" panose="020B0604020202020204" pitchFamily="34" charset="0"/>
+            </a:endParaRPr>
+          </a:p>
+          <a:p>
+            <a:pPr marR="0" lvl="0" algn="l" defTabSz="914400" rtl="0" eaLnBrk="0" fontAlgn="base" latinLnBrk="0" hangingPunct="0">
+              <a:lnSpc>
+                <a:spcPct val="100000"/>
+              </a:lnSpc>
+              <a:spcBef>
+                <a:spcPct val="0"/>
+              </a:spcBef>
+              <a:spcAft>
+                <a:spcPct val="0"/>
+              </a:spcAft>
+              <a:buClrTx/>
+              <a:buSzTx/>
+              <a:buFontTx/>
+              <a:buChar char="-"/>
+              <a:tabLst/>
+            </a:pPr>
+            <a:r>
+              <a:rPr kumimoji="0" lang="ko-KR" altLang="en-US" sz="2400" b="0" i="0" u="none" strike="noStrike" cap="none" normalizeH="0" baseline="0" dirty="0" smtClean="0">
                 <a:ln>
                   <a:noFill/>
                 </a:ln>
@@ -9397,33 +10174,81 @@
                 <a:latin typeface="Arial" panose="020B0604020202020204" pitchFamily="34" charset="0"/>
                 <a:cs typeface="Arial" panose="020B0604020202020204" pitchFamily="34" charset="0"/>
               </a:rPr>
-              <a:t>(Machine Learning, </a:t>
-            </a:r>
-            <a:r>
-              <a:rPr kumimoji="0" lang="ko-KR" altLang="en-US" sz="2400" b="0" i="0" u="none" strike="noStrike" cap="none" normalizeH="0" baseline="0" dirty="0">
-                <a:ln>
-                  <a:noFill/>
-                </a:ln>
+              <a:t>하위 분야는 상황에 따라 분담</a:t>
+            </a:r>
+            <a:endParaRPr kumimoji="0" lang="ko-KR" altLang="ko-KR" sz="5400" b="0" i="0" u="none" strike="noStrike" cap="none" normalizeH="0" baseline="0" dirty="0">
+              <a:ln>
+                <a:noFill/>
+              </a:ln>
+              <a:solidFill>
+                <a:schemeClr val="tx1"/>
+              </a:solidFill>
+              <a:effectLst/>
+              <a:latin typeface="Arial" panose="020B0604020202020204" pitchFamily="34" charset="0"/>
+            </a:endParaRPr>
+          </a:p>
+        </p:txBody>
+      </p:sp>
+      <p:sp>
+        <p:nvSpPr>
+          <p:cNvPr id="7" name="Content Placeholder 6"/>
+          <p:cNvSpPr>
+            <a:spLocks noGrp="1" noChangeArrowheads="1"/>
+          </p:cNvSpPr>
+          <p:nvPr>
+            <p:ph sz="quarter" idx="4294967295"/>
+          </p:nvPr>
+        </p:nvSpPr>
+        <p:spPr bwMode="auto">
+          <a:xfrm>
+            <a:off x="457200" y="5472983"/>
+            <a:ext cx="5599610" cy="369332"/>
+          </a:xfrm>
+          <a:prstGeom prst="rect">
+            <a:avLst/>
+          </a:prstGeom>
+          <a:noFill/>
+          <a:ln>
+            <a:noFill/>
+          </a:ln>
+          <a:effectLst/>
+          <a:extLst>
+            <a:ext uri="{909E8E84-426E-40DD-AFC4-6F175D3DCCD1}">
+              <a14:hiddenFill xmlns:a14="http://schemas.microsoft.com/office/drawing/2010/main">
                 <a:solidFill>
-                  <a:srgbClr val="000000"/>
+                  <a:schemeClr val="accent1"/>
                 </a:solidFill>
-                <a:effectLst/>
-                <a:latin typeface="Arial" panose="020B0604020202020204" pitchFamily="34" charset="0"/>
-                <a:cs typeface="Arial" panose="020B0604020202020204" pitchFamily="34" charset="0"/>
-              </a:rPr>
-              <a:t>안드로이드 앱 개발</a:t>
-            </a:r>
-            <a:r>
-              <a:rPr lang="en-US" altLang="ko-KR" sz="2400" dirty="0">
+              </a14:hiddenFill>
+            </a:ext>
+            <a:ext uri="{91240B29-F687-4F45-9708-019B960494DF}">
+              <a14:hiddenLine xmlns:a14="http://schemas.microsoft.com/office/drawing/2010/main" w="9525">
                 <a:solidFill>
-                  <a:srgbClr val="000000"/>
+                  <a:schemeClr val="tx1"/>
                 </a:solidFill>
-                <a:latin typeface="Arial" panose="020B0604020202020204" pitchFamily="34" charset="0"/>
-                <a:cs typeface="Arial" panose="020B0604020202020204" pitchFamily="34" charset="0"/>
-              </a:rPr>
-              <a:t>)</a:t>
-            </a:r>
-          </a:p>
+                <a:miter lim="800000"/>
+                <a:headEnd/>
+                <a:tailEnd/>
+              </a14:hiddenLine>
+            </a:ext>
+            <a:ext uri="{AF507438-7753-43E0-B8FC-AC1667EBCBE1}">
+              <a14:hiddenEffects xmlns:a14="http://schemas.microsoft.com/office/drawing/2010/main">
+                <a:effectLst>
+                  <a:outerShdw dist="35921" dir="2700000" algn="ctr" rotWithShape="0">
+                    <a:schemeClr val="bg2"/>
+                  </a:outerShdw>
+                </a:effectLst>
+              </a14:hiddenEffects>
+            </a:ext>
+          </a:extLst>
+        </p:spPr>
+        <p:txBody>
+          <a:bodyPr vert="horz" wrap="none" lIns="91440" tIns="0" rIns="91440" bIns="0" numCol="1" anchor="ctr" anchorCtr="0" compatLnSpc="1">
+            <a:prstTxWarp prst="textNoShape">
+              <a:avLst/>
+            </a:prstTxWarp>
+            <a:spAutoFit/>
+          </a:bodyPr>
+          <a:lstStyle/>
           <a:p>
             <a:pPr marL="0" marR="0" lvl="0" indent="0" algn="l" defTabSz="914400" rtl="0" eaLnBrk="0" fontAlgn="base" latinLnBrk="0" hangingPunct="0">
               <a:lnSpc>
@@ -9442,127 +10267,17 @@
               <a:tabLst/>
             </a:pPr>
             <a:r>
-              <a:rPr kumimoji="0" lang="en-US" altLang="ko-KR" sz="2400" b="0" i="0" u="none" strike="noStrike" cap="none" normalizeH="0" baseline="0" dirty="0">
-                <a:ln>
-                  <a:noFill/>
-                </a:ln>
-                <a:solidFill>
-                  <a:srgbClr val="000000"/>
-                </a:solidFill>
-                <a:effectLst/>
-                <a:latin typeface="Arial" panose="020B0604020202020204" pitchFamily="34" charset="0"/>
-                <a:cs typeface="Arial" panose="020B0604020202020204" pitchFamily="34" charset="0"/>
-              </a:rPr>
-              <a:t>- </a:t>
-            </a:r>
-            <a:r>
-              <a:rPr lang="en-US" altLang="ko-KR" sz="2400" dirty="0">
+              <a:rPr lang="ko-KR" altLang="en-US" sz="2400" b="1" dirty="0" smtClean="0">
                 <a:solidFill>
                   <a:srgbClr val="000000"/>
                 </a:solidFill>
                 <a:latin typeface="Arial" panose="020B0604020202020204" pitchFamily="34" charset="0"/>
                 <a:cs typeface="Arial" panose="020B0604020202020204" pitchFamily="34" charset="0"/>
               </a:rPr>
-              <a:t>Machine Learning Basic knowledge</a:t>
-            </a:r>
-            <a:endParaRPr kumimoji="0" lang="en-US" altLang="ko-KR" sz="2400" b="0" i="0" u="none" strike="noStrike" cap="none" normalizeH="0" baseline="0" dirty="0">
-              <a:ln>
-                <a:noFill/>
-              </a:ln>
-              <a:solidFill>
-                <a:srgbClr val="000000"/>
-              </a:solidFill>
-              <a:effectLst/>
-              <a:latin typeface="Arial" panose="020B0604020202020204" pitchFamily="34" charset="0"/>
-              <a:cs typeface="Arial" panose="020B0604020202020204" pitchFamily="34" charset="0"/>
-            </a:endParaRPr>
-          </a:p>
-          <a:p>
-            <a:pPr marL="0" marR="0" lvl="0" indent="0" algn="l" defTabSz="914400" rtl="0" eaLnBrk="0" fontAlgn="base" latinLnBrk="0" hangingPunct="0">
-              <a:lnSpc>
-                <a:spcPct val="100000"/>
-              </a:lnSpc>
-              <a:spcBef>
-                <a:spcPct val="0"/>
-              </a:spcBef>
-              <a:spcAft>
-                <a:spcPct val="0"/>
-              </a:spcAft>
-              <a:buClrTx/>
-              <a:buSzTx/>
-              <a:buFontTx/>
-              <a:buNone/>
-              <a:tabLst/>
-            </a:pPr>
-            <a:r>
-              <a:rPr lang="ko-KR" altLang="en-US" sz="2400" dirty="0">
-                <a:solidFill>
-                  <a:srgbClr val="000000"/>
-                </a:solidFill>
-                <a:latin typeface="Arial" panose="020B0604020202020204" pitchFamily="34" charset="0"/>
-                <a:cs typeface="Arial" panose="020B0604020202020204" pitchFamily="34" charset="0"/>
-              </a:rPr>
-              <a:t>웹툰 컨텐츠 선정</a:t>
-            </a:r>
-            <a:endParaRPr kumimoji="0" lang="ko-KR" altLang="ko-KR" sz="2400" b="0" i="0" u="none" strike="noStrike" cap="none" normalizeH="0" baseline="0" dirty="0">
-              <a:ln>
-                <a:noFill/>
-              </a:ln>
-              <a:solidFill>
-                <a:srgbClr val="000000"/>
-              </a:solidFill>
-              <a:effectLst/>
-              <a:latin typeface="Arial" panose="020B0604020202020204" pitchFamily="34" charset="0"/>
-              <a:cs typeface="Arial" panose="020B0604020202020204" pitchFamily="34" charset="0"/>
-            </a:endParaRPr>
-          </a:p>
-          <a:p>
-            <a:pPr marL="0" marR="0" lvl="0" indent="200025" algn="l" defTabSz="914400" rtl="0" eaLnBrk="0" fontAlgn="base" latinLnBrk="0" hangingPunct="0">
-              <a:lnSpc>
-                <a:spcPct val="100000"/>
-              </a:lnSpc>
-              <a:spcBef>
-                <a:spcPct val="0"/>
-              </a:spcBef>
-              <a:spcAft>
-                <a:spcPct val="0"/>
-              </a:spcAft>
-              <a:buClrTx/>
-              <a:buSzTx/>
-              <a:buFontTx/>
-              <a:buAutoNum type="arabicPeriod"/>
-              <a:tabLst/>
-            </a:pPr>
-            <a:r>
-              <a:rPr kumimoji="0" lang="ko-KR" altLang="ko-KR" sz="2400" b="0" i="0" u="none" strike="noStrike" cap="none" normalizeH="0" baseline="0" dirty="0">
-                <a:ln>
-                  <a:noFill/>
-                </a:ln>
-                <a:solidFill>
-                  <a:srgbClr val="000000"/>
-                </a:solidFill>
-                <a:effectLst/>
-                <a:latin typeface="Arial" panose="020B0604020202020204" pitchFamily="34" charset="0"/>
-                <a:cs typeface="Arial" panose="020B0604020202020204" pitchFamily="34" charset="0"/>
-              </a:rPr>
-              <a:t>ML </a:t>
-            </a:r>
-            <a:r>
-              <a:rPr kumimoji="0" lang="ko-KR" altLang="ko-KR" sz="2400" b="0" i="0" u="none" strike="noStrike" cap="none" normalizeH="0" baseline="0" dirty="0" err="1">
-                <a:ln>
-                  <a:noFill/>
-                </a:ln>
-                <a:solidFill>
-                  <a:srgbClr val="000000"/>
-                </a:solidFill>
-                <a:effectLst/>
-                <a:latin typeface="Arial" panose="020B0604020202020204" pitchFamily="34" charset="0"/>
-                <a:cs typeface="Arial" panose="020B0604020202020204" pitchFamily="34" charset="0"/>
-              </a:rPr>
-              <a:t>Basic</a:t>
-            </a:r>
-            <a:r>
-              <a:rPr kumimoji="0" lang="ko-KR" altLang="ko-KR" sz="2400" b="0" i="0" u="none" strike="noStrike" cap="none" normalizeH="0" baseline="0" dirty="0">
+              <a:t>각자의 분야를 중심으로 하나의 앱을 구현</a:t>
+            </a:r>
+            <a:r>
+              <a:rPr kumimoji="0" lang="ko-KR" altLang="en-US" sz="2400" b="0" i="0" u="none" strike="noStrike" cap="none" normalizeH="0" baseline="0" dirty="0" smtClean="0">
                 <a:ln>
                   <a:noFill/>
                 </a:ln>
@@ -9575,163 +10290,6 @@
               </a:rPr>
               <a:t> </a:t>
             </a:r>
-            <a:r>
-              <a:rPr kumimoji="0" lang="ko-KR" altLang="ko-KR" sz="2400" b="0" i="0" u="none" strike="noStrike" cap="none" normalizeH="0" baseline="0" dirty="0" err="1">
-                <a:ln>
-                  <a:noFill/>
-                </a:ln>
-                <a:solidFill>
-                  <a:srgbClr val="000000"/>
-                </a:solidFill>
-                <a:effectLst/>
-                <a:latin typeface="Arial" panose="020B0604020202020204" pitchFamily="34" charset="0"/>
-                <a:cs typeface="Arial" panose="020B0604020202020204" pitchFamily="34" charset="0"/>
-              </a:rPr>
-              <a:t>knowledge</a:t>
-            </a:r>
-            <a:r>
-              <a:rPr kumimoji="0" lang="ko-KR" altLang="ko-KR" sz="2400" b="0" i="0" u="none" strike="noStrike" cap="none" normalizeH="0" baseline="0" dirty="0">
-                <a:ln>
-                  <a:noFill/>
-                </a:ln>
-                <a:solidFill>
-                  <a:srgbClr val="000000"/>
-                </a:solidFill>
-                <a:effectLst/>
-                <a:latin typeface="Arial" panose="020B0604020202020204" pitchFamily="34" charset="0"/>
-                <a:cs typeface="Arial" panose="020B0604020202020204" pitchFamily="34" charset="0"/>
-              </a:rPr>
-              <a:t>: MNIST </a:t>
-            </a:r>
-            <a:r>
-              <a:rPr kumimoji="0" lang="ko-KR" altLang="ko-KR" sz="2400" b="0" i="0" u="none" strike="noStrike" cap="none" normalizeH="0" baseline="0" dirty="0" err="1">
-                <a:ln>
-                  <a:noFill/>
-                </a:ln>
-                <a:solidFill>
-                  <a:srgbClr val="000000"/>
-                </a:solidFill>
-                <a:effectLst/>
-                <a:latin typeface="Arial" panose="020B0604020202020204" pitchFamily="34" charset="0"/>
-                <a:cs typeface="Arial" panose="020B0604020202020204" pitchFamily="34" charset="0"/>
-              </a:rPr>
-              <a:t>data</a:t>
-            </a:r>
-            <a:endParaRPr kumimoji="0" lang="ko-KR" altLang="ko-KR" sz="2400" b="0" i="0" u="none" strike="noStrike" cap="none" normalizeH="0" baseline="0" dirty="0">
-              <a:ln>
-                <a:noFill/>
-              </a:ln>
-              <a:solidFill>
-                <a:srgbClr val="000000"/>
-              </a:solidFill>
-              <a:effectLst/>
-              <a:latin typeface="Arial" panose="020B0604020202020204" pitchFamily="34" charset="0"/>
-              <a:cs typeface="Arial" panose="020B0604020202020204" pitchFamily="34" charset="0"/>
-            </a:endParaRPr>
-          </a:p>
-          <a:p>
-            <a:pPr marL="0" marR="0" lvl="0" indent="200025" algn="l" defTabSz="914400" rtl="0" eaLnBrk="0" fontAlgn="base" latinLnBrk="0" hangingPunct="0">
-              <a:lnSpc>
-                <a:spcPct val="100000"/>
-              </a:lnSpc>
-              <a:spcBef>
-                <a:spcPct val="0"/>
-              </a:spcBef>
-              <a:spcAft>
-                <a:spcPct val="0"/>
-              </a:spcAft>
-              <a:buClrTx/>
-              <a:buSzTx/>
-              <a:buFontTx/>
-              <a:buAutoNum type="arabicPeriod" startAt="2"/>
-              <a:tabLst/>
-            </a:pPr>
-            <a:r>
-              <a:rPr kumimoji="0" lang="ko-KR" altLang="ko-KR" sz="2400" b="0" i="0" u="none" strike="noStrike" cap="none" normalizeH="0" baseline="0" dirty="0">
-                <a:ln>
-                  <a:noFill/>
-                </a:ln>
-                <a:solidFill>
-                  <a:srgbClr val="000000"/>
-                </a:solidFill>
-                <a:effectLst/>
-                <a:latin typeface="Arial" panose="020B0604020202020204" pitchFamily="34" charset="0"/>
-                <a:cs typeface="Arial" panose="020B0604020202020204" pitchFamily="34" charset="0"/>
-              </a:rPr>
-              <a:t>담당자와 만나서 의견 </a:t>
-            </a:r>
-            <a:r>
-              <a:rPr lang="ko-KR" altLang="en-US" sz="2400" dirty="0">
-                <a:solidFill>
-                  <a:srgbClr val="000000"/>
-                </a:solidFill>
-                <a:latin typeface="Arial" panose="020B0604020202020204" pitchFamily="34" charset="0"/>
-                <a:cs typeface="Arial" panose="020B0604020202020204" pitchFamily="34" charset="0"/>
-              </a:rPr>
-              <a:t>나누고 </a:t>
-            </a:r>
-            <a:r>
-              <a:rPr lang="en-US" altLang="ko-KR" sz="2400" dirty="0" err="1">
-                <a:solidFill>
-                  <a:srgbClr val="000000"/>
-                </a:solidFill>
-                <a:latin typeface="Arial" panose="020B0604020202020204" pitchFamily="34" charset="0"/>
-                <a:cs typeface="Arial" panose="020B0604020202020204" pitchFamily="34" charset="0"/>
-              </a:rPr>
-              <a:t>Github</a:t>
-            </a:r>
-            <a:r>
-              <a:rPr lang="ko-KR" altLang="en-US" sz="2400" dirty="0">
-                <a:solidFill>
-                  <a:srgbClr val="000000"/>
-                </a:solidFill>
-                <a:latin typeface="Arial" panose="020B0604020202020204" pitchFamily="34" charset="0"/>
-                <a:cs typeface="Arial" panose="020B0604020202020204" pitchFamily="34" charset="0"/>
-              </a:rPr>
-              <a:t>에서 소통</a:t>
-            </a:r>
-            <a:endParaRPr kumimoji="0" lang="ko-KR" altLang="ko-KR" sz="2400" b="0" i="0" u="none" strike="noStrike" cap="none" normalizeH="0" baseline="0" dirty="0">
-              <a:ln>
-                <a:noFill/>
-              </a:ln>
-              <a:solidFill>
-                <a:srgbClr val="000000"/>
-              </a:solidFill>
-              <a:effectLst/>
-              <a:latin typeface="Arial" panose="020B0604020202020204" pitchFamily="34" charset="0"/>
-              <a:cs typeface="Arial" panose="020B0604020202020204" pitchFamily="34" charset="0"/>
-            </a:endParaRPr>
-          </a:p>
-          <a:p>
-            <a:pPr marL="0" marR="0" lvl="0" indent="200025" algn="l" defTabSz="914400" rtl="0" eaLnBrk="0" fontAlgn="base" latinLnBrk="0" hangingPunct="0">
-              <a:lnSpc>
-                <a:spcPct val="100000"/>
-              </a:lnSpc>
-              <a:spcBef>
-                <a:spcPct val="0"/>
-              </a:spcBef>
-              <a:spcAft>
-                <a:spcPct val="0"/>
-              </a:spcAft>
-              <a:buClrTx/>
-              <a:buSzTx/>
-              <a:buFontTx/>
-              <a:buNone/>
-              <a:tabLst/>
-            </a:pPr>
-            <a:br>
-              <a:rPr kumimoji="0" lang="ko-KR" altLang="ko-KR" sz="2400" b="0" i="0" u="none" strike="noStrike" cap="none" normalizeH="0" baseline="0" dirty="0">
-                <a:ln>
-                  <a:noFill/>
-                </a:ln>
-                <a:solidFill>
-                  <a:srgbClr val="000000"/>
-                </a:solidFill>
-                <a:effectLst/>
-                <a:latin typeface="Arial" panose="020B0604020202020204" pitchFamily="34" charset="0"/>
-                <a:cs typeface="Arial" panose="020B0604020202020204" pitchFamily="34" charset="0"/>
-              </a:rPr>
-            </a:br>
             <a:endParaRPr kumimoji="0" lang="ko-KR" altLang="ko-KR" sz="5400" b="0" i="0" u="none" strike="noStrike" cap="none" normalizeH="0" baseline="0" dirty="0">
               <a:ln>
                 <a:noFill/>
@@ -9745,10 +10303,155 @@
           </a:p>
         </p:txBody>
       </p:sp>
+      <p:grpSp>
+        <p:nvGrpSpPr>
+          <p:cNvPr id="8" name="Group 7"/>
+          <p:cNvGrpSpPr/>
+          <p:nvPr/>
+        </p:nvGrpSpPr>
+        <p:grpSpPr>
+          <a:xfrm>
+            <a:off x="1276247" y="3300330"/>
+            <a:ext cx="6591505" cy="1302622"/>
+            <a:chOff x="1151712" y="3165239"/>
+            <a:chExt cx="6591505" cy="1302622"/>
+          </a:xfrm>
+        </p:grpSpPr>
+        <p:pic>
+          <p:nvPicPr>
+            <p:cNvPr id="2" name="Picture 1"/>
+            <p:cNvPicPr>
+              <a:picLocks noChangeAspect="1"/>
+            </p:cNvPicPr>
+            <p:nvPr/>
+          </p:nvPicPr>
+          <p:blipFill>
+            <a:blip r:embed="rId3">
+              <a:extLst>
+                <a:ext uri="{28A0092B-C50C-407E-A947-70E740481C1C}">
+                  <a14:useLocalDpi xmlns:a14="http://schemas.microsoft.com/office/drawing/2010/main" val="0"/>
+                </a:ext>
+              </a:extLst>
+            </a:blip>
+            <a:stretch>
+              <a:fillRect/>
+            </a:stretch>
+          </p:blipFill>
+          <p:spPr>
+            <a:xfrm>
+              <a:off x="1151712" y="3372855"/>
+              <a:ext cx="1095006" cy="1095006"/>
+            </a:xfrm>
+            <a:prstGeom prst="rect">
+              <a:avLst/>
+            </a:prstGeom>
+          </p:spPr>
+        </p:pic>
+        <p:pic>
+          <p:nvPicPr>
+            <p:cNvPr id="3" name="Picture 2"/>
+            <p:cNvPicPr>
+              <a:picLocks noChangeAspect="1"/>
+            </p:cNvPicPr>
+            <p:nvPr/>
+          </p:nvPicPr>
+          <p:blipFill>
+            <a:blip r:embed="rId4">
+              <a:extLst>
+                <a:ext uri="{28A0092B-C50C-407E-A947-70E740481C1C}">
+                  <a14:useLocalDpi xmlns:a14="http://schemas.microsoft.com/office/drawing/2010/main" val="0"/>
+                </a:ext>
+              </a:extLst>
+            </a:blip>
+            <a:stretch>
+              <a:fillRect/>
+            </a:stretch>
+          </p:blipFill>
+          <p:spPr>
+            <a:xfrm>
+              <a:off x="4572000" y="3165239"/>
+              <a:ext cx="1062979" cy="1247937"/>
+            </a:xfrm>
+            <a:prstGeom prst="rect">
+              <a:avLst/>
+            </a:prstGeom>
+          </p:spPr>
+        </p:pic>
+        <p:sp>
+          <p:nvSpPr>
+            <p:cNvPr id="10" name="TextBox 9"/>
+            <p:cNvSpPr txBox="1"/>
+            <p:nvPr/>
+          </p:nvSpPr>
+          <p:spPr>
+            <a:xfrm>
+              <a:off x="2015918" y="4038647"/>
+              <a:ext cx="2003898" cy="369332"/>
+            </a:xfrm>
+            <a:prstGeom prst="rect">
+              <a:avLst/>
+            </a:prstGeom>
+            <a:noFill/>
+          </p:spPr>
+          <p:txBody>
+            <a:bodyPr wrap="square" rtlCol="0">
+              <a:spAutoFit/>
+            </a:bodyPr>
+            <a:lstStyle/>
+            <a:p>
+              <a:pPr algn="ctr"/>
+              <a:r>
+                <a:rPr lang="ko-KR" altLang="en-US" dirty="0" smtClean="0"/>
+                <a:t>강민지 </a:t>
+              </a:r>
+              <a:r>
+                <a:rPr lang="en-US" altLang="ko-KR" sz="1400" dirty="0" err="1" smtClean="0"/>
+                <a:t>TensorFlow</a:t>
+              </a:r>
+              <a:endParaRPr lang="ko-KR" altLang="en-US" sz="1400" dirty="0"/>
+            </a:p>
+          </p:txBody>
+        </p:sp>
+        <p:sp>
+          <p:nvSpPr>
+            <p:cNvPr id="11" name="TextBox 10"/>
+            <p:cNvSpPr txBox="1"/>
+            <p:nvPr/>
+          </p:nvSpPr>
+          <p:spPr>
+            <a:xfrm>
+              <a:off x="5634979" y="4035269"/>
+              <a:ext cx="2108238" cy="369332"/>
+            </a:xfrm>
+            <a:prstGeom prst="rect">
+              <a:avLst/>
+            </a:prstGeom>
+            <a:noFill/>
+          </p:spPr>
+          <p:txBody>
+            <a:bodyPr wrap="square" rtlCol="0">
+              <a:spAutoFit/>
+            </a:bodyPr>
+            <a:lstStyle/>
+            <a:p>
+              <a:pPr algn="ctr"/>
+              <a:r>
+                <a:rPr lang="ko-KR" altLang="en-US" dirty="0" smtClean="0"/>
+                <a:t>원종훈 핌언 </a:t>
+              </a:r>
+              <a:r>
+                <a:rPr lang="en-US" altLang="ko-KR" sz="1400" dirty="0" smtClean="0"/>
+                <a:t>Android</a:t>
+              </a:r>
+              <a:endParaRPr lang="ko-KR" altLang="en-US" sz="1400" dirty="0"/>
+            </a:p>
+          </p:txBody>
+        </p:sp>
+      </p:grpSp>
     </p:spTree>
     <p:extLst>
       <p:ext uri="{BB962C8B-B14F-4D97-AF65-F5344CB8AC3E}">
-        <p14:creationId xmlns:p14="http://schemas.microsoft.com/office/powerpoint/2010/main" val="339805117"/>
+        <p14:creationId xmlns:p14="http://schemas.microsoft.com/office/powerpoint/2010/main" val="1461754398"/>
       </p:ext>
     </p:extLst>
   </p:cSld>
@@ -9758,10 +10461,17 @@
   <p:transition>
     <p:fade/>
   </p:transition>
+  <p:timing>
+    <p:tnLst>
+      <p:par>
+        <p:cTn id="1" dur="indefinite" restart="never" nodeType="tmRoot"/>
+      </p:par>
+    </p:tnLst>
+  </p:timing>
 </p:sld>
 </file>
 
-<file path=ppt/slides/slide14.xml><?xml version="1.0" encoding="utf-8"?>
+<file path=ppt/slides/slide16.xml><?xml version="1.0" encoding="utf-8"?>
 <p:sld xmlns:a="http://schemas.openxmlformats.org/drawingml/2006/main" xmlns:r="http://schemas.openxmlformats.org/officeDocument/2006/relationships" xmlns:p="http://schemas.openxmlformats.org/presentationml/2006/main">
   <p:cSld>
     <p:spTree>
@@ -9800,6 +10510,341 @@
           <a:p>
             <a:r>
               <a:rPr lang="en-US" altLang="ko-KR" dirty="0"/>
+              <a:t>Current Status</a:t>
+            </a:r>
+            <a:endParaRPr lang="ko-KR" altLang="en-US" dirty="0"/>
+          </a:p>
+        </p:txBody>
+      </p:sp>
+      <p:pic>
+        <p:nvPicPr>
+          <p:cNvPr id="5" name="Picture 4"/>
+          <p:cNvPicPr>
+            <a:picLocks noChangeAspect="1"/>
+          </p:cNvPicPr>
+          <p:nvPr/>
+        </p:nvPicPr>
+        <p:blipFill rotWithShape="1">
+          <a:blip r:embed="rId3">
+            <a:duotone>
+              <a:prstClr val="black"/>
+              <a:srgbClr val="00B752">
+                <a:tint val="45000"/>
+                <a:satMod val="400000"/>
+              </a:srgbClr>
+            </a:duotone>
+            <a:extLst>
+              <a:ext uri="{28A0092B-C50C-407E-A947-70E740481C1C}">
+                <a14:useLocalDpi xmlns:a14="http://schemas.microsoft.com/office/drawing/2010/main" val="0"/>
+              </a:ext>
+            </a:extLst>
+          </a:blip>
+          <a:srcRect l="4326" r="6312" b="13759"/>
+          <a:stretch/>
+        </p:blipFill>
+        <p:spPr>
+          <a:xfrm>
+            <a:off x="1421400" y="3970436"/>
+            <a:ext cx="1846218" cy="1781747"/>
+          </a:xfrm>
+          <a:prstGeom prst="rect">
+            <a:avLst/>
+          </a:prstGeom>
+        </p:spPr>
+      </p:pic>
+      <p:pic>
+        <p:nvPicPr>
+          <p:cNvPr id="7" name="Picture 6"/>
+          <p:cNvPicPr>
+            <a:picLocks noChangeAspect="1"/>
+          </p:cNvPicPr>
+          <p:nvPr/>
+        </p:nvPicPr>
+        <p:blipFill rotWithShape="1">
+          <a:blip r:embed="rId4">
+            <a:clrChange>
+              <a:clrFrom>
+                <a:srgbClr val="000000">
+                  <a:alpha val="0"/>
+                </a:srgbClr>
+              </a:clrFrom>
+              <a:clrTo>
+                <a:srgbClr val="000000">
+                  <a:alpha val="0"/>
+                </a:srgbClr>
+              </a:clrTo>
+            </a:clrChange>
+            <a:alphaModFix/>
+            <a:duotone>
+              <a:prstClr val="black"/>
+              <a:srgbClr val="00B14F">
+                <a:tint val="45000"/>
+                <a:satMod val="400000"/>
+              </a:srgbClr>
+            </a:duotone>
+            <a:extLst>
+              <a:ext uri="{28A0092B-C50C-407E-A947-70E740481C1C}">
+                <a14:useLocalDpi xmlns:a14="http://schemas.microsoft.com/office/drawing/2010/main" val="0"/>
+              </a:ext>
+            </a:extLst>
+          </a:blip>
+          <a:srcRect b="15146"/>
+          <a:stretch/>
+        </p:blipFill>
+        <p:spPr>
+          <a:xfrm>
+            <a:off x="1223207" y="1673342"/>
+            <a:ext cx="1931474" cy="1638936"/>
+          </a:xfrm>
+          <a:prstGeom prst="rect">
+            <a:avLst/>
+          </a:prstGeom>
+        </p:spPr>
+      </p:pic>
+      <p:sp>
+        <p:nvSpPr>
+          <p:cNvPr id="10" name="TextBox 9"/>
+          <p:cNvSpPr txBox="1"/>
+          <p:nvPr/>
+        </p:nvSpPr>
+        <p:spPr>
+          <a:xfrm>
+            <a:off x="3425526" y="1984978"/>
+            <a:ext cx="3384260" cy="1292662"/>
+          </a:xfrm>
+          <a:prstGeom prst="rect">
+            <a:avLst/>
+          </a:prstGeom>
+          <a:noFill/>
+        </p:spPr>
+        <p:txBody>
+          <a:bodyPr wrap="none" rtlCol="0">
+            <a:spAutoFit/>
+          </a:bodyPr>
+          <a:lstStyle/>
+          <a:p>
+            <a:r>
+              <a:rPr lang="ko-KR" altLang="en-US" sz="2400" b="1" dirty="0" smtClean="0"/>
+              <a:t>면담</a:t>
+            </a:r>
+            <a:endParaRPr lang="en-US" altLang="ko-KR" sz="2400" b="1" dirty="0" smtClean="0"/>
+          </a:p>
+          <a:p>
+            <a:pPr marL="285750" indent="-285750">
+              <a:buFontTx/>
+              <a:buChar char="-"/>
+            </a:pPr>
+            <a:r>
+              <a:rPr lang="en-US" altLang="ko-KR" dirty="0" smtClean="0"/>
+              <a:t>AR</a:t>
+            </a:r>
+            <a:r>
+              <a:rPr lang="ko-KR" altLang="en-US" dirty="0" smtClean="0"/>
+              <a:t> </a:t>
+            </a:r>
+            <a:r>
+              <a:rPr lang="en-US" altLang="ko-KR" dirty="0" smtClean="0"/>
+              <a:t>Player </a:t>
+            </a:r>
+            <a:r>
+              <a:rPr lang="ko-KR" altLang="en-US" dirty="0"/>
+              <a:t>형식</a:t>
+            </a:r>
+            <a:r>
+              <a:rPr lang="en-US" altLang="ko-KR" dirty="0"/>
+              <a:t>,</a:t>
+            </a:r>
+            <a:r>
+              <a:rPr lang="ko-KR" altLang="en-US" dirty="0"/>
+              <a:t> </a:t>
+            </a:r>
+            <a:r>
+              <a:rPr lang="en-US" altLang="ko-KR" dirty="0" smtClean="0"/>
+              <a:t>Source </a:t>
+            </a:r>
+            <a:r>
+              <a:rPr lang="ko-KR" altLang="en-US" dirty="0" smtClean="0"/>
+              <a:t>선택</a:t>
+            </a:r>
+            <a:endParaRPr lang="en-US" altLang="ko-KR" dirty="0" smtClean="0"/>
+          </a:p>
+          <a:p>
+            <a:pPr marL="285750" indent="-285750">
+              <a:buFontTx/>
+              <a:buChar char="-"/>
+            </a:pPr>
+            <a:r>
+              <a:rPr lang="en-US" altLang="ko-KR" dirty="0"/>
+              <a:t>Study </a:t>
+            </a:r>
+            <a:r>
+              <a:rPr lang="ko-KR" altLang="en-US" dirty="0" smtClean="0"/>
+              <a:t>분야 분담</a:t>
+            </a:r>
+            <a:endParaRPr lang="en-US" altLang="ko-KR" dirty="0" smtClean="0"/>
+          </a:p>
+          <a:p>
+            <a:pPr marL="285750" indent="-285750">
+              <a:buFontTx/>
+              <a:buChar char="-"/>
+            </a:pPr>
+            <a:r>
+              <a:rPr lang="ko-KR" altLang="en-US" dirty="0" smtClean="0"/>
+              <a:t>메신저와 </a:t>
+            </a:r>
+            <a:r>
+              <a:rPr lang="en-US" altLang="ko-KR" dirty="0" smtClean="0"/>
+              <a:t>GitHub</a:t>
+            </a:r>
+            <a:r>
+              <a:rPr lang="ko-KR" altLang="en-US" dirty="0" smtClean="0"/>
+              <a:t>를 통한 소통</a:t>
+            </a:r>
+            <a:endParaRPr lang="en-US" altLang="ko-KR" dirty="0" smtClean="0"/>
+          </a:p>
+        </p:txBody>
+      </p:sp>
+      <p:sp>
+        <p:nvSpPr>
+          <p:cNvPr id="12" name="TextBox 11"/>
+          <p:cNvSpPr txBox="1"/>
+          <p:nvPr/>
+        </p:nvSpPr>
+        <p:spPr>
+          <a:xfrm>
+            <a:off x="3425526" y="4214978"/>
+            <a:ext cx="3609321" cy="1292662"/>
+          </a:xfrm>
+          <a:prstGeom prst="rect">
+            <a:avLst/>
+          </a:prstGeom>
+          <a:noFill/>
+        </p:spPr>
+        <p:txBody>
+          <a:bodyPr wrap="none" rtlCol="0">
+            <a:spAutoFit/>
+          </a:bodyPr>
+          <a:lstStyle/>
+          <a:p>
+            <a:r>
+              <a:rPr lang="ko-KR" altLang="en-US" sz="2400" b="1" dirty="0" smtClean="0"/>
+              <a:t>스터디</a:t>
+            </a:r>
+            <a:endParaRPr lang="en-US" altLang="ko-KR" sz="2400" b="1" dirty="0" smtClean="0"/>
+          </a:p>
+          <a:p>
+            <a:pPr marL="285750" indent="-285750">
+              <a:buFontTx/>
+              <a:buChar char="-"/>
+            </a:pPr>
+            <a:r>
+              <a:rPr lang="ko-KR" altLang="en-US" dirty="0" smtClean="0"/>
+              <a:t>앞으로 배워야 할 내용 설정</a:t>
+            </a:r>
+            <a:endParaRPr lang="en-US" altLang="ko-KR" dirty="0" smtClean="0"/>
+          </a:p>
+          <a:p>
+            <a:pPr marL="285750" indent="-285750">
+              <a:buFontTx/>
+              <a:buChar char="-"/>
+            </a:pPr>
+            <a:r>
+              <a:rPr lang="en-US" altLang="ko-KR" dirty="0" err="1"/>
+              <a:t>TensorFlow</a:t>
+            </a:r>
+            <a:r>
+              <a:rPr lang="en-US" altLang="ko-KR" dirty="0"/>
+              <a:t>: Terms, MNIST,</a:t>
+            </a:r>
+            <a:r>
+              <a:rPr lang="ko-KR" altLang="en-US" dirty="0"/>
+              <a:t> </a:t>
+            </a:r>
+            <a:r>
+              <a:rPr lang="mr-IN" altLang="ko-KR" dirty="0" smtClean="0"/>
+              <a:t>…</a:t>
+            </a:r>
+            <a:endParaRPr lang="en-US" altLang="ko-KR" dirty="0" smtClean="0"/>
+          </a:p>
+          <a:p>
+            <a:pPr marL="285750" indent="-285750">
+              <a:buFontTx/>
+              <a:buChar char="-"/>
+            </a:pPr>
+            <a:r>
+              <a:rPr lang="en-US" altLang="ko-KR" dirty="0" smtClean="0"/>
+              <a:t>Android: Android Studio, </a:t>
+            </a:r>
+            <a:r>
+              <a:rPr lang="mr-IN" altLang="ko-KR" dirty="0" smtClean="0"/>
+              <a:t>…</a:t>
+            </a:r>
+            <a:endParaRPr lang="en-US" altLang="ko-KR" dirty="0" smtClean="0"/>
+          </a:p>
+        </p:txBody>
+      </p:sp>
+    </p:spTree>
+    <p:extLst>
+      <p:ext uri="{BB962C8B-B14F-4D97-AF65-F5344CB8AC3E}">
+        <p14:creationId xmlns:p14="http://schemas.microsoft.com/office/powerpoint/2010/main" val="1496718616"/>
+      </p:ext>
+    </p:extLst>
+  </p:cSld>
+  <p:clrMapOvr>
+    <a:masterClrMapping/>
+  </p:clrMapOvr>
+  <p:transition>
+    <p:fade/>
+  </p:transition>
+  <p:timing>
+    <p:tnLst>
+      <p:par>
+        <p:cTn id="1" dur="indefinite" restart="never" nodeType="tmRoot"/>
+      </p:par>
+    </p:tnLst>
+  </p:timing>
+</p:sld>
+</file>
+
+<file path=ppt/slides/slide17.xml><?xml version="1.0" encoding="utf-8"?>
+<p:sld xmlns:a="http://schemas.openxmlformats.org/drawingml/2006/main" xmlns:r="http://schemas.openxmlformats.org/officeDocument/2006/relationships" xmlns:p="http://schemas.openxmlformats.org/presentationml/2006/main">
+  <p:cSld>
+    <p:spTree>
+      <p:nvGrpSpPr>
+        <p:cNvPr id="1" name=""/>
+        <p:cNvGrpSpPr/>
+        <p:nvPr/>
+      </p:nvGrpSpPr>
+      <p:grpSpPr>
+        <a:xfrm>
+          <a:off x="0" y="0"/>
+          <a:ext cx="0" cy="0"/>
+          <a:chOff x="0" y="0"/>
+          <a:chExt cx="0" cy="0"/>
+        </a:xfrm>
+      </p:grpSpPr>
+      <p:sp>
+        <p:nvSpPr>
+          <p:cNvPr id="4" name="제목 3"/>
+          <p:cNvSpPr>
+            <a:spLocks noGrp="1"/>
+          </p:cNvSpPr>
+          <p:nvPr>
+            <p:ph type="title"/>
+          </p:nvPr>
+        </p:nvSpPr>
+        <p:spPr>
+          <a:xfrm>
+            <a:off x="457200" y="366780"/>
+            <a:ext cx="8229600" cy="648404"/>
+          </a:xfrm>
+        </p:spPr>
+        <p:txBody>
+          <a:bodyPr/>
+          <a:lstStyle/>
+          <a:p>
+            <a:r>
+              <a:rPr lang="en-US" altLang="ko-KR" dirty="0"/>
               <a:t>Further Plan</a:t>
             </a:r>
             <a:endParaRPr lang="ko-KR" altLang="en-US" dirty="0"/>
@@ -9809,15 +10854,13 @@
       <p:cxnSp>
         <p:nvCxnSpPr>
           <p:cNvPr id="10" name="직선 연결선 9"/>
-          <p:cNvCxnSpPr>
-            <a:stCxn id="6" idx="6"/>
-          </p:cNvCxnSpPr>
+          <p:cNvCxnSpPr/>
           <p:nvPr/>
         </p:nvCxnSpPr>
         <p:spPr>
-          <a:xfrm flipV="1">
-            <a:off x="1798535" y="3228975"/>
-            <a:ext cx="4545115" cy="26428"/>
+          <a:xfrm flipH="1">
+            <a:off x="1192945" y="1944909"/>
+            <a:ext cx="2" cy="3931477"/>
           </a:xfrm>
           <a:prstGeom prst="line">
             <a:avLst/>
@@ -9854,7 +10897,7 @@
         </p:nvSpPr>
         <p:spPr>
           <a:xfrm>
-            <a:off x="1037002" y="2874636"/>
+            <a:off x="803538" y="1564143"/>
             <a:ext cx="761533" cy="761533"/>
           </a:xfrm>
           <a:prstGeom prst="ellipse">
@@ -9908,7 +10951,7 @@
         </p:nvSpPr>
         <p:spPr>
           <a:xfrm>
-            <a:off x="2444321" y="2874636"/>
+            <a:off x="803537" y="2874636"/>
             <a:ext cx="761533" cy="761533"/>
           </a:xfrm>
           <a:prstGeom prst="ellipse">
@@ -9962,7 +11005,7 @@
         </p:nvSpPr>
         <p:spPr>
           <a:xfrm>
-            <a:off x="4723178" y="2874636"/>
+            <a:off x="803536" y="4185128"/>
             <a:ext cx="761533" cy="761533"/>
           </a:xfrm>
           <a:prstGeom prst="ellipse">
@@ -10008,10 +11051,236 @@
           </a:p>
         </p:txBody>
       </p:sp>
+      <p:sp>
+        <p:nvSpPr>
+          <p:cNvPr id="9" name="타원 7"/>
+          <p:cNvSpPr/>
+          <p:nvPr/>
+        </p:nvSpPr>
+        <p:spPr>
+          <a:xfrm>
+            <a:off x="803536" y="5495620"/>
+            <a:ext cx="761533" cy="761533"/>
+          </a:xfrm>
+          <a:prstGeom prst="ellipse">
+            <a:avLst/>
+          </a:prstGeom>
+          <a:solidFill>
+            <a:schemeClr val="bg1"/>
+          </a:solidFill>
+          <a:ln w="38100">
+            <a:solidFill>
+              <a:srgbClr val="00B050"/>
+            </a:solidFill>
+          </a:ln>
+        </p:spPr>
+        <p:style>
+          <a:lnRef idx="2">
+            <a:schemeClr val="accent1">
+              <a:shade val="50000"/>
+            </a:schemeClr>
+          </a:lnRef>
+          <a:fillRef idx="1">
+            <a:schemeClr val="accent1"/>
+          </a:fillRef>
+          <a:effectRef idx="0">
+            <a:schemeClr val="accent1"/>
+          </a:effectRef>
+          <a:fontRef idx="minor">
+            <a:schemeClr val="lt1"/>
+          </a:fontRef>
+        </p:style>
+        <p:txBody>
+          <a:bodyPr rtlCol="0" anchor="ctr"/>
+          <a:lstStyle/>
+          <a:p>
+            <a:pPr algn="ctr"/>
+            <a:endParaRPr lang="ko-KR" altLang="en-US" spc="80" dirty="0">
+              <a:solidFill>
+                <a:schemeClr val="bg1"/>
+              </a:solidFill>
+              <a:latin typeface="나눔고딕" pitchFamily="50" charset="-127"/>
+              <a:ea typeface="나눔고딕" pitchFamily="50" charset="-127"/>
+            </a:endParaRPr>
+          </a:p>
+        </p:txBody>
+      </p:sp>
+      <p:sp>
+        <p:nvSpPr>
+          <p:cNvPr id="11" name="TextBox 10"/>
+          <p:cNvSpPr txBox="1"/>
+          <p:nvPr/>
+        </p:nvSpPr>
+        <p:spPr>
+          <a:xfrm>
+            <a:off x="1740470" y="1714076"/>
+            <a:ext cx="5886015" cy="461665"/>
+          </a:xfrm>
+          <a:prstGeom prst="rect">
+            <a:avLst/>
+          </a:prstGeom>
+          <a:noFill/>
+        </p:spPr>
+        <p:txBody>
+          <a:bodyPr wrap="square" rtlCol="0">
+            <a:spAutoFit/>
+          </a:bodyPr>
+          <a:lstStyle/>
+          <a:p>
+            <a:r>
+              <a:rPr lang="en-US" altLang="ko-KR" sz="2400" dirty="0" err="1" smtClean="0"/>
+              <a:t>TensorFlow</a:t>
+            </a:r>
+            <a:r>
+              <a:rPr lang="ko-KR" altLang="en-US" sz="2400" dirty="0" smtClean="0"/>
+              <a:t> </a:t>
+            </a:r>
+            <a:r>
+              <a:rPr lang="en-US" altLang="ko-KR" dirty="0" smtClean="0"/>
+              <a:t>CNN, Overshooting, Overfitting, </a:t>
+            </a:r>
+            <a:r>
+              <a:rPr lang="mr-IN" altLang="ko-KR" dirty="0" smtClean="0"/>
+              <a:t>…</a:t>
+            </a:r>
+            <a:endParaRPr lang="ko-KR" altLang="en-US" dirty="0"/>
+          </a:p>
+        </p:txBody>
+      </p:sp>
+      <p:sp>
+        <p:nvSpPr>
+          <p:cNvPr id="13" name="TextBox 12"/>
+          <p:cNvSpPr txBox="1"/>
+          <p:nvPr/>
+        </p:nvSpPr>
+        <p:spPr>
+          <a:xfrm>
+            <a:off x="1740470" y="3024569"/>
+            <a:ext cx="5516364" cy="461665"/>
+          </a:xfrm>
+          <a:prstGeom prst="rect">
+            <a:avLst/>
+          </a:prstGeom>
+          <a:noFill/>
+        </p:spPr>
+        <p:txBody>
+          <a:bodyPr wrap="square" rtlCol="0">
+            <a:spAutoFit/>
+          </a:bodyPr>
+          <a:lstStyle/>
+          <a:p>
+            <a:r>
+              <a:rPr lang="en-US" altLang="ko-KR" sz="2400" dirty="0" smtClean="0"/>
+              <a:t>Android</a:t>
+            </a:r>
+            <a:r>
+              <a:rPr lang="ko-KR" altLang="en-US" sz="2400" dirty="0" smtClean="0"/>
+              <a:t> </a:t>
+            </a:r>
+            <a:r>
+              <a:rPr lang="en-US" altLang="ko-KR" dirty="0" err="1" smtClean="0"/>
+              <a:t>RecyclerView</a:t>
+            </a:r>
+            <a:r>
+              <a:rPr lang="en-US" altLang="ko-KR" dirty="0" smtClean="0"/>
+              <a:t>, Activity Life Cycle, </a:t>
+            </a:r>
+            <a:r>
+              <a:rPr lang="mr-IN" altLang="ko-KR" dirty="0" smtClean="0"/>
+              <a:t>…</a:t>
+            </a:r>
+            <a:endParaRPr lang="ko-KR" altLang="en-US" dirty="0"/>
+          </a:p>
+        </p:txBody>
+      </p:sp>
+      <p:sp>
+        <p:nvSpPr>
+          <p:cNvPr id="14" name="TextBox 13"/>
+          <p:cNvSpPr txBox="1"/>
+          <p:nvPr/>
+        </p:nvSpPr>
+        <p:spPr>
+          <a:xfrm>
+            <a:off x="1740470" y="4335061"/>
+            <a:ext cx="4824551" cy="461665"/>
+          </a:xfrm>
+          <a:prstGeom prst="rect">
+            <a:avLst/>
+          </a:prstGeom>
+          <a:noFill/>
+        </p:spPr>
+        <p:txBody>
+          <a:bodyPr wrap="square" rtlCol="0">
+            <a:spAutoFit/>
+          </a:bodyPr>
+          <a:lstStyle/>
+          <a:p>
+            <a:r>
+              <a:rPr lang="en-US" altLang="ko-KR" sz="2400" dirty="0" smtClean="0"/>
+              <a:t>Graphics</a:t>
+            </a:r>
+            <a:r>
+              <a:rPr lang="ko-KR" altLang="en-US" sz="2400" dirty="0" smtClean="0"/>
+              <a:t> </a:t>
+            </a:r>
+            <a:r>
+              <a:rPr lang="en-US" altLang="ko-KR" dirty="0" err="1" smtClean="0"/>
+              <a:t>openGL</a:t>
+            </a:r>
+            <a:r>
+              <a:rPr lang="en-US" altLang="ko-KR" dirty="0" smtClean="0"/>
+              <a:t>, Glide, </a:t>
+            </a:r>
+            <a:r>
+              <a:rPr lang="mr-IN" altLang="ko-KR" dirty="0" smtClean="0"/>
+              <a:t>…</a:t>
+            </a:r>
+            <a:endParaRPr lang="ko-KR" altLang="en-US" dirty="0"/>
+          </a:p>
+        </p:txBody>
+      </p:sp>
+      <p:sp>
+        <p:nvSpPr>
+          <p:cNvPr id="15" name="TextBox 14"/>
+          <p:cNvSpPr txBox="1"/>
+          <p:nvPr/>
+        </p:nvSpPr>
+        <p:spPr>
+          <a:xfrm>
+            <a:off x="1740469" y="5645553"/>
+            <a:ext cx="4824551" cy="461665"/>
+          </a:xfrm>
+          <a:prstGeom prst="rect">
+            <a:avLst/>
+          </a:prstGeom>
+          <a:noFill/>
+        </p:spPr>
+        <p:txBody>
+          <a:bodyPr wrap="square" rtlCol="0">
+            <a:spAutoFit/>
+          </a:bodyPr>
+          <a:lstStyle/>
+          <a:p>
+            <a:r>
+              <a:rPr lang="en-US" altLang="ko-KR" sz="2400" dirty="0" smtClean="0"/>
+              <a:t>Application </a:t>
+            </a:r>
+            <a:r>
+              <a:rPr lang="en-US" altLang="ko-KR" dirty="0" smtClean="0"/>
+              <a:t>SQLite, realm, </a:t>
+            </a:r>
+            <a:r>
+              <a:rPr lang="mr-IN" altLang="ko-KR" dirty="0" smtClean="0"/>
+              <a:t>…</a:t>
+            </a:r>
+            <a:endParaRPr lang="ko-KR" altLang="en-US" dirty="0"/>
+          </a:p>
+        </p:txBody>
+      </p:sp>
     </p:spTree>
     <p:extLst>
       <p:ext uri="{BB962C8B-B14F-4D97-AF65-F5344CB8AC3E}">
-        <p14:creationId xmlns:p14="http://schemas.microsoft.com/office/powerpoint/2010/main" val="2337010859"/>
+        <p14:creationId xmlns:p14="http://schemas.microsoft.com/office/powerpoint/2010/main" val="475326152"/>
       </p:ext>
     </p:extLst>
   </p:cSld>
@@ -10021,470 +11290,17 @@
   <p:transition>
     <p:fade/>
   </p:transition>
+  <p:timing>
+    <p:tnLst>
+      <p:par>
+        <p:cTn id="1" dur="indefinite" restart="never" nodeType="tmRoot"/>
+      </p:par>
+    </p:tnLst>
+  </p:timing>
 </p:sld>
 </file>
 
-<file path=ppt/slides/slide15.xml><?xml version="1.0" encoding="utf-8"?>
-<p:sld xmlns:a="http://schemas.openxmlformats.org/drawingml/2006/main" xmlns:r="http://schemas.openxmlformats.org/officeDocument/2006/relationships" xmlns:p="http://schemas.openxmlformats.org/presentationml/2006/main">
-  <p:cSld>
-    <p:spTree>
-      <p:nvGrpSpPr>
-        <p:cNvPr id="1" name=""/>
-        <p:cNvGrpSpPr/>
-        <p:nvPr/>
-      </p:nvGrpSpPr>
-      <p:grpSpPr>
-        <a:xfrm>
-          <a:off x="0" y="0"/>
-          <a:ext cx="0" cy="0"/>
-          <a:chOff x="0" y="0"/>
-          <a:chExt cx="0" cy="0"/>
-        </a:xfrm>
-      </p:grpSpPr>
-      <p:sp>
-        <p:nvSpPr>
-          <p:cNvPr id="4" name="제목 3"/>
-          <p:cNvSpPr>
-            <a:spLocks noGrp="1"/>
-          </p:cNvSpPr>
-          <p:nvPr>
-            <p:ph type="title"/>
-          </p:nvPr>
-        </p:nvSpPr>
-        <p:spPr>
-          <a:xfrm>
-            <a:off x="457200" y="366780"/>
-            <a:ext cx="8229600" cy="648404"/>
-          </a:xfrm>
-        </p:spPr>
-        <p:txBody>
-          <a:bodyPr/>
-          <a:lstStyle/>
-          <a:p>
-            <a:r>
-              <a:rPr lang="en-US" altLang="ko-KR" dirty="0"/>
-              <a:t>Division and Assignment of Work</a:t>
-            </a:r>
-            <a:endParaRPr lang="ko-KR" altLang="en-US" dirty="0"/>
-          </a:p>
-        </p:txBody>
-      </p:sp>
-      <p:graphicFrame>
-        <p:nvGraphicFramePr>
-          <p:cNvPr id="9" name="내용 개체 틀 8"/>
-          <p:cNvGraphicFramePr>
-            <a:graphicFrameLocks noGrp="1"/>
-          </p:cNvGraphicFramePr>
-          <p:nvPr>
-            <p:ph sz="quarter" idx="4294967295"/>
-            <p:extLst>
-              <p:ext uri="{D42A27DB-BD31-4B8C-83A1-F6EECF244321}">
-                <p14:modId xmlns:p14="http://schemas.microsoft.com/office/powerpoint/2010/main" val="635627376"/>
-              </p:ext>
-            </p:extLst>
-          </p:nvPr>
-        </p:nvGraphicFramePr>
-        <p:xfrm>
-          <a:off x="457200" y="1352762"/>
-          <a:ext cx="8229600" cy="4450080"/>
-        </p:xfrm>
-        <a:graphic>
-          <a:graphicData uri="http://schemas.openxmlformats.org/drawingml/2006/table">
-            <a:tbl>
-              <a:tblPr firstRow="1" bandRow="1">
-                <a:tableStyleId>{5C22544A-7EE6-4342-B048-85BDC9FD1C3A}</a:tableStyleId>
-              </a:tblPr>
-              <a:tblGrid>
-                <a:gridCol w="2861353">
-                  <a:extLst>
-                    <a:ext uri="{9D8B030D-6E8A-4147-A177-3AD203B41FA5}">
-                      <a16:colId xmlns:a16="http://schemas.microsoft.com/office/drawing/2014/main" val="20000"/>
-                    </a:ext>
-                  </a:extLst>
-                </a:gridCol>
-                <a:gridCol w="5368247">
-                  <a:extLst>
-                    <a:ext uri="{9D8B030D-6E8A-4147-A177-3AD203B41FA5}">
-                      <a16:colId xmlns:a16="http://schemas.microsoft.com/office/drawing/2014/main" val="20001"/>
-                    </a:ext>
-                  </a:extLst>
-                </a:gridCol>
-              </a:tblGrid>
-              <a:tr h="370840">
-                <a:tc>
-                  <a:txBody>
-                    <a:bodyPr/>
-                    <a:lstStyle/>
-                    <a:p>
-                      <a:pPr algn="ctr" latinLnBrk="1"/>
-                      <a:r>
-                        <a:rPr lang="ko-KR" altLang="en-US" dirty="0"/>
-                        <a:t>항목</a:t>
-                      </a:r>
-                    </a:p>
-                  </a:txBody>
-                  <a:tcPr anchor="ctr"/>
-                </a:tc>
-                <a:tc>
-                  <a:txBody>
-                    <a:bodyPr/>
-                    <a:lstStyle/>
-                    <a:p>
-                      <a:pPr algn="ctr" latinLnBrk="1"/>
-                      <a:r>
-                        <a:rPr lang="ko-KR" altLang="en-US" dirty="0"/>
-                        <a:t>담당자</a:t>
-                      </a:r>
-                    </a:p>
-                  </a:txBody>
-                  <a:tcPr anchor="ctr"/>
-                </a:tc>
-                <a:extLst>
-                  <a:ext uri="{0D108BD9-81ED-4DB2-BD59-A6C34878D82A}">
-                    <a16:rowId xmlns:a16="http://schemas.microsoft.com/office/drawing/2014/main" val="10000"/>
-                  </a:ext>
-                </a:extLst>
-              </a:tr>
-              <a:tr h="370840">
-                <a:tc>
-                  <a:txBody>
-                    <a:bodyPr/>
-                    <a:lstStyle/>
-                    <a:p>
-                      <a:pPr algn="ctr" latinLnBrk="1"/>
-                      <a:endParaRPr lang="ko-KR" altLang="en-US"/>
-                    </a:p>
-                  </a:txBody>
-                  <a:tcPr anchor="ctr"/>
-                </a:tc>
-                <a:tc>
-                  <a:txBody>
-                    <a:bodyPr/>
-                    <a:lstStyle/>
-                    <a:p>
-                      <a:pPr algn="ctr" latinLnBrk="1"/>
-                      <a:endParaRPr lang="ko-KR" altLang="en-US" dirty="0"/>
-                    </a:p>
-                  </a:txBody>
-                  <a:tcPr anchor="ctr"/>
-                </a:tc>
-                <a:extLst>
-                  <a:ext uri="{0D108BD9-81ED-4DB2-BD59-A6C34878D82A}">
-                    <a16:rowId xmlns:a16="http://schemas.microsoft.com/office/drawing/2014/main" val="10001"/>
-                  </a:ext>
-                </a:extLst>
-              </a:tr>
-              <a:tr h="370840">
-                <a:tc>
-                  <a:txBody>
-                    <a:bodyPr/>
-                    <a:lstStyle/>
-                    <a:p>
-                      <a:pPr algn="ctr" latinLnBrk="1"/>
-                      <a:endParaRPr lang="ko-KR" altLang="en-US"/>
-                    </a:p>
-                  </a:txBody>
-                  <a:tcPr anchor="ctr"/>
-                </a:tc>
-                <a:tc>
-                  <a:txBody>
-                    <a:bodyPr/>
-                    <a:lstStyle/>
-                    <a:p>
-                      <a:pPr algn="ctr" latinLnBrk="1"/>
-                      <a:endParaRPr lang="ko-KR" altLang="en-US" dirty="0"/>
-                    </a:p>
-                  </a:txBody>
-                  <a:tcPr anchor="ctr"/>
-                </a:tc>
-                <a:extLst>
-                  <a:ext uri="{0D108BD9-81ED-4DB2-BD59-A6C34878D82A}">
-                    <a16:rowId xmlns:a16="http://schemas.microsoft.com/office/drawing/2014/main" val="10002"/>
-                  </a:ext>
-                </a:extLst>
-              </a:tr>
-              <a:tr h="370840">
-                <a:tc>
-                  <a:txBody>
-                    <a:bodyPr/>
-                    <a:lstStyle/>
-                    <a:p>
-                      <a:pPr algn="ctr" latinLnBrk="1"/>
-                      <a:endParaRPr lang="ko-KR" altLang="en-US"/>
-                    </a:p>
-                  </a:txBody>
-                  <a:tcPr anchor="ctr"/>
-                </a:tc>
-                <a:tc>
-                  <a:txBody>
-                    <a:bodyPr/>
-                    <a:lstStyle/>
-                    <a:p>
-                      <a:pPr algn="ctr" latinLnBrk="1"/>
-                      <a:endParaRPr lang="ko-KR" altLang="en-US" dirty="0"/>
-                    </a:p>
-                  </a:txBody>
-                  <a:tcPr anchor="ctr"/>
-                </a:tc>
-                <a:extLst>
-                  <a:ext uri="{0D108BD9-81ED-4DB2-BD59-A6C34878D82A}">
-                    <a16:rowId xmlns:a16="http://schemas.microsoft.com/office/drawing/2014/main" val="10003"/>
-                  </a:ext>
-                </a:extLst>
-              </a:tr>
-              <a:tr h="370840">
-                <a:tc>
-                  <a:txBody>
-                    <a:bodyPr/>
-                    <a:lstStyle/>
-                    <a:p>
-                      <a:pPr algn="ctr" latinLnBrk="1"/>
-                      <a:endParaRPr lang="ko-KR" altLang="en-US"/>
-                    </a:p>
-                  </a:txBody>
-                  <a:tcPr anchor="ctr"/>
-                </a:tc>
-                <a:tc>
-                  <a:txBody>
-                    <a:bodyPr/>
-                    <a:lstStyle/>
-                    <a:p>
-                      <a:pPr algn="ctr" latinLnBrk="1"/>
-                      <a:endParaRPr lang="ko-KR" altLang="en-US" dirty="0"/>
-                    </a:p>
-                  </a:txBody>
-                  <a:tcPr anchor="ctr"/>
-                </a:tc>
-                <a:extLst>
-                  <a:ext uri="{0D108BD9-81ED-4DB2-BD59-A6C34878D82A}">
-                    <a16:rowId xmlns:a16="http://schemas.microsoft.com/office/drawing/2014/main" val="10004"/>
-                  </a:ext>
-                </a:extLst>
-              </a:tr>
-              <a:tr h="370840">
-                <a:tc>
-                  <a:txBody>
-                    <a:bodyPr/>
-                    <a:lstStyle/>
-                    <a:p>
-                      <a:pPr algn="ctr" latinLnBrk="1"/>
-                      <a:endParaRPr lang="ko-KR" altLang="en-US" dirty="0"/>
-                    </a:p>
-                  </a:txBody>
-                  <a:tcPr anchor="ctr"/>
-                </a:tc>
-                <a:tc>
-                  <a:txBody>
-                    <a:bodyPr/>
-                    <a:lstStyle/>
-                    <a:p>
-                      <a:pPr algn="ctr" latinLnBrk="1"/>
-                      <a:endParaRPr lang="ko-KR" altLang="en-US" dirty="0"/>
-                    </a:p>
-                  </a:txBody>
-                  <a:tcPr anchor="ctr"/>
-                </a:tc>
-                <a:extLst>
-                  <a:ext uri="{0D108BD9-81ED-4DB2-BD59-A6C34878D82A}">
-                    <a16:rowId xmlns:a16="http://schemas.microsoft.com/office/drawing/2014/main" val="10005"/>
-                  </a:ext>
-                </a:extLst>
-              </a:tr>
-              <a:tr h="370840">
-                <a:tc>
-                  <a:txBody>
-                    <a:bodyPr/>
-                    <a:lstStyle/>
-                    <a:p>
-                      <a:pPr algn="ctr" latinLnBrk="1"/>
-                      <a:endParaRPr lang="ko-KR" altLang="en-US"/>
-                    </a:p>
-                  </a:txBody>
-                  <a:tcPr anchor="ctr"/>
-                </a:tc>
-                <a:tc>
-                  <a:txBody>
-                    <a:bodyPr/>
-                    <a:lstStyle/>
-                    <a:p>
-                      <a:pPr algn="ctr" latinLnBrk="1"/>
-                      <a:endParaRPr lang="ko-KR" altLang="en-US" dirty="0"/>
-                    </a:p>
-                  </a:txBody>
-                  <a:tcPr anchor="ctr"/>
-                </a:tc>
-                <a:extLst>
-                  <a:ext uri="{0D108BD9-81ED-4DB2-BD59-A6C34878D82A}">
-                    <a16:rowId xmlns:a16="http://schemas.microsoft.com/office/drawing/2014/main" val="10006"/>
-                  </a:ext>
-                </a:extLst>
-              </a:tr>
-              <a:tr h="370840">
-                <a:tc>
-                  <a:txBody>
-                    <a:bodyPr/>
-                    <a:lstStyle/>
-                    <a:p>
-                      <a:pPr algn="ctr" latinLnBrk="1"/>
-                      <a:endParaRPr lang="ko-KR" altLang="en-US" dirty="0"/>
-                    </a:p>
-                  </a:txBody>
-                  <a:tcPr anchor="ctr"/>
-                </a:tc>
-                <a:tc>
-                  <a:txBody>
-                    <a:bodyPr/>
-                    <a:lstStyle/>
-                    <a:p>
-                      <a:pPr algn="ctr" latinLnBrk="1"/>
-                      <a:endParaRPr lang="ko-KR" altLang="en-US" dirty="0"/>
-                    </a:p>
-                  </a:txBody>
-                  <a:tcPr anchor="ctr"/>
-                </a:tc>
-                <a:extLst>
-                  <a:ext uri="{0D108BD9-81ED-4DB2-BD59-A6C34878D82A}">
-                    <a16:rowId xmlns:a16="http://schemas.microsoft.com/office/drawing/2014/main" val="10007"/>
-                  </a:ext>
-                </a:extLst>
-              </a:tr>
-              <a:tr h="370840">
-                <a:tc>
-                  <a:txBody>
-                    <a:bodyPr/>
-                    <a:lstStyle/>
-                    <a:p>
-                      <a:pPr algn="ctr" latinLnBrk="1"/>
-                      <a:endParaRPr lang="ko-KR" altLang="en-US" dirty="0"/>
-                    </a:p>
-                  </a:txBody>
-                  <a:tcPr anchor="ctr"/>
-                </a:tc>
-                <a:tc>
-                  <a:txBody>
-                    <a:bodyPr/>
-                    <a:lstStyle/>
-                    <a:p>
-                      <a:pPr algn="ctr" latinLnBrk="1"/>
-                      <a:endParaRPr lang="ko-KR" altLang="en-US" dirty="0"/>
-                    </a:p>
-                  </a:txBody>
-                  <a:tcPr anchor="ctr"/>
-                </a:tc>
-                <a:extLst>
-                  <a:ext uri="{0D108BD9-81ED-4DB2-BD59-A6C34878D82A}">
-                    <a16:rowId xmlns:a16="http://schemas.microsoft.com/office/drawing/2014/main" val="10008"/>
-                  </a:ext>
-                </a:extLst>
-              </a:tr>
-              <a:tr h="370840">
-                <a:tc>
-                  <a:txBody>
-                    <a:bodyPr/>
-                    <a:lstStyle/>
-                    <a:p>
-                      <a:pPr algn="ctr" latinLnBrk="1"/>
-                      <a:endParaRPr lang="ko-KR" altLang="en-US" dirty="0"/>
-                    </a:p>
-                  </a:txBody>
-                  <a:tcPr anchor="ctr"/>
-                </a:tc>
-                <a:tc>
-                  <a:txBody>
-                    <a:bodyPr/>
-                    <a:lstStyle/>
-                    <a:p>
-                      <a:pPr algn="ctr" latinLnBrk="1"/>
-                      <a:endParaRPr lang="ko-KR" altLang="en-US" dirty="0"/>
-                    </a:p>
-                  </a:txBody>
-                  <a:tcPr anchor="ctr"/>
-                </a:tc>
-                <a:extLst>
-                  <a:ext uri="{0D108BD9-81ED-4DB2-BD59-A6C34878D82A}">
-                    <a16:rowId xmlns:a16="http://schemas.microsoft.com/office/drawing/2014/main" val="10009"/>
-                  </a:ext>
-                </a:extLst>
-              </a:tr>
-              <a:tr h="370840">
-                <a:tc>
-                  <a:txBody>
-                    <a:bodyPr/>
-                    <a:lstStyle/>
-                    <a:p>
-                      <a:pPr algn="ctr" latinLnBrk="1"/>
-                      <a:endParaRPr lang="ko-KR" altLang="en-US" dirty="0"/>
-                    </a:p>
-                  </a:txBody>
-                  <a:tcPr anchor="ctr"/>
-                </a:tc>
-                <a:tc>
-                  <a:txBody>
-                    <a:bodyPr/>
-                    <a:lstStyle/>
-                    <a:p>
-                      <a:pPr algn="ctr" latinLnBrk="1"/>
-                      <a:endParaRPr lang="ko-KR" altLang="en-US" dirty="0"/>
-                    </a:p>
-                  </a:txBody>
-                  <a:tcPr anchor="ctr"/>
-                </a:tc>
-                <a:extLst>
-                  <a:ext uri="{0D108BD9-81ED-4DB2-BD59-A6C34878D82A}">
-                    <a16:rowId xmlns:a16="http://schemas.microsoft.com/office/drawing/2014/main" val="10010"/>
-                  </a:ext>
-                </a:extLst>
-              </a:tr>
-              <a:tr h="370840">
-                <a:tc>
-                  <a:txBody>
-                    <a:bodyPr/>
-                    <a:lstStyle/>
-                    <a:p>
-                      <a:pPr latinLnBrk="1"/>
-                      <a:endParaRPr lang="ko-KR" altLang="en-US"/>
-                    </a:p>
-                  </a:txBody>
-                  <a:tcPr/>
-                </a:tc>
-                <a:tc>
-                  <a:txBody>
-                    <a:bodyPr/>
-                    <a:lstStyle/>
-                    <a:p>
-                      <a:pPr latinLnBrk="1"/>
-                      <a:endParaRPr lang="ko-KR" altLang="en-US" dirty="0"/>
-                    </a:p>
-                  </a:txBody>
-                  <a:tcPr/>
-                </a:tc>
-                <a:extLst>
-                  <a:ext uri="{0D108BD9-81ED-4DB2-BD59-A6C34878D82A}">
-                    <a16:rowId xmlns:a16="http://schemas.microsoft.com/office/drawing/2014/main" val="10011"/>
-                  </a:ext>
-                </a:extLst>
-              </a:tr>
-            </a:tbl>
-          </a:graphicData>
-        </a:graphic>
-      </p:graphicFrame>
-    </p:spTree>
-    <p:extLst>
-      <p:ext uri="{BB962C8B-B14F-4D97-AF65-F5344CB8AC3E}">
-        <p14:creationId xmlns:p14="http://schemas.microsoft.com/office/powerpoint/2010/main" val="2610398789"/>
-      </p:ext>
-    </p:extLst>
-  </p:cSld>
-  <p:clrMapOvr>
-    <a:masterClrMapping/>
-  </p:clrMapOvr>
-  <p:transition>
-    <p:fade/>
-  </p:transition>
-</p:sld>
-</file>
-
-<file path=ppt/slides/slide16.xml><?xml version="1.0" encoding="utf-8"?>
+<file path=ppt/slides/slide18.xml><?xml version="1.0" encoding="utf-8"?>
 <p:sld xmlns:a="http://schemas.openxmlformats.org/drawingml/2006/main" xmlns:r="http://schemas.openxmlformats.org/officeDocument/2006/relationships" xmlns:p="http://schemas.openxmlformats.org/presentationml/2006/main">
   <p:cSld>
     <p:spTree>
@@ -10560,105 +11376,105 @@
                 <a:gridCol w="1662328">
                   <a:extLst>
                     <a:ext uri="{9D8B030D-6E8A-4147-A177-3AD203B41FA5}">
-                      <a16:colId xmlns:a16="http://schemas.microsoft.com/office/drawing/2014/main" val="20000"/>
+                      <a16:colId xmlns="" xmlns:a16="http://schemas.microsoft.com/office/drawing/2014/main" val="20000"/>
                     </a:ext>
                   </a:extLst>
                 </a:gridCol>
                 <a:gridCol w="498551">
                   <a:extLst>
                     <a:ext uri="{9D8B030D-6E8A-4147-A177-3AD203B41FA5}">
-                      <a16:colId xmlns:a16="http://schemas.microsoft.com/office/drawing/2014/main" val="20001"/>
+                      <a16:colId xmlns="" xmlns:a16="http://schemas.microsoft.com/office/drawing/2014/main" val="20001"/>
                     </a:ext>
                   </a:extLst>
                 </a:gridCol>
                 <a:gridCol w="498551">
                   <a:extLst>
                     <a:ext uri="{9D8B030D-6E8A-4147-A177-3AD203B41FA5}">
-                      <a16:colId xmlns:a16="http://schemas.microsoft.com/office/drawing/2014/main" val="20002"/>
+                      <a16:colId xmlns="" xmlns:a16="http://schemas.microsoft.com/office/drawing/2014/main" val="20002"/>
                     </a:ext>
                   </a:extLst>
                 </a:gridCol>
                 <a:gridCol w="498551">
                   <a:extLst>
                     <a:ext uri="{9D8B030D-6E8A-4147-A177-3AD203B41FA5}">
-                      <a16:colId xmlns:a16="http://schemas.microsoft.com/office/drawing/2014/main" val="20003"/>
+                      <a16:colId xmlns="" xmlns:a16="http://schemas.microsoft.com/office/drawing/2014/main" val="20003"/>
                     </a:ext>
                   </a:extLst>
                 </a:gridCol>
                 <a:gridCol w="498551">
                   <a:extLst>
                     <a:ext uri="{9D8B030D-6E8A-4147-A177-3AD203B41FA5}">
-                      <a16:colId xmlns:a16="http://schemas.microsoft.com/office/drawing/2014/main" val="20004"/>
+                      <a16:colId xmlns="" xmlns:a16="http://schemas.microsoft.com/office/drawing/2014/main" val="20004"/>
                     </a:ext>
                   </a:extLst>
                 </a:gridCol>
                 <a:gridCol w="498551">
                   <a:extLst>
                     <a:ext uri="{9D8B030D-6E8A-4147-A177-3AD203B41FA5}">
-                      <a16:colId xmlns:a16="http://schemas.microsoft.com/office/drawing/2014/main" val="20005"/>
+                      <a16:colId xmlns="" xmlns:a16="http://schemas.microsoft.com/office/drawing/2014/main" val="20005"/>
                     </a:ext>
                   </a:extLst>
                 </a:gridCol>
                 <a:gridCol w="498551">
                   <a:extLst>
                     <a:ext uri="{9D8B030D-6E8A-4147-A177-3AD203B41FA5}">
-                      <a16:colId xmlns:a16="http://schemas.microsoft.com/office/drawing/2014/main" val="20006"/>
+                      <a16:colId xmlns="" xmlns:a16="http://schemas.microsoft.com/office/drawing/2014/main" val="20006"/>
                     </a:ext>
                   </a:extLst>
                 </a:gridCol>
                 <a:gridCol w="498551">
                   <a:extLst>
                     <a:ext uri="{9D8B030D-6E8A-4147-A177-3AD203B41FA5}">
-                      <a16:colId xmlns:a16="http://schemas.microsoft.com/office/drawing/2014/main" val="20007"/>
+                      <a16:colId xmlns="" xmlns:a16="http://schemas.microsoft.com/office/drawing/2014/main" val="20007"/>
                     </a:ext>
                   </a:extLst>
                 </a:gridCol>
                 <a:gridCol w="498551">
                   <a:extLst>
                     <a:ext uri="{9D8B030D-6E8A-4147-A177-3AD203B41FA5}">
-                      <a16:colId xmlns:a16="http://schemas.microsoft.com/office/drawing/2014/main" val="20008"/>
+                      <a16:colId xmlns="" xmlns:a16="http://schemas.microsoft.com/office/drawing/2014/main" val="20008"/>
                     </a:ext>
                   </a:extLst>
                 </a:gridCol>
                 <a:gridCol w="498551">
                   <a:extLst>
                     <a:ext uri="{9D8B030D-6E8A-4147-A177-3AD203B41FA5}">
-                      <a16:colId xmlns:a16="http://schemas.microsoft.com/office/drawing/2014/main" val="20009"/>
+                      <a16:colId xmlns="" xmlns:a16="http://schemas.microsoft.com/office/drawing/2014/main" val="20009"/>
                     </a:ext>
                   </a:extLst>
                 </a:gridCol>
                 <a:gridCol w="498551">
                   <a:extLst>
                     <a:ext uri="{9D8B030D-6E8A-4147-A177-3AD203B41FA5}">
-                      <a16:colId xmlns:a16="http://schemas.microsoft.com/office/drawing/2014/main" val="20010"/>
+                      <a16:colId xmlns="" xmlns:a16="http://schemas.microsoft.com/office/drawing/2014/main" val="20010"/>
                     </a:ext>
                   </a:extLst>
                 </a:gridCol>
                 <a:gridCol w="498551">
                   <a:extLst>
                     <a:ext uri="{9D8B030D-6E8A-4147-A177-3AD203B41FA5}">
-                      <a16:colId xmlns:a16="http://schemas.microsoft.com/office/drawing/2014/main" val="20011"/>
+                      <a16:colId xmlns="" xmlns:a16="http://schemas.microsoft.com/office/drawing/2014/main" val="20011"/>
                     </a:ext>
                   </a:extLst>
                 </a:gridCol>
                 <a:gridCol w="498551">
                   <a:extLst>
                     <a:ext uri="{9D8B030D-6E8A-4147-A177-3AD203B41FA5}">
-                      <a16:colId xmlns:a16="http://schemas.microsoft.com/office/drawing/2014/main" val="20012"/>
+                      <a16:colId xmlns="" xmlns:a16="http://schemas.microsoft.com/office/drawing/2014/main" val="20012"/>
                     </a:ext>
                   </a:extLst>
                 </a:gridCol>
                 <a:gridCol w="498551">
                   <a:extLst>
                     <a:ext uri="{9D8B030D-6E8A-4147-A177-3AD203B41FA5}">
-                      <a16:colId xmlns:a16="http://schemas.microsoft.com/office/drawing/2014/main" val="20013"/>
+                      <a16:colId xmlns="" xmlns:a16="http://schemas.microsoft.com/office/drawing/2014/main" val="20013"/>
                     </a:ext>
                   </a:extLst>
                 </a:gridCol>
                 <a:gridCol w="498551">
                   <a:extLst>
                     <a:ext uri="{9D8B030D-6E8A-4147-A177-3AD203B41FA5}">
-                      <a16:colId xmlns:a16="http://schemas.microsoft.com/office/drawing/2014/main" val="3843917279"/>
+                      <a16:colId xmlns="" xmlns:a16="http://schemas.microsoft.com/office/drawing/2014/main" val="3843917279"/>
                     </a:ext>
                   </a:extLst>
                 </a:gridCol>
@@ -11040,7 +11856,7 @@
                 </a:tc>
                 <a:extLst>
                   <a:ext uri="{0D108BD9-81ED-4DB2-BD59-A6C34878D82A}">
-                    <a16:rowId xmlns:a16="http://schemas.microsoft.com/office/drawing/2014/main" val="10000"/>
+                    <a16:rowId xmlns="" xmlns:a16="http://schemas.microsoft.com/office/drawing/2014/main" val="10000"/>
                   </a:ext>
                 </a:extLst>
               </a:tr>
@@ -11822,7 +12638,7 @@
                 </a:tc>
                 <a:extLst>
                   <a:ext uri="{0D108BD9-81ED-4DB2-BD59-A6C34878D82A}">
-                    <a16:rowId xmlns:a16="http://schemas.microsoft.com/office/drawing/2014/main" val="10001"/>
+                    <a16:rowId xmlns="" xmlns:a16="http://schemas.microsoft.com/office/drawing/2014/main" val="10001"/>
                   </a:ext>
                 </a:extLst>
               </a:tr>
@@ -12423,7 +13239,7 @@
                 </a:tc>
                 <a:extLst>
                   <a:ext uri="{0D108BD9-81ED-4DB2-BD59-A6C34878D82A}">
-                    <a16:rowId xmlns:a16="http://schemas.microsoft.com/office/drawing/2014/main" val="10002"/>
+                    <a16:rowId xmlns="" xmlns:a16="http://schemas.microsoft.com/office/drawing/2014/main" val="10002"/>
                   </a:ext>
                 </a:extLst>
               </a:tr>
@@ -13104,7 +13920,7 @@
                 </a:tc>
                 <a:extLst>
                   <a:ext uri="{0D108BD9-81ED-4DB2-BD59-A6C34878D82A}">
-                    <a16:rowId xmlns:a16="http://schemas.microsoft.com/office/drawing/2014/main" val="10003"/>
+                    <a16:rowId xmlns="" xmlns:a16="http://schemas.microsoft.com/office/drawing/2014/main" val="10003"/>
                   </a:ext>
                 </a:extLst>
               </a:tr>
@@ -13775,7 +14591,7 @@
                 </a:tc>
                 <a:extLst>
                   <a:ext uri="{0D108BD9-81ED-4DB2-BD59-A6C34878D82A}">
-                    <a16:rowId xmlns:a16="http://schemas.microsoft.com/office/drawing/2014/main" val="10004"/>
+                    <a16:rowId xmlns="" xmlns:a16="http://schemas.microsoft.com/office/drawing/2014/main" val="10004"/>
                   </a:ext>
                 </a:extLst>
               </a:tr>
@@ -14456,7 +15272,7 @@
                 </a:tc>
                 <a:extLst>
                   <a:ext uri="{0D108BD9-81ED-4DB2-BD59-A6C34878D82A}">
-                    <a16:rowId xmlns:a16="http://schemas.microsoft.com/office/drawing/2014/main" val="10005"/>
+                    <a16:rowId xmlns="" xmlns:a16="http://schemas.microsoft.com/office/drawing/2014/main" val="10005"/>
                   </a:ext>
                 </a:extLst>
               </a:tr>
@@ -15129,7 +15945,7 @@
                 </a:tc>
                 <a:extLst>
                   <a:ext uri="{0D108BD9-81ED-4DB2-BD59-A6C34878D82A}">
-                    <a16:rowId xmlns:a16="http://schemas.microsoft.com/office/drawing/2014/main" val="10006"/>
+                    <a16:rowId xmlns="" xmlns:a16="http://schemas.microsoft.com/office/drawing/2014/main" val="10006"/>
                   </a:ext>
                 </a:extLst>
               </a:tr>
@@ -15736,7 +16552,7 @@
                 </a:tc>
                 <a:extLst>
                   <a:ext uri="{0D108BD9-81ED-4DB2-BD59-A6C34878D82A}">
-                    <a16:rowId xmlns:a16="http://schemas.microsoft.com/office/drawing/2014/main" val="10007"/>
+                    <a16:rowId xmlns="" xmlns:a16="http://schemas.microsoft.com/office/drawing/2014/main" val="10007"/>
                   </a:ext>
                 </a:extLst>
               </a:tr>
@@ -16347,7 +17163,7 @@
                 </a:tc>
                 <a:extLst>
                   <a:ext uri="{0D108BD9-81ED-4DB2-BD59-A6C34878D82A}">
-                    <a16:rowId xmlns:a16="http://schemas.microsoft.com/office/drawing/2014/main" val="10008"/>
+                    <a16:rowId xmlns="" xmlns:a16="http://schemas.microsoft.com/office/drawing/2014/main" val="10008"/>
                   </a:ext>
                 </a:extLst>
               </a:tr>
@@ -16960,7 +17776,7 @@
                 </a:tc>
                 <a:extLst>
                   <a:ext uri="{0D108BD9-81ED-4DB2-BD59-A6C34878D82A}">
-                    <a16:rowId xmlns:a16="http://schemas.microsoft.com/office/drawing/2014/main" val="10009"/>
+                    <a16:rowId xmlns="" xmlns:a16="http://schemas.microsoft.com/office/drawing/2014/main" val="10009"/>
                   </a:ext>
                 </a:extLst>
               </a:tr>
@@ -17558,7 +18374,7 @@
                 </a:tc>
                 <a:extLst>
                   <a:ext uri="{0D108BD9-81ED-4DB2-BD59-A6C34878D82A}">
-                    <a16:rowId xmlns:a16="http://schemas.microsoft.com/office/drawing/2014/main" val="10010"/>
+                    <a16:rowId xmlns="" xmlns:a16="http://schemas.microsoft.com/office/drawing/2014/main" val="10010"/>
                   </a:ext>
                 </a:extLst>
               </a:tr>
@@ -18171,7 +18987,7 @@
                 </a:tc>
                 <a:extLst>
                   <a:ext uri="{0D108BD9-81ED-4DB2-BD59-A6C34878D82A}">
-                    <a16:rowId xmlns:a16="http://schemas.microsoft.com/office/drawing/2014/main" val="10011"/>
+                    <a16:rowId xmlns="" xmlns:a16="http://schemas.microsoft.com/office/drawing/2014/main" val="10011"/>
                   </a:ext>
                 </a:extLst>
               </a:tr>
@@ -18225,7 +19041,7 @@
 </p:sld>
 </file>
 
-<file path=ppt/slides/slide17.xml><?xml version="1.0" encoding="utf-8"?>
+<file path=ppt/slides/slide19.xml><?xml version="1.0" encoding="utf-8"?>
 <p:sld xmlns:a="http://schemas.openxmlformats.org/drawingml/2006/main" xmlns:r="http://schemas.openxmlformats.org/officeDocument/2006/relationships" xmlns:p="http://schemas.openxmlformats.org/presentationml/2006/main">
   <p:cSld>
     <p:spTree>
@@ -18344,20 +19160,8 @@
                 <a:latin typeface="나눔바른고딕" panose="020B0603020101020101" pitchFamily="50" charset="-127"/>
                 <a:ea typeface="나눔바른고딕" panose="020B0603020101020101" pitchFamily="50" charset="-127"/>
               </a:rPr>
-              <a:t>	</a:t>
-            </a:r>
-            <a:r>
-              <a:rPr lang="en-US" altLang="ko-KR" sz="1600" dirty="0">
-                <a:latin typeface="나눔바른고딕" panose="020B0603020101020101" pitchFamily="50" charset="-127"/>
-                <a:ea typeface="나눔바른고딕" panose="020B0603020101020101" pitchFamily="50" charset="-127"/>
-                <a:hlinkClick r:id="rId3"/>
-              </a:rPr>
-              <a:t>barber@snu.ac.kr</a:t>
-            </a:r>
-            <a:endParaRPr lang="en-US" altLang="ko-KR" sz="1600" dirty="0">
-              <a:latin typeface="나눔바른고딕" panose="020B0603020101020101" pitchFamily="50" charset="-127"/>
-              <a:ea typeface="나눔바른고딕" panose="020B0603020101020101" pitchFamily="50" charset="-127"/>
-            </a:endParaRPr>
+              <a:t>	barber@snu.ac.kr</a:t>
+            </a:r>
           </a:p>
           <a:p>
             <a:r>
@@ -18643,6 +19447,13 @@
   <p:transition>
     <p:fade/>
   </p:transition>
+  <p:timing>
+    <p:tnLst>
+      <p:par>
+        <p:cTn id="1" dur="indefinite" restart="never" nodeType="tmRoot"/>
+      </p:par>
+    </p:tnLst>
+  </p:timing>
 </p:sld>
 </file>
 
@@ -18710,6 +19521,13 @@
   <p:transition>
     <p:fade/>
   </p:transition>
+  <p:timing>
+    <p:tnLst>
+      <p:par>
+        <p:cTn id="1" dur="indefinite" restart="never" nodeType="tmRoot"/>
+      </p:par>
+    </p:tnLst>
+  </p:timing>
 </p:sld>
 </file>
 
@@ -18839,7 +19657,7 @@
         </p:blipFill>
         <p:spPr>
           <a:xfrm>
-            <a:off x="1109810" y="1104314"/>
+            <a:off x="365358" y="1318323"/>
             <a:ext cx="2733968" cy="4860388"/>
           </a:xfrm>
           <a:prstGeom prst="rect">
@@ -18869,8 +19687,38 @@
         </p:blipFill>
         <p:spPr>
           <a:xfrm>
-            <a:off x="4047760" y="1104314"/>
+            <a:off x="3221454" y="1318323"/>
             <a:ext cx="2733969" cy="4860388"/>
+          </a:xfrm>
+          <a:prstGeom prst="rect">
+            <a:avLst/>
+          </a:prstGeom>
+        </p:spPr>
+      </p:pic>
+      <p:pic>
+        <p:nvPicPr>
+          <p:cNvPr id="2" name="Picture 1"/>
+          <p:cNvPicPr>
+            <a:picLocks noChangeAspect="1"/>
+          </p:cNvPicPr>
+          <p:nvPr/>
+        </p:nvPicPr>
+        <p:blipFill>
+          <a:blip r:embed="rId5">
+            <a:extLst>
+              <a:ext uri="{28A0092B-C50C-407E-A947-70E740481C1C}">
+                <a14:useLocalDpi xmlns:a14="http://schemas.microsoft.com/office/drawing/2010/main" val="0"/>
+              </a:ext>
+            </a:extLst>
+          </a:blip>
+          <a:stretch>
+            <a:fillRect/>
+          </a:stretch>
+        </p:blipFill>
+        <p:spPr>
+          <a:xfrm>
+            <a:off x="6077551" y="1318323"/>
+            <a:ext cx="2738247" cy="4860388"/>
           </a:xfrm>
           <a:prstGeom prst="rect">
             <a:avLst/>
@@ -18880,7 +19728,7 @@
     </p:spTree>
     <p:extLst>
       <p:ext uri="{BB962C8B-B14F-4D97-AF65-F5344CB8AC3E}">
-        <p14:creationId xmlns:p14="http://schemas.microsoft.com/office/powerpoint/2010/main" val="3347032952"/>
+        <p14:creationId xmlns:p14="http://schemas.microsoft.com/office/powerpoint/2010/main" val="1836790513"/>
       </p:ext>
     </p:extLst>
   </p:cSld>
@@ -18890,6 +19738,13 @@
   <p:transition>
     <p:fade/>
   </p:transition>
+  <p:timing>
+    <p:tnLst>
+      <p:par>
+        <p:cTn id="1" dur="indefinite" restart="never" nodeType="tmRoot"/>
+      </p:par>
+    </p:tnLst>
+  </p:timing>
 </p:sld>
 </file>
 
@@ -18999,7 +19854,7 @@
       </p:sp>
       <p:pic>
         <p:nvPicPr>
-          <p:cNvPr id="6" name="그림 5"/>
+          <p:cNvPr id="2" name="Picture 1"/>
           <p:cNvPicPr>
             <a:picLocks noChangeAspect="1"/>
           </p:cNvPicPr>
@@ -19019,18 +19874,170 @@
         </p:blipFill>
         <p:spPr>
           <a:xfrm>
-            <a:off x="750289" y="1463440"/>
-            <a:ext cx="7985747" cy="845684"/>
+            <a:off x="165100" y="1699246"/>
+            <a:ext cx="8978900" cy="1295400"/>
           </a:xfrm>
           <a:prstGeom prst="rect">
             <a:avLst/>
           </a:prstGeom>
         </p:spPr>
       </p:pic>
+      <p:pic>
+        <p:nvPicPr>
+          <p:cNvPr id="4" name="Picture 3"/>
+          <p:cNvPicPr>
+            <a:picLocks noChangeAspect="1"/>
+          </p:cNvPicPr>
+          <p:nvPr/>
+        </p:nvPicPr>
+        <p:blipFill>
+          <a:blip r:embed="rId4">
+            <a:extLst>
+              <a:ext uri="{28A0092B-C50C-407E-A947-70E740481C1C}">
+                <a14:useLocalDpi xmlns:a14="http://schemas.microsoft.com/office/drawing/2010/main" val="0"/>
+              </a:ext>
+            </a:extLst>
+          </a:blip>
+          <a:stretch>
+            <a:fillRect/>
+          </a:stretch>
+        </p:blipFill>
+        <p:spPr>
+          <a:xfrm>
+            <a:off x="190500" y="3135192"/>
+            <a:ext cx="8953500" cy="1257300"/>
+          </a:xfrm>
+          <a:prstGeom prst="rect">
+            <a:avLst/>
+          </a:prstGeom>
+        </p:spPr>
+      </p:pic>
+      <p:sp>
+        <p:nvSpPr>
+          <p:cNvPr id="7" name="TextBox 6"/>
+          <p:cNvSpPr txBox="1"/>
+          <p:nvPr/>
+        </p:nvSpPr>
+        <p:spPr>
+          <a:xfrm>
+            <a:off x="1949198" y="5117018"/>
+            <a:ext cx="5436104" cy="461665"/>
+          </a:xfrm>
+          <a:prstGeom prst="rect">
+            <a:avLst/>
+          </a:prstGeom>
+          <a:noFill/>
+        </p:spPr>
+        <p:txBody>
+          <a:bodyPr wrap="none" rtlCol="0">
+            <a:spAutoFit/>
+          </a:bodyPr>
+          <a:lstStyle/>
+          <a:p>
+            <a:r>
+              <a:rPr lang="ko-KR" altLang="en-US" sz="2400" b="1" dirty="0" smtClean="0"/>
+              <a:t>보는 컨텐츠에서 경험하는 컨텐츠로 발전</a:t>
+            </a:r>
+            <a:endParaRPr lang="ko-KR" altLang="en-US" sz="2400" b="1" dirty="0"/>
+          </a:p>
+        </p:txBody>
+      </p:sp>
+      <p:sp>
+        <p:nvSpPr>
+          <p:cNvPr id="5" name="Rectangle 4"/>
+          <p:cNvSpPr/>
+          <p:nvPr/>
+        </p:nvSpPr>
+        <p:spPr>
+          <a:xfrm>
+            <a:off x="165100" y="1785770"/>
+            <a:ext cx="2528047" cy="408328"/>
+          </a:xfrm>
+          <a:prstGeom prst="rect">
+            <a:avLst/>
+          </a:prstGeom>
+          <a:solidFill>
+            <a:schemeClr val="bg1"/>
+          </a:solidFill>
+          <a:ln>
+            <a:noFill/>
+          </a:ln>
+        </p:spPr>
+        <p:style>
+          <a:lnRef idx="2">
+            <a:schemeClr val="accent1">
+              <a:shade val="50000"/>
+            </a:schemeClr>
+          </a:lnRef>
+          <a:fillRef idx="1">
+            <a:schemeClr val="accent1"/>
+          </a:fillRef>
+          <a:effectRef idx="0">
+            <a:schemeClr val="accent1"/>
+          </a:effectRef>
+          <a:fontRef idx="minor">
+            <a:schemeClr val="lt1"/>
+          </a:fontRef>
+        </p:style>
+        <p:txBody>
+          <a:bodyPr rtlCol="0" anchor="ctr"/>
+          <a:lstStyle/>
+          <a:p>
+            <a:pPr algn="ctr"/>
+            <a:endParaRPr lang="en-US"/>
+          </a:p>
+        </p:txBody>
+      </p:sp>
+      <p:sp>
+        <p:nvSpPr>
+          <p:cNvPr id="9" name="Rectangle 8"/>
+          <p:cNvSpPr/>
+          <p:nvPr/>
+        </p:nvSpPr>
+        <p:spPr>
+          <a:xfrm>
+            <a:off x="165099" y="3131707"/>
+            <a:ext cx="2528047" cy="408328"/>
+          </a:xfrm>
+          <a:prstGeom prst="rect">
+            <a:avLst/>
+          </a:prstGeom>
+          <a:solidFill>
+            <a:schemeClr val="bg1"/>
+          </a:solidFill>
+          <a:ln>
+            <a:noFill/>
+          </a:ln>
+        </p:spPr>
+        <p:style>
+          <a:lnRef idx="2">
+            <a:schemeClr val="accent1">
+              <a:shade val="50000"/>
+            </a:schemeClr>
+          </a:lnRef>
+          <a:fillRef idx="1">
+            <a:schemeClr val="accent1"/>
+          </a:fillRef>
+          <a:effectRef idx="0">
+            <a:schemeClr val="accent1"/>
+          </a:effectRef>
+          <a:fontRef idx="minor">
+            <a:schemeClr val="lt1"/>
+          </a:fontRef>
+        </p:style>
+        <p:txBody>
+          <a:bodyPr rtlCol="0" anchor="ctr"/>
+          <a:lstStyle/>
+          <a:p>
+            <a:pPr algn="ctr"/>
+            <a:endParaRPr lang="en-US"/>
+          </a:p>
+        </p:txBody>
+      </p:sp>
     </p:spTree>
     <p:extLst>
       <p:ext uri="{BB962C8B-B14F-4D97-AF65-F5344CB8AC3E}">
-        <p14:creationId xmlns:p14="http://schemas.microsoft.com/office/powerpoint/2010/main" val="546988168"/>
+        <p14:creationId xmlns:p14="http://schemas.microsoft.com/office/powerpoint/2010/main" val="390059604"/>
       </p:ext>
     </p:extLst>
   </p:cSld>
@@ -19040,10 +20047,454 @@
   <p:transition>
     <p:fade/>
   </p:transition>
+  <p:timing>
+    <p:tnLst>
+      <p:par>
+        <p:cTn id="1" dur="indefinite" restart="never" nodeType="tmRoot"/>
+      </p:par>
+    </p:tnLst>
+  </p:timing>
 </p:sld>
 </file>
 
 <file path=ppt/slides/slide6.xml><?xml version="1.0" encoding="utf-8"?>
+<p:sld xmlns:a="http://schemas.openxmlformats.org/drawingml/2006/main" xmlns:r="http://schemas.openxmlformats.org/officeDocument/2006/relationships" xmlns:p="http://schemas.openxmlformats.org/presentationml/2006/main">
+  <p:cSld>
+    <p:spTree>
+      <p:nvGrpSpPr>
+        <p:cNvPr id="1" name=""/>
+        <p:cNvGrpSpPr/>
+        <p:nvPr/>
+      </p:nvGrpSpPr>
+      <p:grpSpPr>
+        <a:xfrm>
+          <a:off x="0" y="0"/>
+          <a:ext cx="0" cy="0"/>
+          <a:chOff x="0" y="0"/>
+          <a:chExt cx="0" cy="0"/>
+        </a:xfrm>
+      </p:grpSpPr>
+      <p:sp>
+        <p:nvSpPr>
+          <p:cNvPr id="3" name="제목 2"/>
+          <p:cNvSpPr>
+            <a:spLocks noGrp="1"/>
+          </p:cNvSpPr>
+          <p:nvPr>
+            <p:ph type="title"/>
+          </p:nvPr>
+        </p:nvSpPr>
+        <p:spPr>
+          <a:xfrm>
+            <a:off x="457200" y="366780"/>
+            <a:ext cx="8229600" cy="648404"/>
+          </a:xfrm>
+        </p:spPr>
+        <p:txBody>
+          <a:bodyPr>
+            <a:normAutofit/>
+          </a:bodyPr>
+          <a:lstStyle/>
+          <a:p>
+            <a:r>
+              <a:rPr lang="en-US" altLang="ko-KR" dirty="0">
+                <a:latin typeface="+mj-lt"/>
+              </a:rPr>
+              <a:t>Problem</a:t>
+            </a:r>
+            <a:endParaRPr lang="ko-KR" altLang="en-US" dirty="0">
+              <a:latin typeface="+mj-lt"/>
+            </a:endParaRPr>
+          </a:p>
+        </p:txBody>
+      </p:sp>
+      <p:sp>
+        <p:nvSpPr>
+          <p:cNvPr id="40" name="직사각형 39"/>
+          <p:cNvSpPr/>
+          <p:nvPr/>
+        </p:nvSpPr>
+        <p:spPr>
+          <a:xfrm>
+            <a:off x="6057617" y="1313797"/>
+            <a:ext cx="2052042" cy="1368028"/>
+          </a:xfrm>
+          <a:prstGeom prst="rect">
+            <a:avLst/>
+          </a:prstGeom>
+        </p:spPr>
+        <p:style>
+          <a:lnRef idx="0">
+            <a:schemeClr val="dk1">
+              <a:alpha val="0"/>
+              <a:hueOff val="0"/>
+              <a:satOff val="0"/>
+              <a:lumOff val="0"/>
+              <a:alphaOff val="0"/>
+            </a:schemeClr>
+          </a:lnRef>
+          <a:fillRef idx="0">
+            <a:schemeClr val="lt1">
+              <a:alpha val="0"/>
+              <a:hueOff val="0"/>
+              <a:satOff val="0"/>
+              <a:lumOff val="0"/>
+              <a:alphaOff val="0"/>
+            </a:schemeClr>
+          </a:fillRef>
+          <a:effectRef idx="0">
+            <a:schemeClr val="lt1">
+              <a:alpha val="0"/>
+              <a:hueOff val="0"/>
+              <a:satOff val="0"/>
+              <a:lumOff val="0"/>
+              <a:alphaOff val="0"/>
+            </a:schemeClr>
+          </a:effectRef>
+          <a:fontRef idx="minor">
+            <a:schemeClr val="tx1">
+              <a:hueOff val="0"/>
+              <a:satOff val="0"/>
+              <a:lumOff val="0"/>
+              <a:alphaOff val="0"/>
+            </a:schemeClr>
+          </a:fontRef>
+        </p:style>
+      </p:sp>
+      <p:sp>
+        <p:nvSpPr>
+          <p:cNvPr id="5" name="Rectangle 4"/>
+          <p:cNvSpPr/>
+          <p:nvPr/>
+        </p:nvSpPr>
+        <p:spPr>
+          <a:xfrm>
+            <a:off x="189473" y="1472949"/>
+            <a:ext cx="2528047" cy="408328"/>
+          </a:xfrm>
+          <a:prstGeom prst="rect">
+            <a:avLst/>
+          </a:prstGeom>
+          <a:solidFill>
+            <a:schemeClr val="bg1"/>
+          </a:solidFill>
+          <a:ln>
+            <a:noFill/>
+          </a:ln>
+        </p:spPr>
+        <p:style>
+          <a:lnRef idx="2">
+            <a:schemeClr val="accent1">
+              <a:shade val="50000"/>
+            </a:schemeClr>
+          </a:lnRef>
+          <a:fillRef idx="1">
+            <a:schemeClr val="accent1"/>
+          </a:fillRef>
+          <a:effectRef idx="0">
+            <a:schemeClr val="accent1"/>
+          </a:effectRef>
+          <a:fontRef idx="minor">
+            <a:schemeClr val="lt1"/>
+          </a:fontRef>
+        </p:style>
+        <p:txBody>
+          <a:bodyPr rtlCol="0" anchor="ctr"/>
+          <a:lstStyle/>
+          <a:p>
+            <a:pPr algn="ctr"/>
+            <a:endParaRPr lang="en-US"/>
+          </a:p>
+        </p:txBody>
+      </p:sp>
+      <p:sp>
+        <p:nvSpPr>
+          <p:cNvPr id="9" name="Rectangle 8"/>
+          <p:cNvSpPr/>
+          <p:nvPr/>
+        </p:nvSpPr>
+        <p:spPr>
+          <a:xfrm>
+            <a:off x="189472" y="2818886"/>
+            <a:ext cx="2528047" cy="408328"/>
+          </a:xfrm>
+          <a:prstGeom prst="rect">
+            <a:avLst/>
+          </a:prstGeom>
+          <a:solidFill>
+            <a:schemeClr val="bg1"/>
+          </a:solidFill>
+          <a:ln>
+            <a:noFill/>
+          </a:ln>
+        </p:spPr>
+        <p:style>
+          <a:lnRef idx="2">
+            <a:schemeClr val="accent1">
+              <a:shade val="50000"/>
+            </a:schemeClr>
+          </a:lnRef>
+          <a:fillRef idx="1">
+            <a:schemeClr val="accent1"/>
+          </a:fillRef>
+          <a:effectRef idx="0">
+            <a:schemeClr val="accent1"/>
+          </a:effectRef>
+          <a:fontRef idx="minor">
+            <a:schemeClr val="lt1"/>
+          </a:fontRef>
+        </p:style>
+        <p:txBody>
+          <a:bodyPr rtlCol="0" anchor="ctr"/>
+          <a:lstStyle/>
+          <a:p>
+            <a:pPr algn="ctr"/>
+            <a:endParaRPr lang="en-US"/>
+          </a:p>
+        </p:txBody>
+      </p:sp>
+      <p:pic>
+        <p:nvPicPr>
+          <p:cNvPr id="10" name="Picture 9"/>
+          <p:cNvPicPr>
+            <a:picLocks noChangeAspect="1"/>
+          </p:cNvPicPr>
+          <p:nvPr/>
+        </p:nvPicPr>
+        <p:blipFill>
+          <a:blip r:embed="rId3">
+            <a:extLst>
+              <a:ext uri="{28A0092B-C50C-407E-A947-70E740481C1C}">
+                <a14:useLocalDpi xmlns:a14="http://schemas.microsoft.com/office/drawing/2010/main" val="0"/>
+              </a:ext>
+            </a:extLst>
+          </a:blip>
+          <a:stretch>
+            <a:fillRect/>
+          </a:stretch>
+        </p:blipFill>
+        <p:spPr>
+          <a:xfrm>
+            <a:off x="300597" y="1896892"/>
+            <a:ext cx="8591551" cy="1231900"/>
+          </a:xfrm>
+          <a:prstGeom prst="rect">
+            <a:avLst/>
+          </a:prstGeom>
+        </p:spPr>
+      </p:pic>
+      <p:pic>
+        <p:nvPicPr>
+          <p:cNvPr id="11" name="Picture 10"/>
+          <p:cNvPicPr>
+            <a:picLocks noChangeAspect="1"/>
+          </p:cNvPicPr>
+          <p:nvPr/>
+        </p:nvPicPr>
+        <p:blipFill>
+          <a:blip r:embed="rId4">
+            <a:extLst>
+              <a:ext uri="{28A0092B-C50C-407E-A947-70E740481C1C}">
+                <a14:useLocalDpi xmlns:a14="http://schemas.microsoft.com/office/drawing/2010/main" val="0"/>
+              </a:ext>
+            </a:extLst>
+          </a:blip>
+          <a:stretch>
+            <a:fillRect/>
+          </a:stretch>
+        </p:blipFill>
+        <p:spPr>
+          <a:xfrm>
+            <a:off x="251851" y="3128792"/>
+            <a:ext cx="8640297" cy="1257300"/>
+          </a:xfrm>
+          <a:prstGeom prst="rect">
+            <a:avLst/>
+          </a:prstGeom>
+        </p:spPr>
+      </p:pic>
+      <p:sp>
+        <p:nvSpPr>
+          <p:cNvPr id="13" name="Rectangle 12"/>
+          <p:cNvSpPr/>
+          <p:nvPr/>
+        </p:nvSpPr>
+        <p:spPr>
+          <a:xfrm>
+            <a:off x="300597" y="1914847"/>
+            <a:ext cx="2528047" cy="408328"/>
+          </a:xfrm>
+          <a:prstGeom prst="rect">
+            <a:avLst/>
+          </a:prstGeom>
+          <a:solidFill>
+            <a:schemeClr val="bg1"/>
+          </a:solidFill>
+          <a:ln>
+            <a:noFill/>
+          </a:ln>
+        </p:spPr>
+        <p:style>
+          <a:lnRef idx="2">
+            <a:schemeClr val="accent1">
+              <a:shade val="50000"/>
+            </a:schemeClr>
+          </a:lnRef>
+          <a:fillRef idx="1">
+            <a:schemeClr val="accent1"/>
+          </a:fillRef>
+          <a:effectRef idx="0">
+            <a:schemeClr val="accent1"/>
+          </a:effectRef>
+          <a:fontRef idx="minor">
+            <a:schemeClr val="lt1"/>
+          </a:fontRef>
+        </p:style>
+        <p:txBody>
+          <a:bodyPr rtlCol="0" anchor="ctr"/>
+          <a:lstStyle/>
+          <a:p>
+            <a:pPr algn="ctr"/>
+            <a:endParaRPr lang="en-US"/>
+          </a:p>
+        </p:txBody>
+      </p:sp>
+      <p:sp>
+        <p:nvSpPr>
+          <p:cNvPr id="14" name="Rectangle 13"/>
+          <p:cNvSpPr/>
+          <p:nvPr/>
+        </p:nvSpPr>
+        <p:spPr>
+          <a:xfrm>
+            <a:off x="24373" y="3127945"/>
+            <a:ext cx="2528047" cy="408328"/>
+          </a:xfrm>
+          <a:prstGeom prst="rect">
+            <a:avLst/>
+          </a:prstGeom>
+          <a:solidFill>
+            <a:schemeClr val="bg1"/>
+          </a:solidFill>
+          <a:ln>
+            <a:noFill/>
+          </a:ln>
+        </p:spPr>
+        <p:style>
+          <a:lnRef idx="2">
+            <a:schemeClr val="accent1">
+              <a:shade val="50000"/>
+            </a:schemeClr>
+          </a:lnRef>
+          <a:fillRef idx="1">
+            <a:schemeClr val="accent1"/>
+          </a:fillRef>
+          <a:effectRef idx="0">
+            <a:schemeClr val="accent1"/>
+          </a:effectRef>
+          <a:fontRef idx="minor">
+            <a:schemeClr val="lt1"/>
+          </a:fontRef>
+        </p:style>
+        <p:txBody>
+          <a:bodyPr rtlCol="0" anchor="ctr"/>
+          <a:lstStyle/>
+          <a:p>
+            <a:pPr algn="ctr"/>
+            <a:endParaRPr lang="en-US"/>
+          </a:p>
+        </p:txBody>
+      </p:sp>
+      <p:sp>
+        <p:nvSpPr>
+          <p:cNvPr id="15" name="TextBox 14"/>
+          <p:cNvSpPr txBox="1"/>
+          <p:nvPr/>
+        </p:nvSpPr>
+        <p:spPr>
+          <a:xfrm>
+            <a:off x="1592756" y="4695998"/>
+            <a:ext cx="6007232" cy="1446550"/>
+          </a:xfrm>
+          <a:prstGeom prst="rect">
+            <a:avLst/>
+          </a:prstGeom>
+          <a:noFill/>
+        </p:spPr>
+        <p:txBody>
+          <a:bodyPr wrap="square" rtlCol="0">
+            <a:spAutoFit/>
+          </a:bodyPr>
+          <a:lstStyle/>
+          <a:p>
+            <a:r>
+              <a:rPr lang="en-US" altLang="ko-KR" sz="2400" b="1" dirty="0" smtClean="0"/>
+              <a:t>Object</a:t>
+            </a:r>
+            <a:r>
+              <a:rPr lang="ko-KR" altLang="en-US" sz="2400" b="1" dirty="0" smtClean="0"/>
+              <a:t>가 단순히 한 고정된 지점에 위치</a:t>
+            </a:r>
+            <a:endParaRPr lang="en-US" altLang="ko-KR" sz="2400" b="1" dirty="0" smtClean="0"/>
+          </a:p>
+          <a:p>
+            <a:endParaRPr lang="en-US" altLang="ko-KR" sz="700" b="1" dirty="0" smtClean="0"/>
+          </a:p>
+          <a:p>
+            <a:pPr marL="285750" indent="-285750">
+              <a:buFontTx/>
+              <a:buChar char="-"/>
+            </a:pPr>
+            <a:r>
+              <a:rPr lang="ko-KR" altLang="en-US" dirty="0" smtClean="0"/>
+              <a:t>현실성이 떨어짐</a:t>
+            </a:r>
+            <a:endParaRPr lang="en-US" altLang="ko-KR" dirty="0" smtClean="0"/>
+          </a:p>
+          <a:p>
+            <a:pPr marL="285750" indent="-285750">
+              <a:buFontTx/>
+              <a:buChar char="-"/>
+            </a:pPr>
+            <a:r>
+              <a:rPr lang="ko-KR" altLang="en-US" dirty="0" smtClean="0"/>
+              <a:t>연출 제약</a:t>
+            </a:r>
+            <a:endParaRPr lang="en-US" altLang="ko-KR" dirty="0" smtClean="0"/>
+          </a:p>
+          <a:p>
+            <a:pPr marL="285750" indent="-285750">
+              <a:buFontTx/>
+              <a:buChar char="-"/>
+            </a:pPr>
+            <a:endParaRPr lang="en-US" altLang="ko-KR" dirty="0" smtClean="0"/>
+          </a:p>
+        </p:txBody>
+      </p:sp>
+    </p:spTree>
+    <p:extLst>
+      <p:ext uri="{BB962C8B-B14F-4D97-AF65-F5344CB8AC3E}">
+        <p14:creationId xmlns:p14="http://schemas.microsoft.com/office/powerpoint/2010/main" val="1190048077"/>
+      </p:ext>
+    </p:extLst>
+  </p:cSld>
+  <p:clrMapOvr>
+    <a:masterClrMapping/>
+  </p:clrMapOvr>
+  <p:transition>
+    <p:fade/>
+  </p:transition>
+  <p:timing>
+    <p:tnLst>
+      <p:par>
+        <p:cTn id="1" dur="indefinite" restart="never" nodeType="tmRoot"/>
+      </p:par>
+    </p:tnLst>
+  </p:timing>
+</p:sld>
+</file>
+
+<file path=ppt/slides/slide7.xml><?xml version="1.0" encoding="utf-8"?>
 <p:sld xmlns:a="http://schemas.openxmlformats.org/drawingml/2006/main" xmlns:r="http://schemas.openxmlformats.org/officeDocument/2006/relationships" xmlns:p="http://schemas.openxmlformats.org/presentationml/2006/main">
   <p:cSld>
     <p:spTree>
@@ -19375,10 +20826,17 @@
   <p:transition>
     <p:fade/>
   </p:transition>
+  <p:timing>
+    <p:tnLst>
+      <p:par>
+        <p:cTn id="1" dur="indefinite" restart="never" nodeType="tmRoot"/>
+      </p:par>
+    </p:tnLst>
+  </p:timing>
 </p:sld>
 </file>
 
-<file path=ppt/slides/slide7.xml><?xml version="1.0" encoding="utf-8"?>
+<file path=ppt/slides/slide8.xml><?xml version="1.0" encoding="utf-8"?>
 <p:sld xmlns:a="http://schemas.openxmlformats.org/drawingml/2006/main" xmlns:r="http://schemas.openxmlformats.org/officeDocument/2006/relationships" xmlns:p="http://schemas.openxmlformats.org/presentationml/2006/main">
   <p:cSld>
     <p:spTree>
@@ -19435,7 +20893,7 @@
         </p:nvSpPr>
         <p:spPr>
           <a:xfrm>
-            <a:off x="2668776" y="2728906"/>
+            <a:off x="2571499" y="3623851"/>
             <a:ext cx="5674951" cy="1092607"/>
           </a:xfrm>
           <a:prstGeom prst="rect">
@@ -19497,7 +20955,7 @@
                 <a14:useLocalDpi xmlns:a14="http://schemas.microsoft.com/office/drawing/2010/main" val="0"/>
               </a:ext>
               <a:ext uri="{96DAC541-7B7A-43D3-8B79-37D633B846F1}">
-                <asvg:svgBlip xmlns:asvg="http://schemas.microsoft.com/office/drawing/2016/SVG/main" r:embed="rId4"/>
+                <asvg:svgBlip xmlns="" xmlns:asvg="http://schemas.microsoft.com/office/drawing/2016/SVG/main" r:embed="rId4"/>
               </a:ext>
             </a:extLst>
           </a:blip>
@@ -19507,7 +20965,7 @@
         </p:blipFill>
         <p:spPr>
           <a:xfrm>
-            <a:off x="790214" y="2087095"/>
+            <a:off x="692937" y="2982040"/>
             <a:ext cx="2024285" cy="2024285"/>
           </a:xfrm>
           <a:prstGeom prst="rect">
@@ -19523,7 +20981,7 @@
         </p:nvSpPr>
         <p:spPr>
           <a:xfrm>
-            <a:off x="986971" y="1366894"/>
+            <a:off x="889694" y="2261839"/>
             <a:ext cx="1848583" cy="400110"/>
           </a:xfrm>
           <a:prstGeom prst="rect">
@@ -19565,10 +21023,17 @@
   <p:transition>
     <p:fade/>
   </p:transition>
+  <p:timing>
+    <p:tnLst>
+      <p:par>
+        <p:cTn id="1" dur="indefinite" restart="never" nodeType="tmRoot"/>
+      </p:par>
+    </p:tnLst>
+  </p:timing>
 </p:sld>
 </file>
 
-<file path=ppt/slides/slide8.xml><?xml version="1.0" encoding="utf-8"?>
+<file path=ppt/slides/slide9.xml><?xml version="1.0" encoding="utf-8"?>
 <p:sld xmlns:a="http://schemas.openxmlformats.org/drawingml/2006/main" xmlns:r="http://schemas.openxmlformats.org/officeDocument/2006/relationships" xmlns:p="http://schemas.openxmlformats.org/presentationml/2006/main">
   <p:cSld>
     <p:spTree>
@@ -19826,474 +21291,13 @@
   <p:transition>
     <p:fade/>
   </p:transition>
-</p:sld>
-</file>
-
-<file path=ppt/slides/slide9.xml><?xml version="1.0" encoding="utf-8"?>
-<p:sld xmlns:a="http://schemas.openxmlformats.org/drawingml/2006/main" xmlns:r="http://schemas.openxmlformats.org/officeDocument/2006/relationships" xmlns:p="http://schemas.openxmlformats.org/presentationml/2006/main">
-  <p:cSld>
-    <p:spTree>
-      <p:nvGrpSpPr>
-        <p:cNvPr id="1" name=""/>
-        <p:cNvGrpSpPr/>
-        <p:nvPr/>
-      </p:nvGrpSpPr>
-      <p:grpSpPr>
-        <a:xfrm>
-          <a:off x="0" y="0"/>
-          <a:ext cx="0" cy="0"/>
-          <a:chOff x="0" y="0"/>
-          <a:chExt cx="0" cy="0"/>
-        </a:xfrm>
-      </p:grpSpPr>
-      <p:sp>
-        <p:nvSpPr>
-          <p:cNvPr id="22" name="TextBox 21"/>
-          <p:cNvSpPr txBox="1"/>
-          <p:nvPr/>
-        </p:nvSpPr>
-        <p:spPr>
-          <a:xfrm>
-            <a:off x="635709" y="1095292"/>
-            <a:ext cx="8312622" cy="490519"/>
-          </a:xfrm>
-          <a:prstGeom prst="rect">
-            <a:avLst/>
-          </a:prstGeom>
-          <a:noFill/>
-        </p:spPr>
-        <p:txBody>
-          <a:bodyPr wrap="square" rtlCol="0">
-            <a:spAutoFit/>
-          </a:bodyPr>
-          <a:lstStyle/>
-          <a:p>
-            <a:pPr>
-              <a:lnSpc>
-                <a:spcPts val="3500"/>
-              </a:lnSpc>
-            </a:pPr>
-            <a:r>
-              <a:rPr lang="ko-KR" altLang="en-US" sz="2000" b="1" dirty="0"/>
-              <a:t>인식한 사람을 기반으로 웹툰 모드</a:t>
-            </a:r>
-            <a:r>
-              <a:rPr lang="en-US" altLang="ko-KR" sz="2000" b="1" dirty="0"/>
-              <a:t>/AR </a:t>
-            </a:r>
-            <a:r>
-              <a:rPr lang="ko-KR" altLang="en-US" sz="2000" b="1" dirty="0"/>
-              <a:t>모드 수행</a:t>
-            </a:r>
-            <a:endParaRPr lang="en-US" altLang="ko-KR" sz="2000" b="1" dirty="0"/>
-          </a:p>
-        </p:txBody>
-      </p:sp>
-      <p:sp>
-        <p:nvSpPr>
-          <p:cNvPr id="6" name="제목 5"/>
-          <p:cNvSpPr>
-            <a:spLocks noGrp="1"/>
-          </p:cNvSpPr>
-          <p:nvPr>
-            <p:ph type="title"/>
-          </p:nvPr>
-        </p:nvSpPr>
-        <p:spPr>
-          <a:xfrm>
-            <a:off x="457200" y="366780"/>
-            <a:ext cx="8229600" cy="648404"/>
-          </a:xfrm>
-        </p:spPr>
-        <p:txBody>
-          <a:bodyPr/>
-          <a:lstStyle/>
-          <a:p>
-            <a:r>
-              <a:rPr lang="en-US" altLang="ko-KR" dirty="0">
-                <a:latin typeface="+mj-lt"/>
-              </a:rPr>
-              <a:t>Approach - Application</a:t>
-            </a:r>
-            <a:endParaRPr lang="ko-KR" altLang="en-US" dirty="0">
-              <a:latin typeface="+mj-lt"/>
-            </a:endParaRPr>
-          </a:p>
-        </p:txBody>
-      </p:sp>
-      <p:sp>
-        <p:nvSpPr>
-          <p:cNvPr id="2" name="타원 1"/>
-          <p:cNvSpPr/>
-          <p:nvPr/>
-        </p:nvSpPr>
-        <p:spPr>
-          <a:xfrm>
-            <a:off x="1122871" y="1925950"/>
-            <a:ext cx="2127849" cy="2127849"/>
-          </a:xfrm>
-          <a:prstGeom prst="ellipse">
-            <a:avLst/>
-          </a:prstGeom>
-          <a:solidFill>
-            <a:srgbClr val="479D8A"/>
-          </a:solidFill>
-          <a:ln>
-            <a:noFill/>
-          </a:ln>
-        </p:spPr>
-        <p:style>
-          <a:lnRef idx="2">
-            <a:schemeClr val="accent1">
-              <a:shade val="50000"/>
-            </a:schemeClr>
-          </a:lnRef>
-          <a:fillRef idx="1">
-            <a:schemeClr val="accent1"/>
-          </a:fillRef>
-          <a:effectRef idx="0">
-            <a:schemeClr val="accent1"/>
-          </a:effectRef>
-          <a:fontRef idx="minor">
-            <a:schemeClr val="lt1"/>
-          </a:fontRef>
-        </p:style>
-        <p:txBody>
-          <a:bodyPr rtlCol="0" anchor="ctr"/>
-          <a:lstStyle/>
-          <a:p>
-            <a:pPr algn="ctr"/>
-            <a:r>
-              <a:rPr lang="ko-KR" altLang="en-US" dirty="0"/>
-              <a:t>웹툰 모드</a:t>
-            </a:r>
-          </a:p>
-        </p:txBody>
-      </p:sp>
-      <p:sp>
-        <p:nvSpPr>
-          <p:cNvPr id="3" name="직사각형 2"/>
-          <p:cNvSpPr/>
-          <p:nvPr/>
-        </p:nvSpPr>
-        <p:spPr>
-          <a:xfrm>
-            <a:off x="802261" y="4158804"/>
-            <a:ext cx="3758241" cy="1631216"/>
-          </a:xfrm>
-          <a:prstGeom prst="rect">
-            <a:avLst/>
-          </a:prstGeom>
-        </p:spPr>
-        <p:txBody>
-          <a:bodyPr wrap="square">
-            <a:spAutoFit/>
-          </a:bodyPr>
-          <a:lstStyle/>
-          <a:p>
-            <a:pPr>
-              <a:lnSpc>
-                <a:spcPts val="3000"/>
-              </a:lnSpc>
-            </a:pPr>
-            <a:r>
-              <a:rPr lang="en-US" altLang="ko-KR" b="1" dirty="0" err="1">
-                <a:solidFill>
-                  <a:srgbClr val="00B050"/>
-                </a:solidFill>
-              </a:rPr>
-              <a:t>RecyclerView</a:t>
-            </a:r>
-            <a:endParaRPr lang="en-US" altLang="ko-KR" b="1" dirty="0">
-              <a:solidFill>
-                <a:srgbClr val="00B050"/>
-              </a:solidFill>
-            </a:endParaRPr>
-          </a:p>
-          <a:p>
-            <a:pPr>
-              <a:lnSpc>
-                <a:spcPts val="3000"/>
-              </a:lnSpc>
-            </a:pPr>
-            <a:r>
-              <a:rPr lang="ko-KR" altLang="en-US" dirty="0"/>
-              <a:t>메모리 적은 모바일에서 웹툰 표현</a:t>
-            </a:r>
-            <a:endParaRPr lang="en-US" altLang="ko-KR" dirty="0"/>
-          </a:p>
-          <a:p>
-            <a:pPr>
-              <a:lnSpc>
-                <a:spcPts val="3000"/>
-              </a:lnSpc>
-            </a:pPr>
-            <a:r>
-              <a:rPr lang="en-US" altLang="ko-KR" b="1" dirty="0">
-                <a:solidFill>
-                  <a:srgbClr val="00B050"/>
-                </a:solidFill>
-              </a:rPr>
-              <a:t>Glide API</a:t>
-            </a:r>
-          </a:p>
-          <a:p>
-            <a:pPr>
-              <a:lnSpc>
-                <a:spcPts val="3000"/>
-              </a:lnSpc>
-            </a:pPr>
-            <a:r>
-              <a:rPr lang="ko-KR" altLang="en-US" dirty="0"/>
-              <a:t>끊김</a:t>
-            </a:r>
-            <a:r>
-              <a:rPr lang="en-US" altLang="ko-KR" dirty="0"/>
-              <a:t>(ANR) </a:t>
-            </a:r>
-            <a:r>
-              <a:rPr lang="ko-KR" altLang="en-US" dirty="0"/>
-              <a:t>없이 </a:t>
-            </a:r>
-            <a:r>
-              <a:rPr lang="en-US" altLang="ko-KR" dirty="0"/>
-              <a:t>image </a:t>
-            </a:r>
-            <a:r>
-              <a:rPr lang="ko-KR" altLang="en-US" dirty="0"/>
-              <a:t>표현</a:t>
-            </a:r>
-            <a:endParaRPr lang="en-US" altLang="ko-KR" dirty="0"/>
-          </a:p>
-        </p:txBody>
-      </p:sp>
-      <p:sp>
-        <p:nvSpPr>
-          <p:cNvPr id="7" name="타원 6"/>
-          <p:cNvSpPr/>
-          <p:nvPr/>
-        </p:nvSpPr>
-        <p:spPr>
-          <a:xfrm>
-            <a:off x="5287991" y="1925950"/>
-            <a:ext cx="2127849" cy="2127849"/>
-          </a:xfrm>
-          <a:prstGeom prst="ellipse">
-            <a:avLst/>
-          </a:prstGeom>
-          <a:solidFill>
-            <a:srgbClr val="00B050"/>
-          </a:solidFill>
-          <a:ln>
-            <a:noFill/>
-          </a:ln>
-        </p:spPr>
-        <p:style>
-          <a:lnRef idx="2">
-            <a:schemeClr val="accent1">
-              <a:shade val="50000"/>
-            </a:schemeClr>
-          </a:lnRef>
-          <a:fillRef idx="1">
-            <a:schemeClr val="accent1"/>
-          </a:fillRef>
-          <a:effectRef idx="0">
-            <a:schemeClr val="accent1"/>
-          </a:effectRef>
-          <a:fontRef idx="minor">
-            <a:schemeClr val="lt1"/>
-          </a:fontRef>
-        </p:style>
-        <p:txBody>
-          <a:bodyPr rtlCol="0" anchor="ctr"/>
-          <a:lstStyle/>
-          <a:p>
-            <a:pPr algn="ctr"/>
-            <a:r>
-              <a:rPr lang="en-US" altLang="ko-KR" dirty="0"/>
-              <a:t>AR</a:t>
-            </a:r>
-            <a:r>
-              <a:rPr lang="ko-KR" altLang="en-US" dirty="0"/>
-              <a:t> 모드</a:t>
-            </a:r>
-          </a:p>
-        </p:txBody>
-      </p:sp>
-      <p:sp>
-        <p:nvSpPr>
-          <p:cNvPr id="4" name="직사각형 3"/>
-          <p:cNvSpPr/>
-          <p:nvPr/>
-        </p:nvSpPr>
-        <p:spPr>
-          <a:xfrm>
-            <a:off x="4889787" y="4158804"/>
-            <a:ext cx="3627360" cy="2400657"/>
-          </a:xfrm>
-          <a:prstGeom prst="rect">
-            <a:avLst/>
-          </a:prstGeom>
-        </p:spPr>
-        <p:txBody>
-          <a:bodyPr wrap="square">
-            <a:spAutoFit/>
-          </a:bodyPr>
-          <a:lstStyle/>
-          <a:p>
-            <a:pPr>
-              <a:lnSpc>
-                <a:spcPts val="3000"/>
-              </a:lnSpc>
-            </a:pPr>
-            <a:r>
-              <a:rPr lang="en-US" altLang="ko-KR" b="1" dirty="0">
-                <a:solidFill>
-                  <a:srgbClr val="00B050"/>
-                </a:solidFill>
-              </a:rPr>
-              <a:t>Multithreading</a:t>
-            </a:r>
-            <a:endParaRPr lang="en-US" altLang="ko-KR" dirty="0"/>
-          </a:p>
-          <a:p>
-            <a:pPr>
-              <a:lnSpc>
-                <a:spcPts val="3000"/>
-              </a:lnSpc>
-            </a:pPr>
-            <a:r>
-              <a:rPr lang="en-US" altLang="ko-KR" dirty="0"/>
-              <a:t>View</a:t>
-            </a:r>
-            <a:r>
-              <a:rPr lang="ko-KR" altLang="en-US" dirty="0"/>
-              <a:t>의 끊김 없이 사람 인식</a:t>
-            </a:r>
-            <a:endParaRPr lang="en-US" altLang="ko-KR" dirty="0"/>
-          </a:p>
-          <a:p>
-            <a:pPr>
-              <a:lnSpc>
-                <a:spcPts val="3000"/>
-              </a:lnSpc>
-            </a:pPr>
-            <a:r>
-              <a:rPr lang="en-US" altLang="ko-KR" b="1" dirty="0">
-                <a:solidFill>
-                  <a:srgbClr val="00B050"/>
-                </a:solidFill>
-              </a:rPr>
-              <a:t>OpenGL API</a:t>
-            </a:r>
-          </a:p>
-          <a:p>
-            <a:pPr>
-              <a:lnSpc>
-                <a:spcPts val="3000"/>
-              </a:lnSpc>
-            </a:pPr>
-            <a:r>
-              <a:rPr lang="ko-KR" altLang="en-US" dirty="0"/>
-              <a:t>인식한 사람 주변 </a:t>
-            </a:r>
-            <a:r>
-              <a:rPr lang="en-US" altLang="ko-KR" dirty="0"/>
-              <a:t>Animation </a:t>
-            </a:r>
-            <a:r>
-              <a:rPr lang="ko-KR" altLang="en-US" dirty="0"/>
-              <a:t>재생</a:t>
-            </a:r>
-            <a:endParaRPr lang="en-US" altLang="ko-KR" dirty="0"/>
-          </a:p>
-          <a:p>
-            <a:pPr>
-              <a:lnSpc>
-                <a:spcPts val="3000"/>
-              </a:lnSpc>
-            </a:pPr>
-            <a:r>
-              <a:rPr lang="en-US" altLang="ko-KR" b="1" dirty="0">
-                <a:solidFill>
-                  <a:srgbClr val="00B050"/>
-                </a:solidFill>
-              </a:rPr>
-              <a:t>Realm/SQLite</a:t>
-            </a:r>
-          </a:p>
-          <a:p>
-            <a:pPr>
-              <a:lnSpc>
-                <a:spcPts val="3000"/>
-              </a:lnSpc>
-            </a:pPr>
-            <a:r>
-              <a:rPr lang="en-US" altLang="ko-KR" dirty="0"/>
-              <a:t>Metadata </a:t>
-            </a:r>
-            <a:r>
-              <a:rPr lang="ko-KR" altLang="en-US" dirty="0"/>
-              <a:t>저장</a:t>
-            </a:r>
-          </a:p>
-        </p:txBody>
-      </p:sp>
-      <p:cxnSp>
-        <p:nvCxnSpPr>
-          <p:cNvPr id="8" name="직선 화살표 연결선 7"/>
-          <p:cNvCxnSpPr>
-            <a:stCxn id="2" idx="6"/>
-            <a:endCxn id="7" idx="2"/>
-          </p:cNvCxnSpPr>
-          <p:nvPr/>
-        </p:nvCxnSpPr>
-        <p:spPr>
-          <a:xfrm>
-            <a:off x="3250720" y="2989875"/>
-            <a:ext cx="2037271" cy="0"/>
-          </a:xfrm>
-          <a:prstGeom prst="straightConnector1">
-            <a:avLst/>
-          </a:prstGeom>
-          <a:ln w="38100">
-            <a:solidFill>
-              <a:schemeClr val="bg1">
-                <a:lumMod val="65000"/>
-              </a:schemeClr>
-            </a:solidFill>
-            <a:headEnd type="triangle" w="med" len="med"/>
-            <a:tailEnd type="triangle" w="med" len="med"/>
-          </a:ln>
-        </p:spPr>
-        <p:style>
-          <a:lnRef idx="1">
-            <a:schemeClr val="dk1"/>
-          </a:lnRef>
-          <a:fillRef idx="0">
-            <a:schemeClr val="dk1"/>
-          </a:fillRef>
-          <a:effectRef idx="0">
-            <a:schemeClr val="dk1"/>
-          </a:effectRef>
-          <a:fontRef idx="minor">
-            <a:schemeClr val="tx1"/>
-          </a:fontRef>
-        </p:style>
-      </p:cxnSp>
-    </p:spTree>
-    <p:extLst>
-      <p:ext uri="{BB962C8B-B14F-4D97-AF65-F5344CB8AC3E}">
-        <p14:creationId xmlns:p14="http://schemas.microsoft.com/office/powerpoint/2010/main" val="22303765"/>
-      </p:ext>
-    </p:extLst>
-  </p:cSld>
-  <p:clrMapOvr>
-    <a:masterClrMapping/>
-  </p:clrMapOvr>
-  <p:transition>
-    <p:fade/>
-  </p:transition>
+  <p:timing>
+    <p:tnLst>
+      <p:par>
+        <p:cTn id="1" dur="indefinite" restart="never" nodeType="tmRoot"/>
+      </p:par>
+    </p:tnLst>
+  </p:timing>
 </p:sld>
 </file>
 

--- a/artoon-spec.pptx
+++ b/artoon-spec.pptx
@@ -314,7 +314,7 @@
             <a:fld id="{207F23D9-DF40-4811-9C78-A2E2A32398DD}" type="datetimeFigureOut">
               <a:rPr lang="ko-KR" altLang="en-US" smtClean="0"/>
               <a:pPr/>
-              <a:t>2017. 3. 29.</a:t>
+              <a:t>2017-03-29</a:t>
             </a:fld>
             <a:endParaRPr lang="ko-KR" altLang="en-US"/>
           </a:p>
@@ -482,7 +482,7 @@
             <a:fld id="{F3AF6795-A612-454E-AF7A-9192B1BEBB13}" type="datetimeFigureOut">
               <a:rPr lang="ko-KR" altLang="en-US" smtClean="0"/>
               <a:pPr/>
-              <a:t>2017. 3. 29.</a:t>
+              <a:t>2017-03-29</a:t>
             </a:fld>
             <a:endParaRPr lang="ko-KR" altLang="en-US"/>
           </a:p>
@@ -800,11 +800,11 @@
           <a:lstStyle/>
           <a:p>
             <a:r>
-              <a:rPr lang="en-US" altLang="ko-KR" dirty="0" smtClean="0"/>
+              <a:rPr lang="en-US" altLang="ko-KR" dirty="0"/>
               <a:t>TODO:</a:t>
             </a:r>
             <a:r>
-              <a:rPr lang="en-US" altLang="ko-KR" baseline="0" dirty="0" smtClean="0"/>
+              <a:rPr lang="en-US" altLang="ko-KR" baseline="0" dirty="0"/>
               <a:t> Change team name</a:t>
             </a:r>
             <a:endParaRPr lang="ko-KR" altLang="en-US" dirty="0"/>
@@ -1058,11 +1058,11 @@
           <a:lstStyle/>
           <a:p>
             <a:r>
-              <a:rPr lang="en-US" altLang="ko-KR" dirty="0" smtClean="0"/>
+              <a:rPr lang="en-US" altLang="ko-KR" dirty="0"/>
               <a:t>TODO: Sub-Architecture</a:t>
             </a:r>
             <a:r>
-              <a:rPr lang="en-US" altLang="ko-KR" baseline="0" dirty="0" smtClean="0"/>
+              <a:rPr lang="en-US" altLang="ko-KR" baseline="0" dirty="0"/>
               <a:t> goes here</a:t>
             </a:r>
             <a:endParaRPr lang="ko-KR" altLang="en-US" dirty="0"/>
@@ -1406,15 +1406,15 @@
           <a:lstStyle/>
           <a:p>
             <a:r>
-              <a:rPr lang="en-US" altLang="ko-KR" dirty="0" smtClean="0"/>
+              <a:rPr lang="en-US" altLang="ko-KR" dirty="0"/>
               <a:t>Change</a:t>
             </a:r>
             <a:r>
-              <a:rPr lang="en-US" altLang="ko-KR" baseline="0" dirty="0" smtClean="0"/>
+              <a:rPr lang="en-US" altLang="ko-KR" baseline="0" dirty="0"/>
               <a:t> </a:t>
             </a:r>
             <a:r>
-              <a:rPr lang="en-US" altLang="ko-KR" baseline="0" smtClean="0"/>
+              <a:rPr lang="en-US" altLang="ko-KR" baseline="0"/>
               <a:t>the icon, and make the icon green</a:t>
             </a:r>
             <a:endParaRPr lang="ko-KR" altLang="en-US" dirty="0"/>
@@ -1588,11 +1588,11 @@
           <a:lstStyle/>
           <a:p>
             <a:r>
-              <a:rPr lang="en-US" altLang="ko-KR" dirty="0" smtClean="0"/>
+              <a:rPr lang="en-US" altLang="ko-KR" dirty="0"/>
               <a:t>TODO: Change</a:t>
             </a:r>
             <a:r>
-              <a:rPr lang="en-US" altLang="ko-KR" baseline="0" dirty="0" smtClean="0"/>
+              <a:rPr lang="en-US" altLang="ko-KR" baseline="0" dirty="0"/>
               <a:t> to line graph</a:t>
             </a:r>
             <a:endParaRPr lang="ko-KR" altLang="en-US" dirty="0"/>
@@ -1763,11 +1763,11 @@
           <a:lstStyle/>
           <a:p>
             <a:r>
-              <a:rPr lang="en-US" altLang="ko-KR" dirty="0" smtClean="0"/>
+              <a:rPr lang="en-US" altLang="ko-KR" dirty="0"/>
               <a:t>TODO:</a:t>
             </a:r>
             <a:r>
-              <a:rPr lang="en-US" altLang="ko-KR" baseline="0" dirty="0" smtClean="0"/>
+              <a:rPr lang="en-US" altLang="ko-KR" baseline="0" dirty="0"/>
               <a:t> this overview slide should be changed to match its order.</a:t>
             </a:r>
             <a:endParaRPr lang="ko-KR" altLang="en-US" dirty="0"/>
@@ -1856,7 +1856,7 @@
           <a:lstStyle/>
           <a:p>
             <a:r>
-              <a:rPr lang="en-US" altLang="ko-KR" dirty="0" smtClean="0"/>
+              <a:rPr lang="en-US" altLang="ko-KR" dirty="0"/>
               <a:t>TODO: Add Overview</a:t>
             </a:r>
             <a:endParaRPr lang="ko-KR" altLang="en-US" dirty="0"/>
@@ -4621,7 +4621,7 @@
         </p:nvSpPr>
         <p:spPr>
           <a:xfrm>
-            <a:off x="457200" y="366780"/>
+            <a:off x="457200" y="356948"/>
             <a:ext cx="8229600" cy="648404"/>
           </a:xfrm>
         </p:spPr>
@@ -4633,9 +4633,7 @@
             <a:lvl1pPr>
               <a:defRPr sz="3600" b="1">
                 <a:solidFill>
-                  <a:schemeClr val="accent1">
-                    <a:lumMod val="50000"/>
-                  </a:schemeClr>
+                  <a:srgbClr val="00A03E"/>
                 </a:solidFill>
                 <a:latin typeface="Corbel" panose="020B0503020204020204" pitchFamily="34" charset="0"/>
               </a:defRPr>
@@ -7159,9 +7157,9 @@
           <a:spcPct val="0"/>
         </a:spcBef>
         <a:buNone/>
-        <a:defRPr kumimoji="0" sz="3200" kern="1200">
+        <a:defRPr kumimoji="0" sz="3200" b="1" kern="1200">
           <a:solidFill>
-            <a:schemeClr val="tx2"/>
+            <a:srgbClr val="00A03E"/>
           </a:solidFill>
           <a:latin typeface="+mj-lt"/>
           <a:ea typeface="+mj-ea"/>
@@ -7538,13 +7536,6 @@
               </a:rPr>
               <a:t>사물인식 기반의 </a:t>
             </a:r>
-            <a:r>
-              <a:rPr lang="en-US" altLang="ko-KR" dirty="0">
-                <a:latin typeface="나눔바른고딕" panose="020B0603020101020101" pitchFamily="50" charset="-127"/>
-                <a:ea typeface="나눔바른고딕" panose="020B0603020101020101" pitchFamily="50" charset="-127"/>
-              </a:rPr>
-              <a:t/>
-            </a:r>
             <a:br>
               <a:rPr lang="en-US" altLang="ko-KR" dirty="0">
                 <a:latin typeface="나눔바른고딕" panose="020B0603020101020101" pitchFamily="50" charset="-127"/>
@@ -7628,7 +7619,7 @@
               <a:buNone/>
             </a:pPr>
             <a:r>
-              <a:rPr lang="ko-KR" altLang="en-US" sz="1200" spc="-50" dirty="0" err="1">
+              <a:rPr lang="en-US" altLang="ko-KR" sz="1200" spc="-50" dirty="0">
                 <a:solidFill>
                   <a:schemeClr val="tx1">
                     <a:lumMod val="75000"/>
@@ -7638,18 +7629,8 @@
                 <a:latin typeface="나눔바른고딕" panose="020B0603020101020101" pitchFamily="50" charset="-127"/>
                 <a:ea typeface="나눔바른고딕" panose="020B0603020101020101" pitchFamily="50" charset="-127"/>
               </a:rPr>
-              <a:t>팀명</a:t>
-            </a:r>
-            <a:endParaRPr lang="en-US" altLang="ko-KR" sz="1200" spc="-50" dirty="0">
-              <a:solidFill>
-                <a:schemeClr val="tx1">
-                  <a:lumMod val="75000"/>
-                  <a:lumOff val="25000"/>
-                </a:schemeClr>
-              </a:solidFill>
-              <a:latin typeface="나눔바른고딕" panose="020B0603020101020101" pitchFamily="50" charset="-127"/>
-              <a:ea typeface="나눔바른고딕" panose="020B0603020101020101" pitchFamily="50" charset="-127"/>
-            </a:endParaRPr>
+              <a:t>Team H</a:t>
+            </a:r>
           </a:p>
           <a:p>
             <a:pPr marL="0" indent="0" algn="l">
@@ -8036,7 +8017,7 @@
         </p:nvSpPr>
         <p:spPr>
           <a:xfrm>
-            <a:off x="1122871" y="1925950"/>
+            <a:off x="1264022" y="1925950"/>
             <a:ext cx="2127849" cy="2127849"/>
           </a:xfrm>
           <a:prstGeom prst="ellipse">
@@ -8085,7 +8066,7 @@
         </p:nvSpPr>
         <p:spPr>
           <a:xfrm>
-            <a:off x="802261" y="4158804"/>
+            <a:off x="943412" y="4158804"/>
             <a:ext cx="3758241" cy="1631216"/>
           </a:xfrm>
           <a:prstGeom prst="rect">
@@ -8182,7 +8163,7 @@
         </p:nvSpPr>
         <p:spPr>
           <a:xfrm>
-            <a:off x="5287991" y="1925950"/>
+            <a:off x="5429142" y="1925950"/>
             <a:ext cx="2127849" cy="2127849"/>
           </a:xfrm>
           <a:prstGeom prst="ellipse">
@@ -8235,7 +8216,7 @@
         </p:nvSpPr>
         <p:spPr>
           <a:xfrm>
-            <a:off x="4889787" y="4158804"/>
+            <a:off x="5030938" y="4158804"/>
             <a:ext cx="3627360" cy="2400657"/>
           </a:xfrm>
           <a:prstGeom prst="rect">
@@ -8357,7 +8338,7 @@
         </p:nvCxnSpPr>
         <p:spPr>
           <a:xfrm>
-            <a:off x="3250720" y="2989875"/>
+            <a:off x="3391871" y="2989875"/>
             <a:ext cx="2037271" cy="0"/>
           </a:xfrm>
           <a:prstGeom prst="straightConnector1">
@@ -8796,7 +8777,7 @@
                 <a14:useLocalDpi xmlns:a14="http://schemas.microsoft.com/office/drawing/2010/main" val="0"/>
               </a:ext>
               <a:ext uri="{96DAC541-7B7A-43D3-8B79-37D633B846F1}">
-                <asvg:svgBlip xmlns="" xmlns:asvg="http://schemas.microsoft.com/office/drawing/2016/SVG/main" r:embed="rId4"/>
+                <asvg:svgBlip xmlns:asvg="http://schemas.microsoft.com/office/drawing/2016/SVG/main" r:embed="rId4"/>
               </a:ext>
             </a:extLst>
           </a:blip>
@@ -8829,7 +8810,7 @@
                 <a14:useLocalDpi xmlns:a14="http://schemas.microsoft.com/office/drawing/2010/main" val="0"/>
               </a:ext>
               <a:ext uri="{96DAC541-7B7A-43D3-8B79-37D633B846F1}">
-                <asvg:svgBlip xmlns="" xmlns:asvg="http://schemas.microsoft.com/office/drawing/2016/SVG/main" r:embed="rId6"/>
+                <asvg:svgBlip xmlns:asvg="http://schemas.microsoft.com/office/drawing/2016/SVG/main" r:embed="rId6"/>
               </a:ext>
             </a:extLst>
           </a:blip>
@@ -8901,7 +8882,7 @@
           <a:lstStyle/>
           <a:p>
             <a:r>
-              <a:rPr lang="en-US" altLang="ko-KR" dirty="0" smtClean="0">
+              <a:rPr lang="en-US" altLang="ko-KR" dirty="0">
                 <a:latin typeface="+mj-lt"/>
               </a:rPr>
               <a:t>Architecture</a:t>
@@ -8945,9 +8926,381 @@
           <a:chExt cx="0" cy="0"/>
         </a:xfrm>
       </p:grpSpPr>
+      <p:sp>
+        <p:nvSpPr>
+          <p:cNvPr id="3" name="제목 2"/>
+          <p:cNvSpPr>
+            <a:spLocks noGrp="1"/>
+          </p:cNvSpPr>
+          <p:nvPr>
+            <p:ph type="title"/>
+          </p:nvPr>
+        </p:nvSpPr>
+        <p:spPr>
+          <a:xfrm>
+            <a:off x="457200" y="366780"/>
+            <a:ext cx="8229600" cy="648404"/>
+          </a:xfrm>
+        </p:spPr>
+        <p:txBody>
+          <a:bodyPr>
+            <a:normAutofit/>
+          </a:bodyPr>
+          <a:lstStyle/>
+          <a:p>
+            <a:r>
+              <a:rPr lang="en-US" altLang="ko-KR" dirty="0">
+                <a:latin typeface="+mj-lt"/>
+              </a:rPr>
+              <a:t>Development Environment</a:t>
+            </a:r>
+            <a:endParaRPr lang="ko-KR" altLang="en-US" dirty="0">
+              <a:latin typeface="+mj-lt"/>
+            </a:endParaRPr>
+          </a:p>
+        </p:txBody>
+      </p:sp>
+      <p:sp>
+        <p:nvSpPr>
+          <p:cNvPr id="13" name="내용 개체 틀 3"/>
+          <p:cNvSpPr>
+            <a:spLocks noGrp="1"/>
+          </p:cNvSpPr>
+          <p:nvPr>
+            <p:ph sz="quarter" idx="4294967295"/>
+          </p:nvPr>
+        </p:nvSpPr>
+        <p:spPr>
+          <a:xfrm>
+            <a:off x="270895" y="7109701"/>
+            <a:ext cx="4502426" cy="4690410"/>
+          </a:xfrm>
+        </p:spPr>
+        <p:txBody>
+          <a:bodyPr>
+            <a:normAutofit fontScale="85000" lnSpcReduction="20000"/>
+          </a:bodyPr>
+          <a:lstStyle/>
+          <a:p>
+            <a:pPr marL="0" indent="0">
+              <a:buNone/>
+            </a:pPr>
+            <a:r>
+              <a:rPr lang="en-US" altLang="ko-KR" b="1" dirty="0"/>
+              <a:t>Language</a:t>
+            </a:r>
+          </a:p>
+          <a:p>
+            <a:pPr marL="0" indent="0">
+              <a:buNone/>
+            </a:pPr>
+            <a:r>
+              <a:rPr lang="en-US" altLang="ko-KR" dirty="0"/>
+              <a:t>Python</a:t>
+            </a:r>
+            <a:r>
+              <a:rPr lang="en-US" altLang="ko-KR" sz="2800" dirty="0"/>
+              <a:t> </a:t>
+            </a:r>
+            <a:r>
+              <a:rPr lang="en-US" altLang="ko-KR" sz="2000" dirty="0"/>
+              <a:t>version 3.6.0</a:t>
+            </a:r>
+          </a:p>
+          <a:p>
+            <a:pPr marL="0" indent="0">
+              <a:buNone/>
+            </a:pPr>
+            <a:r>
+              <a:rPr lang="en-US" altLang="ko-KR" dirty="0"/>
+              <a:t>Java</a:t>
+            </a:r>
+          </a:p>
+          <a:p>
+            <a:pPr marL="0" indent="0">
+              <a:buNone/>
+            </a:pPr>
+            <a:endParaRPr lang="en-US" altLang="ko-KR" dirty="0"/>
+          </a:p>
+          <a:p>
+            <a:pPr marL="0" indent="0">
+              <a:buNone/>
+            </a:pPr>
+            <a:r>
+              <a:rPr lang="en-US" altLang="ko-KR" b="1" dirty="0"/>
+              <a:t>API</a:t>
+            </a:r>
+          </a:p>
+          <a:p>
+            <a:pPr marL="0" indent="0">
+              <a:buNone/>
+            </a:pPr>
+            <a:r>
+              <a:rPr lang="en-US" altLang="ko-KR" dirty="0" err="1"/>
+              <a:t>Tensorflow</a:t>
+            </a:r>
+            <a:r>
+              <a:rPr lang="en-US" altLang="ko-KR" dirty="0"/>
+              <a:t> 	</a:t>
+            </a:r>
+            <a:r>
+              <a:rPr lang="en-US" altLang="ko-KR" sz="2000" dirty="0"/>
+              <a:t>version 1.0.0</a:t>
+            </a:r>
+            <a:endParaRPr lang="en-US" altLang="ko-KR" dirty="0"/>
+          </a:p>
+          <a:p>
+            <a:pPr marL="0" indent="0">
+              <a:buNone/>
+            </a:pPr>
+            <a:endParaRPr lang="en-US" altLang="ko-KR" dirty="0"/>
+          </a:p>
+          <a:p>
+            <a:pPr marL="0" indent="0">
+              <a:buNone/>
+            </a:pPr>
+            <a:r>
+              <a:rPr lang="en-US" altLang="ko-KR" b="1" dirty="0"/>
+              <a:t>IDE</a:t>
+            </a:r>
+          </a:p>
+          <a:p>
+            <a:pPr marL="0" indent="0">
+              <a:buNone/>
+            </a:pPr>
+            <a:r>
+              <a:rPr lang="en-US" altLang="ko-KR" dirty="0" err="1"/>
+              <a:t>Pycharm</a:t>
+            </a:r>
+            <a:r>
+              <a:rPr lang="en-US" altLang="ko-KR" dirty="0"/>
+              <a:t> 	version 2017.1</a:t>
+            </a:r>
+          </a:p>
+          <a:p>
+            <a:pPr marL="0" indent="0">
+              <a:buNone/>
+            </a:pPr>
+            <a:r>
+              <a:rPr lang="en-US" altLang="ko-KR" dirty="0"/>
+              <a:t>Android Studio</a:t>
+            </a:r>
+            <a:r>
+              <a:rPr lang="en-US" altLang="ko-KR" sz="2800" dirty="0"/>
+              <a:t> 	</a:t>
+            </a:r>
+            <a:r>
+              <a:rPr lang="en-US" altLang="ko-KR" sz="2000" dirty="0"/>
+              <a:t>version 2.3</a:t>
+            </a:r>
+          </a:p>
+          <a:p>
+            <a:pPr marL="0" indent="0">
+              <a:buNone/>
+            </a:pPr>
+            <a:endParaRPr lang="en-US" altLang="ko-KR" dirty="0"/>
+          </a:p>
+          <a:p>
+            <a:pPr marL="0" indent="0">
+              <a:buNone/>
+            </a:pPr>
+            <a:r>
+              <a:rPr lang="en-US" altLang="ko-KR" b="1" dirty="0"/>
+              <a:t>OS</a:t>
+            </a:r>
+          </a:p>
+          <a:p>
+            <a:pPr marL="0" indent="0">
+              <a:buNone/>
+            </a:pPr>
+            <a:r>
+              <a:rPr lang="en-US" altLang="ko-KR" dirty="0"/>
+              <a:t>Windows</a:t>
+            </a:r>
+          </a:p>
+          <a:p>
+            <a:pPr marL="0" indent="0">
+              <a:buNone/>
+            </a:pPr>
+            <a:endParaRPr lang="en-US" altLang="ko-KR" dirty="0"/>
+          </a:p>
+        </p:txBody>
+      </p:sp>
+      <p:sp>
+        <p:nvSpPr>
+          <p:cNvPr id="21" name="사각형: 둥근 모서리 20"/>
+          <p:cNvSpPr/>
+          <p:nvPr/>
+        </p:nvSpPr>
+        <p:spPr>
+          <a:xfrm>
+            <a:off x="5717333" y="1411503"/>
+            <a:ext cx="2241973" cy="2509313"/>
+          </a:xfrm>
+          <a:prstGeom prst="roundRect">
+            <a:avLst/>
+          </a:prstGeom>
+          <a:solidFill>
+            <a:schemeClr val="bg1"/>
+          </a:solidFill>
+        </p:spPr>
+        <p:style>
+          <a:lnRef idx="2">
+            <a:schemeClr val="accent1">
+              <a:shade val="50000"/>
+            </a:schemeClr>
+          </a:lnRef>
+          <a:fillRef idx="1">
+            <a:schemeClr val="accent1"/>
+          </a:fillRef>
+          <a:effectRef idx="0">
+            <a:schemeClr val="accent1"/>
+          </a:effectRef>
+          <a:fontRef idx="minor">
+            <a:schemeClr val="lt1"/>
+          </a:fontRef>
+        </p:style>
+        <p:txBody>
+          <a:bodyPr rtlCol="0" anchor="ctr"/>
+          <a:lstStyle/>
+          <a:p>
+            <a:pPr algn="ctr"/>
+            <a:endParaRPr lang="ko-KR" altLang="en-US"/>
+          </a:p>
+        </p:txBody>
+      </p:sp>
+      <p:sp>
+        <p:nvSpPr>
+          <p:cNvPr id="25" name="사각형: 둥근 모서리 24"/>
+          <p:cNvSpPr/>
+          <p:nvPr/>
+        </p:nvSpPr>
+        <p:spPr>
+          <a:xfrm>
+            <a:off x="5717333" y="4171976"/>
+            <a:ext cx="2241973" cy="2509313"/>
+          </a:xfrm>
+          <a:prstGeom prst="roundRect">
+            <a:avLst/>
+          </a:prstGeom>
+          <a:solidFill>
+            <a:schemeClr val="bg1"/>
+          </a:solidFill>
+        </p:spPr>
+        <p:style>
+          <a:lnRef idx="2">
+            <a:schemeClr val="accent1">
+              <a:shade val="50000"/>
+            </a:schemeClr>
+          </a:lnRef>
+          <a:fillRef idx="1">
+            <a:schemeClr val="accent1"/>
+          </a:fillRef>
+          <a:effectRef idx="0">
+            <a:schemeClr val="accent1"/>
+          </a:effectRef>
+          <a:fontRef idx="minor">
+            <a:schemeClr val="lt1"/>
+          </a:fontRef>
+        </p:style>
+        <p:txBody>
+          <a:bodyPr rtlCol="0" anchor="ctr"/>
+          <a:lstStyle/>
+          <a:p>
+            <a:pPr algn="ctr"/>
+            <a:endParaRPr lang="ko-KR" altLang="en-US"/>
+          </a:p>
+        </p:txBody>
+      </p:sp>
+      <p:sp>
+        <p:nvSpPr>
+          <p:cNvPr id="28" name="사각형: 둥근 모서리 27"/>
+          <p:cNvSpPr/>
+          <p:nvPr/>
+        </p:nvSpPr>
+        <p:spPr>
+          <a:xfrm>
+            <a:off x="718868" y="4163608"/>
+            <a:ext cx="4416724" cy="2509313"/>
+          </a:xfrm>
+          <a:prstGeom prst="roundRect">
+            <a:avLst/>
+          </a:prstGeom>
+          <a:solidFill>
+            <a:schemeClr val="bg1"/>
+          </a:solidFill>
+        </p:spPr>
+        <p:style>
+          <a:lnRef idx="2">
+            <a:schemeClr val="accent1">
+              <a:shade val="50000"/>
+            </a:schemeClr>
+          </a:lnRef>
+          <a:fillRef idx="1">
+            <a:schemeClr val="accent1"/>
+          </a:fillRef>
+          <a:effectRef idx="0">
+            <a:schemeClr val="accent1"/>
+          </a:effectRef>
+          <a:fontRef idx="minor">
+            <a:schemeClr val="lt1"/>
+          </a:fontRef>
+        </p:style>
+        <p:txBody>
+          <a:bodyPr rtlCol="0" anchor="ctr"/>
+          <a:lstStyle/>
+          <a:p>
+            <a:pPr algn="ctr"/>
+            <a:endParaRPr lang="ko-KR" altLang="en-US"/>
+          </a:p>
+        </p:txBody>
+      </p:sp>
+      <p:sp>
+        <p:nvSpPr>
+          <p:cNvPr id="31" name="사각형: 둥근 모서리 30"/>
+          <p:cNvSpPr/>
+          <p:nvPr/>
+        </p:nvSpPr>
+        <p:spPr>
+          <a:xfrm>
+            <a:off x="718868" y="1437187"/>
+            <a:ext cx="4416724" cy="2509313"/>
+          </a:xfrm>
+          <a:prstGeom prst="roundRect">
+            <a:avLst/>
+          </a:prstGeom>
+          <a:solidFill>
+            <a:schemeClr val="bg1"/>
+          </a:solidFill>
+        </p:spPr>
+        <p:style>
+          <a:lnRef idx="2">
+            <a:schemeClr val="accent1">
+              <a:shade val="50000"/>
+            </a:schemeClr>
+          </a:lnRef>
+          <a:fillRef idx="1">
+            <a:schemeClr val="accent1"/>
+          </a:fillRef>
+          <a:effectRef idx="0">
+            <a:schemeClr val="accent1"/>
+          </a:effectRef>
+          <a:fontRef idx="minor">
+            <a:schemeClr val="lt1"/>
+          </a:fontRef>
+        </p:style>
+        <p:txBody>
+          <a:bodyPr rtlCol="0" anchor="ctr"/>
+          <a:lstStyle/>
+          <a:p>
+            <a:pPr algn="ctr"/>
+            <a:endParaRPr lang="ko-KR" altLang="en-US"/>
+          </a:p>
+        </p:txBody>
+      </p:sp>
       <p:pic>
         <p:nvPicPr>
-          <p:cNvPr id="26" name="그림 25"/>
+          <p:cNvPr id="32" name="그림 31"/>
           <p:cNvPicPr>
             <a:picLocks noChangeAspect="1"/>
           </p:cNvPicPr>
@@ -8967,7 +9320,7 @@
         </p:blipFill>
         <p:spPr>
           <a:xfrm>
-            <a:off x="6502893" y="4504700"/>
+            <a:off x="5997704" y="4405153"/>
             <a:ext cx="1645613" cy="1645613"/>
           </a:xfrm>
           <a:prstGeom prst="rect">
@@ -8975,43 +9328,9 @@
           </a:prstGeom>
         </p:spPr>
       </p:pic>
-      <p:sp>
-        <p:nvSpPr>
-          <p:cNvPr id="3" name="제목 2"/>
-          <p:cNvSpPr>
-            <a:spLocks noGrp="1"/>
-          </p:cNvSpPr>
-          <p:nvPr>
-            <p:ph type="title"/>
-          </p:nvPr>
-        </p:nvSpPr>
-        <p:spPr>
-          <a:xfrm>
-            <a:off x="457200" y="366780"/>
-            <a:ext cx="8229600" cy="648404"/>
-          </a:xfrm>
-        </p:spPr>
-        <p:txBody>
-          <a:bodyPr>
-            <a:normAutofit/>
-          </a:bodyPr>
-          <a:lstStyle/>
-          <a:p>
-            <a:r>
-              <a:rPr lang="en-US" altLang="ko-KR" dirty="0">
-                <a:latin typeface="+mj-lt"/>
-              </a:rPr>
-              <a:t>Development Environment</a:t>
-            </a:r>
-            <a:endParaRPr lang="ko-KR" altLang="en-US" dirty="0">
-              <a:latin typeface="+mj-lt"/>
-            </a:endParaRPr>
-          </a:p>
-        </p:txBody>
-      </p:sp>
       <p:pic>
         <p:nvPicPr>
-          <p:cNvPr id="8" name="그림 7"/>
+          <p:cNvPr id="33" name="그림 32"/>
           <p:cNvPicPr>
             <a:picLocks noChangeAspect="1"/>
           </p:cNvPicPr>
@@ -9031,7 +9350,7 @@
         </p:blipFill>
         <p:spPr>
           <a:xfrm>
-            <a:off x="6801514" y="1988422"/>
+            <a:off x="6296325" y="1888875"/>
             <a:ext cx="1048370" cy="1048370"/>
           </a:xfrm>
           <a:prstGeom prst="rect">
@@ -9041,7 +9360,7 @@
       </p:pic>
       <p:pic>
         <p:nvPicPr>
-          <p:cNvPr id="12" name="그림 11"/>
+          <p:cNvPr id="34" name="그림 33"/>
           <p:cNvPicPr>
             <a:picLocks noChangeAspect="1"/>
           </p:cNvPicPr>
@@ -9061,7 +9380,7 @@
         </p:blipFill>
         <p:spPr>
           <a:xfrm>
-            <a:off x="1256709" y="1806698"/>
+            <a:off x="1256709" y="1698783"/>
             <a:ext cx="1355143" cy="1355143"/>
           </a:xfrm>
           <a:prstGeom prst="rect">
@@ -9069,175 +9388,9 @@
           </a:prstGeom>
         </p:spPr>
       </p:pic>
-      <p:sp>
-        <p:nvSpPr>
-          <p:cNvPr id="13" name="내용 개체 틀 3"/>
-          <p:cNvSpPr>
-            <a:spLocks noGrp="1"/>
-          </p:cNvSpPr>
-          <p:nvPr>
-            <p:ph sz="quarter" idx="4294967295"/>
-          </p:nvPr>
-        </p:nvSpPr>
-        <p:spPr>
-          <a:xfrm>
-            <a:off x="270895" y="7109701"/>
-            <a:ext cx="4502426" cy="4690410"/>
-          </a:xfrm>
-        </p:spPr>
-        <p:txBody>
-          <a:bodyPr>
-            <a:normAutofit fontScale="85000" lnSpcReduction="20000"/>
-          </a:bodyPr>
-          <a:lstStyle/>
-          <a:p>
-            <a:pPr marL="0" indent="0">
-              <a:buNone/>
-            </a:pPr>
-            <a:r>
-              <a:rPr lang="en-US" altLang="ko-KR" b="1" dirty="0"/>
-              <a:t>Language</a:t>
-            </a:r>
-          </a:p>
-          <a:p>
-            <a:pPr marL="0" indent="0">
-              <a:buNone/>
-            </a:pPr>
-            <a:r>
-              <a:rPr lang="en-US" altLang="ko-KR" dirty="0"/>
-              <a:t>Python</a:t>
-            </a:r>
-            <a:r>
-              <a:rPr lang="en-US" altLang="ko-KR" sz="2800" dirty="0"/>
-              <a:t> </a:t>
-            </a:r>
-            <a:r>
-              <a:rPr lang="en-US" altLang="ko-KR" sz="2000" dirty="0"/>
-              <a:t>version 3.6.0</a:t>
-            </a:r>
-          </a:p>
-          <a:p>
-            <a:pPr marL="0" indent="0">
-              <a:buNone/>
-            </a:pPr>
-            <a:r>
-              <a:rPr lang="en-US" altLang="ko-KR" dirty="0"/>
-              <a:t>Java</a:t>
-            </a:r>
-          </a:p>
-          <a:p>
-            <a:pPr marL="0" indent="0">
-              <a:buNone/>
-            </a:pPr>
-            <a:endParaRPr lang="en-US" altLang="ko-KR" dirty="0"/>
-          </a:p>
-          <a:p>
-            <a:pPr marL="0" indent="0">
-              <a:buNone/>
-            </a:pPr>
-            <a:r>
-              <a:rPr lang="en-US" altLang="ko-KR" b="1" dirty="0"/>
-              <a:t>API</a:t>
-            </a:r>
-          </a:p>
-          <a:p>
-            <a:pPr marL="0" indent="0">
-              <a:buNone/>
-            </a:pPr>
-            <a:r>
-              <a:rPr lang="en-US" altLang="ko-KR" dirty="0" err="1"/>
-              <a:t>Tensorflow</a:t>
-            </a:r>
-            <a:r>
-              <a:rPr lang="en-US" altLang="ko-KR" dirty="0"/>
-              <a:t> 	</a:t>
-            </a:r>
-            <a:r>
-              <a:rPr lang="en-US" altLang="ko-KR" sz="2000" dirty="0"/>
-              <a:t>version 1.0.0</a:t>
-            </a:r>
-            <a:endParaRPr lang="en-US" altLang="ko-KR" dirty="0"/>
-          </a:p>
-          <a:p>
-            <a:pPr marL="0" indent="0">
-              <a:buNone/>
-            </a:pPr>
-            <a:endParaRPr lang="en-US" altLang="ko-KR" dirty="0"/>
-          </a:p>
-          <a:p>
-            <a:pPr marL="0" indent="0">
-              <a:buNone/>
-            </a:pPr>
-            <a:r>
-              <a:rPr lang="en-US" altLang="ko-KR" b="1" dirty="0"/>
-              <a:t>IDE</a:t>
-            </a:r>
-          </a:p>
-          <a:p>
-            <a:pPr marL="0" indent="0">
-              <a:buNone/>
-            </a:pPr>
-            <a:r>
-              <a:rPr lang="en-US" altLang="ko-KR" dirty="0" err="1"/>
-              <a:t>Pycharm</a:t>
-            </a:r>
-            <a:r>
-              <a:rPr lang="en-US" altLang="ko-KR" dirty="0"/>
-              <a:t> 	version 2017.1</a:t>
-            </a:r>
-          </a:p>
-          <a:p>
-            <a:pPr marL="0" indent="0">
-              <a:buNone/>
-            </a:pPr>
-            <a:r>
-              <a:rPr lang="en-US" altLang="ko-KR" dirty="0"/>
-              <a:t>Android Studio</a:t>
-            </a:r>
-            <a:r>
-              <a:rPr lang="en-US" altLang="ko-KR" sz="2800" dirty="0"/>
-              <a:t> 	</a:t>
-            </a:r>
-            <a:r>
-              <a:rPr lang="en-US" altLang="ko-KR" sz="2000" dirty="0"/>
-              <a:t>version 2.3</a:t>
-            </a:r>
-          </a:p>
-          <a:p>
-            <a:pPr marL="0" indent="0">
-              <a:buNone/>
-            </a:pPr>
-            <a:endParaRPr lang="en-US" altLang="ko-KR" dirty="0"/>
-          </a:p>
-          <a:p>
-            <a:pPr marL="0" indent="0">
-              <a:buNone/>
-            </a:pPr>
-            <a:r>
-              <a:rPr lang="en-US" altLang="ko-KR" b="1" dirty="0"/>
-              <a:t>OS</a:t>
-            </a:r>
-          </a:p>
-          <a:p>
-            <a:pPr marL="0" indent="0">
-              <a:buNone/>
-            </a:pPr>
-            <a:r>
-              <a:rPr lang="en-US" altLang="ko-KR" dirty="0"/>
-              <a:t>Windows</a:t>
-            </a:r>
-          </a:p>
-          <a:p>
-            <a:pPr marL="0" indent="0">
-              <a:buNone/>
-            </a:pPr>
-            <a:endParaRPr lang="en-US" altLang="ko-KR" dirty="0"/>
-          </a:p>
-        </p:txBody>
-      </p:sp>
       <p:pic>
         <p:nvPicPr>
-          <p:cNvPr id="14" name="그림 13"/>
+          <p:cNvPr id="35" name="그림 34"/>
           <p:cNvPicPr>
             <a:picLocks noChangeAspect="1"/>
           </p:cNvPicPr>
@@ -9257,7 +9410,7 @@
         </p:blipFill>
         <p:spPr>
           <a:xfrm>
-            <a:off x="1398739" y="4743018"/>
+            <a:off x="1398739" y="4635103"/>
             <a:ext cx="1147663" cy="1147663"/>
           </a:xfrm>
           <a:prstGeom prst="rect">
@@ -9267,13 +9420,13 @@
       </p:pic>
       <p:sp>
         <p:nvSpPr>
-          <p:cNvPr id="15" name="TextBox 14"/>
+          <p:cNvPr id="36" name="TextBox 35"/>
           <p:cNvSpPr txBox="1"/>
           <p:nvPr/>
         </p:nvSpPr>
         <p:spPr>
           <a:xfrm>
-            <a:off x="1013777" y="3140775"/>
+            <a:off x="1013777" y="3032860"/>
             <a:ext cx="1797146" cy="584775"/>
           </a:xfrm>
           <a:prstGeom prst="rect">
@@ -9311,18 +9464,21 @@
       </p:sp>
       <p:sp>
         <p:nvSpPr>
-          <p:cNvPr id="16" name="직사각형 15"/>
+          <p:cNvPr id="37" name="직사각형 36"/>
           <p:cNvSpPr/>
           <p:nvPr/>
         </p:nvSpPr>
         <p:spPr>
           <a:xfrm>
-            <a:off x="573808" y="1376298"/>
-            <a:ext cx="1229824" cy="369332"/>
+            <a:off x="6025257" y="1268383"/>
+            <a:ext cx="542136" cy="369332"/>
           </a:xfrm>
           <a:prstGeom prst="rect">
             <a:avLst/>
           </a:prstGeom>
+          <a:solidFill>
+            <a:schemeClr val="bg1"/>
+          </a:solidFill>
         </p:spPr>
         <p:txBody>
           <a:bodyPr wrap="none">
@@ -9334,50 +9490,20 @@
               <a:rPr lang="en-US" altLang="ko-KR" b="1" dirty="0">
                 <a:latin typeface="+mj-lt"/>
               </a:rPr>
-              <a:t>Language</a:t>
+              <a:t>API</a:t>
             </a:r>
           </a:p>
         </p:txBody>
       </p:sp>
       <p:sp>
         <p:nvSpPr>
-          <p:cNvPr id="17" name="직사각형 16"/>
-          <p:cNvSpPr/>
+          <p:cNvPr id="38" name="TextBox 37"/>
+          <p:cNvSpPr txBox="1"/>
           <p:nvPr/>
         </p:nvSpPr>
         <p:spPr>
           <a:xfrm>
-            <a:off x="5989870" y="1376298"/>
-            <a:ext cx="542136" cy="369332"/>
-          </a:xfrm>
-          <a:prstGeom prst="rect">
-            <a:avLst/>
-          </a:prstGeom>
-        </p:spPr>
-        <p:txBody>
-          <a:bodyPr wrap="none">
-            <a:spAutoFit/>
-          </a:bodyPr>
-          <a:lstStyle/>
-          <a:p>
-            <a:r>
-              <a:rPr lang="en-US" altLang="ko-KR" b="1" dirty="0">
-                <a:latin typeface="+mj-lt"/>
-              </a:rPr>
-              <a:t>API</a:t>
-            </a:r>
-          </a:p>
-        </p:txBody>
-      </p:sp>
-      <p:sp>
-        <p:nvSpPr>
-          <p:cNvPr id="18" name="TextBox 17"/>
-          <p:cNvSpPr txBox="1"/>
-          <p:nvPr/>
-        </p:nvSpPr>
-        <p:spPr>
-          <a:xfrm>
-            <a:off x="6429839" y="3126422"/>
+            <a:off x="5924650" y="3026875"/>
             <a:ext cx="1797146" cy="584775"/>
           </a:xfrm>
           <a:prstGeom prst="rect">
@@ -9418,21 +9544,24 @@
       </p:sp>
       <p:sp>
         <p:nvSpPr>
-          <p:cNvPr id="19" name="직사각형 18"/>
+          <p:cNvPr id="39" name="직사각형 38"/>
           <p:cNvSpPr/>
           <p:nvPr/>
         </p:nvSpPr>
         <p:spPr>
           <a:xfrm>
-            <a:off x="646584" y="4389846"/>
+            <a:off x="1198674" y="3990535"/>
             <a:ext cx="542136" cy="369332"/>
           </a:xfrm>
           <a:prstGeom prst="rect">
             <a:avLst/>
           </a:prstGeom>
+          <a:solidFill>
+            <a:schemeClr val="bg1"/>
+          </a:solidFill>
         </p:spPr>
         <p:txBody>
-          <a:bodyPr wrap="none">
+          <a:bodyPr wrap="square">
             <a:spAutoFit/>
           </a:bodyPr>
           <a:lstStyle/>
@@ -9448,13 +9577,13 @@
       </p:sp>
       <p:sp>
         <p:nvSpPr>
-          <p:cNvPr id="20" name="TextBox 19"/>
+          <p:cNvPr id="40" name="TextBox 39"/>
           <p:cNvSpPr txBox="1"/>
           <p:nvPr/>
         </p:nvSpPr>
         <p:spPr>
           <a:xfrm>
-            <a:off x="1013777" y="6071821"/>
+            <a:off x="1013777" y="5963906"/>
             <a:ext cx="1797146" cy="584775"/>
           </a:xfrm>
           <a:prstGeom prst="rect">
@@ -9492,7 +9621,7 @@
       </p:sp>
       <p:pic>
         <p:nvPicPr>
-          <p:cNvPr id="22" name="그림 21"/>
+          <p:cNvPr id="41" name="그림 40"/>
           <p:cNvPicPr>
             <a:picLocks noChangeAspect="1"/>
           </p:cNvPicPr>
@@ -9512,7 +9641,7 @@
         </p:blipFill>
         <p:spPr>
           <a:xfrm>
-            <a:off x="3408514" y="4684447"/>
+            <a:off x="3408514" y="4576532"/>
             <a:ext cx="1236586" cy="1236586"/>
           </a:xfrm>
           <a:prstGeom prst="rect">
@@ -9522,13 +9651,13 @@
       </p:pic>
       <p:sp>
         <p:nvSpPr>
-          <p:cNvPr id="23" name="TextBox 22"/>
+          <p:cNvPr id="42" name="TextBox 41"/>
           <p:cNvSpPr txBox="1"/>
           <p:nvPr/>
         </p:nvSpPr>
         <p:spPr>
           <a:xfrm>
-            <a:off x="3114425" y="6071821"/>
+            <a:off x="3114425" y="5963906"/>
             <a:ext cx="1797146" cy="584775"/>
           </a:xfrm>
           <a:prstGeom prst="rect">
@@ -9569,18 +9698,21 @@
       </p:sp>
       <p:sp>
         <p:nvSpPr>
-          <p:cNvPr id="24" name="직사각형 23"/>
+          <p:cNvPr id="43" name="직사각형 42"/>
           <p:cNvSpPr/>
           <p:nvPr/>
         </p:nvSpPr>
         <p:spPr>
           <a:xfrm>
-            <a:off x="6012053" y="4389846"/>
+            <a:off x="5997704" y="3974389"/>
             <a:ext cx="490840" cy="369332"/>
           </a:xfrm>
           <a:prstGeom prst="rect">
             <a:avLst/>
           </a:prstGeom>
+          <a:solidFill>
+            <a:schemeClr val="bg1"/>
+          </a:solidFill>
         </p:spPr>
         <p:txBody>
           <a:bodyPr wrap="none">
@@ -9599,13 +9731,13 @@
       </p:sp>
       <p:sp>
         <p:nvSpPr>
-          <p:cNvPr id="27" name="TextBox 26"/>
+          <p:cNvPr id="44" name="TextBox 43"/>
           <p:cNvSpPr txBox="1"/>
           <p:nvPr/>
         </p:nvSpPr>
         <p:spPr>
           <a:xfrm>
-            <a:off x="6429839" y="6106771"/>
+            <a:off x="5924650" y="6007224"/>
             <a:ext cx="1797146" cy="369332"/>
           </a:xfrm>
           <a:prstGeom prst="rect">
@@ -9634,7 +9766,7 @@
       </p:sp>
       <p:pic>
         <p:nvPicPr>
-          <p:cNvPr id="29" name="그림 28"/>
+          <p:cNvPr id="45" name="그림 44"/>
           <p:cNvPicPr>
             <a:picLocks noChangeAspect="1"/>
           </p:cNvPicPr>
@@ -9654,7 +9786,7 @@
         </p:blipFill>
         <p:spPr>
           <a:xfrm>
-            <a:off x="3053855" y="1545102"/>
+            <a:off x="3053855" y="1437187"/>
             <a:ext cx="1553722" cy="1553722"/>
           </a:xfrm>
           <a:prstGeom prst="rect">
@@ -9664,13 +9796,13 @@
       </p:pic>
       <p:sp>
         <p:nvSpPr>
-          <p:cNvPr id="30" name="TextBox 29"/>
+          <p:cNvPr id="46" name="TextBox 45"/>
           <p:cNvSpPr txBox="1"/>
           <p:nvPr/>
         </p:nvSpPr>
         <p:spPr>
           <a:xfrm>
-            <a:off x="2976175" y="3140775"/>
+            <a:off x="2976175" y="3032860"/>
             <a:ext cx="1797146" cy="584775"/>
           </a:xfrm>
           <a:prstGeom prst="rect">
@@ -9703,6 +9835,39 @@
             <a:endParaRPr lang="ko-KR" altLang="en-US" sz="1400" dirty="0">
               <a:latin typeface="+mj-lt"/>
             </a:endParaRPr>
+          </a:p>
+        </p:txBody>
+      </p:sp>
+      <p:sp>
+        <p:nvSpPr>
+          <p:cNvPr id="47" name="직사각형 46"/>
+          <p:cNvSpPr/>
+          <p:nvPr/>
+        </p:nvSpPr>
+        <p:spPr>
+          <a:xfrm>
+            <a:off x="1252425" y="1268383"/>
+            <a:ext cx="1229824" cy="369332"/>
+          </a:xfrm>
+          <a:prstGeom prst="rect">
+            <a:avLst/>
+          </a:prstGeom>
+          <a:solidFill>
+            <a:schemeClr val="bg1"/>
+          </a:solidFill>
+        </p:spPr>
+        <p:txBody>
+          <a:bodyPr wrap="none">
+            <a:spAutoFit/>
+          </a:bodyPr>
+          <a:lstStyle/>
+          <a:p>
+            <a:r>
+              <a:rPr lang="en-US" altLang="ko-KR" b="1" dirty="0">
+                <a:latin typeface="+mj-lt"/>
+              </a:rPr>
+              <a:t>Language</a:t>
+            </a:r>
           </a:p>
         </p:txBody>
       </p:sp>
@@ -9719,13 +9884,6 @@
   <p:transition>
     <p:fade/>
   </p:transition>
-  <p:timing>
-    <p:tnLst>
-      <p:par>
-        <p:cTn id="1" dur="indefinite" restart="never" nodeType="tmRoot"/>
-      </p:par>
-    </p:tnLst>
-  </p:timing>
 </p:sld>
 </file>
 
@@ -9793,7 +9951,7 @@
                 <a14:useLocalDpi xmlns:a14="http://schemas.microsoft.com/office/drawing/2010/main" val="0"/>
               </a:ext>
               <a:ext uri="{96DAC541-7B7A-43D3-8B79-37D633B846F1}">
-                <asvg:svgBlip xmlns="" xmlns:asvg="http://schemas.microsoft.com/office/drawing/2016/SVG/main" r:embed="rId4"/>
+                <asvg:svgBlip xmlns:asvg="http://schemas.microsoft.com/office/drawing/2016/SVG/main" r:embed="rId4"/>
               </a:ext>
             </a:extLst>
           </a:blip>
@@ -9834,12 +9992,8 @@
           <a:lstStyle/>
           <a:p>
             <a:r>
-              <a:rPr lang="en-US" altLang="ko-KR" sz="2400" b="1" dirty="0" smtClean="0"/>
-              <a:t>&gt;90% </a:t>
-            </a:r>
-            <a:r>
               <a:rPr lang="en-US" altLang="ko-KR" sz="2400" b="1" dirty="0"/>
-              <a:t>accuracy</a:t>
+              <a:t>&gt;90% accuracy</a:t>
             </a:r>
             <a:endParaRPr lang="ko-KR" altLang="en-US" sz="2400" b="1" dirty="0"/>
           </a:p>
@@ -9854,7 +10008,7 @@
         <p:spPr>
           <a:xfrm>
             <a:off x="3446585" y="4381863"/>
-            <a:ext cx="4495077" cy="1015663"/>
+            <a:ext cx="3300904" cy="738664"/>
           </a:xfrm>
           <a:prstGeom prst="rect">
             <a:avLst/>
@@ -9870,12 +10024,6 @@
             <a:r>
               <a:rPr lang="en-US" altLang="ko-KR" sz="2400" b="1" dirty="0"/>
               <a:t>Respond continuously</a:t>
-            </a:r>
-          </a:p>
-          <a:p>
-            <a:r>
-              <a:rPr lang="en-US" altLang="ko-KR" dirty="0"/>
-              <a:t>Avoid ANR(Application Not Responding)</a:t>
             </a:r>
           </a:p>
           <a:p>
@@ -9901,7 +10049,7 @@
                 <a14:useLocalDpi xmlns:a14="http://schemas.microsoft.com/office/drawing/2010/main" val="0"/>
               </a:ext>
               <a:ext uri="{96DAC541-7B7A-43D3-8B79-37D633B846F1}">
-                <asvg:svgBlip xmlns="" xmlns:asvg="http://schemas.microsoft.com/office/drawing/2016/SVG/main" r:embed="rId6"/>
+                <asvg:svgBlip xmlns:asvg="http://schemas.microsoft.com/office/drawing/2016/SVG/main" r:embed="rId6"/>
               </a:ext>
             </a:extLst>
           </a:blip>
@@ -9932,13 +10080,6 @@
   <p:transition>
     <p:fade/>
   </p:transition>
-  <p:timing>
-    <p:tnLst>
-      <p:par>
-        <p:cTn id="1" dur="indefinite" restart="never" nodeType="tmRoot"/>
-      </p:par>
-    </p:tnLst>
-  </p:timing>
 </p:sld>
 </file>
 
@@ -9999,8 +10140,8 @@
         </p:nvSpPr>
         <p:spPr bwMode="auto">
           <a:xfrm>
-            <a:off x="457200" y="1680976"/>
-            <a:ext cx="7212231" cy="1107996"/>
+            <a:off x="894525" y="1340165"/>
+            <a:ext cx="7212231" cy="1471557"/>
           </a:xfrm>
           <a:prstGeom prst="rect">
             <a:avLst/>
@@ -10050,7 +10191,7 @@
           <a:p>
             <a:pPr marL="0" marR="0" lvl="0" indent="0" algn="l" defTabSz="914400" rtl="0" eaLnBrk="0" fontAlgn="base" latinLnBrk="0" hangingPunct="0">
               <a:lnSpc>
-                <a:spcPct val="100000"/>
+                <a:spcPts val="4000"/>
               </a:lnSpc>
               <a:spcBef>
                 <a:spcPct val="0"/>
@@ -10065,7 +10206,7 @@
               <a:tabLst/>
             </a:pPr>
             <a:r>
-              <a:rPr kumimoji="0" lang="ko-KR" altLang="en-US" sz="2400" b="1" i="0" u="none" strike="noStrike" cap="none" normalizeH="0" baseline="0" dirty="0" smtClean="0">
+              <a:rPr kumimoji="0" lang="ko-KR" altLang="en-US" sz="2400" b="1" i="0" u="none" strike="noStrike" cap="none" normalizeH="0" baseline="0" dirty="0">
                 <a:ln>
                   <a:noFill/>
                 </a:ln>
@@ -10078,7 +10219,7 @@
               </a:rPr>
               <a:t>프로젝트 특성 상 모든 팀원이 내용에 대해 이해해야 함</a:t>
             </a:r>
-            <a:endParaRPr kumimoji="0" lang="en-US" altLang="ko-KR" sz="2400" b="1" i="0" u="none" strike="noStrike" cap="none" normalizeH="0" baseline="0" dirty="0" smtClean="0">
+            <a:endParaRPr kumimoji="0" lang="en-US" altLang="ko-KR" sz="2400" b="1" i="0" u="none" strike="noStrike" cap="none" normalizeH="0" baseline="0" dirty="0">
               <a:ln>
                 <a:noFill/>
               </a:ln>
@@ -10093,7 +10234,7 @@
           <a:p>
             <a:pPr marR="0" lvl="0" algn="l" defTabSz="914400" rtl="0" eaLnBrk="0" fontAlgn="base" latinLnBrk="0" hangingPunct="0">
               <a:lnSpc>
-                <a:spcPct val="100000"/>
+                <a:spcPts val="4000"/>
               </a:lnSpc>
               <a:spcBef>
                 <a:spcPct val="0"/>
@@ -10108,7 +10249,7 @@
               <a:tabLst/>
             </a:pPr>
             <a:r>
-              <a:rPr lang="ko-KR" altLang="en-US" sz="2400" dirty="0" smtClean="0">
+              <a:rPr lang="ko-KR" altLang="en-US" sz="2000" dirty="0">
                 <a:solidFill>
                   <a:srgbClr val="000000"/>
                 </a:solidFill>
@@ -10118,7 +10259,7 @@
               <a:t>전담 분야 학습</a:t>
             </a:r>
             <a:r>
-              <a:rPr lang="en-US" altLang="ko-KR" sz="2400" dirty="0" smtClean="0">
+              <a:rPr lang="en-US" altLang="ko-KR" sz="2000" dirty="0">
                 <a:solidFill>
                   <a:srgbClr val="000000"/>
                 </a:solidFill>
@@ -10128,7 +10269,7 @@
               <a:t>,</a:t>
             </a:r>
             <a:r>
-              <a:rPr lang="ko-KR" altLang="en-US" sz="2400" dirty="0" smtClean="0">
+              <a:rPr lang="ko-KR" altLang="en-US" sz="2000" dirty="0">
                 <a:solidFill>
                   <a:srgbClr val="000000"/>
                 </a:solidFill>
@@ -10137,7 +10278,7 @@
               </a:rPr>
               <a:t> 모두에게 공유</a:t>
             </a:r>
-            <a:endParaRPr lang="en-US" altLang="ko-KR" sz="2400" dirty="0" smtClean="0">
+            <a:endParaRPr lang="en-US" altLang="ko-KR" sz="2000" dirty="0">
               <a:solidFill>
                 <a:srgbClr val="000000"/>
               </a:solidFill>
@@ -10148,7 +10289,7 @@
           <a:p>
             <a:pPr marR="0" lvl="0" algn="l" defTabSz="914400" rtl="0" eaLnBrk="0" fontAlgn="base" latinLnBrk="0" hangingPunct="0">
               <a:lnSpc>
-                <a:spcPct val="100000"/>
+                <a:spcPts val="4000"/>
               </a:lnSpc>
               <a:spcBef>
                 <a:spcPct val="0"/>
@@ -10163,7 +10304,7 @@
               <a:tabLst/>
             </a:pPr>
             <a:r>
-              <a:rPr kumimoji="0" lang="ko-KR" altLang="en-US" sz="2400" b="0" i="0" u="none" strike="noStrike" cap="none" normalizeH="0" baseline="0" dirty="0" smtClean="0">
+              <a:rPr kumimoji="0" lang="ko-KR" altLang="en-US" sz="2000" b="0" i="0" u="none" strike="noStrike" cap="none" normalizeH="0" baseline="0" dirty="0">
                 <a:ln>
                   <a:noFill/>
                 </a:ln>
@@ -10176,7 +10317,7 @@
               </a:rPr>
               <a:t>하위 분야는 상황에 따라 분담</a:t>
             </a:r>
-            <a:endParaRPr kumimoji="0" lang="ko-KR" altLang="ko-KR" sz="5400" b="0" i="0" u="none" strike="noStrike" cap="none" normalizeH="0" baseline="0" dirty="0">
+            <a:endParaRPr kumimoji="0" lang="ko-KR" altLang="ko-KR" sz="4800" b="0" i="0" u="none" strike="noStrike" cap="none" normalizeH="0" baseline="0" dirty="0">
               <a:ln>
                 <a:noFill/>
               </a:ln>
@@ -10201,7 +10342,7 @@
         </p:nvSpPr>
         <p:spPr bwMode="auto">
           <a:xfrm>
-            <a:off x="457200" y="5472983"/>
+            <a:off x="888845" y="5507701"/>
             <a:ext cx="5599610" cy="369332"/>
           </a:xfrm>
           <a:prstGeom prst="rect">
@@ -10267,7 +10408,7 @@
               <a:tabLst/>
             </a:pPr>
             <a:r>
-              <a:rPr lang="ko-KR" altLang="en-US" sz="2400" b="1" dirty="0" smtClean="0">
+              <a:rPr lang="ko-KR" altLang="en-US" sz="2400" b="1" dirty="0">
                 <a:solidFill>
                   <a:srgbClr val="000000"/>
                 </a:solidFill>
@@ -10277,7 +10418,7 @@
               <a:t>각자의 분야를 중심으로 하나의 앱을 구현</a:t>
             </a:r>
             <a:r>
-              <a:rPr kumimoji="0" lang="ko-KR" altLang="en-US" sz="2400" b="0" i="0" u="none" strike="noStrike" cap="none" normalizeH="0" baseline="0" dirty="0" smtClean="0">
+              <a:rPr kumimoji="0" lang="ko-KR" altLang="en-US" sz="2400" b="0" i="0" u="none" strike="noStrike" cap="none" normalizeH="0" baseline="0" dirty="0">
                 <a:ln>
                   <a:noFill/>
                 </a:ln>
@@ -10326,7 +10467,7 @@
             <p:nvPr/>
           </p:nvPicPr>
           <p:blipFill>
-            <a:blip r:embed="rId3">
+            <a:blip r:embed="rId3" cstate="print">
               <a:extLst>
                 <a:ext uri="{28A0092B-C50C-407E-A947-70E740481C1C}">
                   <a14:useLocalDpi xmlns:a14="http://schemas.microsoft.com/office/drawing/2010/main" val="0"/>
@@ -10356,7 +10497,7 @@
             <p:nvPr/>
           </p:nvPicPr>
           <p:blipFill>
-            <a:blip r:embed="rId4">
+            <a:blip r:embed="rId4" cstate="print">
               <a:extLst>
                 <a:ext uri="{28A0092B-C50C-407E-A947-70E740481C1C}">
                   <a14:useLocalDpi xmlns:a14="http://schemas.microsoft.com/office/drawing/2010/main" val="0"/>
@@ -10401,11 +10542,11 @@
             <a:p>
               <a:pPr algn="ctr"/>
               <a:r>
-                <a:rPr lang="ko-KR" altLang="en-US" dirty="0" smtClean="0"/>
+                <a:rPr lang="ko-KR" altLang="en-US" dirty="0"/>
                 <a:t>강민지 </a:t>
               </a:r>
               <a:r>
-                <a:rPr lang="en-US" altLang="ko-KR" sz="1400" dirty="0" err="1" smtClean="0"/>
+                <a:rPr lang="en-US" altLang="ko-KR" sz="1400" dirty="0" err="1"/>
                 <a:t>TensorFlow</a:t>
               </a:r>
               <a:endParaRPr lang="ko-KR" altLang="en-US" sz="1400" dirty="0"/>
@@ -10436,11 +10577,11 @@
             <a:p>
               <a:pPr algn="ctr"/>
               <a:r>
-                <a:rPr lang="ko-KR" altLang="en-US" dirty="0" smtClean="0"/>
+                <a:rPr lang="ko-KR" altLang="en-US" dirty="0"/>
                 <a:t>원종훈 핌언 </a:t>
               </a:r>
               <a:r>
-                <a:rPr lang="en-US" altLang="ko-KR" sz="1400" dirty="0" smtClean="0"/>
+                <a:rPr lang="en-US" altLang="ko-KR" sz="1400" dirty="0"/>
                 <a:t>Android</a:t>
               </a:r>
               <a:endParaRPr lang="ko-KR" altLang="en-US" sz="1400" dirty="0"/>
@@ -10461,13 +10602,6 @@
   <p:transition>
     <p:fade/>
   </p:transition>
-  <p:timing>
-    <p:tnLst>
-      <p:par>
-        <p:cTn id="1" dur="indefinite" restart="never" nodeType="tmRoot"/>
-      </p:par>
-    </p:tnLst>
-  </p:timing>
 </p:sld>
 </file>
 
@@ -10525,13 +10659,13 @@
           <p:nvPr/>
         </p:nvPicPr>
         <p:blipFill rotWithShape="1">
-          <a:blip r:embed="rId3">
+          <a:blip r:embed="rId3" cstate="print">
             <a:duotone>
-              <a:prstClr val="black"/>
-              <a:srgbClr val="00B752">
-                <a:tint val="45000"/>
-                <a:satMod val="400000"/>
-              </a:srgbClr>
+              <a:schemeClr val="accent2">
+                <a:shade val="45000"/>
+                <a:satMod val="135000"/>
+              </a:schemeClr>
+              <a:prstClr val="white"/>
             </a:duotone>
             <a:extLst>
               <a:ext uri="{28A0092B-C50C-407E-A947-70E740481C1C}">
@@ -10561,7 +10695,7 @@
           <p:nvPr/>
         </p:nvPicPr>
         <p:blipFill rotWithShape="1">
-          <a:blip r:embed="rId4">
+          <a:blip r:embed="rId4" cstate="print">
             <a:clrChange>
               <a:clrFrom>
                 <a:srgbClr val="000000">
@@ -10576,11 +10710,11 @@
             </a:clrChange>
             <a:alphaModFix/>
             <a:duotone>
-              <a:prstClr val="black"/>
-              <a:srgbClr val="00B14F">
-                <a:tint val="45000"/>
-                <a:satMod val="400000"/>
-              </a:srgbClr>
+              <a:schemeClr val="accent2">
+                <a:shade val="45000"/>
+                <a:satMod val="135000"/>
+              </a:schemeClr>
+              <a:prstClr val="white"/>
             </a:duotone>
             <a:extLst>
               <a:ext uri="{28A0092B-C50C-407E-A947-70E740481C1C}">
@@ -10609,8 +10743,8 @@
         </p:nvSpPr>
         <p:spPr>
           <a:xfrm>
-            <a:off x="3425526" y="1984978"/>
-            <a:ext cx="3384260" cy="1292662"/>
+            <a:off x="3431663" y="1586078"/>
+            <a:ext cx="3384260" cy="1734706"/>
           </a:xfrm>
           <a:prstGeom prst="rect">
             <a:avLst/>
@@ -10623,27 +10757,35 @@
           </a:bodyPr>
           <a:lstStyle/>
           <a:p>
-            <a:r>
-              <a:rPr lang="ko-KR" altLang="en-US" sz="2400" b="1" dirty="0" smtClean="0"/>
+            <a:pPr>
+              <a:lnSpc>
+                <a:spcPts val="3300"/>
+              </a:lnSpc>
+            </a:pPr>
+            <a:r>
+              <a:rPr lang="ko-KR" altLang="en-US" sz="2400" b="1" dirty="0"/>
               <a:t>면담</a:t>
             </a:r>
-            <a:endParaRPr lang="en-US" altLang="ko-KR" sz="2400" b="1" dirty="0" smtClean="0"/>
+            <a:endParaRPr lang="en-US" altLang="ko-KR" sz="2400" b="1" dirty="0"/>
           </a:p>
           <a:p>
             <a:pPr marL="285750" indent="-285750">
+              <a:lnSpc>
+                <a:spcPts val="3300"/>
+              </a:lnSpc>
               <a:buFontTx/>
               <a:buChar char="-"/>
             </a:pPr>
             <a:r>
-              <a:rPr lang="en-US" altLang="ko-KR" dirty="0" smtClean="0"/>
+              <a:rPr lang="en-US" altLang="ko-KR" dirty="0"/>
               <a:t>AR</a:t>
             </a:r>
             <a:r>
-              <a:rPr lang="ko-KR" altLang="en-US" dirty="0" smtClean="0"/>
+              <a:rPr lang="ko-KR" altLang="en-US" dirty="0"/>
               <a:t> </a:t>
             </a:r>
             <a:r>
-              <a:rPr lang="en-US" altLang="ko-KR" dirty="0" smtClean="0"/>
+              <a:rPr lang="en-US" altLang="ko-KR" dirty="0"/>
               <a:t>Player </a:t>
             </a:r>
             <a:r>
@@ -10659,17 +10801,20 @@
               <a:t> </a:t>
             </a:r>
             <a:r>
-              <a:rPr lang="en-US" altLang="ko-KR" dirty="0" smtClean="0"/>
+              <a:rPr lang="en-US" altLang="ko-KR" dirty="0"/>
               <a:t>Source </a:t>
             </a:r>
             <a:r>
-              <a:rPr lang="ko-KR" altLang="en-US" dirty="0" smtClean="0"/>
+              <a:rPr lang="ko-KR" altLang="en-US" dirty="0"/>
               <a:t>선택</a:t>
             </a:r>
-            <a:endParaRPr lang="en-US" altLang="ko-KR" dirty="0" smtClean="0"/>
+            <a:endParaRPr lang="en-US" altLang="ko-KR" dirty="0"/>
           </a:p>
           <a:p>
             <a:pPr marL="285750" indent="-285750">
+              <a:lnSpc>
+                <a:spcPts val="3300"/>
+              </a:lnSpc>
               <a:buFontTx/>
               <a:buChar char="-"/>
             </a:pPr>
@@ -10678,29 +10823,32 @@
               <a:t>Study </a:t>
             </a:r>
             <a:r>
-              <a:rPr lang="ko-KR" altLang="en-US" dirty="0" smtClean="0"/>
+              <a:rPr lang="ko-KR" altLang="en-US" dirty="0"/>
               <a:t>분야 분담</a:t>
             </a:r>
-            <a:endParaRPr lang="en-US" altLang="ko-KR" dirty="0" smtClean="0"/>
+            <a:endParaRPr lang="en-US" altLang="ko-KR" dirty="0"/>
           </a:p>
           <a:p>
             <a:pPr marL="285750" indent="-285750">
+              <a:lnSpc>
+                <a:spcPts val="3300"/>
+              </a:lnSpc>
               <a:buFontTx/>
               <a:buChar char="-"/>
             </a:pPr>
             <a:r>
-              <a:rPr lang="ko-KR" altLang="en-US" dirty="0" smtClean="0"/>
+              <a:rPr lang="ko-KR" altLang="en-US" dirty="0"/>
               <a:t>메신저와 </a:t>
             </a:r>
             <a:r>
-              <a:rPr lang="en-US" altLang="ko-KR" dirty="0" smtClean="0"/>
+              <a:rPr lang="en-US" altLang="ko-KR" dirty="0"/>
               <a:t>GitHub</a:t>
             </a:r>
             <a:r>
-              <a:rPr lang="ko-KR" altLang="en-US" dirty="0" smtClean="0"/>
+              <a:rPr lang="ko-KR" altLang="en-US" dirty="0"/>
               <a:t>를 통한 소통</a:t>
             </a:r>
-            <a:endParaRPr lang="en-US" altLang="ko-KR" dirty="0" smtClean="0"/>
+            <a:endParaRPr lang="en-US" altLang="ko-KR" dirty="0"/>
           </a:p>
         </p:txBody>
       </p:sp>
@@ -10712,8 +10860,8 @@
         </p:nvSpPr>
         <p:spPr>
           <a:xfrm>
-            <a:off x="3425526" y="4214978"/>
-            <a:ext cx="3609321" cy="1292662"/>
+            <a:off x="3425526" y="3994046"/>
+            <a:ext cx="3609321" cy="1734706"/>
           </a:xfrm>
           <a:prstGeom prst="rect">
             <a:avLst/>
@@ -10726,25 +10874,36 @@
           </a:bodyPr>
           <a:lstStyle/>
           <a:p>
-            <a:r>
-              <a:rPr lang="ko-KR" altLang="en-US" sz="2400" b="1" dirty="0" smtClean="0"/>
+            <a:pPr>
+              <a:lnSpc>
+                <a:spcPts val="3300"/>
+              </a:lnSpc>
+            </a:pPr>
+            <a:r>
+              <a:rPr lang="ko-KR" altLang="en-US" sz="2400" b="1" dirty="0"/>
               <a:t>스터디</a:t>
             </a:r>
-            <a:endParaRPr lang="en-US" altLang="ko-KR" sz="2400" b="1" dirty="0" smtClean="0"/>
+            <a:endParaRPr lang="en-US" altLang="ko-KR" sz="2400" b="1" dirty="0"/>
           </a:p>
           <a:p>
             <a:pPr marL="285750" indent="-285750">
+              <a:lnSpc>
+                <a:spcPts val="3300"/>
+              </a:lnSpc>
               <a:buFontTx/>
               <a:buChar char="-"/>
             </a:pPr>
             <a:r>
-              <a:rPr lang="ko-KR" altLang="en-US" dirty="0" smtClean="0"/>
+              <a:rPr lang="ko-KR" altLang="en-US" dirty="0"/>
               <a:t>앞으로 배워야 할 내용 설정</a:t>
             </a:r>
-            <a:endParaRPr lang="en-US" altLang="ko-KR" dirty="0" smtClean="0"/>
+            <a:endParaRPr lang="en-US" altLang="ko-KR" dirty="0"/>
           </a:p>
           <a:p>
             <a:pPr marL="285750" indent="-285750">
+              <a:lnSpc>
+                <a:spcPts val="3300"/>
+              </a:lnSpc>
               <a:buFontTx/>
               <a:buChar char="-"/>
             </a:pPr>
@@ -10761,25 +10920,28 @@
               <a:t> </a:t>
             </a:r>
             <a:r>
-              <a:rPr lang="mr-IN" altLang="ko-KR" dirty="0" smtClean="0"/>
+              <a:rPr lang="mr-IN" altLang="ko-KR" dirty="0"/>
               <a:t>…</a:t>
             </a:r>
-            <a:endParaRPr lang="en-US" altLang="ko-KR" dirty="0" smtClean="0"/>
+            <a:endParaRPr lang="en-US" altLang="ko-KR" dirty="0"/>
           </a:p>
           <a:p>
             <a:pPr marL="285750" indent="-285750">
+              <a:lnSpc>
+                <a:spcPts val="3300"/>
+              </a:lnSpc>
               <a:buFontTx/>
               <a:buChar char="-"/>
             </a:pPr>
             <a:r>
-              <a:rPr lang="en-US" altLang="ko-KR" dirty="0" smtClean="0"/>
+              <a:rPr lang="en-US" altLang="ko-KR" dirty="0"/>
               <a:t>Android: Android Studio, </a:t>
             </a:r>
             <a:r>
-              <a:rPr lang="mr-IN" altLang="ko-KR" dirty="0" smtClean="0"/>
+              <a:rPr lang="mr-IN" altLang="ko-KR" dirty="0"/>
               <a:t>…</a:t>
             </a:r>
-            <a:endParaRPr lang="en-US" altLang="ko-KR" dirty="0" smtClean="0"/>
+            <a:endParaRPr lang="en-US" altLang="ko-KR" dirty="0"/>
           </a:p>
         </p:txBody>
       </p:sp>
@@ -10796,13 +10958,6 @@
   <p:transition>
     <p:fade/>
   </p:transition>
-  <p:timing>
-    <p:tnLst>
-      <p:par>
-        <p:cTn id="1" dur="indefinite" restart="never" nodeType="tmRoot"/>
-      </p:par>
-    </p:tnLst>
-  </p:timing>
 </p:sld>
 </file>
 
@@ -11128,19 +11283,19 @@
           <a:lstStyle/>
           <a:p>
             <a:r>
-              <a:rPr lang="en-US" altLang="ko-KR" sz="2400" dirty="0" err="1" smtClean="0"/>
+              <a:rPr lang="en-US" altLang="ko-KR" sz="2400" dirty="0" err="1"/>
               <a:t>TensorFlow</a:t>
             </a:r>
             <a:r>
-              <a:rPr lang="ko-KR" altLang="en-US" sz="2400" dirty="0" smtClean="0"/>
+              <a:rPr lang="ko-KR" altLang="en-US" sz="2400" dirty="0"/>
               <a:t> </a:t>
             </a:r>
             <a:r>
-              <a:rPr lang="en-US" altLang="ko-KR" dirty="0" smtClean="0"/>
+              <a:rPr lang="en-US" altLang="ko-KR" dirty="0"/>
               <a:t>CNN, Overshooting, Overfitting, </a:t>
             </a:r>
             <a:r>
-              <a:rPr lang="mr-IN" altLang="ko-KR" dirty="0" smtClean="0"/>
+              <a:rPr lang="mr-IN" altLang="ko-KR" dirty="0"/>
               <a:t>…</a:t>
             </a:r>
             <a:endParaRPr lang="ko-KR" altLang="en-US" dirty="0"/>
@@ -11170,23 +11325,23 @@
           <a:lstStyle/>
           <a:p>
             <a:r>
-              <a:rPr lang="en-US" altLang="ko-KR" sz="2400" dirty="0" smtClean="0"/>
+              <a:rPr lang="en-US" altLang="ko-KR" sz="2400" dirty="0"/>
               <a:t>Android</a:t>
             </a:r>
             <a:r>
-              <a:rPr lang="ko-KR" altLang="en-US" sz="2400" dirty="0" smtClean="0"/>
+              <a:rPr lang="ko-KR" altLang="en-US" sz="2400" dirty="0"/>
               <a:t> </a:t>
             </a:r>
             <a:r>
-              <a:rPr lang="en-US" altLang="ko-KR" dirty="0" err="1" smtClean="0"/>
+              <a:rPr lang="en-US" altLang="ko-KR" dirty="0" err="1"/>
               <a:t>RecyclerView</a:t>
             </a:r>
             <a:r>
-              <a:rPr lang="en-US" altLang="ko-KR" dirty="0" smtClean="0"/>
+              <a:rPr lang="en-US" altLang="ko-KR" dirty="0"/>
               <a:t>, Activity Life Cycle, </a:t>
             </a:r>
             <a:r>
-              <a:rPr lang="mr-IN" altLang="ko-KR" dirty="0" smtClean="0"/>
+              <a:rPr lang="mr-IN" altLang="ko-KR" dirty="0"/>
               <a:t>…</a:t>
             </a:r>
             <a:endParaRPr lang="ko-KR" altLang="en-US" dirty="0"/>
@@ -11216,23 +11371,23 @@
           <a:lstStyle/>
           <a:p>
             <a:r>
-              <a:rPr lang="en-US" altLang="ko-KR" sz="2400" dirty="0" smtClean="0"/>
+              <a:rPr lang="en-US" altLang="ko-KR" sz="2400" dirty="0"/>
               <a:t>Graphics</a:t>
             </a:r>
             <a:r>
-              <a:rPr lang="ko-KR" altLang="en-US" sz="2400" dirty="0" smtClean="0"/>
+              <a:rPr lang="ko-KR" altLang="en-US" sz="2400" dirty="0"/>
               <a:t> </a:t>
             </a:r>
             <a:r>
-              <a:rPr lang="en-US" altLang="ko-KR" dirty="0" err="1" smtClean="0"/>
+              <a:rPr lang="en-US" altLang="ko-KR" dirty="0" err="1"/>
               <a:t>openGL</a:t>
             </a:r>
             <a:r>
-              <a:rPr lang="en-US" altLang="ko-KR" dirty="0" smtClean="0"/>
+              <a:rPr lang="en-US" altLang="ko-KR" dirty="0"/>
               <a:t>, Glide, </a:t>
             </a:r>
             <a:r>
-              <a:rPr lang="mr-IN" altLang="ko-KR" dirty="0" smtClean="0"/>
+              <a:rPr lang="mr-IN" altLang="ko-KR" dirty="0"/>
               <a:t>…</a:t>
             </a:r>
             <a:endParaRPr lang="ko-KR" altLang="en-US" dirty="0"/>
@@ -11262,15 +11417,15 @@
           <a:lstStyle/>
           <a:p>
             <a:r>
-              <a:rPr lang="en-US" altLang="ko-KR" sz="2400" dirty="0" smtClean="0"/>
+              <a:rPr lang="en-US" altLang="ko-KR" sz="2400" dirty="0"/>
               <a:t>Application </a:t>
             </a:r>
             <a:r>
-              <a:rPr lang="en-US" altLang="ko-KR" dirty="0" smtClean="0"/>
+              <a:rPr lang="en-US" altLang="ko-KR" dirty="0"/>
               <a:t>SQLite, realm, </a:t>
             </a:r>
             <a:r>
-              <a:rPr lang="mr-IN" altLang="ko-KR" dirty="0" smtClean="0"/>
+              <a:rPr lang="mr-IN" altLang="ko-KR" dirty="0"/>
               <a:t>…</a:t>
             </a:r>
             <a:endParaRPr lang="ko-KR" altLang="en-US" dirty="0"/>
@@ -11290,13 +11445,6 @@
   <p:transition>
     <p:fade/>
   </p:transition>
-  <p:timing>
-    <p:tnLst>
-      <p:par>
-        <p:cTn id="1" dur="indefinite" restart="never" nodeType="tmRoot"/>
-      </p:par>
-    </p:tnLst>
-  </p:timing>
 </p:sld>
 </file>
 
@@ -11376,105 +11524,105 @@
                 <a:gridCol w="1662328">
                   <a:extLst>
                     <a:ext uri="{9D8B030D-6E8A-4147-A177-3AD203B41FA5}">
-                      <a16:colId xmlns="" xmlns:a16="http://schemas.microsoft.com/office/drawing/2014/main" val="20000"/>
+                      <a16:colId xmlns:a16="http://schemas.microsoft.com/office/drawing/2014/main" val="20000"/>
                     </a:ext>
                   </a:extLst>
                 </a:gridCol>
                 <a:gridCol w="498551">
                   <a:extLst>
                     <a:ext uri="{9D8B030D-6E8A-4147-A177-3AD203B41FA5}">
-                      <a16:colId xmlns="" xmlns:a16="http://schemas.microsoft.com/office/drawing/2014/main" val="20001"/>
+                      <a16:colId xmlns:a16="http://schemas.microsoft.com/office/drawing/2014/main" val="20001"/>
                     </a:ext>
                   </a:extLst>
                 </a:gridCol>
                 <a:gridCol w="498551">
                   <a:extLst>
                     <a:ext uri="{9D8B030D-6E8A-4147-A177-3AD203B41FA5}">
-                      <a16:colId xmlns="" xmlns:a16="http://schemas.microsoft.com/office/drawing/2014/main" val="20002"/>
+                      <a16:colId xmlns:a16="http://schemas.microsoft.com/office/drawing/2014/main" val="20002"/>
                     </a:ext>
                   </a:extLst>
                 </a:gridCol>
                 <a:gridCol w="498551">
                   <a:extLst>
                     <a:ext uri="{9D8B030D-6E8A-4147-A177-3AD203B41FA5}">
-                      <a16:colId xmlns="" xmlns:a16="http://schemas.microsoft.com/office/drawing/2014/main" val="20003"/>
+                      <a16:colId xmlns:a16="http://schemas.microsoft.com/office/drawing/2014/main" val="20003"/>
                     </a:ext>
                   </a:extLst>
                 </a:gridCol>
                 <a:gridCol w="498551">
                   <a:extLst>
                     <a:ext uri="{9D8B030D-6E8A-4147-A177-3AD203B41FA5}">
-                      <a16:colId xmlns="" xmlns:a16="http://schemas.microsoft.com/office/drawing/2014/main" val="20004"/>
+                      <a16:colId xmlns:a16="http://schemas.microsoft.com/office/drawing/2014/main" val="20004"/>
                     </a:ext>
                   </a:extLst>
                 </a:gridCol>
                 <a:gridCol w="498551">
                   <a:extLst>
                     <a:ext uri="{9D8B030D-6E8A-4147-A177-3AD203B41FA5}">
-                      <a16:colId xmlns="" xmlns:a16="http://schemas.microsoft.com/office/drawing/2014/main" val="20005"/>
+                      <a16:colId xmlns:a16="http://schemas.microsoft.com/office/drawing/2014/main" val="20005"/>
                     </a:ext>
                   </a:extLst>
                 </a:gridCol>
                 <a:gridCol w="498551">
                   <a:extLst>
                     <a:ext uri="{9D8B030D-6E8A-4147-A177-3AD203B41FA5}">
-                      <a16:colId xmlns="" xmlns:a16="http://schemas.microsoft.com/office/drawing/2014/main" val="20006"/>
+                      <a16:colId xmlns:a16="http://schemas.microsoft.com/office/drawing/2014/main" val="20006"/>
                     </a:ext>
                   </a:extLst>
                 </a:gridCol>
                 <a:gridCol w="498551">
                   <a:extLst>
                     <a:ext uri="{9D8B030D-6E8A-4147-A177-3AD203B41FA5}">
-                      <a16:colId xmlns="" xmlns:a16="http://schemas.microsoft.com/office/drawing/2014/main" val="20007"/>
+                      <a16:colId xmlns:a16="http://schemas.microsoft.com/office/drawing/2014/main" val="20007"/>
                     </a:ext>
                   </a:extLst>
                 </a:gridCol>
                 <a:gridCol w="498551">
                   <a:extLst>
                     <a:ext uri="{9D8B030D-6E8A-4147-A177-3AD203B41FA5}">
-                      <a16:colId xmlns="" xmlns:a16="http://schemas.microsoft.com/office/drawing/2014/main" val="20008"/>
+                      <a16:colId xmlns:a16="http://schemas.microsoft.com/office/drawing/2014/main" val="20008"/>
                     </a:ext>
                   </a:extLst>
                 </a:gridCol>
                 <a:gridCol w="498551">
                   <a:extLst>
                     <a:ext uri="{9D8B030D-6E8A-4147-A177-3AD203B41FA5}">
-                      <a16:colId xmlns="" xmlns:a16="http://schemas.microsoft.com/office/drawing/2014/main" val="20009"/>
+                      <a16:colId xmlns:a16="http://schemas.microsoft.com/office/drawing/2014/main" val="20009"/>
                     </a:ext>
                   </a:extLst>
                 </a:gridCol>
                 <a:gridCol w="498551">
                   <a:extLst>
                     <a:ext uri="{9D8B030D-6E8A-4147-A177-3AD203B41FA5}">
-                      <a16:colId xmlns="" xmlns:a16="http://schemas.microsoft.com/office/drawing/2014/main" val="20010"/>
+                      <a16:colId xmlns:a16="http://schemas.microsoft.com/office/drawing/2014/main" val="20010"/>
                     </a:ext>
                   </a:extLst>
                 </a:gridCol>
                 <a:gridCol w="498551">
                   <a:extLst>
                     <a:ext uri="{9D8B030D-6E8A-4147-A177-3AD203B41FA5}">
-                      <a16:colId xmlns="" xmlns:a16="http://schemas.microsoft.com/office/drawing/2014/main" val="20011"/>
+                      <a16:colId xmlns:a16="http://schemas.microsoft.com/office/drawing/2014/main" val="20011"/>
                     </a:ext>
                   </a:extLst>
                 </a:gridCol>
                 <a:gridCol w="498551">
                   <a:extLst>
                     <a:ext uri="{9D8B030D-6E8A-4147-A177-3AD203B41FA5}">
-                      <a16:colId xmlns="" xmlns:a16="http://schemas.microsoft.com/office/drawing/2014/main" val="20012"/>
+                      <a16:colId xmlns:a16="http://schemas.microsoft.com/office/drawing/2014/main" val="20012"/>
                     </a:ext>
                   </a:extLst>
                 </a:gridCol>
                 <a:gridCol w="498551">
                   <a:extLst>
                     <a:ext uri="{9D8B030D-6E8A-4147-A177-3AD203B41FA5}">
-                      <a16:colId xmlns="" xmlns:a16="http://schemas.microsoft.com/office/drawing/2014/main" val="20013"/>
+                      <a16:colId xmlns:a16="http://schemas.microsoft.com/office/drawing/2014/main" val="20013"/>
                     </a:ext>
                   </a:extLst>
                 </a:gridCol>
                 <a:gridCol w="498551">
                   <a:extLst>
                     <a:ext uri="{9D8B030D-6E8A-4147-A177-3AD203B41FA5}">
-                      <a16:colId xmlns="" xmlns:a16="http://schemas.microsoft.com/office/drawing/2014/main" val="3843917279"/>
+                      <a16:colId xmlns:a16="http://schemas.microsoft.com/office/drawing/2014/main" val="3843917279"/>
                     </a:ext>
                   </a:extLst>
                 </a:gridCol>
@@ -11856,7 +12004,7 @@
                 </a:tc>
                 <a:extLst>
                   <a:ext uri="{0D108BD9-81ED-4DB2-BD59-A6C34878D82A}">
-                    <a16:rowId xmlns="" xmlns:a16="http://schemas.microsoft.com/office/drawing/2014/main" val="10000"/>
+                    <a16:rowId xmlns:a16="http://schemas.microsoft.com/office/drawing/2014/main" val="10000"/>
                   </a:ext>
                 </a:extLst>
               </a:tr>
@@ -12638,7 +12786,7 @@
                 </a:tc>
                 <a:extLst>
                   <a:ext uri="{0D108BD9-81ED-4DB2-BD59-A6C34878D82A}">
-                    <a16:rowId xmlns="" xmlns:a16="http://schemas.microsoft.com/office/drawing/2014/main" val="10001"/>
+                    <a16:rowId xmlns:a16="http://schemas.microsoft.com/office/drawing/2014/main" val="10001"/>
                   </a:ext>
                 </a:extLst>
               </a:tr>
@@ -13239,7 +13387,7 @@
                 </a:tc>
                 <a:extLst>
                   <a:ext uri="{0D108BD9-81ED-4DB2-BD59-A6C34878D82A}">
-                    <a16:rowId xmlns="" xmlns:a16="http://schemas.microsoft.com/office/drawing/2014/main" val="10002"/>
+                    <a16:rowId xmlns:a16="http://schemas.microsoft.com/office/drawing/2014/main" val="10002"/>
                   </a:ext>
                 </a:extLst>
               </a:tr>
@@ -13920,7 +14068,7 @@
                 </a:tc>
                 <a:extLst>
                   <a:ext uri="{0D108BD9-81ED-4DB2-BD59-A6C34878D82A}">
-                    <a16:rowId xmlns="" xmlns:a16="http://schemas.microsoft.com/office/drawing/2014/main" val="10003"/>
+                    <a16:rowId xmlns:a16="http://schemas.microsoft.com/office/drawing/2014/main" val="10003"/>
                   </a:ext>
                 </a:extLst>
               </a:tr>
@@ -14591,7 +14739,7 @@
                 </a:tc>
                 <a:extLst>
                   <a:ext uri="{0D108BD9-81ED-4DB2-BD59-A6C34878D82A}">
-                    <a16:rowId xmlns="" xmlns:a16="http://schemas.microsoft.com/office/drawing/2014/main" val="10004"/>
+                    <a16:rowId xmlns:a16="http://schemas.microsoft.com/office/drawing/2014/main" val="10004"/>
                   </a:ext>
                 </a:extLst>
               </a:tr>
@@ -15272,7 +15420,7 @@
                 </a:tc>
                 <a:extLst>
                   <a:ext uri="{0D108BD9-81ED-4DB2-BD59-A6C34878D82A}">
-                    <a16:rowId xmlns="" xmlns:a16="http://schemas.microsoft.com/office/drawing/2014/main" val="10005"/>
+                    <a16:rowId xmlns:a16="http://schemas.microsoft.com/office/drawing/2014/main" val="10005"/>
                   </a:ext>
                 </a:extLst>
               </a:tr>
@@ -15945,7 +16093,7 @@
                 </a:tc>
                 <a:extLst>
                   <a:ext uri="{0D108BD9-81ED-4DB2-BD59-A6C34878D82A}">
-                    <a16:rowId xmlns="" xmlns:a16="http://schemas.microsoft.com/office/drawing/2014/main" val="10006"/>
+                    <a16:rowId xmlns:a16="http://schemas.microsoft.com/office/drawing/2014/main" val="10006"/>
                   </a:ext>
                 </a:extLst>
               </a:tr>
@@ -16552,7 +16700,7 @@
                 </a:tc>
                 <a:extLst>
                   <a:ext uri="{0D108BD9-81ED-4DB2-BD59-A6C34878D82A}">
-                    <a16:rowId xmlns="" xmlns:a16="http://schemas.microsoft.com/office/drawing/2014/main" val="10007"/>
+                    <a16:rowId xmlns:a16="http://schemas.microsoft.com/office/drawing/2014/main" val="10007"/>
                   </a:ext>
                 </a:extLst>
               </a:tr>
@@ -17163,7 +17311,7 @@
                 </a:tc>
                 <a:extLst>
                   <a:ext uri="{0D108BD9-81ED-4DB2-BD59-A6C34878D82A}">
-                    <a16:rowId xmlns="" xmlns:a16="http://schemas.microsoft.com/office/drawing/2014/main" val="10008"/>
+                    <a16:rowId xmlns:a16="http://schemas.microsoft.com/office/drawing/2014/main" val="10008"/>
                   </a:ext>
                 </a:extLst>
               </a:tr>
@@ -17776,7 +17924,7 @@
                 </a:tc>
                 <a:extLst>
                   <a:ext uri="{0D108BD9-81ED-4DB2-BD59-A6C34878D82A}">
-                    <a16:rowId xmlns="" xmlns:a16="http://schemas.microsoft.com/office/drawing/2014/main" val="10009"/>
+                    <a16:rowId xmlns:a16="http://schemas.microsoft.com/office/drawing/2014/main" val="10009"/>
                   </a:ext>
                 </a:extLst>
               </a:tr>
@@ -18374,7 +18522,7 @@
                 </a:tc>
                 <a:extLst>
                   <a:ext uri="{0D108BD9-81ED-4DB2-BD59-A6C34878D82A}">
-                    <a16:rowId xmlns="" xmlns:a16="http://schemas.microsoft.com/office/drawing/2014/main" val="10010"/>
+                    <a16:rowId xmlns:a16="http://schemas.microsoft.com/office/drawing/2014/main" val="10010"/>
                   </a:ext>
                 </a:extLst>
               </a:tr>
@@ -18987,7 +19135,7 @@
                 </a:tc>
                 <a:extLst>
                   <a:ext uri="{0D108BD9-81ED-4DB2-BD59-A6C34878D82A}">
-                    <a16:rowId xmlns="" xmlns:a16="http://schemas.microsoft.com/office/drawing/2014/main" val="10011"/>
+                    <a16:rowId xmlns:a16="http://schemas.microsoft.com/office/drawing/2014/main" val="10011"/>
                   </a:ext>
                 </a:extLst>
               </a:tr>
@@ -19297,18 +19445,12 @@
           <a:p>
             <a:r>
               <a:rPr lang="en-US" altLang="ko-KR" dirty="0">
-                <a:solidFill>
-                  <a:schemeClr val="tx1"/>
-                </a:solidFill>
                 <a:latin typeface="나눔고딕" panose="020D0604000000000000" pitchFamily="50" charset="-127"/>
                 <a:ea typeface="나눔고딕" panose="020D0604000000000000" pitchFamily="50" charset="-127"/>
               </a:rPr>
               <a:t>Contents </a:t>
             </a:r>
             <a:endParaRPr lang="ko-KR" altLang="en-US" dirty="0">
-              <a:solidFill>
-                <a:schemeClr val="tx1"/>
-              </a:solidFill>
               <a:latin typeface="나눔고딕" panose="020D0604000000000000" pitchFamily="50" charset="-127"/>
               <a:ea typeface="나눔고딕" panose="020D0604000000000000" pitchFamily="50" charset="-127"/>
             </a:endParaRPr>
@@ -19447,13 +19589,6 @@
   <p:transition>
     <p:fade/>
   </p:transition>
-  <p:timing>
-    <p:tnLst>
-      <p:par>
-        <p:cTn id="1" dur="indefinite" restart="never" nodeType="tmRoot"/>
-      </p:par>
-    </p:tnLst>
-  </p:timing>
 </p:sld>
 </file>
 
@@ -19508,6 +19643,221 @@
           </a:p>
         </p:txBody>
       </p:sp>
+      <p:sp>
+        <p:nvSpPr>
+          <p:cNvPr id="4" name="TextBox 3"/>
+          <p:cNvSpPr txBox="1"/>
+          <p:nvPr/>
+        </p:nvSpPr>
+        <p:spPr>
+          <a:xfrm>
+            <a:off x="923606" y="1470594"/>
+            <a:ext cx="7382706" cy="4431983"/>
+          </a:xfrm>
+          <a:prstGeom prst="rect">
+            <a:avLst/>
+          </a:prstGeom>
+          <a:noFill/>
+        </p:spPr>
+        <p:txBody>
+          <a:bodyPr wrap="square" rtlCol="0">
+            <a:spAutoFit/>
+          </a:bodyPr>
+          <a:lstStyle/>
+          <a:p>
+            <a:pPr>
+              <a:lnSpc>
+                <a:spcPct val="150000"/>
+              </a:lnSpc>
+            </a:pPr>
+            <a:r>
+              <a:rPr lang="en-US" altLang="ko-KR" sz="2400" b="1" dirty="0"/>
+              <a:t>What		</a:t>
+            </a:r>
+            <a:r>
+              <a:rPr lang="ko-KR" altLang="en-US" sz="2400" dirty="0"/>
+              <a:t>사물인식 기반의 웹툰 </a:t>
+            </a:r>
+            <a:r>
+              <a:rPr lang="en-US" altLang="ko-KR" sz="2400" dirty="0"/>
+              <a:t>AR </a:t>
+            </a:r>
+            <a:r>
+              <a:rPr lang="ko-KR" altLang="en-US" sz="2400" dirty="0"/>
+              <a:t>플레이어</a:t>
+            </a:r>
+            <a:endParaRPr lang="en-US" altLang="ko-KR" sz="2400" dirty="0"/>
+          </a:p>
+          <a:p>
+            <a:pPr>
+              <a:lnSpc>
+                <a:spcPct val="150000"/>
+              </a:lnSpc>
+            </a:pPr>
+            <a:endParaRPr lang="en-US" altLang="ko-KR" sz="500" b="1" dirty="0"/>
+          </a:p>
+          <a:p>
+            <a:pPr>
+              <a:lnSpc>
+                <a:spcPct val="150000"/>
+              </a:lnSpc>
+            </a:pPr>
+            <a:r>
+              <a:rPr lang="en-US" altLang="ko-KR" sz="2400" b="1" dirty="0"/>
+              <a:t>Where	</a:t>
+            </a:r>
+            <a:r>
+              <a:rPr lang="ko-KR" altLang="en-US" sz="2400" dirty="0"/>
+              <a:t>㈜ 네이버</a:t>
+            </a:r>
+            <a:endParaRPr lang="en-US" altLang="ko-KR" sz="2400" dirty="0"/>
+          </a:p>
+          <a:p>
+            <a:pPr>
+              <a:lnSpc>
+                <a:spcPct val="150000"/>
+              </a:lnSpc>
+            </a:pPr>
+            <a:endParaRPr lang="en-US" altLang="ko-KR" sz="500" b="1" dirty="0"/>
+          </a:p>
+          <a:p>
+            <a:pPr>
+              <a:lnSpc>
+                <a:spcPct val="150000"/>
+              </a:lnSpc>
+            </a:pPr>
+            <a:r>
+              <a:rPr lang="en-US" altLang="ko-KR" sz="2400" b="1" dirty="0"/>
+              <a:t>When		</a:t>
+            </a:r>
+            <a:r>
+              <a:rPr lang="en-US" altLang="ko-KR" sz="2400" dirty="0"/>
+              <a:t>3</a:t>
+            </a:r>
+            <a:r>
+              <a:rPr lang="ko-KR" altLang="en-US" sz="2400" dirty="0"/>
+              <a:t>개월 동안</a:t>
+            </a:r>
+            <a:endParaRPr lang="en-US" altLang="ko-KR" sz="800" dirty="0"/>
+          </a:p>
+          <a:p>
+            <a:pPr>
+              <a:lnSpc>
+                <a:spcPct val="150000"/>
+              </a:lnSpc>
+            </a:pPr>
+            <a:endParaRPr lang="en-US" altLang="ko-KR" sz="500" dirty="0"/>
+          </a:p>
+          <a:p>
+            <a:pPr>
+              <a:lnSpc>
+                <a:spcPct val="150000"/>
+              </a:lnSpc>
+            </a:pPr>
+            <a:r>
+              <a:rPr lang="en-US" altLang="ko-KR" sz="2400" b="1" dirty="0"/>
+              <a:t>Why		</a:t>
+            </a:r>
+            <a:r>
+              <a:rPr lang="en-US" altLang="ko-KR" sz="2400" dirty="0"/>
+              <a:t>- </a:t>
+            </a:r>
+            <a:r>
+              <a:rPr lang="ko-KR" altLang="en-US" sz="2400" dirty="0"/>
+              <a:t>사용자 경험 향상 </a:t>
+            </a:r>
+            <a:endParaRPr lang="en-US" altLang="ko-KR" sz="2400" dirty="0"/>
+          </a:p>
+          <a:p>
+            <a:pPr>
+              <a:lnSpc>
+                <a:spcPct val="150000"/>
+              </a:lnSpc>
+            </a:pPr>
+            <a:r>
+              <a:rPr lang="en-US" altLang="ko-KR" sz="2400" dirty="0"/>
+              <a:t>		- </a:t>
+            </a:r>
+            <a:r>
+              <a:rPr lang="ko-KR" altLang="en-US" sz="2400" dirty="0"/>
+              <a:t>다양한 스토리 표현</a:t>
+            </a:r>
+            <a:r>
+              <a:rPr lang="en-US" altLang="ko-KR" sz="2400" dirty="0"/>
+              <a:t> </a:t>
+            </a:r>
+          </a:p>
+          <a:p>
+            <a:pPr>
+              <a:lnSpc>
+                <a:spcPct val="150000"/>
+              </a:lnSpc>
+            </a:pPr>
+            <a:endParaRPr lang="en-US" altLang="ko-KR" sz="500" dirty="0"/>
+          </a:p>
+          <a:p>
+            <a:pPr>
+              <a:lnSpc>
+                <a:spcPct val="150000"/>
+              </a:lnSpc>
+            </a:pPr>
+            <a:r>
+              <a:rPr lang="en-US" altLang="ko-KR" sz="2400" b="1" dirty="0"/>
+              <a:t>How		- </a:t>
+            </a:r>
+            <a:r>
+              <a:rPr lang="ko-KR" altLang="en-US" sz="2400" dirty="0" err="1"/>
+              <a:t>머신러닝</a:t>
+            </a:r>
+            <a:endParaRPr lang="en-US" altLang="ko-KR" sz="2400" dirty="0"/>
+          </a:p>
+          <a:p>
+            <a:pPr>
+              <a:lnSpc>
+                <a:spcPct val="150000"/>
+              </a:lnSpc>
+            </a:pPr>
+            <a:r>
+              <a:rPr lang="en-US" altLang="ko-KR" sz="2400" dirty="0"/>
+              <a:t>		- </a:t>
+            </a:r>
+            <a:r>
+              <a:rPr lang="ko-KR" altLang="en-US" sz="2400" dirty="0"/>
+              <a:t>안드로이드 앱 개발</a:t>
+            </a:r>
+          </a:p>
+        </p:txBody>
+      </p:sp>
+      <p:pic>
+        <p:nvPicPr>
+          <p:cNvPr id="6" name="그림 5"/>
+          <p:cNvPicPr>
+            <a:picLocks noChangeAspect="1"/>
+          </p:cNvPicPr>
+          <p:nvPr/>
+        </p:nvPicPr>
+        <p:blipFill>
+          <a:blip r:embed="rId3" cstate="print">
+            <a:extLst>
+              <a:ext uri="{28A0092B-C50C-407E-A947-70E740481C1C}">
+                <a14:useLocalDpi xmlns:a14="http://schemas.microsoft.com/office/drawing/2010/main" val="0"/>
+              </a:ext>
+            </a:extLst>
+          </a:blip>
+          <a:stretch>
+            <a:fillRect/>
+          </a:stretch>
+        </p:blipFill>
+        <p:spPr>
+          <a:xfrm>
+            <a:off x="2852354" y="2321290"/>
+            <a:ext cx="1762605" cy="327292"/>
+          </a:xfrm>
+          <a:prstGeom prst="rect">
+            <a:avLst/>
+          </a:prstGeom>
+        </p:spPr>
+      </p:pic>
     </p:spTree>
     <p:extLst>
       <p:ext uri="{BB962C8B-B14F-4D97-AF65-F5344CB8AC3E}">
@@ -19521,13 +19871,6 @@
   <p:transition>
     <p:fade/>
   </p:transition>
-  <p:timing>
-    <p:tnLst>
-      <p:par>
-        <p:cTn id="1" dur="indefinite" restart="never" nodeType="tmRoot"/>
-      </p:par>
-    </p:tnLst>
-  </p:timing>
 </p:sld>
 </file>
 
@@ -19738,13 +20081,6 @@
   <p:transition>
     <p:fade/>
   </p:transition>
-  <p:timing>
-    <p:tnLst>
-      <p:par>
-        <p:cTn id="1" dur="indefinite" restart="never" nodeType="tmRoot"/>
-      </p:par>
-    </p:tnLst>
-  </p:timing>
 </p:sld>
 </file>
 
@@ -19935,10 +20271,9 @@
           <a:lstStyle/>
           <a:p>
             <a:r>
-              <a:rPr lang="ko-KR" altLang="en-US" sz="2400" b="1" dirty="0" smtClean="0"/>
+              <a:rPr lang="ko-KR" altLang="en-US" sz="2400" b="1" dirty="0"/>
               <a:t>보는 컨텐츠에서 경험하는 컨텐츠로 발전</a:t>
             </a:r>
-            <a:endParaRPr lang="ko-KR" altLang="en-US" sz="2400" b="1" dirty="0"/>
           </a:p>
         </p:txBody>
       </p:sp>
@@ -20047,13 +20382,6 @@
   <p:transition>
     <p:fade/>
   </p:transition>
-  <p:timing>
-    <p:tnLst>
-      <p:par>
-        <p:cTn id="1" dur="indefinite" restart="never" nodeType="tmRoot"/>
-      </p:par>
-    </p:tnLst>
-  </p:timing>
 </p:sld>
 </file>
 
@@ -20428,17 +20756,17 @@
           <a:lstStyle/>
           <a:p>
             <a:r>
-              <a:rPr lang="en-US" altLang="ko-KR" sz="2400" b="1" dirty="0" smtClean="0"/>
+              <a:rPr lang="en-US" altLang="ko-KR" sz="2400" b="1" dirty="0"/>
               <a:t>Object</a:t>
             </a:r>
             <a:r>
-              <a:rPr lang="ko-KR" altLang="en-US" sz="2400" b="1" dirty="0" smtClean="0"/>
+              <a:rPr lang="ko-KR" altLang="en-US" sz="2400" b="1" dirty="0"/>
               <a:t>가 단순히 한 고정된 지점에 위치</a:t>
             </a:r>
-            <a:endParaRPr lang="en-US" altLang="ko-KR" sz="2400" b="1" dirty="0" smtClean="0"/>
-          </a:p>
-          <a:p>
-            <a:endParaRPr lang="en-US" altLang="ko-KR" sz="700" b="1" dirty="0" smtClean="0"/>
+            <a:endParaRPr lang="en-US" altLang="ko-KR" sz="2400" b="1" dirty="0"/>
+          </a:p>
+          <a:p>
+            <a:endParaRPr lang="en-US" altLang="ko-KR" sz="700" b="1" dirty="0"/>
           </a:p>
           <a:p>
             <a:pPr marL="285750" indent="-285750">
@@ -20446,10 +20774,10 @@
               <a:buChar char="-"/>
             </a:pPr>
             <a:r>
-              <a:rPr lang="ko-KR" altLang="en-US" dirty="0" smtClean="0"/>
+              <a:rPr lang="ko-KR" altLang="en-US" dirty="0"/>
               <a:t>현실성이 떨어짐</a:t>
             </a:r>
-            <a:endParaRPr lang="en-US" altLang="ko-KR" dirty="0" smtClean="0"/>
+            <a:endParaRPr lang="en-US" altLang="ko-KR" dirty="0"/>
           </a:p>
           <a:p>
             <a:pPr marL="285750" indent="-285750">
@@ -20457,17 +20785,17 @@
               <a:buChar char="-"/>
             </a:pPr>
             <a:r>
-              <a:rPr lang="ko-KR" altLang="en-US" dirty="0" smtClean="0"/>
+              <a:rPr lang="ko-KR" altLang="en-US" dirty="0"/>
               <a:t>연출 제약</a:t>
             </a:r>
-            <a:endParaRPr lang="en-US" altLang="ko-KR" dirty="0" smtClean="0"/>
+            <a:endParaRPr lang="en-US" altLang="ko-KR" dirty="0"/>
           </a:p>
           <a:p>
             <a:pPr marL="285750" indent="-285750">
               <a:buFontTx/>
               <a:buChar char="-"/>
             </a:pPr>
-            <a:endParaRPr lang="en-US" altLang="ko-KR" dirty="0" smtClean="0"/>
+            <a:endParaRPr lang="en-US" altLang="ko-KR" dirty="0"/>
           </a:p>
         </p:txBody>
       </p:sp>
@@ -20484,13 +20812,6 @@
   <p:transition>
     <p:fade/>
   </p:transition>
-  <p:timing>
-    <p:tnLst>
-      <p:par>
-        <p:cTn id="1" dur="indefinite" restart="never" nodeType="tmRoot"/>
-      </p:par>
-    </p:tnLst>
-  </p:timing>
 </p:sld>
 </file>
 
@@ -20805,7 +21126,7 @@
         </p:blipFill>
         <p:spPr>
           <a:xfrm>
-            <a:off x="1277256" y="5068445"/>
+            <a:off x="1198507" y="4989874"/>
             <a:ext cx="1505295" cy="1266090"/>
           </a:xfrm>
           <a:prstGeom prst="rect">
@@ -20826,13 +21147,6 @@
   <p:transition>
     <p:fade/>
   </p:transition>
-  <p:timing>
-    <p:tnLst>
-      <p:par>
-        <p:cTn id="1" dur="indefinite" restart="never" nodeType="tmRoot"/>
-      </p:par>
-    </p:tnLst>
-  </p:timing>
 </p:sld>
 </file>
 
@@ -20955,7 +21269,7 @@
                 <a14:useLocalDpi xmlns:a14="http://schemas.microsoft.com/office/drawing/2010/main" val="0"/>
               </a:ext>
               <a:ext uri="{96DAC541-7B7A-43D3-8B79-37D633B846F1}">
-                <asvg:svgBlip xmlns="" xmlns:asvg="http://schemas.microsoft.com/office/drawing/2016/SVG/main" r:embed="rId4"/>
+                <asvg:svgBlip xmlns:asvg="http://schemas.microsoft.com/office/drawing/2016/SVG/main" r:embed="rId4"/>
               </a:ext>
             </a:extLst>
           </a:blip>
@@ -20981,8 +21295,8 @@
         </p:nvSpPr>
         <p:spPr>
           <a:xfrm>
-            <a:off x="889694" y="2261839"/>
-            <a:ext cx="1848583" cy="400110"/>
+            <a:off x="868639" y="2060970"/>
+            <a:ext cx="1681871" cy="369332"/>
           </a:xfrm>
           <a:prstGeom prst="rect">
             <a:avLst/>
@@ -20996,15 +21310,15 @@
           <a:lstStyle/>
           <a:p>
             <a:r>
-              <a:rPr lang="ko-KR" altLang="en-US" sz="2000" b="1" dirty="0"/>
+              <a:rPr lang="ko-KR" altLang="en-US" b="1"/>
               <a:t>인식 대상</a:t>
             </a:r>
             <a:r>
-              <a:rPr lang="en-US" altLang="ko-KR" sz="2000" b="1" dirty="0"/>
+              <a:rPr lang="en-US" altLang="ko-KR" b="1" dirty="0"/>
               <a:t>: </a:t>
             </a:r>
             <a:r>
-              <a:rPr lang="ko-KR" altLang="en-US" sz="2000" b="1" dirty="0"/>
+              <a:rPr lang="ko-KR" altLang="en-US" b="1" dirty="0"/>
               <a:t>사람</a:t>
             </a:r>
           </a:p>
@@ -21023,13 +21337,6 @@
   <p:transition>
     <p:fade/>
   </p:transition>
-  <p:timing>
-    <p:tnLst>
-      <p:par>
-        <p:cTn id="1" dur="indefinite" restart="never" nodeType="tmRoot"/>
-      </p:par>
-    </p:tnLst>
-  </p:timing>
 </p:sld>
 </file>
 
@@ -21291,13 +21598,6 @@
   <p:transition>
     <p:fade/>
   </p:transition>
-  <p:timing>
-    <p:tnLst>
-      <p:par>
-        <p:cTn id="1" dur="indefinite" restart="never" nodeType="tmRoot"/>
-      </p:par>
-    </p:tnLst>
-  </p:timing>
 </p:sld>
 </file>
 

--- a/artoon-spec.pptx
+++ b/artoon-spec.pptx
@@ -5,10 +5,10 @@
     <p:sldMasterId id="2147483689" r:id="rId1"/>
   </p:sldMasterIdLst>
   <p:notesMasterIdLst>
-    <p:notesMasterId r:id="rId21"/>
+    <p:notesMasterId r:id="rId20"/>
   </p:notesMasterIdLst>
   <p:handoutMasterIdLst>
-    <p:handoutMasterId r:id="rId22"/>
+    <p:handoutMasterId r:id="rId21"/>
   </p:handoutMasterIdLst>
   <p:sldIdLst>
     <p:sldId id="257" r:id="rId2"/>
@@ -21,15 +21,14 @@
     <p:sldId id="300" r:id="rId9"/>
     <p:sldId id="319" r:id="rId10"/>
     <p:sldId id="317" r:id="rId11"/>
-    <p:sldId id="301" r:id="rId12"/>
+    <p:sldId id="293" r:id="rId12"/>
     <p:sldId id="326" r:id="rId13"/>
-    <p:sldId id="293" r:id="rId14"/>
-    <p:sldId id="308" r:id="rId15"/>
-    <p:sldId id="325" r:id="rId16"/>
-    <p:sldId id="323" r:id="rId17"/>
-    <p:sldId id="324" r:id="rId18"/>
-    <p:sldId id="304" r:id="rId19"/>
-    <p:sldId id="278" r:id="rId20"/>
+    <p:sldId id="308" r:id="rId14"/>
+    <p:sldId id="325" r:id="rId15"/>
+    <p:sldId id="323" r:id="rId16"/>
+    <p:sldId id="324" r:id="rId17"/>
+    <p:sldId id="304" r:id="rId18"/>
+    <p:sldId id="278" r:id="rId19"/>
   </p:sldIdLst>
   <p:sldSz cx="9144000" cy="6858000" type="screen4x3"/>
   <p:notesSz cx="6805613" cy="9939338"/>
@@ -1057,14 +1056,6 @@
           <a:bodyPr/>
           <a:lstStyle/>
           <a:p>
-            <a:r>
-              <a:rPr lang="en-US" altLang="ko-KR" dirty="0" smtClean="0"/>
-              <a:t>TODO: Sub-Architecture</a:t>
-            </a:r>
-            <a:r>
-              <a:rPr lang="en-US" altLang="ko-KR" baseline="0" dirty="0" smtClean="0"/>
-              <a:t> goes here</a:t>
-            </a:r>
             <a:endParaRPr lang="ko-KR" altLang="en-US" dirty="0"/>
           </a:p>
         </p:txBody>
@@ -1096,7 +1087,7 @@
     </p:spTree>
     <p:extLst>
       <p:ext uri="{BB962C8B-B14F-4D97-AF65-F5344CB8AC3E}">
-        <p14:creationId xmlns:p14="http://schemas.microsoft.com/office/powerpoint/2010/main" val="2040369853"/>
+        <p14:creationId xmlns:p14="http://schemas.microsoft.com/office/powerpoint/2010/main" val="253395648"/>
       </p:ext>
     </p:extLst>
   </p:cSld>
@@ -1266,7 +1257,7 @@
     </p:spTree>
     <p:extLst>
       <p:ext uri="{BB962C8B-B14F-4D97-AF65-F5344CB8AC3E}">
-        <p14:creationId xmlns:p14="http://schemas.microsoft.com/office/powerpoint/2010/main" val="1158920028"/>
+        <p14:creationId xmlns:p14="http://schemas.microsoft.com/office/powerpoint/2010/main" val="493245506"/>
       </p:ext>
     </p:extLst>
   </p:cSld>
@@ -1320,6 +1311,18 @@
           <a:bodyPr/>
           <a:lstStyle/>
           <a:p>
+            <a:r>
+              <a:rPr lang="en-US" altLang="ko-KR" dirty="0" smtClean="0"/>
+              <a:t>Change</a:t>
+            </a:r>
+            <a:r>
+              <a:rPr lang="en-US" altLang="ko-KR" baseline="0" dirty="0" smtClean="0"/>
+              <a:t> </a:t>
+            </a:r>
+            <a:r>
+              <a:rPr lang="en-US" altLang="ko-KR" baseline="0" smtClean="0"/>
+              <a:t>the icon, and make the icon green</a:t>
+            </a:r>
             <a:endParaRPr lang="ko-KR" altLang="en-US" dirty="0"/>
           </a:p>
         </p:txBody>
@@ -1351,7 +1354,7 @@
     </p:spTree>
     <p:extLst>
       <p:ext uri="{BB962C8B-B14F-4D97-AF65-F5344CB8AC3E}">
-        <p14:creationId xmlns:p14="http://schemas.microsoft.com/office/powerpoint/2010/main" val="493245506"/>
+        <p14:creationId xmlns:p14="http://schemas.microsoft.com/office/powerpoint/2010/main" val="1873821801"/>
       </p:ext>
     </p:extLst>
   </p:cSld>
@@ -1405,18 +1408,6 @@
           <a:bodyPr/>
           <a:lstStyle/>
           <a:p>
-            <a:r>
-              <a:rPr lang="en-US" altLang="ko-KR" dirty="0" smtClean="0"/>
-              <a:t>Change</a:t>
-            </a:r>
-            <a:r>
-              <a:rPr lang="en-US" altLang="ko-KR" baseline="0" dirty="0" smtClean="0"/>
-              <a:t> </a:t>
-            </a:r>
-            <a:r>
-              <a:rPr lang="en-US" altLang="ko-KR" baseline="0" smtClean="0"/>
-              <a:t>the icon, and make the icon green</a:t>
-            </a:r>
             <a:endParaRPr lang="ko-KR" altLang="en-US" dirty="0"/>
           </a:p>
         </p:txBody>
@@ -1448,7 +1439,7 @@
     </p:spTree>
     <p:extLst>
       <p:ext uri="{BB962C8B-B14F-4D97-AF65-F5344CB8AC3E}">
-        <p14:creationId xmlns:p14="http://schemas.microsoft.com/office/powerpoint/2010/main" val="1873821801"/>
+        <p14:creationId xmlns:p14="http://schemas.microsoft.com/office/powerpoint/2010/main" val="167469824"/>
       </p:ext>
     </p:extLst>
   </p:cSld>
@@ -1502,6 +1493,14 @@
           <a:bodyPr/>
           <a:lstStyle/>
           <a:p>
+            <a:r>
+              <a:rPr lang="en-US" altLang="ko-KR" dirty="0" smtClean="0"/>
+              <a:t>TODO: Change</a:t>
+            </a:r>
+            <a:r>
+              <a:rPr lang="en-US" altLang="ko-KR" baseline="0" dirty="0" smtClean="0"/>
+              <a:t> to line graph</a:t>
+            </a:r>
             <a:endParaRPr lang="ko-KR" altLang="en-US" dirty="0"/>
           </a:p>
         </p:txBody>
@@ -1533,7 +1532,7 @@
     </p:spTree>
     <p:extLst>
       <p:ext uri="{BB962C8B-B14F-4D97-AF65-F5344CB8AC3E}">
-        <p14:creationId xmlns:p14="http://schemas.microsoft.com/office/powerpoint/2010/main" val="167469824"/>
+        <p14:creationId xmlns:p14="http://schemas.microsoft.com/office/powerpoint/2010/main" val="1158920028"/>
       </p:ext>
     </p:extLst>
   </p:cSld>
@@ -1584,17 +1583,11 @@
         </p:nvSpPr>
         <p:spPr/>
         <p:txBody>
-          <a:bodyPr/>
+          <a:bodyPr>
+            <a:normAutofit/>
+          </a:bodyPr>
           <a:lstStyle/>
           <a:p>
-            <a:r>
-              <a:rPr lang="en-US" altLang="ko-KR" dirty="0" smtClean="0"/>
-              <a:t>TODO: Change</a:t>
-            </a:r>
-            <a:r>
-              <a:rPr lang="en-US" altLang="ko-KR" baseline="0" dirty="0" smtClean="0"/>
-              <a:t> to line graph</a:t>
-            </a:r>
             <a:endParaRPr lang="ko-KR" altLang="en-US" dirty="0"/>
           </a:p>
         </p:txBody>
@@ -1618,93 +1611,6 @@
               <a:rPr lang="ko-KR" altLang="en-US" smtClean="0"/>
               <a:pPr/>
               <a:t>18</a:t>
-            </a:fld>
-            <a:endParaRPr lang="ko-KR" altLang="en-US"/>
-          </a:p>
-        </p:txBody>
-      </p:sp>
-    </p:spTree>
-    <p:extLst>
-      <p:ext uri="{BB962C8B-B14F-4D97-AF65-F5344CB8AC3E}">
-        <p14:creationId xmlns:p14="http://schemas.microsoft.com/office/powerpoint/2010/main" val="1158920028"/>
-      </p:ext>
-    </p:extLst>
-  </p:cSld>
-  <p:clrMapOvr>
-    <a:masterClrMapping/>
-  </p:clrMapOvr>
-</p:notes>
-</file>
-
-<file path=ppt/notesSlides/notesSlide19.xml><?xml version="1.0" encoding="utf-8"?>
-<p:notes xmlns:a="http://schemas.openxmlformats.org/drawingml/2006/main" xmlns:r="http://schemas.openxmlformats.org/officeDocument/2006/relationships" xmlns:p="http://schemas.openxmlformats.org/presentationml/2006/main">
-  <p:cSld>
-    <p:spTree>
-      <p:nvGrpSpPr>
-        <p:cNvPr id="1" name=""/>
-        <p:cNvGrpSpPr/>
-        <p:nvPr/>
-      </p:nvGrpSpPr>
-      <p:grpSpPr>
-        <a:xfrm>
-          <a:off x="0" y="0"/>
-          <a:ext cx="0" cy="0"/>
-          <a:chOff x="0" y="0"/>
-          <a:chExt cx="0" cy="0"/>
-        </a:xfrm>
-      </p:grpSpPr>
-      <p:sp>
-        <p:nvSpPr>
-          <p:cNvPr id="2" name="슬라이드 이미지 개체 틀 1"/>
-          <p:cNvSpPr>
-            <a:spLocks noGrp="1" noRot="1" noChangeAspect="1"/>
-          </p:cNvSpPr>
-          <p:nvPr>
-            <p:ph type="sldImg"/>
-          </p:nvPr>
-        </p:nvSpPr>
-        <p:spPr/>
-      </p:sp>
-      <p:sp>
-        <p:nvSpPr>
-          <p:cNvPr id="3" name="슬라이드 노트 개체 틀 2"/>
-          <p:cNvSpPr>
-            <a:spLocks noGrp="1"/>
-          </p:cNvSpPr>
-          <p:nvPr>
-            <p:ph type="body" idx="1"/>
-          </p:nvPr>
-        </p:nvSpPr>
-        <p:spPr/>
-        <p:txBody>
-          <a:bodyPr>
-            <a:normAutofit/>
-          </a:bodyPr>
-          <a:lstStyle/>
-          <a:p>
-            <a:endParaRPr lang="ko-KR" altLang="en-US" dirty="0"/>
-          </a:p>
-        </p:txBody>
-      </p:sp>
-      <p:sp>
-        <p:nvSpPr>
-          <p:cNvPr id="4" name="슬라이드 번호 개체 틀 3"/>
-          <p:cNvSpPr>
-            <a:spLocks noGrp="1"/>
-          </p:cNvSpPr>
-          <p:nvPr>
-            <p:ph type="sldNum" sz="quarter" idx="10"/>
-          </p:nvPr>
-        </p:nvSpPr>
-        <p:spPr/>
-        <p:txBody>
-          <a:bodyPr/>
-          <a:lstStyle/>
-          <a:p>
-            <a:fld id="{A0A51D67-0C14-4576-BCC5-A508196B7BB5}" type="slidenum">
-              <a:rPr lang="ko-KR" altLang="en-US" smtClean="0"/>
-              <a:pPr/>
-              <a:t>19</a:t>
             </a:fld>
             <a:endParaRPr lang="ko-KR" altLang="en-US"/>
           </a:p>
@@ -8421,530 +8327,6 @@
           <a:chExt cx="0" cy="0"/>
         </a:xfrm>
       </p:grpSpPr>
-      <p:sp>
-        <p:nvSpPr>
-          <p:cNvPr id="12" name="직사각형 11"/>
-          <p:cNvSpPr/>
-          <p:nvPr/>
-        </p:nvSpPr>
-        <p:spPr>
-          <a:xfrm>
-            <a:off x="4641110" y="1774318"/>
-            <a:ext cx="2588455" cy="3305907"/>
-          </a:xfrm>
-          <a:prstGeom prst="rect">
-            <a:avLst/>
-          </a:prstGeom>
-          <a:solidFill>
-            <a:schemeClr val="bg1"/>
-          </a:solidFill>
-        </p:spPr>
-        <p:style>
-          <a:lnRef idx="2">
-            <a:schemeClr val="accent1">
-              <a:shade val="50000"/>
-            </a:schemeClr>
-          </a:lnRef>
-          <a:fillRef idx="1">
-            <a:schemeClr val="accent1"/>
-          </a:fillRef>
-          <a:effectRef idx="0">
-            <a:schemeClr val="accent1"/>
-          </a:effectRef>
-          <a:fontRef idx="minor">
-            <a:schemeClr val="lt1"/>
-          </a:fontRef>
-        </p:style>
-        <p:txBody>
-          <a:bodyPr rtlCol="0" anchor="ctr"/>
-          <a:lstStyle/>
-          <a:p>
-            <a:pPr algn="ctr"/>
-            <a:endParaRPr lang="ko-KR" altLang="en-US"/>
-          </a:p>
-        </p:txBody>
-      </p:sp>
-      <p:sp>
-        <p:nvSpPr>
-          <p:cNvPr id="4" name="제목 3"/>
-          <p:cNvSpPr>
-            <a:spLocks noGrp="1"/>
-          </p:cNvSpPr>
-          <p:nvPr>
-            <p:ph type="title"/>
-          </p:nvPr>
-        </p:nvSpPr>
-        <p:spPr>
-          <a:xfrm>
-            <a:off x="457200" y="320772"/>
-            <a:ext cx="8229600" cy="648404"/>
-          </a:xfrm>
-        </p:spPr>
-        <p:txBody>
-          <a:bodyPr/>
-          <a:lstStyle/>
-          <a:p>
-            <a:r>
-              <a:rPr lang="en-US" altLang="ko-KR" dirty="0">
-                <a:latin typeface="+mj-lt"/>
-              </a:rPr>
-              <a:t>Architecture</a:t>
-            </a:r>
-            <a:endParaRPr lang="ko-KR" altLang="en-US" dirty="0">
-              <a:latin typeface="+mj-lt"/>
-            </a:endParaRPr>
-          </a:p>
-        </p:txBody>
-      </p:sp>
-      <p:sp>
-        <p:nvSpPr>
-          <p:cNvPr id="10" name="직사각형 9"/>
-          <p:cNvSpPr/>
-          <p:nvPr/>
-        </p:nvSpPr>
-        <p:spPr>
-          <a:xfrm>
-            <a:off x="4845534" y="1997057"/>
-            <a:ext cx="2179607" cy="1050388"/>
-          </a:xfrm>
-          <a:prstGeom prst="rect">
-            <a:avLst/>
-          </a:prstGeom>
-          <a:solidFill>
-            <a:srgbClr val="479D8A"/>
-          </a:solidFill>
-          <a:ln>
-            <a:noFill/>
-          </a:ln>
-        </p:spPr>
-        <p:style>
-          <a:lnRef idx="2">
-            <a:schemeClr val="accent1">
-              <a:shade val="50000"/>
-            </a:schemeClr>
-          </a:lnRef>
-          <a:fillRef idx="1">
-            <a:schemeClr val="accent1"/>
-          </a:fillRef>
-          <a:effectRef idx="0">
-            <a:schemeClr val="accent1"/>
-          </a:effectRef>
-          <a:fontRef idx="minor">
-            <a:schemeClr val="lt1"/>
-          </a:fontRef>
-        </p:style>
-        <p:txBody>
-          <a:bodyPr rtlCol="0" anchor="ctr"/>
-          <a:lstStyle/>
-          <a:p>
-            <a:pPr algn="ctr"/>
-            <a:r>
-              <a:rPr lang="en-US" altLang="ko-KR" dirty="0"/>
-              <a:t>Machine</a:t>
-            </a:r>
-          </a:p>
-          <a:p>
-            <a:pPr algn="ctr"/>
-            <a:r>
-              <a:rPr lang="en-US" altLang="ko-KR" dirty="0"/>
-              <a:t>Learning</a:t>
-            </a:r>
-            <a:endParaRPr lang="ko-KR" altLang="en-US" dirty="0"/>
-          </a:p>
-        </p:txBody>
-      </p:sp>
-      <p:sp>
-        <p:nvSpPr>
-          <p:cNvPr id="11" name="직사각형 10"/>
-          <p:cNvSpPr/>
-          <p:nvPr/>
-        </p:nvSpPr>
-        <p:spPr>
-          <a:xfrm>
-            <a:off x="4845534" y="3882226"/>
-            <a:ext cx="2179607" cy="984551"/>
-          </a:xfrm>
-          <a:prstGeom prst="rect">
-            <a:avLst/>
-          </a:prstGeom>
-          <a:solidFill>
-            <a:srgbClr val="00B050"/>
-          </a:solidFill>
-          <a:ln>
-            <a:noFill/>
-          </a:ln>
-        </p:spPr>
-        <p:style>
-          <a:lnRef idx="2">
-            <a:schemeClr val="accent1">
-              <a:shade val="50000"/>
-            </a:schemeClr>
-          </a:lnRef>
-          <a:fillRef idx="1">
-            <a:schemeClr val="accent1"/>
-          </a:fillRef>
-          <a:effectRef idx="0">
-            <a:schemeClr val="accent1"/>
-          </a:effectRef>
-          <a:fontRef idx="minor">
-            <a:schemeClr val="lt1"/>
-          </a:fontRef>
-        </p:style>
-        <p:txBody>
-          <a:bodyPr rtlCol="0" anchor="ctr"/>
-          <a:lstStyle/>
-          <a:p>
-            <a:pPr algn="ctr"/>
-            <a:r>
-              <a:rPr lang="en-US" altLang="ko-KR" dirty="0"/>
-              <a:t>Graphics</a:t>
-            </a:r>
-            <a:endParaRPr lang="ko-KR" altLang="en-US" dirty="0"/>
-          </a:p>
-        </p:txBody>
-      </p:sp>
-      <p:cxnSp>
-        <p:nvCxnSpPr>
-          <p:cNvPr id="14" name="직선 화살표 연결선 13"/>
-          <p:cNvCxnSpPr>
-            <a:cxnSpLocks/>
-            <a:endCxn id="10" idx="1"/>
-          </p:cNvCxnSpPr>
-          <p:nvPr/>
-        </p:nvCxnSpPr>
-        <p:spPr>
-          <a:xfrm>
-            <a:off x="2601295" y="2522251"/>
-            <a:ext cx="2244239" cy="0"/>
-          </a:xfrm>
-          <a:prstGeom prst="straightConnector1">
-            <a:avLst/>
-          </a:prstGeom>
-          <a:ln w="47625">
-            <a:solidFill>
-              <a:srgbClr val="1D314E"/>
-            </a:solidFill>
-            <a:tailEnd type="triangle"/>
-          </a:ln>
-        </p:spPr>
-        <p:style>
-          <a:lnRef idx="1">
-            <a:schemeClr val="accent1"/>
-          </a:lnRef>
-          <a:fillRef idx="0">
-            <a:schemeClr val="accent1"/>
-          </a:fillRef>
-          <a:effectRef idx="0">
-            <a:schemeClr val="accent1"/>
-          </a:effectRef>
-          <a:fontRef idx="minor">
-            <a:schemeClr val="tx1"/>
-          </a:fontRef>
-        </p:style>
-      </p:cxnSp>
-      <p:sp>
-        <p:nvSpPr>
-          <p:cNvPr id="17" name="TextBox 16"/>
-          <p:cNvSpPr txBox="1"/>
-          <p:nvPr/>
-        </p:nvSpPr>
-        <p:spPr>
-          <a:xfrm>
-            <a:off x="1482471" y="2916990"/>
-            <a:ext cx="1008609" cy="369332"/>
-          </a:xfrm>
-          <a:prstGeom prst="rect">
-            <a:avLst/>
-          </a:prstGeom>
-          <a:noFill/>
-        </p:spPr>
-        <p:txBody>
-          <a:bodyPr wrap="none" rtlCol="0">
-            <a:spAutoFit/>
-          </a:bodyPr>
-          <a:lstStyle/>
-          <a:p>
-            <a:r>
-              <a:rPr lang="en-US" altLang="ko-KR" dirty="0"/>
-              <a:t>Camera</a:t>
-            </a:r>
-            <a:endParaRPr lang="ko-KR" altLang="en-US" dirty="0"/>
-          </a:p>
-        </p:txBody>
-      </p:sp>
-      <p:sp>
-        <p:nvSpPr>
-          <p:cNvPr id="18" name="TextBox 17"/>
-          <p:cNvSpPr txBox="1"/>
-          <p:nvPr/>
-        </p:nvSpPr>
-        <p:spPr>
-          <a:xfrm>
-            <a:off x="2380845" y="4985275"/>
-            <a:ext cx="934871" cy="369332"/>
-          </a:xfrm>
-          <a:prstGeom prst="rect">
-            <a:avLst/>
-          </a:prstGeom>
-          <a:noFill/>
-        </p:spPr>
-        <p:txBody>
-          <a:bodyPr wrap="none" rtlCol="0">
-            <a:spAutoFit/>
-          </a:bodyPr>
-          <a:lstStyle/>
-          <a:p>
-            <a:r>
-              <a:rPr lang="en-US" altLang="ko-KR" dirty="0"/>
-              <a:t>Display</a:t>
-            </a:r>
-            <a:endParaRPr lang="ko-KR" altLang="en-US" dirty="0"/>
-          </a:p>
-        </p:txBody>
-      </p:sp>
-      <p:cxnSp>
-        <p:nvCxnSpPr>
-          <p:cNvPr id="19" name="직선 화살표 연결선 18"/>
-          <p:cNvCxnSpPr>
-            <a:cxnSpLocks/>
-            <a:stCxn id="11" idx="1"/>
-          </p:cNvCxnSpPr>
-          <p:nvPr/>
-        </p:nvCxnSpPr>
-        <p:spPr>
-          <a:xfrm flipH="1">
-            <a:off x="3291054" y="4374502"/>
-            <a:ext cx="1554480" cy="0"/>
-          </a:xfrm>
-          <a:prstGeom prst="straightConnector1">
-            <a:avLst/>
-          </a:prstGeom>
-          <a:ln w="47625">
-            <a:solidFill>
-              <a:srgbClr val="1D314E"/>
-            </a:solidFill>
-            <a:tailEnd type="triangle"/>
-          </a:ln>
-        </p:spPr>
-        <p:style>
-          <a:lnRef idx="1">
-            <a:schemeClr val="accent1"/>
-          </a:lnRef>
-          <a:fillRef idx="0">
-            <a:schemeClr val="accent1"/>
-          </a:fillRef>
-          <a:effectRef idx="0">
-            <a:schemeClr val="accent1"/>
-          </a:effectRef>
-          <a:fontRef idx="minor">
-            <a:schemeClr val="tx1"/>
-          </a:fontRef>
-        </p:style>
-      </p:cxnSp>
-      <p:cxnSp>
-        <p:nvCxnSpPr>
-          <p:cNvPr id="21" name="직선 화살표 연결선 20"/>
-          <p:cNvCxnSpPr>
-            <a:cxnSpLocks/>
-            <a:stCxn id="10" idx="2"/>
-            <a:endCxn id="11" idx="0"/>
-          </p:cNvCxnSpPr>
-          <p:nvPr/>
-        </p:nvCxnSpPr>
-        <p:spPr>
-          <a:xfrm>
-            <a:off x="5935338" y="3047445"/>
-            <a:ext cx="0" cy="834781"/>
-          </a:xfrm>
-          <a:prstGeom prst="straightConnector1">
-            <a:avLst/>
-          </a:prstGeom>
-          <a:ln w="47625">
-            <a:solidFill>
-              <a:srgbClr val="1D314E"/>
-            </a:solidFill>
-            <a:tailEnd type="triangle"/>
-          </a:ln>
-        </p:spPr>
-        <p:style>
-          <a:lnRef idx="1">
-            <a:schemeClr val="accent1"/>
-          </a:lnRef>
-          <a:fillRef idx="0">
-            <a:schemeClr val="accent1"/>
-          </a:fillRef>
-          <a:effectRef idx="0">
-            <a:schemeClr val="accent1"/>
-          </a:effectRef>
-          <a:fontRef idx="minor">
-            <a:schemeClr val="tx1"/>
-          </a:fontRef>
-        </p:style>
-      </p:cxnSp>
-      <p:pic>
-        <p:nvPicPr>
-          <p:cNvPr id="25" name="그래픽 24" descr="카메라"/>
-          <p:cNvPicPr>
-            <a:picLocks noChangeAspect="1"/>
-          </p:cNvPicPr>
-          <p:nvPr/>
-        </p:nvPicPr>
-        <p:blipFill>
-          <a:blip r:embed="rId3">
-            <a:extLst>
-              <a:ext uri="{28A0092B-C50C-407E-A947-70E740481C1C}">
-                <a14:useLocalDpi xmlns:a14="http://schemas.microsoft.com/office/drawing/2010/main" val="0"/>
-              </a:ext>
-              <a:ext uri="{96DAC541-7B7A-43D3-8B79-37D633B846F1}">
-                <asvg:svgBlip xmlns="" xmlns:asvg="http://schemas.microsoft.com/office/drawing/2016/SVG/main" r:embed="rId4"/>
-              </a:ext>
-            </a:extLst>
-          </a:blip>
-          <a:stretch>
-            <a:fillRect/>
-          </a:stretch>
-        </p:blipFill>
-        <p:spPr>
-          <a:xfrm>
-            <a:off x="1482471" y="2002590"/>
-            <a:ext cx="914400" cy="914400"/>
-          </a:xfrm>
-          <a:prstGeom prst="rect">
-            <a:avLst/>
-          </a:prstGeom>
-        </p:spPr>
-      </p:pic>
-      <p:pic>
-        <p:nvPicPr>
-          <p:cNvPr id="27" name="그래픽 26" descr="스마트폰"/>
-          <p:cNvPicPr>
-            <a:picLocks noChangeAspect="1"/>
-          </p:cNvPicPr>
-          <p:nvPr/>
-        </p:nvPicPr>
-        <p:blipFill>
-          <a:blip r:embed="rId5">
-            <a:extLst>
-              <a:ext uri="{28A0092B-C50C-407E-A947-70E740481C1C}">
-                <a14:useLocalDpi xmlns:a14="http://schemas.microsoft.com/office/drawing/2010/main" val="0"/>
-              </a:ext>
-              <a:ext uri="{96DAC541-7B7A-43D3-8B79-37D633B846F1}">
-                <asvg:svgBlip xmlns="" xmlns:asvg="http://schemas.microsoft.com/office/drawing/2016/SVG/main" r:embed="rId6"/>
-              </a:ext>
-            </a:extLst>
-          </a:blip>
-          <a:stretch>
-            <a:fillRect/>
-          </a:stretch>
-        </p:blipFill>
-        <p:spPr>
-          <a:xfrm>
-            <a:off x="2376654" y="3975750"/>
-            <a:ext cx="914400" cy="914400"/>
-          </a:xfrm>
-          <a:prstGeom prst="rect">
-            <a:avLst/>
-          </a:prstGeom>
-        </p:spPr>
-      </p:pic>
-    </p:spTree>
-    <p:extLst>
-      <p:ext uri="{BB962C8B-B14F-4D97-AF65-F5344CB8AC3E}">
-        <p14:creationId xmlns:p14="http://schemas.microsoft.com/office/powerpoint/2010/main" val="2368915922"/>
-      </p:ext>
-    </p:extLst>
-  </p:cSld>
-  <p:clrMapOvr>
-    <a:masterClrMapping/>
-  </p:clrMapOvr>
-  <p:transition>
-    <p:fade/>
-  </p:transition>
-</p:sld>
-</file>
-
-<file path=ppt/slides/slide12.xml><?xml version="1.0" encoding="utf-8"?>
-<p:sld xmlns:a="http://schemas.openxmlformats.org/drawingml/2006/main" xmlns:r="http://schemas.openxmlformats.org/officeDocument/2006/relationships" xmlns:p="http://schemas.openxmlformats.org/presentationml/2006/main">
-  <p:cSld>
-    <p:spTree>
-      <p:nvGrpSpPr>
-        <p:cNvPr id="1" name=""/>
-        <p:cNvGrpSpPr/>
-        <p:nvPr/>
-      </p:nvGrpSpPr>
-      <p:grpSpPr>
-        <a:xfrm>
-          <a:off x="0" y="0"/>
-          <a:ext cx="0" cy="0"/>
-          <a:chOff x="0" y="0"/>
-          <a:chExt cx="0" cy="0"/>
-        </a:xfrm>
-      </p:grpSpPr>
-      <p:sp>
-        <p:nvSpPr>
-          <p:cNvPr id="4" name="제목 3"/>
-          <p:cNvSpPr>
-            <a:spLocks noGrp="1"/>
-          </p:cNvSpPr>
-          <p:nvPr>
-            <p:ph type="title"/>
-          </p:nvPr>
-        </p:nvSpPr>
-        <p:spPr>
-          <a:xfrm>
-            <a:off x="457200" y="320772"/>
-            <a:ext cx="8229600" cy="648404"/>
-          </a:xfrm>
-        </p:spPr>
-        <p:txBody>
-          <a:bodyPr/>
-          <a:lstStyle/>
-          <a:p>
-            <a:r>
-              <a:rPr lang="en-US" altLang="ko-KR" dirty="0" smtClean="0">
-                <a:latin typeface="+mj-lt"/>
-              </a:rPr>
-              <a:t>Architecture</a:t>
-            </a:r>
-            <a:endParaRPr lang="ko-KR" altLang="en-US" dirty="0">
-              <a:latin typeface="+mj-lt"/>
-            </a:endParaRPr>
-          </a:p>
-        </p:txBody>
-      </p:sp>
-    </p:spTree>
-    <p:extLst>
-      <p:ext uri="{BB962C8B-B14F-4D97-AF65-F5344CB8AC3E}">
-        <p14:creationId xmlns:p14="http://schemas.microsoft.com/office/powerpoint/2010/main" val="1592558402"/>
-      </p:ext>
-    </p:extLst>
-  </p:cSld>
-  <p:clrMapOvr>
-    <a:masterClrMapping/>
-  </p:clrMapOvr>
-  <p:transition>
-    <p:fade/>
-  </p:transition>
-</p:sld>
-</file>
-
-<file path=ppt/slides/slide13.xml><?xml version="1.0" encoding="utf-8"?>
-<p:sld xmlns:a="http://schemas.openxmlformats.org/drawingml/2006/main" xmlns:r="http://schemas.openxmlformats.org/officeDocument/2006/relationships" xmlns:p="http://schemas.openxmlformats.org/presentationml/2006/main">
-  <p:cSld>
-    <p:spTree>
-      <p:nvGrpSpPr>
-        <p:cNvPr id="1" name=""/>
-        <p:cNvGrpSpPr/>
-        <p:nvPr/>
-      </p:nvGrpSpPr>
-      <p:grpSpPr>
-        <a:xfrm>
-          <a:off x="0" y="0"/>
-          <a:ext cx="0" cy="0"/>
-          <a:chOff x="0" y="0"/>
-          <a:chExt cx="0" cy="0"/>
-        </a:xfrm>
-      </p:grpSpPr>
       <p:pic>
         <p:nvPicPr>
           <p:cNvPr id="26" name="그림 25"/>
@@ -9729,7 +9111,7 @@
 </p:sld>
 </file>
 
-<file path=ppt/slides/slide14.xml><?xml version="1.0" encoding="utf-8"?>
+<file path=ppt/slides/slide12.xml><?xml version="1.0" encoding="utf-8"?>
 <p:sld xmlns:a="http://schemas.openxmlformats.org/drawingml/2006/main" xmlns:r="http://schemas.openxmlformats.org/officeDocument/2006/relationships" xmlns:p="http://schemas.openxmlformats.org/presentationml/2006/main">
   <p:cSld>
     <p:spTree>
@@ -9758,6 +9140,1041 @@
         </p:nvSpPr>
         <p:spPr>
           <a:xfrm>
+            <a:off x="457200" y="320772"/>
+            <a:ext cx="8229600" cy="648404"/>
+          </a:xfrm>
+        </p:spPr>
+        <p:txBody>
+          <a:bodyPr/>
+          <a:lstStyle/>
+          <a:p>
+            <a:r>
+              <a:rPr lang="en-US" altLang="ko-KR" dirty="0">
+                <a:latin typeface="+mj-lt"/>
+              </a:rPr>
+              <a:t>Architecture</a:t>
+            </a:r>
+            <a:endParaRPr lang="ko-KR" altLang="en-US" dirty="0">
+              <a:latin typeface="+mj-lt"/>
+            </a:endParaRPr>
+          </a:p>
+        </p:txBody>
+      </p:sp>
+      <p:sp>
+        <p:nvSpPr>
+          <p:cNvPr id="10" name="직사각형 9"/>
+          <p:cNvSpPr/>
+          <p:nvPr/>
+        </p:nvSpPr>
+        <p:spPr>
+          <a:xfrm>
+            <a:off x="6120611" y="1372944"/>
+            <a:ext cx="1440688" cy="779055"/>
+          </a:xfrm>
+          <a:prstGeom prst="rect">
+            <a:avLst/>
+          </a:prstGeom>
+          <a:solidFill>
+            <a:srgbClr val="479D8A"/>
+          </a:solidFill>
+          <a:ln>
+            <a:noFill/>
+          </a:ln>
+        </p:spPr>
+        <p:style>
+          <a:lnRef idx="2">
+            <a:schemeClr val="accent1">
+              <a:shade val="50000"/>
+            </a:schemeClr>
+          </a:lnRef>
+          <a:fillRef idx="1">
+            <a:schemeClr val="accent1"/>
+          </a:fillRef>
+          <a:effectRef idx="0">
+            <a:schemeClr val="accent1"/>
+          </a:effectRef>
+          <a:fontRef idx="minor">
+            <a:schemeClr val="lt1"/>
+          </a:fontRef>
+        </p:style>
+        <p:txBody>
+          <a:bodyPr rtlCol="0" anchor="ctr"/>
+          <a:lstStyle/>
+          <a:p>
+            <a:pPr algn="ctr"/>
+            <a:r>
+              <a:rPr lang="en-US" altLang="ko-KR" dirty="0" smtClean="0"/>
+              <a:t>ML Train Model</a:t>
+            </a:r>
+            <a:endParaRPr lang="ko-KR" altLang="en-US" dirty="0"/>
+          </a:p>
+        </p:txBody>
+      </p:sp>
+      <p:cxnSp>
+        <p:nvCxnSpPr>
+          <p:cNvPr id="14" name="직선 화살표 연결선 13"/>
+          <p:cNvCxnSpPr>
+            <a:cxnSpLocks/>
+            <a:stCxn id="25" idx="3"/>
+            <a:endCxn id="71" idx="1"/>
+          </p:cNvCxnSpPr>
+          <p:nvPr/>
+        </p:nvCxnSpPr>
+        <p:spPr>
+          <a:xfrm flipV="1">
+            <a:off x="2147410" y="3852447"/>
+            <a:ext cx="568814" cy="48184"/>
+          </a:xfrm>
+          <a:prstGeom prst="straightConnector1">
+            <a:avLst/>
+          </a:prstGeom>
+          <a:ln w="47625">
+            <a:solidFill>
+              <a:srgbClr val="1D314E"/>
+            </a:solidFill>
+            <a:tailEnd type="triangle"/>
+          </a:ln>
+        </p:spPr>
+        <p:style>
+          <a:lnRef idx="1">
+            <a:schemeClr val="accent1"/>
+          </a:lnRef>
+          <a:fillRef idx="0">
+            <a:schemeClr val="accent1"/>
+          </a:fillRef>
+          <a:effectRef idx="0">
+            <a:schemeClr val="accent1"/>
+          </a:effectRef>
+          <a:fontRef idx="minor">
+            <a:schemeClr val="tx1"/>
+          </a:fontRef>
+        </p:style>
+      </p:cxnSp>
+      <p:cxnSp>
+        <p:nvCxnSpPr>
+          <p:cNvPr id="19" name="직선 화살표 연결선 18"/>
+          <p:cNvCxnSpPr>
+            <a:cxnSpLocks/>
+            <a:stCxn id="16" idx="1"/>
+            <a:endCxn id="27" idx="3"/>
+          </p:cNvCxnSpPr>
+          <p:nvPr/>
+        </p:nvCxnSpPr>
+        <p:spPr>
+          <a:xfrm flipH="1">
+            <a:off x="2161369" y="5786716"/>
+            <a:ext cx="697995" cy="0"/>
+          </a:xfrm>
+          <a:prstGeom prst="straightConnector1">
+            <a:avLst/>
+          </a:prstGeom>
+          <a:ln w="47625">
+            <a:solidFill>
+              <a:srgbClr val="1D314E"/>
+            </a:solidFill>
+            <a:tailEnd type="triangle"/>
+          </a:ln>
+        </p:spPr>
+        <p:style>
+          <a:lnRef idx="1">
+            <a:schemeClr val="accent1"/>
+          </a:lnRef>
+          <a:fillRef idx="0">
+            <a:schemeClr val="accent1"/>
+          </a:fillRef>
+          <a:effectRef idx="0">
+            <a:schemeClr val="accent1"/>
+          </a:effectRef>
+          <a:fontRef idx="minor">
+            <a:schemeClr val="tx1"/>
+          </a:fontRef>
+        </p:style>
+      </p:cxnSp>
+      <p:grpSp>
+        <p:nvGrpSpPr>
+          <p:cNvPr id="41" name="그룹 40"/>
+          <p:cNvGrpSpPr/>
+          <p:nvPr/>
+        </p:nvGrpSpPr>
+        <p:grpSpPr>
+          <a:xfrm>
+            <a:off x="1233010" y="3443431"/>
+            <a:ext cx="947661" cy="1083677"/>
+            <a:chOff x="2580075" y="2975468"/>
+            <a:chExt cx="947661" cy="1083677"/>
+          </a:xfrm>
+        </p:grpSpPr>
+        <p:sp>
+          <p:nvSpPr>
+            <p:cNvPr id="17" name="TextBox 16"/>
+            <p:cNvSpPr txBox="1"/>
+            <p:nvPr/>
+          </p:nvSpPr>
+          <p:spPr>
+            <a:xfrm>
+              <a:off x="2608895" y="3720591"/>
+              <a:ext cx="918841" cy="338554"/>
+            </a:xfrm>
+            <a:prstGeom prst="rect">
+              <a:avLst/>
+            </a:prstGeom>
+            <a:noFill/>
+          </p:spPr>
+          <p:txBody>
+            <a:bodyPr wrap="none" rtlCol="0">
+              <a:spAutoFit/>
+            </a:bodyPr>
+            <a:lstStyle/>
+            <a:p>
+              <a:r>
+                <a:rPr lang="en-US" altLang="ko-KR" sz="1600" dirty="0"/>
+                <a:t>Camera</a:t>
+              </a:r>
+              <a:endParaRPr lang="ko-KR" altLang="en-US" sz="1600" dirty="0"/>
+            </a:p>
+          </p:txBody>
+        </p:sp>
+        <p:pic>
+          <p:nvPicPr>
+            <p:cNvPr id="25" name="그래픽 24" descr="카메라"/>
+            <p:cNvPicPr>
+              <a:picLocks noChangeAspect="1"/>
+            </p:cNvPicPr>
+            <p:nvPr/>
+          </p:nvPicPr>
+          <p:blipFill>
+            <a:blip r:embed="rId3">
+              <a:extLst>
+                <a:ext uri="{28A0092B-C50C-407E-A947-70E740481C1C}">
+                  <a14:useLocalDpi xmlns:a14="http://schemas.microsoft.com/office/drawing/2010/main" val="0"/>
+                </a:ext>
+                <a:ext uri="{96DAC541-7B7A-43D3-8B79-37D633B846F1}">
+                  <asvg:svgBlip xmlns:asvg="http://schemas.microsoft.com/office/drawing/2016/SVG/main" xmlns="" r:embed="rId4"/>
+                </a:ext>
+              </a:extLst>
+            </a:blip>
+            <a:stretch>
+              <a:fillRect/>
+            </a:stretch>
+          </p:blipFill>
+          <p:spPr>
+            <a:xfrm>
+              <a:off x="2580075" y="2975468"/>
+              <a:ext cx="914400" cy="914400"/>
+            </a:xfrm>
+            <a:prstGeom prst="rect">
+              <a:avLst/>
+            </a:prstGeom>
+          </p:spPr>
+        </p:pic>
+      </p:grpSp>
+      <p:grpSp>
+        <p:nvGrpSpPr>
+          <p:cNvPr id="42" name="그룹 41"/>
+          <p:cNvGrpSpPr/>
+          <p:nvPr/>
+        </p:nvGrpSpPr>
+        <p:grpSpPr>
+          <a:xfrm>
+            <a:off x="1246969" y="5329516"/>
+            <a:ext cx="914400" cy="1191324"/>
+            <a:chOff x="2391394" y="4903698"/>
+            <a:chExt cx="914400" cy="1191324"/>
+          </a:xfrm>
+        </p:grpSpPr>
+        <p:sp>
+          <p:nvSpPr>
+            <p:cNvPr id="18" name="TextBox 17"/>
+            <p:cNvSpPr txBox="1"/>
+            <p:nvPr/>
+          </p:nvSpPr>
+          <p:spPr>
+            <a:xfrm>
+              <a:off x="2454279" y="5756468"/>
+              <a:ext cx="851515" cy="338554"/>
+            </a:xfrm>
+            <a:prstGeom prst="rect">
+              <a:avLst/>
+            </a:prstGeom>
+            <a:noFill/>
+          </p:spPr>
+          <p:txBody>
+            <a:bodyPr wrap="none" rtlCol="0">
+              <a:spAutoFit/>
+            </a:bodyPr>
+            <a:lstStyle/>
+            <a:p>
+              <a:r>
+                <a:rPr lang="en-US" altLang="ko-KR" sz="1600" dirty="0"/>
+                <a:t>Display</a:t>
+              </a:r>
+              <a:endParaRPr lang="ko-KR" altLang="en-US" sz="1600" dirty="0"/>
+            </a:p>
+          </p:txBody>
+        </p:sp>
+        <p:pic>
+          <p:nvPicPr>
+            <p:cNvPr id="27" name="그래픽 26" descr="스마트폰"/>
+            <p:cNvPicPr>
+              <a:picLocks noChangeAspect="1"/>
+            </p:cNvPicPr>
+            <p:nvPr/>
+          </p:nvPicPr>
+          <p:blipFill>
+            <a:blip r:embed="rId5">
+              <a:extLst>
+                <a:ext uri="{28A0092B-C50C-407E-A947-70E740481C1C}">
+                  <a14:useLocalDpi xmlns:a14="http://schemas.microsoft.com/office/drawing/2010/main" val="0"/>
+                </a:ext>
+                <a:ext uri="{96DAC541-7B7A-43D3-8B79-37D633B846F1}">
+                  <asvg:svgBlip xmlns:asvg="http://schemas.microsoft.com/office/drawing/2016/SVG/main" xmlns="" r:embed="rId6"/>
+                </a:ext>
+              </a:extLst>
+            </a:blip>
+            <a:stretch>
+              <a:fillRect/>
+            </a:stretch>
+          </p:blipFill>
+          <p:spPr>
+            <a:xfrm>
+              <a:off x="2391394" y="4903698"/>
+              <a:ext cx="914400" cy="914400"/>
+            </a:xfrm>
+            <a:prstGeom prst="rect">
+              <a:avLst/>
+            </a:prstGeom>
+          </p:spPr>
+        </p:pic>
+      </p:grpSp>
+      <p:sp>
+        <p:nvSpPr>
+          <p:cNvPr id="16" name="직사각형 15"/>
+          <p:cNvSpPr/>
+          <p:nvPr/>
+        </p:nvSpPr>
+        <p:spPr>
+          <a:xfrm>
+            <a:off x="2859364" y="5457262"/>
+            <a:ext cx="1855776" cy="658907"/>
+          </a:xfrm>
+          <a:prstGeom prst="rect">
+            <a:avLst/>
+          </a:prstGeom>
+          <a:solidFill>
+            <a:srgbClr val="479D8A"/>
+          </a:solidFill>
+          <a:ln>
+            <a:noFill/>
+          </a:ln>
+        </p:spPr>
+        <p:style>
+          <a:lnRef idx="2">
+            <a:schemeClr val="accent1">
+              <a:shade val="50000"/>
+            </a:schemeClr>
+          </a:lnRef>
+          <a:fillRef idx="1">
+            <a:schemeClr val="accent1"/>
+          </a:fillRef>
+          <a:effectRef idx="0">
+            <a:schemeClr val="accent1"/>
+          </a:effectRef>
+          <a:fontRef idx="minor">
+            <a:schemeClr val="lt1"/>
+          </a:fontRef>
+        </p:style>
+        <p:txBody>
+          <a:bodyPr rtlCol="0" anchor="ctr"/>
+          <a:lstStyle/>
+          <a:p>
+            <a:pPr algn="ctr"/>
+            <a:r>
+              <a:rPr lang="en-US" altLang="ko-KR" sz="1600" dirty="0" smtClean="0"/>
+              <a:t>Draw On </a:t>
+            </a:r>
+            <a:r>
+              <a:rPr lang="en-US" altLang="ko-KR" sz="1600" dirty="0" err="1" smtClean="0"/>
+              <a:t>SurfaceView</a:t>
+            </a:r>
+            <a:endParaRPr lang="ko-KR" altLang="en-US" sz="1600" dirty="0"/>
+          </a:p>
+        </p:txBody>
+      </p:sp>
+      <p:cxnSp>
+        <p:nvCxnSpPr>
+          <p:cNvPr id="20" name="직선 화살표 연결선 19"/>
+          <p:cNvCxnSpPr>
+            <a:cxnSpLocks/>
+            <a:stCxn id="47" idx="2"/>
+            <a:endCxn id="57" idx="0"/>
+          </p:cNvCxnSpPr>
+          <p:nvPr/>
+        </p:nvCxnSpPr>
+        <p:spPr>
+          <a:xfrm>
+            <a:off x="6205151" y="4451871"/>
+            <a:ext cx="154289" cy="1005389"/>
+          </a:xfrm>
+          <a:prstGeom prst="straightConnector1">
+            <a:avLst/>
+          </a:prstGeom>
+          <a:ln w="47625">
+            <a:solidFill>
+              <a:srgbClr val="1D314E"/>
+            </a:solidFill>
+            <a:tailEnd type="triangle"/>
+          </a:ln>
+        </p:spPr>
+        <p:style>
+          <a:lnRef idx="1">
+            <a:schemeClr val="accent1"/>
+          </a:lnRef>
+          <a:fillRef idx="0">
+            <a:schemeClr val="accent1"/>
+          </a:fillRef>
+          <a:effectRef idx="0">
+            <a:schemeClr val="accent1"/>
+          </a:effectRef>
+          <a:fontRef idx="minor">
+            <a:schemeClr val="tx1"/>
+          </a:fontRef>
+        </p:style>
+      </p:cxnSp>
+      <p:sp>
+        <p:nvSpPr>
+          <p:cNvPr id="28" name="직사각형 27"/>
+          <p:cNvSpPr/>
+          <p:nvPr/>
+        </p:nvSpPr>
+        <p:spPr>
+          <a:xfrm>
+            <a:off x="3494475" y="1375032"/>
+            <a:ext cx="1479066" cy="793506"/>
+          </a:xfrm>
+          <a:prstGeom prst="rect">
+            <a:avLst/>
+          </a:prstGeom>
+          <a:solidFill>
+            <a:srgbClr val="479D8A"/>
+          </a:solidFill>
+          <a:ln>
+            <a:noFill/>
+          </a:ln>
+        </p:spPr>
+        <p:style>
+          <a:lnRef idx="2">
+            <a:schemeClr val="accent1">
+              <a:shade val="50000"/>
+            </a:schemeClr>
+          </a:lnRef>
+          <a:fillRef idx="1">
+            <a:schemeClr val="accent1"/>
+          </a:fillRef>
+          <a:effectRef idx="0">
+            <a:schemeClr val="accent1"/>
+          </a:effectRef>
+          <a:fontRef idx="minor">
+            <a:schemeClr val="lt1"/>
+          </a:fontRef>
+        </p:style>
+        <p:txBody>
+          <a:bodyPr rtlCol="0" anchor="ctr"/>
+          <a:lstStyle/>
+          <a:p>
+            <a:pPr algn="ctr"/>
+            <a:r>
+              <a:rPr lang="en-US" altLang="ko-KR" dirty="0" err="1" smtClean="0"/>
+              <a:t>Tensorflow</a:t>
+            </a:r>
+            <a:endParaRPr lang="ko-KR" altLang="en-US" dirty="0"/>
+          </a:p>
+        </p:txBody>
+      </p:sp>
+      <p:sp>
+        <p:nvSpPr>
+          <p:cNvPr id="24" name="웃는 얼굴[S] 23"/>
+          <p:cNvSpPr/>
+          <p:nvPr/>
+        </p:nvSpPr>
+        <p:spPr>
+          <a:xfrm>
+            <a:off x="1583267" y="1447800"/>
+            <a:ext cx="578102" cy="578102"/>
+          </a:xfrm>
+          <a:prstGeom prst="smileyFace">
+            <a:avLst/>
+          </a:prstGeom>
+        </p:spPr>
+        <p:style>
+          <a:lnRef idx="2">
+            <a:schemeClr val="accent1">
+              <a:shade val="50000"/>
+            </a:schemeClr>
+          </a:lnRef>
+          <a:fillRef idx="1">
+            <a:schemeClr val="accent1"/>
+          </a:fillRef>
+          <a:effectRef idx="0">
+            <a:schemeClr val="accent1"/>
+          </a:effectRef>
+          <a:fontRef idx="minor">
+            <a:schemeClr val="lt1"/>
+          </a:fontRef>
+        </p:style>
+        <p:txBody>
+          <a:bodyPr rtlCol="0" anchor="ctr"/>
+          <a:lstStyle/>
+          <a:p>
+            <a:pPr algn="ctr"/>
+            <a:endParaRPr kumimoji="1" lang="ko-KR" altLang="en-US"/>
+          </a:p>
+        </p:txBody>
+      </p:sp>
+      <p:sp>
+        <p:nvSpPr>
+          <p:cNvPr id="29" name="TextBox 16"/>
+          <p:cNvSpPr txBox="1"/>
+          <p:nvPr/>
+        </p:nvSpPr>
+        <p:spPr>
+          <a:xfrm>
+            <a:off x="1121402" y="2074728"/>
+            <a:ext cx="1636538" cy="338554"/>
+          </a:xfrm>
+          <a:prstGeom prst="rect">
+            <a:avLst/>
+          </a:prstGeom>
+          <a:noFill/>
+        </p:spPr>
+        <p:txBody>
+          <a:bodyPr wrap="none" rtlCol="0">
+            <a:spAutoFit/>
+          </a:bodyPr>
+          <a:lstStyle/>
+          <a:p>
+            <a:r>
+              <a:rPr lang="en-US" altLang="ko-KR" sz="1600" smtClean="0"/>
+              <a:t>Train Image Set</a:t>
+            </a:r>
+            <a:endParaRPr lang="ko-KR" altLang="en-US" sz="1600" dirty="0"/>
+          </a:p>
+        </p:txBody>
+      </p:sp>
+      <p:cxnSp>
+        <p:nvCxnSpPr>
+          <p:cNvPr id="30" name="직선 화살표 연결선 29"/>
+          <p:cNvCxnSpPr>
+            <a:cxnSpLocks/>
+            <a:endCxn id="28" idx="1"/>
+          </p:cNvCxnSpPr>
+          <p:nvPr/>
+        </p:nvCxnSpPr>
+        <p:spPr>
+          <a:xfrm>
+            <a:off x="2224254" y="1717456"/>
+            <a:ext cx="1270221" cy="54329"/>
+          </a:xfrm>
+          <a:prstGeom prst="straightConnector1">
+            <a:avLst/>
+          </a:prstGeom>
+          <a:ln w="47625">
+            <a:solidFill>
+              <a:srgbClr val="1D314E"/>
+            </a:solidFill>
+            <a:tailEnd type="triangle"/>
+          </a:ln>
+        </p:spPr>
+        <p:style>
+          <a:lnRef idx="1">
+            <a:schemeClr val="accent1"/>
+          </a:lnRef>
+          <a:fillRef idx="0">
+            <a:schemeClr val="accent1"/>
+          </a:fillRef>
+          <a:effectRef idx="0">
+            <a:schemeClr val="accent1"/>
+          </a:effectRef>
+          <a:fontRef idx="minor">
+            <a:schemeClr val="tx1"/>
+          </a:fontRef>
+        </p:style>
+      </p:cxnSp>
+      <p:cxnSp>
+        <p:nvCxnSpPr>
+          <p:cNvPr id="32" name="직선 화살표 연결선 31"/>
+          <p:cNvCxnSpPr>
+            <a:cxnSpLocks/>
+            <a:stCxn id="28" idx="3"/>
+            <a:endCxn id="10" idx="1"/>
+          </p:cNvCxnSpPr>
+          <p:nvPr/>
+        </p:nvCxnSpPr>
+        <p:spPr>
+          <a:xfrm flipV="1">
+            <a:off x="4973541" y="1762472"/>
+            <a:ext cx="1147070" cy="9313"/>
+          </a:xfrm>
+          <a:prstGeom prst="straightConnector1">
+            <a:avLst/>
+          </a:prstGeom>
+          <a:ln w="47625">
+            <a:solidFill>
+              <a:srgbClr val="1D314E"/>
+            </a:solidFill>
+            <a:tailEnd type="triangle"/>
+          </a:ln>
+        </p:spPr>
+        <p:style>
+          <a:lnRef idx="1">
+            <a:schemeClr val="accent1"/>
+          </a:lnRef>
+          <a:fillRef idx="0">
+            <a:schemeClr val="accent1"/>
+          </a:fillRef>
+          <a:effectRef idx="0">
+            <a:schemeClr val="accent1"/>
+          </a:effectRef>
+          <a:fontRef idx="minor">
+            <a:schemeClr val="tx1"/>
+          </a:fontRef>
+        </p:style>
+      </p:cxnSp>
+      <p:sp>
+        <p:nvSpPr>
+          <p:cNvPr id="47" name="직사각형 46"/>
+          <p:cNvSpPr/>
+          <p:nvPr/>
+        </p:nvSpPr>
+        <p:spPr>
+          <a:xfrm>
+            <a:off x="5122973" y="2945295"/>
+            <a:ext cx="2164355" cy="1506576"/>
+          </a:xfrm>
+          <a:prstGeom prst="rect">
+            <a:avLst/>
+          </a:prstGeom>
+          <a:solidFill>
+            <a:srgbClr val="FFC000"/>
+          </a:solidFill>
+          <a:ln>
+            <a:noFill/>
+          </a:ln>
+        </p:spPr>
+        <p:style>
+          <a:lnRef idx="2">
+            <a:schemeClr val="accent1">
+              <a:shade val="50000"/>
+            </a:schemeClr>
+          </a:lnRef>
+          <a:fillRef idx="1">
+            <a:schemeClr val="accent1"/>
+          </a:fillRef>
+          <a:effectRef idx="0">
+            <a:schemeClr val="accent1"/>
+          </a:effectRef>
+          <a:fontRef idx="minor">
+            <a:schemeClr val="lt1"/>
+          </a:fontRef>
+        </p:style>
+        <p:txBody>
+          <a:bodyPr rtlCol="0" anchor="ctr"/>
+          <a:lstStyle/>
+          <a:p>
+            <a:pPr algn="ctr"/>
+            <a:endParaRPr lang="ko-KR" altLang="en-US" sz="1600" dirty="0"/>
+          </a:p>
+        </p:txBody>
+      </p:sp>
+      <p:sp>
+        <p:nvSpPr>
+          <p:cNvPr id="15" name="직사각형 14"/>
+          <p:cNvSpPr/>
+          <p:nvPr/>
+        </p:nvSpPr>
+        <p:spPr>
+          <a:xfrm>
+            <a:off x="5450829" y="3271513"/>
+            <a:ext cx="1508643" cy="793506"/>
+          </a:xfrm>
+          <a:prstGeom prst="rect">
+            <a:avLst/>
+          </a:prstGeom>
+          <a:solidFill>
+            <a:srgbClr val="479D8A"/>
+          </a:solidFill>
+          <a:ln>
+            <a:noFill/>
+          </a:ln>
+        </p:spPr>
+        <p:style>
+          <a:lnRef idx="2">
+            <a:schemeClr val="accent1">
+              <a:shade val="50000"/>
+            </a:schemeClr>
+          </a:lnRef>
+          <a:fillRef idx="1">
+            <a:schemeClr val="accent1"/>
+          </a:fillRef>
+          <a:effectRef idx="0">
+            <a:schemeClr val="accent1"/>
+          </a:effectRef>
+          <a:fontRef idx="minor">
+            <a:schemeClr val="lt1"/>
+          </a:fontRef>
+        </p:style>
+        <p:txBody>
+          <a:bodyPr rtlCol="0" anchor="ctr"/>
+          <a:lstStyle/>
+          <a:p>
+            <a:pPr algn="ctr"/>
+            <a:r>
+              <a:rPr lang="en-US" altLang="ko-KR" sz="1600" dirty="0" smtClean="0"/>
+              <a:t>Inference</a:t>
+            </a:r>
+            <a:r>
+              <a:rPr lang="ko-KR" altLang="en-US" sz="1600" dirty="0" smtClean="0"/>
+              <a:t> </a:t>
+            </a:r>
+            <a:r>
+              <a:rPr lang="en-US" altLang="ko-KR" sz="1600" dirty="0" smtClean="0"/>
+              <a:t>Interface</a:t>
+            </a:r>
+            <a:endParaRPr lang="ko-KR" altLang="en-US" sz="1600" dirty="0"/>
+          </a:p>
+        </p:txBody>
+      </p:sp>
+      <p:cxnSp>
+        <p:nvCxnSpPr>
+          <p:cNvPr id="21" name="직선 화살표 연결선 20"/>
+          <p:cNvCxnSpPr>
+            <a:cxnSpLocks/>
+            <a:stCxn id="15" idx="0"/>
+            <a:endCxn id="10" idx="2"/>
+          </p:cNvCxnSpPr>
+          <p:nvPr/>
+        </p:nvCxnSpPr>
+        <p:spPr>
+          <a:xfrm flipV="1">
+            <a:off x="6205151" y="2151999"/>
+            <a:ext cx="635804" cy="1119514"/>
+          </a:xfrm>
+          <a:prstGeom prst="straightConnector1">
+            <a:avLst/>
+          </a:prstGeom>
+          <a:ln w="47625">
+            <a:solidFill>
+              <a:srgbClr val="1D314E"/>
+            </a:solidFill>
+            <a:tailEnd type="triangle"/>
+          </a:ln>
+        </p:spPr>
+        <p:style>
+          <a:lnRef idx="1">
+            <a:schemeClr val="accent1"/>
+          </a:lnRef>
+          <a:fillRef idx="0">
+            <a:schemeClr val="accent1"/>
+          </a:fillRef>
+          <a:effectRef idx="0">
+            <a:schemeClr val="accent1"/>
+          </a:effectRef>
+          <a:fontRef idx="minor">
+            <a:schemeClr val="tx1"/>
+          </a:fontRef>
+        </p:style>
+      </p:cxnSp>
+      <p:sp>
+        <p:nvSpPr>
+          <p:cNvPr id="51" name="텍스트 상자 50"/>
+          <p:cNvSpPr txBox="1"/>
+          <p:nvPr/>
+        </p:nvSpPr>
+        <p:spPr>
+          <a:xfrm>
+            <a:off x="5156234" y="4065019"/>
+            <a:ext cx="515901" cy="369332"/>
+          </a:xfrm>
+          <a:prstGeom prst="rect">
+            <a:avLst/>
+          </a:prstGeom>
+          <a:noFill/>
+        </p:spPr>
+        <p:txBody>
+          <a:bodyPr wrap="square" rtlCol="0">
+            <a:spAutoFit/>
+          </a:bodyPr>
+          <a:lstStyle/>
+          <a:p>
+            <a:r>
+              <a:rPr kumimoji="1" lang="en-US" altLang="ko-KR" dirty="0" smtClean="0"/>
+              <a:t>JNI</a:t>
+            </a:r>
+            <a:endParaRPr kumimoji="1" lang="ko-KR" altLang="en-US" dirty="0"/>
+          </a:p>
+        </p:txBody>
+      </p:sp>
+      <p:sp>
+        <p:nvSpPr>
+          <p:cNvPr id="57" name="직사각형 56"/>
+          <p:cNvSpPr/>
+          <p:nvPr/>
+        </p:nvSpPr>
+        <p:spPr>
+          <a:xfrm>
+            <a:off x="5431552" y="5457260"/>
+            <a:ext cx="1855776" cy="658907"/>
+          </a:xfrm>
+          <a:prstGeom prst="rect">
+            <a:avLst/>
+          </a:prstGeom>
+          <a:solidFill>
+            <a:srgbClr val="479D8A"/>
+          </a:solidFill>
+          <a:ln>
+            <a:noFill/>
+          </a:ln>
+        </p:spPr>
+        <p:style>
+          <a:lnRef idx="2">
+            <a:schemeClr val="accent1">
+              <a:shade val="50000"/>
+            </a:schemeClr>
+          </a:lnRef>
+          <a:fillRef idx="1">
+            <a:schemeClr val="accent1"/>
+          </a:fillRef>
+          <a:effectRef idx="0">
+            <a:schemeClr val="accent1"/>
+          </a:effectRef>
+          <a:fontRef idx="minor">
+            <a:schemeClr val="lt1"/>
+          </a:fontRef>
+        </p:style>
+        <p:txBody>
+          <a:bodyPr rtlCol="0" anchor="ctr"/>
+          <a:lstStyle/>
+          <a:p>
+            <a:pPr algn="ctr"/>
+            <a:r>
+              <a:rPr lang="en-US" altLang="ko-KR" sz="1600" dirty="0" smtClean="0"/>
+              <a:t>OpenGL + Sensors API</a:t>
+            </a:r>
+            <a:endParaRPr lang="en-US" altLang="ko-KR" sz="1600" dirty="0"/>
+          </a:p>
+        </p:txBody>
+      </p:sp>
+      <p:cxnSp>
+        <p:nvCxnSpPr>
+          <p:cNvPr id="61" name="직선 화살표 연결선 60"/>
+          <p:cNvCxnSpPr>
+            <a:cxnSpLocks/>
+          </p:cNvCxnSpPr>
+          <p:nvPr/>
+        </p:nvCxnSpPr>
+        <p:spPr>
+          <a:xfrm flipH="1">
+            <a:off x="4733557" y="5786714"/>
+            <a:ext cx="679578" cy="13372"/>
+          </a:xfrm>
+          <a:prstGeom prst="straightConnector1">
+            <a:avLst/>
+          </a:prstGeom>
+          <a:ln w="47625">
+            <a:solidFill>
+              <a:srgbClr val="1D314E"/>
+            </a:solidFill>
+            <a:tailEnd type="triangle"/>
+          </a:ln>
+        </p:spPr>
+        <p:style>
+          <a:lnRef idx="1">
+            <a:schemeClr val="accent1"/>
+          </a:lnRef>
+          <a:fillRef idx="0">
+            <a:schemeClr val="accent1"/>
+          </a:fillRef>
+          <a:effectRef idx="0">
+            <a:schemeClr val="accent1"/>
+          </a:effectRef>
+          <a:fontRef idx="minor">
+            <a:schemeClr val="tx1"/>
+          </a:fontRef>
+        </p:style>
+      </p:cxnSp>
+      <p:sp>
+        <p:nvSpPr>
+          <p:cNvPr id="69" name="직사각형 68"/>
+          <p:cNvSpPr/>
+          <p:nvPr/>
+        </p:nvSpPr>
+        <p:spPr>
+          <a:xfrm>
+            <a:off x="6925868" y="3271513"/>
+            <a:ext cx="2562134" cy="584775"/>
+          </a:xfrm>
+          <a:prstGeom prst="rect">
+            <a:avLst/>
+          </a:prstGeom>
+        </p:spPr>
+        <p:txBody>
+          <a:bodyPr wrap="square">
+            <a:spAutoFit/>
+          </a:bodyPr>
+          <a:lstStyle/>
+          <a:p>
+            <a:r>
+              <a:rPr lang="en-US" altLang="ko-KR" sz="1600" dirty="0">
+                <a:solidFill>
+                  <a:srgbClr val="222222"/>
+                </a:solidFill>
+                <a:latin typeface="arial" charset="0"/>
+              </a:rPr>
+              <a:t>Image Recognition and Object Detection</a:t>
+            </a:r>
+            <a:endParaRPr lang="en-US" altLang="ko-KR" sz="1600" b="0" i="0" dirty="0">
+              <a:solidFill>
+                <a:srgbClr val="222222"/>
+              </a:solidFill>
+              <a:effectLst/>
+              <a:latin typeface="arial" charset="0"/>
+            </a:endParaRPr>
+          </a:p>
+        </p:txBody>
+      </p:sp>
+      <p:sp>
+        <p:nvSpPr>
+          <p:cNvPr id="71" name="직사각형 70"/>
+          <p:cNvSpPr/>
+          <p:nvPr/>
+        </p:nvSpPr>
+        <p:spPr>
+          <a:xfrm>
+            <a:off x="2716224" y="3522993"/>
+            <a:ext cx="1855776" cy="658907"/>
+          </a:xfrm>
+          <a:prstGeom prst="rect">
+            <a:avLst/>
+          </a:prstGeom>
+          <a:solidFill>
+            <a:srgbClr val="479D8A"/>
+          </a:solidFill>
+          <a:ln>
+            <a:noFill/>
+          </a:ln>
+        </p:spPr>
+        <p:style>
+          <a:lnRef idx="2">
+            <a:schemeClr val="accent1">
+              <a:shade val="50000"/>
+            </a:schemeClr>
+          </a:lnRef>
+          <a:fillRef idx="1">
+            <a:schemeClr val="accent1"/>
+          </a:fillRef>
+          <a:effectRef idx="0">
+            <a:schemeClr val="accent1"/>
+          </a:effectRef>
+          <a:fontRef idx="minor">
+            <a:schemeClr val="lt1"/>
+          </a:fontRef>
+        </p:style>
+        <p:txBody>
+          <a:bodyPr rtlCol="0" anchor="ctr"/>
+          <a:lstStyle/>
+          <a:p>
+            <a:pPr algn="ctr"/>
+            <a:r>
+              <a:rPr lang="en-US" altLang="ko-KR" sz="1600" dirty="0" smtClean="0"/>
+              <a:t>Camera API</a:t>
+            </a:r>
+            <a:endParaRPr lang="en-US" altLang="ko-KR" sz="1600" dirty="0"/>
+          </a:p>
+        </p:txBody>
+      </p:sp>
+      <p:cxnSp>
+        <p:nvCxnSpPr>
+          <p:cNvPr id="73" name="직선 화살표 연결선 72"/>
+          <p:cNvCxnSpPr>
+            <a:cxnSpLocks/>
+            <a:endCxn id="47" idx="1"/>
+          </p:cNvCxnSpPr>
+          <p:nvPr/>
+        </p:nvCxnSpPr>
+        <p:spPr>
+          <a:xfrm flipV="1">
+            <a:off x="4555708" y="3698583"/>
+            <a:ext cx="567265" cy="153866"/>
+          </a:xfrm>
+          <a:prstGeom prst="straightConnector1">
+            <a:avLst/>
+          </a:prstGeom>
+          <a:ln w="47625">
+            <a:solidFill>
+              <a:srgbClr val="1D314E"/>
+            </a:solidFill>
+            <a:tailEnd type="triangle"/>
+          </a:ln>
+        </p:spPr>
+        <p:style>
+          <a:lnRef idx="1">
+            <a:schemeClr val="accent1"/>
+          </a:lnRef>
+          <a:fillRef idx="0">
+            <a:schemeClr val="accent1"/>
+          </a:fillRef>
+          <a:effectRef idx="0">
+            <a:schemeClr val="accent1"/>
+          </a:effectRef>
+          <a:fontRef idx="minor">
+            <a:schemeClr val="tx1"/>
+          </a:fontRef>
+        </p:style>
+      </p:cxnSp>
+    </p:spTree>
+    <p:extLst>
+      <p:ext uri="{BB962C8B-B14F-4D97-AF65-F5344CB8AC3E}">
+        <p14:creationId xmlns:p14="http://schemas.microsoft.com/office/powerpoint/2010/main" val="1389676060"/>
+      </p:ext>
+    </p:extLst>
+  </p:cSld>
+  <p:clrMapOvr>
+    <a:masterClrMapping/>
+  </p:clrMapOvr>
+  <p:transition>
+    <p:fade/>
+  </p:transition>
+</p:sld>
+</file>
+
+<file path=ppt/slides/slide13.xml><?xml version="1.0" encoding="utf-8"?>
+<p:sld xmlns:a="http://schemas.openxmlformats.org/drawingml/2006/main" xmlns:r="http://schemas.openxmlformats.org/officeDocument/2006/relationships" xmlns:p="http://schemas.openxmlformats.org/presentationml/2006/main">
+  <p:cSld>
+    <p:spTree>
+      <p:nvGrpSpPr>
+        <p:cNvPr id="1" name=""/>
+        <p:cNvGrpSpPr/>
+        <p:nvPr/>
+      </p:nvGrpSpPr>
+      <p:grpSpPr>
+        <a:xfrm>
+          <a:off x="0" y="0"/>
+          <a:ext cx="0" cy="0"/>
+          <a:chOff x="0" y="0"/>
+          <a:chExt cx="0" cy="0"/>
+        </a:xfrm>
+      </p:grpSpPr>
+      <p:sp>
+        <p:nvSpPr>
+          <p:cNvPr id="4" name="제목 3"/>
+          <p:cNvSpPr>
+            <a:spLocks noGrp="1"/>
+          </p:cNvSpPr>
+          <p:nvPr>
+            <p:ph type="title"/>
+          </p:nvPr>
+        </p:nvSpPr>
+        <p:spPr>
+          <a:xfrm>
             <a:off x="457200" y="366780"/>
             <a:ext cx="8229600" cy="648404"/>
           </a:xfrm>
@@ -9793,7 +10210,7 @@
                 <a14:useLocalDpi xmlns:a14="http://schemas.microsoft.com/office/drawing/2010/main" val="0"/>
               </a:ext>
               <a:ext uri="{96DAC541-7B7A-43D3-8B79-37D633B846F1}">
-                <asvg:svgBlip xmlns="" xmlns:asvg="http://schemas.microsoft.com/office/drawing/2016/SVG/main" r:embed="rId4"/>
+                <asvg:svgBlip xmlns:asvg="http://schemas.microsoft.com/office/drawing/2016/SVG/main" xmlns="" r:embed="rId4"/>
               </a:ext>
             </a:extLst>
           </a:blip>
@@ -9901,7 +10318,7 @@
                 <a14:useLocalDpi xmlns:a14="http://schemas.microsoft.com/office/drawing/2010/main" val="0"/>
               </a:ext>
               <a:ext uri="{96DAC541-7B7A-43D3-8B79-37D633B846F1}">
-                <asvg:svgBlip xmlns="" xmlns:asvg="http://schemas.microsoft.com/office/drawing/2016/SVG/main" r:embed="rId6"/>
+                <asvg:svgBlip xmlns:asvg="http://schemas.microsoft.com/office/drawing/2016/SVG/main" xmlns="" r:embed="rId6"/>
               </a:ext>
             </a:extLst>
           </a:blip>
@@ -9942,7 +10359,7 @@
 </p:sld>
 </file>
 
-<file path=ppt/slides/slide15.xml><?xml version="1.0" encoding="utf-8"?>
+<file path=ppt/slides/slide14.xml><?xml version="1.0" encoding="utf-8"?>
 <p:sld xmlns:a="http://schemas.openxmlformats.org/drawingml/2006/main" xmlns:r="http://schemas.openxmlformats.org/officeDocument/2006/relationships" xmlns:p="http://schemas.openxmlformats.org/presentationml/2006/main">
   <p:cSld>
     <p:spTree>
@@ -10471,7 +10888,7 @@
 </p:sld>
 </file>
 
-<file path=ppt/slides/slide16.xml><?xml version="1.0" encoding="utf-8"?>
+<file path=ppt/slides/slide15.xml><?xml version="1.0" encoding="utf-8"?>
 <p:sld xmlns:a="http://schemas.openxmlformats.org/drawingml/2006/main" xmlns:r="http://schemas.openxmlformats.org/officeDocument/2006/relationships" xmlns:p="http://schemas.openxmlformats.org/presentationml/2006/main">
   <p:cSld>
     <p:spTree>
@@ -10806,7 +11223,7 @@
 </p:sld>
 </file>
 
-<file path=ppt/slides/slide17.xml><?xml version="1.0" encoding="utf-8"?>
+<file path=ppt/slides/slide16.xml><?xml version="1.0" encoding="utf-8"?>
 <p:sld xmlns:a="http://schemas.openxmlformats.org/drawingml/2006/main" xmlns:r="http://schemas.openxmlformats.org/officeDocument/2006/relationships" xmlns:p="http://schemas.openxmlformats.org/presentationml/2006/main">
   <p:cSld>
     <p:spTree>
@@ -11300,7 +11717,7 @@
 </p:sld>
 </file>
 
-<file path=ppt/slides/slide18.xml><?xml version="1.0" encoding="utf-8"?>
+<file path=ppt/slides/slide17.xml><?xml version="1.0" encoding="utf-8"?>
 <p:sld xmlns:a="http://schemas.openxmlformats.org/drawingml/2006/main" xmlns:r="http://schemas.openxmlformats.org/officeDocument/2006/relationships" xmlns:p="http://schemas.openxmlformats.org/presentationml/2006/main">
   <p:cSld>
     <p:spTree>
@@ -11376,105 +11793,105 @@
                 <a:gridCol w="1662328">
                   <a:extLst>
                     <a:ext uri="{9D8B030D-6E8A-4147-A177-3AD203B41FA5}">
-                      <a16:colId xmlns="" xmlns:a16="http://schemas.microsoft.com/office/drawing/2014/main" val="20000"/>
+                      <a16:colId xmlns:a16="http://schemas.microsoft.com/office/drawing/2014/main" xmlns="" val="20000"/>
                     </a:ext>
                   </a:extLst>
                 </a:gridCol>
                 <a:gridCol w="498551">
                   <a:extLst>
                     <a:ext uri="{9D8B030D-6E8A-4147-A177-3AD203B41FA5}">
-                      <a16:colId xmlns="" xmlns:a16="http://schemas.microsoft.com/office/drawing/2014/main" val="20001"/>
+                      <a16:colId xmlns:a16="http://schemas.microsoft.com/office/drawing/2014/main" xmlns="" val="20001"/>
                     </a:ext>
                   </a:extLst>
                 </a:gridCol>
                 <a:gridCol w="498551">
                   <a:extLst>
                     <a:ext uri="{9D8B030D-6E8A-4147-A177-3AD203B41FA5}">
-                      <a16:colId xmlns="" xmlns:a16="http://schemas.microsoft.com/office/drawing/2014/main" val="20002"/>
+                      <a16:colId xmlns:a16="http://schemas.microsoft.com/office/drawing/2014/main" xmlns="" val="20002"/>
                     </a:ext>
                   </a:extLst>
                 </a:gridCol>
                 <a:gridCol w="498551">
                   <a:extLst>
                     <a:ext uri="{9D8B030D-6E8A-4147-A177-3AD203B41FA5}">
-                      <a16:colId xmlns="" xmlns:a16="http://schemas.microsoft.com/office/drawing/2014/main" val="20003"/>
+                      <a16:colId xmlns:a16="http://schemas.microsoft.com/office/drawing/2014/main" xmlns="" val="20003"/>
                     </a:ext>
                   </a:extLst>
                 </a:gridCol>
                 <a:gridCol w="498551">
                   <a:extLst>
                     <a:ext uri="{9D8B030D-6E8A-4147-A177-3AD203B41FA5}">
-                      <a16:colId xmlns="" xmlns:a16="http://schemas.microsoft.com/office/drawing/2014/main" val="20004"/>
+                      <a16:colId xmlns:a16="http://schemas.microsoft.com/office/drawing/2014/main" xmlns="" val="20004"/>
                     </a:ext>
                   </a:extLst>
                 </a:gridCol>
                 <a:gridCol w="498551">
                   <a:extLst>
                     <a:ext uri="{9D8B030D-6E8A-4147-A177-3AD203B41FA5}">
-                      <a16:colId xmlns="" xmlns:a16="http://schemas.microsoft.com/office/drawing/2014/main" val="20005"/>
+                      <a16:colId xmlns:a16="http://schemas.microsoft.com/office/drawing/2014/main" xmlns="" val="20005"/>
                     </a:ext>
                   </a:extLst>
                 </a:gridCol>
                 <a:gridCol w="498551">
                   <a:extLst>
                     <a:ext uri="{9D8B030D-6E8A-4147-A177-3AD203B41FA5}">
-                      <a16:colId xmlns="" xmlns:a16="http://schemas.microsoft.com/office/drawing/2014/main" val="20006"/>
+                      <a16:colId xmlns:a16="http://schemas.microsoft.com/office/drawing/2014/main" xmlns="" val="20006"/>
                     </a:ext>
                   </a:extLst>
                 </a:gridCol>
                 <a:gridCol w="498551">
                   <a:extLst>
                     <a:ext uri="{9D8B030D-6E8A-4147-A177-3AD203B41FA5}">
-                      <a16:colId xmlns="" xmlns:a16="http://schemas.microsoft.com/office/drawing/2014/main" val="20007"/>
+                      <a16:colId xmlns:a16="http://schemas.microsoft.com/office/drawing/2014/main" xmlns="" val="20007"/>
                     </a:ext>
                   </a:extLst>
                 </a:gridCol>
                 <a:gridCol w="498551">
                   <a:extLst>
                     <a:ext uri="{9D8B030D-6E8A-4147-A177-3AD203B41FA5}">
-                      <a16:colId xmlns="" xmlns:a16="http://schemas.microsoft.com/office/drawing/2014/main" val="20008"/>
+                      <a16:colId xmlns:a16="http://schemas.microsoft.com/office/drawing/2014/main" xmlns="" val="20008"/>
                     </a:ext>
                   </a:extLst>
                 </a:gridCol>
                 <a:gridCol w="498551">
                   <a:extLst>
                     <a:ext uri="{9D8B030D-6E8A-4147-A177-3AD203B41FA5}">
-                      <a16:colId xmlns="" xmlns:a16="http://schemas.microsoft.com/office/drawing/2014/main" val="20009"/>
+                      <a16:colId xmlns:a16="http://schemas.microsoft.com/office/drawing/2014/main" xmlns="" val="20009"/>
                     </a:ext>
                   </a:extLst>
                 </a:gridCol>
                 <a:gridCol w="498551">
                   <a:extLst>
                     <a:ext uri="{9D8B030D-6E8A-4147-A177-3AD203B41FA5}">
-                      <a16:colId xmlns="" xmlns:a16="http://schemas.microsoft.com/office/drawing/2014/main" val="20010"/>
+                      <a16:colId xmlns:a16="http://schemas.microsoft.com/office/drawing/2014/main" xmlns="" val="20010"/>
                     </a:ext>
                   </a:extLst>
                 </a:gridCol>
                 <a:gridCol w="498551">
                   <a:extLst>
                     <a:ext uri="{9D8B030D-6E8A-4147-A177-3AD203B41FA5}">
-                      <a16:colId xmlns="" xmlns:a16="http://schemas.microsoft.com/office/drawing/2014/main" val="20011"/>
+                      <a16:colId xmlns:a16="http://schemas.microsoft.com/office/drawing/2014/main" xmlns="" val="20011"/>
                     </a:ext>
                   </a:extLst>
                 </a:gridCol>
                 <a:gridCol w="498551">
                   <a:extLst>
                     <a:ext uri="{9D8B030D-6E8A-4147-A177-3AD203B41FA5}">
-                      <a16:colId xmlns="" xmlns:a16="http://schemas.microsoft.com/office/drawing/2014/main" val="20012"/>
+                      <a16:colId xmlns:a16="http://schemas.microsoft.com/office/drawing/2014/main" xmlns="" val="20012"/>
                     </a:ext>
                   </a:extLst>
                 </a:gridCol>
                 <a:gridCol w="498551">
                   <a:extLst>
                     <a:ext uri="{9D8B030D-6E8A-4147-A177-3AD203B41FA5}">
-                      <a16:colId xmlns="" xmlns:a16="http://schemas.microsoft.com/office/drawing/2014/main" val="20013"/>
+                      <a16:colId xmlns:a16="http://schemas.microsoft.com/office/drawing/2014/main" xmlns="" val="20013"/>
                     </a:ext>
                   </a:extLst>
                 </a:gridCol>
                 <a:gridCol w="498551">
                   <a:extLst>
                     <a:ext uri="{9D8B030D-6E8A-4147-A177-3AD203B41FA5}">
-                      <a16:colId xmlns="" xmlns:a16="http://schemas.microsoft.com/office/drawing/2014/main" val="3843917279"/>
+                      <a16:colId xmlns:a16="http://schemas.microsoft.com/office/drawing/2014/main" xmlns="" val="3843917279"/>
                     </a:ext>
                   </a:extLst>
                 </a:gridCol>
@@ -11856,7 +12273,7 @@
                 </a:tc>
                 <a:extLst>
                   <a:ext uri="{0D108BD9-81ED-4DB2-BD59-A6C34878D82A}">
-                    <a16:rowId xmlns="" xmlns:a16="http://schemas.microsoft.com/office/drawing/2014/main" val="10000"/>
+                    <a16:rowId xmlns:a16="http://schemas.microsoft.com/office/drawing/2014/main" xmlns="" val="10000"/>
                   </a:ext>
                 </a:extLst>
               </a:tr>
@@ -12638,7 +13055,7 @@
                 </a:tc>
                 <a:extLst>
                   <a:ext uri="{0D108BD9-81ED-4DB2-BD59-A6C34878D82A}">
-                    <a16:rowId xmlns="" xmlns:a16="http://schemas.microsoft.com/office/drawing/2014/main" val="10001"/>
+                    <a16:rowId xmlns:a16="http://schemas.microsoft.com/office/drawing/2014/main" xmlns="" val="10001"/>
                   </a:ext>
                 </a:extLst>
               </a:tr>
@@ -13239,7 +13656,7 @@
                 </a:tc>
                 <a:extLst>
                   <a:ext uri="{0D108BD9-81ED-4DB2-BD59-A6C34878D82A}">
-                    <a16:rowId xmlns="" xmlns:a16="http://schemas.microsoft.com/office/drawing/2014/main" val="10002"/>
+                    <a16:rowId xmlns:a16="http://schemas.microsoft.com/office/drawing/2014/main" xmlns="" val="10002"/>
                   </a:ext>
                 </a:extLst>
               </a:tr>
@@ -13920,7 +14337,7 @@
                 </a:tc>
                 <a:extLst>
                   <a:ext uri="{0D108BD9-81ED-4DB2-BD59-A6C34878D82A}">
-                    <a16:rowId xmlns="" xmlns:a16="http://schemas.microsoft.com/office/drawing/2014/main" val="10003"/>
+                    <a16:rowId xmlns:a16="http://schemas.microsoft.com/office/drawing/2014/main" xmlns="" val="10003"/>
                   </a:ext>
                 </a:extLst>
               </a:tr>
@@ -14591,7 +15008,7 @@
                 </a:tc>
                 <a:extLst>
                   <a:ext uri="{0D108BD9-81ED-4DB2-BD59-A6C34878D82A}">
-                    <a16:rowId xmlns="" xmlns:a16="http://schemas.microsoft.com/office/drawing/2014/main" val="10004"/>
+                    <a16:rowId xmlns:a16="http://schemas.microsoft.com/office/drawing/2014/main" xmlns="" val="10004"/>
                   </a:ext>
                 </a:extLst>
               </a:tr>
@@ -15272,7 +15689,7 @@
                 </a:tc>
                 <a:extLst>
                   <a:ext uri="{0D108BD9-81ED-4DB2-BD59-A6C34878D82A}">
-                    <a16:rowId xmlns="" xmlns:a16="http://schemas.microsoft.com/office/drawing/2014/main" val="10005"/>
+                    <a16:rowId xmlns:a16="http://schemas.microsoft.com/office/drawing/2014/main" xmlns="" val="10005"/>
                   </a:ext>
                 </a:extLst>
               </a:tr>
@@ -15945,7 +16362,7 @@
                 </a:tc>
                 <a:extLst>
                   <a:ext uri="{0D108BD9-81ED-4DB2-BD59-A6C34878D82A}">
-                    <a16:rowId xmlns="" xmlns:a16="http://schemas.microsoft.com/office/drawing/2014/main" val="10006"/>
+                    <a16:rowId xmlns:a16="http://schemas.microsoft.com/office/drawing/2014/main" xmlns="" val="10006"/>
                   </a:ext>
                 </a:extLst>
               </a:tr>
@@ -16552,7 +16969,7 @@
                 </a:tc>
                 <a:extLst>
                   <a:ext uri="{0D108BD9-81ED-4DB2-BD59-A6C34878D82A}">
-                    <a16:rowId xmlns="" xmlns:a16="http://schemas.microsoft.com/office/drawing/2014/main" val="10007"/>
+                    <a16:rowId xmlns:a16="http://schemas.microsoft.com/office/drawing/2014/main" xmlns="" val="10007"/>
                   </a:ext>
                 </a:extLst>
               </a:tr>
@@ -17163,7 +17580,7 @@
                 </a:tc>
                 <a:extLst>
                   <a:ext uri="{0D108BD9-81ED-4DB2-BD59-A6C34878D82A}">
-                    <a16:rowId xmlns="" xmlns:a16="http://schemas.microsoft.com/office/drawing/2014/main" val="10008"/>
+                    <a16:rowId xmlns:a16="http://schemas.microsoft.com/office/drawing/2014/main" xmlns="" val="10008"/>
                   </a:ext>
                 </a:extLst>
               </a:tr>
@@ -17776,7 +18193,7 @@
                 </a:tc>
                 <a:extLst>
                   <a:ext uri="{0D108BD9-81ED-4DB2-BD59-A6C34878D82A}">
-                    <a16:rowId xmlns="" xmlns:a16="http://schemas.microsoft.com/office/drawing/2014/main" val="10009"/>
+                    <a16:rowId xmlns:a16="http://schemas.microsoft.com/office/drawing/2014/main" xmlns="" val="10009"/>
                   </a:ext>
                 </a:extLst>
               </a:tr>
@@ -18374,7 +18791,7 @@
                 </a:tc>
                 <a:extLst>
                   <a:ext uri="{0D108BD9-81ED-4DB2-BD59-A6C34878D82A}">
-                    <a16:rowId xmlns="" xmlns:a16="http://schemas.microsoft.com/office/drawing/2014/main" val="10010"/>
+                    <a16:rowId xmlns:a16="http://schemas.microsoft.com/office/drawing/2014/main" xmlns="" val="10010"/>
                   </a:ext>
                 </a:extLst>
               </a:tr>
@@ -18987,7 +19404,7 @@
                 </a:tc>
                 <a:extLst>
                   <a:ext uri="{0D108BD9-81ED-4DB2-BD59-A6C34878D82A}">
-                    <a16:rowId xmlns="" xmlns:a16="http://schemas.microsoft.com/office/drawing/2014/main" val="10011"/>
+                    <a16:rowId xmlns:a16="http://schemas.microsoft.com/office/drawing/2014/main" xmlns="" val="10011"/>
                   </a:ext>
                 </a:extLst>
               </a:tr>
@@ -19041,7 +19458,7 @@
 </p:sld>
 </file>
 
-<file path=ppt/slides/slide19.xml><?xml version="1.0" encoding="utf-8"?>
+<file path=ppt/slides/slide18.xml><?xml version="1.0" encoding="utf-8"?>
 <p:sld xmlns:a="http://schemas.openxmlformats.org/drawingml/2006/main" xmlns:r="http://schemas.openxmlformats.org/officeDocument/2006/relationships" xmlns:p="http://schemas.openxmlformats.org/presentationml/2006/main">
   <p:cSld>
     <p:spTree>
@@ -20955,7 +21372,7 @@
                 <a14:useLocalDpi xmlns:a14="http://schemas.microsoft.com/office/drawing/2010/main" val="0"/>
               </a:ext>
               <a:ext uri="{96DAC541-7B7A-43D3-8B79-37D633B846F1}">
-                <asvg:svgBlip xmlns="" xmlns:asvg="http://schemas.microsoft.com/office/drawing/2016/SVG/main" r:embed="rId4"/>
+                <asvg:svgBlip xmlns:asvg="http://schemas.microsoft.com/office/drawing/2016/SVG/main" xmlns="" r:embed="rId4"/>
               </a:ext>
             </a:extLst>
           </a:blip>

--- a/artoon-spec.pptx
+++ b/artoon-spec.pptx
@@ -5,10 +5,10 @@
     <p:sldMasterId id="2147483689" r:id="rId1"/>
   </p:sldMasterIdLst>
   <p:notesMasterIdLst>
-    <p:notesMasterId r:id="rId21"/>
+    <p:notesMasterId r:id="rId20"/>
   </p:notesMasterIdLst>
   <p:handoutMasterIdLst>
-    <p:handoutMasterId r:id="rId22"/>
+    <p:handoutMasterId r:id="rId21"/>
   </p:handoutMasterIdLst>
   <p:sldIdLst>
     <p:sldId id="257" r:id="rId2"/>
@@ -21,15 +21,14 @@
     <p:sldId id="300" r:id="rId9"/>
     <p:sldId id="319" r:id="rId10"/>
     <p:sldId id="317" r:id="rId11"/>
-    <p:sldId id="301" r:id="rId12"/>
-    <p:sldId id="326" r:id="rId13"/>
-    <p:sldId id="293" r:id="rId14"/>
-    <p:sldId id="308" r:id="rId15"/>
-    <p:sldId id="325" r:id="rId16"/>
-    <p:sldId id="323" r:id="rId17"/>
-    <p:sldId id="324" r:id="rId18"/>
-    <p:sldId id="304" r:id="rId19"/>
-    <p:sldId id="278" r:id="rId20"/>
+    <p:sldId id="326" r:id="rId12"/>
+    <p:sldId id="293" r:id="rId13"/>
+    <p:sldId id="308" r:id="rId14"/>
+    <p:sldId id="325" r:id="rId15"/>
+    <p:sldId id="323" r:id="rId16"/>
+    <p:sldId id="324" r:id="rId17"/>
+    <p:sldId id="304" r:id="rId18"/>
+    <p:sldId id="278" r:id="rId19"/>
   </p:sldIdLst>
   <p:sldSz cx="9144000" cy="6858000" type="screen4x3"/>
   <p:notesSz cx="6805613" cy="9939338"/>
@@ -972,6 +971,14 @@
           <a:bodyPr/>
           <a:lstStyle/>
           <a:p>
+            <a:r>
+              <a:rPr lang="en-US" altLang="ko-KR" dirty="0"/>
+              <a:t>TODO: Sub-Architecture</a:t>
+            </a:r>
+            <a:r>
+              <a:rPr lang="en-US" altLang="ko-KR" baseline="0" dirty="0"/>
+              <a:t> goes here</a:t>
+            </a:r>
             <a:endParaRPr lang="ko-KR" altLang="en-US" dirty="0"/>
           </a:p>
         </p:txBody>
@@ -1003,7 +1010,7 @@
     </p:spTree>
     <p:extLst>
       <p:ext uri="{BB962C8B-B14F-4D97-AF65-F5344CB8AC3E}">
-        <p14:creationId xmlns:p14="http://schemas.microsoft.com/office/powerpoint/2010/main" val="1158920028"/>
+        <p14:creationId xmlns:p14="http://schemas.microsoft.com/office/powerpoint/2010/main" val="2040369853"/>
       </p:ext>
     </p:extLst>
   </p:cSld>
@@ -1057,14 +1064,6 @@
           <a:bodyPr/>
           <a:lstStyle/>
           <a:p>
-            <a:r>
-              <a:rPr lang="en-US" altLang="ko-KR" dirty="0"/>
-              <a:t>TODO: Sub-Architecture</a:t>
-            </a:r>
-            <a:r>
-              <a:rPr lang="en-US" altLang="ko-KR" baseline="0" dirty="0"/>
-              <a:t> goes here</a:t>
-            </a:r>
             <a:endParaRPr lang="ko-KR" altLang="en-US" dirty="0"/>
           </a:p>
         </p:txBody>
@@ -1096,7 +1095,7 @@
     </p:spTree>
     <p:extLst>
       <p:ext uri="{BB962C8B-B14F-4D97-AF65-F5344CB8AC3E}">
-        <p14:creationId xmlns:p14="http://schemas.microsoft.com/office/powerpoint/2010/main" val="2040369853"/>
+        <p14:creationId xmlns:p14="http://schemas.microsoft.com/office/powerpoint/2010/main" val="1158920028"/>
       </p:ext>
     </p:extLst>
   </p:cSld>
@@ -1266,7 +1265,7 @@
     </p:spTree>
     <p:extLst>
       <p:ext uri="{BB962C8B-B14F-4D97-AF65-F5344CB8AC3E}">
-        <p14:creationId xmlns:p14="http://schemas.microsoft.com/office/powerpoint/2010/main" val="1158920028"/>
+        <p14:creationId xmlns:p14="http://schemas.microsoft.com/office/powerpoint/2010/main" val="493245506"/>
       </p:ext>
     </p:extLst>
   </p:cSld>
@@ -1320,6 +1319,18 @@
           <a:bodyPr/>
           <a:lstStyle/>
           <a:p>
+            <a:r>
+              <a:rPr lang="en-US" altLang="ko-KR" dirty="0"/>
+              <a:t>Change</a:t>
+            </a:r>
+            <a:r>
+              <a:rPr lang="en-US" altLang="ko-KR" baseline="0" dirty="0"/>
+              <a:t> </a:t>
+            </a:r>
+            <a:r>
+              <a:rPr lang="en-US" altLang="ko-KR" baseline="0"/>
+              <a:t>the icon, and make the icon green</a:t>
+            </a:r>
             <a:endParaRPr lang="ko-KR" altLang="en-US" dirty="0"/>
           </a:p>
         </p:txBody>
@@ -1351,7 +1362,7 @@
     </p:spTree>
     <p:extLst>
       <p:ext uri="{BB962C8B-B14F-4D97-AF65-F5344CB8AC3E}">
-        <p14:creationId xmlns:p14="http://schemas.microsoft.com/office/powerpoint/2010/main" val="493245506"/>
+        <p14:creationId xmlns:p14="http://schemas.microsoft.com/office/powerpoint/2010/main" val="1873821801"/>
       </p:ext>
     </p:extLst>
   </p:cSld>
@@ -1405,18 +1416,6 @@
           <a:bodyPr/>
           <a:lstStyle/>
           <a:p>
-            <a:r>
-              <a:rPr lang="en-US" altLang="ko-KR" dirty="0"/>
-              <a:t>Change</a:t>
-            </a:r>
-            <a:r>
-              <a:rPr lang="en-US" altLang="ko-KR" baseline="0" dirty="0"/>
-              <a:t> </a:t>
-            </a:r>
-            <a:r>
-              <a:rPr lang="en-US" altLang="ko-KR" baseline="0"/>
-              <a:t>the icon, and make the icon green</a:t>
-            </a:r>
             <a:endParaRPr lang="ko-KR" altLang="en-US" dirty="0"/>
           </a:p>
         </p:txBody>
@@ -1448,7 +1447,7 @@
     </p:spTree>
     <p:extLst>
       <p:ext uri="{BB962C8B-B14F-4D97-AF65-F5344CB8AC3E}">
-        <p14:creationId xmlns:p14="http://schemas.microsoft.com/office/powerpoint/2010/main" val="1873821801"/>
+        <p14:creationId xmlns:p14="http://schemas.microsoft.com/office/powerpoint/2010/main" val="167469824"/>
       </p:ext>
     </p:extLst>
   </p:cSld>
@@ -1502,6 +1501,14 @@
           <a:bodyPr/>
           <a:lstStyle/>
           <a:p>
+            <a:r>
+              <a:rPr lang="en-US" altLang="ko-KR" dirty="0"/>
+              <a:t>TODO: Change</a:t>
+            </a:r>
+            <a:r>
+              <a:rPr lang="en-US" altLang="ko-KR" baseline="0" dirty="0"/>
+              <a:t> to line graph</a:t>
+            </a:r>
             <a:endParaRPr lang="ko-KR" altLang="en-US" dirty="0"/>
           </a:p>
         </p:txBody>
@@ -1533,7 +1540,7 @@
     </p:spTree>
     <p:extLst>
       <p:ext uri="{BB962C8B-B14F-4D97-AF65-F5344CB8AC3E}">
-        <p14:creationId xmlns:p14="http://schemas.microsoft.com/office/powerpoint/2010/main" val="167469824"/>
+        <p14:creationId xmlns:p14="http://schemas.microsoft.com/office/powerpoint/2010/main" val="1158920028"/>
       </p:ext>
     </p:extLst>
   </p:cSld>
@@ -1584,17 +1591,11 @@
         </p:nvSpPr>
         <p:spPr/>
         <p:txBody>
-          <a:bodyPr/>
+          <a:bodyPr>
+            <a:normAutofit/>
+          </a:bodyPr>
           <a:lstStyle/>
           <a:p>
-            <a:r>
-              <a:rPr lang="en-US" altLang="ko-KR" dirty="0"/>
-              <a:t>TODO: Change</a:t>
-            </a:r>
-            <a:r>
-              <a:rPr lang="en-US" altLang="ko-KR" baseline="0" dirty="0"/>
-              <a:t> to line graph</a:t>
-            </a:r>
             <a:endParaRPr lang="ko-KR" altLang="en-US" dirty="0"/>
           </a:p>
         </p:txBody>
@@ -1618,93 +1619,6 @@
               <a:rPr lang="ko-KR" altLang="en-US" smtClean="0"/>
               <a:pPr/>
               <a:t>18</a:t>
-            </a:fld>
-            <a:endParaRPr lang="ko-KR" altLang="en-US"/>
-          </a:p>
-        </p:txBody>
-      </p:sp>
-    </p:spTree>
-    <p:extLst>
-      <p:ext uri="{BB962C8B-B14F-4D97-AF65-F5344CB8AC3E}">
-        <p14:creationId xmlns:p14="http://schemas.microsoft.com/office/powerpoint/2010/main" val="1158920028"/>
-      </p:ext>
-    </p:extLst>
-  </p:cSld>
-  <p:clrMapOvr>
-    <a:masterClrMapping/>
-  </p:clrMapOvr>
-</p:notes>
-</file>
-
-<file path=ppt/notesSlides/notesSlide19.xml><?xml version="1.0" encoding="utf-8"?>
-<p:notes xmlns:a="http://schemas.openxmlformats.org/drawingml/2006/main" xmlns:r="http://schemas.openxmlformats.org/officeDocument/2006/relationships" xmlns:p="http://schemas.openxmlformats.org/presentationml/2006/main">
-  <p:cSld>
-    <p:spTree>
-      <p:nvGrpSpPr>
-        <p:cNvPr id="1" name=""/>
-        <p:cNvGrpSpPr/>
-        <p:nvPr/>
-      </p:nvGrpSpPr>
-      <p:grpSpPr>
-        <a:xfrm>
-          <a:off x="0" y="0"/>
-          <a:ext cx="0" cy="0"/>
-          <a:chOff x="0" y="0"/>
-          <a:chExt cx="0" cy="0"/>
-        </a:xfrm>
-      </p:grpSpPr>
-      <p:sp>
-        <p:nvSpPr>
-          <p:cNvPr id="2" name="슬라이드 이미지 개체 틀 1"/>
-          <p:cNvSpPr>
-            <a:spLocks noGrp="1" noRot="1" noChangeAspect="1"/>
-          </p:cNvSpPr>
-          <p:nvPr>
-            <p:ph type="sldImg"/>
-          </p:nvPr>
-        </p:nvSpPr>
-        <p:spPr/>
-      </p:sp>
-      <p:sp>
-        <p:nvSpPr>
-          <p:cNvPr id="3" name="슬라이드 노트 개체 틀 2"/>
-          <p:cNvSpPr>
-            <a:spLocks noGrp="1"/>
-          </p:cNvSpPr>
-          <p:nvPr>
-            <p:ph type="body" idx="1"/>
-          </p:nvPr>
-        </p:nvSpPr>
-        <p:spPr/>
-        <p:txBody>
-          <a:bodyPr>
-            <a:normAutofit/>
-          </a:bodyPr>
-          <a:lstStyle/>
-          <a:p>
-            <a:endParaRPr lang="ko-KR" altLang="en-US" dirty="0"/>
-          </a:p>
-        </p:txBody>
-      </p:sp>
-      <p:sp>
-        <p:nvSpPr>
-          <p:cNvPr id="4" name="슬라이드 번호 개체 틀 3"/>
-          <p:cNvSpPr>
-            <a:spLocks noGrp="1"/>
-          </p:cNvSpPr>
-          <p:nvPr>
-            <p:ph type="sldNum" sz="quarter" idx="10"/>
-          </p:nvPr>
-        </p:nvSpPr>
-        <p:spPr/>
-        <p:txBody>
-          <a:bodyPr/>
-          <a:lstStyle/>
-          <a:p>
-            <a:fld id="{A0A51D67-0C14-4576-BCC5-A508196B7BB5}" type="slidenum">
-              <a:rPr lang="ko-KR" altLang="en-US" smtClean="0"/>
-              <a:pPr/>
-              <a:t>19</a:t>
             </a:fld>
             <a:endParaRPr lang="ko-KR" altLang="en-US"/>
           </a:p>
@@ -8404,49 +8318,6 @@
       </p:grpSpPr>
       <p:sp>
         <p:nvSpPr>
-          <p:cNvPr id="12" name="직사각형 11"/>
-          <p:cNvSpPr/>
-          <p:nvPr/>
-        </p:nvSpPr>
-        <p:spPr>
-          <a:xfrm>
-            <a:off x="4641110" y="1774318"/>
-            <a:ext cx="2588455" cy="3305907"/>
-          </a:xfrm>
-          <a:prstGeom prst="rect">
-            <a:avLst/>
-          </a:prstGeom>
-          <a:solidFill>
-            <a:schemeClr val="bg1"/>
-          </a:solidFill>
-        </p:spPr>
-        <p:style>
-          <a:lnRef idx="2">
-            <a:schemeClr val="accent1">
-              <a:shade val="50000"/>
-            </a:schemeClr>
-          </a:lnRef>
-          <a:fillRef idx="1">
-            <a:schemeClr val="accent1"/>
-          </a:fillRef>
-          <a:effectRef idx="0">
-            <a:schemeClr val="accent1"/>
-          </a:effectRef>
-          <a:fontRef idx="minor">
-            <a:schemeClr val="lt1"/>
-          </a:fontRef>
-        </p:style>
-        <p:txBody>
-          <a:bodyPr rtlCol="0" anchor="ctr"/>
-          <a:lstStyle/>
-          <a:p>
-            <a:pPr algn="ctr"/>
-            <a:endParaRPr lang="ko-KR" altLang="en-US"/>
-          </a:p>
-        </p:txBody>
-      </p:sp>
-      <p:sp>
-        <p:nvSpPr>
           <p:cNvPr id="4" name="제목 3"/>
           <p:cNvSpPr>
             <a:spLocks noGrp="1"/>
@@ -8479,14 +8350,14 @@
       </p:sp>
       <p:sp>
         <p:nvSpPr>
-          <p:cNvPr id="10" name="직사각형 9"/>
+          <p:cNvPr id="3" name="직사각형 2"/>
           <p:cNvSpPr/>
           <p:nvPr/>
         </p:nvSpPr>
         <p:spPr>
           <a:xfrm>
-            <a:off x="4845534" y="1997057"/>
-            <a:ext cx="2179607" cy="1050388"/>
+            <a:off x="6120611" y="1372944"/>
+            <a:ext cx="1440688" cy="779055"/>
           </a:xfrm>
           <a:prstGeom prst="rect">
             <a:avLst/>
@@ -8521,64 +8392,7 @@
             <a:pPr algn="ctr"/>
             <a:r>
               <a:rPr lang="en-US" altLang="ko-KR" dirty="0"/>
-              <a:t>Machine</a:t>
-            </a:r>
-          </a:p>
-          <a:p>
-            <a:pPr algn="ctr"/>
-            <a:r>
-              <a:rPr lang="en-US" altLang="ko-KR" dirty="0"/>
-              <a:t>Learning</a:t>
-            </a:r>
-            <a:endParaRPr lang="ko-KR" altLang="en-US" dirty="0"/>
-          </a:p>
-        </p:txBody>
-      </p:sp>
-      <p:sp>
-        <p:nvSpPr>
-          <p:cNvPr id="11" name="직사각형 10"/>
-          <p:cNvSpPr/>
-          <p:nvPr/>
-        </p:nvSpPr>
-        <p:spPr>
-          <a:xfrm>
-            <a:off x="4845534" y="3882226"/>
-            <a:ext cx="2179607" cy="984551"/>
-          </a:xfrm>
-          <a:prstGeom prst="rect">
-            <a:avLst/>
-          </a:prstGeom>
-          <a:solidFill>
-            <a:srgbClr val="00B050"/>
-          </a:solidFill>
-          <a:ln>
-            <a:noFill/>
-          </a:ln>
-        </p:spPr>
-        <p:style>
-          <a:lnRef idx="2">
-            <a:schemeClr val="accent1">
-              <a:shade val="50000"/>
-            </a:schemeClr>
-          </a:lnRef>
-          <a:fillRef idx="1">
-            <a:schemeClr val="accent1"/>
-          </a:fillRef>
-          <a:effectRef idx="0">
-            <a:schemeClr val="accent1"/>
-          </a:effectRef>
-          <a:fontRef idx="minor">
-            <a:schemeClr val="lt1"/>
-          </a:fontRef>
-        </p:style>
-        <p:txBody>
-          <a:bodyPr rtlCol="0" anchor="ctr"/>
-          <a:lstStyle/>
-          <a:p>
-            <a:pPr algn="ctr"/>
-            <a:r>
-              <a:rPr lang="en-US" altLang="ko-KR" dirty="0"/>
-              <a:t>Graphics</a:t>
+              <a:t>ML Train Model</a:t>
             </a:r>
             <a:endParaRPr lang="ko-KR" altLang="en-US" dirty="0"/>
           </a:p>
@@ -8586,116 +8400,17 @@
       </p:sp>
       <p:cxnSp>
         <p:nvCxnSpPr>
-          <p:cNvPr id="14" name="직선 화살표 연결선 13"/>
+          <p:cNvPr id="5" name="직선 화살표 연결선 4"/>
           <p:cNvCxnSpPr>
             <a:cxnSpLocks/>
-            <a:endCxn id="10" idx="1"/>
+            <a:endCxn id="27" idx="1"/>
           </p:cNvCxnSpPr>
           <p:nvPr/>
         </p:nvCxnSpPr>
         <p:spPr>
-          <a:xfrm>
-            <a:off x="2601295" y="2522251"/>
-            <a:ext cx="2244239" cy="0"/>
-          </a:xfrm>
-          <a:prstGeom prst="straightConnector1">
-            <a:avLst/>
-          </a:prstGeom>
-          <a:ln w="47625">
-            <a:solidFill>
-              <a:srgbClr val="1D314E"/>
-            </a:solidFill>
-            <a:tailEnd type="triangle"/>
-          </a:ln>
-        </p:spPr>
-        <p:style>
-          <a:lnRef idx="1">
-            <a:schemeClr val="accent1"/>
-          </a:lnRef>
-          <a:fillRef idx="0">
-            <a:schemeClr val="accent1"/>
-          </a:fillRef>
-          <a:effectRef idx="0">
-            <a:schemeClr val="accent1"/>
-          </a:effectRef>
-          <a:fontRef idx="minor">
-            <a:schemeClr val="tx1"/>
-          </a:fontRef>
-        </p:style>
-      </p:cxnSp>
-      <p:sp>
-        <p:nvSpPr>
-          <p:cNvPr id="17" name="TextBox 16"/>
-          <p:cNvSpPr txBox="1"/>
-          <p:nvPr/>
-        </p:nvSpPr>
-        <p:spPr>
-          <a:xfrm>
-            <a:off x="1482471" y="2916990"/>
-            <a:ext cx="1008609" cy="369332"/>
-          </a:xfrm>
-          <a:prstGeom prst="rect">
-            <a:avLst/>
-          </a:prstGeom>
-          <a:noFill/>
-        </p:spPr>
-        <p:txBody>
-          <a:bodyPr wrap="none" rtlCol="0">
-            <a:spAutoFit/>
-          </a:bodyPr>
-          <a:lstStyle/>
-          <a:p>
-            <a:r>
-              <a:rPr lang="en-US" altLang="ko-KR" dirty="0"/>
-              <a:t>Camera</a:t>
-            </a:r>
-            <a:endParaRPr lang="ko-KR" altLang="en-US" dirty="0"/>
-          </a:p>
-        </p:txBody>
-      </p:sp>
-      <p:sp>
-        <p:nvSpPr>
-          <p:cNvPr id="18" name="TextBox 17"/>
-          <p:cNvSpPr txBox="1"/>
-          <p:nvPr/>
-        </p:nvSpPr>
-        <p:spPr>
-          <a:xfrm>
-            <a:off x="2380845" y="4985275"/>
-            <a:ext cx="934871" cy="369332"/>
-          </a:xfrm>
-          <a:prstGeom prst="rect">
-            <a:avLst/>
-          </a:prstGeom>
-          <a:noFill/>
-        </p:spPr>
-        <p:txBody>
-          <a:bodyPr wrap="none" rtlCol="0">
-            <a:spAutoFit/>
-          </a:bodyPr>
-          <a:lstStyle/>
-          <a:p>
-            <a:r>
-              <a:rPr lang="en-US" altLang="ko-KR" dirty="0"/>
-              <a:t>Display</a:t>
-            </a:r>
-            <a:endParaRPr lang="ko-KR" altLang="en-US" dirty="0"/>
-          </a:p>
-        </p:txBody>
-      </p:sp>
-      <p:cxnSp>
-        <p:nvCxnSpPr>
-          <p:cNvPr id="19" name="직선 화살표 연결선 18"/>
-          <p:cNvCxnSpPr>
-            <a:cxnSpLocks/>
-            <a:stCxn id="11" idx="1"/>
-          </p:cNvCxnSpPr>
-          <p:nvPr/>
-        </p:nvCxnSpPr>
-        <p:spPr>
-          <a:xfrm flipH="1">
-            <a:off x="3291054" y="4374502"/>
-            <a:ext cx="1554480" cy="0"/>
+          <a:xfrm flipV="1">
+            <a:off x="2147410" y="3852447"/>
+            <a:ext cx="568814" cy="48184"/>
           </a:xfrm>
           <a:prstGeom prst="straightConnector1">
             <a:avLst/>
@@ -8724,18 +8439,759 @@
       </p:cxnSp>
       <p:cxnSp>
         <p:nvCxnSpPr>
-          <p:cNvPr id="21" name="직선 화살표 연결선 20"/>
+          <p:cNvPr id="6" name="직선 화살표 연결선 5"/>
           <p:cNvCxnSpPr>
             <a:cxnSpLocks/>
-            <a:stCxn id="10" idx="2"/>
-            <a:endCxn id="11" idx="0"/>
+            <a:stCxn id="13" idx="1"/>
+          </p:cNvCxnSpPr>
+          <p:nvPr/>
+        </p:nvCxnSpPr>
+        <p:spPr>
+          <a:xfrm flipH="1">
+            <a:off x="2161369" y="5786716"/>
+            <a:ext cx="697995" cy="0"/>
+          </a:xfrm>
+          <a:prstGeom prst="straightConnector1">
+            <a:avLst/>
+          </a:prstGeom>
+          <a:ln w="47625">
+            <a:solidFill>
+              <a:srgbClr val="1D314E"/>
+            </a:solidFill>
+            <a:tailEnd type="triangle"/>
+          </a:ln>
+        </p:spPr>
+        <p:style>
+          <a:lnRef idx="1">
+            <a:schemeClr val="accent1"/>
+          </a:lnRef>
+          <a:fillRef idx="0">
+            <a:schemeClr val="accent1"/>
+          </a:fillRef>
+          <a:effectRef idx="0">
+            <a:schemeClr val="accent1"/>
+          </a:effectRef>
+          <a:fontRef idx="minor">
+            <a:schemeClr val="tx1"/>
+          </a:fontRef>
+        </p:style>
+      </p:cxnSp>
+      <p:sp>
+        <p:nvSpPr>
+          <p:cNvPr id="8" name="TextBox 7"/>
+          <p:cNvSpPr txBox="1"/>
+          <p:nvPr/>
+        </p:nvSpPr>
+        <p:spPr>
+          <a:xfrm>
+            <a:off x="1261830" y="4188554"/>
+            <a:ext cx="918841" cy="338554"/>
+          </a:xfrm>
+          <a:prstGeom prst="rect">
+            <a:avLst/>
+          </a:prstGeom>
+          <a:noFill/>
+        </p:spPr>
+        <p:txBody>
+          <a:bodyPr wrap="none" rtlCol="0">
+            <a:spAutoFit/>
+          </a:bodyPr>
+          <a:lstStyle/>
+          <a:p>
+            <a:r>
+              <a:rPr lang="en-US" altLang="ko-KR" sz="1600" dirty="0"/>
+              <a:t>Camera</a:t>
+            </a:r>
+            <a:endParaRPr lang="ko-KR" altLang="en-US" sz="1600" dirty="0"/>
+          </a:p>
+        </p:txBody>
+      </p:sp>
+      <p:sp>
+        <p:nvSpPr>
+          <p:cNvPr id="11" name="TextBox 10"/>
+          <p:cNvSpPr txBox="1"/>
+          <p:nvPr/>
+        </p:nvSpPr>
+        <p:spPr>
+          <a:xfrm>
+            <a:off x="1309854" y="6182286"/>
+            <a:ext cx="851515" cy="338554"/>
+          </a:xfrm>
+          <a:prstGeom prst="rect">
+            <a:avLst/>
+          </a:prstGeom>
+          <a:noFill/>
+        </p:spPr>
+        <p:txBody>
+          <a:bodyPr wrap="none" rtlCol="0">
+            <a:spAutoFit/>
+          </a:bodyPr>
+          <a:lstStyle/>
+          <a:p>
+            <a:r>
+              <a:rPr lang="en-US" altLang="ko-KR" sz="1600" dirty="0"/>
+              <a:t>Display</a:t>
+            </a:r>
+            <a:endParaRPr lang="ko-KR" altLang="en-US" sz="1600" dirty="0"/>
+          </a:p>
+        </p:txBody>
+      </p:sp>
+      <p:sp>
+        <p:nvSpPr>
+          <p:cNvPr id="13" name="직사각형 12"/>
+          <p:cNvSpPr/>
+          <p:nvPr/>
+        </p:nvSpPr>
+        <p:spPr>
+          <a:xfrm>
+            <a:off x="2859364" y="5457262"/>
+            <a:ext cx="1855776" cy="658907"/>
+          </a:xfrm>
+          <a:prstGeom prst="rect">
+            <a:avLst/>
+          </a:prstGeom>
+          <a:solidFill>
+            <a:srgbClr val="479D8A"/>
+          </a:solidFill>
+          <a:ln>
+            <a:noFill/>
+          </a:ln>
+        </p:spPr>
+        <p:style>
+          <a:lnRef idx="2">
+            <a:schemeClr val="accent1">
+              <a:shade val="50000"/>
+            </a:schemeClr>
+          </a:lnRef>
+          <a:fillRef idx="1">
+            <a:schemeClr val="accent1"/>
+          </a:fillRef>
+          <a:effectRef idx="0">
+            <a:schemeClr val="accent1"/>
+          </a:effectRef>
+          <a:fontRef idx="minor">
+            <a:schemeClr val="lt1"/>
+          </a:fontRef>
+        </p:style>
+        <p:txBody>
+          <a:bodyPr rtlCol="0" anchor="ctr"/>
+          <a:lstStyle/>
+          <a:p>
+            <a:pPr algn="ctr"/>
+            <a:r>
+              <a:rPr lang="en-US" altLang="ko-KR" sz="1600" dirty="0"/>
+              <a:t>Draw On </a:t>
+            </a:r>
+            <a:r>
+              <a:rPr lang="en-US" altLang="ko-KR" sz="1600" dirty="0" err="1"/>
+              <a:t>SurfaceView</a:t>
+            </a:r>
+            <a:endParaRPr lang="ko-KR" altLang="en-US" sz="1600" dirty="0"/>
+          </a:p>
+        </p:txBody>
+      </p:sp>
+      <p:cxnSp>
+        <p:nvCxnSpPr>
+          <p:cNvPr id="14" name="직선 화살표 연결선 13"/>
+          <p:cNvCxnSpPr>
+            <a:cxnSpLocks/>
+            <a:stCxn id="20" idx="2"/>
+            <a:endCxn id="24" idx="0"/>
           </p:cNvCxnSpPr>
           <p:nvPr/>
         </p:nvCxnSpPr>
         <p:spPr>
           <a:xfrm>
-            <a:off x="5935338" y="3047445"/>
-            <a:ext cx="0" cy="834781"/>
+            <a:off x="6205151" y="4451871"/>
+            <a:ext cx="154289" cy="1005389"/>
+          </a:xfrm>
+          <a:prstGeom prst="straightConnector1">
+            <a:avLst/>
+          </a:prstGeom>
+          <a:ln w="47625">
+            <a:solidFill>
+              <a:srgbClr val="1D314E"/>
+            </a:solidFill>
+            <a:tailEnd type="triangle"/>
+          </a:ln>
+        </p:spPr>
+        <p:style>
+          <a:lnRef idx="1">
+            <a:schemeClr val="accent1"/>
+          </a:lnRef>
+          <a:fillRef idx="0">
+            <a:schemeClr val="accent1"/>
+          </a:fillRef>
+          <a:effectRef idx="0">
+            <a:schemeClr val="accent1"/>
+          </a:effectRef>
+          <a:fontRef idx="minor">
+            <a:schemeClr val="tx1"/>
+          </a:fontRef>
+        </p:style>
+      </p:cxnSp>
+      <p:sp>
+        <p:nvSpPr>
+          <p:cNvPr id="15" name="직사각형 14"/>
+          <p:cNvSpPr/>
+          <p:nvPr/>
+        </p:nvSpPr>
+        <p:spPr>
+          <a:xfrm>
+            <a:off x="3494475" y="1375032"/>
+            <a:ext cx="1479066" cy="793506"/>
+          </a:xfrm>
+          <a:prstGeom prst="rect">
+            <a:avLst/>
+          </a:prstGeom>
+          <a:solidFill>
+            <a:srgbClr val="479D8A"/>
+          </a:solidFill>
+          <a:ln>
+            <a:noFill/>
+          </a:ln>
+        </p:spPr>
+        <p:style>
+          <a:lnRef idx="2">
+            <a:schemeClr val="accent1">
+              <a:shade val="50000"/>
+            </a:schemeClr>
+          </a:lnRef>
+          <a:fillRef idx="1">
+            <a:schemeClr val="accent1"/>
+          </a:fillRef>
+          <a:effectRef idx="0">
+            <a:schemeClr val="accent1"/>
+          </a:effectRef>
+          <a:fontRef idx="minor">
+            <a:schemeClr val="lt1"/>
+          </a:fontRef>
+        </p:style>
+        <p:txBody>
+          <a:bodyPr rtlCol="0" anchor="ctr"/>
+          <a:lstStyle/>
+          <a:p>
+            <a:pPr algn="ctr"/>
+            <a:r>
+              <a:rPr lang="en-US" altLang="ko-KR" dirty="0" err="1"/>
+              <a:t>Tensorflow</a:t>
+            </a:r>
+            <a:endParaRPr lang="ko-KR" altLang="en-US" dirty="0"/>
+          </a:p>
+        </p:txBody>
+      </p:sp>
+      <p:sp>
+        <p:nvSpPr>
+          <p:cNvPr id="16" name="웃는 얼굴[S] 23"/>
+          <p:cNvSpPr/>
+          <p:nvPr/>
+        </p:nvSpPr>
+        <p:spPr>
+          <a:xfrm>
+            <a:off x="1583267" y="1447800"/>
+            <a:ext cx="578102" cy="578102"/>
+          </a:xfrm>
+          <a:prstGeom prst="smileyFace">
+            <a:avLst/>
+          </a:prstGeom>
+        </p:spPr>
+        <p:style>
+          <a:lnRef idx="2">
+            <a:schemeClr val="accent1">
+              <a:shade val="50000"/>
+            </a:schemeClr>
+          </a:lnRef>
+          <a:fillRef idx="1">
+            <a:schemeClr val="accent1"/>
+          </a:fillRef>
+          <a:effectRef idx="0">
+            <a:schemeClr val="accent1"/>
+          </a:effectRef>
+          <a:fontRef idx="minor">
+            <a:schemeClr val="lt1"/>
+          </a:fontRef>
+        </p:style>
+        <p:txBody>
+          <a:bodyPr rtlCol="0" anchor="ctr"/>
+          <a:lstStyle/>
+          <a:p>
+            <a:pPr algn="ctr"/>
+            <a:endParaRPr kumimoji="1" lang="ko-KR" altLang="en-US"/>
+          </a:p>
+        </p:txBody>
+      </p:sp>
+      <p:sp>
+        <p:nvSpPr>
+          <p:cNvPr id="17" name="TextBox 16"/>
+          <p:cNvSpPr txBox="1"/>
+          <p:nvPr/>
+        </p:nvSpPr>
+        <p:spPr>
+          <a:xfrm>
+            <a:off x="1121402" y="2074728"/>
+            <a:ext cx="1636538" cy="338554"/>
+          </a:xfrm>
+          <a:prstGeom prst="rect">
+            <a:avLst/>
+          </a:prstGeom>
+          <a:noFill/>
+        </p:spPr>
+        <p:txBody>
+          <a:bodyPr wrap="none" rtlCol="0">
+            <a:spAutoFit/>
+          </a:bodyPr>
+          <a:lstStyle/>
+          <a:p>
+            <a:r>
+              <a:rPr lang="en-US" altLang="ko-KR" sz="1600"/>
+              <a:t>Train Image Set</a:t>
+            </a:r>
+            <a:endParaRPr lang="ko-KR" altLang="en-US" sz="1600" dirty="0"/>
+          </a:p>
+        </p:txBody>
+      </p:sp>
+      <p:cxnSp>
+        <p:nvCxnSpPr>
+          <p:cNvPr id="18" name="직선 화살표 연결선 17"/>
+          <p:cNvCxnSpPr>
+            <a:cxnSpLocks/>
+            <a:endCxn id="15" idx="1"/>
+          </p:cNvCxnSpPr>
+          <p:nvPr/>
+        </p:nvCxnSpPr>
+        <p:spPr>
+          <a:xfrm>
+            <a:off x="2224254" y="1717456"/>
+            <a:ext cx="1270221" cy="54329"/>
+          </a:xfrm>
+          <a:prstGeom prst="straightConnector1">
+            <a:avLst/>
+          </a:prstGeom>
+          <a:ln w="47625">
+            <a:solidFill>
+              <a:srgbClr val="1D314E"/>
+            </a:solidFill>
+            <a:tailEnd type="triangle"/>
+          </a:ln>
+        </p:spPr>
+        <p:style>
+          <a:lnRef idx="1">
+            <a:schemeClr val="accent1"/>
+          </a:lnRef>
+          <a:fillRef idx="0">
+            <a:schemeClr val="accent1"/>
+          </a:fillRef>
+          <a:effectRef idx="0">
+            <a:schemeClr val="accent1"/>
+          </a:effectRef>
+          <a:fontRef idx="minor">
+            <a:schemeClr val="tx1"/>
+          </a:fontRef>
+        </p:style>
+      </p:cxnSp>
+      <p:cxnSp>
+        <p:nvCxnSpPr>
+          <p:cNvPr id="19" name="직선 화살표 연결선 18"/>
+          <p:cNvCxnSpPr>
+            <a:cxnSpLocks/>
+            <a:stCxn id="15" idx="3"/>
+            <a:endCxn id="3" idx="1"/>
+          </p:cNvCxnSpPr>
+          <p:nvPr/>
+        </p:nvCxnSpPr>
+        <p:spPr>
+          <a:xfrm flipV="1">
+            <a:off x="4973541" y="1762472"/>
+            <a:ext cx="1147070" cy="9313"/>
+          </a:xfrm>
+          <a:prstGeom prst="straightConnector1">
+            <a:avLst/>
+          </a:prstGeom>
+          <a:ln w="47625">
+            <a:solidFill>
+              <a:srgbClr val="1D314E"/>
+            </a:solidFill>
+            <a:tailEnd type="triangle"/>
+          </a:ln>
+        </p:spPr>
+        <p:style>
+          <a:lnRef idx="1">
+            <a:schemeClr val="accent1"/>
+          </a:lnRef>
+          <a:fillRef idx="0">
+            <a:schemeClr val="accent1"/>
+          </a:fillRef>
+          <a:effectRef idx="0">
+            <a:schemeClr val="accent1"/>
+          </a:effectRef>
+          <a:fontRef idx="minor">
+            <a:schemeClr val="tx1"/>
+          </a:fontRef>
+        </p:style>
+      </p:cxnSp>
+      <p:sp>
+        <p:nvSpPr>
+          <p:cNvPr id="20" name="직사각형 19"/>
+          <p:cNvSpPr/>
+          <p:nvPr/>
+        </p:nvSpPr>
+        <p:spPr>
+          <a:xfrm>
+            <a:off x="5122973" y="2945295"/>
+            <a:ext cx="2164355" cy="1506576"/>
+          </a:xfrm>
+          <a:prstGeom prst="rect">
+            <a:avLst/>
+          </a:prstGeom>
+          <a:solidFill>
+            <a:srgbClr val="FFC000"/>
+          </a:solidFill>
+          <a:ln>
+            <a:noFill/>
+          </a:ln>
+        </p:spPr>
+        <p:style>
+          <a:lnRef idx="2">
+            <a:schemeClr val="accent1">
+              <a:shade val="50000"/>
+            </a:schemeClr>
+          </a:lnRef>
+          <a:fillRef idx="1">
+            <a:schemeClr val="accent1"/>
+          </a:fillRef>
+          <a:effectRef idx="0">
+            <a:schemeClr val="accent1"/>
+          </a:effectRef>
+          <a:fontRef idx="minor">
+            <a:schemeClr val="lt1"/>
+          </a:fontRef>
+        </p:style>
+        <p:txBody>
+          <a:bodyPr rtlCol="0" anchor="ctr"/>
+          <a:lstStyle/>
+          <a:p>
+            <a:pPr algn="ctr"/>
+            <a:endParaRPr lang="ko-KR" altLang="en-US" sz="1600" dirty="0"/>
+          </a:p>
+        </p:txBody>
+      </p:sp>
+      <p:sp>
+        <p:nvSpPr>
+          <p:cNvPr id="21" name="직사각형 20"/>
+          <p:cNvSpPr/>
+          <p:nvPr/>
+        </p:nvSpPr>
+        <p:spPr>
+          <a:xfrm>
+            <a:off x="5450829" y="3271513"/>
+            <a:ext cx="1508643" cy="793506"/>
+          </a:xfrm>
+          <a:prstGeom prst="rect">
+            <a:avLst/>
+          </a:prstGeom>
+          <a:solidFill>
+            <a:srgbClr val="479D8A"/>
+          </a:solidFill>
+          <a:ln>
+            <a:noFill/>
+          </a:ln>
+        </p:spPr>
+        <p:style>
+          <a:lnRef idx="2">
+            <a:schemeClr val="accent1">
+              <a:shade val="50000"/>
+            </a:schemeClr>
+          </a:lnRef>
+          <a:fillRef idx="1">
+            <a:schemeClr val="accent1"/>
+          </a:fillRef>
+          <a:effectRef idx="0">
+            <a:schemeClr val="accent1"/>
+          </a:effectRef>
+          <a:fontRef idx="minor">
+            <a:schemeClr val="lt1"/>
+          </a:fontRef>
+        </p:style>
+        <p:txBody>
+          <a:bodyPr rtlCol="0" anchor="ctr"/>
+          <a:lstStyle/>
+          <a:p>
+            <a:pPr algn="ctr"/>
+            <a:r>
+              <a:rPr lang="en-US" altLang="ko-KR" sz="1600" dirty="0"/>
+              <a:t>Inference</a:t>
+            </a:r>
+            <a:r>
+              <a:rPr lang="ko-KR" altLang="en-US" sz="1600" dirty="0"/>
+              <a:t> </a:t>
+            </a:r>
+            <a:r>
+              <a:rPr lang="en-US" altLang="ko-KR" sz="1600" dirty="0"/>
+              <a:t>Interface</a:t>
+            </a:r>
+            <a:endParaRPr lang="ko-KR" altLang="en-US" sz="1600" dirty="0"/>
+          </a:p>
+        </p:txBody>
+      </p:sp>
+      <p:cxnSp>
+        <p:nvCxnSpPr>
+          <p:cNvPr id="22" name="직선 화살표 연결선 21"/>
+          <p:cNvCxnSpPr>
+            <a:cxnSpLocks/>
+            <a:stCxn id="21" idx="0"/>
+            <a:endCxn id="3" idx="2"/>
+          </p:cNvCxnSpPr>
+          <p:nvPr/>
+        </p:nvCxnSpPr>
+        <p:spPr>
+          <a:xfrm flipV="1">
+            <a:off x="6205151" y="2151999"/>
+            <a:ext cx="635804" cy="1119514"/>
+          </a:xfrm>
+          <a:prstGeom prst="straightConnector1">
+            <a:avLst/>
+          </a:prstGeom>
+          <a:ln w="47625">
+            <a:solidFill>
+              <a:srgbClr val="1D314E"/>
+            </a:solidFill>
+            <a:tailEnd type="triangle"/>
+          </a:ln>
+        </p:spPr>
+        <p:style>
+          <a:lnRef idx="1">
+            <a:schemeClr val="accent1"/>
+          </a:lnRef>
+          <a:fillRef idx="0">
+            <a:schemeClr val="accent1"/>
+          </a:fillRef>
+          <a:effectRef idx="0">
+            <a:schemeClr val="accent1"/>
+          </a:effectRef>
+          <a:fontRef idx="minor">
+            <a:schemeClr val="tx1"/>
+          </a:fontRef>
+        </p:style>
+      </p:cxnSp>
+      <p:sp>
+        <p:nvSpPr>
+          <p:cNvPr id="23" name="텍스트 상자 50"/>
+          <p:cNvSpPr txBox="1"/>
+          <p:nvPr/>
+        </p:nvSpPr>
+        <p:spPr>
+          <a:xfrm>
+            <a:off x="5156234" y="4065019"/>
+            <a:ext cx="515901" cy="369332"/>
+          </a:xfrm>
+          <a:prstGeom prst="rect">
+            <a:avLst/>
+          </a:prstGeom>
+          <a:noFill/>
+        </p:spPr>
+        <p:txBody>
+          <a:bodyPr wrap="square" rtlCol="0">
+            <a:spAutoFit/>
+          </a:bodyPr>
+          <a:lstStyle/>
+          <a:p>
+            <a:r>
+              <a:rPr kumimoji="1" lang="en-US" altLang="ko-KR" dirty="0"/>
+              <a:t>JNI</a:t>
+            </a:r>
+            <a:endParaRPr kumimoji="1" lang="ko-KR" altLang="en-US" dirty="0"/>
+          </a:p>
+        </p:txBody>
+      </p:sp>
+      <p:sp>
+        <p:nvSpPr>
+          <p:cNvPr id="24" name="직사각형 23"/>
+          <p:cNvSpPr/>
+          <p:nvPr/>
+        </p:nvSpPr>
+        <p:spPr>
+          <a:xfrm>
+            <a:off x="5431552" y="5457260"/>
+            <a:ext cx="1855776" cy="658907"/>
+          </a:xfrm>
+          <a:prstGeom prst="rect">
+            <a:avLst/>
+          </a:prstGeom>
+          <a:solidFill>
+            <a:srgbClr val="479D8A"/>
+          </a:solidFill>
+          <a:ln>
+            <a:noFill/>
+          </a:ln>
+        </p:spPr>
+        <p:style>
+          <a:lnRef idx="2">
+            <a:schemeClr val="accent1">
+              <a:shade val="50000"/>
+            </a:schemeClr>
+          </a:lnRef>
+          <a:fillRef idx="1">
+            <a:schemeClr val="accent1"/>
+          </a:fillRef>
+          <a:effectRef idx="0">
+            <a:schemeClr val="accent1"/>
+          </a:effectRef>
+          <a:fontRef idx="minor">
+            <a:schemeClr val="lt1"/>
+          </a:fontRef>
+        </p:style>
+        <p:txBody>
+          <a:bodyPr rtlCol="0" anchor="ctr"/>
+          <a:lstStyle/>
+          <a:p>
+            <a:pPr algn="ctr"/>
+            <a:r>
+              <a:rPr lang="en-US" altLang="ko-KR" sz="1600" dirty="0"/>
+              <a:t>OpenGL + Sensors API</a:t>
+            </a:r>
+          </a:p>
+        </p:txBody>
+      </p:sp>
+      <p:cxnSp>
+        <p:nvCxnSpPr>
+          <p:cNvPr id="25" name="직선 화살표 연결선 24"/>
+          <p:cNvCxnSpPr>
+            <a:cxnSpLocks/>
+          </p:cNvCxnSpPr>
+          <p:nvPr/>
+        </p:nvCxnSpPr>
+        <p:spPr>
+          <a:xfrm flipH="1">
+            <a:off x="4733557" y="5786714"/>
+            <a:ext cx="679578" cy="13372"/>
+          </a:xfrm>
+          <a:prstGeom prst="straightConnector1">
+            <a:avLst/>
+          </a:prstGeom>
+          <a:ln w="47625">
+            <a:solidFill>
+              <a:srgbClr val="1D314E"/>
+            </a:solidFill>
+            <a:tailEnd type="triangle"/>
+          </a:ln>
+        </p:spPr>
+        <p:style>
+          <a:lnRef idx="1">
+            <a:schemeClr val="accent1"/>
+          </a:lnRef>
+          <a:fillRef idx="0">
+            <a:schemeClr val="accent1"/>
+          </a:fillRef>
+          <a:effectRef idx="0">
+            <a:schemeClr val="accent1"/>
+          </a:effectRef>
+          <a:fontRef idx="minor">
+            <a:schemeClr val="tx1"/>
+          </a:fontRef>
+        </p:style>
+      </p:cxnSp>
+      <p:sp>
+        <p:nvSpPr>
+          <p:cNvPr id="26" name="직사각형 25"/>
+          <p:cNvSpPr/>
+          <p:nvPr/>
+        </p:nvSpPr>
+        <p:spPr>
+          <a:xfrm>
+            <a:off x="6925868" y="3271513"/>
+            <a:ext cx="2562134" cy="584775"/>
+          </a:xfrm>
+          <a:prstGeom prst="rect">
+            <a:avLst/>
+          </a:prstGeom>
+        </p:spPr>
+        <p:txBody>
+          <a:bodyPr wrap="square">
+            <a:spAutoFit/>
+          </a:bodyPr>
+          <a:lstStyle/>
+          <a:p>
+            <a:r>
+              <a:rPr lang="en-US" altLang="ko-KR" sz="1600" dirty="0">
+                <a:solidFill>
+                  <a:srgbClr val="222222"/>
+                </a:solidFill>
+                <a:latin typeface="arial" charset="0"/>
+              </a:rPr>
+              <a:t>Image Recognition and Object Detection</a:t>
+            </a:r>
+            <a:endParaRPr lang="en-US" altLang="ko-KR" sz="1600" b="0" i="0" dirty="0">
+              <a:solidFill>
+                <a:srgbClr val="222222"/>
+              </a:solidFill>
+              <a:effectLst/>
+              <a:latin typeface="arial" charset="0"/>
+            </a:endParaRPr>
+          </a:p>
+        </p:txBody>
+      </p:sp>
+      <p:sp>
+        <p:nvSpPr>
+          <p:cNvPr id="27" name="직사각형 26"/>
+          <p:cNvSpPr/>
+          <p:nvPr/>
+        </p:nvSpPr>
+        <p:spPr>
+          <a:xfrm>
+            <a:off x="2716224" y="3522993"/>
+            <a:ext cx="1855776" cy="658907"/>
+          </a:xfrm>
+          <a:prstGeom prst="rect">
+            <a:avLst/>
+          </a:prstGeom>
+          <a:solidFill>
+            <a:srgbClr val="479D8A"/>
+          </a:solidFill>
+          <a:ln>
+            <a:noFill/>
+          </a:ln>
+        </p:spPr>
+        <p:style>
+          <a:lnRef idx="2">
+            <a:schemeClr val="accent1">
+              <a:shade val="50000"/>
+            </a:schemeClr>
+          </a:lnRef>
+          <a:fillRef idx="1">
+            <a:schemeClr val="accent1"/>
+          </a:fillRef>
+          <a:effectRef idx="0">
+            <a:schemeClr val="accent1"/>
+          </a:effectRef>
+          <a:fontRef idx="minor">
+            <a:schemeClr val="lt1"/>
+          </a:fontRef>
+        </p:style>
+        <p:txBody>
+          <a:bodyPr rtlCol="0" anchor="ctr"/>
+          <a:lstStyle/>
+          <a:p>
+            <a:pPr algn="ctr"/>
+            <a:r>
+              <a:rPr lang="en-US" altLang="ko-KR" sz="1600" dirty="0"/>
+              <a:t>Camera API</a:t>
+            </a:r>
+          </a:p>
+        </p:txBody>
+      </p:sp>
+      <p:cxnSp>
+        <p:nvCxnSpPr>
+          <p:cNvPr id="28" name="직선 화살표 연결선 27"/>
+          <p:cNvCxnSpPr>
+            <a:cxnSpLocks/>
+            <a:endCxn id="20" idx="1"/>
+          </p:cNvCxnSpPr>
+          <p:nvPr/>
+        </p:nvCxnSpPr>
+        <p:spPr>
+          <a:xfrm flipV="1">
+            <a:off x="4555708" y="3698583"/>
+            <a:ext cx="567265" cy="153866"/>
           </a:xfrm>
           <a:prstGeom prst="straightConnector1">
             <a:avLst/>
@@ -8764,7 +9220,7 @@
       </p:cxnSp>
       <p:pic>
         <p:nvPicPr>
-          <p:cNvPr id="25" name="그래픽 24" descr="카메라"/>
+          <p:cNvPr id="29" name="그래픽 28" descr="카메라"/>
           <p:cNvPicPr>
             <a:picLocks noChangeAspect="1"/>
           </p:cNvPicPr>
@@ -8787,7 +9243,7 @@
         </p:blipFill>
         <p:spPr>
           <a:xfrm>
-            <a:off x="1482471" y="2002590"/>
+            <a:off x="1278411" y="3361895"/>
             <a:ext cx="914400" cy="914400"/>
           </a:xfrm>
           <a:prstGeom prst="rect">
@@ -8797,7 +9253,7 @@
       </p:pic>
       <p:pic>
         <p:nvPicPr>
-          <p:cNvPr id="27" name="그래픽 26" descr="스마트폰"/>
+          <p:cNvPr id="30" name="그래픽 29" descr="스마트폰"/>
           <p:cNvPicPr>
             <a:picLocks noChangeAspect="1"/>
           </p:cNvPicPr>
@@ -8820,7 +9276,7 @@
         </p:blipFill>
         <p:spPr>
           <a:xfrm>
-            <a:off x="2376654" y="3975750"/>
+            <a:off x="1309854" y="5258260"/>
             <a:ext cx="914400" cy="914400"/>
           </a:xfrm>
           <a:prstGeom prst="rect">
@@ -8828,71 +9284,6 @@
           </a:prstGeom>
         </p:spPr>
       </p:pic>
-    </p:spTree>
-    <p:extLst>
-      <p:ext uri="{BB962C8B-B14F-4D97-AF65-F5344CB8AC3E}">
-        <p14:creationId xmlns:p14="http://schemas.microsoft.com/office/powerpoint/2010/main" val="2368915922"/>
-      </p:ext>
-    </p:extLst>
-  </p:cSld>
-  <p:clrMapOvr>
-    <a:masterClrMapping/>
-  </p:clrMapOvr>
-  <p:transition>
-    <p:fade/>
-  </p:transition>
-</p:sld>
-</file>
-
-<file path=ppt/slides/slide12.xml><?xml version="1.0" encoding="utf-8"?>
-<p:sld xmlns:a="http://schemas.openxmlformats.org/drawingml/2006/main" xmlns:r="http://schemas.openxmlformats.org/officeDocument/2006/relationships" xmlns:p="http://schemas.openxmlformats.org/presentationml/2006/main">
-  <p:cSld>
-    <p:spTree>
-      <p:nvGrpSpPr>
-        <p:cNvPr id="1" name=""/>
-        <p:cNvGrpSpPr/>
-        <p:nvPr/>
-      </p:nvGrpSpPr>
-      <p:grpSpPr>
-        <a:xfrm>
-          <a:off x="0" y="0"/>
-          <a:ext cx="0" cy="0"/>
-          <a:chOff x="0" y="0"/>
-          <a:chExt cx="0" cy="0"/>
-        </a:xfrm>
-      </p:grpSpPr>
-      <p:sp>
-        <p:nvSpPr>
-          <p:cNvPr id="4" name="제목 3"/>
-          <p:cNvSpPr>
-            <a:spLocks noGrp="1"/>
-          </p:cNvSpPr>
-          <p:nvPr>
-            <p:ph type="title"/>
-          </p:nvPr>
-        </p:nvSpPr>
-        <p:spPr>
-          <a:xfrm>
-            <a:off x="457200" y="320772"/>
-            <a:ext cx="8229600" cy="648404"/>
-          </a:xfrm>
-        </p:spPr>
-        <p:txBody>
-          <a:bodyPr/>
-          <a:lstStyle/>
-          <a:p>
-            <a:r>
-              <a:rPr lang="en-US" altLang="ko-KR" dirty="0">
-                <a:latin typeface="+mj-lt"/>
-              </a:rPr>
-              <a:t>Architecture</a:t>
-            </a:r>
-            <a:endParaRPr lang="ko-KR" altLang="en-US" dirty="0">
-              <a:latin typeface="+mj-lt"/>
-            </a:endParaRPr>
-          </a:p>
-        </p:txBody>
-      </p:sp>
     </p:spTree>
     <p:extLst>
       <p:ext uri="{BB962C8B-B14F-4D97-AF65-F5344CB8AC3E}">
@@ -8909,7 +9300,7 @@
 </p:sld>
 </file>
 
-<file path=ppt/slides/slide13.xml><?xml version="1.0" encoding="utf-8"?>
+<file path=ppt/slides/slide12.xml><?xml version="1.0" encoding="utf-8"?>
 <p:sld xmlns:a="http://schemas.openxmlformats.org/drawingml/2006/main" xmlns:r="http://schemas.openxmlformats.org/officeDocument/2006/relationships" xmlns:p="http://schemas.openxmlformats.org/presentationml/2006/main">
   <p:cSld>
     <p:spTree>
@@ -9887,7 +10278,7 @@
 </p:sld>
 </file>
 
-<file path=ppt/slides/slide14.xml><?xml version="1.0" encoding="utf-8"?>
+<file path=ppt/slides/slide13.xml><?xml version="1.0" encoding="utf-8"?>
 <p:sld xmlns:a="http://schemas.openxmlformats.org/drawingml/2006/main" xmlns:r="http://schemas.openxmlformats.org/officeDocument/2006/relationships" xmlns:p="http://schemas.openxmlformats.org/presentationml/2006/main">
   <p:cSld>
     <p:spTree>
@@ -10083,7 +10474,7 @@
 </p:sld>
 </file>
 
-<file path=ppt/slides/slide15.xml><?xml version="1.0" encoding="utf-8"?>
+<file path=ppt/slides/slide14.xml><?xml version="1.0" encoding="utf-8"?>
 <p:sld xmlns:a="http://schemas.openxmlformats.org/drawingml/2006/main" xmlns:r="http://schemas.openxmlformats.org/officeDocument/2006/relationships" xmlns:p="http://schemas.openxmlformats.org/presentationml/2006/main">
   <p:cSld>
     <p:spTree>
@@ -10605,7 +10996,7 @@
 </p:sld>
 </file>
 
-<file path=ppt/slides/slide16.xml><?xml version="1.0" encoding="utf-8"?>
+<file path=ppt/slides/slide15.xml><?xml version="1.0" encoding="utf-8"?>
 <p:sld xmlns:a="http://schemas.openxmlformats.org/drawingml/2006/main" xmlns:r="http://schemas.openxmlformats.org/officeDocument/2006/relationships" xmlns:p="http://schemas.openxmlformats.org/presentationml/2006/main">
   <p:cSld>
     <p:spTree>
@@ -10961,7 +11352,7 @@
 </p:sld>
 </file>
 
-<file path=ppt/slides/slide17.xml><?xml version="1.0" encoding="utf-8"?>
+<file path=ppt/slides/slide16.xml><?xml version="1.0" encoding="utf-8"?>
 <p:sld xmlns:a="http://schemas.openxmlformats.org/drawingml/2006/main" xmlns:r="http://schemas.openxmlformats.org/officeDocument/2006/relationships" xmlns:p="http://schemas.openxmlformats.org/presentationml/2006/main">
   <p:cSld>
     <p:spTree>
@@ -11448,7 +11839,7 @@
 </p:sld>
 </file>
 
-<file path=ppt/slides/slide18.xml><?xml version="1.0" encoding="utf-8"?>
+<file path=ppt/slides/slide17.xml><?xml version="1.0" encoding="utf-8"?>
 <p:sld xmlns:a="http://schemas.openxmlformats.org/drawingml/2006/main" xmlns:r="http://schemas.openxmlformats.org/officeDocument/2006/relationships" xmlns:p="http://schemas.openxmlformats.org/presentationml/2006/main">
   <p:cSld>
     <p:spTree>
@@ -11465,36 +11856,6 @@
           <a:chExt cx="0" cy="0"/>
         </a:xfrm>
       </p:grpSpPr>
-      <p:sp>
-        <p:nvSpPr>
-          <p:cNvPr id="3" name="제목 2"/>
-          <p:cNvSpPr>
-            <a:spLocks noGrp="1"/>
-          </p:cNvSpPr>
-          <p:nvPr>
-            <p:ph type="title"/>
-          </p:nvPr>
-        </p:nvSpPr>
-        <p:spPr>
-          <a:xfrm>
-            <a:off x="457200" y="366780"/>
-            <a:ext cx="8229600" cy="648404"/>
-          </a:xfrm>
-        </p:spPr>
-        <p:txBody>
-          <a:bodyPr>
-            <a:normAutofit/>
-          </a:bodyPr>
-          <a:lstStyle/>
-          <a:p>
-            <a:r>
-              <a:rPr lang="en-US" altLang="ko-KR" dirty="0"/>
-              <a:t>Schedule </a:t>
-            </a:r>
-            <a:endParaRPr lang="ko-KR" altLang="en-US" dirty="0"/>
-          </a:p>
-        </p:txBody>
-      </p:sp>
       <p:graphicFrame>
         <p:nvGraphicFramePr>
           <p:cNvPr id="7" name="내용 개체 틀 6"/>
@@ -11505,14 +11866,14 @@
             <p:ph sz="quarter" idx="4294967295"/>
             <p:extLst>
               <p:ext uri="{D42A27DB-BD31-4B8C-83A1-F6EECF244321}">
-                <p14:modId xmlns:p14="http://schemas.microsoft.com/office/powerpoint/2010/main" val="2128190904"/>
+                <p14:modId xmlns:p14="http://schemas.microsoft.com/office/powerpoint/2010/main" val="3198818465"/>
               </p:ext>
             </p:extLst>
           </p:nvPr>
         </p:nvGraphicFramePr>
         <p:xfrm>
           <a:off x="501957" y="1182659"/>
-          <a:ext cx="8642042" cy="4798318"/>
+          <a:ext cx="8642042" cy="4425119"/>
         </p:xfrm>
         <a:graphic>
           <a:graphicData uri="http://schemas.openxmlformats.org/drawingml/2006/table">
@@ -11627,7 +11988,7 @@
                   </a:extLst>
                 </a:gridCol>
               </a:tblGrid>
-              <a:tr h="345925">
+              <a:tr h="319020">
                 <a:tc rowSpan="2">
                   <a:txBody>
                     <a:bodyPr/>
@@ -12008,7 +12369,7 @@
                   </a:ext>
                 </a:extLst>
               </a:tr>
-              <a:tr h="294036">
+              <a:tr h="271167">
                 <a:tc vMerge="1">
                   <a:txBody>
                     <a:bodyPr/>
@@ -12790,7 +13151,7 @@
                   </a:ext>
                 </a:extLst>
               </a:tr>
-              <a:tr h="415109">
+              <a:tr h="382823">
                 <a:tc>
                   <a:txBody>
                     <a:bodyPr/>
@@ -13391,7 +13752,7 @@
                   </a:ext>
                 </a:extLst>
               </a:tr>
-              <a:tr h="415109">
+              <a:tr h="382823">
                 <a:tc>
                   <a:txBody>
                     <a:bodyPr/>
@@ -14072,7 +14433,7 @@
                   </a:ext>
                 </a:extLst>
               </a:tr>
-              <a:tr h="415109">
+              <a:tr h="382823">
                 <a:tc>
                   <a:txBody>
                     <a:bodyPr/>
@@ -14743,7 +15104,7 @@
                   </a:ext>
                 </a:extLst>
               </a:tr>
-              <a:tr h="415109">
+              <a:tr h="382823">
                 <a:tc gridSpan="2">
                   <a:txBody>
                     <a:bodyPr/>
@@ -15424,7 +15785,7 @@
                   </a:ext>
                 </a:extLst>
               </a:tr>
-              <a:tr h="422376">
+              <a:tr h="389525">
                 <a:tc>
                   <a:txBody>
                     <a:bodyPr/>
@@ -16097,7 +16458,7 @@
                   </a:ext>
                 </a:extLst>
               </a:tr>
-              <a:tr h="415109">
+              <a:tr h="382823">
                 <a:tc>
                   <a:txBody>
                     <a:bodyPr/>
@@ -16704,7 +17065,7 @@
                   </a:ext>
                 </a:extLst>
               </a:tr>
-              <a:tr h="415109">
+              <a:tr h="382823">
                 <a:tc gridSpan="4">
                   <a:txBody>
                     <a:bodyPr/>
@@ -17315,7 +17676,7 @@
                   </a:ext>
                 </a:extLst>
               </a:tr>
-              <a:tr h="415109">
+              <a:tr h="382823">
                 <a:tc>
                   <a:txBody>
                     <a:bodyPr/>
@@ -17928,7 +18289,7 @@
                   </a:ext>
                 </a:extLst>
               </a:tr>
-              <a:tr h="415109">
+              <a:tr h="382823">
                 <a:tc gridSpan="2">
                   <a:txBody>
                     <a:bodyPr/>
@@ -18526,7 +18887,7 @@
                   </a:ext>
                 </a:extLst>
               </a:tr>
-              <a:tr h="415109">
+              <a:tr h="382823">
                 <a:tc>
                   <a:txBody>
                     <a:bodyPr/>
@@ -19145,6 +19506,65 @@
       </p:graphicFrame>
       <p:pic>
         <p:nvPicPr>
+          <p:cNvPr id="5" name="그림 4"/>
+          <p:cNvPicPr>
+            <a:picLocks noChangeAspect="1"/>
+          </p:cNvPicPr>
+          <p:nvPr/>
+        </p:nvPicPr>
+        <p:blipFill rotWithShape="1">
+          <a:blip r:embed="rId3">
+            <a:extLst>
+              <a:ext uri="{28A0092B-C50C-407E-A947-70E740481C1C}">
+                <a14:useLocalDpi xmlns:a14="http://schemas.microsoft.com/office/drawing/2010/main" val="0"/>
+              </a:ext>
+            </a:extLst>
+          </a:blip>
+          <a:srcRect t="-1" b="-7692"/>
+          <a:stretch/>
+        </p:blipFill>
+        <p:spPr>
+          <a:xfrm>
+            <a:off x="501957" y="1122923"/>
+            <a:ext cx="8686800" cy="5237418"/>
+          </a:xfrm>
+          <a:prstGeom prst="rect">
+            <a:avLst/>
+          </a:prstGeom>
+        </p:spPr>
+      </p:pic>
+      <p:sp>
+        <p:nvSpPr>
+          <p:cNvPr id="3" name="제목 2"/>
+          <p:cNvSpPr>
+            <a:spLocks noGrp="1"/>
+          </p:cNvSpPr>
+          <p:nvPr>
+            <p:ph type="title"/>
+          </p:nvPr>
+        </p:nvSpPr>
+        <p:spPr>
+          <a:xfrm>
+            <a:off x="457200" y="366780"/>
+            <a:ext cx="8229600" cy="648404"/>
+          </a:xfrm>
+        </p:spPr>
+        <p:txBody>
+          <a:bodyPr>
+            <a:normAutofit/>
+          </a:bodyPr>
+          <a:lstStyle/>
+          <a:p>
+            <a:r>
+              <a:rPr lang="en-US" altLang="ko-KR" dirty="0"/>
+              <a:t>Schedule </a:t>
+            </a:r>
+            <a:endParaRPr lang="ko-KR" altLang="en-US" dirty="0"/>
+          </a:p>
+        </p:txBody>
+      </p:sp>
+      <p:pic>
+        <p:nvPicPr>
           <p:cNvPr id="4" name="그림 3"/>
           <p:cNvPicPr>
             <a:picLocks noChangeAspect="1"/>
@@ -19152,7 +19572,7 @@
           <p:nvPr/>
         </p:nvPicPr>
         <p:blipFill>
-          <a:blip r:embed="rId3">
+          <a:blip r:embed="rId4">
             <a:extLst>
               <a:ext uri="{28A0092B-C50C-407E-A947-70E740481C1C}">
                 <a14:useLocalDpi xmlns:a14="http://schemas.microsoft.com/office/drawing/2010/main" val="0"/>
@@ -19189,7 +19609,7 @@
 </p:sld>
 </file>
 
-<file path=ppt/slides/slide19.xml><?xml version="1.0" encoding="utf-8"?>
+<file path=ppt/slides/slide18.xml><?xml version="1.0" encoding="utf-8"?>
 <p:sld xmlns:a="http://schemas.openxmlformats.org/drawingml/2006/main" xmlns:r="http://schemas.openxmlformats.org/officeDocument/2006/relationships" xmlns:p="http://schemas.openxmlformats.org/presentationml/2006/main">
   <p:cSld>
     <p:spTree>

--- a/artoon-spec.pptx
+++ b/artoon-spec.pptx
@@ -27,7 +27,7 @@
     <p:sldId id="325" r:id="rId15"/>
     <p:sldId id="323" r:id="rId16"/>
     <p:sldId id="324" r:id="rId17"/>
-    <p:sldId id="304" r:id="rId18"/>
+    <p:sldId id="327" r:id="rId18"/>
     <p:sldId id="278" r:id="rId19"/>
   </p:sldIdLst>
   <p:sldSz cx="9144000" cy="6858000" type="screen4x3"/>
@@ -1502,11 +1502,11 @@
           <a:lstStyle/>
           <a:p>
             <a:r>
-              <a:rPr lang="en-US" altLang="ko-KR" dirty="0"/>
+              <a:rPr lang="en-US" altLang="ko-KR" dirty="0" smtClean="0"/>
               <a:t>TODO: Change</a:t>
             </a:r>
             <a:r>
-              <a:rPr lang="en-US" altLang="ko-KR" baseline="0" dirty="0"/>
+              <a:rPr lang="en-US" altLang="ko-KR" baseline="0" dirty="0" smtClean="0"/>
               <a:t> to line graph</a:t>
             </a:r>
             <a:endParaRPr lang="ko-KR" altLang="en-US" dirty="0"/>
@@ -1540,7 +1540,7 @@
     </p:spTree>
     <p:extLst>
       <p:ext uri="{BB962C8B-B14F-4D97-AF65-F5344CB8AC3E}">
-        <p14:creationId xmlns:p14="http://schemas.microsoft.com/office/powerpoint/2010/main" val="1158920028"/>
+        <p14:creationId xmlns:p14="http://schemas.microsoft.com/office/powerpoint/2010/main" val="290627362"/>
       </p:ext>
     </p:extLst>
   </p:cSld>
@@ -9240,7 +9240,7 @@
                 <a14:useLocalDpi xmlns:a14="http://schemas.microsoft.com/office/drawing/2010/main" val="0"/>
               </a:ext>
               <a:ext uri="{96DAC541-7B7A-43D3-8B79-37D633B846F1}">
-                <asvg:svgBlip xmlns:asvg="http://schemas.microsoft.com/office/drawing/2016/SVG/main" xmlns="" r:embed="rId4"/>
+                <asvg:svgBlip xmlns="" xmlns:asvg="http://schemas.microsoft.com/office/drawing/2016/SVG/main" r:embed="rId4"/>
               </a:ext>
             </a:extLst>
           </a:blip>
@@ -9273,7 +9273,7 @@
                 <a14:useLocalDpi xmlns:a14="http://schemas.microsoft.com/office/drawing/2010/main" val="0"/>
               </a:ext>
               <a:ext uri="{96DAC541-7B7A-43D3-8B79-37D633B846F1}">
-                <asvg:svgBlip xmlns:asvg="http://schemas.microsoft.com/office/drawing/2016/SVG/main" xmlns="" r:embed="rId6"/>
+                <asvg:svgBlip xmlns="" xmlns:asvg="http://schemas.microsoft.com/office/drawing/2016/SVG/main" r:embed="rId6"/>
               </a:ext>
             </a:extLst>
           </a:blip>
@@ -10349,7 +10349,7 @@
                 <a14:useLocalDpi xmlns:a14="http://schemas.microsoft.com/office/drawing/2010/main" val="0"/>
               </a:ext>
               <a:ext uri="{96DAC541-7B7A-43D3-8B79-37D633B846F1}">
-                <asvg:svgBlip xmlns:asvg="http://schemas.microsoft.com/office/drawing/2016/SVG/main" xmlns="" r:embed="rId4"/>
+                <asvg:svgBlip xmlns="" xmlns:asvg="http://schemas.microsoft.com/office/drawing/2016/SVG/main" r:embed="rId4"/>
               </a:ext>
             </a:extLst>
           </a:blip>
@@ -10447,7 +10447,7 @@
                 <a14:useLocalDpi xmlns:a14="http://schemas.microsoft.com/office/drawing/2010/main" val="0"/>
               </a:ext>
               <a:ext uri="{96DAC541-7B7A-43D3-8B79-37D633B846F1}">
-                <asvg:svgBlip xmlns:asvg="http://schemas.microsoft.com/office/drawing/2016/SVG/main" xmlns="" r:embed="rId6"/>
+                <asvg:svgBlip xmlns="" xmlns:asvg="http://schemas.microsoft.com/office/drawing/2016/SVG/main" r:embed="rId6"/>
               </a:ext>
             </a:extLst>
           </a:blip>
@@ -11863,35 +11863,6 @@
           <a:chExt cx="0" cy="0"/>
         </a:xfrm>
       </p:grpSpPr>
-      <p:pic>
-        <p:nvPicPr>
-          <p:cNvPr id="5" name="그림 4"/>
-          <p:cNvPicPr>
-            <a:picLocks noChangeAspect="1"/>
-          </p:cNvPicPr>
-          <p:nvPr/>
-        </p:nvPicPr>
-        <p:blipFill rotWithShape="1">
-          <a:blip r:embed="rId3">
-            <a:extLst>
-              <a:ext uri="{28A0092B-C50C-407E-A947-70E740481C1C}">
-                <a14:useLocalDpi xmlns:a14="http://schemas.microsoft.com/office/drawing/2010/main" val="0"/>
-              </a:ext>
-            </a:extLst>
-          </a:blip>
-          <a:srcRect t="-1" b="-7692"/>
-          <a:stretch/>
-        </p:blipFill>
-        <p:spPr>
-          <a:xfrm>
-            <a:off x="228600" y="1015184"/>
-            <a:ext cx="8686800" cy="5237418"/>
-          </a:xfrm>
-          <a:prstGeom prst="rect">
-            <a:avLst/>
-          </a:prstGeom>
-        </p:spPr>
-      </p:pic>
       <p:sp>
         <p:nvSpPr>
           <p:cNvPr id="3" name="제목 2"/>
@@ -11922,6 +11893,7650 @@
           </a:p>
         </p:txBody>
       </p:sp>
+      <p:graphicFrame>
+        <p:nvGraphicFramePr>
+          <p:cNvPr id="7" name="내용 개체 틀 6"/>
+          <p:cNvGraphicFramePr>
+            <a:graphicFrameLocks noGrp="1"/>
+          </p:cNvGraphicFramePr>
+          <p:nvPr>
+            <p:ph sz="quarter" idx="4294967295"/>
+            <p:extLst/>
+          </p:nvPr>
+        </p:nvGraphicFramePr>
+        <p:xfrm>
+          <a:off x="501957" y="1182659"/>
+          <a:ext cx="8642042" cy="4798318"/>
+        </p:xfrm>
+        <a:graphic>
+          <a:graphicData uri="http://schemas.openxmlformats.org/drawingml/2006/table">
+            <a:tbl>
+              <a:tblPr firstRow="1" bandRow="1">
+                <a:tableStyleId>{5940675A-B579-460E-94D1-54222C63F5DA}</a:tableStyleId>
+              </a:tblPr>
+              <a:tblGrid>
+                <a:gridCol w="1662328">
+                  <a:extLst>
+                    <a:ext uri="{9D8B030D-6E8A-4147-A177-3AD203B41FA5}">
+                      <a16:colId xmlns:a16="http://schemas.microsoft.com/office/drawing/2014/main" xmlns="" val="20000"/>
+                    </a:ext>
+                  </a:extLst>
+                </a:gridCol>
+                <a:gridCol w="498551">
+                  <a:extLst>
+                    <a:ext uri="{9D8B030D-6E8A-4147-A177-3AD203B41FA5}">
+                      <a16:colId xmlns:a16="http://schemas.microsoft.com/office/drawing/2014/main" xmlns="" val="20001"/>
+                    </a:ext>
+                  </a:extLst>
+                </a:gridCol>
+                <a:gridCol w="498551">
+                  <a:extLst>
+                    <a:ext uri="{9D8B030D-6E8A-4147-A177-3AD203B41FA5}">
+                      <a16:colId xmlns:a16="http://schemas.microsoft.com/office/drawing/2014/main" xmlns="" val="20002"/>
+                    </a:ext>
+                  </a:extLst>
+                </a:gridCol>
+                <a:gridCol w="498551">
+                  <a:extLst>
+                    <a:ext uri="{9D8B030D-6E8A-4147-A177-3AD203B41FA5}">
+                      <a16:colId xmlns:a16="http://schemas.microsoft.com/office/drawing/2014/main" xmlns="" val="20003"/>
+                    </a:ext>
+                  </a:extLst>
+                </a:gridCol>
+                <a:gridCol w="498551">
+                  <a:extLst>
+                    <a:ext uri="{9D8B030D-6E8A-4147-A177-3AD203B41FA5}">
+                      <a16:colId xmlns:a16="http://schemas.microsoft.com/office/drawing/2014/main" xmlns="" val="20004"/>
+                    </a:ext>
+                  </a:extLst>
+                </a:gridCol>
+                <a:gridCol w="498551">
+                  <a:extLst>
+                    <a:ext uri="{9D8B030D-6E8A-4147-A177-3AD203B41FA5}">
+                      <a16:colId xmlns:a16="http://schemas.microsoft.com/office/drawing/2014/main" xmlns="" val="20005"/>
+                    </a:ext>
+                  </a:extLst>
+                </a:gridCol>
+                <a:gridCol w="498551">
+                  <a:extLst>
+                    <a:ext uri="{9D8B030D-6E8A-4147-A177-3AD203B41FA5}">
+                      <a16:colId xmlns:a16="http://schemas.microsoft.com/office/drawing/2014/main" xmlns="" val="20006"/>
+                    </a:ext>
+                  </a:extLst>
+                </a:gridCol>
+                <a:gridCol w="498551">
+                  <a:extLst>
+                    <a:ext uri="{9D8B030D-6E8A-4147-A177-3AD203B41FA5}">
+                      <a16:colId xmlns:a16="http://schemas.microsoft.com/office/drawing/2014/main" xmlns="" val="20007"/>
+                    </a:ext>
+                  </a:extLst>
+                </a:gridCol>
+                <a:gridCol w="498551">
+                  <a:extLst>
+                    <a:ext uri="{9D8B030D-6E8A-4147-A177-3AD203B41FA5}">
+                      <a16:colId xmlns:a16="http://schemas.microsoft.com/office/drawing/2014/main" xmlns="" val="20008"/>
+                    </a:ext>
+                  </a:extLst>
+                </a:gridCol>
+                <a:gridCol w="498551">
+                  <a:extLst>
+                    <a:ext uri="{9D8B030D-6E8A-4147-A177-3AD203B41FA5}">
+                      <a16:colId xmlns:a16="http://schemas.microsoft.com/office/drawing/2014/main" xmlns="" val="20009"/>
+                    </a:ext>
+                  </a:extLst>
+                </a:gridCol>
+                <a:gridCol w="498551">
+                  <a:extLst>
+                    <a:ext uri="{9D8B030D-6E8A-4147-A177-3AD203B41FA5}">
+                      <a16:colId xmlns:a16="http://schemas.microsoft.com/office/drawing/2014/main" xmlns="" val="20010"/>
+                    </a:ext>
+                  </a:extLst>
+                </a:gridCol>
+                <a:gridCol w="498551">
+                  <a:extLst>
+                    <a:ext uri="{9D8B030D-6E8A-4147-A177-3AD203B41FA5}">
+                      <a16:colId xmlns:a16="http://schemas.microsoft.com/office/drawing/2014/main" xmlns="" val="20011"/>
+                    </a:ext>
+                  </a:extLst>
+                </a:gridCol>
+                <a:gridCol w="498551">
+                  <a:extLst>
+                    <a:ext uri="{9D8B030D-6E8A-4147-A177-3AD203B41FA5}">
+                      <a16:colId xmlns:a16="http://schemas.microsoft.com/office/drawing/2014/main" xmlns="" val="20012"/>
+                    </a:ext>
+                  </a:extLst>
+                </a:gridCol>
+                <a:gridCol w="498551">
+                  <a:extLst>
+                    <a:ext uri="{9D8B030D-6E8A-4147-A177-3AD203B41FA5}">
+                      <a16:colId xmlns:a16="http://schemas.microsoft.com/office/drawing/2014/main" xmlns="" val="20013"/>
+                    </a:ext>
+                  </a:extLst>
+                </a:gridCol>
+                <a:gridCol w="498551">
+                  <a:extLst>
+                    <a:ext uri="{9D8B030D-6E8A-4147-A177-3AD203B41FA5}">
+                      <a16:colId xmlns:a16="http://schemas.microsoft.com/office/drawing/2014/main" xmlns="" val="3843917279"/>
+                    </a:ext>
+                  </a:extLst>
+                </a:gridCol>
+              </a:tblGrid>
+              <a:tr h="345925">
+                <a:tc rowSpan="2">
+                  <a:txBody>
+                    <a:bodyPr/>
+                    <a:lstStyle/>
+                    <a:p>
+                      <a:pPr algn="ctr" latinLnBrk="1"/>
+                      <a:r>
+                        <a:rPr lang="ko-KR" altLang="en-US" sz="1400" dirty="0"/>
+                        <a:t>내용</a:t>
+                      </a:r>
+                    </a:p>
+                  </a:txBody>
+                  <a:tcPr anchor="ctr">
+                    <a:lnL w="12700" cmpd="sng">
+                      <a:noFill/>
+                    </a:lnL>
+                    <a:lnR w="12700" cmpd="sng">
+                      <a:noFill/>
+                    </a:lnR>
+                    <a:lnT w="12700" cmpd="sng">
+                      <a:noFill/>
+                    </a:lnT>
+                    <a:lnB w="12700" cmpd="sng">
+                      <a:noFill/>
+                    </a:lnB>
+                    <a:lnTlToBr w="12700" cmpd="sng">
+                      <a:noFill/>
+                      <a:prstDash val="solid"/>
+                    </a:lnTlToBr>
+                    <a:lnBlToTr w="12700" cmpd="sng">
+                      <a:noFill/>
+                      <a:prstDash val="solid"/>
+                    </a:lnBlToTr>
+                    <a:solidFill>
+                      <a:schemeClr val="bg1">
+                        <a:lumMod val="95000"/>
+                      </a:schemeClr>
+                    </a:solidFill>
+                  </a:tcPr>
+                </a:tc>
+                <a:tc gridSpan="3">
+                  <a:txBody>
+                    <a:bodyPr/>
+                    <a:lstStyle/>
+                    <a:p>
+                      <a:pPr algn="ctr" latinLnBrk="1"/>
+                      <a:r>
+                        <a:rPr lang="en-US" altLang="ko-KR" sz="1400" dirty="0"/>
+                        <a:t>3</a:t>
+                      </a:r>
+                      <a:r>
+                        <a:rPr lang="ko-KR" altLang="en-US" sz="1400" dirty="0"/>
+                        <a:t>월</a:t>
+                      </a:r>
+                    </a:p>
+                  </a:txBody>
+                  <a:tcPr>
+                    <a:lnL w="12700" cmpd="sng">
+                      <a:noFill/>
+                    </a:lnL>
+                    <a:lnR w="12700" cmpd="sng">
+                      <a:noFill/>
+                    </a:lnR>
+                    <a:lnT w="12700" cmpd="sng">
+                      <a:noFill/>
+                    </a:lnT>
+                    <a:lnB w="12700" cap="flat" cmpd="sng" algn="ctr">
+                      <a:noFill/>
+                      <a:prstDash val="solid"/>
+                      <a:round/>
+                      <a:headEnd type="none" w="med" len="med"/>
+                      <a:tailEnd type="none" w="med" len="med"/>
+                    </a:lnB>
+                    <a:lnTlToBr w="12700" cmpd="sng">
+                      <a:noFill/>
+                      <a:prstDash val="solid"/>
+                    </a:lnTlToBr>
+                    <a:lnBlToTr w="12700" cmpd="sng">
+                      <a:noFill/>
+                      <a:prstDash val="solid"/>
+                    </a:lnBlToTr>
+                    <a:solidFill>
+                      <a:schemeClr val="bg1">
+                        <a:lumMod val="95000"/>
+                      </a:schemeClr>
+                    </a:solidFill>
+                  </a:tcPr>
+                </a:tc>
+                <a:tc hMerge="1">
+                  <a:txBody>
+                    <a:bodyPr/>
+                    <a:lstStyle/>
+                    <a:p>
+                      <a:pPr latinLnBrk="1"/>
+                      <a:endParaRPr lang="ko-KR" altLang="en-US" dirty="0"/>
+                    </a:p>
+                  </a:txBody>
+                  <a:tcPr>
+                    <a:solidFill>
+                      <a:schemeClr val="accent2"/>
+                    </a:solidFill>
+                  </a:tcPr>
+                </a:tc>
+                <a:tc hMerge="1">
+                  <a:txBody>
+                    <a:bodyPr/>
+                    <a:lstStyle/>
+                    <a:p>
+                      <a:pPr latinLnBrk="1"/>
+                      <a:endParaRPr lang="ko-KR" altLang="en-US" dirty="0"/>
+                    </a:p>
+                  </a:txBody>
+                  <a:tcPr>
+                    <a:solidFill>
+                      <a:schemeClr val="accent2"/>
+                    </a:solidFill>
+                  </a:tcPr>
+                </a:tc>
+                <a:tc gridSpan="4">
+                  <a:txBody>
+                    <a:bodyPr/>
+                    <a:lstStyle/>
+                    <a:p>
+                      <a:pPr algn="ctr" latinLnBrk="1"/>
+                      <a:r>
+                        <a:rPr lang="en-US" altLang="ko-KR" sz="1400" dirty="0"/>
+                        <a:t>4</a:t>
+                      </a:r>
+                      <a:r>
+                        <a:rPr lang="ko-KR" altLang="en-US" sz="1400" dirty="0"/>
+                        <a:t>월</a:t>
+                      </a:r>
+                    </a:p>
+                  </a:txBody>
+                  <a:tcPr>
+                    <a:lnL w="12700" cmpd="sng">
+                      <a:noFill/>
+                    </a:lnL>
+                    <a:lnR w="12700" cmpd="sng">
+                      <a:noFill/>
+                    </a:lnR>
+                    <a:lnT w="12700" cmpd="sng">
+                      <a:noFill/>
+                    </a:lnT>
+                    <a:lnB w="12700" cap="flat" cmpd="sng" algn="ctr">
+                      <a:noFill/>
+                      <a:prstDash val="solid"/>
+                      <a:round/>
+                      <a:headEnd type="none" w="med" len="med"/>
+                      <a:tailEnd type="none" w="med" len="med"/>
+                    </a:lnB>
+                    <a:lnTlToBr w="12700" cmpd="sng">
+                      <a:noFill/>
+                      <a:prstDash val="solid"/>
+                    </a:lnTlToBr>
+                    <a:lnBlToTr w="12700" cmpd="sng">
+                      <a:noFill/>
+                      <a:prstDash val="solid"/>
+                    </a:lnBlToTr>
+                    <a:solidFill>
+                      <a:schemeClr val="bg1">
+                        <a:lumMod val="95000"/>
+                      </a:schemeClr>
+                    </a:solidFill>
+                  </a:tcPr>
+                </a:tc>
+                <a:tc hMerge="1">
+                  <a:txBody>
+                    <a:bodyPr/>
+                    <a:lstStyle/>
+                    <a:p>
+                      <a:pPr latinLnBrk="1"/>
+                      <a:endParaRPr lang="ko-KR" altLang="en-US" dirty="0"/>
+                    </a:p>
+                  </a:txBody>
+                  <a:tcPr>
+                    <a:solidFill>
+                      <a:schemeClr val="accent2"/>
+                    </a:solidFill>
+                  </a:tcPr>
+                </a:tc>
+                <a:tc hMerge="1">
+                  <a:txBody>
+                    <a:bodyPr/>
+                    <a:lstStyle/>
+                    <a:p>
+                      <a:pPr latinLnBrk="1"/>
+                      <a:endParaRPr lang="ko-KR" altLang="en-US" dirty="0"/>
+                    </a:p>
+                  </a:txBody>
+                  <a:tcPr>
+                    <a:solidFill>
+                      <a:schemeClr val="accent2"/>
+                    </a:solidFill>
+                  </a:tcPr>
+                </a:tc>
+                <a:tc hMerge="1">
+                  <a:txBody>
+                    <a:bodyPr/>
+                    <a:lstStyle/>
+                    <a:p>
+                      <a:pPr latinLnBrk="1"/>
+                      <a:endParaRPr lang="ko-KR" altLang="en-US" dirty="0"/>
+                    </a:p>
+                  </a:txBody>
+                  <a:tcPr>
+                    <a:solidFill>
+                      <a:schemeClr val="accent2"/>
+                    </a:solidFill>
+                  </a:tcPr>
+                </a:tc>
+                <a:tc gridSpan="4">
+                  <a:txBody>
+                    <a:bodyPr/>
+                    <a:lstStyle/>
+                    <a:p>
+                      <a:pPr algn="ctr" latinLnBrk="1"/>
+                      <a:r>
+                        <a:rPr lang="en-US" altLang="ko-KR" sz="1400" dirty="0"/>
+                        <a:t>5</a:t>
+                      </a:r>
+                      <a:r>
+                        <a:rPr lang="ko-KR" altLang="en-US" sz="1400" dirty="0"/>
+                        <a:t>월</a:t>
+                      </a:r>
+                    </a:p>
+                  </a:txBody>
+                  <a:tcPr>
+                    <a:lnL w="12700" cmpd="sng">
+                      <a:noFill/>
+                    </a:lnL>
+                    <a:lnR w="12700" cap="flat" cmpd="sng" algn="ctr">
+                      <a:noFill/>
+                      <a:prstDash val="solid"/>
+                      <a:round/>
+                      <a:headEnd type="none" w="med" len="med"/>
+                      <a:tailEnd type="none" w="med" len="med"/>
+                    </a:lnR>
+                    <a:lnT w="12700" cmpd="sng">
+                      <a:noFill/>
+                    </a:lnT>
+                    <a:lnB w="12700" cap="flat" cmpd="sng" algn="ctr">
+                      <a:noFill/>
+                      <a:prstDash val="solid"/>
+                      <a:round/>
+                      <a:headEnd type="none" w="med" len="med"/>
+                      <a:tailEnd type="none" w="med" len="med"/>
+                    </a:lnB>
+                    <a:lnTlToBr w="12700" cmpd="sng">
+                      <a:noFill/>
+                      <a:prstDash val="solid"/>
+                    </a:lnTlToBr>
+                    <a:lnBlToTr w="12700" cmpd="sng">
+                      <a:noFill/>
+                      <a:prstDash val="solid"/>
+                    </a:lnBlToTr>
+                    <a:solidFill>
+                      <a:schemeClr val="bg1">
+                        <a:lumMod val="95000"/>
+                      </a:schemeClr>
+                    </a:solidFill>
+                  </a:tcPr>
+                </a:tc>
+                <a:tc hMerge="1">
+                  <a:txBody>
+                    <a:bodyPr/>
+                    <a:lstStyle/>
+                    <a:p>
+                      <a:pPr latinLnBrk="1"/>
+                      <a:endParaRPr lang="ko-KR" altLang="en-US"/>
+                    </a:p>
+                  </a:txBody>
+                  <a:tcPr/>
+                </a:tc>
+                <a:tc hMerge="1">
+                  <a:txBody>
+                    <a:bodyPr/>
+                    <a:lstStyle/>
+                    <a:p>
+                      <a:pPr latinLnBrk="1"/>
+                      <a:endParaRPr lang="ko-KR" altLang="en-US" dirty="0"/>
+                    </a:p>
+                  </a:txBody>
+                  <a:tcPr>
+                    <a:solidFill>
+                      <a:schemeClr val="accent2"/>
+                    </a:solidFill>
+                  </a:tcPr>
+                </a:tc>
+                <a:tc hMerge="1">
+                  <a:txBody>
+                    <a:bodyPr/>
+                    <a:lstStyle/>
+                    <a:p>
+                      <a:pPr latinLnBrk="1"/>
+                      <a:endParaRPr lang="ko-KR" altLang="en-US"/>
+                    </a:p>
+                  </a:txBody>
+                  <a:tcPr/>
+                </a:tc>
+                <a:tc gridSpan="3">
+                  <a:txBody>
+                    <a:bodyPr/>
+                    <a:lstStyle/>
+                    <a:p>
+                      <a:pPr algn="ctr" latinLnBrk="1"/>
+                      <a:r>
+                        <a:rPr lang="en-US" altLang="ko-KR" sz="1400" dirty="0"/>
+                        <a:t>6</a:t>
+                      </a:r>
+                      <a:r>
+                        <a:rPr lang="ko-KR" altLang="en-US" sz="1400" dirty="0"/>
+                        <a:t>월</a:t>
+                      </a:r>
+                    </a:p>
+                  </a:txBody>
+                  <a:tcPr>
+                    <a:lnL w="12700" cap="flat" cmpd="sng" algn="ctr">
+                      <a:noFill/>
+                      <a:prstDash val="solid"/>
+                      <a:round/>
+                      <a:headEnd type="none" w="med" len="med"/>
+                      <a:tailEnd type="none" w="med" len="med"/>
+                    </a:lnL>
+                    <a:lnR w="12700" cmpd="sng">
+                      <a:noFill/>
+                    </a:lnR>
+                    <a:lnT w="12700" cmpd="sng">
+                      <a:noFill/>
+                    </a:lnT>
+                    <a:lnB w="12700" cap="flat" cmpd="sng" algn="ctr">
+                      <a:noFill/>
+                      <a:prstDash val="solid"/>
+                      <a:round/>
+                      <a:headEnd type="none" w="med" len="med"/>
+                      <a:tailEnd type="none" w="med" len="med"/>
+                    </a:lnB>
+                    <a:lnTlToBr w="12700" cmpd="sng">
+                      <a:noFill/>
+                      <a:prstDash val="solid"/>
+                    </a:lnTlToBr>
+                    <a:lnBlToTr w="12700" cmpd="sng">
+                      <a:noFill/>
+                      <a:prstDash val="solid"/>
+                    </a:lnBlToTr>
+                    <a:solidFill>
+                      <a:schemeClr val="bg1">
+                        <a:lumMod val="95000"/>
+                      </a:schemeClr>
+                    </a:solidFill>
+                  </a:tcPr>
+                </a:tc>
+                <a:tc hMerge="1">
+                  <a:txBody>
+                    <a:bodyPr/>
+                    <a:lstStyle/>
+                    <a:p>
+                      <a:pPr latinLnBrk="1"/>
+                      <a:endParaRPr lang="ko-KR" altLang="en-US"/>
+                    </a:p>
+                  </a:txBody>
+                  <a:tcPr/>
+                </a:tc>
+                <a:tc hMerge="1">
+                  <a:txBody>
+                    <a:bodyPr/>
+                    <a:lstStyle/>
+                    <a:p>
+                      <a:pPr latinLnBrk="1"/>
+                      <a:endParaRPr lang="ko-KR" altLang="en-US"/>
+                    </a:p>
+                  </a:txBody>
+                  <a:tcPr/>
+                </a:tc>
+                <a:extLst>
+                  <a:ext uri="{0D108BD9-81ED-4DB2-BD59-A6C34878D82A}">
+                    <a16:rowId xmlns:a16="http://schemas.microsoft.com/office/drawing/2014/main" xmlns="" val="10000"/>
+                  </a:ext>
+                </a:extLst>
+              </a:tr>
+              <a:tr h="294036">
+                <a:tc vMerge="1">
+                  <a:txBody>
+                    <a:bodyPr/>
+                    <a:lstStyle/>
+                    <a:p>
+                      <a:pPr latinLnBrk="1"/>
+                      <a:endParaRPr lang="ko-KR" altLang="en-US"/>
+                    </a:p>
+                  </a:txBody>
+                  <a:tcPr/>
+                </a:tc>
+                <a:tc>
+                  <a:txBody>
+                    <a:bodyPr/>
+                    <a:lstStyle/>
+                    <a:p>
+                      <a:pPr algn="ctr" latinLnBrk="1"/>
+                      <a:r>
+                        <a:rPr lang="en-US" altLang="ko-KR" sz="1100" dirty="0"/>
+                        <a:t>2</a:t>
+                      </a:r>
+                      <a:r>
+                        <a:rPr lang="ko-KR" altLang="en-US" sz="1100" dirty="0"/>
+                        <a:t>주</a:t>
+                      </a:r>
+                    </a:p>
+                  </a:txBody>
+                  <a:tcPr>
+                    <a:lnL w="12700" cmpd="sng">
+                      <a:noFill/>
+                    </a:lnL>
+                    <a:lnR w="12700" cap="flat" cmpd="sng" algn="ctr">
+                      <a:noFill/>
+                      <a:prstDash val="solid"/>
+                      <a:round/>
+                      <a:headEnd type="none" w="med" len="med"/>
+                      <a:tailEnd type="none" w="med" len="med"/>
+                    </a:lnR>
+                    <a:lnT w="12700" cap="flat" cmpd="sng" algn="ctr">
+                      <a:noFill/>
+                      <a:prstDash val="solid"/>
+                      <a:round/>
+                      <a:headEnd type="none" w="med" len="med"/>
+                      <a:tailEnd type="none" w="med" len="med"/>
+                    </a:lnT>
+                    <a:lnB w="12700" cmpd="sng">
+                      <a:noFill/>
+                    </a:lnB>
+                    <a:lnTlToBr w="12700" cmpd="sng">
+                      <a:noFill/>
+                      <a:prstDash val="solid"/>
+                    </a:lnTlToBr>
+                    <a:lnBlToTr w="12700" cmpd="sng">
+                      <a:noFill/>
+                      <a:prstDash val="solid"/>
+                    </a:lnBlToTr>
+                    <a:solidFill>
+                      <a:schemeClr val="bg1">
+                        <a:lumMod val="95000"/>
+                      </a:schemeClr>
+                    </a:solidFill>
+                  </a:tcPr>
+                </a:tc>
+                <a:tc>
+                  <a:txBody>
+                    <a:bodyPr/>
+                    <a:lstStyle/>
+                    <a:p>
+                      <a:pPr algn="ctr" latinLnBrk="1"/>
+                      <a:r>
+                        <a:rPr lang="en-US" altLang="ko-KR" sz="1100" dirty="0"/>
+                        <a:t>3</a:t>
+                      </a:r>
+                      <a:r>
+                        <a:rPr lang="ko-KR" altLang="en-US" sz="1100" dirty="0"/>
+                        <a:t>주</a:t>
+                      </a:r>
+                    </a:p>
+                  </a:txBody>
+                  <a:tcPr>
+                    <a:lnL w="12700" cap="flat" cmpd="sng" algn="ctr">
+                      <a:noFill/>
+                      <a:prstDash val="solid"/>
+                      <a:round/>
+                      <a:headEnd type="none" w="med" len="med"/>
+                      <a:tailEnd type="none" w="med" len="med"/>
+                    </a:lnL>
+                    <a:lnR w="12700" cap="flat" cmpd="sng" algn="ctr">
+                      <a:noFill/>
+                      <a:prstDash val="solid"/>
+                      <a:round/>
+                      <a:headEnd type="none" w="med" len="med"/>
+                      <a:tailEnd type="none" w="med" len="med"/>
+                    </a:lnR>
+                    <a:lnT w="12700" cap="flat" cmpd="sng" algn="ctr">
+                      <a:noFill/>
+                      <a:prstDash val="solid"/>
+                      <a:round/>
+                      <a:headEnd type="none" w="med" len="med"/>
+                      <a:tailEnd type="none" w="med" len="med"/>
+                    </a:lnT>
+                    <a:lnB w="12700" cmpd="sng">
+                      <a:noFill/>
+                    </a:lnB>
+                    <a:lnTlToBr w="12700" cmpd="sng">
+                      <a:noFill/>
+                      <a:prstDash val="solid"/>
+                    </a:lnTlToBr>
+                    <a:lnBlToTr w="12700" cmpd="sng">
+                      <a:noFill/>
+                      <a:prstDash val="solid"/>
+                    </a:lnBlToTr>
+                    <a:solidFill>
+                      <a:schemeClr val="bg1">
+                        <a:lumMod val="95000"/>
+                      </a:schemeClr>
+                    </a:solidFill>
+                  </a:tcPr>
+                </a:tc>
+                <a:tc>
+                  <a:txBody>
+                    <a:bodyPr/>
+                    <a:lstStyle/>
+                    <a:p>
+                      <a:pPr algn="ctr" latinLnBrk="1"/>
+                      <a:r>
+                        <a:rPr lang="en-US" altLang="ko-KR" sz="1100" dirty="0"/>
+                        <a:t>4</a:t>
+                      </a:r>
+                      <a:r>
+                        <a:rPr lang="ko-KR" altLang="en-US" sz="1100" dirty="0"/>
+                        <a:t>주</a:t>
+                      </a:r>
+                    </a:p>
+                  </a:txBody>
+                  <a:tcPr>
+                    <a:lnL w="12700" cap="flat" cmpd="sng" algn="ctr">
+                      <a:noFill/>
+                      <a:prstDash val="solid"/>
+                      <a:round/>
+                      <a:headEnd type="none" w="med" len="med"/>
+                      <a:tailEnd type="none" w="med" len="med"/>
+                    </a:lnL>
+                    <a:lnR w="12700" cmpd="sng">
+                      <a:noFill/>
+                    </a:lnR>
+                    <a:lnT w="12700" cap="flat" cmpd="sng" algn="ctr">
+                      <a:noFill/>
+                      <a:prstDash val="solid"/>
+                      <a:round/>
+                      <a:headEnd type="none" w="med" len="med"/>
+                      <a:tailEnd type="none" w="med" len="med"/>
+                    </a:lnT>
+                    <a:lnB w="12700" cmpd="sng">
+                      <a:noFill/>
+                    </a:lnB>
+                    <a:lnTlToBr w="12700" cmpd="sng">
+                      <a:noFill/>
+                      <a:prstDash val="solid"/>
+                    </a:lnTlToBr>
+                    <a:lnBlToTr w="12700" cmpd="sng">
+                      <a:noFill/>
+                      <a:prstDash val="solid"/>
+                    </a:lnBlToTr>
+                    <a:solidFill>
+                      <a:schemeClr val="bg1">
+                        <a:lumMod val="95000"/>
+                      </a:schemeClr>
+                    </a:solidFill>
+                  </a:tcPr>
+                </a:tc>
+                <a:tc>
+                  <a:txBody>
+                    <a:bodyPr/>
+                    <a:lstStyle/>
+                    <a:p>
+                      <a:pPr algn="ctr" latinLnBrk="1"/>
+                      <a:r>
+                        <a:rPr lang="en-US" altLang="ko-KR" sz="1100" dirty="0"/>
+                        <a:t>1</a:t>
+                      </a:r>
+                      <a:r>
+                        <a:rPr lang="ko-KR" altLang="en-US" sz="1100" dirty="0"/>
+                        <a:t>주</a:t>
+                      </a:r>
+                    </a:p>
+                  </a:txBody>
+                  <a:tcPr>
+                    <a:lnL w="12700" cmpd="sng">
+                      <a:noFill/>
+                    </a:lnL>
+                    <a:lnR w="12700" cap="flat" cmpd="sng" algn="ctr">
+                      <a:noFill/>
+                      <a:prstDash val="solid"/>
+                      <a:round/>
+                      <a:headEnd type="none" w="med" len="med"/>
+                      <a:tailEnd type="none" w="med" len="med"/>
+                    </a:lnR>
+                    <a:lnT w="12700" cap="flat" cmpd="sng" algn="ctr">
+                      <a:noFill/>
+                      <a:prstDash val="solid"/>
+                      <a:round/>
+                      <a:headEnd type="none" w="med" len="med"/>
+                      <a:tailEnd type="none" w="med" len="med"/>
+                    </a:lnT>
+                    <a:lnB w="12700" cmpd="sng">
+                      <a:noFill/>
+                    </a:lnB>
+                    <a:lnTlToBr w="12700" cmpd="sng">
+                      <a:noFill/>
+                      <a:prstDash val="solid"/>
+                    </a:lnTlToBr>
+                    <a:lnBlToTr w="12700" cmpd="sng">
+                      <a:noFill/>
+                      <a:prstDash val="solid"/>
+                    </a:lnBlToTr>
+                    <a:solidFill>
+                      <a:schemeClr val="bg1">
+                        <a:lumMod val="95000"/>
+                      </a:schemeClr>
+                    </a:solidFill>
+                  </a:tcPr>
+                </a:tc>
+                <a:tc>
+                  <a:txBody>
+                    <a:bodyPr/>
+                    <a:lstStyle/>
+                    <a:p>
+                      <a:pPr algn="ctr" latinLnBrk="1"/>
+                      <a:r>
+                        <a:rPr lang="en-US" altLang="ko-KR" sz="1100" dirty="0"/>
+                        <a:t>2</a:t>
+                      </a:r>
+                      <a:r>
+                        <a:rPr lang="ko-KR" altLang="en-US" sz="1100" dirty="0"/>
+                        <a:t>주</a:t>
+                      </a:r>
+                    </a:p>
+                  </a:txBody>
+                  <a:tcPr>
+                    <a:lnL w="12700" cap="flat" cmpd="sng" algn="ctr">
+                      <a:noFill/>
+                      <a:prstDash val="solid"/>
+                      <a:round/>
+                      <a:headEnd type="none" w="med" len="med"/>
+                      <a:tailEnd type="none" w="med" len="med"/>
+                    </a:lnL>
+                    <a:lnR w="12700" cap="flat" cmpd="sng" algn="ctr">
+                      <a:noFill/>
+                      <a:prstDash val="solid"/>
+                      <a:round/>
+                      <a:headEnd type="none" w="med" len="med"/>
+                      <a:tailEnd type="none" w="med" len="med"/>
+                    </a:lnR>
+                    <a:lnT w="12700" cap="flat" cmpd="sng" algn="ctr">
+                      <a:noFill/>
+                      <a:prstDash val="solid"/>
+                      <a:round/>
+                      <a:headEnd type="none" w="med" len="med"/>
+                      <a:tailEnd type="none" w="med" len="med"/>
+                    </a:lnT>
+                    <a:lnB w="12700" cmpd="sng">
+                      <a:noFill/>
+                    </a:lnB>
+                    <a:lnTlToBr w="12700" cmpd="sng">
+                      <a:noFill/>
+                      <a:prstDash val="solid"/>
+                    </a:lnTlToBr>
+                    <a:lnBlToTr w="12700" cmpd="sng">
+                      <a:noFill/>
+                      <a:prstDash val="solid"/>
+                    </a:lnBlToTr>
+                    <a:solidFill>
+                      <a:schemeClr val="bg1">
+                        <a:lumMod val="95000"/>
+                      </a:schemeClr>
+                    </a:solidFill>
+                  </a:tcPr>
+                </a:tc>
+                <a:tc>
+                  <a:txBody>
+                    <a:bodyPr/>
+                    <a:lstStyle/>
+                    <a:p>
+                      <a:pPr algn="ctr" latinLnBrk="1"/>
+                      <a:r>
+                        <a:rPr lang="en-US" altLang="ko-KR" sz="1100" dirty="0"/>
+                        <a:t>3</a:t>
+                      </a:r>
+                      <a:r>
+                        <a:rPr lang="ko-KR" altLang="en-US" sz="1100" dirty="0"/>
+                        <a:t>주</a:t>
+                      </a:r>
+                    </a:p>
+                  </a:txBody>
+                  <a:tcPr>
+                    <a:lnL w="12700" cap="flat" cmpd="sng" algn="ctr">
+                      <a:noFill/>
+                      <a:prstDash val="solid"/>
+                      <a:round/>
+                      <a:headEnd type="none" w="med" len="med"/>
+                      <a:tailEnd type="none" w="med" len="med"/>
+                    </a:lnL>
+                    <a:lnR w="12700" cap="flat" cmpd="sng" algn="ctr">
+                      <a:noFill/>
+                      <a:prstDash val="solid"/>
+                      <a:round/>
+                      <a:headEnd type="none" w="med" len="med"/>
+                      <a:tailEnd type="none" w="med" len="med"/>
+                    </a:lnR>
+                    <a:lnT w="12700" cap="flat" cmpd="sng" algn="ctr">
+                      <a:noFill/>
+                      <a:prstDash val="solid"/>
+                      <a:round/>
+                      <a:headEnd type="none" w="med" len="med"/>
+                      <a:tailEnd type="none" w="med" len="med"/>
+                    </a:lnT>
+                    <a:lnB w="12700" cmpd="sng">
+                      <a:noFill/>
+                    </a:lnB>
+                    <a:lnTlToBr w="12700" cmpd="sng">
+                      <a:noFill/>
+                      <a:prstDash val="solid"/>
+                    </a:lnTlToBr>
+                    <a:lnBlToTr w="12700" cmpd="sng">
+                      <a:noFill/>
+                      <a:prstDash val="solid"/>
+                    </a:lnBlToTr>
+                    <a:solidFill>
+                      <a:schemeClr val="bg1">
+                        <a:lumMod val="95000"/>
+                      </a:schemeClr>
+                    </a:solidFill>
+                  </a:tcPr>
+                </a:tc>
+                <a:tc>
+                  <a:txBody>
+                    <a:bodyPr/>
+                    <a:lstStyle/>
+                    <a:p>
+                      <a:pPr algn="ctr" latinLnBrk="1"/>
+                      <a:r>
+                        <a:rPr lang="en-US" altLang="ko-KR" sz="1100" dirty="0"/>
+                        <a:t>4</a:t>
+                      </a:r>
+                      <a:r>
+                        <a:rPr lang="ko-KR" altLang="en-US" sz="1100" dirty="0"/>
+                        <a:t>주</a:t>
+                      </a:r>
+                    </a:p>
+                  </a:txBody>
+                  <a:tcPr>
+                    <a:lnL w="12700" cap="flat" cmpd="sng" algn="ctr">
+                      <a:noFill/>
+                      <a:prstDash val="solid"/>
+                      <a:round/>
+                      <a:headEnd type="none" w="med" len="med"/>
+                      <a:tailEnd type="none" w="med" len="med"/>
+                    </a:lnL>
+                    <a:lnR w="12700" cmpd="sng">
+                      <a:noFill/>
+                    </a:lnR>
+                    <a:lnT w="12700" cap="flat" cmpd="sng" algn="ctr">
+                      <a:noFill/>
+                      <a:prstDash val="solid"/>
+                      <a:round/>
+                      <a:headEnd type="none" w="med" len="med"/>
+                      <a:tailEnd type="none" w="med" len="med"/>
+                    </a:lnT>
+                    <a:lnB w="12700" cmpd="sng">
+                      <a:noFill/>
+                    </a:lnB>
+                    <a:lnTlToBr w="12700" cmpd="sng">
+                      <a:noFill/>
+                      <a:prstDash val="solid"/>
+                    </a:lnTlToBr>
+                    <a:lnBlToTr w="12700" cmpd="sng">
+                      <a:noFill/>
+                      <a:prstDash val="solid"/>
+                    </a:lnBlToTr>
+                    <a:solidFill>
+                      <a:schemeClr val="bg1">
+                        <a:lumMod val="95000"/>
+                      </a:schemeClr>
+                    </a:solidFill>
+                  </a:tcPr>
+                </a:tc>
+                <a:tc>
+                  <a:txBody>
+                    <a:bodyPr/>
+                    <a:lstStyle/>
+                    <a:p>
+                      <a:pPr algn="ctr" latinLnBrk="1"/>
+                      <a:r>
+                        <a:rPr lang="en-US" altLang="ko-KR" sz="1100" dirty="0"/>
+                        <a:t>1</a:t>
+                      </a:r>
+                      <a:r>
+                        <a:rPr lang="ko-KR" altLang="en-US" sz="1100" dirty="0"/>
+                        <a:t>주</a:t>
+                      </a:r>
+                    </a:p>
+                  </a:txBody>
+                  <a:tcPr>
+                    <a:lnL w="12700" cmpd="sng">
+                      <a:noFill/>
+                    </a:lnL>
+                    <a:lnR w="12700" cap="flat" cmpd="sng" algn="ctr">
+                      <a:noFill/>
+                      <a:prstDash val="solid"/>
+                      <a:round/>
+                      <a:headEnd type="none" w="med" len="med"/>
+                      <a:tailEnd type="none" w="med" len="med"/>
+                    </a:lnR>
+                    <a:lnT w="12700" cap="flat" cmpd="sng" algn="ctr">
+                      <a:noFill/>
+                      <a:prstDash val="solid"/>
+                      <a:round/>
+                      <a:headEnd type="none" w="med" len="med"/>
+                      <a:tailEnd type="none" w="med" len="med"/>
+                    </a:lnT>
+                    <a:lnB w="12700" cmpd="sng">
+                      <a:noFill/>
+                    </a:lnB>
+                    <a:lnTlToBr w="12700" cmpd="sng">
+                      <a:noFill/>
+                      <a:prstDash val="solid"/>
+                    </a:lnTlToBr>
+                    <a:lnBlToTr w="12700" cmpd="sng">
+                      <a:noFill/>
+                      <a:prstDash val="solid"/>
+                    </a:lnBlToTr>
+                    <a:solidFill>
+                      <a:schemeClr val="bg1">
+                        <a:lumMod val="95000"/>
+                      </a:schemeClr>
+                    </a:solidFill>
+                  </a:tcPr>
+                </a:tc>
+                <a:tc>
+                  <a:txBody>
+                    <a:bodyPr/>
+                    <a:lstStyle/>
+                    <a:p>
+                      <a:pPr algn="ctr" latinLnBrk="1"/>
+                      <a:r>
+                        <a:rPr lang="en-US" altLang="ko-KR" sz="1100" dirty="0"/>
+                        <a:t>2</a:t>
+                      </a:r>
+                      <a:r>
+                        <a:rPr lang="ko-KR" altLang="en-US" sz="1100" dirty="0"/>
+                        <a:t>주</a:t>
+                      </a:r>
+                    </a:p>
+                  </a:txBody>
+                  <a:tcPr>
+                    <a:lnL w="12700" cap="flat" cmpd="sng" algn="ctr">
+                      <a:noFill/>
+                      <a:prstDash val="solid"/>
+                      <a:round/>
+                      <a:headEnd type="none" w="med" len="med"/>
+                      <a:tailEnd type="none" w="med" len="med"/>
+                    </a:lnL>
+                    <a:lnR w="12700" cap="flat" cmpd="sng" algn="ctr">
+                      <a:noFill/>
+                      <a:prstDash val="solid"/>
+                      <a:round/>
+                      <a:headEnd type="none" w="med" len="med"/>
+                      <a:tailEnd type="none" w="med" len="med"/>
+                    </a:lnR>
+                    <a:lnT w="12700" cap="flat" cmpd="sng" algn="ctr">
+                      <a:noFill/>
+                      <a:prstDash val="solid"/>
+                      <a:round/>
+                      <a:headEnd type="none" w="med" len="med"/>
+                      <a:tailEnd type="none" w="med" len="med"/>
+                    </a:lnT>
+                    <a:lnB w="12700" cmpd="sng">
+                      <a:noFill/>
+                    </a:lnB>
+                    <a:lnTlToBr w="12700" cmpd="sng">
+                      <a:noFill/>
+                      <a:prstDash val="solid"/>
+                    </a:lnTlToBr>
+                    <a:lnBlToTr w="12700" cmpd="sng">
+                      <a:noFill/>
+                      <a:prstDash val="solid"/>
+                    </a:lnBlToTr>
+                    <a:solidFill>
+                      <a:schemeClr val="bg1">
+                        <a:lumMod val="95000"/>
+                      </a:schemeClr>
+                    </a:solidFill>
+                  </a:tcPr>
+                </a:tc>
+                <a:tc>
+                  <a:txBody>
+                    <a:bodyPr/>
+                    <a:lstStyle/>
+                    <a:p>
+                      <a:pPr algn="ctr" latinLnBrk="1"/>
+                      <a:r>
+                        <a:rPr lang="en-US" altLang="ko-KR" sz="1100" dirty="0"/>
+                        <a:t>3</a:t>
+                      </a:r>
+                      <a:r>
+                        <a:rPr lang="ko-KR" altLang="en-US" sz="1100" dirty="0"/>
+                        <a:t>주</a:t>
+                      </a:r>
+                    </a:p>
+                  </a:txBody>
+                  <a:tcPr>
+                    <a:lnL w="12700" cap="flat" cmpd="sng" algn="ctr">
+                      <a:noFill/>
+                      <a:prstDash val="solid"/>
+                      <a:round/>
+                      <a:headEnd type="none" w="med" len="med"/>
+                      <a:tailEnd type="none" w="med" len="med"/>
+                    </a:lnL>
+                    <a:lnR w="12700" cap="flat" cmpd="sng" algn="ctr">
+                      <a:noFill/>
+                      <a:prstDash val="solid"/>
+                      <a:round/>
+                      <a:headEnd type="none" w="med" len="med"/>
+                      <a:tailEnd type="none" w="med" len="med"/>
+                    </a:lnR>
+                    <a:lnT w="12700" cap="flat" cmpd="sng" algn="ctr">
+                      <a:noFill/>
+                      <a:prstDash val="solid"/>
+                      <a:round/>
+                      <a:headEnd type="none" w="med" len="med"/>
+                      <a:tailEnd type="none" w="med" len="med"/>
+                    </a:lnT>
+                    <a:lnB w="12700" cmpd="sng">
+                      <a:noFill/>
+                    </a:lnB>
+                    <a:lnTlToBr w="12700" cmpd="sng">
+                      <a:noFill/>
+                      <a:prstDash val="solid"/>
+                    </a:lnTlToBr>
+                    <a:lnBlToTr w="12700" cmpd="sng">
+                      <a:noFill/>
+                      <a:prstDash val="solid"/>
+                    </a:lnBlToTr>
+                    <a:solidFill>
+                      <a:schemeClr val="bg1">
+                        <a:lumMod val="95000"/>
+                      </a:schemeClr>
+                    </a:solidFill>
+                  </a:tcPr>
+                </a:tc>
+                <a:tc>
+                  <a:txBody>
+                    <a:bodyPr/>
+                    <a:lstStyle/>
+                    <a:p>
+                      <a:pPr algn="ctr" latinLnBrk="1"/>
+                      <a:r>
+                        <a:rPr lang="en-US" altLang="ko-KR" sz="1100" dirty="0"/>
+                        <a:t>4</a:t>
+                      </a:r>
+                      <a:r>
+                        <a:rPr lang="ko-KR" altLang="en-US" sz="1100" dirty="0"/>
+                        <a:t>주</a:t>
+                      </a:r>
+                    </a:p>
+                  </a:txBody>
+                  <a:tcPr>
+                    <a:lnL w="12700" cap="flat" cmpd="sng" algn="ctr">
+                      <a:noFill/>
+                      <a:prstDash val="solid"/>
+                      <a:round/>
+                      <a:headEnd type="none" w="med" len="med"/>
+                      <a:tailEnd type="none" w="med" len="med"/>
+                    </a:lnL>
+                    <a:lnR w="12700" cap="flat" cmpd="sng" algn="ctr">
+                      <a:noFill/>
+                      <a:prstDash val="solid"/>
+                      <a:round/>
+                      <a:headEnd type="none" w="med" len="med"/>
+                      <a:tailEnd type="none" w="med" len="med"/>
+                    </a:lnR>
+                    <a:lnT w="12700" cap="flat" cmpd="sng" algn="ctr">
+                      <a:noFill/>
+                      <a:prstDash val="solid"/>
+                      <a:round/>
+                      <a:headEnd type="none" w="med" len="med"/>
+                      <a:tailEnd type="none" w="med" len="med"/>
+                    </a:lnT>
+                    <a:lnB w="12700" cmpd="sng">
+                      <a:noFill/>
+                    </a:lnB>
+                    <a:lnTlToBr w="12700" cmpd="sng">
+                      <a:noFill/>
+                      <a:prstDash val="solid"/>
+                    </a:lnTlToBr>
+                    <a:lnBlToTr w="12700" cmpd="sng">
+                      <a:noFill/>
+                      <a:prstDash val="solid"/>
+                    </a:lnBlToTr>
+                    <a:solidFill>
+                      <a:schemeClr val="bg1">
+                        <a:lumMod val="95000"/>
+                      </a:schemeClr>
+                    </a:solidFill>
+                  </a:tcPr>
+                </a:tc>
+                <a:tc>
+                  <a:txBody>
+                    <a:bodyPr/>
+                    <a:lstStyle/>
+                    <a:p>
+                      <a:pPr algn="ctr" latinLnBrk="1"/>
+                      <a:r>
+                        <a:rPr lang="en-US" altLang="ko-KR" sz="1100" dirty="0"/>
+                        <a:t>1</a:t>
+                      </a:r>
+                      <a:r>
+                        <a:rPr lang="ko-KR" altLang="en-US" sz="1100" dirty="0"/>
+                        <a:t>주</a:t>
+                      </a:r>
+                    </a:p>
+                  </a:txBody>
+                  <a:tcPr>
+                    <a:lnL w="12700" cap="flat" cmpd="sng" algn="ctr">
+                      <a:noFill/>
+                      <a:prstDash val="solid"/>
+                      <a:round/>
+                      <a:headEnd type="none" w="med" len="med"/>
+                      <a:tailEnd type="none" w="med" len="med"/>
+                    </a:lnL>
+                    <a:lnR w="12700" cap="flat" cmpd="sng" algn="ctr">
+                      <a:noFill/>
+                      <a:prstDash val="solid"/>
+                      <a:round/>
+                      <a:headEnd type="none" w="med" len="med"/>
+                      <a:tailEnd type="none" w="med" len="med"/>
+                    </a:lnR>
+                    <a:lnT w="12700" cap="flat" cmpd="sng" algn="ctr">
+                      <a:noFill/>
+                      <a:prstDash val="solid"/>
+                      <a:round/>
+                      <a:headEnd type="none" w="med" len="med"/>
+                      <a:tailEnd type="none" w="med" len="med"/>
+                    </a:lnT>
+                    <a:lnB w="12700" cmpd="sng">
+                      <a:noFill/>
+                    </a:lnB>
+                    <a:lnTlToBr w="12700" cmpd="sng">
+                      <a:noFill/>
+                      <a:prstDash val="solid"/>
+                    </a:lnTlToBr>
+                    <a:lnBlToTr w="12700" cmpd="sng">
+                      <a:noFill/>
+                      <a:prstDash val="solid"/>
+                    </a:lnBlToTr>
+                    <a:solidFill>
+                      <a:schemeClr val="bg1">
+                        <a:lumMod val="95000"/>
+                      </a:schemeClr>
+                    </a:solidFill>
+                  </a:tcPr>
+                </a:tc>
+                <a:tc>
+                  <a:txBody>
+                    <a:bodyPr/>
+                    <a:lstStyle/>
+                    <a:p>
+                      <a:pPr algn="ctr" latinLnBrk="1"/>
+                      <a:r>
+                        <a:rPr lang="en-US" altLang="ko-KR" sz="1100" dirty="0"/>
+                        <a:t>2</a:t>
+                      </a:r>
+                      <a:r>
+                        <a:rPr lang="ko-KR" altLang="en-US" sz="1100" dirty="0"/>
+                        <a:t>주</a:t>
+                      </a:r>
+                    </a:p>
+                  </a:txBody>
+                  <a:tcPr>
+                    <a:lnL w="12700" cap="flat" cmpd="sng" algn="ctr">
+                      <a:noFill/>
+                      <a:prstDash val="solid"/>
+                      <a:round/>
+                      <a:headEnd type="none" w="med" len="med"/>
+                      <a:tailEnd type="none" w="med" len="med"/>
+                    </a:lnL>
+                    <a:lnR w="12700" cap="flat" cmpd="sng" algn="ctr">
+                      <a:noFill/>
+                      <a:prstDash val="solid"/>
+                      <a:round/>
+                      <a:headEnd type="none" w="med" len="med"/>
+                      <a:tailEnd type="none" w="med" len="med"/>
+                    </a:lnR>
+                    <a:lnT w="12700" cap="flat" cmpd="sng" algn="ctr">
+                      <a:noFill/>
+                      <a:prstDash val="solid"/>
+                      <a:round/>
+                      <a:headEnd type="none" w="med" len="med"/>
+                      <a:tailEnd type="none" w="med" len="med"/>
+                    </a:lnT>
+                    <a:lnB w="12700" cmpd="sng">
+                      <a:noFill/>
+                    </a:lnB>
+                    <a:lnTlToBr w="12700" cmpd="sng">
+                      <a:noFill/>
+                      <a:prstDash val="solid"/>
+                    </a:lnTlToBr>
+                    <a:lnBlToTr w="12700" cmpd="sng">
+                      <a:noFill/>
+                      <a:prstDash val="solid"/>
+                    </a:lnBlToTr>
+                    <a:solidFill>
+                      <a:schemeClr val="bg1">
+                        <a:lumMod val="95000"/>
+                      </a:schemeClr>
+                    </a:solidFill>
+                  </a:tcPr>
+                </a:tc>
+                <a:tc>
+                  <a:txBody>
+                    <a:bodyPr/>
+                    <a:lstStyle/>
+                    <a:p>
+                      <a:pPr algn="ctr" latinLnBrk="1"/>
+                      <a:r>
+                        <a:rPr lang="en-US" altLang="ko-KR" sz="1100" dirty="0"/>
+                        <a:t>3</a:t>
+                      </a:r>
+                      <a:r>
+                        <a:rPr lang="ko-KR" altLang="en-US" sz="1100" dirty="0"/>
+                        <a:t>주</a:t>
+                      </a:r>
+                    </a:p>
+                  </a:txBody>
+                  <a:tcPr>
+                    <a:lnL w="12700" cap="flat" cmpd="sng" algn="ctr">
+                      <a:noFill/>
+                      <a:prstDash val="solid"/>
+                      <a:round/>
+                      <a:headEnd type="none" w="med" len="med"/>
+                      <a:tailEnd type="none" w="med" len="med"/>
+                    </a:lnL>
+                    <a:lnR w="12700" cap="flat" cmpd="sng" algn="ctr">
+                      <a:noFill/>
+                      <a:prstDash val="solid"/>
+                      <a:round/>
+                      <a:headEnd type="none" w="med" len="med"/>
+                      <a:tailEnd type="none" w="med" len="med"/>
+                    </a:lnR>
+                    <a:lnT w="12700" cap="flat" cmpd="sng" algn="ctr">
+                      <a:noFill/>
+                      <a:prstDash val="solid"/>
+                      <a:round/>
+                      <a:headEnd type="none" w="med" len="med"/>
+                      <a:tailEnd type="none" w="med" len="med"/>
+                    </a:lnT>
+                    <a:lnB w="12700" cmpd="sng">
+                      <a:noFill/>
+                    </a:lnB>
+                    <a:lnTlToBr w="12700" cmpd="sng">
+                      <a:noFill/>
+                      <a:prstDash val="solid"/>
+                    </a:lnTlToBr>
+                    <a:lnBlToTr w="12700" cmpd="sng">
+                      <a:noFill/>
+                      <a:prstDash val="solid"/>
+                    </a:lnBlToTr>
+                    <a:solidFill>
+                      <a:schemeClr val="bg1">
+                        <a:lumMod val="95000"/>
+                      </a:schemeClr>
+                    </a:solidFill>
+                  </a:tcPr>
+                </a:tc>
+                <a:extLst>
+                  <a:ext uri="{0D108BD9-81ED-4DB2-BD59-A6C34878D82A}">
+                    <a16:rowId xmlns:a16="http://schemas.microsoft.com/office/drawing/2014/main" xmlns="" val="10001"/>
+                  </a:ext>
+                </a:extLst>
+              </a:tr>
+              <a:tr h="415109">
+                <a:tc>
+                  <a:txBody>
+                    <a:bodyPr/>
+                    <a:lstStyle/>
+                    <a:p>
+                      <a:pPr rtl="0" fontAlgn="t">
+                        <a:spcBef>
+                          <a:spcPts val="0"/>
+                        </a:spcBef>
+                        <a:spcAft>
+                          <a:spcPts val="0"/>
+                        </a:spcAft>
+                      </a:pPr>
+                      <a:r>
+                        <a:rPr lang="en-US" altLang="ko-KR" sz="1200" b="0" i="0" u="none" strike="noStrike" dirty="0">
+                          <a:solidFill>
+                            <a:srgbClr val="000000"/>
+                          </a:solidFill>
+                          <a:effectLst/>
+                          <a:latin typeface="Arial" panose="020B0604020202020204" pitchFamily="34" charset="0"/>
+                        </a:rPr>
+                        <a:t>ML </a:t>
+                      </a:r>
+                      <a:r>
+                        <a:rPr lang="ko-KR" altLang="en-US" sz="1200" b="0" i="0" u="none" strike="noStrike" dirty="0">
+                          <a:solidFill>
+                            <a:srgbClr val="000000"/>
+                          </a:solidFill>
+                          <a:effectLst/>
+                          <a:latin typeface="Arial" panose="020B0604020202020204" pitchFamily="34" charset="0"/>
+                        </a:rPr>
+                        <a:t>지식 및 개발 환경</a:t>
+                      </a:r>
+                      <a:endParaRPr lang="ko-KR" altLang="en-US" sz="1200" dirty="0">
+                        <a:effectLst/>
+                      </a:endParaRPr>
+                    </a:p>
+                  </a:txBody>
+                  <a:tcPr marL="63500" marR="63500" marT="63500" marB="63500">
+                    <a:lnL w="12700" cmpd="sng">
+                      <a:noFill/>
+                    </a:lnL>
+                    <a:lnR w="12700" cmpd="sng">
+                      <a:noFill/>
+                    </a:lnR>
+                    <a:lnT w="12700" cmpd="sng">
+                      <a:noFill/>
+                    </a:lnT>
+                    <a:lnB w="12700" cap="flat" cmpd="sng" algn="ctr">
+                      <a:noFill/>
+                      <a:prstDash val="solid"/>
+                      <a:round/>
+                      <a:headEnd type="none" w="med" len="med"/>
+                      <a:tailEnd type="none" w="med" len="med"/>
+                    </a:lnB>
+                    <a:lnTlToBr w="12700" cmpd="sng">
+                      <a:noFill/>
+                      <a:prstDash val="solid"/>
+                    </a:lnTlToBr>
+                    <a:lnBlToTr w="12700" cmpd="sng">
+                      <a:noFill/>
+                      <a:prstDash val="solid"/>
+                    </a:lnBlToTr>
+                  </a:tcPr>
+                </a:tc>
+                <a:tc gridSpan="3">
+                  <a:txBody>
+                    <a:bodyPr/>
+                    <a:lstStyle/>
+                    <a:p>
+                      <a:pPr latinLnBrk="1"/>
+                      <a:endParaRPr lang="ko-KR" altLang="en-US" dirty="0"/>
+                    </a:p>
+                  </a:txBody>
+                  <a:tcPr>
+                    <a:lnL w="12700" cmpd="sng">
+                      <a:noFill/>
+                    </a:lnL>
+                    <a:lnR w="12700" cmpd="sng">
+                      <a:noFill/>
+                    </a:lnR>
+                    <a:lnT w="12700" cmpd="sng">
+                      <a:noFill/>
+                    </a:lnT>
+                    <a:lnB w="12700" cap="flat" cmpd="sng" algn="ctr">
+                      <a:noFill/>
+                      <a:prstDash val="solid"/>
+                      <a:round/>
+                      <a:headEnd type="none" w="med" len="med"/>
+                      <a:tailEnd type="none" w="med" len="med"/>
+                    </a:lnB>
+                    <a:lnTlToBr w="12700" cmpd="sng">
+                      <a:noFill/>
+                      <a:prstDash val="solid"/>
+                    </a:lnTlToBr>
+                    <a:lnBlToTr w="12700" cmpd="sng">
+                      <a:noFill/>
+                      <a:prstDash val="solid"/>
+                    </a:lnBlToTr>
+                    <a:solidFill>
+                      <a:srgbClr val="FFA200"/>
+                    </a:solidFill>
+                  </a:tcPr>
+                </a:tc>
+                <a:tc hMerge="1">
+                  <a:txBody>
+                    <a:bodyPr/>
+                    <a:lstStyle/>
+                    <a:p>
+                      <a:pPr latinLnBrk="1"/>
+                      <a:endParaRPr lang="ko-KR" altLang="en-US" dirty="0"/>
+                    </a:p>
+                  </a:txBody>
+                  <a:tcPr>
+                    <a:lnB w="12700" cap="flat" cmpd="sng" algn="ctr">
+                      <a:solidFill>
+                        <a:schemeClr val="tx1"/>
+                      </a:solidFill>
+                      <a:prstDash val="solid"/>
+                      <a:round/>
+                      <a:headEnd type="none" w="med" len="med"/>
+                      <a:tailEnd type="none" w="med" len="med"/>
+                    </a:lnB>
+                  </a:tcPr>
+                </a:tc>
+                <a:tc hMerge="1">
+                  <a:txBody>
+                    <a:bodyPr/>
+                    <a:lstStyle/>
+                    <a:p>
+                      <a:pPr latinLnBrk="1"/>
+                      <a:endParaRPr lang="ko-KR" altLang="en-US" dirty="0"/>
+                    </a:p>
+                  </a:txBody>
+                  <a:tcPr>
+                    <a:lnB w="12700" cap="flat" cmpd="sng" algn="ctr">
+                      <a:solidFill>
+                        <a:schemeClr val="tx1"/>
+                      </a:solidFill>
+                      <a:prstDash val="solid"/>
+                      <a:round/>
+                      <a:headEnd type="none" w="med" len="med"/>
+                      <a:tailEnd type="none" w="med" len="med"/>
+                    </a:lnB>
+                  </a:tcPr>
+                </a:tc>
+                <a:tc>
+                  <a:txBody>
+                    <a:bodyPr/>
+                    <a:lstStyle/>
+                    <a:p>
+                      <a:pPr latinLnBrk="1"/>
+                      <a:endParaRPr lang="ko-KR" altLang="en-US" dirty="0"/>
+                    </a:p>
+                  </a:txBody>
+                  <a:tcPr>
+                    <a:lnL w="12700" cmpd="sng">
+                      <a:noFill/>
+                    </a:lnL>
+                    <a:lnR w="12700" cap="flat" cmpd="sng" algn="ctr">
+                      <a:noFill/>
+                      <a:prstDash val="solid"/>
+                      <a:round/>
+                      <a:headEnd type="none" w="med" len="med"/>
+                      <a:tailEnd type="none" w="med" len="med"/>
+                    </a:lnR>
+                    <a:lnT w="12700" cmpd="sng">
+                      <a:noFill/>
+                    </a:lnT>
+                    <a:lnB w="12700" cap="flat" cmpd="sng" algn="ctr">
+                      <a:noFill/>
+                      <a:prstDash val="solid"/>
+                      <a:round/>
+                      <a:headEnd type="none" w="med" len="med"/>
+                      <a:tailEnd type="none" w="med" len="med"/>
+                    </a:lnB>
+                    <a:lnTlToBr w="12700" cmpd="sng">
+                      <a:noFill/>
+                      <a:prstDash val="solid"/>
+                    </a:lnTlToBr>
+                    <a:lnBlToTr w="12700" cmpd="sng">
+                      <a:noFill/>
+                      <a:prstDash val="solid"/>
+                    </a:lnBlToTr>
+                  </a:tcPr>
+                </a:tc>
+                <a:tc>
+                  <a:txBody>
+                    <a:bodyPr/>
+                    <a:lstStyle/>
+                    <a:p>
+                      <a:pPr latinLnBrk="1"/>
+                      <a:endParaRPr lang="ko-KR" altLang="en-US" dirty="0"/>
+                    </a:p>
+                  </a:txBody>
+                  <a:tcPr>
+                    <a:lnL w="12700" cap="flat" cmpd="sng" algn="ctr">
+                      <a:noFill/>
+                      <a:prstDash val="solid"/>
+                      <a:round/>
+                      <a:headEnd type="none" w="med" len="med"/>
+                      <a:tailEnd type="none" w="med" len="med"/>
+                    </a:lnL>
+                    <a:lnR w="12700" cmpd="sng">
+                      <a:noFill/>
+                    </a:lnR>
+                    <a:lnT w="12700" cmpd="sng">
+                      <a:noFill/>
+                    </a:lnT>
+                    <a:lnB w="12700" cap="flat" cmpd="sng" algn="ctr">
+                      <a:noFill/>
+                      <a:prstDash val="solid"/>
+                      <a:round/>
+                      <a:headEnd type="none" w="med" len="med"/>
+                      <a:tailEnd type="none" w="med" len="med"/>
+                    </a:lnB>
+                    <a:lnTlToBr w="12700" cmpd="sng">
+                      <a:noFill/>
+                      <a:prstDash val="solid"/>
+                    </a:lnTlToBr>
+                    <a:lnBlToTr w="12700" cmpd="sng">
+                      <a:noFill/>
+                      <a:prstDash val="solid"/>
+                    </a:lnBlToTr>
+                  </a:tcPr>
+                </a:tc>
+                <a:tc>
+                  <a:txBody>
+                    <a:bodyPr/>
+                    <a:lstStyle/>
+                    <a:p>
+                      <a:pPr latinLnBrk="1"/>
+                      <a:endParaRPr lang="ko-KR" altLang="en-US" dirty="0"/>
+                    </a:p>
+                  </a:txBody>
+                  <a:tcPr>
+                    <a:lnL w="12700" cmpd="sng">
+                      <a:noFill/>
+                    </a:lnL>
+                    <a:lnR w="12700" cmpd="sng">
+                      <a:noFill/>
+                    </a:lnR>
+                    <a:lnT w="12700" cmpd="sng">
+                      <a:noFill/>
+                    </a:lnT>
+                    <a:lnB w="12700" cap="flat" cmpd="sng" algn="ctr">
+                      <a:noFill/>
+                      <a:prstDash val="solid"/>
+                      <a:round/>
+                      <a:headEnd type="none" w="med" len="med"/>
+                      <a:tailEnd type="none" w="med" len="med"/>
+                    </a:lnB>
+                    <a:lnTlToBr w="12700" cmpd="sng">
+                      <a:noFill/>
+                      <a:prstDash val="solid"/>
+                    </a:lnTlToBr>
+                    <a:lnBlToTr w="12700" cmpd="sng">
+                      <a:noFill/>
+                      <a:prstDash val="solid"/>
+                    </a:lnBlToTr>
+                  </a:tcPr>
+                </a:tc>
+                <a:tc>
+                  <a:txBody>
+                    <a:bodyPr/>
+                    <a:lstStyle/>
+                    <a:p>
+                      <a:pPr latinLnBrk="1"/>
+                      <a:endParaRPr lang="ko-KR" altLang="en-US" dirty="0"/>
+                    </a:p>
+                  </a:txBody>
+                  <a:tcPr>
+                    <a:lnL w="12700" cmpd="sng">
+                      <a:noFill/>
+                    </a:lnL>
+                    <a:lnR w="12700" cmpd="sng">
+                      <a:noFill/>
+                    </a:lnR>
+                    <a:lnT w="12700" cmpd="sng">
+                      <a:noFill/>
+                    </a:lnT>
+                    <a:lnB w="12700" cap="flat" cmpd="sng" algn="ctr">
+                      <a:noFill/>
+                      <a:prstDash val="solid"/>
+                      <a:round/>
+                      <a:headEnd type="none" w="med" len="med"/>
+                      <a:tailEnd type="none" w="med" len="med"/>
+                    </a:lnB>
+                    <a:lnTlToBr w="12700" cmpd="sng">
+                      <a:noFill/>
+                      <a:prstDash val="solid"/>
+                    </a:lnTlToBr>
+                    <a:lnBlToTr w="12700" cmpd="sng">
+                      <a:noFill/>
+                      <a:prstDash val="solid"/>
+                    </a:lnBlToTr>
+                  </a:tcPr>
+                </a:tc>
+                <a:tc>
+                  <a:txBody>
+                    <a:bodyPr/>
+                    <a:lstStyle/>
+                    <a:p>
+                      <a:pPr latinLnBrk="1"/>
+                      <a:endParaRPr lang="ko-KR" altLang="en-US" dirty="0"/>
+                    </a:p>
+                  </a:txBody>
+                  <a:tcPr>
+                    <a:lnL w="12700" cmpd="sng">
+                      <a:noFill/>
+                    </a:lnL>
+                    <a:lnR w="12700" cap="flat" cmpd="sng" algn="ctr">
+                      <a:noFill/>
+                      <a:prstDash val="solid"/>
+                      <a:round/>
+                      <a:headEnd type="none" w="med" len="med"/>
+                      <a:tailEnd type="none" w="med" len="med"/>
+                    </a:lnR>
+                    <a:lnT w="12700" cmpd="sng">
+                      <a:noFill/>
+                    </a:lnT>
+                    <a:lnB w="12700" cap="flat" cmpd="sng" algn="ctr">
+                      <a:noFill/>
+                      <a:prstDash val="solid"/>
+                      <a:round/>
+                      <a:headEnd type="none" w="med" len="med"/>
+                      <a:tailEnd type="none" w="med" len="med"/>
+                    </a:lnB>
+                    <a:lnTlToBr w="12700" cmpd="sng">
+                      <a:noFill/>
+                      <a:prstDash val="solid"/>
+                    </a:lnTlToBr>
+                    <a:lnBlToTr w="12700" cmpd="sng">
+                      <a:noFill/>
+                      <a:prstDash val="solid"/>
+                    </a:lnBlToTr>
+                  </a:tcPr>
+                </a:tc>
+                <a:tc>
+                  <a:txBody>
+                    <a:bodyPr/>
+                    <a:lstStyle/>
+                    <a:p>
+                      <a:pPr latinLnBrk="1"/>
+                      <a:endParaRPr lang="ko-KR" altLang="en-US" dirty="0"/>
+                    </a:p>
+                  </a:txBody>
+                  <a:tcPr>
+                    <a:lnL w="12700" cap="flat" cmpd="sng" algn="ctr">
+                      <a:noFill/>
+                      <a:prstDash val="solid"/>
+                      <a:round/>
+                      <a:headEnd type="none" w="med" len="med"/>
+                      <a:tailEnd type="none" w="med" len="med"/>
+                    </a:lnL>
+                    <a:lnR w="12700" cmpd="sng">
+                      <a:noFill/>
+                    </a:lnR>
+                    <a:lnT w="12700" cmpd="sng">
+                      <a:noFill/>
+                    </a:lnT>
+                    <a:lnB w="12700" cap="flat" cmpd="sng" algn="ctr">
+                      <a:noFill/>
+                      <a:prstDash val="solid"/>
+                      <a:round/>
+                      <a:headEnd type="none" w="med" len="med"/>
+                      <a:tailEnd type="none" w="med" len="med"/>
+                    </a:lnB>
+                    <a:lnTlToBr w="12700" cmpd="sng">
+                      <a:noFill/>
+                      <a:prstDash val="solid"/>
+                    </a:lnTlToBr>
+                    <a:lnBlToTr w="12700" cmpd="sng">
+                      <a:noFill/>
+                      <a:prstDash val="solid"/>
+                    </a:lnBlToTr>
+                  </a:tcPr>
+                </a:tc>
+                <a:tc>
+                  <a:txBody>
+                    <a:bodyPr/>
+                    <a:lstStyle/>
+                    <a:p>
+                      <a:pPr latinLnBrk="1"/>
+                      <a:endParaRPr lang="ko-KR" altLang="en-US" dirty="0"/>
+                    </a:p>
+                  </a:txBody>
+                  <a:tcPr>
+                    <a:lnL w="12700" cmpd="sng">
+                      <a:noFill/>
+                    </a:lnL>
+                    <a:lnR w="12700" cap="flat" cmpd="sng" algn="ctr">
+                      <a:noFill/>
+                      <a:prstDash val="solid"/>
+                      <a:round/>
+                      <a:headEnd type="none" w="med" len="med"/>
+                      <a:tailEnd type="none" w="med" len="med"/>
+                    </a:lnR>
+                    <a:lnT w="12700" cmpd="sng">
+                      <a:noFill/>
+                    </a:lnT>
+                    <a:lnB w="12700" cap="flat" cmpd="sng" algn="ctr">
+                      <a:noFill/>
+                      <a:prstDash val="solid"/>
+                      <a:round/>
+                      <a:headEnd type="none" w="med" len="med"/>
+                      <a:tailEnd type="none" w="med" len="med"/>
+                    </a:lnB>
+                    <a:lnTlToBr w="12700" cmpd="sng">
+                      <a:noFill/>
+                      <a:prstDash val="solid"/>
+                    </a:lnTlToBr>
+                    <a:lnBlToTr w="12700" cmpd="sng">
+                      <a:noFill/>
+                      <a:prstDash val="solid"/>
+                    </a:lnBlToTr>
+                  </a:tcPr>
+                </a:tc>
+                <a:tc>
+                  <a:txBody>
+                    <a:bodyPr/>
+                    <a:lstStyle/>
+                    <a:p>
+                      <a:pPr latinLnBrk="1"/>
+                      <a:endParaRPr lang="ko-KR" altLang="en-US" dirty="0"/>
+                    </a:p>
+                  </a:txBody>
+                  <a:tcPr>
+                    <a:lnL w="12700" cap="flat" cmpd="sng" algn="ctr">
+                      <a:noFill/>
+                      <a:prstDash val="solid"/>
+                      <a:round/>
+                      <a:headEnd type="none" w="med" len="med"/>
+                      <a:tailEnd type="none" w="med" len="med"/>
+                    </a:lnL>
+                    <a:lnR w="12700" cap="flat" cmpd="sng" algn="ctr">
+                      <a:noFill/>
+                      <a:prstDash val="solid"/>
+                      <a:round/>
+                      <a:headEnd type="none" w="med" len="med"/>
+                      <a:tailEnd type="none" w="med" len="med"/>
+                    </a:lnR>
+                    <a:lnT w="12700" cmpd="sng">
+                      <a:noFill/>
+                    </a:lnT>
+                    <a:lnB w="12700" cap="flat" cmpd="sng" algn="ctr">
+                      <a:noFill/>
+                      <a:prstDash val="solid"/>
+                      <a:round/>
+                      <a:headEnd type="none" w="med" len="med"/>
+                      <a:tailEnd type="none" w="med" len="med"/>
+                    </a:lnB>
+                    <a:lnTlToBr w="12700" cmpd="sng">
+                      <a:noFill/>
+                      <a:prstDash val="solid"/>
+                    </a:lnTlToBr>
+                    <a:lnBlToTr w="12700" cmpd="sng">
+                      <a:noFill/>
+                      <a:prstDash val="solid"/>
+                    </a:lnBlToTr>
+                  </a:tcPr>
+                </a:tc>
+                <a:tc>
+                  <a:txBody>
+                    <a:bodyPr/>
+                    <a:lstStyle/>
+                    <a:p>
+                      <a:pPr latinLnBrk="1"/>
+                      <a:endParaRPr lang="ko-KR" altLang="en-US" dirty="0"/>
+                    </a:p>
+                  </a:txBody>
+                  <a:tcPr>
+                    <a:lnL w="12700" cap="flat" cmpd="sng" algn="ctr">
+                      <a:noFill/>
+                      <a:prstDash val="solid"/>
+                      <a:round/>
+                      <a:headEnd type="none" w="med" len="med"/>
+                      <a:tailEnd type="none" w="med" len="med"/>
+                    </a:lnL>
+                    <a:lnR w="12700" cap="flat" cmpd="sng" algn="ctr">
+                      <a:noFill/>
+                      <a:prstDash val="solid"/>
+                      <a:round/>
+                      <a:headEnd type="none" w="med" len="med"/>
+                      <a:tailEnd type="none" w="med" len="med"/>
+                    </a:lnR>
+                    <a:lnT w="12700" cmpd="sng">
+                      <a:noFill/>
+                    </a:lnT>
+                    <a:lnB w="12700" cap="flat" cmpd="sng" algn="ctr">
+                      <a:noFill/>
+                      <a:prstDash val="solid"/>
+                      <a:round/>
+                      <a:headEnd type="none" w="med" len="med"/>
+                      <a:tailEnd type="none" w="med" len="med"/>
+                    </a:lnB>
+                    <a:lnTlToBr w="12700" cmpd="sng">
+                      <a:noFill/>
+                      <a:prstDash val="solid"/>
+                    </a:lnTlToBr>
+                    <a:lnBlToTr w="12700" cmpd="sng">
+                      <a:noFill/>
+                      <a:prstDash val="solid"/>
+                    </a:lnBlToTr>
+                  </a:tcPr>
+                </a:tc>
+                <a:tc>
+                  <a:txBody>
+                    <a:bodyPr/>
+                    <a:lstStyle/>
+                    <a:p>
+                      <a:pPr latinLnBrk="1"/>
+                      <a:endParaRPr lang="ko-KR" altLang="en-US" dirty="0"/>
+                    </a:p>
+                  </a:txBody>
+                  <a:tcPr>
+                    <a:lnL w="12700" cap="flat" cmpd="sng" algn="ctr">
+                      <a:noFill/>
+                      <a:prstDash val="solid"/>
+                      <a:round/>
+                      <a:headEnd type="none" w="med" len="med"/>
+                      <a:tailEnd type="none" w="med" len="med"/>
+                    </a:lnL>
+                    <a:lnR w="12700" cap="flat" cmpd="sng" algn="ctr">
+                      <a:noFill/>
+                      <a:prstDash val="solid"/>
+                      <a:round/>
+                      <a:headEnd type="none" w="med" len="med"/>
+                      <a:tailEnd type="none" w="med" len="med"/>
+                    </a:lnR>
+                    <a:lnT w="12700" cmpd="sng">
+                      <a:noFill/>
+                    </a:lnT>
+                    <a:lnB w="12700" cap="flat" cmpd="sng" algn="ctr">
+                      <a:noFill/>
+                      <a:prstDash val="solid"/>
+                      <a:round/>
+                      <a:headEnd type="none" w="med" len="med"/>
+                      <a:tailEnd type="none" w="med" len="med"/>
+                    </a:lnB>
+                    <a:lnTlToBr w="12700" cmpd="sng">
+                      <a:noFill/>
+                      <a:prstDash val="solid"/>
+                    </a:lnTlToBr>
+                    <a:lnBlToTr w="12700" cmpd="sng">
+                      <a:noFill/>
+                      <a:prstDash val="solid"/>
+                    </a:lnBlToTr>
+                  </a:tcPr>
+                </a:tc>
+                <a:tc>
+                  <a:txBody>
+                    <a:bodyPr/>
+                    <a:lstStyle/>
+                    <a:p>
+                      <a:pPr latinLnBrk="1"/>
+                      <a:endParaRPr lang="ko-KR" altLang="en-US" dirty="0"/>
+                    </a:p>
+                  </a:txBody>
+                  <a:tcPr>
+                    <a:lnL w="12700" cap="flat" cmpd="sng" algn="ctr">
+                      <a:noFill/>
+                      <a:prstDash val="solid"/>
+                      <a:round/>
+                      <a:headEnd type="none" w="med" len="med"/>
+                      <a:tailEnd type="none" w="med" len="med"/>
+                    </a:lnL>
+                    <a:lnR w="12700" cap="flat" cmpd="sng" algn="ctr">
+                      <a:noFill/>
+                      <a:prstDash val="solid"/>
+                      <a:round/>
+                      <a:headEnd type="none" w="med" len="med"/>
+                      <a:tailEnd type="none" w="med" len="med"/>
+                    </a:lnR>
+                    <a:lnT w="12700" cmpd="sng">
+                      <a:noFill/>
+                    </a:lnT>
+                    <a:lnB w="12700" cap="flat" cmpd="sng" algn="ctr">
+                      <a:noFill/>
+                      <a:prstDash val="solid"/>
+                      <a:round/>
+                      <a:headEnd type="none" w="med" len="med"/>
+                      <a:tailEnd type="none" w="med" len="med"/>
+                    </a:lnB>
+                    <a:lnTlToBr w="12700" cmpd="sng">
+                      <a:noFill/>
+                      <a:prstDash val="solid"/>
+                    </a:lnTlToBr>
+                    <a:lnBlToTr w="12700" cmpd="sng">
+                      <a:noFill/>
+                      <a:prstDash val="solid"/>
+                    </a:lnBlToTr>
+                  </a:tcPr>
+                </a:tc>
+                <a:extLst>
+                  <a:ext uri="{0D108BD9-81ED-4DB2-BD59-A6C34878D82A}">
+                    <a16:rowId xmlns:a16="http://schemas.microsoft.com/office/drawing/2014/main" xmlns="" val="10002"/>
+                  </a:ext>
+                </a:extLst>
+              </a:tr>
+              <a:tr h="415109">
+                <a:tc>
+                  <a:txBody>
+                    <a:bodyPr/>
+                    <a:lstStyle/>
+                    <a:p>
+                      <a:pPr rtl="0" fontAlgn="t">
+                        <a:spcBef>
+                          <a:spcPts val="0"/>
+                        </a:spcBef>
+                        <a:spcAft>
+                          <a:spcPts val="0"/>
+                        </a:spcAft>
+                      </a:pPr>
+                      <a:r>
+                        <a:rPr lang="ko-KR" altLang="en-US" sz="1200" b="0" i="0" u="none" strike="noStrike" dirty="0">
+                          <a:solidFill>
+                            <a:srgbClr val="434343"/>
+                          </a:solidFill>
+                          <a:effectLst/>
+                          <a:latin typeface="Arial" panose="020B0604020202020204" pitchFamily="34" charset="0"/>
+                        </a:rPr>
+                        <a:t>스펙 발표</a:t>
+                      </a:r>
+                      <a:endParaRPr lang="ko-KR" altLang="en-US" sz="1200" dirty="0">
+                        <a:effectLst/>
+                      </a:endParaRPr>
+                    </a:p>
+                  </a:txBody>
+                  <a:tcPr marL="63500" marR="63500" marT="63500" marB="63500">
+                    <a:lnL w="12700" cmpd="sng">
+                      <a:noFill/>
+                    </a:lnL>
+                    <a:lnR w="12700" cmpd="sng">
+                      <a:noFill/>
+                    </a:lnR>
+                    <a:lnT w="12700" cap="flat" cmpd="sng" algn="ctr">
+                      <a:noFill/>
+                      <a:prstDash val="solid"/>
+                      <a:round/>
+                      <a:headEnd type="none" w="med" len="med"/>
+                      <a:tailEnd type="none" w="med" len="med"/>
+                    </a:lnT>
+                    <a:lnB w="12700" cap="flat" cmpd="sng" algn="ctr">
+                      <a:noFill/>
+                      <a:prstDash val="solid"/>
+                      <a:round/>
+                      <a:headEnd type="none" w="med" len="med"/>
+                      <a:tailEnd type="none" w="med" len="med"/>
+                    </a:lnB>
+                    <a:lnTlToBr w="12700" cmpd="sng">
+                      <a:noFill/>
+                      <a:prstDash val="solid"/>
+                    </a:lnTlToBr>
+                    <a:lnBlToTr w="12700" cmpd="sng">
+                      <a:noFill/>
+                      <a:prstDash val="solid"/>
+                    </a:lnBlToTr>
+                  </a:tcPr>
+                </a:tc>
+                <a:tc>
+                  <a:txBody>
+                    <a:bodyPr/>
+                    <a:lstStyle/>
+                    <a:p>
+                      <a:pPr latinLnBrk="1"/>
+                      <a:endParaRPr lang="ko-KR" altLang="en-US" dirty="0"/>
+                    </a:p>
+                  </a:txBody>
+                  <a:tcPr>
+                    <a:lnL w="12700" cmpd="sng">
+                      <a:noFill/>
+                    </a:lnL>
+                    <a:lnR w="12700" cmpd="sng">
+                      <a:noFill/>
+                    </a:lnR>
+                    <a:lnT w="12700" cap="flat" cmpd="sng" algn="ctr">
+                      <a:noFill/>
+                      <a:prstDash val="solid"/>
+                      <a:round/>
+                      <a:headEnd type="none" w="med" len="med"/>
+                      <a:tailEnd type="none" w="med" len="med"/>
+                    </a:lnT>
+                    <a:lnB w="12700" cap="flat" cmpd="sng" algn="ctr">
+                      <a:noFill/>
+                      <a:prstDash val="solid"/>
+                      <a:round/>
+                      <a:headEnd type="none" w="med" len="med"/>
+                      <a:tailEnd type="none" w="med" len="med"/>
+                    </a:lnB>
+                    <a:lnTlToBr w="12700" cmpd="sng">
+                      <a:noFill/>
+                      <a:prstDash val="solid"/>
+                    </a:lnTlToBr>
+                    <a:lnBlToTr w="12700" cmpd="sng">
+                      <a:noFill/>
+                      <a:prstDash val="solid"/>
+                    </a:lnBlToTr>
+                  </a:tcPr>
+                </a:tc>
+                <a:tc>
+                  <a:txBody>
+                    <a:bodyPr/>
+                    <a:lstStyle/>
+                    <a:p>
+                      <a:pPr latinLnBrk="1"/>
+                      <a:endParaRPr lang="ko-KR" altLang="en-US" dirty="0"/>
+                    </a:p>
+                  </a:txBody>
+                  <a:tcPr>
+                    <a:lnL w="12700" cmpd="sng">
+                      <a:noFill/>
+                    </a:lnL>
+                    <a:lnR w="12700" cmpd="sng">
+                      <a:noFill/>
+                    </a:lnR>
+                    <a:lnT w="12700" cap="flat" cmpd="sng" algn="ctr">
+                      <a:noFill/>
+                      <a:prstDash val="solid"/>
+                      <a:round/>
+                      <a:headEnd type="none" w="med" len="med"/>
+                      <a:tailEnd type="none" w="med" len="med"/>
+                    </a:lnT>
+                    <a:lnB w="12700" cap="flat" cmpd="sng" algn="ctr">
+                      <a:noFill/>
+                      <a:prstDash val="solid"/>
+                      <a:round/>
+                      <a:headEnd type="none" w="med" len="med"/>
+                      <a:tailEnd type="none" w="med" len="med"/>
+                    </a:lnB>
+                    <a:lnTlToBr w="12700" cmpd="sng">
+                      <a:noFill/>
+                      <a:prstDash val="solid"/>
+                    </a:lnTlToBr>
+                    <a:lnBlToTr w="12700" cmpd="sng">
+                      <a:noFill/>
+                      <a:prstDash val="solid"/>
+                    </a:lnBlToTr>
+                  </a:tcPr>
+                </a:tc>
+                <a:tc>
+                  <a:txBody>
+                    <a:bodyPr/>
+                    <a:lstStyle/>
+                    <a:p>
+                      <a:pPr latinLnBrk="1"/>
+                      <a:endParaRPr lang="ko-KR" altLang="en-US" dirty="0"/>
+                    </a:p>
+                  </a:txBody>
+                  <a:tcPr>
+                    <a:lnL w="12700" cmpd="sng">
+                      <a:noFill/>
+                    </a:lnL>
+                    <a:lnR w="12700" cmpd="sng">
+                      <a:noFill/>
+                    </a:lnR>
+                    <a:lnT w="12700" cap="flat" cmpd="sng" algn="ctr">
+                      <a:noFill/>
+                      <a:prstDash val="solid"/>
+                      <a:round/>
+                      <a:headEnd type="none" w="med" len="med"/>
+                      <a:tailEnd type="none" w="med" len="med"/>
+                    </a:lnT>
+                    <a:lnB w="12700" cap="flat" cmpd="sng" algn="ctr">
+                      <a:noFill/>
+                      <a:prstDash val="solid"/>
+                      <a:round/>
+                      <a:headEnd type="none" w="med" len="med"/>
+                      <a:tailEnd type="none" w="med" len="med"/>
+                    </a:lnB>
+                    <a:lnTlToBr w="12700" cmpd="sng">
+                      <a:noFill/>
+                      <a:prstDash val="solid"/>
+                    </a:lnTlToBr>
+                    <a:lnBlToTr w="12700" cmpd="sng">
+                      <a:noFill/>
+                      <a:prstDash val="solid"/>
+                    </a:lnBlToTr>
+                    <a:solidFill>
+                      <a:srgbClr val="FDC103"/>
+                    </a:solidFill>
+                  </a:tcPr>
+                </a:tc>
+                <a:tc>
+                  <a:txBody>
+                    <a:bodyPr/>
+                    <a:lstStyle/>
+                    <a:p>
+                      <a:pPr latinLnBrk="1"/>
+                      <a:endParaRPr lang="ko-KR" altLang="en-US" dirty="0"/>
+                    </a:p>
+                  </a:txBody>
+                  <a:tcPr>
+                    <a:lnL w="12700" cmpd="sng">
+                      <a:noFill/>
+                    </a:lnL>
+                    <a:lnR w="12700" cap="flat" cmpd="sng" algn="ctr">
+                      <a:noFill/>
+                      <a:prstDash val="solid"/>
+                      <a:round/>
+                      <a:headEnd type="none" w="med" len="med"/>
+                      <a:tailEnd type="none" w="med" len="med"/>
+                    </a:lnR>
+                    <a:lnT w="12700" cap="flat" cmpd="sng" algn="ctr">
+                      <a:noFill/>
+                      <a:prstDash val="solid"/>
+                      <a:round/>
+                      <a:headEnd type="none" w="med" len="med"/>
+                      <a:tailEnd type="none" w="med" len="med"/>
+                    </a:lnT>
+                    <a:lnB w="12700" cap="flat" cmpd="sng" algn="ctr">
+                      <a:noFill/>
+                      <a:prstDash val="solid"/>
+                      <a:round/>
+                      <a:headEnd type="none" w="med" len="med"/>
+                      <a:tailEnd type="none" w="med" len="med"/>
+                    </a:lnB>
+                    <a:lnTlToBr w="12700" cmpd="sng">
+                      <a:noFill/>
+                      <a:prstDash val="solid"/>
+                    </a:lnTlToBr>
+                    <a:lnBlToTr w="12700" cmpd="sng">
+                      <a:noFill/>
+                      <a:prstDash val="solid"/>
+                    </a:lnBlToTr>
+                  </a:tcPr>
+                </a:tc>
+                <a:tc>
+                  <a:txBody>
+                    <a:bodyPr/>
+                    <a:lstStyle/>
+                    <a:p>
+                      <a:pPr latinLnBrk="1"/>
+                      <a:endParaRPr lang="ko-KR" altLang="en-US" dirty="0"/>
+                    </a:p>
+                  </a:txBody>
+                  <a:tcPr>
+                    <a:lnL w="12700" cap="flat" cmpd="sng" algn="ctr">
+                      <a:noFill/>
+                      <a:prstDash val="solid"/>
+                      <a:round/>
+                      <a:headEnd type="none" w="med" len="med"/>
+                      <a:tailEnd type="none" w="med" len="med"/>
+                    </a:lnL>
+                    <a:lnR w="12700" cmpd="sng">
+                      <a:noFill/>
+                    </a:lnR>
+                    <a:lnT w="12700" cap="flat" cmpd="sng" algn="ctr">
+                      <a:noFill/>
+                      <a:prstDash val="solid"/>
+                      <a:round/>
+                      <a:headEnd type="none" w="med" len="med"/>
+                      <a:tailEnd type="none" w="med" len="med"/>
+                    </a:lnT>
+                    <a:lnB w="12700" cap="flat" cmpd="sng" algn="ctr">
+                      <a:noFill/>
+                      <a:prstDash val="solid"/>
+                      <a:round/>
+                      <a:headEnd type="none" w="med" len="med"/>
+                      <a:tailEnd type="none" w="med" len="med"/>
+                    </a:lnB>
+                    <a:lnTlToBr w="12700" cmpd="sng">
+                      <a:noFill/>
+                      <a:prstDash val="solid"/>
+                    </a:lnTlToBr>
+                    <a:lnBlToTr w="12700" cmpd="sng">
+                      <a:noFill/>
+                      <a:prstDash val="solid"/>
+                    </a:lnBlToTr>
+                  </a:tcPr>
+                </a:tc>
+                <a:tc>
+                  <a:txBody>
+                    <a:bodyPr/>
+                    <a:lstStyle/>
+                    <a:p>
+                      <a:pPr latinLnBrk="1"/>
+                      <a:endParaRPr lang="ko-KR" altLang="en-US" dirty="0"/>
+                    </a:p>
+                  </a:txBody>
+                  <a:tcPr>
+                    <a:lnL w="12700" cmpd="sng">
+                      <a:noFill/>
+                    </a:lnL>
+                    <a:lnR w="12700" cmpd="sng">
+                      <a:noFill/>
+                    </a:lnR>
+                    <a:lnT w="12700" cap="flat" cmpd="sng" algn="ctr">
+                      <a:noFill/>
+                      <a:prstDash val="solid"/>
+                      <a:round/>
+                      <a:headEnd type="none" w="med" len="med"/>
+                      <a:tailEnd type="none" w="med" len="med"/>
+                    </a:lnT>
+                    <a:lnB w="12700" cap="flat" cmpd="sng" algn="ctr">
+                      <a:noFill/>
+                      <a:prstDash val="solid"/>
+                      <a:round/>
+                      <a:headEnd type="none" w="med" len="med"/>
+                      <a:tailEnd type="none" w="med" len="med"/>
+                    </a:lnB>
+                    <a:lnTlToBr w="12700" cmpd="sng">
+                      <a:noFill/>
+                      <a:prstDash val="solid"/>
+                    </a:lnTlToBr>
+                    <a:lnBlToTr w="12700" cmpd="sng">
+                      <a:noFill/>
+                      <a:prstDash val="solid"/>
+                    </a:lnBlToTr>
+                  </a:tcPr>
+                </a:tc>
+                <a:tc>
+                  <a:txBody>
+                    <a:bodyPr/>
+                    <a:lstStyle/>
+                    <a:p>
+                      <a:pPr latinLnBrk="1"/>
+                      <a:endParaRPr lang="ko-KR" altLang="en-US"/>
+                    </a:p>
+                  </a:txBody>
+                  <a:tcPr>
+                    <a:lnL w="12700" cmpd="sng">
+                      <a:noFill/>
+                    </a:lnL>
+                    <a:lnR w="12700" cmpd="sng">
+                      <a:noFill/>
+                    </a:lnR>
+                    <a:lnT w="12700" cap="flat" cmpd="sng" algn="ctr">
+                      <a:noFill/>
+                      <a:prstDash val="solid"/>
+                      <a:round/>
+                      <a:headEnd type="none" w="med" len="med"/>
+                      <a:tailEnd type="none" w="med" len="med"/>
+                    </a:lnT>
+                    <a:lnB w="12700" cap="flat" cmpd="sng" algn="ctr">
+                      <a:noFill/>
+                      <a:prstDash val="solid"/>
+                      <a:round/>
+                      <a:headEnd type="none" w="med" len="med"/>
+                      <a:tailEnd type="none" w="med" len="med"/>
+                    </a:lnB>
+                    <a:lnTlToBr w="12700" cmpd="sng">
+                      <a:noFill/>
+                      <a:prstDash val="solid"/>
+                    </a:lnTlToBr>
+                    <a:lnBlToTr w="12700" cmpd="sng">
+                      <a:noFill/>
+                      <a:prstDash val="solid"/>
+                    </a:lnBlToTr>
+                  </a:tcPr>
+                </a:tc>
+                <a:tc>
+                  <a:txBody>
+                    <a:bodyPr/>
+                    <a:lstStyle/>
+                    <a:p>
+                      <a:pPr latinLnBrk="1"/>
+                      <a:endParaRPr lang="ko-KR" altLang="en-US" dirty="0"/>
+                    </a:p>
+                  </a:txBody>
+                  <a:tcPr>
+                    <a:lnL w="12700" cmpd="sng">
+                      <a:noFill/>
+                    </a:lnL>
+                    <a:lnR w="12700" cap="flat" cmpd="sng" algn="ctr">
+                      <a:noFill/>
+                      <a:prstDash val="solid"/>
+                      <a:round/>
+                      <a:headEnd type="none" w="med" len="med"/>
+                      <a:tailEnd type="none" w="med" len="med"/>
+                    </a:lnR>
+                    <a:lnT w="12700" cap="flat" cmpd="sng" algn="ctr">
+                      <a:noFill/>
+                      <a:prstDash val="solid"/>
+                      <a:round/>
+                      <a:headEnd type="none" w="med" len="med"/>
+                      <a:tailEnd type="none" w="med" len="med"/>
+                    </a:lnT>
+                    <a:lnB w="12700" cap="flat" cmpd="sng" algn="ctr">
+                      <a:noFill/>
+                      <a:prstDash val="solid"/>
+                      <a:round/>
+                      <a:headEnd type="none" w="med" len="med"/>
+                      <a:tailEnd type="none" w="med" len="med"/>
+                    </a:lnB>
+                    <a:lnTlToBr w="12700" cmpd="sng">
+                      <a:noFill/>
+                      <a:prstDash val="solid"/>
+                    </a:lnTlToBr>
+                    <a:lnBlToTr w="12700" cmpd="sng">
+                      <a:noFill/>
+                      <a:prstDash val="solid"/>
+                    </a:lnBlToTr>
+                  </a:tcPr>
+                </a:tc>
+                <a:tc>
+                  <a:txBody>
+                    <a:bodyPr/>
+                    <a:lstStyle/>
+                    <a:p>
+                      <a:pPr latinLnBrk="1"/>
+                      <a:endParaRPr lang="ko-KR" altLang="en-US" dirty="0"/>
+                    </a:p>
+                  </a:txBody>
+                  <a:tcPr>
+                    <a:lnL w="12700" cap="flat" cmpd="sng" algn="ctr">
+                      <a:noFill/>
+                      <a:prstDash val="solid"/>
+                      <a:round/>
+                      <a:headEnd type="none" w="med" len="med"/>
+                      <a:tailEnd type="none" w="med" len="med"/>
+                    </a:lnL>
+                    <a:lnR w="12700" cmpd="sng">
+                      <a:noFill/>
+                    </a:lnR>
+                    <a:lnT w="12700" cap="flat" cmpd="sng" algn="ctr">
+                      <a:noFill/>
+                      <a:prstDash val="solid"/>
+                      <a:round/>
+                      <a:headEnd type="none" w="med" len="med"/>
+                      <a:tailEnd type="none" w="med" len="med"/>
+                    </a:lnT>
+                    <a:lnB w="12700" cap="flat" cmpd="sng" algn="ctr">
+                      <a:noFill/>
+                      <a:prstDash val="solid"/>
+                      <a:round/>
+                      <a:headEnd type="none" w="med" len="med"/>
+                      <a:tailEnd type="none" w="med" len="med"/>
+                    </a:lnB>
+                    <a:lnTlToBr w="12700" cmpd="sng">
+                      <a:noFill/>
+                      <a:prstDash val="solid"/>
+                    </a:lnTlToBr>
+                    <a:lnBlToTr w="12700" cmpd="sng">
+                      <a:noFill/>
+                      <a:prstDash val="solid"/>
+                    </a:lnBlToTr>
+                  </a:tcPr>
+                </a:tc>
+                <a:tc>
+                  <a:txBody>
+                    <a:bodyPr/>
+                    <a:lstStyle/>
+                    <a:p>
+                      <a:pPr latinLnBrk="1"/>
+                      <a:endParaRPr lang="ko-KR" altLang="en-US" dirty="0"/>
+                    </a:p>
+                  </a:txBody>
+                  <a:tcPr>
+                    <a:lnL w="12700" cmpd="sng">
+                      <a:noFill/>
+                    </a:lnL>
+                    <a:lnR w="12700" cap="flat" cmpd="sng" algn="ctr">
+                      <a:noFill/>
+                      <a:prstDash val="solid"/>
+                      <a:round/>
+                      <a:headEnd type="none" w="med" len="med"/>
+                      <a:tailEnd type="none" w="med" len="med"/>
+                    </a:lnR>
+                    <a:lnT w="12700" cap="flat" cmpd="sng" algn="ctr">
+                      <a:noFill/>
+                      <a:prstDash val="solid"/>
+                      <a:round/>
+                      <a:headEnd type="none" w="med" len="med"/>
+                      <a:tailEnd type="none" w="med" len="med"/>
+                    </a:lnT>
+                    <a:lnB w="12700" cap="flat" cmpd="sng" algn="ctr">
+                      <a:noFill/>
+                      <a:prstDash val="solid"/>
+                      <a:round/>
+                      <a:headEnd type="none" w="med" len="med"/>
+                      <a:tailEnd type="none" w="med" len="med"/>
+                    </a:lnB>
+                    <a:lnTlToBr w="12700" cmpd="sng">
+                      <a:noFill/>
+                      <a:prstDash val="solid"/>
+                    </a:lnTlToBr>
+                    <a:lnBlToTr w="12700" cmpd="sng">
+                      <a:noFill/>
+                      <a:prstDash val="solid"/>
+                    </a:lnBlToTr>
+                  </a:tcPr>
+                </a:tc>
+                <a:tc>
+                  <a:txBody>
+                    <a:bodyPr/>
+                    <a:lstStyle/>
+                    <a:p>
+                      <a:pPr latinLnBrk="1"/>
+                      <a:endParaRPr lang="ko-KR" altLang="en-US" dirty="0"/>
+                    </a:p>
+                  </a:txBody>
+                  <a:tcPr>
+                    <a:lnL w="12700" cap="flat" cmpd="sng" algn="ctr">
+                      <a:noFill/>
+                      <a:prstDash val="solid"/>
+                      <a:round/>
+                      <a:headEnd type="none" w="med" len="med"/>
+                      <a:tailEnd type="none" w="med" len="med"/>
+                    </a:lnL>
+                    <a:lnR w="12700" cap="flat" cmpd="sng" algn="ctr">
+                      <a:noFill/>
+                      <a:prstDash val="solid"/>
+                      <a:round/>
+                      <a:headEnd type="none" w="med" len="med"/>
+                      <a:tailEnd type="none" w="med" len="med"/>
+                    </a:lnR>
+                    <a:lnT w="12700" cap="flat" cmpd="sng" algn="ctr">
+                      <a:noFill/>
+                      <a:prstDash val="solid"/>
+                      <a:round/>
+                      <a:headEnd type="none" w="med" len="med"/>
+                      <a:tailEnd type="none" w="med" len="med"/>
+                    </a:lnT>
+                    <a:lnB w="12700" cap="flat" cmpd="sng" algn="ctr">
+                      <a:noFill/>
+                      <a:prstDash val="solid"/>
+                      <a:round/>
+                      <a:headEnd type="none" w="med" len="med"/>
+                      <a:tailEnd type="none" w="med" len="med"/>
+                    </a:lnB>
+                    <a:lnTlToBr w="12700" cmpd="sng">
+                      <a:noFill/>
+                      <a:prstDash val="solid"/>
+                    </a:lnTlToBr>
+                    <a:lnBlToTr w="12700" cmpd="sng">
+                      <a:noFill/>
+                      <a:prstDash val="solid"/>
+                    </a:lnBlToTr>
+                  </a:tcPr>
+                </a:tc>
+                <a:tc>
+                  <a:txBody>
+                    <a:bodyPr/>
+                    <a:lstStyle/>
+                    <a:p>
+                      <a:pPr latinLnBrk="1"/>
+                      <a:endParaRPr lang="ko-KR" altLang="en-US" dirty="0"/>
+                    </a:p>
+                  </a:txBody>
+                  <a:tcPr>
+                    <a:lnL w="12700" cap="flat" cmpd="sng" algn="ctr">
+                      <a:noFill/>
+                      <a:prstDash val="solid"/>
+                      <a:round/>
+                      <a:headEnd type="none" w="med" len="med"/>
+                      <a:tailEnd type="none" w="med" len="med"/>
+                    </a:lnL>
+                    <a:lnR w="12700" cap="flat" cmpd="sng" algn="ctr">
+                      <a:noFill/>
+                      <a:prstDash val="solid"/>
+                      <a:round/>
+                      <a:headEnd type="none" w="med" len="med"/>
+                      <a:tailEnd type="none" w="med" len="med"/>
+                    </a:lnR>
+                    <a:lnT w="12700" cap="flat" cmpd="sng" algn="ctr">
+                      <a:noFill/>
+                      <a:prstDash val="solid"/>
+                      <a:round/>
+                      <a:headEnd type="none" w="med" len="med"/>
+                      <a:tailEnd type="none" w="med" len="med"/>
+                    </a:lnT>
+                    <a:lnB w="12700" cap="flat" cmpd="sng" algn="ctr">
+                      <a:noFill/>
+                      <a:prstDash val="solid"/>
+                      <a:round/>
+                      <a:headEnd type="none" w="med" len="med"/>
+                      <a:tailEnd type="none" w="med" len="med"/>
+                    </a:lnB>
+                    <a:lnTlToBr w="12700" cmpd="sng">
+                      <a:noFill/>
+                      <a:prstDash val="solid"/>
+                    </a:lnTlToBr>
+                    <a:lnBlToTr w="12700" cmpd="sng">
+                      <a:noFill/>
+                      <a:prstDash val="solid"/>
+                    </a:lnBlToTr>
+                  </a:tcPr>
+                </a:tc>
+                <a:tc>
+                  <a:txBody>
+                    <a:bodyPr/>
+                    <a:lstStyle/>
+                    <a:p>
+                      <a:pPr latinLnBrk="1"/>
+                      <a:endParaRPr lang="ko-KR" altLang="en-US" dirty="0"/>
+                    </a:p>
+                  </a:txBody>
+                  <a:tcPr>
+                    <a:lnL w="12700" cap="flat" cmpd="sng" algn="ctr">
+                      <a:noFill/>
+                      <a:prstDash val="solid"/>
+                      <a:round/>
+                      <a:headEnd type="none" w="med" len="med"/>
+                      <a:tailEnd type="none" w="med" len="med"/>
+                    </a:lnL>
+                    <a:lnR w="12700" cap="flat" cmpd="sng" algn="ctr">
+                      <a:noFill/>
+                      <a:prstDash val="solid"/>
+                      <a:round/>
+                      <a:headEnd type="none" w="med" len="med"/>
+                      <a:tailEnd type="none" w="med" len="med"/>
+                    </a:lnR>
+                    <a:lnT w="12700" cap="flat" cmpd="sng" algn="ctr">
+                      <a:noFill/>
+                      <a:prstDash val="solid"/>
+                      <a:round/>
+                      <a:headEnd type="none" w="med" len="med"/>
+                      <a:tailEnd type="none" w="med" len="med"/>
+                    </a:lnT>
+                    <a:lnB w="12700" cap="flat" cmpd="sng" algn="ctr">
+                      <a:noFill/>
+                      <a:prstDash val="solid"/>
+                      <a:round/>
+                      <a:headEnd type="none" w="med" len="med"/>
+                      <a:tailEnd type="none" w="med" len="med"/>
+                    </a:lnB>
+                    <a:lnTlToBr w="12700" cmpd="sng">
+                      <a:noFill/>
+                      <a:prstDash val="solid"/>
+                    </a:lnTlToBr>
+                    <a:lnBlToTr w="12700" cmpd="sng">
+                      <a:noFill/>
+                      <a:prstDash val="solid"/>
+                    </a:lnBlToTr>
+                  </a:tcPr>
+                </a:tc>
+                <a:tc>
+                  <a:txBody>
+                    <a:bodyPr/>
+                    <a:lstStyle/>
+                    <a:p>
+                      <a:pPr latinLnBrk="1"/>
+                      <a:endParaRPr lang="ko-KR" altLang="en-US" dirty="0"/>
+                    </a:p>
+                  </a:txBody>
+                  <a:tcPr>
+                    <a:lnL w="12700" cap="flat" cmpd="sng" algn="ctr">
+                      <a:noFill/>
+                      <a:prstDash val="solid"/>
+                      <a:round/>
+                      <a:headEnd type="none" w="med" len="med"/>
+                      <a:tailEnd type="none" w="med" len="med"/>
+                    </a:lnL>
+                    <a:lnR w="12700" cap="flat" cmpd="sng" algn="ctr">
+                      <a:noFill/>
+                      <a:prstDash val="solid"/>
+                      <a:round/>
+                      <a:headEnd type="none" w="med" len="med"/>
+                      <a:tailEnd type="none" w="med" len="med"/>
+                    </a:lnR>
+                    <a:lnT w="12700" cap="flat" cmpd="sng" algn="ctr">
+                      <a:noFill/>
+                      <a:prstDash val="solid"/>
+                      <a:round/>
+                      <a:headEnd type="none" w="med" len="med"/>
+                      <a:tailEnd type="none" w="med" len="med"/>
+                    </a:lnT>
+                    <a:lnB w="12700" cap="flat" cmpd="sng" algn="ctr">
+                      <a:noFill/>
+                      <a:prstDash val="solid"/>
+                      <a:round/>
+                      <a:headEnd type="none" w="med" len="med"/>
+                      <a:tailEnd type="none" w="med" len="med"/>
+                    </a:lnB>
+                    <a:lnTlToBr w="12700" cmpd="sng">
+                      <a:noFill/>
+                      <a:prstDash val="solid"/>
+                    </a:lnTlToBr>
+                    <a:lnBlToTr w="12700" cmpd="sng">
+                      <a:noFill/>
+                      <a:prstDash val="solid"/>
+                    </a:lnBlToTr>
+                  </a:tcPr>
+                </a:tc>
+                <a:extLst>
+                  <a:ext uri="{0D108BD9-81ED-4DB2-BD59-A6C34878D82A}">
+                    <a16:rowId xmlns:a16="http://schemas.microsoft.com/office/drawing/2014/main" xmlns="" val="10003"/>
+                  </a:ext>
+                </a:extLst>
+              </a:tr>
+              <a:tr h="415109">
+                <a:tc>
+                  <a:txBody>
+                    <a:bodyPr/>
+                    <a:lstStyle/>
+                    <a:p>
+                      <a:pPr rtl="0" fontAlgn="t">
+                        <a:spcBef>
+                          <a:spcPts val="0"/>
+                        </a:spcBef>
+                        <a:spcAft>
+                          <a:spcPts val="0"/>
+                        </a:spcAft>
+                      </a:pPr>
+                      <a:r>
+                        <a:rPr lang="ko-KR" altLang="en-US" sz="1200" b="0" i="0" u="none" strike="noStrike">
+                          <a:solidFill>
+                            <a:srgbClr val="434343"/>
+                          </a:solidFill>
+                          <a:effectLst/>
+                          <a:latin typeface="Arial" panose="020B0604020202020204" pitchFamily="34" charset="0"/>
+                        </a:rPr>
+                        <a:t>알고리즘 구현</a:t>
+                      </a:r>
+                      <a:endParaRPr lang="ko-KR" altLang="en-US" sz="1200">
+                        <a:effectLst/>
+                      </a:endParaRPr>
+                    </a:p>
+                  </a:txBody>
+                  <a:tcPr marL="63500" marR="63500" marT="63500" marB="63500">
+                    <a:lnL w="12700" cmpd="sng">
+                      <a:noFill/>
+                    </a:lnL>
+                    <a:lnR w="12700" cmpd="sng">
+                      <a:noFill/>
+                    </a:lnR>
+                    <a:lnT w="12700" cap="flat" cmpd="sng" algn="ctr">
+                      <a:noFill/>
+                      <a:prstDash val="solid"/>
+                      <a:round/>
+                      <a:headEnd type="none" w="med" len="med"/>
+                      <a:tailEnd type="none" w="med" len="med"/>
+                    </a:lnT>
+                    <a:lnB w="12700" cap="flat" cmpd="sng" algn="ctr">
+                      <a:noFill/>
+                      <a:prstDash val="solid"/>
+                      <a:round/>
+                      <a:headEnd type="none" w="med" len="med"/>
+                      <a:tailEnd type="none" w="med" len="med"/>
+                    </a:lnB>
+                    <a:lnTlToBr w="12700" cmpd="sng">
+                      <a:noFill/>
+                      <a:prstDash val="solid"/>
+                    </a:lnTlToBr>
+                    <a:lnBlToTr w="12700" cmpd="sng">
+                      <a:noFill/>
+                      <a:prstDash val="solid"/>
+                    </a:lnBlToTr>
+                  </a:tcPr>
+                </a:tc>
+                <a:tc>
+                  <a:txBody>
+                    <a:bodyPr/>
+                    <a:lstStyle/>
+                    <a:p>
+                      <a:pPr latinLnBrk="1"/>
+                      <a:endParaRPr lang="ko-KR" altLang="en-US" dirty="0"/>
+                    </a:p>
+                  </a:txBody>
+                  <a:tcPr>
+                    <a:lnL w="12700" cmpd="sng">
+                      <a:noFill/>
+                    </a:lnL>
+                    <a:lnR w="12700" cmpd="sng">
+                      <a:noFill/>
+                    </a:lnR>
+                    <a:lnT w="12700" cap="flat" cmpd="sng" algn="ctr">
+                      <a:noFill/>
+                      <a:prstDash val="solid"/>
+                      <a:round/>
+                      <a:headEnd type="none" w="med" len="med"/>
+                      <a:tailEnd type="none" w="med" len="med"/>
+                    </a:lnT>
+                    <a:lnB w="12700" cap="flat" cmpd="sng" algn="ctr">
+                      <a:noFill/>
+                      <a:prstDash val="solid"/>
+                      <a:round/>
+                      <a:headEnd type="none" w="med" len="med"/>
+                      <a:tailEnd type="none" w="med" len="med"/>
+                    </a:lnB>
+                    <a:lnTlToBr w="12700" cmpd="sng">
+                      <a:noFill/>
+                      <a:prstDash val="solid"/>
+                    </a:lnTlToBr>
+                    <a:lnBlToTr w="12700" cmpd="sng">
+                      <a:noFill/>
+                      <a:prstDash val="solid"/>
+                    </a:lnBlToTr>
+                  </a:tcPr>
+                </a:tc>
+                <a:tc>
+                  <a:txBody>
+                    <a:bodyPr/>
+                    <a:lstStyle/>
+                    <a:p>
+                      <a:pPr latinLnBrk="1"/>
+                      <a:endParaRPr lang="ko-KR" altLang="en-US" dirty="0"/>
+                    </a:p>
+                  </a:txBody>
+                  <a:tcPr>
+                    <a:lnL w="12700" cmpd="sng">
+                      <a:noFill/>
+                    </a:lnL>
+                    <a:lnR w="12700" cmpd="sng">
+                      <a:noFill/>
+                    </a:lnR>
+                    <a:lnT w="12700" cap="flat" cmpd="sng" algn="ctr">
+                      <a:noFill/>
+                      <a:prstDash val="solid"/>
+                      <a:round/>
+                      <a:headEnd type="none" w="med" len="med"/>
+                      <a:tailEnd type="none" w="med" len="med"/>
+                    </a:lnT>
+                    <a:lnB w="12700" cap="flat" cmpd="sng" algn="ctr">
+                      <a:noFill/>
+                      <a:prstDash val="solid"/>
+                      <a:round/>
+                      <a:headEnd type="none" w="med" len="med"/>
+                      <a:tailEnd type="none" w="med" len="med"/>
+                    </a:lnB>
+                    <a:lnTlToBr w="12700" cmpd="sng">
+                      <a:noFill/>
+                      <a:prstDash val="solid"/>
+                    </a:lnTlToBr>
+                    <a:lnBlToTr w="12700" cmpd="sng">
+                      <a:noFill/>
+                      <a:prstDash val="solid"/>
+                    </a:lnBlToTr>
+                  </a:tcPr>
+                </a:tc>
+                <a:tc gridSpan="3">
+                  <a:txBody>
+                    <a:bodyPr/>
+                    <a:lstStyle/>
+                    <a:p>
+                      <a:pPr latinLnBrk="1"/>
+                      <a:endParaRPr lang="ko-KR" altLang="en-US" dirty="0"/>
+                    </a:p>
+                  </a:txBody>
+                  <a:tcPr>
+                    <a:lnL w="12700" cmpd="sng">
+                      <a:noFill/>
+                    </a:lnL>
+                    <a:lnR w="12700" cmpd="sng">
+                      <a:noFill/>
+                    </a:lnR>
+                    <a:lnT w="12700" cap="flat" cmpd="sng" algn="ctr">
+                      <a:noFill/>
+                      <a:prstDash val="solid"/>
+                      <a:round/>
+                      <a:headEnd type="none" w="med" len="med"/>
+                      <a:tailEnd type="none" w="med" len="med"/>
+                    </a:lnT>
+                    <a:lnB w="12700" cap="flat" cmpd="sng" algn="ctr">
+                      <a:noFill/>
+                      <a:prstDash val="solid"/>
+                      <a:round/>
+                      <a:headEnd type="none" w="med" len="med"/>
+                      <a:tailEnd type="none" w="med" len="med"/>
+                    </a:lnB>
+                    <a:lnTlToBr w="12700" cmpd="sng">
+                      <a:noFill/>
+                      <a:prstDash val="solid"/>
+                    </a:lnTlToBr>
+                    <a:lnBlToTr w="12700" cmpd="sng">
+                      <a:noFill/>
+                      <a:prstDash val="solid"/>
+                    </a:lnBlToTr>
+                    <a:solidFill>
+                      <a:srgbClr val="FCD304"/>
+                    </a:solidFill>
+                  </a:tcPr>
+                </a:tc>
+                <a:tc hMerge="1">
+                  <a:txBody>
+                    <a:bodyPr/>
+                    <a:lstStyle/>
+                    <a:p>
+                      <a:pPr latinLnBrk="1"/>
+                      <a:endParaRPr lang="ko-KR" altLang="en-US" dirty="0"/>
+                    </a:p>
+                  </a:txBody>
+                  <a:tcPr>
+                    <a:lnR w="12700" cap="flat" cmpd="sng" algn="ctr">
+                      <a:solidFill>
+                        <a:schemeClr val="tx1"/>
+                      </a:solidFill>
+                      <a:prstDash val="solid"/>
+                      <a:round/>
+                      <a:headEnd type="none" w="med" len="med"/>
+                      <a:tailEnd type="none" w="med" len="med"/>
+                    </a:lnR>
+                    <a:lnT w="12700" cap="flat" cmpd="sng" algn="ctr">
+                      <a:solidFill>
+                        <a:schemeClr val="tx1"/>
+                      </a:solidFill>
+                      <a:prstDash val="solid"/>
+                      <a:round/>
+                      <a:headEnd type="none" w="med" len="med"/>
+                      <a:tailEnd type="none" w="med" len="med"/>
+                    </a:lnT>
+                    <a:lnB w="12700" cap="flat" cmpd="sng" algn="ctr">
+                      <a:solidFill>
+                        <a:schemeClr val="tx1"/>
+                      </a:solidFill>
+                      <a:prstDash val="solid"/>
+                      <a:round/>
+                      <a:headEnd type="none" w="med" len="med"/>
+                      <a:tailEnd type="none" w="med" len="med"/>
+                    </a:lnB>
+                  </a:tcPr>
+                </a:tc>
+                <a:tc hMerge="1">
+                  <a:txBody>
+                    <a:bodyPr/>
+                    <a:lstStyle/>
+                    <a:p>
+                      <a:pPr latinLnBrk="1"/>
+                      <a:endParaRPr lang="ko-KR" altLang="en-US" dirty="0"/>
+                    </a:p>
+                  </a:txBody>
+                  <a:tcPr>
+                    <a:lnL w="12700" cap="flat" cmpd="sng" algn="ctr">
+                      <a:solidFill>
+                        <a:schemeClr val="tx1"/>
+                      </a:solidFill>
+                      <a:prstDash val="solid"/>
+                      <a:round/>
+                      <a:headEnd type="none" w="med" len="med"/>
+                      <a:tailEnd type="none" w="med" len="med"/>
+                    </a:lnL>
+                    <a:lnT w="12700" cap="flat" cmpd="sng" algn="ctr">
+                      <a:solidFill>
+                        <a:schemeClr val="tx1"/>
+                      </a:solidFill>
+                      <a:prstDash val="solid"/>
+                      <a:round/>
+                      <a:headEnd type="none" w="med" len="med"/>
+                      <a:tailEnd type="none" w="med" len="med"/>
+                    </a:lnT>
+                    <a:lnB w="12700" cap="flat" cmpd="sng" algn="ctr">
+                      <a:solidFill>
+                        <a:schemeClr val="tx1"/>
+                      </a:solidFill>
+                      <a:prstDash val="solid"/>
+                      <a:round/>
+                      <a:headEnd type="none" w="med" len="med"/>
+                      <a:tailEnd type="none" w="med" len="med"/>
+                    </a:lnB>
+                  </a:tcPr>
+                </a:tc>
+                <a:tc>
+                  <a:txBody>
+                    <a:bodyPr/>
+                    <a:lstStyle/>
+                    <a:p>
+                      <a:pPr latinLnBrk="1"/>
+                      <a:endParaRPr lang="ko-KR" altLang="en-US" dirty="0"/>
+                    </a:p>
+                  </a:txBody>
+                  <a:tcPr>
+                    <a:lnL w="12700" cmpd="sng">
+                      <a:noFill/>
+                    </a:lnL>
+                    <a:lnR w="12700" cmpd="sng">
+                      <a:noFill/>
+                    </a:lnR>
+                    <a:lnT w="12700" cap="flat" cmpd="sng" algn="ctr">
+                      <a:noFill/>
+                      <a:prstDash val="solid"/>
+                      <a:round/>
+                      <a:headEnd type="none" w="med" len="med"/>
+                      <a:tailEnd type="none" w="med" len="med"/>
+                    </a:lnT>
+                    <a:lnB w="12700" cap="flat" cmpd="sng" algn="ctr">
+                      <a:noFill/>
+                      <a:prstDash val="solid"/>
+                      <a:round/>
+                      <a:headEnd type="none" w="med" len="med"/>
+                      <a:tailEnd type="none" w="med" len="med"/>
+                    </a:lnB>
+                    <a:lnTlToBr w="12700" cmpd="sng">
+                      <a:noFill/>
+                      <a:prstDash val="solid"/>
+                    </a:lnTlToBr>
+                    <a:lnBlToTr w="12700" cmpd="sng">
+                      <a:noFill/>
+                      <a:prstDash val="solid"/>
+                    </a:lnBlToTr>
+                  </a:tcPr>
+                </a:tc>
+                <a:tc>
+                  <a:txBody>
+                    <a:bodyPr/>
+                    <a:lstStyle/>
+                    <a:p>
+                      <a:pPr latinLnBrk="1"/>
+                      <a:endParaRPr lang="ko-KR" altLang="en-US"/>
+                    </a:p>
+                  </a:txBody>
+                  <a:tcPr>
+                    <a:lnL w="12700" cmpd="sng">
+                      <a:noFill/>
+                    </a:lnL>
+                    <a:lnR w="12700" cmpd="sng">
+                      <a:noFill/>
+                    </a:lnR>
+                    <a:lnT w="12700" cap="flat" cmpd="sng" algn="ctr">
+                      <a:noFill/>
+                      <a:prstDash val="solid"/>
+                      <a:round/>
+                      <a:headEnd type="none" w="med" len="med"/>
+                      <a:tailEnd type="none" w="med" len="med"/>
+                    </a:lnT>
+                    <a:lnB w="12700" cap="flat" cmpd="sng" algn="ctr">
+                      <a:noFill/>
+                      <a:prstDash val="solid"/>
+                      <a:round/>
+                      <a:headEnd type="none" w="med" len="med"/>
+                      <a:tailEnd type="none" w="med" len="med"/>
+                    </a:lnB>
+                    <a:lnTlToBr w="12700" cmpd="sng">
+                      <a:noFill/>
+                      <a:prstDash val="solid"/>
+                    </a:lnTlToBr>
+                    <a:lnBlToTr w="12700" cmpd="sng">
+                      <a:noFill/>
+                      <a:prstDash val="solid"/>
+                    </a:lnBlToTr>
+                  </a:tcPr>
+                </a:tc>
+                <a:tc>
+                  <a:txBody>
+                    <a:bodyPr/>
+                    <a:lstStyle/>
+                    <a:p>
+                      <a:pPr latinLnBrk="1"/>
+                      <a:endParaRPr lang="ko-KR" altLang="en-US" dirty="0"/>
+                    </a:p>
+                  </a:txBody>
+                  <a:tcPr>
+                    <a:lnL w="12700" cmpd="sng">
+                      <a:noFill/>
+                    </a:lnL>
+                    <a:lnR w="12700" cap="flat" cmpd="sng" algn="ctr">
+                      <a:noFill/>
+                      <a:prstDash val="solid"/>
+                      <a:round/>
+                      <a:headEnd type="none" w="med" len="med"/>
+                      <a:tailEnd type="none" w="med" len="med"/>
+                    </a:lnR>
+                    <a:lnT w="12700" cap="flat" cmpd="sng" algn="ctr">
+                      <a:noFill/>
+                      <a:prstDash val="solid"/>
+                      <a:round/>
+                      <a:headEnd type="none" w="med" len="med"/>
+                      <a:tailEnd type="none" w="med" len="med"/>
+                    </a:lnT>
+                    <a:lnB w="12700" cap="flat" cmpd="sng" algn="ctr">
+                      <a:noFill/>
+                      <a:prstDash val="solid"/>
+                      <a:round/>
+                      <a:headEnd type="none" w="med" len="med"/>
+                      <a:tailEnd type="none" w="med" len="med"/>
+                    </a:lnB>
+                    <a:lnTlToBr w="12700" cmpd="sng">
+                      <a:noFill/>
+                      <a:prstDash val="solid"/>
+                    </a:lnTlToBr>
+                    <a:lnBlToTr w="12700" cmpd="sng">
+                      <a:noFill/>
+                      <a:prstDash val="solid"/>
+                    </a:lnBlToTr>
+                  </a:tcPr>
+                </a:tc>
+                <a:tc>
+                  <a:txBody>
+                    <a:bodyPr/>
+                    <a:lstStyle/>
+                    <a:p>
+                      <a:pPr latinLnBrk="1"/>
+                      <a:endParaRPr lang="ko-KR" altLang="en-US" dirty="0"/>
+                    </a:p>
+                  </a:txBody>
+                  <a:tcPr>
+                    <a:lnL w="12700" cap="flat" cmpd="sng" algn="ctr">
+                      <a:noFill/>
+                      <a:prstDash val="solid"/>
+                      <a:round/>
+                      <a:headEnd type="none" w="med" len="med"/>
+                      <a:tailEnd type="none" w="med" len="med"/>
+                    </a:lnL>
+                    <a:lnR w="12700" cmpd="sng">
+                      <a:noFill/>
+                    </a:lnR>
+                    <a:lnT w="12700" cap="flat" cmpd="sng" algn="ctr">
+                      <a:noFill/>
+                      <a:prstDash val="solid"/>
+                      <a:round/>
+                      <a:headEnd type="none" w="med" len="med"/>
+                      <a:tailEnd type="none" w="med" len="med"/>
+                    </a:lnT>
+                    <a:lnB w="12700" cap="flat" cmpd="sng" algn="ctr">
+                      <a:noFill/>
+                      <a:prstDash val="solid"/>
+                      <a:round/>
+                      <a:headEnd type="none" w="med" len="med"/>
+                      <a:tailEnd type="none" w="med" len="med"/>
+                    </a:lnB>
+                    <a:lnTlToBr w="12700" cmpd="sng">
+                      <a:noFill/>
+                      <a:prstDash val="solid"/>
+                    </a:lnTlToBr>
+                    <a:lnBlToTr w="12700" cmpd="sng">
+                      <a:noFill/>
+                      <a:prstDash val="solid"/>
+                    </a:lnBlToTr>
+                  </a:tcPr>
+                </a:tc>
+                <a:tc>
+                  <a:txBody>
+                    <a:bodyPr/>
+                    <a:lstStyle/>
+                    <a:p>
+                      <a:pPr latinLnBrk="1"/>
+                      <a:endParaRPr lang="ko-KR" altLang="en-US" dirty="0"/>
+                    </a:p>
+                  </a:txBody>
+                  <a:tcPr>
+                    <a:lnL w="12700" cmpd="sng">
+                      <a:noFill/>
+                    </a:lnL>
+                    <a:lnR w="12700" cap="flat" cmpd="sng" algn="ctr">
+                      <a:noFill/>
+                      <a:prstDash val="solid"/>
+                      <a:round/>
+                      <a:headEnd type="none" w="med" len="med"/>
+                      <a:tailEnd type="none" w="med" len="med"/>
+                    </a:lnR>
+                    <a:lnT w="12700" cap="flat" cmpd="sng" algn="ctr">
+                      <a:noFill/>
+                      <a:prstDash val="solid"/>
+                      <a:round/>
+                      <a:headEnd type="none" w="med" len="med"/>
+                      <a:tailEnd type="none" w="med" len="med"/>
+                    </a:lnT>
+                    <a:lnB w="12700" cap="flat" cmpd="sng" algn="ctr">
+                      <a:noFill/>
+                      <a:prstDash val="solid"/>
+                      <a:round/>
+                      <a:headEnd type="none" w="med" len="med"/>
+                      <a:tailEnd type="none" w="med" len="med"/>
+                    </a:lnB>
+                    <a:lnTlToBr w="12700" cmpd="sng">
+                      <a:noFill/>
+                      <a:prstDash val="solid"/>
+                    </a:lnTlToBr>
+                    <a:lnBlToTr w="12700" cmpd="sng">
+                      <a:noFill/>
+                      <a:prstDash val="solid"/>
+                    </a:lnBlToTr>
+                  </a:tcPr>
+                </a:tc>
+                <a:tc>
+                  <a:txBody>
+                    <a:bodyPr/>
+                    <a:lstStyle/>
+                    <a:p>
+                      <a:pPr latinLnBrk="1"/>
+                      <a:endParaRPr lang="ko-KR" altLang="en-US" dirty="0"/>
+                    </a:p>
+                  </a:txBody>
+                  <a:tcPr>
+                    <a:lnL w="12700" cap="flat" cmpd="sng" algn="ctr">
+                      <a:noFill/>
+                      <a:prstDash val="solid"/>
+                      <a:round/>
+                      <a:headEnd type="none" w="med" len="med"/>
+                      <a:tailEnd type="none" w="med" len="med"/>
+                    </a:lnL>
+                    <a:lnR w="12700" cap="flat" cmpd="sng" algn="ctr">
+                      <a:noFill/>
+                      <a:prstDash val="solid"/>
+                      <a:round/>
+                      <a:headEnd type="none" w="med" len="med"/>
+                      <a:tailEnd type="none" w="med" len="med"/>
+                    </a:lnR>
+                    <a:lnT w="12700" cap="flat" cmpd="sng" algn="ctr">
+                      <a:noFill/>
+                      <a:prstDash val="solid"/>
+                      <a:round/>
+                      <a:headEnd type="none" w="med" len="med"/>
+                      <a:tailEnd type="none" w="med" len="med"/>
+                    </a:lnT>
+                    <a:lnB w="12700" cap="flat" cmpd="sng" algn="ctr">
+                      <a:noFill/>
+                      <a:prstDash val="solid"/>
+                      <a:round/>
+                      <a:headEnd type="none" w="med" len="med"/>
+                      <a:tailEnd type="none" w="med" len="med"/>
+                    </a:lnB>
+                    <a:lnTlToBr w="12700" cmpd="sng">
+                      <a:noFill/>
+                      <a:prstDash val="solid"/>
+                    </a:lnTlToBr>
+                    <a:lnBlToTr w="12700" cmpd="sng">
+                      <a:noFill/>
+                      <a:prstDash val="solid"/>
+                    </a:lnBlToTr>
+                  </a:tcPr>
+                </a:tc>
+                <a:tc>
+                  <a:txBody>
+                    <a:bodyPr/>
+                    <a:lstStyle/>
+                    <a:p>
+                      <a:pPr latinLnBrk="1"/>
+                      <a:endParaRPr lang="ko-KR" altLang="en-US" dirty="0"/>
+                    </a:p>
+                  </a:txBody>
+                  <a:tcPr>
+                    <a:lnL w="12700" cap="flat" cmpd="sng" algn="ctr">
+                      <a:noFill/>
+                      <a:prstDash val="solid"/>
+                      <a:round/>
+                      <a:headEnd type="none" w="med" len="med"/>
+                      <a:tailEnd type="none" w="med" len="med"/>
+                    </a:lnL>
+                    <a:lnR w="12700" cap="flat" cmpd="sng" algn="ctr">
+                      <a:noFill/>
+                      <a:prstDash val="solid"/>
+                      <a:round/>
+                      <a:headEnd type="none" w="med" len="med"/>
+                      <a:tailEnd type="none" w="med" len="med"/>
+                    </a:lnR>
+                    <a:lnT w="12700" cap="flat" cmpd="sng" algn="ctr">
+                      <a:noFill/>
+                      <a:prstDash val="solid"/>
+                      <a:round/>
+                      <a:headEnd type="none" w="med" len="med"/>
+                      <a:tailEnd type="none" w="med" len="med"/>
+                    </a:lnT>
+                    <a:lnB w="12700" cap="flat" cmpd="sng" algn="ctr">
+                      <a:noFill/>
+                      <a:prstDash val="solid"/>
+                      <a:round/>
+                      <a:headEnd type="none" w="med" len="med"/>
+                      <a:tailEnd type="none" w="med" len="med"/>
+                    </a:lnB>
+                    <a:lnTlToBr w="12700" cmpd="sng">
+                      <a:noFill/>
+                      <a:prstDash val="solid"/>
+                    </a:lnTlToBr>
+                    <a:lnBlToTr w="12700" cmpd="sng">
+                      <a:noFill/>
+                      <a:prstDash val="solid"/>
+                    </a:lnBlToTr>
+                  </a:tcPr>
+                </a:tc>
+                <a:tc>
+                  <a:txBody>
+                    <a:bodyPr/>
+                    <a:lstStyle/>
+                    <a:p>
+                      <a:pPr latinLnBrk="1"/>
+                      <a:endParaRPr lang="ko-KR" altLang="en-US" dirty="0"/>
+                    </a:p>
+                  </a:txBody>
+                  <a:tcPr>
+                    <a:lnL w="12700" cap="flat" cmpd="sng" algn="ctr">
+                      <a:noFill/>
+                      <a:prstDash val="solid"/>
+                      <a:round/>
+                      <a:headEnd type="none" w="med" len="med"/>
+                      <a:tailEnd type="none" w="med" len="med"/>
+                    </a:lnL>
+                    <a:lnR w="12700" cap="flat" cmpd="sng" algn="ctr">
+                      <a:noFill/>
+                      <a:prstDash val="solid"/>
+                      <a:round/>
+                      <a:headEnd type="none" w="med" len="med"/>
+                      <a:tailEnd type="none" w="med" len="med"/>
+                    </a:lnR>
+                    <a:lnT w="12700" cap="flat" cmpd="sng" algn="ctr">
+                      <a:noFill/>
+                      <a:prstDash val="solid"/>
+                      <a:round/>
+                      <a:headEnd type="none" w="med" len="med"/>
+                      <a:tailEnd type="none" w="med" len="med"/>
+                    </a:lnT>
+                    <a:lnB w="12700" cap="flat" cmpd="sng" algn="ctr">
+                      <a:noFill/>
+                      <a:prstDash val="solid"/>
+                      <a:round/>
+                      <a:headEnd type="none" w="med" len="med"/>
+                      <a:tailEnd type="none" w="med" len="med"/>
+                    </a:lnB>
+                    <a:lnTlToBr w="12700" cmpd="sng">
+                      <a:noFill/>
+                      <a:prstDash val="solid"/>
+                    </a:lnTlToBr>
+                    <a:lnBlToTr w="12700" cmpd="sng">
+                      <a:noFill/>
+                      <a:prstDash val="solid"/>
+                    </a:lnBlToTr>
+                  </a:tcPr>
+                </a:tc>
+                <a:tc>
+                  <a:txBody>
+                    <a:bodyPr/>
+                    <a:lstStyle/>
+                    <a:p>
+                      <a:pPr latinLnBrk="1"/>
+                      <a:endParaRPr lang="ko-KR" altLang="en-US" dirty="0"/>
+                    </a:p>
+                  </a:txBody>
+                  <a:tcPr>
+                    <a:lnL w="12700" cap="flat" cmpd="sng" algn="ctr">
+                      <a:noFill/>
+                      <a:prstDash val="solid"/>
+                      <a:round/>
+                      <a:headEnd type="none" w="med" len="med"/>
+                      <a:tailEnd type="none" w="med" len="med"/>
+                    </a:lnL>
+                    <a:lnR w="12700" cap="flat" cmpd="sng" algn="ctr">
+                      <a:noFill/>
+                      <a:prstDash val="solid"/>
+                      <a:round/>
+                      <a:headEnd type="none" w="med" len="med"/>
+                      <a:tailEnd type="none" w="med" len="med"/>
+                    </a:lnR>
+                    <a:lnT w="12700" cap="flat" cmpd="sng" algn="ctr">
+                      <a:noFill/>
+                      <a:prstDash val="solid"/>
+                      <a:round/>
+                      <a:headEnd type="none" w="med" len="med"/>
+                      <a:tailEnd type="none" w="med" len="med"/>
+                    </a:lnT>
+                    <a:lnB w="12700" cap="flat" cmpd="sng" algn="ctr">
+                      <a:noFill/>
+                      <a:prstDash val="solid"/>
+                      <a:round/>
+                      <a:headEnd type="none" w="med" len="med"/>
+                      <a:tailEnd type="none" w="med" len="med"/>
+                    </a:lnB>
+                    <a:lnTlToBr w="12700" cmpd="sng">
+                      <a:noFill/>
+                      <a:prstDash val="solid"/>
+                    </a:lnTlToBr>
+                    <a:lnBlToTr w="12700" cmpd="sng">
+                      <a:noFill/>
+                      <a:prstDash val="solid"/>
+                    </a:lnBlToTr>
+                  </a:tcPr>
+                </a:tc>
+                <a:extLst>
+                  <a:ext uri="{0D108BD9-81ED-4DB2-BD59-A6C34878D82A}">
+                    <a16:rowId xmlns:a16="http://schemas.microsoft.com/office/drawing/2014/main" xmlns="" val="10004"/>
+                  </a:ext>
+                </a:extLst>
+              </a:tr>
+              <a:tr h="415109">
+                <a:tc gridSpan="2">
+                  <a:txBody>
+                    <a:bodyPr/>
+                    <a:lstStyle/>
+                    <a:p>
+                      <a:pPr rtl="0" fontAlgn="t">
+                        <a:spcBef>
+                          <a:spcPts val="0"/>
+                        </a:spcBef>
+                        <a:spcAft>
+                          <a:spcPts val="0"/>
+                        </a:spcAft>
+                      </a:pPr>
+                      <a:r>
+                        <a:rPr lang="ko-KR" altLang="en-US" sz="1200" b="0" i="0" u="none" strike="noStrike" dirty="0">
+                          <a:solidFill>
+                            <a:srgbClr val="434343"/>
+                          </a:solidFill>
+                          <a:effectLst/>
+                          <a:latin typeface="Arial" panose="020B0604020202020204" pitchFamily="34" charset="0"/>
+                        </a:rPr>
+                        <a:t>기술 세미나 </a:t>
+                      </a:r>
+                      <a:r>
+                        <a:rPr lang="en-US" altLang="ko-KR" sz="1200" b="0" i="0" u="none" strike="noStrike" dirty="0">
+                          <a:solidFill>
+                            <a:srgbClr val="434343"/>
+                          </a:solidFill>
+                          <a:effectLst/>
+                          <a:latin typeface="Arial" panose="020B0604020202020204" pitchFamily="34" charset="0"/>
+                        </a:rPr>
+                        <a:t>&amp; </a:t>
+                      </a:r>
+                      <a:r>
+                        <a:rPr lang="ko-KR" altLang="en-US" sz="1200" b="0" i="0" u="none" strike="noStrike" dirty="0">
+                          <a:solidFill>
+                            <a:srgbClr val="434343"/>
+                          </a:solidFill>
+                          <a:effectLst/>
+                          <a:latin typeface="Arial" panose="020B0604020202020204" pitchFamily="34" charset="0"/>
+                        </a:rPr>
+                        <a:t>회사설명회</a:t>
+                      </a:r>
+                      <a:endParaRPr lang="ko-KR" altLang="en-US" sz="1200" dirty="0">
+                        <a:effectLst/>
+                      </a:endParaRPr>
+                    </a:p>
+                  </a:txBody>
+                  <a:tcPr marL="63500" marR="63500" marT="63500" marB="63500">
+                    <a:lnL w="12700" cmpd="sng">
+                      <a:noFill/>
+                    </a:lnL>
+                    <a:lnR w="12700" cmpd="sng">
+                      <a:noFill/>
+                    </a:lnR>
+                    <a:lnT w="12700" cap="flat" cmpd="sng" algn="ctr">
+                      <a:noFill/>
+                      <a:prstDash val="solid"/>
+                      <a:round/>
+                      <a:headEnd type="none" w="med" len="med"/>
+                      <a:tailEnd type="none" w="med" len="med"/>
+                    </a:lnT>
+                    <a:lnB w="12700" cap="flat" cmpd="sng" algn="ctr">
+                      <a:noFill/>
+                      <a:prstDash val="solid"/>
+                      <a:round/>
+                      <a:headEnd type="none" w="med" len="med"/>
+                      <a:tailEnd type="none" w="med" len="med"/>
+                    </a:lnB>
+                    <a:lnTlToBr w="12700" cmpd="sng">
+                      <a:noFill/>
+                      <a:prstDash val="solid"/>
+                    </a:lnTlToBr>
+                    <a:lnBlToTr w="12700" cmpd="sng">
+                      <a:noFill/>
+                      <a:prstDash val="solid"/>
+                    </a:lnBlToTr>
+                  </a:tcPr>
+                </a:tc>
+                <a:tc hMerge="1">
+                  <a:txBody>
+                    <a:bodyPr/>
+                    <a:lstStyle/>
+                    <a:p>
+                      <a:pPr latinLnBrk="1"/>
+                      <a:endParaRPr lang="ko-KR" altLang="en-US" dirty="0"/>
+                    </a:p>
+                  </a:txBody>
+                  <a:tcPr>
+                    <a:lnT w="12700" cap="flat" cmpd="sng" algn="ctr">
+                      <a:solidFill>
+                        <a:schemeClr val="tx1"/>
+                      </a:solidFill>
+                      <a:prstDash val="solid"/>
+                      <a:round/>
+                      <a:headEnd type="none" w="med" len="med"/>
+                      <a:tailEnd type="none" w="med" len="med"/>
+                    </a:lnT>
+                    <a:lnB w="12700" cap="flat" cmpd="sng" algn="ctr">
+                      <a:solidFill>
+                        <a:schemeClr val="tx1"/>
+                      </a:solidFill>
+                      <a:prstDash val="solid"/>
+                      <a:round/>
+                      <a:headEnd type="none" w="med" len="med"/>
+                      <a:tailEnd type="none" w="med" len="med"/>
+                    </a:lnB>
+                  </a:tcPr>
+                </a:tc>
+                <a:tc>
+                  <a:txBody>
+                    <a:bodyPr/>
+                    <a:lstStyle/>
+                    <a:p>
+                      <a:pPr latinLnBrk="1"/>
+                      <a:endParaRPr lang="ko-KR" altLang="en-US" dirty="0"/>
+                    </a:p>
+                  </a:txBody>
+                  <a:tcPr>
+                    <a:lnL w="12700" cmpd="sng">
+                      <a:noFill/>
+                    </a:lnL>
+                    <a:lnR w="12700" cmpd="sng">
+                      <a:noFill/>
+                    </a:lnR>
+                    <a:lnT w="12700" cap="flat" cmpd="sng" algn="ctr">
+                      <a:noFill/>
+                      <a:prstDash val="solid"/>
+                      <a:round/>
+                      <a:headEnd type="none" w="med" len="med"/>
+                      <a:tailEnd type="none" w="med" len="med"/>
+                    </a:lnT>
+                    <a:lnB w="12700" cap="flat" cmpd="sng" algn="ctr">
+                      <a:noFill/>
+                      <a:prstDash val="solid"/>
+                      <a:round/>
+                      <a:headEnd type="none" w="med" len="med"/>
+                      <a:tailEnd type="none" w="med" len="med"/>
+                    </a:lnB>
+                    <a:lnTlToBr w="12700" cmpd="sng">
+                      <a:noFill/>
+                      <a:prstDash val="solid"/>
+                    </a:lnTlToBr>
+                    <a:lnBlToTr w="12700" cmpd="sng">
+                      <a:noFill/>
+                      <a:prstDash val="solid"/>
+                    </a:lnBlToTr>
+                  </a:tcPr>
+                </a:tc>
+                <a:tc>
+                  <a:txBody>
+                    <a:bodyPr/>
+                    <a:lstStyle/>
+                    <a:p>
+                      <a:pPr latinLnBrk="1"/>
+                      <a:endParaRPr lang="ko-KR" altLang="en-US" dirty="0"/>
+                    </a:p>
+                  </a:txBody>
+                  <a:tcPr>
+                    <a:lnL w="12700" cmpd="sng">
+                      <a:noFill/>
+                    </a:lnL>
+                    <a:lnR w="12700" cmpd="sng">
+                      <a:noFill/>
+                    </a:lnR>
+                    <a:lnT w="12700" cap="flat" cmpd="sng" algn="ctr">
+                      <a:noFill/>
+                      <a:prstDash val="solid"/>
+                      <a:round/>
+                      <a:headEnd type="none" w="med" len="med"/>
+                      <a:tailEnd type="none" w="med" len="med"/>
+                    </a:lnT>
+                    <a:lnB w="12700" cap="flat" cmpd="sng" algn="ctr">
+                      <a:noFill/>
+                      <a:prstDash val="solid"/>
+                      <a:round/>
+                      <a:headEnd type="none" w="med" len="med"/>
+                      <a:tailEnd type="none" w="med" len="med"/>
+                    </a:lnB>
+                    <a:lnTlToBr w="12700" cmpd="sng">
+                      <a:noFill/>
+                      <a:prstDash val="solid"/>
+                    </a:lnTlToBr>
+                    <a:lnBlToTr w="12700" cmpd="sng">
+                      <a:noFill/>
+                      <a:prstDash val="solid"/>
+                    </a:lnBlToTr>
+                  </a:tcPr>
+                </a:tc>
+                <a:tc>
+                  <a:txBody>
+                    <a:bodyPr/>
+                    <a:lstStyle/>
+                    <a:p>
+                      <a:pPr latinLnBrk="1"/>
+                      <a:endParaRPr lang="ko-KR" altLang="en-US" dirty="0"/>
+                    </a:p>
+                  </a:txBody>
+                  <a:tcPr>
+                    <a:lnL w="12700" cmpd="sng">
+                      <a:noFill/>
+                    </a:lnL>
+                    <a:lnR w="12700" cap="flat" cmpd="sng" algn="ctr">
+                      <a:noFill/>
+                      <a:prstDash val="solid"/>
+                      <a:round/>
+                      <a:headEnd type="none" w="med" len="med"/>
+                      <a:tailEnd type="none" w="med" len="med"/>
+                    </a:lnR>
+                    <a:lnT w="12700" cap="flat" cmpd="sng" algn="ctr">
+                      <a:noFill/>
+                      <a:prstDash val="solid"/>
+                      <a:round/>
+                      <a:headEnd type="none" w="med" len="med"/>
+                      <a:tailEnd type="none" w="med" len="med"/>
+                    </a:lnT>
+                    <a:lnB w="12700" cap="flat" cmpd="sng" algn="ctr">
+                      <a:noFill/>
+                      <a:prstDash val="solid"/>
+                      <a:round/>
+                      <a:headEnd type="none" w="med" len="med"/>
+                      <a:tailEnd type="none" w="med" len="med"/>
+                    </a:lnB>
+                    <a:lnTlToBr w="12700" cmpd="sng">
+                      <a:noFill/>
+                      <a:prstDash val="solid"/>
+                    </a:lnTlToBr>
+                    <a:lnBlToTr w="12700" cmpd="sng">
+                      <a:noFill/>
+                      <a:prstDash val="solid"/>
+                    </a:lnBlToTr>
+                  </a:tcPr>
+                </a:tc>
+                <a:tc gridSpan="2">
+                  <a:txBody>
+                    <a:bodyPr/>
+                    <a:lstStyle/>
+                    <a:p>
+                      <a:pPr latinLnBrk="1"/>
+                      <a:endParaRPr lang="ko-KR" altLang="en-US" dirty="0"/>
+                    </a:p>
+                  </a:txBody>
+                  <a:tcPr>
+                    <a:lnL w="12700" cap="flat" cmpd="sng" algn="ctr">
+                      <a:noFill/>
+                      <a:prstDash val="solid"/>
+                      <a:round/>
+                      <a:headEnd type="none" w="med" len="med"/>
+                      <a:tailEnd type="none" w="med" len="med"/>
+                    </a:lnL>
+                    <a:lnR w="12700" cmpd="sng">
+                      <a:noFill/>
+                    </a:lnR>
+                    <a:lnT w="12700" cap="flat" cmpd="sng" algn="ctr">
+                      <a:noFill/>
+                      <a:prstDash val="solid"/>
+                      <a:round/>
+                      <a:headEnd type="none" w="med" len="med"/>
+                      <a:tailEnd type="none" w="med" len="med"/>
+                    </a:lnT>
+                    <a:lnB w="12700" cap="flat" cmpd="sng" algn="ctr">
+                      <a:noFill/>
+                      <a:prstDash val="solid"/>
+                      <a:round/>
+                      <a:headEnd type="none" w="med" len="med"/>
+                      <a:tailEnd type="none" w="med" len="med"/>
+                    </a:lnB>
+                    <a:lnTlToBr w="12700" cmpd="sng">
+                      <a:noFill/>
+                      <a:prstDash val="solid"/>
+                    </a:lnTlToBr>
+                    <a:lnBlToTr w="12700" cmpd="sng">
+                      <a:noFill/>
+                      <a:prstDash val="solid"/>
+                    </a:lnBlToTr>
+                    <a:solidFill>
+                      <a:srgbClr val="939E02"/>
+                    </a:solidFill>
+                  </a:tcPr>
+                </a:tc>
+                <a:tc hMerge="1">
+                  <a:txBody>
+                    <a:bodyPr/>
+                    <a:lstStyle/>
+                    <a:p>
+                      <a:pPr latinLnBrk="1"/>
+                      <a:endParaRPr lang="ko-KR" altLang="en-US" dirty="0"/>
+                    </a:p>
+                  </a:txBody>
+                  <a:tcPr>
+                    <a:lnT w="12700" cap="flat" cmpd="sng" algn="ctr">
+                      <a:solidFill>
+                        <a:schemeClr val="tx1"/>
+                      </a:solidFill>
+                      <a:prstDash val="solid"/>
+                      <a:round/>
+                      <a:headEnd type="none" w="med" len="med"/>
+                      <a:tailEnd type="none" w="med" len="med"/>
+                    </a:lnT>
+                    <a:lnB w="12700" cap="flat" cmpd="sng" algn="ctr">
+                      <a:solidFill>
+                        <a:schemeClr val="tx1"/>
+                      </a:solidFill>
+                      <a:prstDash val="solid"/>
+                      <a:round/>
+                      <a:headEnd type="none" w="med" len="med"/>
+                      <a:tailEnd type="none" w="med" len="med"/>
+                    </a:lnB>
+                  </a:tcPr>
+                </a:tc>
+                <a:tc>
+                  <a:txBody>
+                    <a:bodyPr/>
+                    <a:lstStyle/>
+                    <a:p>
+                      <a:pPr latinLnBrk="1"/>
+                      <a:endParaRPr lang="ko-KR" altLang="en-US" dirty="0"/>
+                    </a:p>
+                  </a:txBody>
+                  <a:tcPr>
+                    <a:lnL w="12700" cmpd="sng">
+                      <a:noFill/>
+                    </a:lnL>
+                    <a:lnR w="12700" cmpd="sng">
+                      <a:noFill/>
+                    </a:lnR>
+                    <a:lnT w="12700" cap="flat" cmpd="sng" algn="ctr">
+                      <a:noFill/>
+                      <a:prstDash val="solid"/>
+                      <a:round/>
+                      <a:headEnd type="none" w="med" len="med"/>
+                      <a:tailEnd type="none" w="med" len="med"/>
+                    </a:lnT>
+                    <a:lnB w="12700" cap="flat" cmpd="sng" algn="ctr">
+                      <a:noFill/>
+                      <a:prstDash val="solid"/>
+                      <a:round/>
+                      <a:headEnd type="none" w="med" len="med"/>
+                      <a:tailEnd type="none" w="med" len="med"/>
+                    </a:lnB>
+                    <a:lnTlToBr w="12700" cmpd="sng">
+                      <a:noFill/>
+                      <a:prstDash val="solid"/>
+                    </a:lnTlToBr>
+                    <a:lnBlToTr w="12700" cmpd="sng">
+                      <a:noFill/>
+                      <a:prstDash val="solid"/>
+                    </a:lnBlToTr>
+                  </a:tcPr>
+                </a:tc>
+                <a:tc>
+                  <a:txBody>
+                    <a:bodyPr/>
+                    <a:lstStyle/>
+                    <a:p>
+                      <a:pPr latinLnBrk="1"/>
+                      <a:endParaRPr lang="ko-KR" altLang="en-US" dirty="0"/>
+                    </a:p>
+                  </a:txBody>
+                  <a:tcPr>
+                    <a:lnL w="12700" cmpd="sng">
+                      <a:noFill/>
+                    </a:lnL>
+                    <a:lnR w="12700" cap="flat" cmpd="sng" algn="ctr">
+                      <a:noFill/>
+                      <a:prstDash val="solid"/>
+                      <a:round/>
+                      <a:headEnd type="none" w="med" len="med"/>
+                      <a:tailEnd type="none" w="med" len="med"/>
+                    </a:lnR>
+                    <a:lnT w="12700" cap="flat" cmpd="sng" algn="ctr">
+                      <a:noFill/>
+                      <a:prstDash val="solid"/>
+                      <a:round/>
+                      <a:headEnd type="none" w="med" len="med"/>
+                      <a:tailEnd type="none" w="med" len="med"/>
+                    </a:lnT>
+                    <a:lnB w="12700" cap="flat" cmpd="sng" algn="ctr">
+                      <a:noFill/>
+                      <a:prstDash val="solid"/>
+                      <a:round/>
+                      <a:headEnd type="none" w="med" len="med"/>
+                      <a:tailEnd type="none" w="med" len="med"/>
+                    </a:lnB>
+                    <a:lnTlToBr w="12700" cmpd="sng">
+                      <a:noFill/>
+                      <a:prstDash val="solid"/>
+                    </a:lnTlToBr>
+                    <a:lnBlToTr w="12700" cmpd="sng">
+                      <a:noFill/>
+                      <a:prstDash val="solid"/>
+                    </a:lnBlToTr>
+                  </a:tcPr>
+                </a:tc>
+                <a:tc>
+                  <a:txBody>
+                    <a:bodyPr/>
+                    <a:lstStyle/>
+                    <a:p>
+                      <a:pPr latinLnBrk="1"/>
+                      <a:endParaRPr lang="ko-KR" altLang="en-US" dirty="0"/>
+                    </a:p>
+                  </a:txBody>
+                  <a:tcPr>
+                    <a:lnL w="12700" cap="flat" cmpd="sng" algn="ctr">
+                      <a:noFill/>
+                      <a:prstDash val="solid"/>
+                      <a:round/>
+                      <a:headEnd type="none" w="med" len="med"/>
+                      <a:tailEnd type="none" w="med" len="med"/>
+                    </a:lnL>
+                    <a:lnR w="12700" cmpd="sng">
+                      <a:noFill/>
+                    </a:lnR>
+                    <a:lnT w="12700" cap="flat" cmpd="sng" algn="ctr">
+                      <a:noFill/>
+                      <a:prstDash val="solid"/>
+                      <a:round/>
+                      <a:headEnd type="none" w="med" len="med"/>
+                      <a:tailEnd type="none" w="med" len="med"/>
+                    </a:lnT>
+                    <a:lnB w="12700" cap="flat" cmpd="sng" algn="ctr">
+                      <a:noFill/>
+                      <a:prstDash val="solid"/>
+                      <a:round/>
+                      <a:headEnd type="none" w="med" len="med"/>
+                      <a:tailEnd type="none" w="med" len="med"/>
+                    </a:lnB>
+                    <a:lnTlToBr w="12700" cmpd="sng">
+                      <a:noFill/>
+                      <a:prstDash val="solid"/>
+                    </a:lnTlToBr>
+                    <a:lnBlToTr w="12700" cmpd="sng">
+                      <a:noFill/>
+                      <a:prstDash val="solid"/>
+                    </a:lnBlToTr>
+                  </a:tcPr>
+                </a:tc>
+                <a:tc>
+                  <a:txBody>
+                    <a:bodyPr/>
+                    <a:lstStyle/>
+                    <a:p>
+                      <a:pPr latinLnBrk="1"/>
+                      <a:endParaRPr lang="ko-KR" altLang="en-US" dirty="0"/>
+                    </a:p>
+                  </a:txBody>
+                  <a:tcPr>
+                    <a:lnL w="12700" cmpd="sng">
+                      <a:noFill/>
+                    </a:lnL>
+                    <a:lnR w="12700" cap="flat" cmpd="sng" algn="ctr">
+                      <a:noFill/>
+                      <a:prstDash val="solid"/>
+                      <a:round/>
+                      <a:headEnd type="none" w="med" len="med"/>
+                      <a:tailEnd type="none" w="med" len="med"/>
+                    </a:lnR>
+                    <a:lnT w="12700" cap="flat" cmpd="sng" algn="ctr">
+                      <a:noFill/>
+                      <a:prstDash val="solid"/>
+                      <a:round/>
+                      <a:headEnd type="none" w="med" len="med"/>
+                      <a:tailEnd type="none" w="med" len="med"/>
+                    </a:lnT>
+                    <a:lnB w="12700" cap="flat" cmpd="sng" algn="ctr">
+                      <a:noFill/>
+                      <a:prstDash val="solid"/>
+                      <a:round/>
+                      <a:headEnd type="none" w="med" len="med"/>
+                      <a:tailEnd type="none" w="med" len="med"/>
+                    </a:lnB>
+                    <a:lnTlToBr w="12700" cmpd="sng">
+                      <a:noFill/>
+                      <a:prstDash val="solid"/>
+                    </a:lnTlToBr>
+                    <a:lnBlToTr w="12700" cmpd="sng">
+                      <a:noFill/>
+                      <a:prstDash val="solid"/>
+                    </a:lnBlToTr>
+                  </a:tcPr>
+                </a:tc>
+                <a:tc>
+                  <a:txBody>
+                    <a:bodyPr/>
+                    <a:lstStyle/>
+                    <a:p>
+                      <a:pPr latinLnBrk="1"/>
+                      <a:endParaRPr lang="ko-KR" altLang="en-US" dirty="0"/>
+                    </a:p>
+                  </a:txBody>
+                  <a:tcPr>
+                    <a:lnL w="12700" cap="flat" cmpd="sng" algn="ctr">
+                      <a:noFill/>
+                      <a:prstDash val="solid"/>
+                      <a:round/>
+                      <a:headEnd type="none" w="med" len="med"/>
+                      <a:tailEnd type="none" w="med" len="med"/>
+                    </a:lnL>
+                    <a:lnR w="12700" cap="flat" cmpd="sng" algn="ctr">
+                      <a:noFill/>
+                      <a:prstDash val="solid"/>
+                      <a:round/>
+                      <a:headEnd type="none" w="med" len="med"/>
+                      <a:tailEnd type="none" w="med" len="med"/>
+                    </a:lnR>
+                    <a:lnT w="12700" cap="flat" cmpd="sng" algn="ctr">
+                      <a:noFill/>
+                      <a:prstDash val="solid"/>
+                      <a:round/>
+                      <a:headEnd type="none" w="med" len="med"/>
+                      <a:tailEnd type="none" w="med" len="med"/>
+                    </a:lnT>
+                    <a:lnB w="12700" cap="flat" cmpd="sng" algn="ctr">
+                      <a:noFill/>
+                      <a:prstDash val="solid"/>
+                      <a:round/>
+                      <a:headEnd type="none" w="med" len="med"/>
+                      <a:tailEnd type="none" w="med" len="med"/>
+                    </a:lnB>
+                    <a:lnTlToBr w="12700" cmpd="sng">
+                      <a:noFill/>
+                      <a:prstDash val="solid"/>
+                    </a:lnTlToBr>
+                    <a:lnBlToTr w="12700" cmpd="sng">
+                      <a:noFill/>
+                      <a:prstDash val="solid"/>
+                    </a:lnBlToTr>
+                  </a:tcPr>
+                </a:tc>
+                <a:tc>
+                  <a:txBody>
+                    <a:bodyPr/>
+                    <a:lstStyle/>
+                    <a:p>
+                      <a:pPr latinLnBrk="1"/>
+                      <a:endParaRPr lang="ko-KR" altLang="en-US" dirty="0"/>
+                    </a:p>
+                  </a:txBody>
+                  <a:tcPr>
+                    <a:lnL w="12700" cap="flat" cmpd="sng" algn="ctr">
+                      <a:noFill/>
+                      <a:prstDash val="solid"/>
+                      <a:round/>
+                      <a:headEnd type="none" w="med" len="med"/>
+                      <a:tailEnd type="none" w="med" len="med"/>
+                    </a:lnL>
+                    <a:lnR w="12700" cap="flat" cmpd="sng" algn="ctr">
+                      <a:noFill/>
+                      <a:prstDash val="solid"/>
+                      <a:round/>
+                      <a:headEnd type="none" w="med" len="med"/>
+                      <a:tailEnd type="none" w="med" len="med"/>
+                    </a:lnR>
+                    <a:lnT w="12700" cap="flat" cmpd="sng" algn="ctr">
+                      <a:noFill/>
+                      <a:prstDash val="solid"/>
+                      <a:round/>
+                      <a:headEnd type="none" w="med" len="med"/>
+                      <a:tailEnd type="none" w="med" len="med"/>
+                    </a:lnT>
+                    <a:lnB w="12700" cap="flat" cmpd="sng" algn="ctr">
+                      <a:noFill/>
+                      <a:prstDash val="solid"/>
+                      <a:round/>
+                      <a:headEnd type="none" w="med" len="med"/>
+                      <a:tailEnd type="none" w="med" len="med"/>
+                    </a:lnB>
+                    <a:lnTlToBr w="12700" cmpd="sng">
+                      <a:noFill/>
+                      <a:prstDash val="solid"/>
+                    </a:lnTlToBr>
+                    <a:lnBlToTr w="12700" cmpd="sng">
+                      <a:noFill/>
+                      <a:prstDash val="solid"/>
+                    </a:lnBlToTr>
+                  </a:tcPr>
+                </a:tc>
+                <a:tc>
+                  <a:txBody>
+                    <a:bodyPr/>
+                    <a:lstStyle/>
+                    <a:p>
+                      <a:pPr latinLnBrk="1"/>
+                      <a:endParaRPr lang="ko-KR" altLang="en-US" dirty="0"/>
+                    </a:p>
+                  </a:txBody>
+                  <a:tcPr>
+                    <a:lnL w="12700" cap="flat" cmpd="sng" algn="ctr">
+                      <a:noFill/>
+                      <a:prstDash val="solid"/>
+                      <a:round/>
+                      <a:headEnd type="none" w="med" len="med"/>
+                      <a:tailEnd type="none" w="med" len="med"/>
+                    </a:lnL>
+                    <a:lnR w="12700" cap="flat" cmpd="sng" algn="ctr">
+                      <a:noFill/>
+                      <a:prstDash val="solid"/>
+                      <a:round/>
+                      <a:headEnd type="none" w="med" len="med"/>
+                      <a:tailEnd type="none" w="med" len="med"/>
+                    </a:lnR>
+                    <a:lnT w="12700" cap="flat" cmpd="sng" algn="ctr">
+                      <a:noFill/>
+                      <a:prstDash val="solid"/>
+                      <a:round/>
+                      <a:headEnd type="none" w="med" len="med"/>
+                      <a:tailEnd type="none" w="med" len="med"/>
+                    </a:lnT>
+                    <a:lnB w="12700" cap="flat" cmpd="sng" algn="ctr">
+                      <a:noFill/>
+                      <a:prstDash val="solid"/>
+                      <a:round/>
+                      <a:headEnd type="none" w="med" len="med"/>
+                      <a:tailEnd type="none" w="med" len="med"/>
+                    </a:lnB>
+                    <a:lnTlToBr w="12700" cmpd="sng">
+                      <a:noFill/>
+                      <a:prstDash val="solid"/>
+                    </a:lnTlToBr>
+                    <a:lnBlToTr w="12700" cmpd="sng">
+                      <a:noFill/>
+                      <a:prstDash val="solid"/>
+                    </a:lnBlToTr>
+                  </a:tcPr>
+                </a:tc>
+                <a:tc>
+                  <a:txBody>
+                    <a:bodyPr/>
+                    <a:lstStyle/>
+                    <a:p>
+                      <a:pPr latinLnBrk="1"/>
+                      <a:endParaRPr lang="ko-KR" altLang="en-US" dirty="0"/>
+                    </a:p>
+                  </a:txBody>
+                  <a:tcPr>
+                    <a:lnL w="12700" cap="flat" cmpd="sng" algn="ctr">
+                      <a:noFill/>
+                      <a:prstDash val="solid"/>
+                      <a:round/>
+                      <a:headEnd type="none" w="med" len="med"/>
+                      <a:tailEnd type="none" w="med" len="med"/>
+                    </a:lnL>
+                    <a:lnR w="12700" cap="flat" cmpd="sng" algn="ctr">
+                      <a:noFill/>
+                      <a:prstDash val="solid"/>
+                      <a:round/>
+                      <a:headEnd type="none" w="med" len="med"/>
+                      <a:tailEnd type="none" w="med" len="med"/>
+                    </a:lnR>
+                    <a:lnT w="12700" cap="flat" cmpd="sng" algn="ctr">
+                      <a:noFill/>
+                      <a:prstDash val="solid"/>
+                      <a:round/>
+                      <a:headEnd type="none" w="med" len="med"/>
+                      <a:tailEnd type="none" w="med" len="med"/>
+                    </a:lnT>
+                    <a:lnB w="12700" cap="flat" cmpd="sng" algn="ctr">
+                      <a:noFill/>
+                      <a:prstDash val="solid"/>
+                      <a:round/>
+                      <a:headEnd type="none" w="med" len="med"/>
+                      <a:tailEnd type="none" w="med" len="med"/>
+                    </a:lnB>
+                    <a:lnTlToBr w="12700" cmpd="sng">
+                      <a:noFill/>
+                      <a:prstDash val="solid"/>
+                    </a:lnTlToBr>
+                    <a:lnBlToTr w="12700" cmpd="sng">
+                      <a:noFill/>
+                      <a:prstDash val="solid"/>
+                    </a:lnBlToTr>
+                  </a:tcPr>
+                </a:tc>
+                <a:extLst>
+                  <a:ext uri="{0D108BD9-81ED-4DB2-BD59-A6C34878D82A}">
+                    <a16:rowId xmlns:a16="http://schemas.microsoft.com/office/drawing/2014/main" xmlns="" val="10005"/>
+                  </a:ext>
+                </a:extLst>
+              </a:tr>
+              <a:tr h="422376">
+                <a:tc>
+                  <a:txBody>
+                    <a:bodyPr/>
+                    <a:lstStyle/>
+                    <a:p>
+                      <a:pPr rtl="0" fontAlgn="t">
+                        <a:spcBef>
+                          <a:spcPts val="0"/>
+                        </a:spcBef>
+                        <a:spcAft>
+                          <a:spcPts val="0"/>
+                        </a:spcAft>
+                      </a:pPr>
+                      <a:r>
+                        <a:rPr lang="ko-KR" altLang="en-US" sz="1200" b="0" i="0" u="none" strike="noStrike" dirty="0">
+                          <a:solidFill>
+                            <a:srgbClr val="434343"/>
+                          </a:solidFill>
+                          <a:effectLst/>
+                          <a:latin typeface="Arial" panose="020B0604020202020204" pitchFamily="34" charset="0"/>
+                        </a:rPr>
+                        <a:t>스펙 중간발표</a:t>
+                      </a:r>
+                      <a:endParaRPr lang="ko-KR" altLang="en-US" sz="1200" dirty="0">
+                        <a:effectLst/>
+                      </a:endParaRPr>
+                    </a:p>
+                  </a:txBody>
+                  <a:tcPr marL="63500" marR="63500" marT="63500" marB="63500">
+                    <a:lnL w="12700" cmpd="sng">
+                      <a:noFill/>
+                    </a:lnL>
+                    <a:lnR w="12700" cmpd="sng">
+                      <a:noFill/>
+                    </a:lnR>
+                    <a:lnT w="12700" cap="flat" cmpd="sng" algn="ctr">
+                      <a:noFill/>
+                      <a:prstDash val="solid"/>
+                      <a:round/>
+                      <a:headEnd type="none" w="med" len="med"/>
+                      <a:tailEnd type="none" w="med" len="med"/>
+                    </a:lnT>
+                    <a:lnB w="12700" cap="flat" cmpd="sng" algn="ctr">
+                      <a:noFill/>
+                      <a:prstDash val="solid"/>
+                      <a:round/>
+                      <a:headEnd type="none" w="med" len="med"/>
+                      <a:tailEnd type="none" w="med" len="med"/>
+                    </a:lnB>
+                    <a:lnTlToBr w="12700" cmpd="sng">
+                      <a:noFill/>
+                      <a:prstDash val="solid"/>
+                    </a:lnTlToBr>
+                    <a:lnBlToTr w="12700" cmpd="sng">
+                      <a:noFill/>
+                      <a:prstDash val="solid"/>
+                    </a:lnBlToTr>
+                  </a:tcPr>
+                </a:tc>
+                <a:tc>
+                  <a:txBody>
+                    <a:bodyPr/>
+                    <a:lstStyle/>
+                    <a:p>
+                      <a:pPr latinLnBrk="1"/>
+                      <a:endParaRPr lang="ko-KR" altLang="en-US" dirty="0"/>
+                    </a:p>
+                  </a:txBody>
+                  <a:tcPr>
+                    <a:lnL w="12700" cmpd="sng">
+                      <a:noFill/>
+                    </a:lnL>
+                    <a:lnR w="12700" cmpd="sng">
+                      <a:noFill/>
+                    </a:lnR>
+                    <a:lnT w="12700" cap="flat" cmpd="sng" algn="ctr">
+                      <a:noFill/>
+                      <a:prstDash val="solid"/>
+                      <a:round/>
+                      <a:headEnd type="none" w="med" len="med"/>
+                      <a:tailEnd type="none" w="med" len="med"/>
+                    </a:lnT>
+                    <a:lnB w="12700" cap="flat" cmpd="sng" algn="ctr">
+                      <a:noFill/>
+                      <a:prstDash val="solid"/>
+                      <a:round/>
+                      <a:headEnd type="none" w="med" len="med"/>
+                      <a:tailEnd type="none" w="med" len="med"/>
+                    </a:lnB>
+                    <a:lnTlToBr w="12700" cmpd="sng">
+                      <a:noFill/>
+                      <a:prstDash val="solid"/>
+                    </a:lnTlToBr>
+                    <a:lnBlToTr w="12700" cmpd="sng">
+                      <a:noFill/>
+                      <a:prstDash val="solid"/>
+                    </a:lnBlToTr>
+                  </a:tcPr>
+                </a:tc>
+                <a:tc>
+                  <a:txBody>
+                    <a:bodyPr/>
+                    <a:lstStyle/>
+                    <a:p>
+                      <a:pPr latinLnBrk="1"/>
+                      <a:endParaRPr lang="ko-KR" altLang="en-US" dirty="0"/>
+                    </a:p>
+                  </a:txBody>
+                  <a:tcPr>
+                    <a:lnL w="12700" cmpd="sng">
+                      <a:noFill/>
+                    </a:lnL>
+                    <a:lnR w="12700" cmpd="sng">
+                      <a:noFill/>
+                    </a:lnR>
+                    <a:lnT w="12700" cap="flat" cmpd="sng" algn="ctr">
+                      <a:noFill/>
+                      <a:prstDash val="solid"/>
+                      <a:round/>
+                      <a:headEnd type="none" w="med" len="med"/>
+                      <a:tailEnd type="none" w="med" len="med"/>
+                    </a:lnT>
+                    <a:lnB w="12700" cap="flat" cmpd="sng" algn="ctr">
+                      <a:noFill/>
+                      <a:prstDash val="solid"/>
+                      <a:round/>
+                      <a:headEnd type="none" w="med" len="med"/>
+                      <a:tailEnd type="none" w="med" len="med"/>
+                    </a:lnB>
+                    <a:lnTlToBr w="12700" cmpd="sng">
+                      <a:noFill/>
+                      <a:prstDash val="solid"/>
+                    </a:lnTlToBr>
+                    <a:lnBlToTr w="12700" cmpd="sng">
+                      <a:noFill/>
+                      <a:prstDash val="solid"/>
+                    </a:lnBlToTr>
+                  </a:tcPr>
+                </a:tc>
+                <a:tc>
+                  <a:txBody>
+                    <a:bodyPr/>
+                    <a:lstStyle/>
+                    <a:p>
+                      <a:pPr latinLnBrk="1"/>
+                      <a:endParaRPr lang="ko-KR" altLang="en-US" dirty="0"/>
+                    </a:p>
+                  </a:txBody>
+                  <a:tcPr>
+                    <a:lnL w="12700" cmpd="sng">
+                      <a:noFill/>
+                    </a:lnL>
+                    <a:lnR w="12700" cmpd="sng">
+                      <a:noFill/>
+                    </a:lnR>
+                    <a:lnT w="12700" cap="flat" cmpd="sng" algn="ctr">
+                      <a:noFill/>
+                      <a:prstDash val="solid"/>
+                      <a:round/>
+                      <a:headEnd type="none" w="med" len="med"/>
+                      <a:tailEnd type="none" w="med" len="med"/>
+                    </a:lnT>
+                    <a:lnB w="12700" cap="flat" cmpd="sng" algn="ctr">
+                      <a:noFill/>
+                      <a:prstDash val="solid"/>
+                      <a:round/>
+                      <a:headEnd type="none" w="med" len="med"/>
+                      <a:tailEnd type="none" w="med" len="med"/>
+                    </a:lnB>
+                    <a:lnTlToBr w="12700" cmpd="sng">
+                      <a:noFill/>
+                      <a:prstDash val="solid"/>
+                    </a:lnTlToBr>
+                    <a:lnBlToTr w="12700" cmpd="sng">
+                      <a:noFill/>
+                      <a:prstDash val="solid"/>
+                    </a:lnBlToTr>
+                  </a:tcPr>
+                </a:tc>
+                <a:tc>
+                  <a:txBody>
+                    <a:bodyPr/>
+                    <a:lstStyle/>
+                    <a:p>
+                      <a:pPr latinLnBrk="1"/>
+                      <a:endParaRPr lang="ko-KR" altLang="en-US" dirty="0"/>
+                    </a:p>
+                  </a:txBody>
+                  <a:tcPr>
+                    <a:lnL w="12700" cmpd="sng">
+                      <a:noFill/>
+                    </a:lnL>
+                    <a:lnR w="12700" cmpd="sng">
+                      <a:noFill/>
+                    </a:lnR>
+                    <a:lnT w="12700" cap="flat" cmpd="sng" algn="ctr">
+                      <a:noFill/>
+                      <a:prstDash val="solid"/>
+                      <a:round/>
+                      <a:headEnd type="none" w="med" len="med"/>
+                      <a:tailEnd type="none" w="med" len="med"/>
+                    </a:lnT>
+                    <a:lnB w="12700" cap="flat" cmpd="sng" algn="ctr">
+                      <a:noFill/>
+                      <a:prstDash val="solid"/>
+                      <a:round/>
+                      <a:headEnd type="none" w="med" len="med"/>
+                      <a:tailEnd type="none" w="med" len="med"/>
+                    </a:lnB>
+                    <a:lnTlToBr w="12700" cmpd="sng">
+                      <a:noFill/>
+                      <a:prstDash val="solid"/>
+                    </a:lnTlToBr>
+                    <a:lnBlToTr w="12700" cmpd="sng">
+                      <a:noFill/>
+                      <a:prstDash val="solid"/>
+                    </a:lnBlToTr>
+                  </a:tcPr>
+                </a:tc>
+                <a:tc>
+                  <a:txBody>
+                    <a:bodyPr/>
+                    <a:lstStyle/>
+                    <a:p>
+                      <a:pPr latinLnBrk="1"/>
+                      <a:endParaRPr lang="ko-KR" altLang="en-US" dirty="0"/>
+                    </a:p>
+                  </a:txBody>
+                  <a:tcPr>
+                    <a:lnL w="12700" cmpd="sng">
+                      <a:noFill/>
+                    </a:lnL>
+                    <a:lnR w="12700" cmpd="sng">
+                      <a:noFill/>
+                    </a:lnR>
+                    <a:lnT w="12700" cap="flat" cmpd="sng" algn="ctr">
+                      <a:noFill/>
+                      <a:prstDash val="solid"/>
+                      <a:round/>
+                      <a:headEnd type="none" w="med" len="med"/>
+                      <a:tailEnd type="none" w="med" len="med"/>
+                    </a:lnT>
+                    <a:lnB w="12700" cap="flat" cmpd="sng" algn="ctr">
+                      <a:noFill/>
+                      <a:prstDash val="solid"/>
+                      <a:round/>
+                      <a:headEnd type="none" w="med" len="med"/>
+                      <a:tailEnd type="none" w="med" len="med"/>
+                    </a:lnB>
+                    <a:lnTlToBr w="12700" cmpd="sng">
+                      <a:noFill/>
+                      <a:prstDash val="solid"/>
+                    </a:lnTlToBr>
+                    <a:lnBlToTr w="12700" cmpd="sng">
+                      <a:noFill/>
+                      <a:prstDash val="solid"/>
+                    </a:lnBlToTr>
+                  </a:tcPr>
+                </a:tc>
+                <a:tc>
+                  <a:txBody>
+                    <a:bodyPr/>
+                    <a:lstStyle/>
+                    <a:p>
+                      <a:pPr latinLnBrk="1"/>
+                      <a:endParaRPr lang="ko-KR" altLang="en-US" dirty="0"/>
+                    </a:p>
+                  </a:txBody>
+                  <a:tcPr>
+                    <a:lnL w="12700" cmpd="sng">
+                      <a:noFill/>
+                    </a:lnL>
+                    <a:lnR w="12700" cmpd="sng">
+                      <a:noFill/>
+                    </a:lnR>
+                    <a:lnT w="12700" cap="flat" cmpd="sng" algn="ctr">
+                      <a:noFill/>
+                      <a:prstDash val="solid"/>
+                      <a:round/>
+                      <a:headEnd type="none" w="med" len="med"/>
+                      <a:tailEnd type="none" w="med" len="med"/>
+                    </a:lnT>
+                    <a:lnB w="12700" cap="flat" cmpd="sng" algn="ctr">
+                      <a:noFill/>
+                      <a:prstDash val="solid"/>
+                      <a:round/>
+                      <a:headEnd type="none" w="med" len="med"/>
+                      <a:tailEnd type="none" w="med" len="med"/>
+                    </a:lnB>
+                    <a:lnTlToBr w="12700" cmpd="sng">
+                      <a:noFill/>
+                      <a:prstDash val="solid"/>
+                    </a:lnTlToBr>
+                    <a:lnBlToTr w="12700" cmpd="sng">
+                      <a:noFill/>
+                      <a:prstDash val="solid"/>
+                    </a:lnBlToTr>
+                  </a:tcPr>
+                </a:tc>
+                <a:tc>
+                  <a:txBody>
+                    <a:bodyPr/>
+                    <a:lstStyle/>
+                    <a:p>
+                      <a:pPr latinLnBrk="1"/>
+                      <a:endParaRPr lang="ko-KR" altLang="en-US" dirty="0"/>
+                    </a:p>
+                  </a:txBody>
+                  <a:tcPr>
+                    <a:lnL w="12700" cmpd="sng">
+                      <a:noFill/>
+                    </a:lnL>
+                    <a:lnR w="12700" cmpd="sng">
+                      <a:noFill/>
+                    </a:lnR>
+                    <a:lnT w="12700" cap="flat" cmpd="sng" algn="ctr">
+                      <a:noFill/>
+                      <a:prstDash val="solid"/>
+                      <a:round/>
+                      <a:headEnd type="none" w="med" len="med"/>
+                      <a:tailEnd type="none" w="med" len="med"/>
+                    </a:lnT>
+                    <a:lnB w="12700" cap="flat" cmpd="sng" algn="ctr">
+                      <a:noFill/>
+                      <a:prstDash val="solid"/>
+                      <a:round/>
+                      <a:headEnd type="none" w="med" len="med"/>
+                      <a:tailEnd type="none" w="med" len="med"/>
+                    </a:lnB>
+                    <a:lnTlToBr w="12700" cmpd="sng">
+                      <a:noFill/>
+                      <a:prstDash val="solid"/>
+                    </a:lnTlToBr>
+                    <a:lnBlToTr w="12700" cmpd="sng">
+                      <a:noFill/>
+                      <a:prstDash val="solid"/>
+                    </a:lnBlToTr>
+                    <a:solidFill>
+                      <a:srgbClr val="629D03"/>
+                    </a:solidFill>
+                  </a:tcPr>
+                </a:tc>
+                <a:tc>
+                  <a:txBody>
+                    <a:bodyPr/>
+                    <a:lstStyle/>
+                    <a:p>
+                      <a:pPr latinLnBrk="1"/>
+                      <a:endParaRPr lang="ko-KR" altLang="en-US" dirty="0"/>
+                    </a:p>
+                  </a:txBody>
+                  <a:tcPr>
+                    <a:lnL w="12700" cmpd="sng">
+                      <a:noFill/>
+                    </a:lnL>
+                    <a:lnR w="12700" cap="flat" cmpd="sng" algn="ctr">
+                      <a:noFill/>
+                      <a:prstDash val="solid"/>
+                      <a:round/>
+                      <a:headEnd type="none" w="med" len="med"/>
+                      <a:tailEnd type="none" w="med" len="med"/>
+                    </a:lnR>
+                    <a:lnT w="12700" cap="flat" cmpd="sng" algn="ctr">
+                      <a:noFill/>
+                      <a:prstDash val="solid"/>
+                      <a:round/>
+                      <a:headEnd type="none" w="med" len="med"/>
+                      <a:tailEnd type="none" w="med" len="med"/>
+                    </a:lnT>
+                    <a:lnB w="12700" cap="flat" cmpd="sng" algn="ctr">
+                      <a:noFill/>
+                      <a:prstDash val="solid"/>
+                      <a:round/>
+                      <a:headEnd type="none" w="med" len="med"/>
+                      <a:tailEnd type="none" w="med" len="med"/>
+                    </a:lnB>
+                    <a:lnTlToBr w="12700" cmpd="sng">
+                      <a:noFill/>
+                      <a:prstDash val="solid"/>
+                    </a:lnTlToBr>
+                    <a:lnBlToTr w="12700" cmpd="sng">
+                      <a:noFill/>
+                      <a:prstDash val="solid"/>
+                    </a:lnBlToTr>
+                  </a:tcPr>
+                </a:tc>
+                <a:tc>
+                  <a:txBody>
+                    <a:bodyPr/>
+                    <a:lstStyle/>
+                    <a:p>
+                      <a:pPr latinLnBrk="1"/>
+                      <a:endParaRPr lang="ko-KR" altLang="en-US" dirty="0"/>
+                    </a:p>
+                  </a:txBody>
+                  <a:tcPr>
+                    <a:lnL w="12700" cap="flat" cmpd="sng" algn="ctr">
+                      <a:noFill/>
+                      <a:prstDash val="solid"/>
+                      <a:round/>
+                      <a:headEnd type="none" w="med" len="med"/>
+                      <a:tailEnd type="none" w="med" len="med"/>
+                    </a:lnL>
+                    <a:lnR w="12700" cmpd="sng">
+                      <a:noFill/>
+                    </a:lnR>
+                    <a:lnT w="12700" cap="flat" cmpd="sng" algn="ctr">
+                      <a:noFill/>
+                      <a:prstDash val="solid"/>
+                      <a:round/>
+                      <a:headEnd type="none" w="med" len="med"/>
+                      <a:tailEnd type="none" w="med" len="med"/>
+                    </a:lnT>
+                    <a:lnB w="12700" cap="flat" cmpd="sng" algn="ctr">
+                      <a:noFill/>
+                      <a:prstDash val="solid"/>
+                      <a:round/>
+                      <a:headEnd type="none" w="med" len="med"/>
+                      <a:tailEnd type="none" w="med" len="med"/>
+                    </a:lnB>
+                    <a:lnTlToBr w="12700" cmpd="sng">
+                      <a:noFill/>
+                      <a:prstDash val="solid"/>
+                    </a:lnTlToBr>
+                    <a:lnBlToTr w="12700" cmpd="sng">
+                      <a:noFill/>
+                      <a:prstDash val="solid"/>
+                    </a:lnBlToTr>
+                  </a:tcPr>
+                </a:tc>
+                <a:tc>
+                  <a:txBody>
+                    <a:bodyPr/>
+                    <a:lstStyle/>
+                    <a:p>
+                      <a:pPr latinLnBrk="1"/>
+                      <a:endParaRPr lang="ko-KR" altLang="en-US" dirty="0"/>
+                    </a:p>
+                  </a:txBody>
+                  <a:tcPr>
+                    <a:lnL w="12700" cmpd="sng">
+                      <a:noFill/>
+                    </a:lnL>
+                    <a:lnR w="12700" cap="flat" cmpd="sng" algn="ctr">
+                      <a:noFill/>
+                      <a:prstDash val="solid"/>
+                      <a:round/>
+                      <a:headEnd type="none" w="med" len="med"/>
+                      <a:tailEnd type="none" w="med" len="med"/>
+                    </a:lnR>
+                    <a:lnT w="12700" cap="flat" cmpd="sng" algn="ctr">
+                      <a:noFill/>
+                      <a:prstDash val="solid"/>
+                      <a:round/>
+                      <a:headEnd type="none" w="med" len="med"/>
+                      <a:tailEnd type="none" w="med" len="med"/>
+                    </a:lnT>
+                    <a:lnB w="12700" cap="flat" cmpd="sng" algn="ctr">
+                      <a:noFill/>
+                      <a:prstDash val="solid"/>
+                      <a:round/>
+                      <a:headEnd type="none" w="med" len="med"/>
+                      <a:tailEnd type="none" w="med" len="med"/>
+                    </a:lnB>
+                    <a:lnTlToBr w="12700" cmpd="sng">
+                      <a:noFill/>
+                      <a:prstDash val="solid"/>
+                    </a:lnTlToBr>
+                    <a:lnBlToTr w="12700" cmpd="sng">
+                      <a:noFill/>
+                      <a:prstDash val="solid"/>
+                    </a:lnBlToTr>
+                  </a:tcPr>
+                </a:tc>
+                <a:tc>
+                  <a:txBody>
+                    <a:bodyPr/>
+                    <a:lstStyle/>
+                    <a:p>
+                      <a:pPr latinLnBrk="1"/>
+                      <a:endParaRPr lang="ko-KR" altLang="en-US" dirty="0"/>
+                    </a:p>
+                  </a:txBody>
+                  <a:tcPr>
+                    <a:lnL w="12700" cap="flat" cmpd="sng" algn="ctr">
+                      <a:noFill/>
+                      <a:prstDash val="solid"/>
+                      <a:round/>
+                      <a:headEnd type="none" w="med" len="med"/>
+                      <a:tailEnd type="none" w="med" len="med"/>
+                    </a:lnL>
+                    <a:lnR w="12700" cap="flat" cmpd="sng" algn="ctr">
+                      <a:noFill/>
+                      <a:prstDash val="solid"/>
+                      <a:round/>
+                      <a:headEnd type="none" w="med" len="med"/>
+                      <a:tailEnd type="none" w="med" len="med"/>
+                    </a:lnR>
+                    <a:lnT w="12700" cap="flat" cmpd="sng" algn="ctr">
+                      <a:noFill/>
+                      <a:prstDash val="solid"/>
+                      <a:round/>
+                      <a:headEnd type="none" w="med" len="med"/>
+                      <a:tailEnd type="none" w="med" len="med"/>
+                    </a:lnT>
+                    <a:lnB w="12700" cap="flat" cmpd="sng" algn="ctr">
+                      <a:noFill/>
+                      <a:prstDash val="solid"/>
+                      <a:round/>
+                      <a:headEnd type="none" w="med" len="med"/>
+                      <a:tailEnd type="none" w="med" len="med"/>
+                    </a:lnB>
+                    <a:lnTlToBr w="12700" cmpd="sng">
+                      <a:noFill/>
+                      <a:prstDash val="solid"/>
+                    </a:lnTlToBr>
+                    <a:lnBlToTr w="12700" cmpd="sng">
+                      <a:noFill/>
+                      <a:prstDash val="solid"/>
+                    </a:lnBlToTr>
+                  </a:tcPr>
+                </a:tc>
+                <a:tc>
+                  <a:txBody>
+                    <a:bodyPr/>
+                    <a:lstStyle/>
+                    <a:p>
+                      <a:pPr latinLnBrk="1"/>
+                      <a:endParaRPr lang="ko-KR" altLang="en-US" dirty="0"/>
+                    </a:p>
+                  </a:txBody>
+                  <a:tcPr>
+                    <a:lnL w="12700" cap="flat" cmpd="sng" algn="ctr">
+                      <a:noFill/>
+                      <a:prstDash val="solid"/>
+                      <a:round/>
+                      <a:headEnd type="none" w="med" len="med"/>
+                      <a:tailEnd type="none" w="med" len="med"/>
+                    </a:lnL>
+                    <a:lnR w="12700" cap="flat" cmpd="sng" algn="ctr">
+                      <a:noFill/>
+                      <a:prstDash val="solid"/>
+                      <a:round/>
+                      <a:headEnd type="none" w="med" len="med"/>
+                      <a:tailEnd type="none" w="med" len="med"/>
+                    </a:lnR>
+                    <a:lnT w="12700" cap="flat" cmpd="sng" algn="ctr">
+                      <a:noFill/>
+                      <a:prstDash val="solid"/>
+                      <a:round/>
+                      <a:headEnd type="none" w="med" len="med"/>
+                      <a:tailEnd type="none" w="med" len="med"/>
+                    </a:lnT>
+                    <a:lnB w="12700" cap="flat" cmpd="sng" algn="ctr">
+                      <a:noFill/>
+                      <a:prstDash val="solid"/>
+                      <a:round/>
+                      <a:headEnd type="none" w="med" len="med"/>
+                      <a:tailEnd type="none" w="med" len="med"/>
+                    </a:lnB>
+                    <a:lnTlToBr w="12700" cmpd="sng">
+                      <a:noFill/>
+                      <a:prstDash val="solid"/>
+                    </a:lnTlToBr>
+                    <a:lnBlToTr w="12700" cmpd="sng">
+                      <a:noFill/>
+                      <a:prstDash val="solid"/>
+                    </a:lnBlToTr>
+                  </a:tcPr>
+                </a:tc>
+                <a:tc>
+                  <a:txBody>
+                    <a:bodyPr/>
+                    <a:lstStyle/>
+                    <a:p>
+                      <a:pPr latinLnBrk="1"/>
+                      <a:endParaRPr lang="ko-KR" altLang="en-US" dirty="0"/>
+                    </a:p>
+                  </a:txBody>
+                  <a:tcPr>
+                    <a:lnL w="12700" cap="flat" cmpd="sng" algn="ctr">
+                      <a:noFill/>
+                      <a:prstDash val="solid"/>
+                      <a:round/>
+                      <a:headEnd type="none" w="med" len="med"/>
+                      <a:tailEnd type="none" w="med" len="med"/>
+                    </a:lnL>
+                    <a:lnR w="12700" cap="flat" cmpd="sng" algn="ctr">
+                      <a:noFill/>
+                      <a:prstDash val="solid"/>
+                      <a:round/>
+                      <a:headEnd type="none" w="med" len="med"/>
+                      <a:tailEnd type="none" w="med" len="med"/>
+                    </a:lnR>
+                    <a:lnT w="12700" cap="flat" cmpd="sng" algn="ctr">
+                      <a:noFill/>
+                      <a:prstDash val="solid"/>
+                      <a:round/>
+                      <a:headEnd type="none" w="med" len="med"/>
+                      <a:tailEnd type="none" w="med" len="med"/>
+                    </a:lnT>
+                    <a:lnB w="12700" cap="flat" cmpd="sng" algn="ctr">
+                      <a:noFill/>
+                      <a:prstDash val="solid"/>
+                      <a:round/>
+                      <a:headEnd type="none" w="med" len="med"/>
+                      <a:tailEnd type="none" w="med" len="med"/>
+                    </a:lnB>
+                    <a:lnTlToBr w="12700" cmpd="sng">
+                      <a:noFill/>
+                      <a:prstDash val="solid"/>
+                    </a:lnTlToBr>
+                    <a:lnBlToTr w="12700" cmpd="sng">
+                      <a:noFill/>
+                      <a:prstDash val="solid"/>
+                    </a:lnBlToTr>
+                  </a:tcPr>
+                </a:tc>
+                <a:tc>
+                  <a:txBody>
+                    <a:bodyPr/>
+                    <a:lstStyle/>
+                    <a:p>
+                      <a:pPr latinLnBrk="1"/>
+                      <a:endParaRPr lang="ko-KR" altLang="en-US" dirty="0"/>
+                    </a:p>
+                  </a:txBody>
+                  <a:tcPr>
+                    <a:lnL w="12700" cap="flat" cmpd="sng" algn="ctr">
+                      <a:noFill/>
+                      <a:prstDash val="solid"/>
+                      <a:round/>
+                      <a:headEnd type="none" w="med" len="med"/>
+                      <a:tailEnd type="none" w="med" len="med"/>
+                    </a:lnL>
+                    <a:lnR w="12700" cap="flat" cmpd="sng" algn="ctr">
+                      <a:noFill/>
+                      <a:prstDash val="solid"/>
+                      <a:round/>
+                      <a:headEnd type="none" w="med" len="med"/>
+                      <a:tailEnd type="none" w="med" len="med"/>
+                    </a:lnR>
+                    <a:lnT w="12700" cap="flat" cmpd="sng" algn="ctr">
+                      <a:noFill/>
+                      <a:prstDash val="solid"/>
+                      <a:round/>
+                      <a:headEnd type="none" w="med" len="med"/>
+                      <a:tailEnd type="none" w="med" len="med"/>
+                    </a:lnT>
+                    <a:lnB w="12700" cap="flat" cmpd="sng" algn="ctr">
+                      <a:noFill/>
+                      <a:prstDash val="solid"/>
+                      <a:round/>
+                      <a:headEnd type="none" w="med" len="med"/>
+                      <a:tailEnd type="none" w="med" len="med"/>
+                    </a:lnB>
+                    <a:lnTlToBr w="12700" cmpd="sng">
+                      <a:noFill/>
+                      <a:prstDash val="solid"/>
+                    </a:lnTlToBr>
+                    <a:lnBlToTr w="12700" cmpd="sng">
+                      <a:noFill/>
+                      <a:prstDash val="solid"/>
+                    </a:lnBlToTr>
+                  </a:tcPr>
+                </a:tc>
+                <a:extLst>
+                  <a:ext uri="{0D108BD9-81ED-4DB2-BD59-A6C34878D82A}">
+                    <a16:rowId xmlns:a16="http://schemas.microsoft.com/office/drawing/2014/main" xmlns="" val="10006"/>
+                  </a:ext>
+                </a:extLst>
+              </a:tr>
+              <a:tr h="415109">
+                <a:tc>
+                  <a:txBody>
+                    <a:bodyPr/>
+                    <a:lstStyle/>
+                    <a:p>
+                      <a:pPr rtl="0" fontAlgn="t">
+                        <a:spcBef>
+                          <a:spcPts val="0"/>
+                        </a:spcBef>
+                        <a:spcAft>
+                          <a:spcPts val="0"/>
+                        </a:spcAft>
+                      </a:pPr>
+                      <a:r>
+                        <a:rPr lang="ko-KR" altLang="en-US" sz="1200" b="0" i="0" u="none" strike="noStrike" dirty="0">
+                          <a:solidFill>
+                            <a:srgbClr val="434343"/>
+                          </a:solidFill>
+                          <a:effectLst/>
+                          <a:latin typeface="Arial" panose="020B0604020202020204" pitchFamily="34" charset="0"/>
+                        </a:rPr>
+                        <a:t>기업방문</a:t>
+                      </a:r>
+                      <a:endParaRPr lang="ko-KR" altLang="en-US" sz="1200" dirty="0">
+                        <a:effectLst/>
+                      </a:endParaRPr>
+                    </a:p>
+                  </a:txBody>
+                  <a:tcPr marL="63500" marR="63500" marT="63500" marB="63500">
+                    <a:lnL w="12700" cmpd="sng">
+                      <a:noFill/>
+                    </a:lnL>
+                    <a:lnR w="12700" cmpd="sng">
+                      <a:noFill/>
+                    </a:lnR>
+                    <a:lnT w="12700" cap="flat" cmpd="sng" algn="ctr">
+                      <a:noFill/>
+                      <a:prstDash val="solid"/>
+                      <a:round/>
+                      <a:headEnd type="none" w="med" len="med"/>
+                      <a:tailEnd type="none" w="med" len="med"/>
+                    </a:lnT>
+                    <a:lnB w="12700" cmpd="sng">
+                      <a:noFill/>
+                    </a:lnB>
+                    <a:lnTlToBr w="12700" cmpd="sng">
+                      <a:noFill/>
+                      <a:prstDash val="solid"/>
+                    </a:lnTlToBr>
+                    <a:lnBlToTr w="12700" cmpd="sng">
+                      <a:noFill/>
+                      <a:prstDash val="solid"/>
+                    </a:lnBlToTr>
+                  </a:tcPr>
+                </a:tc>
+                <a:tc>
+                  <a:txBody>
+                    <a:bodyPr/>
+                    <a:lstStyle/>
+                    <a:p>
+                      <a:pPr latinLnBrk="1"/>
+                      <a:endParaRPr lang="ko-KR" altLang="en-US" dirty="0"/>
+                    </a:p>
+                  </a:txBody>
+                  <a:tcPr>
+                    <a:lnL w="12700" cmpd="sng">
+                      <a:noFill/>
+                    </a:lnL>
+                    <a:lnR w="12700" cmpd="sng">
+                      <a:noFill/>
+                    </a:lnR>
+                    <a:lnT w="12700" cap="flat" cmpd="sng" algn="ctr">
+                      <a:noFill/>
+                      <a:prstDash val="solid"/>
+                      <a:round/>
+                      <a:headEnd type="none" w="med" len="med"/>
+                      <a:tailEnd type="none" w="med" len="med"/>
+                    </a:lnT>
+                    <a:lnB w="12700" cmpd="sng">
+                      <a:noFill/>
+                    </a:lnB>
+                    <a:lnTlToBr w="12700" cmpd="sng">
+                      <a:noFill/>
+                      <a:prstDash val="solid"/>
+                    </a:lnTlToBr>
+                    <a:lnBlToTr w="12700" cmpd="sng">
+                      <a:noFill/>
+                      <a:prstDash val="solid"/>
+                    </a:lnBlToTr>
+                  </a:tcPr>
+                </a:tc>
+                <a:tc>
+                  <a:txBody>
+                    <a:bodyPr/>
+                    <a:lstStyle/>
+                    <a:p>
+                      <a:pPr latinLnBrk="1"/>
+                      <a:endParaRPr lang="ko-KR" altLang="en-US" dirty="0"/>
+                    </a:p>
+                  </a:txBody>
+                  <a:tcPr>
+                    <a:lnL w="12700" cmpd="sng">
+                      <a:noFill/>
+                    </a:lnL>
+                    <a:lnR w="12700" cmpd="sng">
+                      <a:noFill/>
+                    </a:lnR>
+                    <a:lnT w="12700" cap="flat" cmpd="sng" algn="ctr">
+                      <a:noFill/>
+                      <a:prstDash val="solid"/>
+                      <a:round/>
+                      <a:headEnd type="none" w="med" len="med"/>
+                      <a:tailEnd type="none" w="med" len="med"/>
+                    </a:lnT>
+                    <a:lnB w="12700" cmpd="sng">
+                      <a:noFill/>
+                    </a:lnB>
+                    <a:lnTlToBr w="12700" cmpd="sng">
+                      <a:noFill/>
+                      <a:prstDash val="solid"/>
+                    </a:lnTlToBr>
+                    <a:lnBlToTr w="12700" cmpd="sng">
+                      <a:noFill/>
+                      <a:prstDash val="solid"/>
+                    </a:lnBlToTr>
+                  </a:tcPr>
+                </a:tc>
+                <a:tc>
+                  <a:txBody>
+                    <a:bodyPr/>
+                    <a:lstStyle/>
+                    <a:p>
+                      <a:pPr latinLnBrk="1"/>
+                      <a:endParaRPr lang="ko-KR" altLang="en-US" dirty="0"/>
+                    </a:p>
+                  </a:txBody>
+                  <a:tcPr>
+                    <a:lnL w="12700" cmpd="sng">
+                      <a:noFill/>
+                    </a:lnL>
+                    <a:lnR w="12700" cmpd="sng">
+                      <a:noFill/>
+                    </a:lnR>
+                    <a:lnT w="12700" cap="flat" cmpd="sng" algn="ctr">
+                      <a:noFill/>
+                      <a:prstDash val="solid"/>
+                      <a:round/>
+                      <a:headEnd type="none" w="med" len="med"/>
+                      <a:tailEnd type="none" w="med" len="med"/>
+                    </a:lnT>
+                    <a:lnB w="12700" cmpd="sng">
+                      <a:noFill/>
+                    </a:lnB>
+                    <a:lnTlToBr w="12700" cmpd="sng">
+                      <a:noFill/>
+                      <a:prstDash val="solid"/>
+                    </a:lnTlToBr>
+                    <a:lnBlToTr w="12700" cmpd="sng">
+                      <a:noFill/>
+                      <a:prstDash val="solid"/>
+                    </a:lnBlToTr>
+                  </a:tcPr>
+                </a:tc>
+                <a:tc>
+                  <a:txBody>
+                    <a:bodyPr/>
+                    <a:lstStyle/>
+                    <a:p>
+                      <a:pPr latinLnBrk="1"/>
+                      <a:endParaRPr lang="ko-KR" altLang="en-US" dirty="0"/>
+                    </a:p>
+                  </a:txBody>
+                  <a:tcPr>
+                    <a:lnL w="12700" cmpd="sng">
+                      <a:noFill/>
+                    </a:lnL>
+                    <a:lnR w="12700" cmpd="sng">
+                      <a:noFill/>
+                    </a:lnR>
+                    <a:lnT w="12700" cap="flat" cmpd="sng" algn="ctr">
+                      <a:noFill/>
+                      <a:prstDash val="solid"/>
+                      <a:round/>
+                      <a:headEnd type="none" w="med" len="med"/>
+                      <a:tailEnd type="none" w="med" len="med"/>
+                    </a:lnT>
+                    <a:lnB w="12700" cmpd="sng">
+                      <a:noFill/>
+                    </a:lnB>
+                    <a:lnTlToBr w="12700" cmpd="sng">
+                      <a:noFill/>
+                      <a:prstDash val="solid"/>
+                    </a:lnTlToBr>
+                    <a:lnBlToTr w="12700" cmpd="sng">
+                      <a:noFill/>
+                      <a:prstDash val="solid"/>
+                    </a:lnBlToTr>
+                  </a:tcPr>
+                </a:tc>
+                <a:tc>
+                  <a:txBody>
+                    <a:bodyPr/>
+                    <a:lstStyle/>
+                    <a:p>
+                      <a:pPr latinLnBrk="1"/>
+                      <a:endParaRPr lang="ko-KR" altLang="en-US" dirty="0"/>
+                    </a:p>
+                  </a:txBody>
+                  <a:tcPr>
+                    <a:lnL w="12700" cmpd="sng">
+                      <a:noFill/>
+                    </a:lnL>
+                    <a:lnR w="12700" cmpd="sng">
+                      <a:noFill/>
+                    </a:lnR>
+                    <a:lnT w="12700" cap="flat" cmpd="sng" algn="ctr">
+                      <a:noFill/>
+                      <a:prstDash val="solid"/>
+                      <a:round/>
+                      <a:headEnd type="none" w="med" len="med"/>
+                      <a:tailEnd type="none" w="med" len="med"/>
+                    </a:lnT>
+                    <a:lnB w="12700" cmpd="sng">
+                      <a:noFill/>
+                    </a:lnB>
+                    <a:lnTlToBr w="12700" cmpd="sng">
+                      <a:noFill/>
+                      <a:prstDash val="solid"/>
+                    </a:lnTlToBr>
+                    <a:lnBlToTr w="12700" cmpd="sng">
+                      <a:noFill/>
+                      <a:prstDash val="solid"/>
+                    </a:lnBlToTr>
+                  </a:tcPr>
+                </a:tc>
+                <a:tc>
+                  <a:txBody>
+                    <a:bodyPr/>
+                    <a:lstStyle/>
+                    <a:p>
+                      <a:pPr latinLnBrk="1"/>
+                      <a:endParaRPr lang="ko-KR" altLang="en-US" dirty="0"/>
+                    </a:p>
+                  </a:txBody>
+                  <a:tcPr>
+                    <a:lnL w="12700" cmpd="sng">
+                      <a:noFill/>
+                    </a:lnL>
+                    <a:lnR w="12700" cmpd="sng">
+                      <a:noFill/>
+                    </a:lnR>
+                    <a:lnT w="12700" cap="flat" cmpd="sng" algn="ctr">
+                      <a:noFill/>
+                      <a:prstDash val="solid"/>
+                      <a:round/>
+                      <a:headEnd type="none" w="med" len="med"/>
+                      <a:tailEnd type="none" w="med" len="med"/>
+                    </a:lnT>
+                    <a:lnB w="12700" cmpd="sng">
+                      <a:noFill/>
+                    </a:lnB>
+                    <a:lnTlToBr w="12700" cmpd="sng">
+                      <a:noFill/>
+                      <a:prstDash val="solid"/>
+                    </a:lnTlToBr>
+                    <a:lnBlToTr w="12700" cmpd="sng">
+                      <a:noFill/>
+                      <a:prstDash val="solid"/>
+                    </a:lnBlToTr>
+                  </a:tcPr>
+                </a:tc>
+                <a:tc>
+                  <a:txBody>
+                    <a:bodyPr/>
+                    <a:lstStyle/>
+                    <a:p>
+                      <a:pPr latinLnBrk="1"/>
+                      <a:endParaRPr lang="ko-KR" altLang="en-US" dirty="0"/>
+                    </a:p>
+                  </a:txBody>
+                  <a:tcPr>
+                    <a:lnL w="12700" cmpd="sng">
+                      <a:noFill/>
+                    </a:lnL>
+                    <a:lnR w="12700" cmpd="sng">
+                      <a:noFill/>
+                    </a:lnR>
+                    <a:lnT w="12700" cap="flat" cmpd="sng" algn="ctr">
+                      <a:noFill/>
+                      <a:prstDash val="solid"/>
+                      <a:round/>
+                      <a:headEnd type="none" w="med" len="med"/>
+                      <a:tailEnd type="none" w="med" len="med"/>
+                    </a:lnT>
+                    <a:lnB w="12700" cmpd="sng">
+                      <a:noFill/>
+                    </a:lnB>
+                    <a:lnTlToBr w="12700" cmpd="sng">
+                      <a:noFill/>
+                      <a:prstDash val="solid"/>
+                    </a:lnTlToBr>
+                    <a:lnBlToTr w="12700" cmpd="sng">
+                      <a:noFill/>
+                      <a:prstDash val="solid"/>
+                    </a:lnBlToTr>
+                  </a:tcPr>
+                </a:tc>
+                <a:tc>
+                  <a:txBody>
+                    <a:bodyPr/>
+                    <a:lstStyle/>
+                    <a:p>
+                      <a:pPr latinLnBrk="1"/>
+                      <a:endParaRPr lang="ko-KR" altLang="en-US" dirty="0"/>
+                    </a:p>
+                  </a:txBody>
+                  <a:tcPr>
+                    <a:lnL w="12700" cmpd="sng">
+                      <a:noFill/>
+                    </a:lnL>
+                    <a:lnR w="12700" cap="flat" cmpd="sng" algn="ctr">
+                      <a:noFill/>
+                      <a:prstDash val="solid"/>
+                      <a:round/>
+                      <a:headEnd type="none" w="med" len="med"/>
+                      <a:tailEnd type="none" w="med" len="med"/>
+                    </a:lnR>
+                    <a:lnT w="12700" cap="flat" cmpd="sng" algn="ctr">
+                      <a:noFill/>
+                      <a:prstDash val="solid"/>
+                      <a:round/>
+                      <a:headEnd type="none" w="med" len="med"/>
+                      <a:tailEnd type="none" w="med" len="med"/>
+                    </a:lnT>
+                    <a:lnB w="12700" cmpd="sng">
+                      <a:noFill/>
+                    </a:lnB>
+                    <a:lnTlToBr w="12700" cmpd="sng">
+                      <a:noFill/>
+                      <a:prstDash val="solid"/>
+                    </a:lnTlToBr>
+                    <a:lnBlToTr w="12700" cmpd="sng">
+                      <a:noFill/>
+                      <a:prstDash val="solid"/>
+                    </a:lnBlToTr>
+                  </a:tcPr>
+                </a:tc>
+                <a:tc gridSpan="2">
+                  <a:txBody>
+                    <a:bodyPr/>
+                    <a:lstStyle/>
+                    <a:p>
+                      <a:pPr latinLnBrk="1"/>
+                      <a:endParaRPr lang="ko-KR" altLang="en-US" dirty="0"/>
+                    </a:p>
+                  </a:txBody>
+                  <a:tcPr>
+                    <a:lnL w="12700" cap="flat" cmpd="sng" algn="ctr">
+                      <a:noFill/>
+                      <a:prstDash val="solid"/>
+                      <a:round/>
+                      <a:headEnd type="none" w="med" len="med"/>
+                      <a:tailEnd type="none" w="med" len="med"/>
+                    </a:lnL>
+                    <a:lnR w="12700" cap="flat" cmpd="sng" algn="ctr">
+                      <a:noFill/>
+                      <a:prstDash val="solid"/>
+                      <a:round/>
+                      <a:headEnd type="none" w="med" len="med"/>
+                      <a:tailEnd type="none" w="med" len="med"/>
+                    </a:lnR>
+                    <a:lnT w="12700" cap="flat" cmpd="sng" algn="ctr">
+                      <a:noFill/>
+                      <a:prstDash val="solid"/>
+                      <a:round/>
+                      <a:headEnd type="none" w="med" len="med"/>
+                      <a:tailEnd type="none" w="med" len="med"/>
+                    </a:lnT>
+                    <a:lnB w="12700" cmpd="sng">
+                      <a:noFill/>
+                    </a:lnB>
+                    <a:lnTlToBr w="12700" cmpd="sng">
+                      <a:noFill/>
+                      <a:prstDash val="solid"/>
+                    </a:lnTlToBr>
+                    <a:lnBlToTr w="12700" cmpd="sng">
+                      <a:noFill/>
+                      <a:prstDash val="solid"/>
+                    </a:lnBlToTr>
+                    <a:solidFill>
+                      <a:srgbClr val="00A03E"/>
+                    </a:solidFill>
+                  </a:tcPr>
+                </a:tc>
+                <a:tc hMerge="1">
+                  <a:txBody>
+                    <a:bodyPr/>
+                    <a:lstStyle/>
+                    <a:p>
+                      <a:pPr latinLnBrk="1"/>
+                      <a:endParaRPr lang="ko-KR" altLang="en-US" dirty="0"/>
+                    </a:p>
+                  </a:txBody>
+                  <a:tcPr>
+                    <a:lnR w="12700" cap="flat" cmpd="sng" algn="ctr">
+                      <a:solidFill>
+                        <a:schemeClr val="tx1"/>
+                      </a:solidFill>
+                      <a:prstDash val="solid"/>
+                      <a:round/>
+                      <a:headEnd type="none" w="med" len="med"/>
+                      <a:tailEnd type="none" w="med" len="med"/>
+                    </a:lnR>
+                    <a:lnT w="12700" cap="flat" cmpd="sng" algn="ctr">
+                      <a:solidFill>
+                        <a:schemeClr val="tx1"/>
+                      </a:solidFill>
+                      <a:prstDash val="solid"/>
+                      <a:round/>
+                      <a:headEnd type="none" w="med" len="med"/>
+                      <a:tailEnd type="none" w="med" len="med"/>
+                    </a:lnT>
+                  </a:tcPr>
+                </a:tc>
+                <a:tc>
+                  <a:txBody>
+                    <a:bodyPr/>
+                    <a:lstStyle/>
+                    <a:p>
+                      <a:pPr latinLnBrk="1"/>
+                      <a:endParaRPr lang="ko-KR" altLang="en-US" dirty="0"/>
+                    </a:p>
+                  </a:txBody>
+                  <a:tcPr>
+                    <a:lnL w="12700" cap="flat" cmpd="sng" algn="ctr">
+                      <a:noFill/>
+                      <a:prstDash val="solid"/>
+                      <a:round/>
+                      <a:headEnd type="none" w="med" len="med"/>
+                      <a:tailEnd type="none" w="med" len="med"/>
+                    </a:lnL>
+                    <a:lnR w="12700" cap="flat" cmpd="sng" algn="ctr">
+                      <a:noFill/>
+                      <a:prstDash val="solid"/>
+                      <a:round/>
+                      <a:headEnd type="none" w="med" len="med"/>
+                      <a:tailEnd type="none" w="med" len="med"/>
+                    </a:lnR>
+                    <a:lnT w="12700" cap="flat" cmpd="sng" algn="ctr">
+                      <a:noFill/>
+                      <a:prstDash val="solid"/>
+                      <a:round/>
+                      <a:headEnd type="none" w="med" len="med"/>
+                      <a:tailEnd type="none" w="med" len="med"/>
+                    </a:lnT>
+                    <a:lnB w="12700" cmpd="sng">
+                      <a:noFill/>
+                    </a:lnB>
+                    <a:lnTlToBr w="12700" cmpd="sng">
+                      <a:noFill/>
+                      <a:prstDash val="solid"/>
+                    </a:lnTlToBr>
+                    <a:lnBlToTr w="12700" cmpd="sng">
+                      <a:noFill/>
+                      <a:prstDash val="solid"/>
+                    </a:lnBlToTr>
+                  </a:tcPr>
+                </a:tc>
+                <a:tc>
+                  <a:txBody>
+                    <a:bodyPr/>
+                    <a:lstStyle/>
+                    <a:p>
+                      <a:pPr latinLnBrk="1"/>
+                      <a:endParaRPr lang="ko-KR" altLang="en-US" dirty="0"/>
+                    </a:p>
+                  </a:txBody>
+                  <a:tcPr>
+                    <a:lnL w="12700" cap="flat" cmpd="sng" algn="ctr">
+                      <a:noFill/>
+                      <a:prstDash val="solid"/>
+                      <a:round/>
+                      <a:headEnd type="none" w="med" len="med"/>
+                      <a:tailEnd type="none" w="med" len="med"/>
+                    </a:lnL>
+                    <a:lnR w="12700" cap="flat" cmpd="sng" algn="ctr">
+                      <a:noFill/>
+                      <a:prstDash val="solid"/>
+                      <a:round/>
+                      <a:headEnd type="none" w="med" len="med"/>
+                      <a:tailEnd type="none" w="med" len="med"/>
+                    </a:lnR>
+                    <a:lnT w="12700" cap="flat" cmpd="sng" algn="ctr">
+                      <a:noFill/>
+                      <a:prstDash val="solid"/>
+                      <a:round/>
+                      <a:headEnd type="none" w="med" len="med"/>
+                      <a:tailEnd type="none" w="med" len="med"/>
+                    </a:lnT>
+                    <a:lnB w="12700" cmpd="sng">
+                      <a:noFill/>
+                    </a:lnB>
+                    <a:lnTlToBr w="12700" cmpd="sng">
+                      <a:noFill/>
+                      <a:prstDash val="solid"/>
+                    </a:lnTlToBr>
+                    <a:lnBlToTr w="12700" cmpd="sng">
+                      <a:noFill/>
+                      <a:prstDash val="solid"/>
+                    </a:lnBlToTr>
+                  </a:tcPr>
+                </a:tc>
+                <a:tc>
+                  <a:txBody>
+                    <a:bodyPr/>
+                    <a:lstStyle/>
+                    <a:p>
+                      <a:pPr latinLnBrk="1"/>
+                      <a:endParaRPr lang="ko-KR" altLang="en-US" dirty="0"/>
+                    </a:p>
+                  </a:txBody>
+                  <a:tcPr>
+                    <a:lnL w="12700" cap="flat" cmpd="sng" algn="ctr">
+                      <a:noFill/>
+                      <a:prstDash val="solid"/>
+                      <a:round/>
+                      <a:headEnd type="none" w="med" len="med"/>
+                      <a:tailEnd type="none" w="med" len="med"/>
+                    </a:lnL>
+                    <a:lnR w="12700" cap="flat" cmpd="sng" algn="ctr">
+                      <a:noFill/>
+                      <a:prstDash val="solid"/>
+                      <a:round/>
+                      <a:headEnd type="none" w="med" len="med"/>
+                      <a:tailEnd type="none" w="med" len="med"/>
+                    </a:lnR>
+                    <a:lnT w="12700" cap="flat" cmpd="sng" algn="ctr">
+                      <a:noFill/>
+                      <a:prstDash val="solid"/>
+                      <a:round/>
+                      <a:headEnd type="none" w="med" len="med"/>
+                      <a:tailEnd type="none" w="med" len="med"/>
+                    </a:lnT>
+                    <a:lnB w="12700" cmpd="sng">
+                      <a:noFill/>
+                    </a:lnB>
+                    <a:lnTlToBr w="12700" cmpd="sng">
+                      <a:noFill/>
+                      <a:prstDash val="solid"/>
+                    </a:lnTlToBr>
+                    <a:lnBlToTr w="12700" cmpd="sng">
+                      <a:noFill/>
+                      <a:prstDash val="solid"/>
+                    </a:lnBlToTr>
+                  </a:tcPr>
+                </a:tc>
+                <a:tc>
+                  <a:txBody>
+                    <a:bodyPr/>
+                    <a:lstStyle/>
+                    <a:p>
+                      <a:pPr latinLnBrk="1"/>
+                      <a:endParaRPr lang="ko-KR" altLang="en-US" dirty="0"/>
+                    </a:p>
+                  </a:txBody>
+                  <a:tcPr>
+                    <a:lnL w="12700" cap="flat" cmpd="sng" algn="ctr">
+                      <a:noFill/>
+                      <a:prstDash val="solid"/>
+                      <a:round/>
+                      <a:headEnd type="none" w="med" len="med"/>
+                      <a:tailEnd type="none" w="med" len="med"/>
+                    </a:lnL>
+                    <a:lnR w="12700" cap="flat" cmpd="sng" algn="ctr">
+                      <a:noFill/>
+                      <a:prstDash val="solid"/>
+                      <a:round/>
+                      <a:headEnd type="none" w="med" len="med"/>
+                      <a:tailEnd type="none" w="med" len="med"/>
+                    </a:lnR>
+                    <a:lnT w="12700" cap="flat" cmpd="sng" algn="ctr">
+                      <a:noFill/>
+                      <a:prstDash val="solid"/>
+                      <a:round/>
+                      <a:headEnd type="none" w="med" len="med"/>
+                      <a:tailEnd type="none" w="med" len="med"/>
+                    </a:lnT>
+                    <a:lnB w="12700" cmpd="sng">
+                      <a:noFill/>
+                    </a:lnB>
+                    <a:lnTlToBr w="12700" cmpd="sng">
+                      <a:noFill/>
+                      <a:prstDash val="solid"/>
+                    </a:lnTlToBr>
+                    <a:lnBlToTr w="12700" cmpd="sng">
+                      <a:noFill/>
+                      <a:prstDash val="solid"/>
+                    </a:lnBlToTr>
+                  </a:tcPr>
+                </a:tc>
+                <a:extLst>
+                  <a:ext uri="{0D108BD9-81ED-4DB2-BD59-A6C34878D82A}">
+                    <a16:rowId xmlns:a16="http://schemas.microsoft.com/office/drawing/2014/main" xmlns="" val="10007"/>
+                  </a:ext>
+                </a:extLst>
+              </a:tr>
+              <a:tr h="415109">
+                <a:tc gridSpan="4">
+                  <a:txBody>
+                    <a:bodyPr/>
+                    <a:lstStyle/>
+                    <a:p>
+                      <a:pPr rtl="0" fontAlgn="t">
+                        <a:spcBef>
+                          <a:spcPts val="0"/>
+                        </a:spcBef>
+                        <a:spcAft>
+                          <a:spcPts val="0"/>
+                        </a:spcAft>
+                      </a:pPr>
+                      <a:r>
+                        <a:rPr lang="ko-KR" altLang="en-US" sz="1200" b="0" i="0" u="none" strike="noStrike" dirty="0">
+                          <a:solidFill>
+                            <a:srgbClr val="434343"/>
+                          </a:solidFill>
+                          <a:effectLst/>
+                          <a:latin typeface="Arial" panose="020B0604020202020204" pitchFamily="34" charset="0"/>
+                        </a:rPr>
+                        <a:t>문제점 </a:t>
+                      </a:r>
+                      <a:r>
+                        <a:rPr lang="en-US" altLang="ko-KR" sz="1200" b="0" i="0" u="none" strike="noStrike" dirty="0">
+                          <a:solidFill>
+                            <a:srgbClr val="434343"/>
+                          </a:solidFill>
+                          <a:effectLst/>
+                          <a:latin typeface="Arial" panose="020B0604020202020204" pitchFamily="34" charset="0"/>
+                        </a:rPr>
+                        <a:t>&amp; </a:t>
+                      </a:r>
+                      <a:r>
+                        <a:rPr lang="ko-KR" altLang="en-US" sz="1200" b="0" i="0" u="none" strike="noStrike" dirty="0">
+                          <a:solidFill>
+                            <a:srgbClr val="434343"/>
+                          </a:solidFill>
+                          <a:effectLst/>
+                          <a:latin typeface="Arial" panose="020B0604020202020204" pitchFamily="34" charset="0"/>
+                        </a:rPr>
+                        <a:t>개선방안 </a:t>
+                      </a:r>
+                      <a:r>
+                        <a:rPr lang="en-US" altLang="ko-KR" sz="1200" b="0" i="0" u="none" strike="noStrike" dirty="0">
+                          <a:solidFill>
+                            <a:srgbClr val="434343"/>
+                          </a:solidFill>
+                          <a:effectLst/>
+                          <a:latin typeface="Arial" panose="020B0604020202020204" pitchFamily="34" charset="0"/>
+                        </a:rPr>
+                        <a:t>&amp; </a:t>
+                      </a:r>
+                      <a:r>
+                        <a:rPr lang="ko-KR" altLang="en-US" sz="1200" b="0" i="0" u="none" strike="noStrike" dirty="0">
+                          <a:solidFill>
+                            <a:srgbClr val="434343"/>
+                          </a:solidFill>
+                          <a:effectLst/>
+                          <a:latin typeface="Arial" panose="020B0604020202020204" pitchFamily="34" charset="0"/>
+                        </a:rPr>
+                        <a:t>추가 사항 연구</a:t>
+                      </a:r>
+                      <a:endParaRPr lang="ko-KR" altLang="en-US" sz="1200" dirty="0">
+                        <a:effectLst/>
+                      </a:endParaRPr>
+                    </a:p>
+                  </a:txBody>
+                  <a:tcPr marL="63500" marR="63500" marT="63500" marB="63500">
+                    <a:lnL w="12700" cmpd="sng">
+                      <a:noFill/>
+                    </a:lnL>
+                    <a:lnR w="12700" cmpd="sng">
+                      <a:noFill/>
+                    </a:lnR>
+                    <a:lnT w="12700" cmpd="sng">
+                      <a:noFill/>
+                    </a:lnT>
+                    <a:lnB w="12700" cap="flat" cmpd="sng" algn="ctr">
+                      <a:noFill/>
+                      <a:prstDash val="solid"/>
+                      <a:round/>
+                      <a:headEnd type="none" w="med" len="med"/>
+                      <a:tailEnd type="none" w="med" len="med"/>
+                    </a:lnB>
+                    <a:lnTlToBr w="12700" cmpd="sng">
+                      <a:noFill/>
+                      <a:prstDash val="solid"/>
+                    </a:lnTlToBr>
+                    <a:lnBlToTr w="12700" cmpd="sng">
+                      <a:noFill/>
+                      <a:prstDash val="solid"/>
+                    </a:lnBlToTr>
+                  </a:tcPr>
+                </a:tc>
+                <a:tc hMerge="1">
+                  <a:txBody>
+                    <a:bodyPr/>
+                    <a:lstStyle/>
+                    <a:p>
+                      <a:pPr latinLnBrk="1"/>
+                      <a:endParaRPr lang="ko-KR" altLang="en-US" dirty="0"/>
+                    </a:p>
+                  </a:txBody>
+                  <a:tcPr>
+                    <a:lnB w="12700" cap="flat" cmpd="sng" algn="ctr">
+                      <a:solidFill>
+                        <a:schemeClr val="tx1"/>
+                      </a:solidFill>
+                      <a:prstDash val="solid"/>
+                      <a:round/>
+                      <a:headEnd type="none" w="med" len="med"/>
+                      <a:tailEnd type="none" w="med" len="med"/>
+                    </a:lnB>
+                  </a:tcPr>
+                </a:tc>
+                <a:tc hMerge="1">
+                  <a:txBody>
+                    <a:bodyPr/>
+                    <a:lstStyle/>
+                    <a:p>
+                      <a:pPr latinLnBrk="1"/>
+                      <a:endParaRPr lang="ko-KR" altLang="en-US" dirty="0"/>
+                    </a:p>
+                  </a:txBody>
+                  <a:tcPr>
+                    <a:lnB w="12700" cap="flat" cmpd="sng" algn="ctr">
+                      <a:solidFill>
+                        <a:schemeClr val="tx1"/>
+                      </a:solidFill>
+                      <a:prstDash val="solid"/>
+                      <a:round/>
+                      <a:headEnd type="none" w="med" len="med"/>
+                      <a:tailEnd type="none" w="med" len="med"/>
+                    </a:lnB>
+                  </a:tcPr>
+                </a:tc>
+                <a:tc hMerge="1">
+                  <a:txBody>
+                    <a:bodyPr/>
+                    <a:lstStyle/>
+                    <a:p>
+                      <a:pPr latinLnBrk="1"/>
+                      <a:endParaRPr lang="ko-KR" altLang="en-US" dirty="0"/>
+                    </a:p>
+                  </a:txBody>
+                  <a:tcPr>
+                    <a:lnB w="12700" cap="flat" cmpd="sng" algn="ctr">
+                      <a:solidFill>
+                        <a:schemeClr val="tx1"/>
+                      </a:solidFill>
+                      <a:prstDash val="solid"/>
+                      <a:round/>
+                      <a:headEnd type="none" w="med" len="med"/>
+                      <a:tailEnd type="none" w="med" len="med"/>
+                    </a:lnB>
+                  </a:tcPr>
+                </a:tc>
+                <a:tc>
+                  <a:txBody>
+                    <a:bodyPr/>
+                    <a:lstStyle/>
+                    <a:p>
+                      <a:pPr latinLnBrk="1"/>
+                      <a:endParaRPr lang="ko-KR" altLang="en-US" dirty="0"/>
+                    </a:p>
+                  </a:txBody>
+                  <a:tcPr>
+                    <a:lnL w="12700" cmpd="sng">
+                      <a:noFill/>
+                    </a:lnL>
+                    <a:lnR w="12700" cmpd="sng">
+                      <a:noFill/>
+                    </a:lnR>
+                    <a:lnT w="12700" cmpd="sng">
+                      <a:noFill/>
+                    </a:lnT>
+                    <a:lnB w="12700" cap="flat" cmpd="sng" algn="ctr">
+                      <a:noFill/>
+                      <a:prstDash val="solid"/>
+                      <a:round/>
+                      <a:headEnd type="none" w="med" len="med"/>
+                      <a:tailEnd type="none" w="med" len="med"/>
+                    </a:lnB>
+                    <a:lnTlToBr w="12700" cmpd="sng">
+                      <a:noFill/>
+                      <a:prstDash val="solid"/>
+                    </a:lnTlToBr>
+                    <a:lnBlToTr w="12700" cmpd="sng">
+                      <a:noFill/>
+                      <a:prstDash val="solid"/>
+                    </a:lnBlToTr>
+                  </a:tcPr>
+                </a:tc>
+                <a:tc>
+                  <a:txBody>
+                    <a:bodyPr/>
+                    <a:lstStyle/>
+                    <a:p>
+                      <a:pPr latinLnBrk="1"/>
+                      <a:endParaRPr lang="ko-KR" altLang="en-US" dirty="0"/>
+                    </a:p>
+                  </a:txBody>
+                  <a:tcPr>
+                    <a:lnL w="12700" cmpd="sng">
+                      <a:noFill/>
+                    </a:lnL>
+                    <a:lnR w="12700" cmpd="sng">
+                      <a:noFill/>
+                    </a:lnR>
+                    <a:lnT w="12700" cmpd="sng">
+                      <a:noFill/>
+                    </a:lnT>
+                    <a:lnB w="12700" cap="flat" cmpd="sng" algn="ctr">
+                      <a:noFill/>
+                      <a:prstDash val="solid"/>
+                      <a:round/>
+                      <a:headEnd type="none" w="med" len="med"/>
+                      <a:tailEnd type="none" w="med" len="med"/>
+                    </a:lnB>
+                    <a:lnTlToBr w="12700" cmpd="sng">
+                      <a:noFill/>
+                      <a:prstDash val="solid"/>
+                    </a:lnTlToBr>
+                    <a:lnBlToTr w="12700" cmpd="sng">
+                      <a:noFill/>
+                      <a:prstDash val="solid"/>
+                    </a:lnBlToTr>
+                  </a:tcPr>
+                </a:tc>
+                <a:tc>
+                  <a:txBody>
+                    <a:bodyPr/>
+                    <a:lstStyle/>
+                    <a:p>
+                      <a:pPr latinLnBrk="1"/>
+                      <a:endParaRPr lang="ko-KR" altLang="en-US" dirty="0"/>
+                    </a:p>
+                  </a:txBody>
+                  <a:tcPr>
+                    <a:lnL w="12700" cmpd="sng">
+                      <a:noFill/>
+                    </a:lnL>
+                    <a:lnR w="12700" cmpd="sng">
+                      <a:noFill/>
+                    </a:lnR>
+                    <a:lnT w="12700" cmpd="sng">
+                      <a:noFill/>
+                    </a:lnT>
+                    <a:lnB w="12700" cap="flat" cmpd="sng" algn="ctr">
+                      <a:noFill/>
+                      <a:prstDash val="solid"/>
+                      <a:round/>
+                      <a:headEnd type="none" w="med" len="med"/>
+                      <a:tailEnd type="none" w="med" len="med"/>
+                    </a:lnB>
+                    <a:lnTlToBr w="12700" cmpd="sng">
+                      <a:noFill/>
+                      <a:prstDash val="solid"/>
+                    </a:lnTlToBr>
+                    <a:lnBlToTr w="12700" cmpd="sng">
+                      <a:noFill/>
+                      <a:prstDash val="solid"/>
+                    </a:lnBlToTr>
+                  </a:tcPr>
+                </a:tc>
+                <a:tc>
+                  <a:txBody>
+                    <a:bodyPr/>
+                    <a:lstStyle/>
+                    <a:p>
+                      <a:pPr latinLnBrk="1"/>
+                      <a:endParaRPr lang="ko-KR" altLang="en-US" dirty="0"/>
+                    </a:p>
+                  </a:txBody>
+                  <a:tcPr>
+                    <a:lnL w="12700" cmpd="sng">
+                      <a:noFill/>
+                    </a:lnL>
+                    <a:lnR w="12700" cmpd="sng">
+                      <a:noFill/>
+                    </a:lnR>
+                    <a:lnT w="12700" cmpd="sng">
+                      <a:noFill/>
+                    </a:lnT>
+                    <a:lnB w="12700" cap="flat" cmpd="sng" algn="ctr">
+                      <a:noFill/>
+                      <a:prstDash val="solid"/>
+                      <a:round/>
+                      <a:headEnd type="none" w="med" len="med"/>
+                      <a:tailEnd type="none" w="med" len="med"/>
+                    </a:lnB>
+                    <a:lnTlToBr w="12700" cmpd="sng">
+                      <a:noFill/>
+                      <a:prstDash val="solid"/>
+                    </a:lnTlToBr>
+                    <a:lnBlToTr w="12700" cmpd="sng">
+                      <a:noFill/>
+                      <a:prstDash val="solid"/>
+                    </a:lnBlToTr>
+                  </a:tcPr>
+                </a:tc>
+                <a:tc>
+                  <a:txBody>
+                    <a:bodyPr/>
+                    <a:lstStyle/>
+                    <a:p>
+                      <a:pPr latinLnBrk="1"/>
+                      <a:endParaRPr lang="ko-KR" altLang="en-US" dirty="0"/>
+                    </a:p>
+                  </a:txBody>
+                  <a:tcPr>
+                    <a:lnL w="12700" cmpd="sng">
+                      <a:noFill/>
+                    </a:lnL>
+                    <a:lnR w="12700" cap="flat" cmpd="sng" algn="ctr">
+                      <a:noFill/>
+                      <a:prstDash val="solid"/>
+                      <a:round/>
+                      <a:headEnd type="none" w="med" len="med"/>
+                      <a:tailEnd type="none" w="med" len="med"/>
+                    </a:lnR>
+                    <a:lnT w="12700" cmpd="sng">
+                      <a:noFill/>
+                    </a:lnT>
+                    <a:lnB w="12700" cap="flat" cmpd="sng" algn="ctr">
+                      <a:noFill/>
+                      <a:prstDash val="solid"/>
+                      <a:round/>
+                      <a:headEnd type="none" w="med" len="med"/>
+                      <a:tailEnd type="none" w="med" len="med"/>
+                    </a:lnB>
+                    <a:lnTlToBr w="12700" cmpd="sng">
+                      <a:noFill/>
+                      <a:prstDash val="solid"/>
+                    </a:lnTlToBr>
+                    <a:lnBlToTr w="12700" cmpd="sng">
+                      <a:noFill/>
+                      <a:prstDash val="solid"/>
+                    </a:lnBlToTr>
+                  </a:tcPr>
+                </a:tc>
+                <a:tc>
+                  <a:txBody>
+                    <a:bodyPr/>
+                    <a:lstStyle/>
+                    <a:p>
+                      <a:pPr latinLnBrk="1"/>
+                      <a:endParaRPr lang="ko-KR" altLang="en-US" dirty="0"/>
+                    </a:p>
+                  </a:txBody>
+                  <a:tcPr>
+                    <a:lnL w="12700" cap="flat" cmpd="sng" algn="ctr">
+                      <a:noFill/>
+                      <a:prstDash val="solid"/>
+                      <a:round/>
+                      <a:headEnd type="none" w="med" len="med"/>
+                      <a:tailEnd type="none" w="med" len="med"/>
+                    </a:lnL>
+                    <a:lnR w="12700" cap="flat" cmpd="sng" algn="ctr">
+                      <a:noFill/>
+                      <a:prstDash val="solid"/>
+                      <a:round/>
+                      <a:headEnd type="none" w="med" len="med"/>
+                      <a:tailEnd type="none" w="med" len="med"/>
+                    </a:lnR>
+                    <a:lnT w="12700" cmpd="sng">
+                      <a:noFill/>
+                    </a:lnT>
+                    <a:lnB w="12700" cap="flat" cmpd="sng" algn="ctr">
+                      <a:noFill/>
+                      <a:prstDash val="solid"/>
+                      <a:round/>
+                      <a:headEnd type="none" w="med" len="med"/>
+                      <a:tailEnd type="none" w="med" len="med"/>
+                    </a:lnB>
+                    <a:lnTlToBr w="12700" cmpd="sng">
+                      <a:noFill/>
+                      <a:prstDash val="solid"/>
+                    </a:lnTlToBr>
+                    <a:lnBlToTr w="12700" cmpd="sng">
+                      <a:noFill/>
+                      <a:prstDash val="solid"/>
+                    </a:lnBlToTr>
+                  </a:tcPr>
+                </a:tc>
+                <a:tc gridSpan="2">
+                  <a:txBody>
+                    <a:bodyPr/>
+                    <a:lstStyle/>
+                    <a:p>
+                      <a:pPr latinLnBrk="1"/>
+                      <a:endParaRPr lang="ko-KR" altLang="en-US" dirty="0"/>
+                    </a:p>
+                  </a:txBody>
+                  <a:tcPr>
+                    <a:lnL w="12700" cap="flat" cmpd="sng" algn="ctr">
+                      <a:noFill/>
+                      <a:prstDash val="solid"/>
+                      <a:round/>
+                      <a:headEnd type="none" w="med" len="med"/>
+                      <a:tailEnd type="none" w="med" len="med"/>
+                    </a:lnL>
+                    <a:lnR w="12700" cap="flat" cmpd="sng" algn="ctr">
+                      <a:noFill/>
+                      <a:prstDash val="solid"/>
+                      <a:round/>
+                      <a:headEnd type="none" w="med" len="med"/>
+                      <a:tailEnd type="none" w="med" len="med"/>
+                    </a:lnR>
+                    <a:lnT w="12700" cmpd="sng">
+                      <a:noFill/>
+                    </a:lnT>
+                    <a:lnB w="12700" cap="flat" cmpd="sng" algn="ctr">
+                      <a:noFill/>
+                      <a:prstDash val="solid"/>
+                      <a:round/>
+                      <a:headEnd type="none" w="med" len="med"/>
+                      <a:tailEnd type="none" w="med" len="med"/>
+                    </a:lnB>
+                    <a:lnTlToBr w="12700" cmpd="sng">
+                      <a:noFill/>
+                      <a:prstDash val="solid"/>
+                    </a:lnTlToBr>
+                    <a:lnBlToTr w="12700" cmpd="sng">
+                      <a:noFill/>
+                      <a:prstDash val="solid"/>
+                    </a:lnBlToTr>
+                    <a:solidFill>
+                      <a:srgbClr val="00A07A"/>
+                    </a:solidFill>
+                  </a:tcPr>
+                </a:tc>
+                <a:tc hMerge="1">
+                  <a:txBody>
+                    <a:bodyPr/>
+                    <a:lstStyle/>
+                    <a:p>
+                      <a:pPr latinLnBrk="1"/>
+                      <a:endParaRPr lang="ko-KR" altLang="en-US" dirty="0"/>
+                    </a:p>
+                  </a:txBody>
+                  <a:tcPr>
+                    <a:lnL w="12700" cap="flat" cmpd="sng" algn="ctr">
+                      <a:solidFill>
+                        <a:schemeClr val="tx1"/>
+                      </a:solidFill>
+                      <a:prstDash val="solid"/>
+                      <a:round/>
+                      <a:headEnd type="none" w="med" len="med"/>
+                      <a:tailEnd type="none" w="med" len="med"/>
+                    </a:lnL>
+                    <a:lnR w="12700" cap="flat" cmpd="sng" algn="ctr">
+                      <a:solidFill>
+                        <a:schemeClr val="tx1"/>
+                      </a:solidFill>
+                      <a:prstDash val="solid"/>
+                      <a:round/>
+                      <a:headEnd type="none" w="med" len="med"/>
+                      <a:tailEnd type="none" w="med" len="med"/>
+                    </a:lnR>
+                    <a:lnB w="12700" cap="flat" cmpd="sng" algn="ctr">
+                      <a:solidFill>
+                        <a:schemeClr val="tx1"/>
+                      </a:solidFill>
+                      <a:prstDash val="solid"/>
+                      <a:round/>
+                      <a:headEnd type="none" w="med" len="med"/>
+                      <a:tailEnd type="none" w="med" len="med"/>
+                    </a:lnB>
+                  </a:tcPr>
+                </a:tc>
+                <a:tc>
+                  <a:txBody>
+                    <a:bodyPr/>
+                    <a:lstStyle/>
+                    <a:p>
+                      <a:pPr latinLnBrk="1"/>
+                      <a:endParaRPr lang="ko-KR" altLang="en-US" dirty="0"/>
+                    </a:p>
+                  </a:txBody>
+                  <a:tcPr>
+                    <a:lnL w="12700" cap="flat" cmpd="sng" algn="ctr">
+                      <a:noFill/>
+                      <a:prstDash val="solid"/>
+                      <a:round/>
+                      <a:headEnd type="none" w="med" len="med"/>
+                      <a:tailEnd type="none" w="med" len="med"/>
+                    </a:lnL>
+                    <a:lnR w="12700" cap="flat" cmpd="sng" algn="ctr">
+                      <a:noFill/>
+                      <a:prstDash val="solid"/>
+                      <a:round/>
+                      <a:headEnd type="none" w="med" len="med"/>
+                      <a:tailEnd type="none" w="med" len="med"/>
+                    </a:lnR>
+                    <a:lnT w="12700" cmpd="sng">
+                      <a:noFill/>
+                    </a:lnT>
+                    <a:lnB w="12700" cap="flat" cmpd="sng" algn="ctr">
+                      <a:noFill/>
+                      <a:prstDash val="solid"/>
+                      <a:round/>
+                      <a:headEnd type="none" w="med" len="med"/>
+                      <a:tailEnd type="none" w="med" len="med"/>
+                    </a:lnB>
+                    <a:lnTlToBr w="12700" cmpd="sng">
+                      <a:noFill/>
+                      <a:prstDash val="solid"/>
+                    </a:lnTlToBr>
+                    <a:lnBlToTr w="12700" cmpd="sng">
+                      <a:noFill/>
+                      <a:prstDash val="solid"/>
+                    </a:lnBlToTr>
+                  </a:tcPr>
+                </a:tc>
+                <a:tc>
+                  <a:txBody>
+                    <a:bodyPr/>
+                    <a:lstStyle/>
+                    <a:p>
+                      <a:pPr latinLnBrk="1"/>
+                      <a:endParaRPr lang="ko-KR" altLang="en-US" dirty="0"/>
+                    </a:p>
+                  </a:txBody>
+                  <a:tcPr>
+                    <a:lnL w="12700" cap="flat" cmpd="sng" algn="ctr">
+                      <a:noFill/>
+                      <a:prstDash val="solid"/>
+                      <a:round/>
+                      <a:headEnd type="none" w="med" len="med"/>
+                      <a:tailEnd type="none" w="med" len="med"/>
+                    </a:lnL>
+                    <a:lnR w="12700" cap="flat" cmpd="sng" algn="ctr">
+                      <a:noFill/>
+                      <a:prstDash val="solid"/>
+                      <a:round/>
+                      <a:headEnd type="none" w="med" len="med"/>
+                      <a:tailEnd type="none" w="med" len="med"/>
+                    </a:lnR>
+                    <a:lnT w="12700" cmpd="sng">
+                      <a:noFill/>
+                    </a:lnT>
+                    <a:lnB w="12700" cap="flat" cmpd="sng" algn="ctr">
+                      <a:noFill/>
+                      <a:prstDash val="solid"/>
+                      <a:round/>
+                      <a:headEnd type="none" w="med" len="med"/>
+                      <a:tailEnd type="none" w="med" len="med"/>
+                    </a:lnB>
+                    <a:lnTlToBr w="12700" cmpd="sng">
+                      <a:noFill/>
+                      <a:prstDash val="solid"/>
+                    </a:lnTlToBr>
+                    <a:lnBlToTr w="12700" cmpd="sng">
+                      <a:noFill/>
+                      <a:prstDash val="solid"/>
+                    </a:lnBlToTr>
+                  </a:tcPr>
+                </a:tc>
+                <a:tc>
+                  <a:txBody>
+                    <a:bodyPr/>
+                    <a:lstStyle/>
+                    <a:p>
+                      <a:pPr latinLnBrk="1"/>
+                      <a:endParaRPr lang="ko-KR" altLang="en-US" dirty="0"/>
+                    </a:p>
+                  </a:txBody>
+                  <a:tcPr>
+                    <a:lnL w="12700" cap="flat" cmpd="sng" algn="ctr">
+                      <a:noFill/>
+                      <a:prstDash val="solid"/>
+                      <a:round/>
+                      <a:headEnd type="none" w="med" len="med"/>
+                      <a:tailEnd type="none" w="med" len="med"/>
+                    </a:lnL>
+                    <a:lnR w="12700" cap="flat" cmpd="sng" algn="ctr">
+                      <a:noFill/>
+                      <a:prstDash val="solid"/>
+                      <a:round/>
+                      <a:headEnd type="none" w="med" len="med"/>
+                      <a:tailEnd type="none" w="med" len="med"/>
+                    </a:lnR>
+                    <a:lnT w="12700" cmpd="sng">
+                      <a:noFill/>
+                    </a:lnT>
+                    <a:lnB w="12700" cap="flat" cmpd="sng" algn="ctr">
+                      <a:noFill/>
+                      <a:prstDash val="solid"/>
+                      <a:round/>
+                      <a:headEnd type="none" w="med" len="med"/>
+                      <a:tailEnd type="none" w="med" len="med"/>
+                    </a:lnB>
+                    <a:lnTlToBr w="12700" cmpd="sng">
+                      <a:noFill/>
+                      <a:prstDash val="solid"/>
+                    </a:lnTlToBr>
+                    <a:lnBlToTr w="12700" cmpd="sng">
+                      <a:noFill/>
+                      <a:prstDash val="solid"/>
+                    </a:lnBlToTr>
+                  </a:tcPr>
+                </a:tc>
+                <a:extLst>
+                  <a:ext uri="{0D108BD9-81ED-4DB2-BD59-A6C34878D82A}">
+                    <a16:rowId xmlns:a16="http://schemas.microsoft.com/office/drawing/2014/main" xmlns="" val="10008"/>
+                  </a:ext>
+                </a:extLst>
+              </a:tr>
+              <a:tr h="415109">
+                <a:tc>
+                  <a:txBody>
+                    <a:bodyPr/>
+                    <a:lstStyle/>
+                    <a:p>
+                      <a:pPr rtl="0" fontAlgn="t">
+                        <a:spcBef>
+                          <a:spcPts val="0"/>
+                        </a:spcBef>
+                        <a:spcAft>
+                          <a:spcPts val="0"/>
+                        </a:spcAft>
+                      </a:pPr>
+                      <a:r>
+                        <a:rPr lang="ko-KR" altLang="en-US" sz="1200" b="0" i="0" u="none" strike="noStrike">
+                          <a:solidFill>
+                            <a:srgbClr val="434343"/>
+                          </a:solidFill>
+                          <a:effectLst/>
+                          <a:latin typeface="Arial" panose="020B0604020202020204" pitchFamily="34" charset="0"/>
+                        </a:rPr>
+                        <a:t>회사평가</a:t>
+                      </a:r>
+                      <a:endParaRPr lang="ko-KR" altLang="en-US" sz="1200">
+                        <a:effectLst/>
+                      </a:endParaRPr>
+                    </a:p>
+                  </a:txBody>
+                  <a:tcPr marL="63500" marR="63500" marT="63500" marB="63500">
+                    <a:lnL w="12700" cmpd="sng">
+                      <a:noFill/>
+                    </a:lnL>
+                    <a:lnR w="12700" cmpd="sng">
+                      <a:noFill/>
+                    </a:lnR>
+                    <a:lnT w="12700" cap="flat" cmpd="sng" algn="ctr">
+                      <a:noFill/>
+                      <a:prstDash val="solid"/>
+                      <a:round/>
+                      <a:headEnd type="none" w="med" len="med"/>
+                      <a:tailEnd type="none" w="med" len="med"/>
+                    </a:lnT>
+                    <a:lnB w="12700" cmpd="sng">
+                      <a:noFill/>
+                    </a:lnB>
+                    <a:lnTlToBr w="12700" cmpd="sng">
+                      <a:noFill/>
+                      <a:prstDash val="solid"/>
+                    </a:lnTlToBr>
+                    <a:lnBlToTr w="12700" cmpd="sng">
+                      <a:noFill/>
+                      <a:prstDash val="solid"/>
+                    </a:lnBlToTr>
+                  </a:tcPr>
+                </a:tc>
+                <a:tc>
+                  <a:txBody>
+                    <a:bodyPr/>
+                    <a:lstStyle/>
+                    <a:p>
+                      <a:pPr latinLnBrk="1"/>
+                      <a:endParaRPr lang="ko-KR" altLang="en-US" dirty="0"/>
+                    </a:p>
+                  </a:txBody>
+                  <a:tcPr>
+                    <a:lnL w="12700" cmpd="sng">
+                      <a:noFill/>
+                    </a:lnL>
+                    <a:lnR w="12700" cmpd="sng">
+                      <a:noFill/>
+                    </a:lnR>
+                    <a:lnT w="12700" cap="flat" cmpd="sng" algn="ctr">
+                      <a:noFill/>
+                      <a:prstDash val="solid"/>
+                      <a:round/>
+                      <a:headEnd type="none" w="med" len="med"/>
+                      <a:tailEnd type="none" w="med" len="med"/>
+                    </a:lnT>
+                    <a:lnB w="12700" cmpd="sng">
+                      <a:noFill/>
+                    </a:lnB>
+                    <a:lnTlToBr w="12700" cmpd="sng">
+                      <a:noFill/>
+                      <a:prstDash val="solid"/>
+                    </a:lnTlToBr>
+                    <a:lnBlToTr w="12700" cmpd="sng">
+                      <a:noFill/>
+                      <a:prstDash val="solid"/>
+                    </a:lnBlToTr>
+                  </a:tcPr>
+                </a:tc>
+                <a:tc>
+                  <a:txBody>
+                    <a:bodyPr/>
+                    <a:lstStyle/>
+                    <a:p>
+                      <a:pPr latinLnBrk="1"/>
+                      <a:endParaRPr lang="ko-KR" altLang="en-US" dirty="0"/>
+                    </a:p>
+                  </a:txBody>
+                  <a:tcPr>
+                    <a:lnL w="12700" cmpd="sng">
+                      <a:noFill/>
+                    </a:lnL>
+                    <a:lnR w="12700" cmpd="sng">
+                      <a:noFill/>
+                    </a:lnR>
+                    <a:lnT w="12700" cap="flat" cmpd="sng" algn="ctr">
+                      <a:noFill/>
+                      <a:prstDash val="solid"/>
+                      <a:round/>
+                      <a:headEnd type="none" w="med" len="med"/>
+                      <a:tailEnd type="none" w="med" len="med"/>
+                    </a:lnT>
+                    <a:lnB w="12700" cmpd="sng">
+                      <a:noFill/>
+                    </a:lnB>
+                    <a:lnTlToBr w="12700" cmpd="sng">
+                      <a:noFill/>
+                      <a:prstDash val="solid"/>
+                    </a:lnTlToBr>
+                    <a:lnBlToTr w="12700" cmpd="sng">
+                      <a:noFill/>
+                      <a:prstDash val="solid"/>
+                    </a:lnBlToTr>
+                  </a:tcPr>
+                </a:tc>
+                <a:tc>
+                  <a:txBody>
+                    <a:bodyPr/>
+                    <a:lstStyle/>
+                    <a:p>
+                      <a:pPr latinLnBrk="1"/>
+                      <a:endParaRPr lang="ko-KR" altLang="en-US" dirty="0"/>
+                    </a:p>
+                  </a:txBody>
+                  <a:tcPr>
+                    <a:lnL w="12700" cmpd="sng">
+                      <a:noFill/>
+                    </a:lnL>
+                    <a:lnR w="12700" cmpd="sng">
+                      <a:noFill/>
+                    </a:lnR>
+                    <a:lnT w="12700" cap="flat" cmpd="sng" algn="ctr">
+                      <a:noFill/>
+                      <a:prstDash val="solid"/>
+                      <a:round/>
+                      <a:headEnd type="none" w="med" len="med"/>
+                      <a:tailEnd type="none" w="med" len="med"/>
+                    </a:lnT>
+                    <a:lnB w="12700" cmpd="sng">
+                      <a:noFill/>
+                    </a:lnB>
+                    <a:lnTlToBr w="12700" cmpd="sng">
+                      <a:noFill/>
+                      <a:prstDash val="solid"/>
+                    </a:lnTlToBr>
+                    <a:lnBlToTr w="12700" cmpd="sng">
+                      <a:noFill/>
+                      <a:prstDash val="solid"/>
+                    </a:lnBlToTr>
+                  </a:tcPr>
+                </a:tc>
+                <a:tc>
+                  <a:txBody>
+                    <a:bodyPr/>
+                    <a:lstStyle/>
+                    <a:p>
+                      <a:pPr latinLnBrk="1"/>
+                      <a:endParaRPr lang="ko-KR" altLang="en-US" dirty="0"/>
+                    </a:p>
+                  </a:txBody>
+                  <a:tcPr>
+                    <a:lnL w="12700" cmpd="sng">
+                      <a:noFill/>
+                    </a:lnL>
+                    <a:lnR w="12700" cmpd="sng">
+                      <a:noFill/>
+                    </a:lnR>
+                    <a:lnT w="12700" cap="flat" cmpd="sng" algn="ctr">
+                      <a:noFill/>
+                      <a:prstDash val="solid"/>
+                      <a:round/>
+                      <a:headEnd type="none" w="med" len="med"/>
+                      <a:tailEnd type="none" w="med" len="med"/>
+                    </a:lnT>
+                    <a:lnB w="12700" cmpd="sng">
+                      <a:noFill/>
+                    </a:lnB>
+                    <a:lnTlToBr w="12700" cmpd="sng">
+                      <a:noFill/>
+                      <a:prstDash val="solid"/>
+                    </a:lnTlToBr>
+                    <a:lnBlToTr w="12700" cmpd="sng">
+                      <a:noFill/>
+                      <a:prstDash val="solid"/>
+                    </a:lnBlToTr>
+                  </a:tcPr>
+                </a:tc>
+                <a:tc>
+                  <a:txBody>
+                    <a:bodyPr/>
+                    <a:lstStyle/>
+                    <a:p>
+                      <a:pPr latinLnBrk="1"/>
+                      <a:endParaRPr lang="ko-KR" altLang="en-US" dirty="0"/>
+                    </a:p>
+                  </a:txBody>
+                  <a:tcPr>
+                    <a:lnL w="12700" cmpd="sng">
+                      <a:noFill/>
+                    </a:lnL>
+                    <a:lnR w="12700" cmpd="sng">
+                      <a:noFill/>
+                    </a:lnR>
+                    <a:lnT w="12700" cap="flat" cmpd="sng" algn="ctr">
+                      <a:noFill/>
+                      <a:prstDash val="solid"/>
+                      <a:round/>
+                      <a:headEnd type="none" w="med" len="med"/>
+                      <a:tailEnd type="none" w="med" len="med"/>
+                    </a:lnT>
+                    <a:lnB w="12700" cmpd="sng">
+                      <a:noFill/>
+                    </a:lnB>
+                    <a:lnTlToBr w="12700" cmpd="sng">
+                      <a:noFill/>
+                      <a:prstDash val="solid"/>
+                    </a:lnTlToBr>
+                    <a:lnBlToTr w="12700" cmpd="sng">
+                      <a:noFill/>
+                      <a:prstDash val="solid"/>
+                    </a:lnBlToTr>
+                  </a:tcPr>
+                </a:tc>
+                <a:tc>
+                  <a:txBody>
+                    <a:bodyPr/>
+                    <a:lstStyle/>
+                    <a:p>
+                      <a:pPr latinLnBrk="1"/>
+                      <a:endParaRPr lang="ko-KR" altLang="en-US" dirty="0"/>
+                    </a:p>
+                  </a:txBody>
+                  <a:tcPr>
+                    <a:lnL w="12700" cmpd="sng">
+                      <a:noFill/>
+                    </a:lnL>
+                    <a:lnR w="12700" cmpd="sng">
+                      <a:noFill/>
+                    </a:lnR>
+                    <a:lnT w="12700" cap="flat" cmpd="sng" algn="ctr">
+                      <a:noFill/>
+                      <a:prstDash val="solid"/>
+                      <a:round/>
+                      <a:headEnd type="none" w="med" len="med"/>
+                      <a:tailEnd type="none" w="med" len="med"/>
+                    </a:lnT>
+                    <a:lnB w="12700" cmpd="sng">
+                      <a:noFill/>
+                    </a:lnB>
+                    <a:lnTlToBr w="12700" cmpd="sng">
+                      <a:noFill/>
+                      <a:prstDash val="solid"/>
+                    </a:lnTlToBr>
+                    <a:lnBlToTr w="12700" cmpd="sng">
+                      <a:noFill/>
+                      <a:prstDash val="solid"/>
+                    </a:lnBlToTr>
+                  </a:tcPr>
+                </a:tc>
+                <a:tc>
+                  <a:txBody>
+                    <a:bodyPr/>
+                    <a:lstStyle/>
+                    <a:p>
+                      <a:pPr latinLnBrk="1"/>
+                      <a:endParaRPr lang="ko-KR" altLang="en-US" dirty="0"/>
+                    </a:p>
+                  </a:txBody>
+                  <a:tcPr>
+                    <a:lnL w="12700" cmpd="sng">
+                      <a:noFill/>
+                    </a:lnL>
+                    <a:lnR w="12700" cmpd="sng">
+                      <a:noFill/>
+                    </a:lnR>
+                    <a:lnT w="12700" cap="flat" cmpd="sng" algn="ctr">
+                      <a:noFill/>
+                      <a:prstDash val="solid"/>
+                      <a:round/>
+                      <a:headEnd type="none" w="med" len="med"/>
+                      <a:tailEnd type="none" w="med" len="med"/>
+                    </a:lnT>
+                    <a:lnB w="12700" cmpd="sng">
+                      <a:noFill/>
+                    </a:lnB>
+                    <a:lnTlToBr w="12700" cmpd="sng">
+                      <a:noFill/>
+                      <a:prstDash val="solid"/>
+                    </a:lnTlToBr>
+                    <a:lnBlToTr w="12700" cmpd="sng">
+                      <a:noFill/>
+                      <a:prstDash val="solid"/>
+                    </a:lnBlToTr>
+                  </a:tcPr>
+                </a:tc>
+                <a:tc>
+                  <a:txBody>
+                    <a:bodyPr/>
+                    <a:lstStyle/>
+                    <a:p>
+                      <a:pPr latinLnBrk="1"/>
+                      <a:endParaRPr lang="ko-KR" altLang="en-US" dirty="0"/>
+                    </a:p>
+                  </a:txBody>
+                  <a:tcPr>
+                    <a:lnL w="12700" cmpd="sng">
+                      <a:noFill/>
+                    </a:lnL>
+                    <a:lnR w="12700" cap="flat" cmpd="sng" algn="ctr">
+                      <a:noFill/>
+                      <a:prstDash val="solid"/>
+                      <a:round/>
+                      <a:headEnd type="none" w="med" len="med"/>
+                      <a:tailEnd type="none" w="med" len="med"/>
+                    </a:lnR>
+                    <a:lnT w="12700" cap="flat" cmpd="sng" algn="ctr">
+                      <a:noFill/>
+                      <a:prstDash val="solid"/>
+                      <a:round/>
+                      <a:headEnd type="none" w="med" len="med"/>
+                      <a:tailEnd type="none" w="med" len="med"/>
+                    </a:lnT>
+                    <a:lnB w="12700" cmpd="sng">
+                      <a:noFill/>
+                    </a:lnB>
+                    <a:lnTlToBr w="12700" cmpd="sng">
+                      <a:noFill/>
+                      <a:prstDash val="solid"/>
+                    </a:lnTlToBr>
+                    <a:lnBlToTr w="12700" cmpd="sng">
+                      <a:noFill/>
+                      <a:prstDash val="solid"/>
+                    </a:lnBlToTr>
+                  </a:tcPr>
+                </a:tc>
+                <a:tc>
+                  <a:txBody>
+                    <a:bodyPr/>
+                    <a:lstStyle/>
+                    <a:p>
+                      <a:pPr latinLnBrk="1"/>
+                      <a:endParaRPr lang="ko-KR" altLang="en-US" dirty="0"/>
+                    </a:p>
+                  </a:txBody>
+                  <a:tcPr>
+                    <a:lnL w="12700" cap="flat" cmpd="sng" algn="ctr">
+                      <a:noFill/>
+                      <a:prstDash val="solid"/>
+                      <a:round/>
+                      <a:headEnd type="none" w="med" len="med"/>
+                      <a:tailEnd type="none" w="med" len="med"/>
+                    </a:lnL>
+                    <a:lnR w="12700" cmpd="sng">
+                      <a:noFill/>
+                    </a:lnR>
+                    <a:lnT w="12700" cap="flat" cmpd="sng" algn="ctr">
+                      <a:noFill/>
+                      <a:prstDash val="solid"/>
+                      <a:round/>
+                      <a:headEnd type="none" w="med" len="med"/>
+                      <a:tailEnd type="none" w="med" len="med"/>
+                    </a:lnT>
+                    <a:lnB w="12700" cmpd="sng">
+                      <a:noFill/>
+                    </a:lnB>
+                    <a:lnTlToBr w="12700" cmpd="sng">
+                      <a:noFill/>
+                      <a:prstDash val="solid"/>
+                    </a:lnTlToBr>
+                    <a:lnBlToTr w="12700" cmpd="sng">
+                      <a:noFill/>
+                      <a:prstDash val="solid"/>
+                    </a:lnBlToTr>
+                  </a:tcPr>
+                </a:tc>
+                <a:tc>
+                  <a:txBody>
+                    <a:bodyPr/>
+                    <a:lstStyle/>
+                    <a:p>
+                      <a:pPr latinLnBrk="1"/>
+                      <a:endParaRPr lang="ko-KR" altLang="en-US" dirty="0"/>
+                    </a:p>
+                  </a:txBody>
+                  <a:tcPr>
+                    <a:lnL w="12700" cmpd="sng">
+                      <a:noFill/>
+                    </a:lnL>
+                    <a:lnR w="12700" cap="flat" cmpd="sng" algn="ctr">
+                      <a:noFill/>
+                      <a:prstDash val="solid"/>
+                      <a:round/>
+                      <a:headEnd type="none" w="med" len="med"/>
+                      <a:tailEnd type="none" w="med" len="med"/>
+                    </a:lnR>
+                    <a:lnT w="12700" cap="flat" cmpd="sng" algn="ctr">
+                      <a:noFill/>
+                      <a:prstDash val="solid"/>
+                      <a:round/>
+                      <a:headEnd type="none" w="med" len="med"/>
+                      <a:tailEnd type="none" w="med" len="med"/>
+                    </a:lnT>
+                    <a:lnB w="12700" cmpd="sng">
+                      <a:noFill/>
+                    </a:lnB>
+                    <a:lnTlToBr w="12700" cmpd="sng">
+                      <a:noFill/>
+                      <a:prstDash val="solid"/>
+                    </a:lnTlToBr>
+                    <a:lnBlToTr w="12700" cmpd="sng">
+                      <a:noFill/>
+                      <a:prstDash val="solid"/>
+                    </a:lnBlToTr>
+                  </a:tcPr>
+                </a:tc>
+                <a:tc>
+                  <a:txBody>
+                    <a:bodyPr/>
+                    <a:lstStyle/>
+                    <a:p>
+                      <a:pPr latinLnBrk="1"/>
+                      <a:endParaRPr lang="ko-KR" altLang="en-US" dirty="0"/>
+                    </a:p>
+                  </a:txBody>
+                  <a:tcPr>
+                    <a:lnL w="12700" cap="flat" cmpd="sng" algn="ctr">
+                      <a:noFill/>
+                      <a:prstDash val="solid"/>
+                      <a:round/>
+                      <a:headEnd type="none" w="med" len="med"/>
+                      <a:tailEnd type="none" w="med" len="med"/>
+                    </a:lnL>
+                    <a:lnR w="12700" cap="flat" cmpd="sng" algn="ctr">
+                      <a:noFill/>
+                      <a:prstDash val="solid"/>
+                      <a:round/>
+                      <a:headEnd type="none" w="med" len="med"/>
+                      <a:tailEnd type="none" w="med" len="med"/>
+                    </a:lnR>
+                    <a:lnT w="12700" cap="flat" cmpd="sng" algn="ctr">
+                      <a:noFill/>
+                      <a:prstDash val="solid"/>
+                      <a:round/>
+                      <a:headEnd type="none" w="med" len="med"/>
+                      <a:tailEnd type="none" w="med" len="med"/>
+                    </a:lnT>
+                    <a:lnB w="12700" cmpd="sng">
+                      <a:noFill/>
+                    </a:lnB>
+                    <a:lnTlToBr w="12700" cmpd="sng">
+                      <a:noFill/>
+                      <a:prstDash val="solid"/>
+                    </a:lnTlToBr>
+                    <a:lnBlToTr w="12700" cmpd="sng">
+                      <a:noFill/>
+                      <a:prstDash val="solid"/>
+                    </a:lnBlToTr>
+                  </a:tcPr>
+                </a:tc>
+                <a:tc>
+                  <a:txBody>
+                    <a:bodyPr/>
+                    <a:lstStyle/>
+                    <a:p>
+                      <a:pPr latinLnBrk="1"/>
+                      <a:endParaRPr lang="ko-KR" altLang="en-US" dirty="0"/>
+                    </a:p>
+                  </a:txBody>
+                  <a:tcPr>
+                    <a:lnL w="12700" cap="flat" cmpd="sng" algn="ctr">
+                      <a:noFill/>
+                      <a:prstDash val="solid"/>
+                      <a:round/>
+                      <a:headEnd type="none" w="med" len="med"/>
+                      <a:tailEnd type="none" w="med" len="med"/>
+                    </a:lnL>
+                    <a:lnR w="12700" cap="flat" cmpd="sng" algn="ctr">
+                      <a:noFill/>
+                      <a:prstDash val="solid"/>
+                      <a:round/>
+                      <a:headEnd type="none" w="med" len="med"/>
+                      <a:tailEnd type="none" w="med" len="med"/>
+                    </a:lnR>
+                    <a:lnT w="12700" cap="flat" cmpd="sng" algn="ctr">
+                      <a:noFill/>
+                      <a:prstDash val="solid"/>
+                      <a:round/>
+                      <a:headEnd type="none" w="med" len="med"/>
+                      <a:tailEnd type="none" w="med" len="med"/>
+                    </a:lnT>
+                    <a:lnB w="12700" cmpd="sng">
+                      <a:noFill/>
+                    </a:lnB>
+                    <a:lnTlToBr w="12700" cmpd="sng">
+                      <a:noFill/>
+                      <a:prstDash val="solid"/>
+                    </a:lnTlToBr>
+                    <a:lnBlToTr w="12700" cmpd="sng">
+                      <a:noFill/>
+                      <a:prstDash val="solid"/>
+                    </a:lnBlToTr>
+                    <a:solidFill>
+                      <a:srgbClr val="24A8AC"/>
+                    </a:solidFill>
+                  </a:tcPr>
+                </a:tc>
+                <a:tc>
+                  <a:txBody>
+                    <a:bodyPr/>
+                    <a:lstStyle/>
+                    <a:p>
+                      <a:pPr latinLnBrk="1"/>
+                      <a:endParaRPr lang="ko-KR" altLang="en-US" dirty="0"/>
+                    </a:p>
+                  </a:txBody>
+                  <a:tcPr>
+                    <a:lnL w="12700" cap="flat" cmpd="sng" algn="ctr">
+                      <a:noFill/>
+                      <a:prstDash val="solid"/>
+                      <a:round/>
+                      <a:headEnd type="none" w="med" len="med"/>
+                      <a:tailEnd type="none" w="med" len="med"/>
+                    </a:lnL>
+                    <a:lnR w="12700" cap="flat" cmpd="sng" algn="ctr">
+                      <a:noFill/>
+                      <a:prstDash val="solid"/>
+                      <a:round/>
+                      <a:headEnd type="none" w="med" len="med"/>
+                      <a:tailEnd type="none" w="med" len="med"/>
+                    </a:lnR>
+                    <a:lnT w="12700" cap="flat" cmpd="sng" algn="ctr">
+                      <a:noFill/>
+                      <a:prstDash val="solid"/>
+                      <a:round/>
+                      <a:headEnd type="none" w="med" len="med"/>
+                      <a:tailEnd type="none" w="med" len="med"/>
+                    </a:lnT>
+                    <a:lnB w="12700" cmpd="sng">
+                      <a:noFill/>
+                    </a:lnB>
+                    <a:lnTlToBr w="12700" cmpd="sng">
+                      <a:noFill/>
+                      <a:prstDash val="solid"/>
+                    </a:lnTlToBr>
+                    <a:lnBlToTr w="12700" cmpd="sng">
+                      <a:noFill/>
+                      <a:prstDash val="solid"/>
+                    </a:lnBlToTr>
+                  </a:tcPr>
+                </a:tc>
+                <a:tc>
+                  <a:txBody>
+                    <a:bodyPr/>
+                    <a:lstStyle/>
+                    <a:p>
+                      <a:pPr latinLnBrk="1"/>
+                      <a:endParaRPr lang="ko-KR" altLang="en-US" dirty="0"/>
+                    </a:p>
+                  </a:txBody>
+                  <a:tcPr>
+                    <a:lnL w="12700" cap="flat" cmpd="sng" algn="ctr">
+                      <a:noFill/>
+                      <a:prstDash val="solid"/>
+                      <a:round/>
+                      <a:headEnd type="none" w="med" len="med"/>
+                      <a:tailEnd type="none" w="med" len="med"/>
+                    </a:lnL>
+                    <a:lnR w="12700" cap="flat" cmpd="sng" algn="ctr">
+                      <a:noFill/>
+                      <a:prstDash val="solid"/>
+                      <a:round/>
+                      <a:headEnd type="none" w="med" len="med"/>
+                      <a:tailEnd type="none" w="med" len="med"/>
+                    </a:lnR>
+                    <a:lnT w="12700" cap="flat" cmpd="sng" algn="ctr">
+                      <a:noFill/>
+                      <a:prstDash val="solid"/>
+                      <a:round/>
+                      <a:headEnd type="none" w="med" len="med"/>
+                      <a:tailEnd type="none" w="med" len="med"/>
+                    </a:lnT>
+                    <a:lnB w="12700" cmpd="sng">
+                      <a:noFill/>
+                    </a:lnB>
+                    <a:lnTlToBr w="12700" cmpd="sng">
+                      <a:noFill/>
+                      <a:prstDash val="solid"/>
+                    </a:lnTlToBr>
+                    <a:lnBlToTr w="12700" cmpd="sng">
+                      <a:noFill/>
+                      <a:prstDash val="solid"/>
+                    </a:lnBlToTr>
+                  </a:tcPr>
+                </a:tc>
+                <a:extLst>
+                  <a:ext uri="{0D108BD9-81ED-4DB2-BD59-A6C34878D82A}">
+                    <a16:rowId xmlns:a16="http://schemas.microsoft.com/office/drawing/2014/main" xmlns="" val="10009"/>
+                  </a:ext>
+                </a:extLst>
+              </a:tr>
+              <a:tr h="415109">
+                <a:tc gridSpan="2">
+                  <a:txBody>
+                    <a:bodyPr/>
+                    <a:lstStyle/>
+                    <a:p>
+                      <a:pPr rtl="0" fontAlgn="t">
+                        <a:spcBef>
+                          <a:spcPts val="0"/>
+                        </a:spcBef>
+                        <a:spcAft>
+                          <a:spcPts val="0"/>
+                        </a:spcAft>
+                      </a:pPr>
+                      <a:r>
+                        <a:rPr lang="ko-KR" altLang="en-US" sz="1200" b="0" i="0" u="none" strike="noStrike" dirty="0">
+                          <a:solidFill>
+                            <a:srgbClr val="434343"/>
+                          </a:solidFill>
+                          <a:effectLst/>
+                          <a:latin typeface="Arial" panose="020B0604020202020204" pitchFamily="34" charset="0"/>
+                        </a:rPr>
+                        <a:t>최종 보고서 및 발표 준비</a:t>
+                      </a:r>
+                      <a:endParaRPr lang="ko-KR" altLang="en-US" sz="1200" dirty="0">
+                        <a:effectLst/>
+                      </a:endParaRPr>
+                    </a:p>
+                  </a:txBody>
+                  <a:tcPr marL="63500" marR="63500" marT="63500" marB="63500">
+                    <a:lnL w="12700" cmpd="sng">
+                      <a:noFill/>
+                    </a:lnL>
+                    <a:lnR w="12700" cmpd="sng">
+                      <a:noFill/>
+                    </a:lnR>
+                    <a:lnT w="12700" cmpd="sng">
+                      <a:noFill/>
+                    </a:lnT>
+                    <a:lnB w="12700" cap="flat" cmpd="sng" algn="ctr">
+                      <a:noFill/>
+                      <a:prstDash val="solid"/>
+                      <a:round/>
+                      <a:headEnd type="none" w="med" len="med"/>
+                      <a:tailEnd type="none" w="med" len="med"/>
+                    </a:lnB>
+                    <a:lnTlToBr w="12700" cmpd="sng">
+                      <a:noFill/>
+                      <a:prstDash val="solid"/>
+                    </a:lnTlToBr>
+                    <a:lnBlToTr w="12700" cmpd="sng">
+                      <a:noFill/>
+                      <a:prstDash val="solid"/>
+                    </a:lnBlToTr>
+                  </a:tcPr>
+                </a:tc>
+                <a:tc hMerge="1">
+                  <a:txBody>
+                    <a:bodyPr/>
+                    <a:lstStyle/>
+                    <a:p>
+                      <a:pPr latinLnBrk="1"/>
+                      <a:endParaRPr lang="ko-KR" altLang="en-US" dirty="0"/>
+                    </a:p>
+                  </a:txBody>
+                  <a:tcPr>
+                    <a:lnB w="12700" cap="flat" cmpd="sng" algn="ctr">
+                      <a:solidFill>
+                        <a:schemeClr val="tx1"/>
+                      </a:solidFill>
+                      <a:prstDash val="solid"/>
+                      <a:round/>
+                      <a:headEnd type="none" w="med" len="med"/>
+                      <a:tailEnd type="none" w="med" len="med"/>
+                    </a:lnB>
+                  </a:tcPr>
+                </a:tc>
+                <a:tc>
+                  <a:txBody>
+                    <a:bodyPr/>
+                    <a:lstStyle/>
+                    <a:p>
+                      <a:pPr latinLnBrk="1"/>
+                      <a:endParaRPr lang="ko-KR" altLang="en-US" dirty="0"/>
+                    </a:p>
+                  </a:txBody>
+                  <a:tcPr>
+                    <a:lnL w="12700" cmpd="sng">
+                      <a:noFill/>
+                    </a:lnL>
+                    <a:lnR w="12700" cmpd="sng">
+                      <a:noFill/>
+                    </a:lnR>
+                    <a:lnT w="12700" cmpd="sng">
+                      <a:noFill/>
+                    </a:lnT>
+                    <a:lnB w="12700" cap="flat" cmpd="sng" algn="ctr">
+                      <a:noFill/>
+                      <a:prstDash val="solid"/>
+                      <a:round/>
+                      <a:headEnd type="none" w="med" len="med"/>
+                      <a:tailEnd type="none" w="med" len="med"/>
+                    </a:lnB>
+                    <a:lnTlToBr w="12700" cmpd="sng">
+                      <a:noFill/>
+                      <a:prstDash val="solid"/>
+                    </a:lnTlToBr>
+                    <a:lnBlToTr w="12700" cmpd="sng">
+                      <a:noFill/>
+                      <a:prstDash val="solid"/>
+                    </a:lnBlToTr>
+                  </a:tcPr>
+                </a:tc>
+                <a:tc>
+                  <a:txBody>
+                    <a:bodyPr/>
+                    <a:lstStyle/>
+                    <a:p>
+                      <a:pPr latinLnBrk="1"/>
+                      <a:endParaRPr lang="ko-KR" altLang="en-US" dirty="0"/>
+                    </a:p>
+                  </a:txBody>
+                  <a:tcPr>
+                    <a:lnL w="12700" cmpd="sng">
+                      <a:noFill/>
+                    </a:lnL>
+                    <a:lnR w="12700" cmpd="sng">
+                      <a:noFill/>
+                    </a:lnR>
+                    <a:lnT w="12700" cmpd="sng">
+                      <a:noFill/>
+                    </a:lnT>
+                    <a:lnB w="12700" cap="flat" cmpd="sng" algn="ctr">
+                      <a:noFill/>
+                      <a:prstDash val="solid"/>
+                      <a:round/>
+                      <a:headEnd type="none" w="med" len="med"/>
+                      <a:tailEnd type="none" w="med" len="med"/>
+                    </a:lnB>
+                    <a:lnTlToBr w="12700" cmpd="sng">
+                      <a:noFill/>
+                      <a:prstDash val="solid"/>
+                    </a:lnTlToBr>
+                    <a:lnBlToTr w="12700" cmpd="sng">
+                      <a:noFill/>
+                      <a:prstDash val="solid"/>
+                    </a:lnBlToTr>
+                  </a:tcPr>
+                </a:tc>
+                <a:tc>
+                  <a:txBody>
+                    <a:bodyPr/>
+                    <a:lstStyle/>
+                    <a:p>
+                      <a:pPr latinLnBrk="1"/>
+                      <a:endParaRPr lang="ko-KR" altLang="en-US"/>
+                    </a:p>
+                  </a:txBody>
+                  <a:tcPr>
+                    <a:lnL w="12700" cmpd="sng">
+                      <a:noFill/>
+                    </a:lnL>
+                    <a:lnR w="12700" cmpd="sng">
+                      <a:noFill/>
+                    </a:lnR>
+                    <a:lnT w="12700" cmpd="sng">
+                      <a:noFill/>
+                    </a:lnT>
+                    <a:lnB w="12700" cap="flat" cmpd="sng" algn="ctr">
+                      <a:noFill/>
+                      <a:prstDash val="solid"/>
+                      <a:round/>
+                      <a:headEnd type="none" w="med" len="med"/>
+                      <a:tailEnd type="none" w="med" len="med"/>
+                    </a:lnB>
+                    <a:lnTlToBr w="12700" cmpd="sng">
+                      <a:noFill/>
+                      <a:prstDash val="solid"/>
+                    </a:lnTlToBr>
+                    <a:lnBlToTr w="12700" cmpd="sng">
+                      <a:noFill/>
+                      <a:prstDash val="solid"/>
+                    </a:lnBlToTr>
+                  </a:tcPr>
+                </a:tc>
+                <a:tc>
+                  <a:txBody>
+                    <a:bodyPr/>
+                    <a:lstStyle/>
+                    <a:p>
+                      <a:pPr latinLnBrk="1"/>
+                      <a:endParaRPr lang="ko-KR" altLang="en-US" dirty="0"/>
+                    </a:p>
+                  </a:txBody>
+                  <a:tcPr>
+                    <a:lnL w="12700" cmpd="sng">
+                      <a:noFill/>
+                    </a:lnL>
+                    <a:lnR w="12700" cmpd="sng">
+                      <a:noFill/>
+                    </a:lnR>
+                    <a:lnT w="12700" cmpd="sng">
+                      <a:noFill/>
+                    </a:lnT>
+                    <a:lnB w="12700" cap="flat" cmpd="sng" algn="ctr">
+                      <a:noFill/>
+                      <a:prstDash val="solid"/>
+                      <a:round/>
+                      <a:headEnd type="none" w="med" len="med"/>
+                      <a:tailEnd type="none" w="med" len="med"/>
+                    </a:lnB>
+                    <a:lnTlToBr w="12700" cmpd="sng">
+                      <a:noFill/>
+                      <a:prstDash val="solid"/>
+                    </a:lnTlToBr>
+                    <a:lnBlToTr w="12700" cmpd="sng">
+                      <a:noFill/>
+                      <a:prstDash val="solid"/>
+                    </a:lnBlToTr>
+                  </a:tcPr>
+                </a:tc>
+                <a:tc>
+                  <a:txBody>
+                    <a:bodyPr/>
+                    <a:lstStyle/>
+                    <a:p>
+                      <a:pPr latinLnBrk="1"/>
+                      <a:endParaRPr lang="ko-KR" altLang="en-US" dirty="0"/>
+                    </a:p>
+                  </a:txBody>
+                  <a:tcPr>
+                    <a:lnL w="12700" cmpd="sng">
+                      <a:noFill/>
+                    </a:lnL>
+                    <a:lnR w="12700" cmpd="sng">
+                      <a:noFill/>
+                    </a:lnR>
+                    <a:lnT w="12700" cmpd="sng">
+                      <a:noFill/>
+                    </a:lnT>
+                    <a:lnB w="12700" cap="flat" cmpd="sng" algn="ctr">
+                      <a:noFill/>
+                      <a:prstDash val="solid"/>
+                      <a:round/>
+                      <a:headEnd type="none" w="med" len="med"/>
+                      <a:tailEnd type="none" w="med" len="med"/>
+                    </a:lnB>
+                    <a:lnTlToBr w="12700" cmpd="sng">
+                      <a:noFill/>
+                      <a:prstDash val="solid"/>
+                    </a:lnTlToBr>
+                    <a:lnBlToTr w="12700" cmpd="sng">
+                      <a:noFill/>
+                      <a:prstDash val="solid"/>
+                    </a:lnBlToTr>
+                  </a:tcPr>
+                </a:tc>
+                <a:tc>
+                  <a:txBody>
+                    <a:bodyPr/>
+                    <a:lstStyle/>
+                    <a:p>
+                      <a:pPr latinLnBrk="1"/>
+                      <a:endParaRPr lang="ko-KR" altLang="en-US" dirty="0"/>
+                    </a:p>
+                  </a:txBody>
+                  <a:tcPr>
+                    <a:lnL w="12700" cmpd="sng">
+                      <a:noFill/>
+                    </a:lnL>
+                    <a:lnR w="12700" cmpd="sng">
+                      <a:noFill/>
+                    </a:lnR>
+                    <a:lnT w="12700" cmpd="sng">
+                      <a:noFill/>
+                    </a:lnT>
+                    <a:lnB w="12700" cap="flat" cmpd="sng" algn="ctr">
+                      <a:noFill/>
+                      <a:prstDash val="solid"/>
+                      <a:round/>
+                      <a:headEnd type="none" w="med" len="med"/>
+                      <a:tailEnd type="none" w="med" len="med"/>
+                    </a:lnB>
+                    <a:lnTlToBr w="12700" cmpd="sng">
+                      <a:noFill/>
+                      <a:prstDash val="solid"/>
+                    </a:lnTlToBr>
+                    <a:lnBlToTr w="12700" cmpd="sng">
+                      <a:noFill/>
+                      <a:prstDash val="solid"/>
+                    </a:lnBlToTr>
+                  </a:tcPr>
+                </a:tc>
+                <a:tc>
+                  <a:txBody>
+                    <a:bodyPr/>
+                    <a:lstStyle/>
+                    <a:p>
+                      <a:pPr latinLnBrk="1"/>
+                      <a:endParaRPr lang="ko-KR" altLang="en-US" dirty="0"/>
+                    </a:p>
+                  </a:txBody>
+                  <a:tcPr>
+                    <a:lnL w="12700" cmpd="sng">
+                      <a:noFill/>
+                    </a:lnL>
+                    <a:lnR w="12700" cap="flat" cmpd="sng" algn="ctr">
+                      <a:noFill/>
+                      <a:prstDash val="solid"/>
+                      <a:round/>
+                      <a:headEnd type="none" w="med" len="med"/>
+                      <a:tailEnd type="none" w="med" len="med"/>
+                    </a:lnR>
+                    <a:lnT w="12700" cmpd="sng">
+                      <a:noFill/>
+                    </a:lnT>
+                    <a:lnB w="12700" cap="flat" cmpd="sng" algn="ctr">
+                      <a:noFill/>
+                      <a:prstDash val="solid"/>
+                      <a:round/>
+                      <a:headEnd type="none" w="med" len="med"/>
+                      <a:tailEnd type="none" w="med" len="med"/>
+                    </a:lnB>
+                    <a:lnTlToBr w="12700" cmpd="sng">
+                      <a:noFill/>
+                      <a:prstDash val="solid"/>
+                    </a:lnTlToBr>
+                    <a:lnBlToTr w="12700" cmpd="sng">
+                      <a:noFill/>
+                      <a:prstDash val="solid"/>
+                    </a:lnBlToTr>
+                  </a:tcPr>
+                </a:tc>
+                <a:tc>
+                  <a:txBody>
+                    <a:bodyPr/>
+                    <a:lstStyle/>
+                    <a:p>
+                      <a:pPr latinLnBrk="1"/>
+                      <a:endParaRPr lang="ko-KR" altLang="en-US" dirty="0"/>
+                    </a:p>
+                  </a:txBody>
+                  <a:tcPr>
+                    <a:lnL w="12700" cap="flat" cmpd="sng" algn="ctr">
+                      <a:noFill/>
+                      <a:prstDash val="solid"/>
+                      <a:round/>
+                      <a:headEnd type="none" w="med" len="med"/>
+                      <a:tailEnd type="none" w="med" len="med"/>
+                    </a:lnL>
+                    <a:lnR w="12700" cmpd="sng">
+                      <a:noFill/>
+                    </a:lnR>
+                    <a:lnT w="12700" cmpd="sng">
+                      <a:noFill/>
+                    </a:lnT>
+                    <a:lnB w="12700" cap="flat" cmpd="sng" algn="ctr">
+                      <a:noFill/>
+                      <a:prstDash val="solid"/>
+                      <a:round/>
+                      <a:headEnd type="none" w="med" len="med"/>
+                      <a:tailEnd type="none" w="med" len="med"/>
+                    </a:lnB>
+                    <a:lnTlToBr w="12700" cmpd="sng">
+                      <a:noFill/>
+                      <a:prstDash val="solid"/>
+                    </a:lnTlToBr>
+                    <a:lnBlToTr w="12700" cmpd="sng">
+                      <a:noFill/>
+                      <a:prstDash val="solid"/>
+                    </a:lnBlToTr>
+                  </a:tcPr>
+                </a:tc>
+                <a:tc>
+                  <a:txBody>
+                    <a:bodyPr/>
+                    <a:lstStyle/>
+                    <a:p>
+                      <a:pPr latinLnBrk="1"/>
+                      <a:endParaRPr lang="ko-KR" altLang="en-US" dirty="0"/>
+                    </a:p>
+                  </a:txBody>
+                  <a:tcPr>
+                    <a:lnL w="12700" cmpd="sng">
+                      <a:noFill/>
+                    </a:lnL>
+                    <a:lnR w="12700" cap="flat" cmpd="sng" algn="ctr">
+                      <a:noFill/>
+                      <a:prstDash val="solid"/>
+                      <a:round/>
+                      <a:headEnd type="none" w="med" len="med"/>
+                      <a:tailEnd type="none" w="med" len="med"/>
+                    </a:lnR>
+                    <a:lnT w="12700" cmpd="sng">
+                      <a:noFill/>
+                    </a:lnT>
+                    <a:lnB w="12700" cap="flat" cmpd="sng" algn="ctr">
+                      <a:noFill/>
+                      <a:prstDash val="solid"/>
+                      <a:round/>
+                      <a:headEnd type="none" w="med" len="med"/>
+                      <a:tailEnd type="none" w="med" len="med"/>
+                    </a:lnB>
+                    <a:lnTlToBr w="12700" cmpd="sng">
+                      <a:noFill/>
+                      <a:prstDash val="solid"/>
+                    </a:lnTlToBr>
+                    <a:lnBlToTr w="12700" cmpd="sng">
+                      <a:noFill/>
+                      <a:prstDash val="solid"/>
+                    </a:lnBlToTr>
+                  </a:tcPr>
+                </a:tc>
+                <a:tc>
+                  <a:txBody>
+                    <a:bodyPr/>
+                    <a:lstStyle/>
+                    <a:p>
+                      <a:pPr latinLnBrk="1"/>
+                      <a:endParaRPr lang="ko-KR" altLang="en-US" dirty="0"/>
+                    </a:p>
+                  </a:txBody>
+                  <a:tcPr>
+                    <a:lnL w="12700" cap="flat" cmpd="sng" algn="ctr">
+                      <a:noFill/>
+                      <a:prstDash val="solid"/>
+                      <a:round/>
+                      <a:headEnd type="none" w="med" len="med"/>
+                      <a:tailEnd type="none" w="med" len="med"/>
+                    </a:lnL>
+                    <a:lnR w="12700" cap="flat" cmpd="sng" algn="ctr">
+                      <a:noFill/>
+                      <a:prstDash val="solid"/>
+                      <a:round/>
+                      <a:headEnd type="none" w="med" len="med"/>
+                      <a:tailEnd type="none" w="med" len="med"/>
+                    </a:lnR>
+                    <a:lnT w="12700" cmpd="sng">
+                      <a:noFill/>
+                    </a:lnT>
+                    <a:lnB w="12700" cap="flat" cmpd="sng" algn="ctr">
+                      <a:noFill/>
+                      <a:prstDash val="solid"/>
+                      <a:round/>
+                      <a:headEnd type="none" w="med" len="med"/>
+                      <a:tailEnd type="none" w="med" len="med"/>
+                    </a:lnB>
+                    <a:lnTlToBr w="12700" cmpd="sng">
+                      <a:noFill/>
+                      <a:prstDash val="solid"/>
+                    </a:lnTlToBr>
+                    <a:lnBlToTr w="12700" cmpd="sng">
+                      <a:noFill/>
+                      <a:prstDash val="solid"/>
+                    </a:lnBlToTr>
+                  </a:tcPr>
+                </a:tc>
+                <a:tc>
+                  <a:txBody>
+                    <a:bodyPr/>
+                    <a:lstStyle/>
+                    <a:p>
+                      <a:pPr latinLnBrk="1"/>
+                      <a:endParaRPr lang="ko-KR" altLang="en-US" dirty="0"/>
+                    </a:p>
+                  </a:txBody>
+                  <a:tcPr>
+                    <a:lnL w="12700" cap="flat" cmpd="sng" algn="ctr">
+                      <a:noFill/>
+                      <a:prstDash val="solid"/>
+                      <a:round/>
+                      <a:headEnd type="none" w="med" len="med"/>
+                      <a:tailEnd type="none" w="med" len="med"/>
+                    </a:lnL>
+                    <a:lnR w="12700" cap="flat" cmpd="sng" algn="ctr">
+                      <a:noFill/>
+                      <a:prstDash val="solid"/>
+                      <a:round/>
+                      <a:headEnd type="none" w="med" len="med"/>
+                      <a:tailEnd type="none" w="med" len="med"/>
+                    </a:lnR>
+                    <a:lnT w="12700" cmpd="sng">
+                      <a:noFill/>
+                    </a:lnT>
+                    <a:lnB w="12700" cap="flat" cmpd="sng" algn="ctr">
+                      <a:noFill/>
+                      <a:prstDash val="solid"/>
+                      <a:round/>
+                      <a:headEnd type="none" w="med" len="med"/>
+                      <a:tailEnd type="none" w="med" len="med"/>
+                    </a:lnB>
+                    <a:lnTlToBr w="12700" cmpd="sng">
+                      <a:noFill/>
+                      <a:prstDash val="solid"/>
+                    </a:lnTlToBr>
+                    <a:lnBlToTr w="12700" cmpd="sng">
+                      <a:noFill/>
+                      <a:prstDash val="solid"/>
+                    </a:lnBlToTr>
+                  </a:tcPr>
+                </a:tc>
+                <a:tc>
+                  <a:txBody>
+                    <a:bodyPr/>
+                    <a:lstStyle/>
+                    <a:p>
+                      <a:pPr latinLnBrk="1"/>
+                      <a:endParaRPr lang="ko-KR" altLang="en-US" dirty="0"/>
+                    </a:p>
+                  </a:txBody>
+                  <a:tcPr>
+                    <a:lnL w="12700" cap="flat" cmpd="sng" algn="ctr">
+                      <a:noFill/>
+                      <a:prstDash val="solid"/>
+                      <a:round/>
+                      <a:headEnd type="none" w="med" len="med"/>
+                      <a:tailEnd type="none" w="med" len="med"/>
+                    </a:lnL>
+                    <a:lnR w="12700" cap="flat" cmpd="sng" algn="ctr">
+                      <a:noFill/>
+                      <a:prstDash val="solid"/>
+                      <a:round/>
+                      <a:headEnd type="none" w="med" len="med"/>
+                      <a:tailEnd type="none" w="med" len="med"/>
+                    </a:lnR>
+                    <a:lnT w="12700" cmpd="sng">
+                      <a:noFill/>
+                    </a:lnT>
+                    <a:lnB w="12700" cap="flat" cmpd="sng" algn="ctr">
+                      <a:noFill/>
+                      <a:prstDash val="solid"/>
+                      <a:round/>
+                      <a:headEnd type="none" w="med" len="med"/>
+                      <a:tailEnd type="none" w="med" len="med"/>
+                    </a:lnB>
+                    <a:lnTlToBr w="12700" cmpd="sng">
+                      <a:noFill/>
+                      <a:prstDash val="solid"/>
+                    </a:lnTlToBr>
+                    <a:lnBlToTr w="12700" cmpd="sng">
+                      <a:noFill/>
+                      <a:prstDash val="solid"/>
+                    </a:lnBlToTr>
+                    <a:solidFill>
+                      <a:srgbClr val="0087CB"/>
+                    </a:solidFill>
+                  </a:tcPr>
+                </a:tc>
+                <a:tc>
+                  <a:txBody>
+                    <a:bodyPr/>
+                    <a:lstStyle/>
+                    <a:p>
+                      <a:pPr latinLnBrk="1"/>
+                      <a:endParaRPr lang="ko-KR" altLang="en-US" dirty="0"/>
+                    </a:p>
+                  </a:txBody>
+                  <a:tcPr>
+                    <a:lnL w="12700" cap="flat" cmpd="sng" algn="ctr">
+                      <a:noFill/>
+                      <a:prstDash val="solid"/>
+                      <a:round/>
+                      <a:headEnd type="none" w="med" len="med"/>
+                      <a:tailEnd type="none" w="med" len="med"/>
+                    </a:lnL>
+                    <a:lnR w="12700" cap="flat" cmpd="sng" algn="ctr">
+                      <a:noFill/>
+                      <a:prstDash val="solid"/>
+                      <a:round/>
+                      <a:headEnd type="none" w="med" len="med"/>
+                      <a:tailEnd type="none" w="med" len="med"/>
+                    </a:lnR>
+                    <a:lnT w="12700" cmpd="sng">
+                      <a:noFill/>
+                    </a:lnT>
+                    <a:lnB w="12700" cap="flat" cmpd="sng" algn="ctr">
+                      <a:noFill/>
+                      <a:prstDash val="solid"/>
+                      <a:round/>
+                      <a:headEnd type="none" w="med" len="med"/>
+                      <a:tailEnd type="none" w="med" len="med"/>
+                    </a:lnB>
+                    <a:lnTlToBr w="12700" cmpd="sng">
+                      <a:noFill/>
+                      <a:prstDash val="solid"/>
+                    </a:lnTlToBr>
+                    <a:lnBlToTr w="12700" cmpd="sng">
+                      <a:noFill/>
+                      <a:prstDash val="solid"/>
+                    </a:lnBlToTr>
+                  </a:tcPr>
+                </a:tc>
+                <a:extLst>
+                  <a:ext uri="{0D108BD9-81ED-4DB2-BD59-A6C34878D82A}">
+                    <a16:rowId xmlns:a16="http://schemas.microsoft.com/office/drawing/2014/main" xmlns="" val="10010"/>
+                  </a:ext>
+                </a:extLst>
+              </a:tr>
+              <a:tr h="415109">
+                <a:tc>
+                  <a:txBody>
+                    <a:bodyPr/>
+                    <a:lstStyle/>
+                    <a:p>
+                      <a:pPr rtl="0" fontAlgn="t">
+                        <a:spcBef>
+                          <a:spcPts val="0"/>
+                        </a:spcBef>
+                        <a:spcAft>
+                          <a:spcPts val="0"/>
+                        </a:spcAft>
+                      </a:pPr>
+                      <a:r>
+                        <a:rPr lang="ko-KR" altLang="en-US" sz="1200" b="0" i="0" u="none" strike="noStrike" dirty="0">
+                          <a:solidFill>
+                            <a:srgbClr val="434343"/>
+                          </a:solidFill>
+                          <a:effectLst/>
+                          <a:latin typeface="Arial" panose="020B0604020202020204" pitchFamily="34" charset="0"/>
+                        </a:rPr>
+                        <a:t>최종발표</a:t>
+                      </a:r>
+                      <a:endParaRPr lang="ko-KR" altLang="en-US" sz="1200" dirty="0">
+                        <a:effectLst/>
+                      </a:endParaRPr>
+                    </a:p>
+                  </a:txBody>
+                  <a:tcPr marL="63500" marR="63500" marT="63500" marB="63500">
+                    <a:lnL w="12700" cmpd="sng">
+                      <a:noFill/>
+                    </a:lnL>
+                    <a:lnR w="12700" cmpd="sng">
+                      <a:noFill/>
+                    </a:lnR>
+                    <a:lnT w="12700" cap="flat" cmpd="sng" algn="ctr">
+                      <a:noFill/>
+                      <a:prstDash val="solid"/>
+                      <a:round/>
+                      <a:headEnd type="none" w="med" len="med"/>
+                      <a:tailEnd type="none" w="med" len="med"/>
+                    </a:lnT>
+                    <a:lnB w="12700" cmpd="sng">
+                      <a:noFill/>
+                    </a:lnB>
+                    <a:lnTlToBr w="12700" cmpd="sng">
+                      <a:noFill/>
+                      <a:prstDash val="solid"/>
+                    </a:lnTlToBr>
+                    <a:lnBlToTr w="12700" cmpd="sng">
+                      <a:noFill/>
+                      <a:prstDash val="solid"/>
+                    </a:lnBlToTr>
+                  </a:tcPr>
+                </a:tc>
+                <a:tc>
+                  <a:txBody>
+                    <a:bodyPr/>
+                    <a:lstStyle/>
+                    <a:p>
+                      <a:pPr latinLnBrk="1"/>
+                      <a:endParaRPr lang="ko-KR" altLang="en-US" dirty="0"/>
+                    </a:p>
+                  </a:txBody>
+                  <a:tcPr>
+                    <a:lnL w="12700" cmpd="sng">
+                      <a:noFill/>
+                    </a:lnL>
+                    <a:lnR w="12700" cmpd="sng">
+                      <a:noFill/>
+                    </a:lnR>
+                    <a:lnT w="12700" cap="flat" cmpd="sng" algn="ctr">
+                      <a:noFill/>
+                      <a:prstDash val="solid"/>
+                      <a:round/>
+                      <a:headEnd type="none" w="med" len="med"/>
+                      <a:tailEnd type="none" w="med" len="med"/>
+                    </a:lnT>
+                    <a:lnB w="12700" cmpd="sng">
+                      <a:noFill/>
+                    </a:lnB>
+                    <a:lnTlToBr w="12700" cmpd="sng">
+                      <a:noFill/>
+                      <a:prstDash val="solid"/>
+                    </a:lnTlToBr>
+                    <a:lnBlToTr w="12700" cmpd="sng">
+                      <a:noFill/>
+                      <a:prstDash val="solid"/>
+                    </a:lnBlToTr>
+                  </a:tcPr>
+                </a:tc>
+                <a:tc>
+                  <a:txBody>
+                    <a:bodyPr/>
+                    <a:lstStyle/>
+                    <a:p>
+                      <a:pPr latinLnBrk="1"/>
+                      <a:endParaRPr lang="ko-KR" altLang="en-US" dirty="0"/>
+                    </a:p>
+                  </a:txBody>
+                  <a:tcPr>
+                    <a:lnL w="12700" cmpd="sng">
+                      <a:noFill/>
+                    </a:lnL>
+                    <a:lnR w="12700" cmpd="sng">
+                      <a:noFill/>
+                    </a:lnR>
+                    <a:lnT w="12700" cap="flat" cmpd="sng" algn="ctr">
+                      <a:noFill/>
+                      <a:prstDash val="solid"/>
+                      <a:round/>
+                      <a:headEnd type="none" w="med" len="med"/>
+                      <a:tailEnd type="none" w="med" len="med"/>
+                    </a:lnT>
+                    <a:lnB w="12700" cmpd="sng">
+                      <a:noFill/>
+                    </a:lnB>
+                    <a:lnTlToBr w="12700" cmpd="sng">
+                      <a:noFill/>
+                      <a:prstDash val="solid"/>
+                    </a:lnTlToBr>
+                    <a:lnBlToTr w="12700" cmpd="sng">
+                      <a:noFill/>
+                      <a:prstDash val="solid"/>
+                    </a:lnBlToTr>
+                  </a:tcPr>
+                </a:tc>
+                <a:tc>
+                  <a:txBody>
+                    <a:bodyPr/>
+                    <a:lstStyle/>
+                    <a:p>
+                      <a:pPr latinLnBrk="1"/>
+                      <a:endParaRPr lang="ko-KR" altLang="en-US" dirty="0"/>
+                    </a:p>
+                  </a:txBody>
+                  <a:tcPr>
+                    <a:lnL w="12700" cmpd="sng">
+                      <a:noFill/>
+                    </a:lnL>
+                    <a:lnR w="12700" cmpd="sng">
+                      <a:noFill/>
+                    </a:lnR>
+                    <a:lnT w="12700" cap="flat" cmpd="sng" algn="ctr">
+                      <a:noFill/>
+                      <a:prstDash val="solid"/>
+                      <a:round/>
+                      <a:headEnd type="none" w="med" len="med"/>
+                      <a:tailEnd type="none" w="med" len="med"/>
+                    </a:lnT>
+                    <a:lnB w="12700" cmpd="sng">
+                      <a:noFill/>
+                    </a:lnB>
+                    <a:lnTlToBr w="12700" cmpd="sng">
+                      <a:noFill/>
+                      <a:prstDash val="solid"/>
+                    </a:lnTlToBr>
+                    <a:lnBlToTr w="12700" cmpd="sng">
+                      <a:noFill/>
+                      <a:prstDash val="solid"/>
+                    </a:lnBlToTr>
+                  </a:tcPr>
+                </a:tc>
+                <a:tc>
+                  <a:txBody>
+                    <a:bodyPr/>
+                    <a:lstStyle/>
+                    <a:p>
+                      <a:pPr latinLnBrk="1"/>
+                      <a:endParaRPr lang="ko-KR" altLang="en-US" dirty="0"/>
+                    </a:p>
+                  </a:txBody>
+                  <a:tcPr>
+                    <a:lnL w="12700" cmpd="sng">
+                      <a:noFill/>
+                    </a:lnL>
+                    <a:lnR w="12700" cmpd="sng">
+                      <a:noFill/>
+                    </a:lnR>
+                    <a:lnT w="12700" cap="flat" cmpd="sng" algn="ctr">
+                      <a:noFill/>
+                      <a:prstDash val="solid"/>
+                      <a:round/>
+                      <a:headEnd type="none" w="med" len="med"/>
+                      <a:tailEnd type="none" w="med" len="med"/>
+                    </a:lnT>
+                    <a:lnB w="12700" cmpd="sng">
+                      <a:noFill/>
+                    </a:lnB>
+                    <a:lnTlToBr w="12700" cmpd="sng">
+                      <a:noFill/>
+                      <a:prstDash val="solid"/>
+                    </a:lnTlToBr>
+                    <a:lnBlToTr w="12700" cmpd="sng">
+                      <a:noFill/>
+                      <a:prstDash val="solid"/>
+                    </a:lnBlToTr>
+                  </a:tcPr>
+                </a:tc>
+                <a:tc>
+                  <a:txBody>
+                    <a:bodyPr/>
+                    <a:lstStyle/>
+                    <a:p>
+                      <a:pPr latinLnBrk="1"/>
+                      <a:endParaRPr lang="ko-KR" altLang="en-US" dirty="0"/>
+                    </a:p>
+                  </a:txBody>
+                  <a:tcPr>
+                    <a:lnL w="12700" cmpd="sng">
+                      <a:noFill/>
+                    </a:lnL>
+                    <a:lnR w="12700" cmpd="sng">
+                      <a:noFill/>
+                    </a:lnR>
+                    <a:lnT w="12700" cap="flat" cmpd="sng" algn="ctr">
+                      <a:noFill/>
+                      <a:prstDash val="solid"/>
+                      <a:round/>
+                      <a:headEnd type="none" w="med" len="med"/>
+                      <a:tailEnd type="none" w="med" len="med"/>
+                    </a:lnT>
+                    <a:lnB w="12700" cmpd="sng">
+                      <a:noFill/>
+                    </a:lnB>
+                    <a:lnTlToBr w="12700" cmpd="sng">
+                      <a:noFill/>
+                      <a:prstDash val="solid"/>
+                    </a:lnTlToBr>
+                    <a:lnBlToTr w="12700" cmpd="sng">
+                      <a:noFill/>
+                      <a:prstDash val="solid"/>
+                    </a:lnBlToTr>
+                  </a:tcPr>
+                </a:tc>
+                <a:tc>
+                  <a:txBody>
+                    <a:bodyPr/>
+                    <a:lstStyle/>
+                    <a:p>
+                      <a:pPr latinLnBrk="1"/>
+                      <a:endParaRPr lang="ko-KR" altLang="en-US" dirty="0"/>
+                    </a:p>
+                  </a:txBody>
+                  <a:tcPr>
+                    <a:lnL w="12700" cmpd="sng">
+                      <a:noFill/>
+                    </a:lnL>
+                    <a:lnR w="12700" cmpd="sng">
+                      <a:noFill/>
+                    </a:lnR>
+                    <a:lnT w="12700" cap="flat" cmpd="sng" algn="ctr">
+                      <a:noFill/>
+                      <a:prstDash val="solid"/>
+                      <a:round/>
+                      <a:headEnd type="none" w="med" len="med"/>
+                      <a:tailEnd type="none" w="med" len="med"/>
+                    </a:lnT>
+                    <a:lnB w="12700" cmpd="sng">
+                      <a:noFill/>
+                    </a:lnB>
+                    <a:lnTlToBr w="12700" cmpd="sng">
+                      <a:noFill/>
+                      <a:prstDash val="solid"/>
+                    </a:lnTlToBr>
+                    <a:lnBlToTr w="12700" cmpd="sng">
+                      <a:noFill/>
+                      <a:prstDash val="solid"/>
+                    </a:lnBlToTr>
+                  </a:tcPr>
+                </a:tc>
+                <a:tc>
+                  <a:txBody>
+                    <a:bodyPr/>
+                    <a:lstStyle/>
+                    <a:p>
+                      <a:pPr latinLnBrk="1"/>
+                      <a:endParaRPr lang="ko-KR" altLang="en-US" dirty="0"/>
+                    </a:p>
+                  </a:txBody>
+                  <a:tcPr>
+                    <a:lnL w="12700" cmpd="sng">
+                      <a:noFill/>
+                    </a:lnL>
+                    <a:lnR w="12700" cmpd="sng">
+                      <a:noFill/>
+                    </a:lnR>
+                    <a:lnT w="12700" cap="flat" cmpd="sng" algn="ctr">
+                      <a:noFill/>
+                      <a:prstDash val="solid"/>
+                      <a:round/>
+                      <a:headEnd type="none" w="med" len="med"/>
+                      <a:tailEnd type="none" w="med" len="med"/>
+                    </a:lnT>
+                    <a:lnB w="12700" cmpd="sng">
+                      <a:noFill/>
+                    </a:lnB>
+                    <a:lnTlToBr w="12700" cmpd="sng">
+                      <a:noFill/>
+                      <a:prstDash val="solid"/>
+                    </a:lnTlToBr>
+                    <a:lnBlToTr w="12700" cmpd="sng">
+                      <a:noFill/>
+                      <a:prstDash val="solid"/>
+                    </a:lnBlToTr>
+                  </a:tcPr>
+                </a:tc>
+                <a:tc>
+                  <a:txBody>
+                    <a:bodyPr/>
+                    <a:lstStyle/>
+                    <a:p>
+                      <a:pPr latinLnBrk="1"/>
+                      <a:endParaRPr lang="ko-KR" altLang="en-US" dirty="0"/>
+                    </a:p>
+                  </a:txBody>
+                  <a:tcPr>
+                    <a:lnL w="12700" cmpd="sng">
+                      <a:noFill/>
+                    </a:lnL>
+                    <a:lnR w="12700" cap="flat" cmpd="sng" algn="ctr">
+                      <a:noFill/>
+                      <a:prstDash val="solid"/>
+                      <a:round/>
+                      <a:headEnd type="none" w="med" len="med"/>
+                      <a:tailEnd type="none" w="med" len="med"/>
+                    </a:lnR>
+                    <a:lnT w="12700" cap="flat" cmpd="sng" algn="ctr">
+                      <a:noFill/>
+                      <a:prstDash val="solid"/>
+                      <a:round/>
+                      <a:headEnd type="none" w="med" len="med"/>
+                      <a:tailEnd type="none" w="med" len="med"/>
+                    </a:lnT>
+                    <a:lnB w="12700" cmpd="sng">
+                      <a:noFill/>
+                    </a:lnB>
+                    <a:lnTlToBr w="12700" cmpd="sng">
+                      <a:noFill/>
+                      <a:prstDash val="solid"/>
+                    </a:lnTlToBr>
+                    <a:lnBlToTr w="12700" cmpd="sng">
+                      <a:noFill/>
+                      <a:prstDash val="solid"/>
+                    </a:lnBlToTr>
+                  </a:tcPr>
+                </a:tc>
+                <a:tc>
+                  <a:txBody>
+                    <a:bodyPr/>
+                    <a:lstStyle/>
+                    <a:p>
+                      <a:pPr latinLnBrk="1"/>
+                      <a:endParaRPr lang="ko-KR" altLang="en-US" dirty="0"/>
+                    </a:p>
+                  </a:txBody>
+                  <a:tcPr>
+                    <a:lnL w="12700" cap="flat" cmpd="sng" algn="ctr">
+                      <a:noFill/>
+                      <a:prstDash val="solid"/>
+                      <a:round/>
+                      <a:headEnd type="none" w="med" len="med"/>
+                      <a:tailEnd type="none" w="med" len="med"/>
+                    </a:lnL>
+                    <a:lnR w="12700" cmpd="sng">
+                      <a:noFill/>
+                    </a:lnR>
+                    <a:lnT w="12700" cap="flat" cmpd="sng" algn="ctr">
+                      <a:noFill/>
+                      <a:prstDash val="solid"/>
+                      <a:round/>
+                      <a:headEnd type="none" w="med" len="med"/>
+                      <a:tailEnd type="none" w="med" len="med"/>
+                    </a:lnT>
+                    <a:lnB w="12700" cmpd="sng">
+                      <a:noFill/>
+                    </a:lnB>
+                    <a:lnTlToBr w="12700" cmpd="sng">
+                      <a:noFill/>
+                      <a:prstDash val="solid"/>
+                    </a:lnTlToBr>
+                    <a:lnBlToTr w="12700" cmpd="sng">
+                      <a:noFill/>
+                      <a:prstDash val="solid"/>
+                    </a:lnBlToTr>
+                  </a:tcPr>
+                </a:tc>
+                <a:tc>
+                  <a:txBody>
+                    <a:bodyPr/>
+                    <a:lstStyle/>
+                    <a:p>
+                      <a:pPr latinLnBrk="1"/>
+                      <a:endParaRPr lang="ko-KR" altLang="en-US" dirty="0"/>
+                    </a:p>
+                  </a:txBody>
+                  <a:tcPr>
+                    <a:lnL w="12700" cmpd="sng">
+                      <a:noFill/>
+                    </a:lnL>
+                    <a:lnR w="12700" cap="flat" cmpd="sng" algn="ctr">
+                      <a:noFill/>
+                      <a:prstDash val="solid"/>
+                      <a:round/>
+                      <a:headEnd type="none" w="med" len="med"/>
+                      <a:tailEnd type="none" w="med" len="med"/>
+                    </a:lnR>
+                    <a:lnT w="12700" cap="flat" cmpd="sng" algn="ctr">
+                      <a:noFill/>
+                      <a:prstDash val="solid"/>
+                      <a:round/>
+                      <a:headEnd type="none" w="med" len="med"/>
+                      <a:tailEnd type="none" w="med" len="med"/>
+                    </a:lnT>
+                    <a:lnB w="12700" cmpd="sng">
+                      <a:noFill/>
+                    </a:lnB>
+                    <a:lnTlToBr w="12700" cmpd="sng">
+                      <a:noFill/>
+                      <a:prstDash val="solid"/>
+                    </a:lnTlToBr>
+                    <a:lnBlToTr w="12700" cmpd="sng">
+                      <a:noFill/>
+                      <a:prstDash val="solid"/>
+                    </a:lnBlToTr>
+                  </a:tcPr>
+                </a:tc>
+                <a:tc>
+                  <a:txBody>
+                    <a:bodyPr/>
+                    <a:lstStyle/>
+                    <a:p>
+                      <a:pPr latinLnBrk="1"/>
+                      <a:endParaRPr lang="ko-KR" altLang="en-US" dirty="0"/>
+                    </a:p>
+                  </a:txBody>
+                  <a:tcPr>
+                    <a:lnL w="12700" cap="flat" cmpd="sng" algn="ctr">
+                      <a:noFill/>
+                      <a:prstDash val="solid"/>
+                      <a:round/>
+                      <a:headEnd type="none" w="med" len="med"/>
+                      <a:tailEnd type="none" w="med" len="med"/>
+                    </a:lnL>
+                    <a:lnR w="12700" cap="flat" cmpd="sng" algn="ctr">
+                      <a:noFill/>
+                      <a:prstDash val="solid"/>
+                      <a:round/>
+                      <a:headEnd type="none" w="med" len="med"/>
+                      <a:tailEnd type="none" w="med" len="med"/>
+                    </a:lnR>
+                    <a:lnT w="12700" cap="flat" cmpd="sng" algn="ctr">
+                      <a:noFill/>
+                      <a:prstDash val="solid"/>
+                      <a:round/>
+                      <a:headEnd type="none" w="med" len="med"/>
+                      <a:tailEnd type="none" w="med" len="med"/>
+                    </a:lnT>
+                    <a:lnB w="12700" cmpd="sng">
+                      <a:noFill/>
+                    </a:lnB>
+                    <a:lnTlToBr w="12700" cmpd="sng">
+                      <a:noFill/>
+                      <a:prstDash val="solid"/>
+                    </a:lnTlToBr>
+                    <a:lnBlToTr w="12700" cmpd="sng">
+                      <a:noFill/>
+                      <a:prstDash val="solid"/>
+                    </a:lnBlToTr>
+                  </a:tcPr>
+                </a:tc>
+                <a:tc>
+                  <a:txBody>
+                    <a:bodyPr/>
+                    <a:lstStyle/>
+                    <a:p>
+                      <a:pPr latinLnBrk="1"/>
+                      <a:endParaRPr lang="ko-KR" altLang="en-US" dirty="0"/>
+                    </a:p>
+                  </a:txBody>
+                  <a:tcPr>
+                    <a:lnL w="12700" cap="flat" cmpd="sng" algn="ctr">
+                      <a:noFill/>
+                      <a:prstDash val="solid"/>
+                      <a:round/>
+                      <a:headEnd type="none" w="med" len="med"/>
+                      <a:tailEnd type="none" w="med" len="med"/>
+                    </a:lnL>
+                    <a:lnR w="12700" cap="flat" cmpd="sng" algn="ctr">
+                      <a:noFill/>
+                      <a:prstDash val="solid"/>
+                      <a:round/>
+                      <a:headEnd type="none" w="med" len="med"/>
+                      <a:tailEnd type="none" w="med" len="med"/>
+                    </a:lnR>
+                    <a:lnT w="12700" cap="flat" cmpd="sng" algn="ctr">
+                      <a:noFill/>
+                      <a:prstDash val="solid"/>
+                      <a:round/>
+                      <a:headEnd type="none" w="med" len="med"/>
+                      <a:tailEnd type="none" w="med" len="med"/>
+                    </a:lnT>
+                    <a:lnB w="12700" cmpd="sng">
+                      <a:noFill/>
+                    </a:lnB>
+                    <a:lnTlToBr w="12700" cmpd="sng">
+                      <a:noFill/>
+                      <a:prstDash val="solid"/>
+                    </a:lnTlToBr>
+                    <a:lnBlToTr w="12700" cmpd="sng">
+                      <a:noFill/>
+                      <a:prstDash val="solid"/>
+                    </a:lnBlToTr>
+                  </a:tcPr>
+                </a:tc>
+                <a:tc>
+                  <a:txBody>
+                    <a:bodyPr/>
+                    <a:lstStyle/>
+                    <a:p>
+                      <a:pPr latinLnBrk="1"/>
+                      <a:endParaRPr lang="ko-KR" altLang="en-US" dirty="0"/>
+                    </a:p>
+                  </a:txBody>
+                  <a:tcPr>
+                    <a:lnL w="12700" cap="flat" cmpd="sng" algn="ctr">
+                      <a:noFill/>
+                      <a:prstDash val="solid"/>
+                      <a:round/>
+                      <a:headEnd type="none" w="med" len="med"/>
+                      <a:tailEnd type="none" w="med" len="med"/>
+                    </a:lnL>
+                    <a:lnR w="12700" cap="flat" cmpd="sng" algn="ctr">
+                      <a:noFill/>
+                      <a:prstDash val="solid"/>
+                      <a:round/>
+                      <a:headEnd type="none" w="med" len="med"/>
+                      <a:tailEnd type="none" w="med" len="med"/>
+                    </a:lnR>
+                    <a:lnT w="12700" cap="flat" cmpd="sng" algn="ctr">
+                      <a:noFill/>
+                      <a:prstDash val="solid"/>
+                      <a:round/>
+                      <a:headEnd type="none" w="med" len="med"/>
+                      <a:tailEnd type="none" w="med" len="med"/>
+                    </a:lnT>
+                    <a:lnB w="12700" cmpd="sng">
+                      <a:noFill/>
+                    </a:lnB>
+                    <a:lnTlToBr w="12700" cmpd="sng">
+                      <a:noFill/>
+                      <a:prstDash val="solid"/>
+                    </a:lnTlToBr>
+                    <a:lnBlToTr w="12700" cmpd="sng">
+                      <a:noFill/>
+                      <a:prstDash val="solid"/>
+                    </a:lnBlToTr>
+                  </a:tcPr>
+                </a:tc>
+                <a:tc>
+                  <a:txBody>
+                    <a:bodyPr/>
+                    <a:lstStyle/>
+                    <a:p>
+                      <a:pPr latinLnBrk="1"/>
+                      <a:endParaRPr lang="ko-KR" altLang="en-US" dirty="0"/>
+                    </a:p>
+                  </a:txBody>
+                  <a:tcPr>
+                    <a:lnL w="12700" cap="flat" cmpd="sng" algn="ctr">
+                      <a:noFill/>
+                      <a:prstDash val="solid"/>
+                      <a:round/>
+                      <a:headEnd type="none" w="med" len="med"/>
+                      <a:tailEnd type="none" w="med" len="med"/>
+                    </a:lnL>
+                    <a:lnR w="12700" cap="flat" cmpd="sng" algn="ctr">
+                      <a:noFill/>
+                      <a:prstDash val="solid"/>
+                      <a:round/>
+                      <a:headEnd type="none" w="med" len="med"/>
+                      <a:tailEnd type="none" w="med" len="med"/>
+                    </a:lnR>
+                    <a:lnT w="12700" cap="flat" cmpd="sng" algn="ctr">
+                      <a:noFill/>
+                      <a:prstDash val="solid"/>
+                      <a:round/>
+                      <a:headEnd type="none" w="med" len="med"/>
+                      <a:tailEnd type="none" w="med" len="med"/>
+                    </a:lnT>
+                    <a:lnB w="12700" cmpd="sng">
+                      <a:noFill/>
+                    </a:lnB>
+                    <a:lnTlToBr w="12700" cmpd="sng">
+                      <a:noFill/>
+                      <a:prstDash val="solid"/>
+                    </a:lnTlToBr>
+                    <a:lnBlToTr w="12700" cmpd="sng">
+                      <a:noFill/>
+                      <a:prstDash val="solid"/>
+                    </a:lnBlToTr>
+                    <a:solidFill>
+                      <a:srgbClr val="982395"/>
+                    </a:solidFill>
+                  </a:tcPr>
+                </a:tc>
+                <a:extLst>
+                  <a:ext uri="{0D108BD9-81ED-4DB2-BD59-A6C34878D82A}">
+                    <a16:rowId xmlns:a16="http://schemas.microsoft.com/office/drawing/2014/main" xmlns="" val="10011"/>
+                  </a:ext>
+                </a:extLst>
+              </a:tr>
+            </a:tbl>
+          </a:graphicData>
+        </a:graphic>
+      </p:graphicFrame>
       <p:pic>
         <p:nvPicPr>
           <p:cNvPr id="4" name="그림 3"/>
@@ -11931,7 +19546,7 @@
           <p:nvPr/>
         </p:nvPicPr>
         <p:blipFill>
-          <a:blip r:embed="rId4">
+          <a:blip r:embed="rId3">
             <a:extLst>
               <a:ext uri="{28A0092B-C50C-407E-A947-70E740481C1C}">
                 <a14:useLocalDpi xmlns:a14="http://schemas.microsoft.com/office/drawing/2010/main" val="0"/>
@@ -11952,10 +19567,39 @@
           </a:prstGeom>
         </p:spPr>
       </p:pic>
+      <p:pic>
+        <p:nvPicPr>
+          <p:cNvPr id="5" name="그림 4"/>
+          <p:cNvPicPr>
+            <a:picLocks noChangeAspect="1"/>
+          </p:cNvPicPr>
+          <p:nvPr/>
+        </p:nvPicPr>
+        <p:blipFill rotWithShape="1">
+          <a:blip r:embed="rId4">
+            <a:extLst>
+              <a:ext uri="{28A0092B-C50C-407E-A947-70E740481C1C}">
+                <a14:useLocalDpi xmlns:a14="http://schemas.microsoft.com/office/drawing/2010/main" val="0"/>
+              </a:ext>
+            </a:extLst>
+          </a:blip>
+          <a:srcRect t="-1" b="-7692"/>
+          <a:stretch/>
+        </p:blipFill>
+        <p:spPr>
+          <a:xfrm>
+            <a:off x="228600" y="1182659"/>
+            <a:ext cx="8686800" cy="5237418"/>
+          </a:xfrm>
+          <a:prstGeom prst="rect">
+            <a:avLst/>
+          </a:prstGeom>
+        </p:spPr>
+      </p:pic>
     </p:spTree>
     <p:extLst>
       <p:ext uri="{BB962C8B-B14F-4D97-AF65-F5344CB8AC3E}">
-        <p14:creationId xmlns:p14="http://schemas.microsoft.com/office/powerpoint/2010/main" val="940369786"/>
+        <p14:creationId xmlns:p14="http://schemas.microsoft.com/office/powerpoint/2010/main" val="1394789202"/>
       </p:ext>
     </p:extLst>
   </p:cSld>
@@ -14048,7 +21692,7 @@
                 <a14:useLocalDpi xmlns:a14="http://schemas.microsoft.com/office/drawing/2010/main" val="0"/>
               </a:ext>
               <a:ext uri="{96DAC541-7B7A-43D3-8B79-37D633B846F1}">
-                <asvg:svgBlip xmlns:asvg="http://schemas.microsoft.com/office/drawing/2016/SVG/main" xmlns="" r:embed="rId4"/>
+                <asvg:svgBlip xmlns="" xmlns:asvg="http://schemas.microsoft.com/office/drawing/2016/SVG/main" r:embed="rId4"/>
               </a:ext>
             </a:extLst>
           </a:blip>

--- a/artoon-spec.pptx
+++ b/artoon-spec.pptx
@@ -20,13 +20,13 @@
     <p:sldId id="313" r:id="rId8"/>
     <p:sldId id="300" r:id="rId9"/>
     <p:sldId id="319" r:id="rId10"/>
-    <p:sldId id="317" r:id="rId11"/>
-    <p:sldId id="326" r:id="rId12"/>
-    <p:sldId id="293" r:id="rId13"/>
-    <p:sldId id="308" r:id="rId14"/>
-    <p:sldId id="325" r:id="rId15"/>
-    <p:sldId id="323" r:id="rId16"/>
-    <p:sldId id="324" r:id="rId17"/>
+    <p:sldId id="308" r:id="rId11"/>
+    <p:sldId id="317" r:id="rId12"/>
+    <p:sldId id="326" r:id="rId13"/>
+    <p:sldId id="293" r:id="rId14"/>
+    <p:sldId id="323" r:id="rId15"/>
+    <p:sldId id="324" r:id="rId16"/>
+    <p:sldId id="325" r:id="rId17"/>
     <p:sldId id="304" r:id="rId18"/>
     <p:sldId id="278" r:id="rId19"/>
   </p:sldIdLst>
@@ -917,7 +917,7 @@
     </p:spTree>
     <p:extLst>
       <p:ext uri="{BB962C8B-B14F-4D97-AF65-F5344CB8AC3E}">
-        <p14:creationId xmlns:p14="http://schemas.microsoft.com/office/powerpoint/2010/main" val="2321851601"/>
+        <p14:creationId xmlns:p14="http://schemas.microsoft.com/office/powerpoint/2010/main" val="1158920028"/>
       </p:ext>
     </p:extLst>
   </p:cSld>
@@ -971,14 +971,6 @@
           <a:bodyPr/>
           <a:lstStyle/>
           <a:p>
-            <a:r>
-              <a:rPr lang="en-US" altLang="ko-KR" dirty="0"/>
-              <a:t>TODO: Sub-Architecture</a:t>
-            </a:r>
-            <a:r>
-              <a:rPr lang="en-US" altLang="ko-KR" baseline="0" dirty="0"/>
-              <a:t> goes here</a:t>
-            </a:r>
             <a:endParaRPr lang="ko-KR" altLang="en-US" dirty="0"/>
           </a:p>
         </p:txBody>
@@ -1010,7 +1002,7 @@
     </p:spTree>
     <p:extLst>
       <p:ext uri="{BB962C8B-B14F-4D97-AF65-F5344CB8AC3E}">
-        <p14:creationId xmlns:p14="http://schemas.microsoft.com/office/powerpoint/2010/main" val="2040369853"/>
+        <p14:creationId xmlns:p14="http://schemas.microsoft.com/office/powerpoint/2010/main" val="2321851601"/>
       </p:ext>
     </p:extLst>
   </p:cSld>
@@ -1064,6 +1056,14 @@
           <a:bodyPr/>
           <a:lstStyle/>
           <a:p>
+            <a:r>
+              <a:rPr lang="en-US" altLang="ko-KR" dirty="0"/>
+              <a:t>TODO: Sub-Architecture</a:t>
+            </a:r>
+            <a:r>
+              <a:rPr lang="en-US" altLang="ko-KR" baseline="0" dirty="0"/>
+              <a:t> goes here</a:t>
+            </a:r>
             <a:endParaRPr lang="ko-KR" altLang="en-US" dirty="0"/>
           </a:p>
         </p:txBody>
@@ -1095,7 +1095,7 @@
     </p:spTree>
     <p:extLst>
       <p:ext uri="{BB962C8B-B14F-4D97-AF65-F5344CB8AC3E}">
-        <p14:creationId xmlns:p14="http://schemas.microsoft.com/office/powerpoint/2010/main" val="1158920028"/>
+        <p14:creationId xmlns:p14="http://schemas.microsoft.com/office/powerpoint/2010/main" val="2040369853"/>
       </p:ext>
     </p:extLst>
   </p:cSld>
@@ -1234,6 +1234,18 @@
           <a:bodyPr/>
           <a:lstStyle/>
           <a:p>
+            <a:r>
+              <a:rPr lang="en-US" altLang="ko-KR" dirty="0"/>
+              <a:t>Change</a:t>
+            </a:r>
+            <a:r>
+              <a:rPr lang="en-US" altLang="ko-KR" baseline="0" dirty="0"/>
+              <a:t> </a:t>
+            </a:r>
+            <a:r>
+              <a:rPr lang="en-US" altLang="ko-KR" baseline="0"/>
+              <a:t>the icon, and make the icon green</a:t>
+            </a:r>
             <a:endParaRPr lang="ko-KR" altLang="en-US" dirty="0"/>
           </a:p>
         </p:txBody>
@@ -1265,7 +1277,7 @@
     </p:spTree>
     <p:extLst>
       <p:ext uri="{BB962C8B-B14F-4D97-AF65-F5344CB8AC3E}">
-        <p14:creationId xmlns:p14="http://schemas.microsoft.com/office/powerpoint/2010/main" val="493245506"/>
+        <p14:creationId xmlns:p14="http://schemas.microsoft.com/office/powerpoint/2010/main" val="1873821801"/>
       </p:ext>
     </p:extLst>
   </p:cSld>
@@ -1319,18 +1331,6 @@
           <a:bodyPr/>
           <a:lstStyle/>
           <a:p>
-            <a:r>
-              <a:rPr lang="en-US" altLang="ko-KR" dirty="0"/>
-              <a:t>Change</a:t>
-            </a:r>
-            <a:r>
-              <a:rPr lang="en-US" altLang="ko-KR" baseline="0" dirty="0"/>
-              <a:t> </a:t>
-            </a:r>
-            <a:r>
-              <a:rPr lang="en-US" altLang="ko-KR" baseline="0"/>
-              <a:t>the icon, and make the icon green</a:t>
-            </a:r>
             <a:endParaRPr lang="ko-KR" altLang="en-US" dirty="0"/>
           </a:p>
         </p:txBody>
@@ -1362,7 +1362,7 @@
     </p:spTree>
     <p:extLst>
       <p:ext uri="{BB962C8B-B14F-4D97-AF65-F5344CB8AC3E}">
-        <p14:creationId xmlns:p14="http://schemas.microsoft.com/office/powerpoint/2010/main" val="1873821801"/>
+        <p14:creationId xmlns:p14="http://schemas.microsoft.com/office/powerpoint/2010/main" val="167469824"/>
       </p:ext>
     </p:extLst>
   </p:cSld>
@@ -1447,7 +1447,7 @@
     </p:spTree>
     <p:extLst>
       <p:ext uri="{BB962C8B-B14F-4D97-AF65-F5344CB8AC3E}">
-        <p14:creationId xmlns:p14="http://schemas.microsoft.com/office/powerpoint/2010/main" val="167469824"/>
+        <p14:creationId xmlns:p14="http://schemas.microsoft.com/office/powerpoint/2010/main" val="493245506"/>
       </p:ext>
     </p:extLst>
   </p:cSld>
@@ -7850,6 +7850,202 @@
       </p:grpSpPr>
       <p:sp>
         <p:nvSpPr>
+          <p:cNvPr id="4" name="제목 3"/>
+          <p:cNvSpPr>
+            <a:spLocks noGrp="1"/>
+          </p:cNvSpPr>
+          <p:nvPr>
+            <p:ph type="title"/>
+          </p:nvPr>
+        </p:nvSpPr>
+        <p:spPr>
+          <a:xfrm>
+            <a:off x="457200" y="366780"/>
+            <a:ext cx="8229600" cy="648404"/>
+          </a:xfrm>
+        </p:spPr>
+        <p:txBody>
+          <a:bodyPr/>
+          <a:lstStyle/>
+          <a:p>
+            <a:r>
+              <a:rPr lang="en-US" altLang="ko-KR" dirty="0">
+                <a:latin typeface="+mj-lt"/>
+              </a:rPr>
+              <a:t>Basic Spec</a:t>
+            </a:r>
+            <a:endParaRPr lang="ko-KR" altLang="en-US" dirty="0">
+              <a:latin typeface="+mj-lt"/>
+            </a:endParaRPr>
+          </a:p>
+        </p:txBody>
+      </p:sp>
+      <p:pic>
+        <p:nvPicPr>
+          <p:cNvPr id="7" name="그래픽 6" descr="과녁"/>
+          <p:cNvPicPr>
+            <a:picLocks noChangeAspect="1"/>
+          </p:cNvPicPr>
+          <p:nvPr/>
+        </p:nvPicPr>
+        <p:blipFill>
+          <a:blip r:embed="rId3">
+            <a:extLst>
+              <a:ext uri="{28A0092B-C50C-407E-A947-70E740481C1C}">
+                <a14:useLocalDpi xmlns:a14="http://schemas.microsoft.com/office/drawing/2010/main" val="0"/>
+              </a:ext>
+              <a:ext uri="{96DAC541-7B7A-43D3-8B79-37D633B846F1}">
+                <asvg:svgBlip xmlns:asvg="http://schemas.microsoft.com/office/drawing/2016/SVG/main" r:embed="rId4"/>
+              </a:ext>
+            </a:extLst>
+          </a:blip>
+          <a:stretch>
+            <a:fillRect/>
+          </a:stretch>
+        </p:blipFill>
+        <p:spPr>
+          <a:xfrm>
+            <a:off x="1244991" y="1565030"/>
+            <a:ext cx="1909690" cy="1909690"/>
+          </a:xfrm>
+          <a:prstGeom prst="rect">
+            <a:avLst/>
+          </a:prstGeom>
+        </p:spPr>
+      </p:pic>
+      <p:sp>
+        <p:nvSpPr>
+          <p:cNvPr id="8" name="TextBox 7"/>
+          <p:cNvSpPr txBox="1"/>
+          <p:nvPr/>
+        </p:nvSpPr>
+        <p:spPr>
+          <a:xfrm>
+            <a:off x="3446585" y="2335209"/>
+            <a:ext cx="2371162" cy="461665"/>
+          </a:xfrm>
+          <a:prstGeom prst="rect">
+            <a:avLst/>
+          </a:prstGeom>
+          <a:noFill/>
+        </p:spPr>
+        <p:txBody>
+          <a:bodyPr wrap="none" rtlCol="0">
+            <a:spAutoFit/>
+          </a:bodyPr>
+          <a:lstStyle/>
+          <a:p>
+            <a:r>
+              <a:rPr lang="en-US" altLang="ko-KR" sz="2400" b="1" dirty="0"/>
+              <a:t>&gt;90% accuracy</a:t>
+            </a:r>
+            <a:endParaRPr lang="ko-KR" altLang="en-US" sz="2400" b="1" dirty="0"/>
+          </a:p>
+        </p:txBody>
+      </p:sp>
+      <p:sp>
+        <p:nvSpPr>
+          <p:cNvPr id="9" name="TextBox 8"/>
+          <p:cNvSpPr txBox="1"/>
+          <p:nvPr/>
+        </p:nvSpPr>
+        <p:spPr>
+          <a:xfrm>
+            <a:off x="3446585" y="4381863"/>
+            <a:ext cx="3300904" cy="738664"/>
+          </a:xfrm>
+          <a:prstGeom prst="rect">
+            <a:avLst/>
+          </a:prstGeom>
+          <a:noFill/>
+        </p:spPr>
+        <p:txBody>
+          <a:bodyPr wrap="none" rtlCol="0">
+            <a:spAutoFit/>
+          </a:bodyPr>
+          <a:lstStyle/>
+          <a:p>
+            <a:r>
+              <a:rPr lang="en-US" altLang="ko-KR" sz="2400" b="1" dirty="0"/>
+              <a:t>Respond continuously</a:t>
+            </a:r>
+          </a:p>
+          <a:p>
+            <a:r>
+              <a:rPr lang="en-US" altLang="ko-KR" dirty="0"/>
+              <a:t>by multithreading(Glide API)</a:t>
+            </a:r>
+          </a:p>
+        </p:txBody>
+      </p:sp>
+      <p:pic>
+        <p:nvPicPr>
+          <p:cNvPr id="16" name="그래픽 15" descr="반복"/>
+          <p:cNvPicPr>
+            <a:picLocks noChangeAspect="1"/>
+          </p:cNvPicPr>
+          <p:nvPr/>
+        </p:nvPicPr>
+        <p:blipFill>
+          <a:blip r:embed="rId5">
+            <a:extLst>
+              <a:ext uri="{28A0092B-C50C-407E-A947-70E740481C1C}">
+                <a14:useLocalDpi xmlns:a14="http://schemas.microsoft.com/office/drawing/2010/main" val="0"/>
+              </a:ext>
+              <a:ext uri="{96DAC541-7B7A-43D3-8B79-37D633B846F1}">
+                <asvg:svgBlip xmlns:asvg="http://schemas.microsoft.com/office/drawing/2016/SVG/main" r:embed="rId6"/>
+              </a:ext>
+            </a:extLst>
+          </a:blip>
+          <a:stretch>
+            <a:fillRect/>
+          </a:stretch>
+        </p:blipFill>
+        <p:spPr>
+          <a:xfrm>
+            <a:off x="1324124" y="3829318"/>
+            <a:ext cx="1751423" cy="1751423"/>
+          </a:xfrm>
+          <a:prstGeom prst="rect">
+            <a:avLst/>
+          </a:prstGeom>
+        </p:spPr>
+      </p:pic>
+    </p:spTree>
+    <p:extLst>
+      <p:ext uri="{BB962C8B-B14F-4D97-AF65-F5344CB8AC3E}">
+        <p14:creationId xmlns:p14="http://schemas.microsoft.com/office/powerpoint/2010/main" val="2285308020"/>
+      </p:ext>
+    </p:extLst>
+  </p:cSld>
+  <p:clrMapOvr>
+    <a:masterClrMapping/>
+  </p:clrMapOvr>
+  <p:transition>
+    <p:fade/>
+  </p:transition>
+</p:sld>
+</file>
+
+<file path=ppt/slides/slide11.xml><?xml version="1.0" encoding="utf-8"?>
+<p:sld xmlns:a="http://schemas.openxmlformats.org/drawingml/2006/main" xmlns:r="http://schemas.openxmlformats.org/officeDocument/2006/relationships" xmlns:p="http://schemas.openxmlformats.org/presentationml/2006/main">
+  <p:cSld>
+    <p:spTree>
+      <p:nvGrpSpPr>
+        <p:cNvPr id="1" name=""/>
+        <p:cNvGrpSpPr/>
+        <p:nvPr/>
+      </p:nvGrpSpPr>
+      <p:grpSpPr>
+        <a:xfrm>
+          <a:off x="0" y="0"/>
+          <a:ext cx="0" cy="0"/>
+          <a:chOff x="0" y="0"/>
+          <a:chExt cx="0" cy="0"/>
+        </a:xfrm>
+      </p:grpSpPr>
+      <p:sp>
+        <p:nvSpPr>
           <p:cNvPr id="22" name="TextBox 21"/>
           <p:cNvSpPr txBox="1"/>
           <p:nvPr/>
@@ -7915,7 +8111,7 @@
               <a:rPr lang="en-US" altLang="ko-KR" dirty="0">
                 <a:latin typeface="+mj-lt"/>
               </a:rPr>
-              <a:t>Approach - Application</a:t>
+              <a:t>Basic Spec</a:t>
             </a:r>
             <a:endParaRPr lang="ko-KR" altLang="en-US" dirty="0">
               <a:latin typeface="+mj-lt"/>
@@ -8299,7 +8495,7 @@
 </p:sld>
 </file>
 
-<file path=ppt/slides/slide11.xml><?xml version="1.0" encoding="utf-8"?>
+<file path=ppt/slides/slide12.xml><?xml version="1.0" encoding="utf-8"?>
 <p:sld xmlns:a="http://schemas.openxmlformats.org/drawingml/2006/main" xmlns:r="http://schemas.openxmlformats.org/officeDocument/2006/relationships" xmlns:p="http://schemas.openxmlformats.org/presentationml/2006/main">
   <p:cSld>
     <p:spTree>
@@ -9300,7 +9496,7 @@
 </p:sld>
 </file>
 
-<file path=ppt/slides/slide12.xml><?xml version="1.0" encoding="utf-8"?>
+<file path=ppt/slides/slide13.xml><?xml version="1.0" encoding="utf-8"?>
 <p:sld xmlns:a="http://schemas.openxmlformats.org/drawingml/2006/main" xmlns:r="http://schemas.openxmlformats.org/officeDocument/2006/relationships" xmlns:p="http://schemas.openxmlformats.org/presentationml/2006/main">
   <p:cSld>
     <p:spTree>
@@ -10278,202 +10474,6 @@
 </p:sld>
 </file>
 
-<file path=ppt/slides/slide13.xml><?xml version="1.0" encoding="utf-8"?>
-<p:sld xmlns:a="http://schemas.openxmlformats.org/drawingml/2006/main" xmlns:r="http://schemas.openxmlformats.org/officeDocument/2006/relationships" xmlns:p="http://schemas.openxmlformats.org/presentationml/2006/main">
-  <p:cSld>
-    <p:spTree>
-      <p:nvGrpSpPr>
-        <p:cNvPr id="1" name=""/>
-        <p:cNvGrpSpPr/>
-        <p:nvPr/>
-      </p:nvGrpSpPr>
-      <p:grpSpPr>
-        <a:xfrm>
-          <a:off x="0" y="0"/>
-          <a:ext cx="0" cy="0"/>
-          <a:chOff x="0" y="0"/>
-          <a:chExt cx="0" cy="0"/>
-        </a:xfrm>
-      </p:grpSpPr>
-      <p:sp>
-        <p:nvSpPr>
-          <p:cNvPr id="4" name="제목 3"/>
-          <p:cNvSpPr>
-            <a:spLocks noGrp="1"/>
-          </p:cNvSpPr>
-          <p:nvPr>
-            <p:ph type="title"/>
-          </p:nvPr>
-        </p:nvSpPr>
-        <p:spPr>
-          <a:xfrm>
-            <a:off x="457200" y="366780"/>
-            <a:ext cx="8229600" cy="648404"/>
-          </a:xfrm>
-        </p:spPr>
-        <p:txBody>
-          <a:bodyPr/>
-          <a:lstStyle/>
-          <a:p>
-            <a:r>
-              <a:rPr lang="en-US" altLang="ko-KR" dirty="0">
-                <a:latin typeface="+mj-lt"/>
-              </a:rPr>
-              <a:t>Basic Spec</a:t>
-            </a:r>
-            <a:endParaRPr lang="ko-KR" altLang="en-US" dirty="0">
-              <a:latin typeface="+mj-lt"/>
-            </a:endParaRPr>
-          </a:p>
-        </p:txBody>
-      </p:sp>
-      <p:pic>
-        <p:nvPicPr>
-          <p:cNvPr id="7" name="그래픽 6" descr="과녁"/>
-          <p:cNvPicPr>
-            <a:picLocks noChangeAspect="1"/>
-          </p:cNvPicPr>
-          <p:nvPr/>
-        </p:nvPicPr>
-        <p:blipFill>
-          <a:blip r:embed="rId3">
-            <a:extLst>
-              <a:ext uri="{28A0092B-C50C-407E-A947-70E740481C1C}">
-                <a14:useLocalDpi xmlns:a14="http://schemas.microsoft.com/office/drawing/2010/main" val="0"/>
-              </a:ext>
-              <a:ext uri="{96DAC541-7B7A-43D3-8B79-37D633B846F1}">
-                <asvg:svgBlip xmlns:asvg="http://schemas.microsoft.com/office/drawing/2016/SVG/main" r:embed="rId4"/>
-              </a:ext>
-            </a:extLst>
-          </a:blip>
-          <a:stretch>
-            <a:fillRect/>
-          </a:stretch>
-        </p:blipFill>
-        <p:spPr>
-          <a:xfrm>
-            <a:off x="1244991" y="1565030"/>
-            <a:ext cx="1909690" cy="1909690"/>
-          </a:xfrm>
-          <a:prstGeom prst="rect">
-            <a:avLst/>
-          </a:prstGeom>
-        </p:spPr>
-      </p:pic>
-      <p:sp>
-        <p:nvSpPr>
-          <p:cNvPr id="8" name="TextBox 7"/>
-          <p:cNvSpPr txBox="1"/>
-          <p:nvPr/>
-        </p:nvSpPr>
-        <p:spPr>
-          <a:xfrm>
-            <a:off x="3446585" y="2335209"/>
-            <a:ext cx="2371162" cy="461665"/>
-          </a:xfrm>
-          <a:prstGeom prst="rect">
-            <a:avLst/>
-          </a:prstGeom>
-          <a:noFill/>
-        </p:spPr>
-        <p:txBody>
-          <a:bodyPr wrap="none" rtlCol="0">
-            <a:spAutoFit/>
-          </a:bodyPr>
-          <a:lstStyle/>
-          <a:p>
-            <a:r>
-              <a:rPr lang="en-US" altLang="ko-KR" sz="2400" b="1" dirty="0"/>
-              <a:t>&gt;90% accuracy</a:t>
-            </a:r>
-            <a:endParaRPr lang="ko-KR" altLang="en-US" sz="2400" b="1" dirty="0"/>
-          </a:p>
-        </p:txBody>
-      </p:sp>
-      <p:sp>
-        <p:nvSpPr>
-          <p:cNvPr id="9" name="TextBox 8"/>
-          <p:cNvSpPr txBox="1"/>
-          <p:nvPr/>
-        </p:nvSpPr>
-        <p:spPr>
-          <a:xfrm>
-            <a:off x="3446585" y="4381863"/>
-            <a:ext cx="3300904" cy="738664"/>
-          </a:xfrm>
-          <a:prstGeom prst="rect">
-            <a:avLst/>
-          </a:prstGeom>
-          <a:noFill/>
-        </p:spPr>
-        <p:txBody>
-          <a:bodyPr wrap="none" rtlCol="0">
-            <a:spAutoFit/>
-          </a:bodyPr>
-          <a:lstStyle/>
-          <a:p>
-            <a:r>
-              <a:rPr lang="en-US" altLang="ko-KR" sz="2400" b="1" dirty="0"/>
-              <a:t>Respond continuously</a:t>
-            </a:r>
-          </a:p>
-          <a:p>
-            <a:r>
-              <a:rPr lang="en-US" altLang="ko-KR" dirty="0"/>
-              <a:t>by multithreading(Glide API)</a:t>
-            </a:r>
-          </a:p>
-        </p:txBody>
-      </p:sp>
-      <p:pic>
-        <p:nvPicPr>
-          <p:cNvPr id="16" name="그래픽 15" descr="반복"/>
-          <p:cNvPicPr>
-            <a:picLocks noChangeAspect="1"/>
-          </p:cNvPicPr>
-          <p:nvPr/>
-        </p:nvPicPr>
-        <p:blipFill>
-          <a:blip r:embed="rId5">
-            <a:extLst>
-              <a:ext uri="{28A0092B-C50C-407E-A947-70E740481C1C}">
-                <a14:useLocalDpi xmlns:a14="http://schemas.microsoft.com/office/drawing/2010/main" val="0"/>
-              </a:ext>
-              <a:ext uri="{96DAC541-7B7A-43D3-8B79-37D633B846F1}">
-                <asvg:svgBlip xmlns:asvg="http://schemas.microsoft.com/office/drawing/2016/SVG/main" r:embed="rId6"/>
-              </a:ext>
-            </a:extLst>
-          </a:blip>
-          <a:stretch>
-            <a:fillRect/>
-          </a:stretch>
-        </p:blipFill>
-        <p:spPr>
-          <a:xfrm>
-            <a:off x="1324124" y="3829318"/>
-            <a:ext cx="1751423" cy="1751423"/>
-          </a:xfrm>
-          <a:prstGeom prst="rect">
-            <a:avLst/>
-          </a:prstGeom>
-        </p:spPr>
-      </p:pic>
-    </p:spTree>
-    <p:extLst>
-      <p:ext uri="{BB962C8B-B14F-4D97-AF65-F5344CB8AC3E}">
-        <p14:creationId xmlns:p14="http://schemas.microsoft.com/office/powerpoint/2010/main" val="2285308020"/>
-      </p:ext>
-    </p:extLst>
-  </p:cSld>
-  <p:clrMapOvr>
-    <a:masterClrMapping/>
-  </p:clrMapOvr>
-  <p:transition>
-    <p:fade/>
-  </p:transition>
-</p:sld>
-</file>
-
 <file path=ppt/slides/slide14.xml><?xml version="1.0" encoding="utf-8"?>
 <p:sld xmlns:a="http://schemas.openxmlformats.org/drawingml/2006/main" xmlns:r="http://schemas.openxmlformats.org/officeDocument/2006/relationships" xmlns:p="http://schemas.openxmlformats.org/presentationml/2006/main">
   <p:cSld>
@@ -10513,6 +10513,835 @@
           <a:p>
             <a:r>
               <a:rPr lang="en-US" altLang="ko-KR" dirty="0"/>
+              <a:t>Current Status</a:t>
+            </a:r>
+            <a:endParaRPr lang="ko-KR" altLang="en-US" dirty="0"/>
+          </a:p>
+        </p:txBody>
+      </p:sp>
+      <p:pic>
+        <p:nvPicPr>
+          <p:cNvPr id="5" name="Picture 4"/>
+          <p:cNvPicPr>
+            <a:picLocks noChangeAspect="1"/>
+          </p:cNvPicPr>
+          <p:nvPr/>
+        </p:nvPicPr>
+        <p:blipFill rotWithShape="1">
+          <a:blip r:embed="rId3" cstate="print">
+            <a:duotone>
+              <a:schemeClr val="accent2">
+                <a:shade val="45000"/>
+                <a:satMod val="135000"/>
+              </a:schemeClr>
+              <a:prstClr val="white"/>
+            </a:duotone>
+            <a:extLst>
+              <a:ext uri="{28A0092B-C50C-407E-A947-70E740481C1C}">
+                <a14:useLocalDpi xmlns:a14="http://schemas.microsoft.com/office/drawing/2010/main" val="0"/>
+              </a:ext>
+            </a:extLst>
+          </a:blip>
+          <a:srcRect l="4326" r="6312" b="13759"/>
+          <a:stretch/>
+        </p:blipFill>
+        <p:spPr>
+          <a:xfrm>
+            <a:off x="1421400" y="1550243"/>
+            <a:ext cx="1846218" cy="1781747"/>
+          </a:xfrm>
+          <a:prstGeom prst="rect">
+            <a:avLst/>
+          </a:prstGeom>
+        </p:spPr>
+      </p:pic>
+      <p:pic>
+        <p:nvPicPr>
+          <p:cNvPr id="7" name="Picture 6"/>
+          <p:cNvPicPr>
+            <a:picLocks noChangeAspect="1"/>
+          </p:cNvPicPr>
+          <p:nvPr/>
+        </p:nvPicPr>
+        <p:blipFill rotWithShape="1">
+          <a:blip r:embed="rId4" cstate="print">
+            <a:clrChange>
+              <a:clrFrom>
+                <a:srgbClr val="000000">
+                  <a:alpha val="0"/>
+                </a:srgbClr>
+              </a:clrFrom>
+              <a:clrTo>
+                <a:srgbClr val="000000">
+                  <a:alpha val="0"/>
+                </a:srgbClr>
+              </a:clrTo>
+            </a:clrChange>
+            <a:alphaModFix/>
+            <a:duotone>
+              <a:schemeClr val="accent2">
+                <a:shade val="45000"/>
+                <a:satMod val="135000"/>
+              </a:schemeClr>
+              <a:prstClr val="white"/>
+            </a:duotone>
+            <a:extLst>
+              <a:ext uri="{28A0092B-C50C-407E-A947-70E740481C1C}">
+                <a14:useLocalDpi xmlns:a14="http://schemas.microsoft.com/office/drawing/2010/main" val="0"/>
+              </a:ext>
+            </a:extLst>
+          </a:blip>
+          <a:srcRect b="15146"/>
+          <a:stretch/>
+        </p:blipFill>
+        <p:spPr>
+          <a:xfrm>
+            <a:off x="1223207" y="3854996"/>
+            <a:ext cx="1931474" cy="1638936"/>
+          </a:xfrm>
+          <a:prstGeom prst="rect">
+            <a:avLst/>
+          </a:prstGeom>
+        </p:spPr>
+      </p:pic>
+      <p:sp>
+        <p:nvSpPr>
+          <p:cNvPr id="10" name="TextBox 9"/>
+          <p:cNvSpPr txBox="1"/>
+          <p:nvPr/>
+        </p:nvSpPr>
+        <p:spPr>
+          <a:xfrm>
+            <a:off x="3590689" y="3842246"/>
+            <a:ext cx="3538148" cy="1785104"/>
+          </a:xfrm>
+          <a:prstGeom prst="rect">
+            <a:avLst/>
+          </a:prstGeom>
+          <a:noFill/>
+        </p:spPr>
+        <p:txBody>
+          <a:bodyPr wrap="none" rtlCol="0">
+            <a:spAutoFit/>
+          </a:bodyPr>
+          <a:lstStyle/>
+          <a:p>
+            <a:pPr>
+              <a:lnSpc>
+                <a:spcPts val="3300"/>
+              </a:lnSpc>
+            </a:pPr>
+            <a:r>
+              <a:rPr lang="ko-KR" altLang="en-US" sz="2400" b="1" dirty="0"/>
+              <a:t>면담</a:t>
+            </a:r>
+            <a:endParaRPr lang="en-US" altLang="ko-KR" sz="2400" b="1" dirty="0"/>
+          </a:p>
+          <a:p>
+            <a:pPr marL="285750" indent="-285750">
+              <a:lnSpc>
+                <a:spcPts val="3300"/>
+              </a:lnSpc>
+              <a:buFontTx/>
+              <a:buChar char="-"/>
+            </a:pPr>
+            <a:r>
+              <a:rPr lang="en-US" altLang="ko-KR" dirty="0"/>
+              <a:t>AR</a:t>
+            </a:r>
+            <a:r>
+              <a:rPr lang="ko-KR" altLang="en-US" dirty="0"/>
+              <a:t> </a:t>
+            </a:r>
+            <a:r>
+              <a:rPr lang="en-US" altLang="ko-KR" dirty="0"/>
+              <a:t>Player </a:t>
+            </a:r>
+            <a:r>
+              <a:rPr lang="ko-KR" altLang="en-US" dirty="0"/>
+              <a:t>형식</a:t>
+            </a:r>
+            <a:r>
+              <a:rPr lang="en-US" altLang="ko-KR" dirty="0"/>
+              <a:t>,</a:t>
+            </a:r>
+            <a:r>
+              <a:rPr lang="ko-KR" altLang="en-US" dirty="0"/>
+              <a:t> 웹툰 원고</a:t>
+            </a:r>
+            <a:r>
+              <a:rPr lang="en-US" altLang="ko-KR" dirty="0"/>
+              <a:t> </a:t>
+            </a:r>
+            <a:r>
+              <a:rPr lang="ko-KR" altLang="en-US" dirty="0"/>
+              <a:t>선정</a:t>
+            </a:r>
+            <a:endParaRPr lang="en-US" altLang="ko-KR" dirty="0"/>
+          </a:p>
+          <a:p>
+            <a:pPr marL="285750" indent="-285750">
+              <a:lnSpc>
+                <a:spcPts val="3300"/>
+              </a:lnSpc>
+              <a:buFontTx/>
+              <a:buChar char="-"/>
+            </a:pPr>
+            <a:r>
+              <a:rPr lang="en-US" altLang="ko-KR" dirty="0"/>
+              <a:t>Study </a:t>
+            </a:r>
+            <a:r>
+              <a:rPr lang="ko-KR" altLang="en-US" dirty="0"/>
+              <a:t>분야 분담</a:t>
+            </a:r>
+            <a:endParaRPr lang="en-US" altLang="ko-KR" dirty="0"/>
+          </a:p>
+          <a:p>
+            <a:pPr marL="285750" indent="-285750">
+              <a:lnSpc>
+                <a:spcPts val="3300"/>
+              </a:lnSpc>
+              <a:buFontTx/>
+              <a:buChar char="-"/>
+            </a:pPr>
+            <a:r>
+              <a:rPr lang="ko-KR" altLang="en-US" dirty="0"/>
+              <a:t>메신저와 </a:t>
+            </a:r>
+            <a:r>
+              <a:rPr lang="en-US" altLang="ko-KR" dirty="0"/>
+              <a:t>GitHub</a:t>
+            </a:r>
+            <a:r>
+              <a:rPr lang="ko-KR" altLang="en-US" dirty="0"/>
+              <a:t>를 통한 소통</a:t>
+            </a:r>
+            <a:endParaRPr lang="en-US" altLang="ko-KR" dirty="0"/>
+          </a:p>
+        </p:txBody>
+      </p:sp>
+      <p:sp>
+        <p:nvSpPr>
+          <p:cNvPr id="12" name="TextBox 11"/>
+          <p:cNvSpPr txBox="1"/>
+          <p:nvPr/>
+        </p:nvSpPr>
+        <p:spPr>
+          <a:xfrm>
+            <a:off x="3559706" y="1573853"/>
+            <a:ext cx="3609321" cy="1361911"/>
+          </a:xfrm>
+          <a:prstGeom prst="rect">
+            <a:avLst/>
+          </a:prstGeom>
+          <a:noFill/>
+        </p:spPr>
+        <p:txBody>
+          <a:bodyPr wrap="none" rtlCol="0">
+            <a:spAutoFit/>
+          </a:bodyPr>
+          <a:lstStyle/>
+          <a:p>
+            <a:pPr>
+              <a:lnSpc>
+                <a:spcPts val="3300"/>
+              </a:lnSpc>
+            </a:pPr>
+            <a:r>
+              <a:rPr lang="ko-KR" altLang="en-US" sz="2400" b="1" dirty="0"/>
+              <a:t>스터디</a:t>
+            </a:r>
+            <a:endParaRPr lang="en-US" altLang="ko-KR" sz="2400" b="1" dirty="0"/>
+          </a:p>
+          <a:p>
+            <a:pPr marL="285750" indent="-285750">
+              <a:lnSpc>
+                <a:spcPts val="3300"/>
+              </a:lnSpc>
+              <a:buFontTx/>
+              <a:buChar char="-"/>
+            </a:pPr>
+            <a:r>
+              <a:rPr lang="en-US" altLang="ko-KR" dirty="0" err="1"/>
+              <a:t>TensorFlow</a:t>
+            </a:r>
+            <a:r>
+              <a:rPr lang="en-US" altLang="ko-KR" dirty="0"/>
+              <a:t>: Terms, MNIST,</a:t>
+            </a:r>
+            <a:r>
+              <a:rPr lang="ko-KR" altLang="en-US" dirty="0"/>
+              <a:t> </a:t>
+            </a:r>
+            <a:r>
+              <a:rPr lang="mr-IN" altLang="ko-KR" dirty="0"/>
+              <a:t>…</a:t>
+            </a:r>
+            <a:endParaRPr lang="en-US" altLang="ko-KR" dirty="0"/>
+          </a:p>
+          <a:p>
+            <a:pPr marL="285750" indent="-285750">
+              <a:lnSpc>
+                <a:spcPts val="3300"/>
+              </a:lnSpc>
+              <a:buFontTx/>
+              <a:buChar char="-"/>
+            </a:pPr>
+            <a:r>
+              <a:rPr lang="en-US" altLang="ko-KR" dirty="0"/>
+              <a:t>Android: Android API, </a:t>
+            </a:r>
+            <a:r>
+              <a:rPr lang="mr-IN" altLang="ko-KR" dirty="0"/>
+              <a:t>…</a:t>
+            </a:r>
+            <a:endParaRPr lang="en-US" altLang="ko-KR" dirty="0"/>
+          </a:p>
+        </p:txBody>
+      </p:sp>
+    </p:spTree>
+    <p:extLst>
+      <p:ext uri="{BB962C8B-B14F-4D97-AF65-F5344CB8AC3E}">
+        <p14:creationId xmlns:p14="http://schemas.microsoft.com/office/powerpoint/2010/main" val="1496718616"/>
+      </p:ext>
+    </p:extLst>
+  </p:cSld>
+  <p:clrMapOvr>
+    <a:masterClrMapping/>
+  </p:clrMapOvr>
+  <p:transition>
+    <p:fade/>
+  </p:transition>
+</p:sld>
+</file>
+
+<file path=ppt/slides/slide15.xml><?xml version="1.0" encoding="utf-8"?>
+<p:sld xmlns:a="http://schemas.openxmlformats.org/drawingml/2006/main" xmlns:r="http://schemas.openxmlformats.org/officeDocument/2006/relationships" xmlns:p="http://schemas.openxmlformats.org/presentationml/2006/main">
+  <p:cSld>
+    <p:spTree>
+      <p:nvGrpSpPr>
+        <p:cNvPr id="1" name=""/>
+        <p:cNvGrpSpPr/>
+        <p:nvPr/>
+      </p:nvGrpSpPr>
+      <p:grpSpPr>
+        <a:xfrm>
+          <a:off x="0" y="0"/>
+          <a:ext cx="0" cy="0"/>
+          <a:chOff x="0" y="0"/>
+          <a:chExt cx="0" cy="0"/>
+        </a:xfrm>
+      </p:grpSpPr>
+      <p:sp>
+        <p:nvSpPr>
+          <p:cNvPr id="4" name="제목 3"/>
+          <p:cNvSpPr>
+            <a:spLocks noGrp="1"/>
+          </p:cNvSpPr>
+          <p:nvPr>
+            <p:ph type="title"/>
+          </p:nvPr>
+        </p:nvSpPr>
+        <p:spPr>
+          <a:xfrm>
+            <a:off x="457200" y="366780"/>
+            <a:ext cx="8229600" cy="648404"/>
+          </a:xfrm>
+        </p:spPr>
+        <p:txBody>
+          <a:bodyPr/>
+          <a:lstStyle/>
+          <a:p>
+            <a:r>
+              <a:rPr lang="en-US" altLang="ko-KR" dirty="0"/>
+              <a:t>Further Plan</a:t>
+            </a:r>
+            <a:endParaRPr lang="ko-KR" altLang="en-US" dirty="0"/>
+          </a:p>
+        </p:txBody>
+      </p:sp>
+      <p:cxnSp>
+        <p:nvCxnSpPr>
+          <p:cNvPr id="10" name="직선 연결선 9"/>
+          <p:cNvCxnSpPr/>
+          <p:nvPr/>
+        </p:nvCxnSpPr>
+        <p:spPr>
+          <a:xfrm flipH="1">
+            <a:off x="1192945" y="1944909"/>
+            <a:ext cx="2" cy="3931477"/>
+          </a:xfrm>
+          <a:prstGeom prst="line">
+            <a:avLst/>
+          </a:prstGeom>
+          <a:ln w="38100">
+            <a:solidFill>
+              <a:schemeClr val="tx1">
+                <a:lumMod val="50000"/>
+                <a:lumOff val="50000"/>
+              </a:schemeClr>
+            </a:solidFill>
+          </a:ln>
+        </p:spPr>
+        <p:style>
+          <a:lnRef idx="1">
+            <a:schemeClr val="accent1"/>
+          </a:lnRef>
+          <a:fillRef idx="0">
+            <a:schemeClr val="accent1"/>
+          </a:fillRef>
+          <a:effectRef idx="0">
+            <a:schemeClr val="accent1"/>
+          </a:effectRef>
+          <a:fontRef idx="minor">
+            <a:schemeClr val="tx1"/>
+          </a:fontRef>
+        </p:style>
+      </p:cxnSp>
+      <p:sp>
+        <p:nvSpPr>
+          <p:cNvPr id="6" name="타원 5"/>
+          <p:cNvSpPr/>
+          <p:nvPr/>
+        </p:nvSpPr>
+        <p:spPr>
+          <a:xfrm>
+            <a:off x="803538" y="1564143"/>
+            <a:ext cx="761533" cy="761533"/>
+          </a:xfrm>
+          <a:prstGeom prst="ellipse">
+            <a:avLst/>
+          </a:prstGeom>
+          <a:solidFill>
+            <a:schemeClr val="bg1"/>
+          </a:solidFill>
+          <a:ln w="38100">
+            <a:solidFill>
+              <a:srgbClr val="00B050"/>
+            </a:solidFill>
+          </a:ln>
+        </p:spPr>
+        <p:style>
+          <a:lnRef idx="2">
+            <a:schemeClr val="accent1">
+              <a:shade val="50000"/>
+            </a:schemeClr>
+          </a:lnRef>
+          <a:fillRef idx="1">
+            <a:schemeClr val="accent1"/>
+          </a:fillRef>
+          <a:effectRef idx="0">
+            <a:schemeClr val="accent1"/>
+          </a:effectRef>
+          <a:fontRef idx="minor">
+            <a:schemeClr val="lt1"/>
+          </a:fontRef>
+        </p:style>
+        <p:txBody>
+          <a:bodyPr rtlCol="0" anchor="ctr"/>
+          <a:lstStyle/>
+          <a:p>
+            <a:pPr algn="ctr"/>
+            <a:endParaRPr lang="ko-KR" altLang="en-US" spc="80" dirty="0">
+              <a:solidFill>
+                <a:schemeClr val="bg1"/>
+              </a:solidFill>
+              <a:latin typeface="나눔고딕" pitchFamily="50" charset="-127"/>
+              <a:ea typeface="나눔고딕" pitchFamily="50" charset="-127"/>
+            </a:endParaRPr>
+          </a:p>
+        </p:txBody>
+      </p:sp>
+      <p:sp>
+        <p:nvSpPr>
+          <p:cNvPr id="7" name="타원 6"/>
+          <p:cNvSpPr/>
+          <p:nvPr/>
+        </p:nvSpPr>
+        <p:spPr>
+          <a:xfrm>
+            <a:off x="803537" y="2874636"/>
+            <a:ext cx="761533" cy="761533"/>
+          </a:xfrm>
+          <a:prstGeom prst="ellipse">
+            <a:avLst/>
+          </a:prstGeom>
+          <a:solidFill>
+            <a:schemeClr val="bg1"/>
+          </a:solidFill>
+          <a:ln w="38100">
+            <a:solidFill>
+              <a:srgbClr val="00B050"/>
+            </a:solidFill>
+          </a:ln>
+        </p:spPr>
+        <p:style>
+          <a:lnRef idx="2">
+            <a:schemeClr val="accent1">
+              <a:shade val="50000"/>
+            </a:schemeClr>
+          </a:lnRef>
+          <a:fillRef idx="1">
+            <a:schemeClr val="accent1"/>
+          </a:fillRef>
+          <a:effectRef idx="0">
+            <a:schemeClr val="accent1"/>
+          </a:effectRef>
+          <a:fontRef idx="minor">
+            <a:schemeClr val="lt1"/>
+          </a:fontRef>
+        </p:style>
+        <p:txBody>
+          <a:bodyPr rtlCol="0" anchor="ctr"/>
+          <a:lstStyle/>
+          <a:p>
+            <a:pPr algn="ctr"/>
+            <a:endParaRPr lang="ko-KR" altLang="en-US" spc="80" dirty="0">
+              <a:solidFill>
+                <a:schemeClr val="bg1"/>
+              </a:solidFill>
+              <a:latin typeface="나눔고딕" pitchFamily="50" charset="-127"/>
+              <a:ea typeface="나눔고딕" pitchFamily="50" charset="-127"/>
+            </a:endParaRPr>
+          </a:p>
+        </p:txBody>
+      </p:sp>
+      <p:sp>
+        <p:nvSpPr>
+          <p:cNvPr id="8" name="타원 7"/>
+          <p:cNvSpPr/>
+          <p:nvPr/>
+        </p:nvSpPr>
+        <p:spPr>
+          <a:xfrm>
+            <a:off x="803536" y="4185128"/>
+            <a:ext cx="761533" cy="761533"/>
+          </a:xfrm>
+          <a:prstGeom prst="ellipse">
+            <a:avLst/>
+          </a:prstGeom>
+          <a:solidFill>
+            <a:schemeClr val="bg1"/>
+          </a:solidFill>
+          <a:ln w="38100">
+            <a:solidFill>
+              <a:srgbClr val="00B050"/>
+            </a:solidFill>
+          </a:ln>
+        </p:spPr>
+        <p:style>
+          <a:lnRef idx="2">
+            <a:schemeClr val="accent1">
+              <a:shade val="50000"/>
+            </a:schemeClr>
+          </a:lnRef>
+          <a:fillRef idx="1">
+            <a:schemeClr val="accent1"/>
+          </a:fillRef>
+          <a:effectRef idx="0">
+            <a:schemeClr val="accent1"/>
+          </a:effectRef>
+          <a:fontRef idx="minor">
+            <a:schemeClr val="lt1"/>
+          </a:fontRef>
+        </p:style>
+        <p:txBody>
+          <a:bodyPr rtlCol="0" anchor="ctr"/>
+          <a:lstStyle/>
+          <a:p>
+            <a:pPr algn="ctr"/>
+            <a:endParaRPr lang="ko-KR" altLang="en-US" spc="80" dirty="0">
+              <a:solidFill>
+                <a:schemeClr val="bg1"/>
+              </a:solidFill>
+              <a:latin typeface="나눔고딕" pitchFamily="50" charset="-127"/>
+              <a:ea typeface="나눔고딕" pitchFamily="50" charset="-127"/>
+            </a:endParaRPr>
+          </a:p>
+        </p:txBody>
+      </p:sp>
+      <p:sp>
+        <p:nvSpPr>
+          <p:cNvPr id="9" name="타원 7"/>
+          <p:cNvSpPr/>
+          <p:nvPr/>
+        </p:nvSpPr>
+        <p:spPr>
+          <a:xfrm>
+            <a:off x="803536" y="5495620"/>
+            <a:ext cx="761533" cy="761533"/>
+          </a:xfrm>
+          <a:prstGeom prst="ellipse">
+            <a:avLst/>
+          </a:prstGeom>
+          <a:solidFill>
+            <a:schemeClr val="bg1"/>
+          </a:solidFill>
+          <a:ln w="38100">
+            <a:solidFill>
+              <a:srgbClr val="00B050"/>
+            </a:solidFill>
+          </a:ln>
+        </p:spPr>
+        <p:style>
+          <a:lnRef idx="2">
+            <a:schemeClr val="accent1">
+              <a:shade val="50000"/>
+            </a:schemeClr>
+          </a:lnRef>
+          <a:fillRef idx="1">
+            <a:schemeClr val="accent1"/>
+          </a:fillRef>
+          <a:effectRef idx="0">
+            <a:schemeClr val="accent1"/>
+          </a:effectRef>
+          <a:fontRef idx="minor">
+            <a:schemeClr val="lt1"/>
+          </a:fontRef>
+        </p:style>
+        <p:txBody>
+          <a:bodyPr rtlCol="0" anchor="ctr"/>
+          <a:lstStyle/>
+          <a:p>
+            <a:pPr algn="ctr"/>
+            <a:endParaRPr lang="ko-KR" altLang="en-US" spc="80" dirty="0">
+              <a:solidFill>
+                <a:schemeClr val="bg1"/>
+              </a:solidFill>
+              <a:latin typeface="나눔고딕" pitchFamily="50" charset="-127"/>
+              <a:ea typeface="나눔고딕" pitchFamily="50" charset="-127"/>
+            </a:endParaRPr>
+          </a:p>
+        </p:txBody>
+      </p:sp>
+      <p:sp>
+        <p:nvSpPr>
+          <p:cNvPr id="11" name="TextBox 10"/>
+          <p:cNvSpPr txBox="1"/>
+          <p:nvPr/>
+        </p:nvSpPr>
+        <p:spPr>
+          <a:xfrm>
+            <a:off x="1740470" y="1714076"/>
+            <a:ext cx="5886015" cy="461665"/>
+          </a:xfrm>
+          <a:prstGeom prst="rect">
+            <a:avLst/>
+          </a:prstGeom>
+          <a:noFill/>
+        </p:spPr>
+        <p:txBody>
+          <a:bodyPr wrap="square" rtlCol="0">
+            <a:spAutoFit/>
+          </a:bodyPr>
+          <a:lstStyle/>
+          <a:p>
+            <a:r>
+              <a:rPr lang="en-US" altLang="ko-KR" sz="2400" dirty="0" err="1"/>
+              <a:t>TensorFlow</a:t>
+            </a:r>
+            <a:r>
+              <a:rPr lang="ko-KR" altLang="en-US" sz="2400" dirty="0"/>
+              <a:t> </a:t>
+            </a:r>
+            <a:r>
+              <a:rPr lang="en-US" altLang="ko-KR" dirty="0"/>
+              <a:t>CNN, Training Datasets, </a:t>
+            </a:r>
+            <a:r>
+              <a:rPr lang="mr-IN" altLang="ko-KR" dirty="0"/>
+              <a:t>…</a:t>
+            </a:r>
+            <a:endParaRPr lang="ko-KR" altLang="en-US" dirty="0"/>
+          </a:p>
+        </p:txBody>
+      </p:sp>
+      <p:sp>
+        <p:nvSpPr>
+          <p:cNvPr id="13" name="TextBox 12"/>
+          <p:cNvSpPr txBox="1"/>
+          <p:nvPr/>
+        </p:nvSpPr>
+        <p:spPr>
+          <a:xfrm>
+            <a:off x="1740470" y="3024569"/>
+            <a:ext cx="5516364" cy="461665"/>
+          </a:xfrm>
+          <a:prstGeom prst="rect">
+            <a:avLst/>
+          </a:prstGeom>
+          <a:noFill/>
+        </p:spPr>
+        <p:txBody>
+          <a:bodyPr wrap="square" rtlCol="0">
+            <a:spAutoFit/>
+          </a:bodyPr>
+          <a:lstStyle/>
+          <a:p>
+            <a:r>
+              <a:rPr lang="en-US" altLang="ko-KR" sz="2400" dirty="0"/>
+              <a:t>Android</a:t>
+            </a:r>
+            <a:r>
+              <a:rPr lang="ko-KR" altLang="en-US" sz="2400" dirty="0"/>
+              <a:t> </a:t>
+            </a:r>
+            <a:r>
+              <a:rPr lang="en-US" altLang="ko-KR" dirty="0" err="1"/>
+              <a:t>RecyclerView</a:t>
+            </a:r>
+            <a:r>
+              <a:rPr lang="en-US" altLang="ko-KR" dirty="0"/>
+              <a:t>, Activity Life Cycle, </a:t>
+            </a:r>
+            <a:r>
+              <a:rPr lang="mr-IN" altLang="ko-KR" dirty="0"/>
+              <a:t>…</a:t>
+            </a:r>
+            <a:endParaRPr lang="ko-KR" altLang="en-US" dirty="0"/>
+          </a:p>
+        </p:txBody>
+      </p:sp>
+      <p:sp>
+        <p:nvSpPr>
+          <p:cNvPr id="14" name="TextBox 13"/>
+          <p:cNvSpPr txBox="1"/>
+          <p:nvPr/>
+        </p:nvSpPr>
+        <p:spPr>
+          <a:xfrm>
+            <a:off x="1740470" y="4335061"/>
+            <a:ext cx="4824551" cy="461665"/>
+          </a:xfrm>
+          <a:prstGeom prst="rect">
+            <a:avLst/>
+          </a:prstGeom>
+          <a:noFill/>
+        </p:spPr>
+        <p:txBody>
+          <a:bodyPr wrap="square" rtlCol="0">
+            <a:spAutoFit/>
+          </a:bodyPr>
+          <a:lstStyle/>
+          <a:p>
+            <a:r>
+              <a:rPr lang="en-US" altLang="ko-KR" sz="2400" dirty="0"/>
+              <a:t>Graphics</a:t>
+            </a:r>
+            <a:r>
+              <a:rPr lang="ko-KR" altLang="en-US" sz="2400" dirty="0"/>
+              <a:t> </a:t>
+            </a:r>
+            <a:r>
+              <a:rPr lang="en-US" altLang="ko-KR" dirty="0" err="1"/>
+              <a:t>openGL</a:t>
+            </a:r>
+            <a:r>
+              <a:rPr lang="en-US" altLang="ko-KR" dirty="0"/>
+              <a:t>, Glide, </a:t>
+            </a:r>
+            <a:r>
+              <a:rPr lang="mr-IN" altLang="ko-KR" dirty="0"/>
+              <a:t>…</a:t>
+            </a:r>
+            <a:endParaRPr lang="ko-KR" altLang="en-US" dirty="0"/>
+          </a:p>
+        </p:txBody>
+      </p:sp>
+      <p:sp>
+        <p:nvSpPr>
+          <p:cNvPr id="15" name="TextBox 14"/>
+          <p:cNvSpPr txBox="1"/>
+          <p:nvPr/>
+        </p:nvSpPr>
+        <p:spPr>
+          <a:xfrm>
+            <a:off x="1740469" y="5645553"/>
+            <a:ext cx="4824551" cy="461665"/>
+          </a:xfrm>
+          <a:prstGeom prst="rect">
+            <a:avLst/>
+          </a:prstGeom>
+          <a:noFill/>
+        </p:spPr>
+        <p:txBody>
+          <a:bodyPr wrap="square" rtlCol="0">
+            <a:spAutoFit/>
+          </a:bodyPr>
+          <a:lstStyle/>
+          <a:p>
+            <a:r>
+              <a:rPr lang="en-US" altLang="ko-KR" sz="2400" dirty="0"/>
+              <a:t>Database </a:t>
+            </a:r>
+            <a:r>
+              <a:rPr lang="en-US" altLang="ko-KR" dirty="0"/>
+              <a:t>SQLite, realm, </a:t>
+            </a:r>
+            <a:r>
+              <a:rPr lang="mr-IN" altLang="ko-KR" dirty="0"/>
+              <a:t>…</a:t>
+            </a:r>
+            <a:endParaRPr lang="ko-KR" altLang="en-US" dirty="0"/>
+          </a:p>
+        </p:txBody>
+      </p:sp>
+    </p:spTree>
+    <p:extLst>
+      <p:ext uri="{BB962C8B-B14F-4D97-AF65-F5344CB8AC3E}">
+        <p14:creationId xmlns:p14="http://schemas.microsoft.com/office/powerpoint/2010/main" val="475326152"/>
+      </p:ext>
+    </p:extLst>
+  </p:cSld>
+  <p:clrMapOvr>
+    <a:masterClrMapping/>
+  </p:clrMapOvr>
+  <p:transition>
+    <p:fade/>
+  </p:transition>
+</p:sld>
+</file>
+
+<file path=ppt/slides/slide16.xml><?xml version="1.0" encoding="utf-8"?>
+<p:sld xmlns:a="http://schemas.openxmlformats.org/drawingml/2006/main" xmlns:r="http://schemas.openxmlformats.org/officeDocument/2006/relationships" xmlns:p="http://schemas.openxmlformats.org/presentationml/2006/main">
+  <p:cSld>
+    <p:spTree>
+      <p:nvGrpSpPr>
+        <p:cNvPr id="1" name=""/>
+        <p:cNvGrpSpPr/>
+        <p:nvPr/>
+      </p:nvGrpSpPr>
+      <p:grpSpPr>
+        <a:xfrm>
+          <a:off x="0" y="0"/>
+          <a:ext cx="0" cy="0"/>
+          <a:chOff x="0" y="0"/>
+          <a:chExt cx="0" cy="0"/>
+        </a:xfrm>
+      </p:grpSpPr>
+      <p:sp>
+        <p:nvSpPr>
+          <p:cNvPr id="4" name="제목 3"/>
+          <p:cNvSpPr>
+            <a:spLocks noGrp="1"/>
+          </p:cNvSpPr>
+          <p:nvPr>
+            <p:ph type="title"/>
+          </p:nvPr>
+        </p:nvSpPr>
+        <p:spPr>
+          <a:xfrm>
+            <a:off x="457200" y="366780"/>
+            <a:ext cx="8229600" cy="648404"/>
+          </a:xfrm>
+        </p:spPr>
+        <p:txBody>
+          <a:bodyPr/>
+          <a:lstStyle/>
+          <a:p>
+            <a:r>
+              <a:rPr lang="en-US" altLang="ko-KR" dirty="0"/>
               <a:t>Division and Assignment of Work</a:t>
             </a:r>
             <a:endParaRPr lang="ko-KR" altLang="en-US" dirty="0"/>
@@ -10531,8 +11360,8 @@
         </p:nvSpPr>
         <p:spPr bwMode="auto">
           <a:xfrm>
-            <a:off x="894525" y="1340165"/>
-            <a:ext cx="7212231" cy="1471557"/>
+            <a:off x="894525" y="1562982"/>
+            <a:ext cx="7212231" cy="1025922"/>
           </a:xfrm>
           <a:prstGeom prst="rect">
             <a:avLst/>
@@ -10675,48 +11504,6 @@
               </a:solidFill>
               <a:latin typeface="Arial" panose="020B0604020202020204" pitchFamily="34" charset="0"/>
               <a:cs typeface="Arial" panose="020B0604020202020204" pitchFamily="34" charset="0"/>
-            </a:endParaRPr>
-          </a:p>
-          <a:p>
-            <a:pPr marR="0" lvl="0" algn="l" defTabSz="914400" rtl="0" eaLnBrk="0" fontAlgn="base" latinLnBrk="0" hangingPunct="0">
-              <a:lnSpc>
-                <a:spcPts val="4000"/>
-              </a:lnSpc>
-              <a:spcBef>
-                <a:spcPct val="0"/>
-              </a:spcBef>
-              <a:spcAft>
-                <a:spcPct val="0"/>
-              </a:spcAft>
-              <a:buClrTx/>
-              <a:buSzTx/>
-              <a:buFontTx/>
-              <a:buChar char="-"/>
-              <a:tabLst/>
-            </a:pPr>
-            <a:r>
-              <a:rPr kumimoji="0" lang="ko-KR" altLang="en-US" sz="2000" b="0" i="0" u="none" strike="noStrike" cap="none" normalizeH="0" baseline="0" dirty="0">
-                <a:ln>
-                  <a:noFill/>
-                </a:ln>
-                <a:solidFill>
-                  <a:srgbClr val="000000"/>
-                </a:solidFill>
-                <a:effectLst/>
-                <a:latin typeface="Arial" panose="020B0604020202020204" pitchFamily="34" charset="0"/>
-                <a:cs typeface="Arial" panose="020B0604020202020204" pitchFamily="34" charset="0"/>
-              </a:rPr>
-              <a:t>하위 분야는 상황에 따라 분담</a:t>
-            </a:r>
-            <a:endParaRPr kumimoji="0" lang="ko-KR" altLang="ko-KR" sz="4800" b="0" i="0" u="none" strike="noStrike" cap="none" normalizeH="0" baseline="0" dirty="0">
-              <a:ln>
-                <a:noFill/>
-              </a:ln>
-              <a:solidFill>
-                <a:schemeClr val="tx1"/>
-              </a:solidFill>
-              <a:effectLst/>
-              <a:latin typeface="Arial" panose="020B0604020202020204" pitchFamily="34" charset="0"/>
             </a:endParaRPr>
           </a:p>
         </p:txBody>
@@ -10917,8 +11704,8 @@
           </p:nvSpPr>
           <p:spPr>
             <a:xfrm>
-              <a:off x="2015918" y="4038647"/>
-              <a:ext cx="2003898" cy="369332"/>
+              <a:off x="2015917" y="4038647"/>
+              <a:ext cx="2680025" cy="369332"/>
             </a:xfrm>
             <a:prstGeom prst="rect">
               <a:avLst/>
@@ -10935,6 +11722,14 @@
               <a:r>
                 <a:rPr lang="ko-KR" altLang="en-US" dirty="0"/>
                 <a:t>강민지 </a:t>
+              </a:r>
+              <a:r>
+                <a:rPr lang="ko-KR" altLang="en-US" dirty="0" err="1"/>
+                <a:t>핌언</a:t>
+              </a:r>
+              <a:r>
+                <a:rPr lang="ko-KR" altLang="en-US" dirty="0"/>
+                <a:t> </a:t>
               </a:r>
               <a:r>
                 <a:rPr lang="en-US" altLang="ko-KR" sz="1400" dirty="0" err="1"/>
@@ -10969,7 +11764,7 @@
               <a:pPr algn="ctr"/>
               <a:r>
                 <a:rPr lang="ko-KR" altLang="en-US" dirty="0"/>
-                <a:t>원종훈 핌언 </a:t>
+                <a:t>원종훈 </a:t>
               </a:r>
               <a:r>
                 <a:rPr lang="en-US" altLang="ko-KR" sz="1400" dirty="0"/>
@@ -10984,849 +11779,6 @@
     <p:extLst>
       <p:ext uri="{BB962C8B-B14F-4D97-AF65-F5344CB8AC3E}">
         <p14:creationId xmlns:p14="http://schemas.microsoft.com/office/powerpoint/2010/main" val="1461754398"/>
-      </p:ext>
-    </p:extLst>
-  </p:cSld>
-  <p:clrMapOvr>
-    <a:masterClrMapping/>
-  </p:clrMapOvr>
-  <p:transition>
-    <p:fade/>
-  </p:transition>
-</p:sld>
-</file>
-
-<file path=ppt/slides/slide15.xml><?xml version="1.0" encoding="utf-8"?>
-<p:sld xmlns:a="http://schemas.openxmlformats.org/drawingml/2006/main" xmlns:r="http://schemas.openxmlformats.org/officeDocument/2006/relationships" xmlns:p="http://schemas.openxmlformats.org/presentationml/2006/main">
-  <p:cSld>
-    <p:spTree>
-      <p:nvGrpSpPr>
-        <p:cNvPr id="1" name=""/>
-        <p:cNvGrpSpPr/>
-        <p:nvPr/>
-      </p:nvGrpSpPr>
-      <p:grpSpPr>
-        <a:xfrm>
-          <a:off x="0" y="0"/>
-          <a:ext cx="0" cy="0"/>
-          <a:chOff x="0" y="0"/>
-          <a:chExt cx="0" cy="0"/>
-        </a:xfrm>
-      </p:grpSpPr>
-      <p:sp>
-        <p:nvSpPr>
-          <p:cNvPr id="4" name="제목 3"/>
-          <p:cNvSpPr>
-            <a:spLocks noGrp="1"/>
-          </p:cNvSpPr>
-          <p:nvPr>
-            <p:ph type="title"/>
-          </p:nvPr>
-        </p:nvSpPr>
-        <p:spPr>
-          <a:xfrm>
-            <a:off x="457200" y="366780"/>
-            <a:ext cx="8229600" cy="648404"/>
-          </a:xfrm>
-        </p:spPr>
-        <p:txBody>
-          <a:bodyPr/>
-          <a:lstStyle/>
-          <a:p>
-            <a:r>
-              <a:rPr lang="en-US" altLang="ko-KR" dirty="0"/>
-              <a:t>Current Status</a:t>
-            </a:r>
-            <a:endParaRPr lang="ko-KR" altLang="en-US" dirty="0"/>
-          </a:p>
-        </p:txBody>
-      </p:sp>
-      <p:pic>
-        <p:nvPicPr>
-          <p:cNvPr id="5" name="Picture 4"/>
-          <p:cNvPicPr>
-            <a:picLocks noChangeAspect="1"/>
-          </p:cNvPicPr>
-          <p:nvPr/>
-        </p:nvPicPr>
-        <p:blipFill rotWithShape="1">
-          <a:blip r:embed="rId3" cstate="print">
-            <a:duotone>
-              <a:schemeClr val="accent2">
-                <a:shade val="45000"/>
-                <a:satMod val="135000"/>
-              </a:schemeClr>
-              <a:prstClr val="white"/>
-            </a:duotone>
-            <a:extLst>
-              <a:ext uri="{28A0092B-C50C-407E-A947-70E740481C1C}">
-                <a14:useLocalDpi xmlns:a14="http://schemas.microsoft.com/office/drawing/2010/main" val="0"/>
-              </a:ext>
-            </a:extLst>
-          </a:blip>
-          <a:srcRect l="4326" r="6312" b="13759"/>
-          <a:stretch/>
-        </p:blipFill>
-        <p:spPr>
-          <a:xfrm>
-            <a:off x="1421400" y="3970436"/>
-            <a:ext cx="1846218" cy="1781747"/>
-          </a:xfrm>
-          <a:prstGeom prst="rect">
-            <a:avLst/>
-          </a:prstGeom>
-        </p:spPr>
-      </p:pic>
-      <p:pic>
-        <p:nvPicPr>
-          <p:cNvPr id="7" name="Picture 6"/>
-          <p:cNvPicPr>
-            <a:picLocks noChangeAspect="1"/>
-          </p:cNvPicPr>
-          <p:nvPr/>
-        </p:nvPicPr>
-        <p:blipFill rotWithShape="1">
-          <a:blip r:embed="rId4" cstate="print">
-            <a:clrChange>
-              <a:clrFrom>
-                <a:srgbClr val="000000">
-                  <a:alpha val="0"/>
-                </a:srgbClr>
-              </a:clrFrom>
-              <a:clrTo>
-                <a:srgbClr val="000000">
-                  <a:alpha val="0"/>
-                </a:srgbClr>
-              </a:clrTo>
-            </a:clrChange>
-            <a:alphaModFix/>
-            <a:duotone>
-              <a:schemeClr val="accent2">
-                <a:shade val="45000"/>
-                <a:satMod val="135000"/>
-              </a:schemeClr>
-              <a:prstClr val="white"/>
-            </a:duotone>
-            <a:extLst>
-              <a:ext uri="{28A0092B-C50C-407E-A947-70E740481C1C}">
-                <a14:useLocalDpi xmlns:a14="http://schemas.microsoft.com/office/drawing/2010/main" val="0"/>
-              </a:ext>
-            </a:extLst>
-          </a:blip>
-          <a:srcRect b="15146"/>
-          <a:stretch/>
-        </p:blipFill>
-        <p:spPr>
-          <a:xfrm>
-            <a:off x="1223207" y="1673342"/>
-            <a:ext cx="1931474" cy="1638936"/>
-          </a:xfrm>
-          <a:prstGeom prst="rect">
-            <a:avLst/>
-          </a:prstGeom>
-        </p:spPr>
-      </p:pic>
-      <p:sp>
-        <p:nvSpPr>
-          <p:cNvPr id="10" name="TextBox 9"/>
-          <p:cNvSpPr txBox="1"/>
-          <p:nvPr/>
-        </p:nvSpPr>
-        <p:spPr>
-          <a:xfrm>
-            <a:off x="3431663" y="1586078"/>
-            <a:ext cx="3384260" cy="1734706"/>
-          </a:xfrm>
-          <a:prstGeom prst="rect">
-            <a:avLst/>
-          </a:prstGeom>
-          <a:noFill/>
-        </p:spPr>
-        <p:txBody>
-          <a:bodyPr wrap="none" rtlCol="0">
-            <a:spAutoFit/>
-          </a:bodyPr>
-          <a:lstStyle/>
-          <a:p>
-            <a:pPr>
-              <a:lnSpc>
-                <a:spcPts val="3300"/>
-              </a:lnSpc>
-            </a:pPr>
-            <a:r>
-              <a:rPr lang="ko-KR" altLang="en-US" sz="2400" b="1" dirty="0"/>
-              <a:t>면담</a:t>
-            </a:r>
-            <a:endParaRPr lang="en-US" altLang="ko-KR" sz="2400" b="1" dirty="0"/>
-          </a:p>
-          <a:p>
-            <a:pPr marL="285750" indent="-285750">
-              <a:lnSpc>
-                <a:spcPts val="3300"/>
-              </a:lnSpc>
-              <a:buFontTx/>
-              <a:buChar char="-"/>
-            </a:pPr>
-            <a:r>
-              <a:rPr lang="en-US" altLang="ko-KR" dirty="0"/>
-              <a:t>AR</a:t>
-            </a:r>
-            <a:r>
-              <a:rPr lang="ko-KR" altLang="en-US" dirty="0"/>
-              <a:t> </a:t>
-            </a:r>
-            <a:r>
-              <a:rPr lang="en-US" altLang="ko-KR" dirty="0"/>
-              <a:t>Player </a:t>
-            </a:r>
-            <a:r>
-              <a:rPr lang="ko-KR" altLang="en-US" dirty="0"/>
-              <a:t>형식</a:t>
-            </a:r>
-            <a:r>
-              <a:rPr lang="en-US" altLang="ko-KR" dirty="0"/>
-              <a:t>,</a:t>
-            </a:r>
-            <a:r>
-              <a:rPr lang="ko-KR" altLang="en-US" dirty="0"/>
-              <a:t> </a:t>
-            </a:r>
-            <a:r>
-              <a:rPr lang="en-US" altLang="ko-KR" dirty="0"/>
-              <a:t>Source </a:t>
-            </a:r>
-            <a:r>
-              <a:rPr lang="ko-KR" altLang="en-US" dirty="0"/>
-              <a:t>선택</a:t>
-            </a:r>
-            <a:endParaRPr lang="en-US" altLang="ko-KR" dirty="0"/>
-          </a:p>
-          <a:p>
-            <a:pPr marL="285750" indent="-285750">
-              <a:lnSpc>
-                <a:spcPts val="3300"/>
-              </a:lnSpc>
-              <a:buFontTx/>
-              <a:buChar char="-"/>
-            </a:pPr>
-            <a:r>
-              <a:rPr lang="en-US" altLang="ko-KR" dirty="0"/>
-              <a:t>Study </a:t>
-            </a:r>
-            <a:r>
-              <a:rPr lang="ko-KR" altLang="en-US" dirty="0"/>
-              <a:t>분야 분담</a:t>
-            </a:r>
-            <a:endParaRPr lang="en-US" altLang="ko-KR" dirty="0"/>
-          </a:p>
-          <a:p>
-            <a:pPr marL="285750" indent="-285750">
-              <a:lnSpc>
-                <a:spcPts val="3300"/>
-              </a:lnSpc>
-              <a:buFontTx/>
-              <a:buChar char="-"/>
-            </a:pPr>
-            <a:r>
-              <a:rPr lang="ko-KR" altLang="en-US" dirty="0"/>
-              <a:t>메신저와 </a:t>
-            </a:r>
-            <a:r>
-              <a:rPr lang="en-US" altLang="ko-KR" dirty="0"/>
-              <a:t>GitHub</a:t>
-            </a:r>
-            <a:r>
-              <a:rPr lang="ko-KR" altLang="en-US" dirty="0"/>
-              <a:t>를 통한 소통</a:t>
-            </a:r>
-            <a:endParaRPr lang="en-US" altLang="ko-KR" dirty="0"/>
-          </a:p>
-        </p:txBody>
-      </p:sp>
-      <p:sp>
-        <p:nvSpPr>
-          <p:cNvPr id="12" name="TextBox 11"/>
-          <p:cNvSpPr txBox="1"/>
-          <p:nvPr/>
-        </p:nvSpPr>
-        <p:spPr>
-          <a:xfrm>
-            <a:off x="3425526" y="3994046"/>
-            <a:ext cx="3609321" cy="1734706"/>
-          </a:xfrm>
-          <a:prstGeom prst="rect">
-            <a:avLst/>
-          </a:prstGeom>
-          <a:noFill/>
-        </p:spPr>
-        <p:txBody>
-          <a:bodyPr wrap="none" rtlCol="0">
-            <a:spAutoFit/>
-          </a:bodyPr>
-          <a:lstStyle/>
-          <a:p>
-            <a:pPr>
-              <a:lnSpc>
-                <a:spcPts val="3300"/>
-              </a:lnSpc>
-            </a:pPr>
-            <a:r>
-              <a:rPr lang="ko-KR" altLang="en-US" sz="2400" b="1" dirty="0"/>
-              <a:t>스터디</a:t>
-            </a:r>
-            <a:endParaRPr lang="en-US" altLang="ko-KR" sz="2400" b="1" dirty="0"/>
-          </a:p>
-          <a:p>
-            <a:pPr marL="285750" indent="-285750">
-              <a:lnSpc>
-                <a:spcPts val="3300"/>
-              </a:lnSpc>
-              <a:buFontTx/>
-              <a:buChar char="-"/>
-            </a:pPr>
-            <a:r>
-              <a:rPr lang="ko-KR" altLang="en-US" dirty="0"/>
-              <a:t>앞으로 배워야 할 내용 설정</a:t>
-            </a:r>
-            <a:endParaRPr lang="en-US" altLang="ko-KR" dirty="0"/>
-          </a:p>
-          <a:p>
-            <a:pPr marL="285750" indent="-285750">
-              <a:lnSpc>
-                <a:spcPts val="3300"/>
-              </a:lnSpc>
-              <a:buFontTx/>
-              <a:buChar char="-"/>
-            </a:pPr>
-            <a:r>
-              <a:rPr lang="en-US" altLang="ko-KR" dirty="0" err="1"/>
-              <a:t>TensorFlow</a:t>
-            </a:r>
-            <a:r>
-              <a:rPr lang="en-US" altLang="ko-KR" dirty="0"/>
-              <a:t>: Terms, MNIST,</a:t>
-            </a:r>
-            <a:r>
-              <a:rPr lang="ko-KR" altLang="en-US" dirty="0"/>
-              <a:t> </a:t>
-            </a:r>
-            <a:r>
-              <a:rPr lang="mr-IN" altLang="ko-KR" dirty="0"/>
-              <a:t>…</a:t>
-            </a:r>
-            <a:endParaRPr lang="en-US" altLang="ko-KR" dirty="0"/>
-          </a:p>
-          <a:p>
-            <a:pPr marL="285750" indent="-285750">
-              <a:lnSpc>
-                <a:spcPts val="3300"/>
-              </a:lnSpc>
-              <a:buFontTx/>
-              <a:buChar char="-"/>
-            </a:pPr>
-            <a:r>
-              <a:rPr lang="en-US" altLang="ko-KR" dirty="0"/>
-              <a:t>Android: Android Studio, </a:t>
-            </a:r>
-            <a:r>
-              <a:rPr lang="mr-IN" altLang="ko-KR" dirty="0"/>
-              <a:t>…</a:t>
-            </a:r>
-            <a:endParaRPr lang="en-US" altLang="ko-KR" dirty="0"/>
-          </a:p>
-        </p:txBody>
-      </p:sp>
-    </p:spTree>
-    <p:extLst>
-      <p:ext uri="{BB962C8B-B14F-4D97-AF65-F5344CB8AC3E}">
-        <p14:creationId xmlns:p14="http://schemas.microsoft.com/office/powerpoint/2010/main" val="1496718616"/>
-      </p:ext>
-    </p:extLst>
-  </p:cSld>
-  <p:clrMapOvr>
-    <a:masterClrMapping/>
-  </p:clrMapOvr>
-  <p:transition>
-    <p:fade/>
-  </p:transition>
-</p:sld>
-</file>
-
-<file path=ppt/slides/slide16.xml><?xml version="1.0" encoding="utf-8"?>
-<p:sld xmlns:a="http://schemas.openxmlformats.org/drawingml/2006/main" xmlns:r="http://schemas.openxmlformats.org/officeDocument/2006/relationships" xmlns:p="http://schemas.openxmlformats.org/presentationml/2006/main">
-  <p:cSld>
-    <p:spTree>
-      <p:nvGrpSpPr>
-        <p:cNvPr id="1" name=""/>
-        <p:cNvGrpSpPr/>
-        <p:nvPr/>
-      </p:nvGrpSpPr>
-      <p:grpSpPr>
-        <a:xfrm>
-          <a:off x="0" y="0"/>
-          <a:ext cx="0" cy="0"/>
-          <a:chOff x="0" y="0"/>
-          <a:chExt cx="0" cy="0"/>
-        </a:xfrm>
-      </p:grpSpPr>
-      <p:sp>
-        <p:nvSpPr>
-          <p:cNvPr id="4" name="제목 3"/>
-          <p:cNvSpPr>
-            <a:spLocks noGrp="1"/>
-          </p:cNvSpPr>
-          <p:nvPr>
-            <p:ph type="title"/>
-          </p:nvPr>
-        </p:nvSpPr>
-        <p:spPr>
-          <a:xfrm>
-            <a:off x="457200" y="366780"/>
-            <a:ext cx="8229600" cy="648404"/>
-          </a:xfrm>
-        </p:spPr>
-        <p:txBody>
-          <a:bodyPr/>
-          <a:lstStyle/>
-          <a:p>
-            <a:r>
-              <a:rPr lang="en-US" altLang="ko-KR" dirty="0"/>
-              <a:t>Further Plan</a:t>
-            </a:r>
-            <a:endParaRPr lang="ko-KR" altLang="en-US" dirty="0"/>
-          </a:p>
-        </p:txBody>
-      </p:sp>
-      <p:cxnSp>
-        <p:nvCxnSpPr>
-          <p:cNvPr id="10" name="직선 연결선 9"/>
-          <p:cNvCxnSpPr/>
-          <p:nvPr/>
-        </p:nvCxnSpPr>
-        <p:spPr>
-          <a:xfrm flipH="1">
-            <a:off x="1192945" y="1944909"/>
-            <a:ext cx="2" cy="3931477"/>
-          </a:xfrm>
-          <a:prstGeom prst="line">
-            <a:avLst/>
-          </a:prstGeom>
-          <a:ln w="38100">
-            <a:solidFill>
-              <a:schemeClr val="tx1">
-                <a:lumMod val="50000"/>
-                <a:lumOff val="50000"/>
-              </a:schemeClr>
-            </a:solidFill>
-          </a:ln>
-        </p:spPr>
-        <p:style>
-          <a:lnRef idx="1">
-            <a:schemeClr val="accent1"/>
-          </a:lnRef>
-          <a:fillRef idx="0">
-            <a:schemeClr val="accent1"/>
-          </a:fillRef>
-          <a:effectRef idx="0">
-            <a:schemeClr val="accent1"/>
-          </a:effectRef>
-          <a:fontRef idx="minor">
-            <a:schemeClr val="tx1"/>
-          </a:fontRef>
-        </p:style>
-      </p:cxnSp>
-      <p:sp>
-        <p:nvSpPr>
-          <p:cNvPr id="6" name="타원 5"/>
-          <p:cNvSpPr/>
-          <p:nvPr/>
-        </p:nvSpPr>
-        <p:spPr>
-          <a:xfrm>
-            <a:off x="803538" y="1564143"/>
-            <a:ext cx="761533" cy="761533"/>
-          </a:xfrm>
-          <a:prstGeom prst="ellipse">
-            <a:avLst/>
-          </a:prstGeom>
-          <a:solidFill>
-            <a:schemeClr val="bg1"/>
-          </a:solidFill>
-          <a:ln w="38100">
-            <a:solidFill>
-              <a:srgbClr val="00B050"/>
-            </a:solidFill>
-          </a:ln>
-        </p:spPr>
-        <p:style>
-          <a:lnRef idx="2">
-            <a:schemeClr val="accent1">
-              <a:shade val="50000"/>
-            </a:schemeClr>
-          </a:lnRef>
-          <a:fillRef idx="1">
-            <a:schemeClr val="accent1"/>
-          </a:fillRef>
-          <a:effectRef idx="0">
-            <a:schemeClr val="accent1"/>
-          </a:effectRef>
-          <a:fontRef idx="minor">
-            <a:schemeClr val="lt1"/>
-          </a:fontRef>
-        </p:style>
-        <p:txBody>
-          <a:bodyPr rtlCol="0" anchor="ctr"/>
-          <a:lstStyle/>
-          <a:p>
-            <a:pPr algn="ctr"/>
-            <a:endParaRPr lang="ko-KR" altLang="en-US" spc="80" dirty="0">
-              <a:solidFill>
-                <a:schemeClr val="bg1"/>
-              </a:solidFill>
-              <a:latin typeface="나눔고딕" pitchFamily="50" charset="-127"/>
-              <a:ea typeface="나눔고딕" pitchFamily="50" charset="-127"/>
-            </a:endParaRPr>
-          </a:p>
-        </p:txBody>
-      </p:sp>
-      <p:sp>
-        <p:nvSpPr>
-          <p:cNvPr id="7" name="타원 6"/>
-          <p:cNvSpPr/>
-          <p:nvPr/>
-        </p:nvSpPr>
-        <p:spPr>
-          <a:xfrm>
-            <a:off x="803537" y="2874636"/>
-            <a:ext cx="761533" cy="761533"/>
-          </a:xfrm>
-          <a:prstGeom prst="ellipse">
-            <a:avLst/>
-          </a:prstGeom>
-          <a:solidFill>
-            <a:schemeClr val="bg1"/>
-          </a:solidFill>
-          <a:ln w="38100">
-            <a:solidFill>
-              <a:srgbClr val="00B050"/>
-            </a:solidFill>
-          </a:ln>
-        </p:spPr>
-        <p:style>
-          <a:lnRef idx="2">
-            <a:schemeClr val="accent1">
-              <a:shade val="50000"/>
-            </a:schemeClr>
-          </a:lnRef>
-          <a:fillRef idx="1">
-            <a:schemeClr val="accent1"/>
-          </a:fillRef>
-          <a:effectRef idx="0">
-            <a:schemeClr val="accent1"/>
-          </a:effectRef>
-          <a:fontRef idx="minor">
-            <a:schemeClr val="lt1"/>
-          </a:fontRef>
-        </p:style>
-        <p:txBody>
-          <a:bodyPr rtlCol="0" anchor="ctr"/>
-          <a:lstStyle/>
-          <a:p>
-            <a:pPr algn="ctr"/>
-            <a:endParaRPr lang="ko-KR" altLang="en-US" spc="80" dirty="0">
-              <a:solidFill>
-                <a:schemeClr val="bg1"/>
-              </a:solidFill>
-              <a:latin typeface="나눔고딕" pitchFamily="50" charset="-127"/>
-              <a:ea typeface="나눔고딕" pitchFamily="50" charset="-127"/>
-            </a:endParaRPr>
-          </a:p>
-        </p:txBody>
-      </p:sp>
-      <p:sp>
-        <p:nvSpPr>
-          <p:cNvPr id="8" name="타원 7"/>
-          <p:cNvSpPr/>
-          <p:nvPr/>
-        </p:nvSpPr>
-        <p:spPr>
-          <a:xfrm>
-            <a:off x="803536" y="4185128"/>
-            <a:ext cx="761533" cy="761533"/>
-          </a:xfrm>
-          <a:prstGeom prst="ellipse">
-            <a:avLst/>
-          </a:prstGeom>
-          <a:solidFill>
-            <a:schemeClr val="bg1"/>
-          </a:solidFill>
-          <a:ln w="38100">
-            <a:solidFill>
-              <a:srgbClr val="00B050"/>
-            </a:solidFill>
-          </a:ln>
-        </p:spPr>
-        <p:style>
-          <a:lnRef idx="2">
-            <a:schemeClr val="accent1">
-              <a:shade val="50000"/>
-            </a:schemeClr>
-          </a:lnRef>
-          <a:fillRef idx="1">
-            <a:schemeClr val="accent1"/>
-          </a:fillRef>
-          <a:effectRef idx="0">
-            <a:schemeClr val="accent1"/>
-          </a:effectRef>
-          <a:fontRef idx="minor">
-            <a:schemeClr val="lt1"/>
-          </a:fontRef>
-        </p:style>
-        <p:txBody>
-          <a:bodyPr rtlCol="0" anchor="ctr"/>
-          <a:lstStyle/>
-          <a:p>
-            <a:pPr algn="ctr"/>
-            <a:endParaRPr lang="ko-KR" altLang="en-US" spc="80" dirty="0">
-              <a:solidFill>
-                <a:schemeClr val="bg1"/>
-              </a:solidFill>
-              <a:latin typeface="나눔고딕" pitchFamily="50" charset="-127"/>
-              <a:ea typeface="나눔고딕" pitchFamily="50" charset="-127"/>
-            </a:endParaRPr>
-          </a:p>
-        </p:txBody>
-      </p:sp>
-      <p:sp>
-        <p:nvSpPr>
-          <p:cNvPr id="9" name="타원 7"/>
-          <p:cNvSpPr/>
-          <p:nvPr/>
-        </p:nvSpPr>
-        <p:spPr>
-          <a:xfrm>
-            <a:off x="803536" y="5495620"/>
-            <a:ext cx="761533" cy="761533"/>
-          </a:xfrm>
-          <a:prstGeom prst="ellipse">
-            <a:avLst/>
-          </a:prstGeom>
-          <a:solidFill>
-            <a:schemeClr val="bg1"/>
-          </a:solidFill>
-          <a:ln w="38100">
-            <a:solidFill>
-              <a:srgbClr val="00B050"/>
-            </a:solidFill>
-          </a:ln>
-        </p:spPr>
-        <p:style>
-          <a:lnRef idx="2">
-            <a:schemeClr val="accent1">
-              <a:shade val="50000"/>
-            </a:schemeClr>
-          </a:lnRef>
-          <a:fillRef idx="1">
-            <a:schemeClr val="accent1"/>
-          </a:fillRef>
-          <a:effectRef idx="0">
-            <a:schemeClr val="accent1"/>
-          </a:effectRef>
-          <a:fontRef idx="minor">
-            <a:schemeClr val="lt1"/>
-          </a:fontRef>
-        </p:style>
-        <p:txBody>
-          <a:bodyPr rtlCol="0" anchor="ctr"/>
-          <a:lstStyle/>
-          <a:p>
-            <a:pPr algn="ctr"/>
-            <a:endParaRPr lang="ko-KR" altLang="en-US" spc="80" dirty="0">
-              <a:solidFill>
-                <a:schemeClr val="bg1"/>
-              </a:solidFill>
-              <a:latin typeface="나눔고딕" pitchFamily="50" charset="-127"/>
-              <a:ea typeface="나눔고딕" pitchFamily="50" charset="-127"/>
-            </a:endParaRPr>
-          </a:p>
-        </p:txBody>
-      </p:sp>
-      <p:sp>
-        <p:nvSpPr>
-          <p:cNvPr id="11" name="TextBox 10"/>
-          <p:cNvSpPr txBox="1"/>
-          <p:nvPr/>
-        </p:nvSpPr>
-        <p:spPr>
-          <a:xfrm>
-            <a:off x="1740470" y="1714076"/>
-            <a:ext cx="5886015" cy="461665"/>
-          </a:xfrm>
-          <a:prstGeom prst="rect">
-            <a:avLst/>
-          </a:prstGeom>
-          <a:noFill/>
-        </p:spPr>
-        <p:txBody>
-          <a:bodyPr wrap="square" rtlCol="0">
-            <a:spAutoFit/>
-          </a:bodyPr>
-          <a:lstStyle/>
-          <a:p>
-            <a:r>
-              <a:rPr lang="en-US" altLang="ko-KR" sz="2400" dirty="0" err="1"/>
-              <a:t>TensorFlow</a:t>
-            </a:r>
-            <a:r>
-              <a:rPr lang="ko-KR" altLang="en-US" sz="2400" dirty="0"/>
-              <a:t> </a:t>
-            </a:r>
-            <a:r>
-              <a:rPr lang="en-US" altLang="ko-KR" dirty="0"/>
-              <a:t>CNN, Overshooting, Overfitting, </a:t>
-            </a:r>
-            <a:r>
-              <a:rPr lang="mr-IN" altLang="ko-KR" dirty="0"/>
-              <a:t>…</a:t>
-            </a:r>
-            <a:endParaRPr lang="ko-KR" altLang="en-US" dirty="0"/>
-          </a:p>
-        </p:txBody>
-      </p:sp>
-      <p:sp>
-        <p:nvSpPr>
-          <p:cNvPr id="13" name="TextBox 12"/>
-          <p:cNvSpPr txBox="1"/>
-          <p:nvPr/>
-        </p:nvSpPr>
-        <p:spPr>
-          <a:xfrm>
-            <a:off x="1740470" y="3024569"/>
-            <a:ext cx="5516364" cy="461665"/>
-          </a:xfrm>
-          <a:prstGeom prst="rect">
-            <a:avLst/>
-          </a:prstGeom>
-          <a:noFill/>
-        </p:spPr>
-        <p:txBody>
-          <a:bodyPr wrap="square" rtlCol="0">
-            <a:spAutoFit/>
-          </a:bodyPr>
-          <a:lstStyle/>
-          <a:p>
-            <a:r>
-              <a:rPr lang="en-US" altLang="ko-KR" sz="2400" dirty="0"/>
-              <a:t>Android</a:t>
-            </a:r>
-            <a:r>
-              <a:rPr lang="ko-KR" altLang="en-US" sz="2400" dirty="0"/>
-              <a:t> </a:t>
-            </a:r>
-            <a:r>
-              <a:rPr lang="en-US" altLang="ko-KR" dirty="0" err="1"/>
-              <a:t>RecyclerView</a:t>
-            </a:r>
-            <a:r>
-              <a:rPr lang="en-US" altLang="ko-KR" dirty="0"/>
-              <a:t>, Activity Life Cycle, </a:t>
-            </a:r>
-            <a:r>
-              <a:rPr lang="mr-IN" altLang="ko-KR" dirty="0"/>
-              <a:t>…</a:t>
-            </a:r>
-            <a:endParaRPr lang="ko-KR" altLang="en-US" dirty="0"/>
-          </a:p>
-        </p:txBody>
-      </p:sp>
-      <p:sp>
-        <p:nvSpPr>
-          <p:cNvPr id="14" name="TextBox 13"/>
-          <p:cNvSpPr txBox="1"/>
-          <p:nvPr/>
-        </p:nvSpPr>
-        <p:spPr>
-          <a:xfrm>
-            <a:off x="1740470" y="4335061"/>
-            <a:ext cx="4824551" cy="461665"/>
-          </a:xfrm>
-          <a:prstGeom prst="rect">
-            <a:avLst/>
-          </a:prstGeom>
-          <a:noFill/>
-        </p:spPr>
-        <p:txBody>
-          <a:bodyPr wrap="square" rtlCol="0">
-            <a:spAutoFit/>
-          </a:bodyPr>
-          <a:lstStyle/>
-          <a:p>
-            <a:r>
-              <a:rPr lang="en-US" altLang="ko-KR" sz="2400" dirty="0"/>
-              <a:t>Graphics</a:t>
-            </a:r>
-            <a:r>
-              <a:rPr lang="ko-KR" altLang="en-US" sz="2400" dirty="0"/>
-              <a:t> </a:t>
-            </a:r>
-            <a:r>
-              <a:rPr lang="en-US" altLang="ko-KR" dirty="0" err="1"/>
-              <a:t>openGL</a:t>
-            </a:r>
-            <a:r>
-              <a:rPr lang="en-US" altLang="ko-KR" dirty="0"/>
-              <a:t>, Glide, </a:t>
-            </a:r>
-            <a:r>
-              <a:rPr lang="mr-IN" altLang="ko-KR" dirty="0"/>
-              <a:t>…</a:t>
-            </a:r>
-            <a:endParaRPr lang="ko-KR" altLang="en-US" dirty="0"/>
-          </a:p>
-        </p:txBody>
-      </p:sp>
-      <p:sp>
-        <p:nvSpPr>
-          <p:cNvPr id="15" name="TextBox 14"/>
-          <p:cNvSpPr txBox="1"/>
-          <p:nvPr/>
-        </p:nvSpPr>
-        <p:spPr>
-          <a:xfrm>
-            <a:off x="1740469" y="5645553"/>
-            <a:ext cx="4824551" cy="461665"/>
-          </a:xfrm>
-          <a:prstGeom prst="rect">
-            <a:avLst/>
-          </a:prstGeom>
-          <a:noFill/>
-        </p:spPr>
-        <p:txBody>
-          <a:bodyPr wrap="square" rtlCol="0">
-            <a:spAutoFit/>
-          </a:bodyPr>
-          <a:lstStyle/>
-          <a:p>
-            <a:r>
-              <a:rPr lang="en-US" altLang="ko-KR" sz="2400" dirty="0"/>
-              <a:t>Application </a:t>
-            </a:r>
-            <a:r>
-              <a:rPr lang="en-US" altLang="ko-KR" dirty="0"/>
-              <a:t>SQLite, realm, </a:t>
-            </a:r>
-            <a:r>
-              <a:rPr lang="mr-IN" altLang="ko-KR" dirty="0"/>
-              <a:t>…</a:t>
-            </a:r>
-            <a:endParaRPr lang="ko-KR" altLang="en-US" dirty="0"/>
-          </a:p>
-        </p:txBody>
-      </p:sp>
-    </p:spTree>
-    <p:extLst>
-      <p:ext uri="{BB962C8B-B14F-4D97-AF65-F5344CB8AC3E}">
-        <p14:creationId xmlns:p14="http://schemas.microsoft.com/office/powerpoint/2010/main" val="475326152"/>
       </p:ext>
     </p:extLst>
   </p:cSld>
@@ -19593,6 +19545,30 @@
           </a:prstGeom>
         </p:spPr>
       </p:pic>
+      <p:pic>
+        <p:nvPicPr>
+          <p:cNvPr id="2" name="그림 1"/>
+          <p:cNvPicPr>
+            <a:picLocks noChangeAspect="1"/>
+          </p:cNvPicPr>
+          <p:nvPr/>
+        </p:nvPicPr>
+        <p:blipFill>
+          <a:blip r:embed="rId5"/>
+          <a:stretch>
+            <a:fillRect/>
+          </a:stretch>
+        </p:blipFill>
+        <p:spPr>
+          <a:xfrm>
+            <a:off x="0" y="381000"/>
+            <a:ext cx="9144000" cy="6096000"/>
+          </a:xfrm>
+          <a:prstGeom prst="rect">
+            <a:avLst/>
+          </a:prstGeom>
+        </p:spPr>
+      </p:pic>
     </p:spTree>
     <p:extLst>
       <p:ext uri="{BB962C8B-B14F-4D97-AF65-F5344CB8AC3E}">
@@ -19943,7 +19919,7 @@
                 <a:latin typeface="나눔고딕" panose="020D0604000000000000" pitchFamily="50" charset="-127"/>
                 <a:ea typeface="나눔고딕" panose="020D0604000000000000" pitchFamily="50" charset="-127"/>
               </a:rPr>
-              <a:t>Architecture/Basic Spec</a:t>
+              <a:t>Basic Spec/Architecture</a:t>
             </a:r>
           </a:p>
           <a:p>

--- a/artoon-spec.pptx
+++ b/artoon-spec.pptx
@@ -20,14 +20,14 @@
     <p:sldId id="313" r:id="rId8"/>
     <p:sldId id="300" r:id="rId9"/>
     <p:sldId id="319" r:id="rId10"/>
-    <p:sldId id="317" r:id="rId11"/>
-    <p:sldId id="326" r:id="rId12"/>
-    <p:sldId id="293" r:id="rId13"/>
-    <p:sldId id="308" r:id="rId14"/>
-    <p:sldId id="325" r:id="rId15"/>
-    <p:sldId id="323" r:id="rId16"/>
-    <p:sldId id="324" r:id="rId17"/>
-    <p:sldId id="327" r:id="rId18"/>
+    <p:sldId id="308" r:id="rId11"/>
+    <p:sldId id="317" r:id="rId12"/>
+    <p:sldId id="326" r:id="rId13"/>
+    <p:sldId id="293" r:id="rId14"/>
+    <p:sldId id="323" r:id="rId15"/>
+    <p:sldId id="324" r:id="rId16"/>
+    <p:sldId id="325" r:id="rId17"/>
+    <p:sldId id="304" r:id="rId18"/>
     <p:sldId id="278" r:id="rId19"/>
   </p:sldIdLst>
   <p:sldSz cx="9144000" cy="6858000" type="screen4x3"/>
@@ -313,7 +313,7 @@
             <a:fld id="{207F23D9-DF40-4811-9C78-A2E2A32398DD}" type="datetimeFigureOut">
               <a:rPr lang="ko-KR" altLang="en-US" smtClean="0"/>
               <a:pPr/>
-              <a:t>2017. 3. 29.</a:t>
+              <a:t>2017. 3. 30.</a:t>
             </a:fld>
             <a:endParaRPr lang="ko-KR" altLang="en-US"/>
           </a:p>
@@ -481,7 +481,7 @@
             <a:fld id="{F3AF6795-A612-454E-AF7A-9192B1BEBB13}" type="datetimeFigureOut">
               <a:rPr lang="ko-KR" altLang="en-US" smtClean="0"/>
               <a:pPr/>
-              <a:t>2017. 3. 29.</a:t>
+              <a:t>2017. 3. 30.</a:t>
             </a:fld>
             <a:endParaRPr lang="ko-KR" altLang="en-US"/>
           </a:p>
@@ -917,7 +917,7 @@
     </p:spTree>
     <p:extLst>
       <p:ext uri="{BB962C8B-B14F-4D97-AF65-F5344CB8AC3E}">
-        <p14:creationId xmlns:p14="http://schemas.microsoft.com/office/powerpoint/2010/main" val="2321851601"/>
+        <p14:creationId xmlns:p14="http://schemas.microsoft.com/office/powerpoint/2010/main" val="1158920028"/>
       </p:ext>
     </p:extLst>
   </p:cSld>
@@ -971,14 +971,6 @@
           <a:bodyPr/>
           <a:lstStyle/>
           <a:p>
-            <a:r>
-              <a:rPr lang="en-US" altLang="ko-KR" dirty="0"/>
-              <a:t>TODO: Sub-Architecture</a:t>
-            </a:r>
-            <a:r>
-              <a:rPr lang="en-US" altLang="ko-KR" baseline="0" dirty="0"/>
-              <a:t> goes here</a:t>
-            </a:r>
             <a:endParaRPr lang="ko-KR" altLang="en-US" dirty="0"/>
           </a:p>
         </p:txBody>
@@ -1010,7 +1002,7 @@
     </p:spTree>
     <p:extLst>
       <p:ext uri="{BB962C8B-B14F-4D97-AF65-F5344CB8AC3E}">
-        <p14:creationId xmlns:p14="http://schemas.microsoft.com/office/powerpoint/2010/main" val="2040369853"/>
+        <p14:creationId xmlns:p14="http://schemas.microsoft.com/office/powerpoint/2010/main" val="2321851601"/>
       </p:ext>
     </p:extLst>
   </p:cSld>
@@ -1064,6 +1056,14 @@
           <a:bodyPr/>
           <a:lstStyle/>
           <a:p>
+            <a:r>
+              <a:rPr lang="en-US" altLang="ko-KR" dirty="0"/>
+              <a:t>TODO: Sub-Architecture</a:t>
+            </a:r>
+            <a:r>
+              <a:rPr lang="en-US" altLang="ko-KR" baseline="0" dirty="0"/>
+              <a:t> goes here</a:t>
+            </a:r>
             <a:endParaRPr lang="ko-KR" altLang="en-US" dirty="0"/>
           </a:p>
         </p:txBody>
@@ -1095,7 +1095,7 @@
     </p:spTree>
     <p:extLst>
       <p:ext uri="{BB962C8B-B14F-4D97-AF65-F5344CB8AC3E}">
-        <p14:creationId xmlns:p14="http://schemas.microsoft.com/office/powerpoint/2010/main" val="1158920028"/>
+        <p14:creationId xmlns:p14="http://schemas.microsoft.com/office/powerpoint/2010/main" val="2040369853"/>
       </p:ext>
     </p:extLst>
   </p:cSld>
@@ -1234,6 +1234,18 @@
           <a:bodyPr/>
           <a:lstStyle/>
           <a:p>
+            <a:r>
+              <a:rPr lang="en-US" altLang="ko-KR" dirty="0"/>
+              <a:t>Change</a:t>
+            </a:r>
+            <a:r>
+              <a:rPr lang="en-US" altLang="ko-KR" baseline="0" dirty="0"/>
+              <a:t> </a:t>
+            </a:r>
+            <a:r>
+              <a:rPr lang="en-US" altLang="ko-KR" baseline="0"/>
+              <a:t>the icon, and make the icon green</a:t>
+            </a:r>
             <a:endParaRPr lang="ko-KR" altLang="en-US" dirty="0"/>
           </a:p>
         </p:txBody>
@@ -1265,7 +1277,7 @@
     </p:spTree>
     <p:extLst>
       <p:ext uri="{BB962C8B-B14F-4D97-AF65-F5344CB8AC3E}">
-        <p14:creationId xmlns:p14="http://schemas.microsoft.com/office/powerpoint/2010/main" val="493245506"/>
+        <p14:creationId xmlns:p14="http://schemas.microsoft.com/office/powerpoint/2010/main" val="1873821801"/>
       </p:ext>
     </p:extLst>
   </p:cSld>
@@ -1319,18 +1331,6 @@
           <a:bodyPr/>
           <a:lstStyle/>
           <a:p>
-            <a:r>
-              <a:rPr lang="en-US" altLang="ko-KR" dirty="0"/>
-              <a:t>Change</a:t>
-            </a:r>
-            <a:r>
-              <a:rPr lang="en-US" altLang="ko-KR" baseline="0" dirty="0"/>
-              <a:t> </a:t>
-            </a:r>
-            <a:r>
-              <a:rPr lang="en-US" altLang="ko-KR" baseline="0"/>
-              <a:t>the icon, and make the icon green</a:t>
-            </a:r>
             <a:endParaRPr lang="ko-KR" altLang="en-US" dirty="0"/>
           </a:p>
         </p:txBody>
@@ -1362,7 +1362,7 @@
     </p:spTree>
     <p:extLst>
       <p:ext uri="{BB962C8B-B14F-4D97-AF65-F5344CB8AC3E}">
-        <p14:creationId xmlns:p14="http://schemas.microsoft.com/office/powerpoint/2010/main" val="1873821801"/>
+        <p14:creationId xmlns:p14="http://schemas.microsoft.com/office/powerpoint/2010/main" val="167469824"/>
       </p:ext>
     </p:extLst>
   </p:cSld>
@@ -1447,7 +1447,7 @@
     </p:spTree>
     <p:extLst>
       <p:ext uri="{BB962C8B-B14F-4D97-AF65-F5344CB8AC3E}">
-        <p14:creationId xmlns:p14="http://schemas.microsoft.com/office/powerpoint/2010/main" val="167469824"/>
+        <p14:creationId xmlns:p14="http://schemas.microsoft.com/office/powerpoint/2010/main" val="493245506"/>
       </p:ext>
     </p:extLst>
   </p:cSld>
@@ -1502,11 +1502,11 @@
           <a:lstStyle/>
           <a:p>
             <a:r>
-              <a:rPr lang="en-US" altLang="ko-KR" dirty="0" smtClean="0"/>
+              <a:rPr lang="en-US" altLang="ko-KR" dirty="0"/>
               <a:t>TODO: Change</a:t>
             </a:r>
             <a:r>
-              <a:rPr lang="en-US" altLang="ko-KR" baseline="0" dirty="0" smtClean="0"/>
+              <a:rPr lang="en-US" altLang="ko-KR" baseline="0" dirty="0"/>
               <a:t> to line graph</a:t>
             </a:r>
             <a:endParaRPr lang="ko-KR" altLang="en-US" dirty="0"/>
@@ -1540,7 +1540,7 @@
     </p:spTree>
     <p:extLst>
       <p:ext uri="{BB962C8B-B14F-4D97-AF65-F5344CB8AC3E}">
-        <p14:creationId xmlns:p14="http://schemas.microsoft.com/office/powerpoint/2010/main" val="290627362"/>
+        <p14:creationId xmlns:p14="http://schemas.microsoft.com/office/powerpoint/2010/main" val="1158920028"/>
       </p:ext>
     </p:extLst>
   </p:cSld>
@@ -7835,6 +7835,13 @@
   <p:transition>
     <p:fade/>
   </p:transition>
+  <p:timing>
+    <p:tnLst>
+      <p:par>
+        <p:cTn id="1" dur="indefinite" restart="never" nodeType="tmRoot"/>
+      </p:par>
+    </p:tnLst>
+  </p:timing>
 </p:sld>
 </file>
 
@@ -7857,6 +7864,202 @@
       </p:grpSpPr>
       <p:sp>
         <p:nvSpPr>
+          <p:cNvPr id="4" name="제목 3"/>
+          <p:cNvSpPr>
+            <a:spLocks noGrp="1"/>
+          </p:cNvSpPr>
+          <p:nvPr>
+            <p:ph type="title"/>
+          </p:nvPr>
+        </p:nvSpPr>
+        <p:spPr>
+          <a:xfrm>
+            <a:off x="457200" y="366780"/>
+            <a:ext cx="8229600" cy="648404"/>
+          </a:xfrm>
+        </p:spPr>
+        <p:txBody>
+          <a:bodyPr/>
+          <a:lstStyle/>
+          <a:p>
+            <a:r>
+              <a:rPr lang="en-US" altLang="ko-KR" dirty="0">
+                <a:latin typeface="+mj-lt"/>
+              </a:rPr>
+              <a:t>Basic Spec</a:t>
+            </a:r>
+            <a:endParaRPr lang="ko-KR" altLang="en-US" dirty="0">
+              <a:latin typeface="+mj-lt"/>
+            </a:endParaRPr>
+          </a:p>
+        </p:txBody>
+      </p:sp>
+      <p:pic>
+        <p:nvPicPr>
+          <p:cNvPr id="7" name="그래픽 6" descr="과녁"/>
+          <p:cNvPicPr>
+            <a:picLocks noChangeAspect="1"/>
+          </p:cNvPicPr>
+          <p:nvPr/>
+        </p:nvPicPr>
+        <p:blipFill>
+          <a:blip r:embed="rId3">
+            <a:extLst>
+              <a:ext uri="{28A0092B-C50C-407E-A947-70E740481C1C}">
+                <a14:useLocalDpi xmlns:a14="http://schemas.microsoft.com/office/drawing/2010/main" val="0"/>
+              </a:ext>
+              <a:ext uri="{96DAC541-7B7A-43D3-8B79-37D633B846F1}">
+                <asvg:svgBlip xmlns="" xmlns:asvg="http://schemas.microsoft.com/office/drawing/2016/SVG/main" r:embed="rId4"/>
+              </a:ext>
+            </a:extLst>
+          </a:blip>
+          <a:stretch>
+            <a:fillRect/>
+          </a:stretch>
+        </p:blipFill>
+        <p:spPr>
+          <a:xfrm>
+            <a:off x="1244991" y="1565030"/>
+            <a:ext cx="1909690" cy="1909690"/>
+          </a:xfrm>
+          <a:prstGeom prst="rect">
+            <a:avLst/>
+          </a:prstGeom>
+        </p:spPr>
+      </p:pic>
+      <p:sp>
+        <p:nvSpPr>
+          <p:cNvPr id="8" name="TextBox 7"/>
+          <p:cNvSpPr txBox="1"/>
+          <p:nvPr/>
+        </p:nvSpPr>
+        <p:spPr>
+          <a:xfrm>
+            <a:off x="3446585" y="2335209"/>
+            <a:ext cx="2371162" cy="461665"/>
+          </a:xfrm>
+          <a:prstGeom prst="rect">
+            <a:avLst/>
+          </a:prstGeom>
+          <a:noFill/>
+        </p:spPr>
+        <p:txBody>
+          <a:bodyPr wrap="none" rtlCol="0">
+            <a:spAutoFit/>
+          </a:bodyPr>
+          <a:lstStyle/>
+          <a:p>
+            <a:r>
+              <a:rPr lang="en-US" altLang="ko-KR" sz="2400" b="1" dirty="0"/>
+              <a:t>&gt;90% accuracy</a:t>
+            </a:r>
+            <a:endParaRPr lang="ko-KR" altLang="en-US" sz="2400" b="1" dirty="0"/>
+          </a:p>
+        </p:txBody>
+      </p:sp>
+      <p:sp>
+        <p:nvSpPr>
+          <p:cNvPr id="9" name="TextBox 8"/>
+          <p:cNvSpPr txBox="1"/>
+          <p:nvPr/>
+        </p:nvSpPr>
+        <p:spPr>
+          <a:xfrm>
+            <a:off x="3446585" y="4381863"/>
+            <a:ext cx="3300904" cy="738664"/>
+          </a:xfrm>
+          <a:prstGeom prst="rect">
+            <a:avLst/>
+          </a:prstGeom>
+          <a:noFill/>
+        </p:spPr>
+        <p:txBody>
+          <a:bodyPr wrap="none" rtlCol="0">
+            <a:spAutoFit/>
+          </a:bodyPr>
+          <a:lstStyle/>
+          <a:p>
+            <a:r>
+              <a:rPr lang="en-US" altLang="ko-KR" sz="2400" b="1" dirty="0"/>
+              <a:t>Respond continuously</a:t>
+            </a:r>
+          </a:p>
+          <a:p>
+            <a:r>
+              <a:rPr lang="en-US" altLang="ko-KR" dirty="0"/>
+              <a:t>by multithreading(Glide API)</a:t>
+            </a:r>
+          </a:p>
+        </p:txBody>
+      </p:sp>
+      <p:pic>
+        <p:nvPicPr>
+          <p:cNvPr id="16" name="그래픽 15" descr="반복"/>
+          <p:cNvPicPr>
+            <a:picLocks noChangeAspect="1"/>
+          </p:cNvPicPr>
+          <p:nvPr/>
+        </p:nvPicPr>
+        <p:blipFill>
+          <a:blip r:embed="rId5">
+            <a:extLst>
+              <a:ext uri="{28A0092B-C50C-407E-A947-70E740481C1C}">
+                <a14:useLocalDpi xmlns:a14="http://schemas.microsoft.com/office/drawing/2010/main" val="0"/>
+              </a:ext>
+              <a:ext uri="{96DAC541-7B7A-43D3-8B79-37D633B846F1}">
+                <asvg:svgBlip xmlns="" xmlns:asvg="http://schemas.microsoft.com/office/drawing/2016/SVG/main" r:embed="rId6"/>
+              </a:ext>
+            </a:extLst>
+          </a:blip>
+          <a:stretch>
+            <a:fillRect/>
+          </a:stretch>
+        </p:blipFill>
+        <p:spPr>
+          <a:xfrm>
+            <a:off x="1324124" y="3829318"/>
+            <a:ext cx="1751423" cy="1751423"/>
+          </a:xfrm>
+          <a:prstGeom prst="rect">
+            <a:avLst/>
+          </a:prstGeom>
+        </p:spPr>
+      </p:pic>
+    </p:spTree>
+    <p:extLst>
+      <p:ext uri="{BB962C8B-B14F-4D97-AF65-F5344CB8AC3E}">
+        <p14:creationId xmlns:p14="http://schemas.microsoft.com/office/powerpoint/2010/main" val="2285308020"/>
+      </p:ext>
+    </p:extLst>
+  </p:cSld>
+  <p:clrMapOvr>
+    <a:masterClrMapping/>
+  </p:clrMapOvr>
+  <p:transition>
+    <p:fade/>
+  </p:transition>
+</p:sld>
+</file>
+
+<file path=ppt/slides/slide11.xml><?xml version="1.0" encoding="utf-8"?>
+<p:sld xmlns:a="http://schemas.openxmlformats.org/drawingml/2006/main" xmlns:r="http://schemas.openxmlformats.org/officeDocument/2006/relationships" xmlns:p="http://schemas.openxmlformats.org/presentationml/2006/main">
+  <p:cSld>
+    <p:spTree>
+      <p:nvGrpSpPr>
+        <p:cNvPr id="1" name=""/>
+        <p:cNvGrpSpPr/>
+        <p:nvPr/>
+      </p:nvGrpSpPr>
+      <p:grpSpPr>
+        <a:xfrm>
+          <a:off x="0" y="0"/>
+          <a:ext cx="0" cy="0"/>
+          <a:chOff x="0" y="0"/>
+          <a:chExt cx="0" cy="0"/>
+        </a:xfrm>
+      </p:grpSpPr>
+      <p:sp>
+        <p:nvSpPr>
           <p:cNvPr id="22" name="TextBox 21"/>
           <p:cNvSpPr txBox="1"/>
           <p:nvPr/>
@@ -7922,7 +8125,7 @@
               <a:rPr lang="en-US" altLang="ko-KR" dirty="0">
                 <a:latin typeface="+mj-lt"/>
               </a:rPr>
-              <a:t>Approach - Application</a:t>
+              <a:t>Basic Spec</a:t>
             </a:r>
             <a:endParaRPr lang="ko-KR" altLang="en-US" dirty="0">
               <a:latin typeface="+mj-lt"/>
@@ -8306,7 +8509,7 @@
 </p:sld>
 </file>
 
-<file path=ppt/slides/slide11.xml><?xml version="1.0" encoding="utf-8"?>
+<file path=ppt/slides/slide12.xml><?xml version="1.0" encoding="utf-8"?>
 <p:sld xmlns:a="http://schemas.openxmlformats.org/drawingml/2006/main" xmlns:r="http://schemas.openxmlformats.org/officeDocument/2006/relationships" xmlns:p="http://schemas.openxmlformats.org/presentationml/2006/main">
   <p:cSld>
     <p:spTree>
@@ -9307,7 +9510,7 @@
 </p:sld>
 </file>
 
-<file path=ppt/slides/slide12.xml><?xml version="1.0" encoding="utf-8"?>
+<file path=ppt/slides/slide13.xml><?xml version="1.0" encoding="utf-8"?>
 <p:sld xmlns:a="http://schemas.openxmlformats.org/drawingml/2006/main" xmlns:r="http://schemas.openxmlformats.org/officeDocument/2006/relationships" xmlns:p="http://schemas.openxmlformats.org/presentationml/2006/main">
   <p:cSld>
     <p:spTree>
@@ -10285,202 +10488,6 @@
 </p:sld>
 </file>
 
-<file path=ppt/slides/slide13.xml><?xml version="1.0" encoding="utf-8"?>
-<p:sld xmlns:a="http://schemas.openxmlformats.org/drawingml/2006/main" xmlns:r="http://schemas.openxmlformats.org/officeDocument/2006/relationships" xmlns:p="http://schemas.openxmlformats.org/presentationml/2006/main">
-  <p:cSld>
-    <p:spTree>
-      <p:nvGrpSpPr>
-        <p:cNvPr id="1" name=""/>
-        <p:cNvGrpSpPr/>
-        <p:nvPr/>
-      </p:nvGrpSpPr>
-      <p:grpSpPr>
-        <a:xfrm>
-          <a:off x="0" y="0"/>
-          <a:ext cx="0" cy="0"/>
-          <a:chOff x="0" y="0"/>
-          <a:chExt cx="0" cy="0"/>
-        </a:xfrm>
-      </p:grpSpPr>
-      <p:sp>
-        <p:nvSpPr>
-          <p:cNvPr id="4" name="제목 3"/>
-          <p:cNvSpPr>
-            <a:spLocks noGrp="1"/>
-          </p:cNvSpPr>
-          <p:nvPr>
-            <p:ph type="title"/>
-          </p:nvPr>
-        </p:nvSpPr>
-        <p:spPr>
-          <a:xfrm>
-            <a:off x="457200" y="366780"/>
-            <a:ext cx="8229600" cy="648404"/>
-          </a:xfrm>
-        </p:spPr>
-        <p:txBody>
-          <a:bodyPr/>
-          <a:lstStyle/>
-          <a:p>
-            <a:r>
-              <a:rPr lang="en-US" altLang="ko-KR" dirty="0">
-                <a:latin typeface="+mj-lt"/>
-              </a:rPr>
-              <a:t>Basic Spec</a:t>
-            </a:r>
-            <a:endParaRPr lang="ko-KR" altLang="en-US" dirty="0">
-              <a:latin typeface="+mj-lt"/>
-            </a:endParaRPr>
-          </a:p>
-        </p:txBody>
-      </p:sp>
-      <p:pic>
-        <p:nvPicPr>
-          <p:cNvPr id="7" name="그래픽 6" descr="과녁"/>
-          <p:cNvPicPr>
-            <a:picLocks noChangeAspect="1"/>
-          </p:cNvPicPr>
-          <p:nvPr/>
-        </p:nvPicPr>
-        <p:blipFill>
-          <a:blip r:embed="rId3">
-            <a:extLst>
-              <a:ext uri="{28A0092B-C50C-407E-A947-70E740481C1C}">
-                <a14:useLocalDpi xmlns:a14="http://schemas.microsoft.com/office/drawing/2010/main" val="0"/>
-              </a:ext>
-              <a:ext uri="{96DAC541-7B7A-43D3-8B79-37D633B846F1}">
-                <asvg:svgBlip xmlns="" xmlns:asvg="http://schemas.microsoft.com/office/drawing/2016/SVG/main" r:embed="rId4"/>
-              </a:ext>
-            </a:extLst>
-          </a:blip>
-          <a:stretch>
-            <a:fillRect/>
-          </a:stretch>
-        </p:blipFill>
-        <p:spPr>
-          <a:xfrm>
-            <a:off x="1244991" y="1565030"/>
-            <a:ext cx="1909690" cy="1909690"/>
-          </a:xfrm>
-          <a:prstGeom prst="rect">
-            <a:avLst/>
-          </a:prstGeom>
-        </p:spPr>
-      </p:pic>
-      <p:sp>
-        <p:nvSpPr>
-          <p:cNvPr id="8" name="TextBox 7"/>
-          <p:cNvSpPr txBox="1"/>
-          <p:nvPr/>
-        </p:nvSpPr>
-        <p:spPr>
-          <a:xfrm>
-            <a:off x="3446585" y="2335209"/>
-            <a:ext cx="2371162" cy="461665"/>
-          </a:xfrm>
-          <a:prstGeom prst="rect">
-            <a:avLst/>
-          </a:prstGeom>
-          <a:noFill/>
-        </p:spPr>
-        <p:txBody>
-          <a:bodyPr wrap="none" rtlCol="0">
-            <a:spAutoFit/>
-          </a:bodyPr>
-          <a:lstStyle/>
-          <a:p>
-            <a:r>
-              <a:rPr lang="en-US" altLang="ko-KR" sz="2400" b="1" dirty="0"/>
-              <a:t>&gt;90% accuracy</a:t>
-            </a:r>
-            <a:endParaRPr lang="ko-KR" altLang="en-US" sz="2400" b="1" dirty="0"/>
-          </a:p>
-        </p:txBody>
-      </p:sp>
-      <p:sp>
-        <p:nvSpPr>
-          <p:cNvPr id="9" name="TextBox 8"/>
-          <p:cNvSpPr txBox="1"/>
-          <p:nvPr/>
-        </p:nvSpPr>
-        <p:spPr>
-          <a:xfrm>
-            <a:off x="3446585" y="4381863"/>
-            <a:ext cx="3300904" cy="738664"/>
-          </a:xfrm>
-          <a:prstGeom prst="rect">
-            <a:avLst/>
-          </a:prstGeom>
-          <a:noFill/>
-        </p:spPr>
-        <p:txBody>
-          <a:bodyPr wrap="none" rtlCol="0">
-            <a:spAutoFit/>
-          </a:bodyPr>
-          <a:lstStyle/>
-          <a:p>
-            <a:r>
-              <a:rPr lang="en-US" altLang="ko-KR" sz="2400" b="1" dirty="0"/>
-              <a:t>Respond continuously</a:t>
-            </a:r>
-          </a:p>
-          <a:p>
-            <a:r>
-              <a:rPr lang="en-US" altLang="ko-KR" dirty="0"/>
-              <a:t>by multithreading(Glide API)</a:t>
-            </a:r>
-          </a:p>
-        </p:txBody>
-      </p:sp>
-      <p:pic>
-        <p:nvPicPr>
-          <p:cNvPr id="16" name="그래픽 15" descr="반복"/>
-          <p:cNvPicPr>
-            <a:picLocks noChangeAspect="1"/>
-          </p:cNvPicPr>
-          <p:nvPr/>
-        </p:nvPicPr>
-        <p:blipFill>
-          <a:blip r:embed="rId5">
-            <a:extLst>
-              <a:ext uri="{28A0092B-C50C-407E-A947-70E740481C1C}">
-                <a14:useLocalDpi xmlns:a14="http://schemas.microsoft.com/office/drawing/2010/main" val="0"/>
-              </a:ext>
-              <a:ext uri="{96DAC541-7B7A-43D3-8B79-37D633B846F1}">
-                <asvg:svgBlip xmlns="" xmlns:asvg="http://schemas.microsoft.com/office/drawing/2016/SVG/main" r:embed="rId6"/>
-              </a:ext>
-            </a:extLst>
-          </a:blip>
-          <a:stretch>
-            <a:fillRect/>
-          </a:stretch>
-        </p:blipFill>
-        <p:spPr>
-          <a:xfrm>
-            <a:off x="1324124" y="3829318"/>
-            <a:ext cx="1751423" cy="1751423"/>
-          </a:xfrm>
-          <a:prstGeom prst="rect">
-            <a:avLst/>
-          </a:prstGeom>
-        </p:spPr>
-      </p:pic>
-    </p:spTree>
-    <p:extLst>
-      <p:ext uri="{BB962C8B-B14F-4D97-AF65-F5344CB8AC3E}">
-        <p14:creationId xmlns:p14="http://schemas.microsoft.com/office/powerpoint/2010/main" val="2285308020"/>
-      </p:ext>
-    </p:extLst>
-  </p:cSld>
-  <p:clrMapOvr>
-    <a:masterClrMapping/>
-  </p:clrMapOvr>
-  <p:transition>
-    <p:fade/>
-  </p:transition>
-</p:sld>
-</file>
-
 <file path=ppt/slides/slide14.xml><?xml version="1.0" encoding="utf-8"?>
 <p:sld xmlns:a="http://schemas.openxmlformats.org/drawingml/2006/main" xmlns:r="http://schemas.openxmlformats.org/officeDocument/2006/relationships" xmlns:p="http://schemas.openxmlformats.org/presentationml/2006/main">
   <p:cSld>
@@ -10520,6 +10527,835 @@
           <a:p>
             <a:r>
               <a:rPr lang="en-US" altLang="ko-KR" dirty="0"/>
+              <a:t>Current Status</a:t>
+            </a:r>
+            <a:endParaRPr lang="ko-KR" altLang="en-US" dirty="0"/>
+          </a:p>
+        </p:txBody>
+      </p:sp>
+      <p:pic>
+        <p:nvPicPr>
+          <p:cNvPr id="5" name="Picture 4"/>
+          <p:cNvPicPr>
+            <a:picLocks noChangeAspect="1"/>
+          </p:cNvPicPr>
+          <p:nvPr/>
+        </p:nvPicPr>
+        <p:blipFill rotWithShape="1">
+          <a:blip r:embed="rId3" cstate="print">
+            <a:duotone>
+              <a:schemeClr val="accent2">
+                <a:shade val="45000"/>
+                <a:satMod val="135000"/>
+              </a:schemeClr>
+              <a:prstClr val="white"/>
+            </a:duotone>
+            <a:extLst>
+              <a:ext uri="{28A0092B-C50C-407E-A947-70E740481C1C}">
+                <a14:useLocalDpi xmlns:a14="http://schemas.microsoft.com/office/drawing/2010/main" val="0"/>
+              </a:ext>
+            </a:extLst>
+          </a:blip>
+          <a:srcRect l="4326" r="6312" b="13759"/>
+          <a:stretch/>
+        </p:blipFill>
+        <p:spPr>
+          <a:xfrm>
+            <a:off x="1421400" y="1550243"/>
+            <a:ext cx="1846218" cy="1781747"/>
+          </a:xfrm>
+          <a:prstGeom prst="rect">
+            <a:avLst/>
+          </a:prstGeom>
+        </p:spPr>
+      </p:pic>
+      <p:pic>
+        <p:nvPicPr>
+          <p:cNvPr id="7" name="Picture 6"/>
+          <p:cNvPicPr>
+            <a:picLocks noChangeAspect="1"/>
+          </p:cNvPicPr>
+          <p:nvPr/>
+        </p:nvPicPr>
+        <p:blipFill rotWithShape="1">
+          <a:blip r:embed="rId4" cstate="print">
+            <a:clrChange>
+              <a:clrFrom>
+                <a:srgbClr val="000000">
+                  <a:alpha val="0"/>
+                </a:srgbClr>
+              </a:clrFrom>
+              <a:clrTo>
+                <a:srgbClr val="000000">
+                  <a:alpha val="0"/>
+                </a:srgbClr>
+              </a:clrTo>
+            </a:clrChange>
+            <a:alphaModFix/>
+            <a:duotone>
+              <a:schemeClr val="accent2">
+                <a:shade val="45000"/>
+                <a:satMod val="135000"/>
+              </a:schemeClr>
+              <a:prstClr val="white"/>
+            </a:duotone>
+            <a:extLst>
+              <a:ext uri="{28A0092B-C50C-407E-A947-70E740481C1C}">
+                <a14:useLocalDpi xmlns:a14="http://schemas.microsoft.com/office/drawing/2010/main" val="0"/>
+              </a:ext>
+            </a:extLst>
+          </a:blip>
+          <a:srcRect b="15146"/>
+          <a:stretch/>
+        </p:blipFill>
+        <p:spPr>
+          <a:xfrm>
+            <a:off x="1223207" y="3854996"/>
+            <a:ext cx="1931474" cy="1638936"/>
+          </a:xfrm>
+          <a:prstGeom prst="rect">
+            <a:avLst/>
+          </a:prstGeom>
+        </p:spPr>
+      </p:pic>
+      <p:sp>
+        <p:nvSpPr>
+          <p:cNvPr id="10" name="TextBox 9"/>
+          <p:cNvSpPr txBox="1"/>
+          <p:nvPr/>
+        </p:nvSpPr>
+        <p:spPr>
+          <a:xfrm>
+            <a:off x="3590689" y="3842246"/>
+            <a:ext cx="3538148" cy="1785104"/>
+          </a:xfrm>
+          <a:prstGeom prst="rect">
+            <a:avLst/>
+          </a:prstGeom>
+          <a:noFill/>
+        </p:spPr>
+        <p:txBody>
+          <a:bodyPr wrap="none" rtlCol="0">
+            <a:spAutoFit/>
+          </a:bodyPr>
+          <a:lstStyle/>
+          <a:p>
+            <a:pPr>
+              <a:lnSpc>
+                <a:spcPts val="3300"/>
+              </a:lnSpc>
+            </a:pPr>
+            <a:r>
+              <a:rPr lang="ko-KR" altLang="en-US" sz="2400" b="1" dirty="0"/>
+              <a:t>면담</a:t>
+            </a:r>
+            <a:endParaRPr lang="en-US" altLang="ko-KR" sz="2400" b="1" dirty="0"/>
+          </a:p>
+          <a:p>
+            <a:pPr marL="285750" indent="-285750">
+              <a:lnSpc>
+                <a:spcPts val="3300"/>
+              </a:lnSpc>
+              <a:buFontTx/>
+              <a:buChar char="-"/>
+            </a:pPr>
+            <a:r>
+              <a:rPr lang="en-US" altLang="ko-KR" dirty="0"/>
+              <a:t>AR</a:t>
+            </a:r>
+            <a:r>
+              <a:rPr lang="ko-KR" altLang="en-US" dirty="0"/>
+              <a:t> </a:t>
+            </a:r>
+            <a:r>
+              <a:rPr lang="en-US" altLang="ko-KR" dirty="0"/>
+              <a:t>Player </a:t>
+            </a:r>
+            <a:r>
+              <a:rPr lang="ko-KR" altLang="en-US" dirty="0"/>
+              <a:t>형식</a:t>
+            </a:r>
+            <a:r>
+              <a:rPr lang="en-US" altLang="ko-KR" dirty="0"/>
+              <a:t>,</a:t>
+            </a:r>
+            <a:r>
+              <a:rPr lang="ko-KR" altLang="en-US" dirty="0"/>
+              <a:t> 웹툰 원고</a:t>
+            </a:r>
+            <a:r>
+              <a:rPr lang="en-US" altLang="ko-KR" dirty="0"/>
+              <a:t> </a:t>
+            </a:r>
+            <a:r>
+              <a:rPr lang="ko-KR" altLang="en-US" dirty="0"/>
+              <a:t>선정</a:t>
+            </a:r>
+            <a:endParaRPr lang="en-US" altLang="ko-KR" dirty="0"/>
+          </a:p>
+          <a:p>
+            <a:pPr marL="285750" indent="-285750">
+              <a:lnSpc>
+                <a:spcPts val="3300"/>
+              </a:lnSpc>
+              <a:buFontTx/>
+              <a:buChar char="-"/>
+            </a:pPr>
+            <a:r>
+              <a:rPr lang="en-US" altLang="ko-KR" dirty="0"/>
+              <a:t>Study </a:t>
+            </a:r>
+            <a:r>
+              <a:rPr lang="ko-KR" altLang="en-US" dirty="0"/>
+              <a:t>분야 분담</a:t>
+            </a:r>
+            <a:endParaRPr lang="en-US" altLang="ko-KR" dirty="0"/>
+          </a:p>
+          <a:p>
+            <a:pPr marL="285750" indent="-285750">
+              <a:lnSpc>
+                <a:spcPts val="3300"/>
+              </a:lnSpc>
+              <a:buFontTx/>
+              <a:buChar char="-"/>
+            </a:pPr>
+            <a:r>
+              <a:rPr lang="ko-KR" altLang="en-US" dirty="0"/>
+              <a:t>메신저와 </a:t>
+            </a:r>
+            <a:r>
+              <a:rPr lang="en-US" altLang="ko-KR" dirty="0"/>
+              <a:t>GitHub</a:t>
+            </a:r>
+            <a:r>
+              <a:rPr lang="ko-KR" altLang="en-US" dirty="0"/>
+              <a:t>를 통한 소통</a:t>
+            </a:r>
+            <a:endParaRPr lang="en-US" altLang="ko-KR" dirty="0"/>
+          </a:p>
+        </p:txBody>
+      </p:sp>
+      <p:sp>
+        <p:nvSpPr>
+          <p:cNvPr id="12" name="TextBox 11"/>
+          <p:cNvSpPr txBox="1"/>
+          <p:nvPr/>
+        </p:nvSpPr>
+        <p:spPr>
+          <a:xfrm>
+            <a:off x="3559706" y="1573853"/>
+            <a:ext cx="3609321" cy="1361911"/>
+          </a:xfrm>
+          <a:prstGeom prst="rect">
+            <a:avLst/>
+          </a:prstGeom>
+          <a:noFill/>
+        </p:spPr>
+        <p:txBody>
+          <a:bodyPr wrap="none" rtlCol="0">
+            <a:spAutoFit/>
+          </a:bodyPr>
+          <a:lstStyle/>
+          <a:p>
+            <a:pPr>
+              <a:lnSpc>
+                <a:spcPts val="3300"/>
+              </a:lnSpc>
+            </a:pPr>
+            <a:r>
+              <a:rPr lang="ko-KR" altLang="en-US" sz="2400" b="1" dirty="0"/>
+              <a:t>스터디</a:t>
+            </a:r>
+            <a:endParaRPr lang="en-US" altLang="ko-KR" sz="2400" b="1" dirty="0"/>
+          </a:p>
+          <a:p>
+            <a:pPr marL="285750" indent="-285750">
+              <a:lnSpc>
+                <a:spcPts val="3300"/>
+              </a:lnSpc>
+              <a:buFontTx/>
+              <a:buChar char="-"/>
+            </a:pPr>
+            <a:r>
+              <a:rPr lang="en-US" altLang="ko-KR" dirty="0" err="1"/>
+              <a:t>TensorFlow</a:t>
+            </a:r>
+            <a:r>
+              <a:rPr lang="en-US" altLang="ko-KR" dirty="0"/>
+              <a:t>: Terms, MNIST,</a:t>
+            </a:r>
+            <a:r>
+              <a:rPr lang="ko-KR" altLang="en-US" dirty="0"/>
+              <a:t> </a:t>
+            </a:r>
+            <a:r>
+              <a:rPr lang="mr-IN" altLang="ko-KR" dirty="0"/>
+              <a:t>…</a:t>
+            </a:r>
+            <a:endParaRPr lang="en-US" altLang="ko-KR" dirty="0"/>
+          </a:p>
+          <a:p>
+            <a:pPr marL="285750" indent="-285750">
+              <a:lnSpc>
+                <a:spcPts val="3300"/>
+              </a:lnSpc>
+              <a:buFontTx/>
+              <a:buChar char="-"/>
+            </a:pPr>
+            <a:r>
+              <a:rPr lang="en-US" altLang="ko-KR" dirty="0"/>
+              <a:t>Android: Android API, </a:t>
+            </a:r>
+            <a:r>
+              <a:rPr lang="mr-IN" altLang="ko-KR" dirty="0"/>
+              <a:t>…</a:t>
+            </a:r>
+            <a:endParaRPr lang="en-US" altLang="ko-KR" dirty="0"/>
+          </a:p>
+        </p:txBody>
+      </p:sp>
+    </p:spTree>
+    <p:extLst>
+      <p:ext uri="{BB962C8B-B14F-4D97-AF65-F5344CB8AC3E}">
+        <p14:creationId xmlns:p14="http://schemas.microsoft.com/office/powerpoint/2010/main" val="1496718616"/>
+      </p:ext>
+    </p:extLst>
+  </p:cSld>
+  <p:clrMapOvr>
+    <a:masterClrMapping/>
+  </p:clrMapOvr>
+  <p:transition>
+    <p:fade/>
+  </p:transition>
+</p:sld>
+</file>
+
+<file path=ppt/slides/slide15.xml><?xml version="1.0" encoding="utf-8"?>
+<p:sld xmlns:a="http://schemas.openxmlformats.org/drawingml/2006/main" xmlns:r="http://schemas.openxmlformats.org/officeDocument/2006/relationships" xmlns:p="http://schemas.openxmlformats.org/presentationml/2006/main">
+  <p:cSld>
+    <p:spTree>
+      <p:nvGrpSpPr>
+        <p:cNvPr id="1" name=""/>
+        <p:cNvGrpSpPr/>
+        <p:nvPr/>
+      </p:nvGrpSpPr>
+      <p:grpSpPr>
+        <a:xfrm>
+          <a:off x="0" y="0"/>
+          <a:ext cx="0" cy="0"/>
+          <a:chOff x="0" y="0"/>
+          <a:chExt cx="0" cy="0"/>
+        </a:xfrm>
+      </p:grpSpPr>
+      <p:sp>
+        <p:nvSpPr>
+          <p:cNvPr id="4" name="제목 3"/>
+          <p:cNvSpPr>
+            <a:spLocks noGrp="1"/>
+          </p:cNvSpPr>
+          <p:nvPr>
+            <p:ph type="title"/>
+          </p:nvPr>
+        </p:nvSpPr>
+        <p:spPr>
+          <a:xfrm>
+            <a:off x="457200" y="366780"/>
+            <a:ext cx="8229600" cy="648404"/>
+          </a:xfrm>
+        </p:spPr>
+        <p:txBody>
+          <a:bodyPr/>
+          <a:lstStyle/>
+          <a:p>
+            <a:r>
+              <a:rPr lang="en-US" altLang="ko-KR" dirty="0"/>
+              <a:t>Further Plan</a:t>
+            </a:r>
+            <a:endParaRPr lang="ko-KR" altLang="en-US" dirty="0"/>
+          </a:p>
+        </p:txBody>
+      </p:sp>
+      <p:cxnSp>
+        <p:nvCxnSpPr>
+          <p:cNvPr id="10" name="직선 연결선 9"/>
+          <p:cNvCxnSpPr/>
+          <p:nvPr/>
+        </p:nvCxnSpPr>
+        <p:spPr>
+          <a:xfrm flipH="1">
+            <a:off x="1192945" y="1944909"/>
+            <a:ext cx="2" cy="3931477"/>
+          </a:xfrm>
+          <a:prstGeom prst="line">
+            <a:avLst/>
+          </a:prstGeom>
+          <a:ln w="38100">
+            <a:solidFill>
+              <a:schemeClr val="tx1">
+                <a:lumMod val="50000"/>
+                <a:lumOff val="50000"/>
+              </a:schemeClr>
+            </a:solidFill>
+          </a:ln>
+        </p:spPr>
+        <p:style>
+          <a:lnRef idx="1">
+            <a:schemeClr val="accent1"/>
+          </a:lnRef>
+          <a:fillRef idx="0">
+            <a:schemeClr val="accent1"/>
+          </a:fillRef>
+          <a:effectRef idx="0">
+            <a:schemeClr val="accent1"/>
+          </a:effectRef>
+          <a:fontRef idx="minor">
+            <a:schemeClr val="tx1"/>
+          </a:fontRef>
+        </p:style>
+      </p:cxnSp>
+      <p:sp>
+        <p:nvSpPr>
+          <p:cNvPr id="6" name="타원 5"/>
+          <p:cNvSpPr/>
+          <p:nvPr/>
+        </p:nvSpPr>
+        <p:spPr>
+          <a:xfrm>
+            <a:off x="803538" y="1564143"/>
+            <a:ext cx="761533" cy="761533"/>
+          </a:xfrm>
+          <a:prstGeom prst="ellipse">
+            <a:avLst/>
+          </a:prstGeom>
+          <a:solidFill>
+            <a:schemeClr val="bg1"/>
+          </a:solidFill>
+          <a:ln w="38100">
+            <a:solidFill>
+              <a:srgbClr val="00B050"/>
+            </a:solidFill>
+          </a:ln>
+        </p:spPr>
+        <p:style>
+          <a:lnRef idx="2">
+            <a:schemeClr val="accent1">
+              <a:shade val="50000"/>
+            </a:schemeClr>
+          </a:lnRef>
+          <a:fillRef idx="1">
+            <a:schemeClr val="accent1"/>
+          </a:fillRef>
+          <a:effectRef idx="0">
+            <a:schemeClr val="accent1"/>
+          </a:effectRef>
+          <a:fontRef idx="minor">
+            <a:schemeClr val="lt1"/>
+          </a:fontRef>
+        </p:style>
+        <p:txBody>
+          <a:bodyPr rtlCol="0" anchor="ctr"/>
+          <a:lstStyle/>
+          <a:p>
+            <a:pPr algn="ctr"/>
+            <a:endParaRPr lang="ko-KR" altLang="en-US" spc="80" dirty="0">
+              <a:solidFill>
+                <a:schemeClr val="bg1"/>
+              </a:solidFill>
+              <a:latin typeface="나눔고딕" pitchFamily="50" charset="-127"/>
+              <a:ea typeface="나눔고딕" pitchFamily="50" charset="-127"/>
+            </a:endParaRPr>
+          </a:p>
+        </p:txBody>
+      </p:sp>
+      <p:sp>
+        <p:nvSpPr>
+          <p:cNvPr id="7" name="타원 6"/>
+          <p:cNvSpPr/>
+          <p:nvPr/>
+        </p:nvSpPr>
+        <p:spPr>
+          <a:xfrm>
+            <a:off x="803537" y="2874636"/>
+            <a:ext cx="761533" cy="761533"/>
+          </a:xfrm>
+          <a:prstGeom prst="ellipse">
+            <a:avLst/>
+          </a:prstGeom>
+          <a:solidFill>
+            <a:schemeClr val="bg1"/>
+          </a:solidFill>
+          <a:ln w="38100">
+            <a:solidFill>
+              <a:srgbClr val="00B050"/>
+            </a:solidFill>
+          </a:ln>
+        </p:spPr>
+        <p:style>
+          <a:lnRef idx="2">
+            <a:schemeClr val="accent1">
+              <a:shade val="50000"/>
+            </a:schemeClr>
+          </a:lnRef>
+          <a:fillRef idx="1">
+            <a:schemeClr val="accent1"/>
+          </a:fillRef>
+          <a:effectRef idx="0">
+            <a:schemeClr val="accent1"/>
+          </a:effectRef>
+          <a:fontRef idx="minor">
+            <a:schemeClr val="lt1"/>
+          </a:fontRef>
+        </p:style>
+        <p:txBody>
+          <a:bodyPr rtlCol="0" anchor="ctr"/>
+          <a:lstStyle/>
+          <a:p>
+            <a:pPr algn="ctr"/>
+            <a:endParaRPr lang="ko-KR" altLang="en-US" spc="80" dirty="0">
+              <a:solidFill>
+                <a:schemeClr val="bg1"/>
+              </a:solidFill>
+              <a:latin typeface="나눔고딕" pitchFamily="50" charset="-127"/>
+              <a:ea typeface="나눔고딕" pitchFamily="50" charset="-127"/>
+            </a:endParaRPr>
+          </a:p>
+        </p:txBody>
+      </p:sp>
+      <p:sp>
+        <p:nvSpPr>
+          <p:cNvPr id="8" name="타원 7"/>
+          <p:cNvSpPr/>
+          <p:nvPr/>
+        </p:nvSpPr>
+        <p:spPr>
+          <a:xfrm>
+            <a:off x="803536" y="4185128"/>
+            <a:ext cx="761533" cy="761533"/>
+          </a:xfrm>
+          <a:prstGeom prst="ellipse">
+            <a:avLst/>
+          </a:prstGeom>
+          <a:solidFill>
+            <a:schemeClr val="bg1"/>
+          </a:solidFill>
+          <a:ln w="38100">
+            <a:solidFill>
+              <a:srgbClr val="00B050"/>
+            </a:solidFill>
+          </a:ln>
+        </p:spPr>
+        <p:style>
+          <a:lnRef idx="2">
+            <a:schemeClr val="accent1">
+              <a:shade val="50000"/>
+            </a:schemeClr>
+          </a:lnRef>
+          <a:fillRef idx="1">
+            <a:schemeClr val="accent1"/>
+          </a:fillRef>
+          <a:effectRef idx="0">
+            <a:schemeClr val="accent1"/>
+          </a:effectRef>
+          <a:fontRef idx="minor">
+            <a:schemeClr val="lt1"/>
+          </a:fontRef>
+        </p:style>
+        <p:txBody>
+          <a:bodyPr rtlCol="0" anchor="ctr"/>
+          <a:lstStyle/>
+          <a:p>
+            <a:pPr algn="ctr"/>
+            <a:endParaRPr lang="ko-KR" altLang="en-US" spc="80" dirty="0">
+              <a:solidFill>
+                <a:schemeClr val="bg1"/>
+              </a:solidFill>
+              <a:latin typeface="나눔고딕" pitchFamily="50" charset="-127"/>
+              <a:ea typeface="나눔고딕" pitchFamily="50" charset="-127"/>
+            </a:endParaRPr>
+          </a:p>
+        </p:txBody>
+      </p:sp>
+      <p:sp>
+        <p:nvSpPr>
+          <p:cNvPr id="9" name="타원 7"/>
+          <p:cNvSpPr/>
+          <p:nvPr/>
+        </p:nvSpPr>
+        <p:spPr>
+          <a:xfrm>
+            <a:off x="803536" y="5495620"/>
+            <a:ext cx="761533" cy="761533"/>
+          </a:xfrm>
+          <a:prstGeom prst="ellipse">
+            <a:avLst/>
+          </a:prstGeom>
+          <a:solidFill>
+            <a:schemeClr val="bg1"/>
+          </a:solidFill>
+          <a:ln w="38100">
+            <a:solidFill>
+              <a:srgbClr val="00B050"/>
+            </a:solidFill>
+          </a:ln>
+        </p:spPr>
+        <p:style>
+          <a:lnRef idx="2">
+            <a:schemeClr val="accent1">
+              <a:shade val="50000"/>
+            </a:schemeClr>
+          </a:lnRef>
+          <a:fillRef idx="1">
+            <a:schemeClr val="accent1"/>
+          </a:fillRef>
+          <a:effectRef idx="0">
+            <a:schemeClr val="accent1"/>
+          </a:effectRef>
+          <a:fontRef idx="minor">
+            <a:schemeClr val="lt1"/>
+          </a:fontRef>
+        </p:style>
+        <p:txBody>
+          <a:bodyPr rtlCol="0" anchor="ctr"/>
+          <a:lstStyle/>
+          <a:p>
+            <a:pPr algn="ctr"/>
+            <a:endParaRPr lang="ko-KR" altLang="en-US" spc="80" dirty="0">
+              <a:solidFill>
+                <a:schemeClr val="bg1"/>
+              </a:solidFill>
+              <a:latin typeface="나눔고딕" pitchFamily="50" charset="-127"/>
+              <a:ea typeface="나눔고딕" pitchFamily="50" charset="-127"/>
+            </a:endParaRPr>
+          </a:p>
+        </p:txBody>
+      </p:sp>
+      <p:sp>
+        <p:nvSpPr>
+          <p:cNvPr id="11" name="TextBox 10"/>
+          <p:cNvSpPr txBox="1"/>
+          <p:nvPr/>
+        </p:nvSpPr>
+        <p:spPr>
+          <a:xfrm>
+            <a:off x="1740470" y="1714076"/>
+            <a:ext cx="5886015" cy="461665"/>
+          </a:xfrm>
+          <a:prstGeom prst="rect">
+            <a:avLst/>
+          </a:prstGeom>
+          <a:noFill/>
+        </p:spPr>
+        <p:txBody>
+          <a:bodyPr wrap="square" rtlCol="0">
+            <a:spAutoFit/>
+          </a:bodyPr>
+          <a:lstStyle/>
+          <a:p>
+            <a:r>
+              <a:rPr lang="en-US" altLang="ko-KR" sz="2400" dirty="0" err="1"/>
+              <a:t>TensorFlow</a:t>
+            </a:r>
+            <a:r>
+              <a:rPr lang="ko-KR" altLang="en-US" sz="2400" dirty="0"/>
+              <a:t> </a:t>
+            </a:r>
+            <a:r>
+              <a:rPr lang="en-US" altLang="ko-KR" dirty="0"/>
+              <a:t>CNN, Training Datasets, </a:t>
+            </a:r>
+            <a:r>
+              <a:rPr lang="mr-IN" altLang="ko-KR" dirty="0"/>
+              <a:t>…</a:t>
+            </a:r>
+            <a:endParaRPr lang="ko-KR" altLang="en-US" dirty="0"/>
+          </a:p>
+        </p:txBody>
+      </p:sp>
+      <p:sp>
+        <p:nvSpPr>
+          <p:cNvPr id="13" name="TextBox 12"/>
+          <p:cNvSpPr txBox="1"/>
+          <p:nvPr/>
+        </p:nvSpPr>
+        <p:spPr>
+          <a:xfrm>
+            <a:off x="1740470" y="3024569"/>
+            <a:ext cx="5516364" cy="461665"/>
+          </a:xfrm>
+          <a:prstGeom prst="rect">
+            <a:avLst/>
+          </a:prstGeom>
+          <a:noFill/>
+        </p:spPr>
+        <p:txBody>
+          <a:bodyPr wrap="square" rtlCol="0">
+            <a:spAutoFit/>
+          </a:bodyPr>
+          <a:lstStyle/>
+          <a:p>
+            <a:r>
+              <a:rPr lang="en-US" altLang="ko-KR" sz="2400" dirty="0"/>
+              <a:t>Android</a:t>
+            </a:r>
+            <a:r>
+              <a:rPr lang="ko-KR" altLang="en-US" sz="2400" dirty="0"/>
+              <a:t> </a:t>
+            </a:r>
+            <a:r>
+              <a:rPr lang="en-US" altLang="ko-KR" dirty="0" err="1"/>
+              <a:t>RecyclerView</a:t>
+            </a:r>
+            <a:r>
+              <a:rPr lang="en-US" altLang="ko-KR" dirty="0"/>
+              <a:t>, Activity Life Cycle, </a:t>
+            </a:r>
+            <a:r>
+              <a:rPr lang="mr-IN" altLang="ko-KR" dirty="0"/>
+              <a:t>…</a:t>
+            </a:r>
+            <a:endParaRPr lang="ko-KR" altLang="en-US" dirty="0"/>
+          </a:p>
+        </p:txBody>
+      </p:sp>
+      <p:sp>
+        <p:nvSpPr>
+          <p:cNvPr id="14" name="TextBox 13"/>
+          <p:cNvSpPr txBox="1"/>
+          <p:nvPr/>
+        </p:nvSpPr>
+        <p:spPr>
+          <a:xfrm>
+            <a:off x="1740470" y="4335061"/>
+            <a:ext cx="4824551" cy="461665"/>
+          </a:xfrm>
+          <a:prstGeom prst="rect">
+            <a:avLst/>
+          </a:prstGeom>
+          <a:noFill/>
+        </p:spPr>
+        <p:txBody>
+          <a:bodyPr wrap="square" rtlCol="0">
+            <a:spAutoFit/>
+          </a:bodyPr>
+          <a:lstStyle/>
+          <a:p>
+            <a:r>
+              <a:rPr lang="en-US" altLang="ko-KR" sz="2400" dirty="0"/>
+              <a:t>Graphics</a:t>
+            </a:r>
+            <a:r>
+              <a:rPr lang="ko-KR" altLang="en-US" sz="2400" dirty="0"/>
+              <a:t> </a:t>
+            </a:r>
+            <a:r>
+              <a:rPr lang="en-US" altLang="ko-KR" dirty="0" err="1"/>
+              <a:t>openGL</a:t>
+            </a:r>
+            <a:r>
+              <a:rPr lang="en-US" altLang="ko-KR" dirty="0"/>
+              <a:t>, Glide, </a:t>
+            </a:r>
+            <a:r>
+              <a:rPr lang="mr-IN" altLang="ko-KR" dirty="0"/>
+              <a:t>…</a:t>
+            </a:r>
+            <a:endParaRPr lang="ko-KR" altLang="en-US" dirty="0"/>
+          </a:p>
+        </p:txBody>
+      </p:sp>
+      <p:sp>
+        <p:nvSpPr>
+          <p:cNvPr id="15" name="TextBox 14"/>
+          <p:cNvSpPr txBox="1"/>
+          <p:nvPr/>
+        </p:nvSpPr>
+        <p:spPr>
+          <a:xfrm>
+            <a:off x="1740469" y="5645553"/>
+            <a:ext cx="4824551" cy="461665"/>
+          </a:xfrm>
+          <a:prstGeom prst="rect">
+            <a:avLst/>
+          </a:prstGeom>
+          <a:noFill/>
+        </p:spPr>
+        <p:txBody>
+          <a:bodyPr wrap="square" rtlCol="0">
+            <a:spAutoFit/>
+          </a:bodyPr>
+          <a:lstStyle/>
+          <a:p>
+            <a:r>
+              <a:rPr lang="en-US" altLang="ko-KR" sz="2400" dirty="0"/>
+              <a:t>Database </a:t>
+            </a:r>
+            <a:r>
+              <a:rPr lang="en-US" altLang="ko-KR" dirty="0"/>
+              <a:t>SQLite, realm, </a:t>
+            </a:r>
+            <a:r>
+              <a:rPr lang="mr-IN" altLang="ko-KR" dirty="0"/>
+              <a:t>…</a:t>
+            </a:r>
+            <a:endParaRPr lang="ko-KR" altLang="en-US" dirty="0"/>
+          </a:p>
+        </p:txBody>
+      </p:sp>
+    </p:spTree>
+    <p:extLst>
+      <p:ext uri="{BB962C8B-B14F-4D97-AF65-F5344CB8AC3E}">
+        <p14:creationId xmlns:p14="http://schemas.microsoft.com/office/powerpoint/2010/main" val="475326152"/>
+      </p:ext>
+    </p:extLst>
+  </p:cSld>
+  <p:clrMapOvr>
+    <a:masterClrMapping/>
+  </p:clrMapOvr>
+  <p:transition>
+    <p:fade/>
+  </p:transition>
+</p:sld>
+</file>
+
+<file path=ppt/slides/slide16.xml><?xml version="1.0" encoding="utf-8"?>
+<p:sld xmlns:a="http://schemas.openxmlformats.org/drawingml/2006/main" xmlns:r="http://schemas.openxmlformats.org/officeDocument/2006/relationships" xmlns:p="http://schemas.openxmlformats.org/presentationml/2006/main">
+  <p:cSld>
+    <p:spTree>
+      <p:nvGrpSpPr>
+        <p:cNvPr id="1" name=""/>
+        <p:cNvGrpSpPr/>
+        <p:nvPr/>
+      </p:nvGrpSpPr>
+      <p:grpSpPr>
+        <a:xfrm>
+          <a:off x="0" y="0"/>
+          <a:ext cx="0" cy="0"/>
+          <a:chOff x="0" y="0"/>
+          <a:chExt cx="0" cy="0"/>
+        </a:xfrm>
+      </p:grpSpPr>
+      <p:sp>
+        <p:nvSpPr>
+          <p:cNvPr id="4" name="제목 3"/>
+          <p:cNvSpPr>
+            <a:spLocks noGrp="1"/>
+          </p:cNvSpPr>
+          <p:nvPr>
+            <p:ph type="title"/>
+          </p:nvPr>
+        </p:nvSpPr>
+        <p:spPr>
+          <a:xfrm>
+            <a:off x="457200" y="366780"/>
+            <a:ext cx="8229600" cy="648404"/>
+          </a:xfrm>
+        </p:spPr>
+        <p:txBody>
+          <a:bodyPr/>
+          <a:lstStyle/>
+          <a:p>
+            <a:r>
+              <a:rPr lang="en-US" altLang="ko-KR" dirty="0"/>
               <a:t>Division and Assignment of Work</a:t>
             </a:r>
             <a:endParaRPr lang="ko-KR" altLang="en-US" dirty="0"/>
@@ -10538,8 +11374,8 @@
         </p:nvSpPr>
         <p:spPr bwMode="auto">
           <a:xfrm>
-            <a:off x="894525" y="1340165"/>
-            <a:ext cx="7212231" cy="1471557"/>
+            <a:off x="894525" y="1562982"/>
+            <a:ext cx="7212231" cy="1025922"/>
           </a:xfrm>
           <a:prstGeom prst="rect">
             <a:avLst/>
@@ -10682,48 +11518,6 @@
               </a:solidFill>
               <a:latin typeface="Arial" panose="020B0604020202020204" pitchFamily="34" charset="0"/>
               <a:cs typeface="Arial" panose="020B0604020202020204" pitchFamily="34" charset="0"/>
-            </a:endParaRPr>
-          </a:p>
-          <a:p>
-            <a:pPr marR="0" lvl="0" algn="l" defTabSz="914400" rtl="0" eaLnBrk="0" fontAlgn="base" latinLnBrk="0" hangingPunct="0">
-              <a:lnSpc>
-                <a:spcPts val="4000"/>
-              </a:lnSpc>
-              <a:spcBef>
-                <a:spcPct val="0"/>
-              </a:spcBef>
-              <a:spcAft>
-                <a:spcPct val="0"/>
-              </a:spcAft>
-              <a:buClrTx/>
-              <a:buSzTx/>
-              <a:buFontTx/>
-              <a:buChar char="-"/>
-              <a:tabLst/>
-            </a:pPr>
-            <a:r>
-              <a:rPr kumimoji="0" lang="ko-KR" altLang="en-US" sz="2000" b="0" i="0" u="none" strike="noStrike" cap="none" normalizeH="0" baseline="0" dirty="0">
-                <a:ln>
-                  <a:noFill/>
-                </a:ln>
-                <a:solidFill>
-                  <a:srgbClr val="000000"/>
-                </a:solidFill>
-                <a:effectLst/>
-                <a:latin typeface="Arial" panose="020B0604020202020204" pitchFamily="34" charset="0"/>
-                <a:cs typeface="Arial" panose="020B0604020202020204" pitchFamily="34" charset="0"/>
-              </a:rPr>
-              <a:t>하위 분야는 상황에 따라 분담</a:t>
-            </a:r>
-            <a:endParaRPr kumimoji="0" lang="ko-KR" altLang="ko-KR" sz="4800" b="0" i="0" u="none" strike="noStrike" cap="none" normalizeH="0" baseline="0" dirty="0">
-              <a:ln>
-                <a:noFill/>
-              </a:ln>
-              <a:solidFill>
-                <a:schemeClr val="tx1"/>
-              </a:solidFill>
-              <a:effectLst/>
-              <a:latin typeface="Arial" panose="020B0604020202020204" pitchFamily="34" charset="0"/>
             </a:endParaRPr>
           </a:p>
         </p:txBody>
@@ -10924,8 +11718,8 @@
           </p:nvSpPr>
           <p:spPr>
             <a:xfrm>
-              <a:off x="2015918" y="4038647"/>
-              <a:ext cx="2003898" cy="369332"/>
+              <a:off x="2015917" y="4038647"/>
+              <a:ext cx="2680025" cy="369332"/>
             </a:xfrm>
             <a:prstGeom prst="rect">
               <a:avLst/>
@@ -10942,6 +11736,14 @@
               <a:r>
                 <a:rPr lang="ko-KR" altLang="en-US" dirty="0"/>
                 <a:t>강민지 </a:t>
+              </a:r>
+              <a:r>
+                <a:rPr lang="ko-KR" altLang="en-US" dirty="0" err="1"/>
+                <a:t>핌언</a:t>
+              </a:r>
+              <a:r>
+                <a:rPr lang="ko-KR" altLang="en-US" dirty="0"/>
+                <a:t> </a:t>
               </a:r>
               <a:r>
                 <a:rPr lang="en-US" altLang="ko-KR" sz="1400" dirty="0" err="1"/>
@@ -10976,7 +11778,7 @@
               <a:pPr algn="ctr"/>
               <a:r>
                 <a:rPr lang="ko-KR" altLang="en-US" dirty="0"/>
-                <a:t>원종훈 핌언 </a:t>
+                <a:t>원종훈 </a:t>
               </a:r>
               <a:r>
                 <a:rPr lang="en-US" altLang="ko-KR" sz="1400" dirty="0"/>
@@ -10991,849 +11793,6 @@
     <p:extLst>
       <p:ext uri="{BB962C8B-B14F-4D97-AF65-F5344CB8AC3E}">
         <p14:creationId xmlns:p14="http://schemas.microsoft.com/office/powerpoint/2010/main" val="1461754398"/>
-      </p:ext>
-    </p:extLst>
-  </p:cSld>
-  <p:clrMapOvr>
-    <a:masterClrMapping/>
-  </p:clrMapOvr>
-  <p:transition>
-    <p:fade/>
-  </p:transition>
-</p:sld>
-</file>
-
-<file path=ppt/slides/slide15.xml><?xml version="1.0" encoding="utf-8"?>
-<p:sld xmlns:a="http://schemas.openxmlformats.org/drawingml/2006/main" xmlns:r="http://schemas.openxmlformats.org/officeDocument/2006/relationships" xmlns:p="http://schemas.openxmlformats.org/presentationml/2006/main">
-  <p:cSld>
-    <p:spTree>
-      <p:nvGrpSpPr>
-        <p:cNvPr id="1" name=""/>
-        <p:cNvGrpSpPr/>
-        <p:nvPr/>
-      </p:nvGrpSpPr>
-      <p:grpSpPr>
-        <a:xfrm>
-          <a:off x="0" y="0"/>
-          <a:ext cx="0" cy="0"/>
-          <a:chOff x="0" y="0"/>
-          <a:chExt cx="0" cy="0"/>
-        </a:xfrm>
-      </p:grpSpPr>
-      <p:sp>
-        <p:nvSpPr>
-          <p:cNvPr id="4" name="제목 3"/>
-          <p:cNvSpPr>
-            <a:spLocks noGrp="1"/>
-          </p:cNvSpPr>
-          <p:nvPr>
-            <p:ph type="title"/>
-          </p:nvPr>
-        </p:nvSpPr>
-        <p:spPr>
-          <a:xfrm>
-            <a:off x="457200" y="366780"/>
-            <a:ext cx="8229600" cy="648404"/>
-          </a:xfrm>
-        </p:spPr>
-        <p:txBody>
-          <a:bodyPr/>
-          <a:lstStyle/>
-          <a:p>
-            <a:r>
-              <a:rPr lang="en-US" altLang="ko-KR" dirty="0"/>
-              <a:t>Current Status</a:t>
-            </a:r>
-            <a:endParaRPr lang="ko-KR" altLang="en-US" dirty="0"/>
-          </a:p>
-        </p:txBody>
-      </p:sp>
-      <p:pic>
-        <p:nvPicPr>
-          <p:cNvPr id="5" name="Picture 4"/>
-          <p:cNvPicPr>
-            <a:picLocks noChangeAspect="1"/>
-          </p:cNvPicPr>
-          <p:nvPr/>
-        </p:nvPicPr>
-        <p:blipFill rotWithShape="1">
-          <a:blip r:embed="rId3" cstate="print">
-            <a:duotone>
-              <a:schemeClr val="accent2">
-                <a:shade val="45000"/>
-                <a:satMod val="135000"/>
-              </a:schemeClr>
-              <a:prstClr val="white"/>
-            </a:duotone>
-            <a:extLst>
-              <a:ext uri="{28A0092B-C50C-407E-A947-70E740481C1C}">
-                <a14:useLocalDpi xmlns:a14="http://schemas.microsoft.com/office/drawing/2010/main" val="0"/>
-              </a:ext>
-            </a:extLst>
-          </a:blip>
-          <a:srcRect l="4326" r="6312" b="13759"/>
-          <a:stretch/>
-        </p:blipFill>
-        <p:spPr>
-          <a:xfrm>
-            <a:off x="1421400" y="3970436"/>
-            <a:ext cx="1846218" cy="1781747"/>
-          </a:xfrm>
-          <a:prstGeom prst="rect">
-            <a:avLst/>
-          </a:prstGeom>
-        </p:spPr>
-      </p:pic>
-      <p:pic>
-        <p:nvPicPr>
-          <p:cNvPr id="7" name="Picture 6"/>
-          <p:cNvPicPr>
-            <a:picLocks noChangeAspect="1"/>
-          </p:cNvPicPr>
-          <p:nvPr/>
-        </p:nvPicPr>
-        <p:blipFill rotWithShape="1">
-          <a:blip r:embed="rId4" cstate="print">
-            <a:clrChange>
-              <a:clrFrom>
-                <a:srgbClr val="000000">
-                  <a:alpha val="0"/>
-                </a:srgbClr>
-              </a:clrFrom>
-              <a:clrTo>
-                <a:srgbClr val="000000">
-                  <a:alpha val="0"/>
-                </a:srgbClr>
-              </a:clrTo>
-            </a:clrChange>
-            <a:alphaModFix/>
-            <a:duotone>
-              <a:schemeClr val="accent2">
-                <a:shade val="45000"/>
-                <a:satMod val="135000"/>
-              </a:schemeClr>
-              <a:prstClr val="white"/>
-            </a:duotone>
-            <a:extLst>
-              <a:ext uri="{28A0092B-C50C-407E-A947-70E740481C1C}">
-                <a14:useLocalDpi xmlns:a14="http://schemas.microsoft.com/office/drawing/2010/main" val="0"/>
-              </a:ext>
-            </a:extLst>
-          </a:blip>
-          <a:srcRect b="15146"/>
-          <a:stretch/>
-        </p:blipFill>
-        <p:spPr>
-          <a:xfrm>
-            <a:off x="1223207" y="1673342"/>
-            <a:ext cx="1931474" cy="1638936"/>
-          </a:xfrm>
-          <a:prstGeom prst="rect">
-            <a:avLst/>
-          </a:prstGeom>
-        </p:spPr>
-      </p:pic>
-      <p:sp>
-        <p:nvSpPr>
-          <p:cNvPr id="10" name="TextBox 9"/>
-          <p:cNvSpPr txBox="1"/>
-          <p:nvPr/>
-        </p:nvSpPr>
-        <p:spPr>
-          <a:xfrm>
-            <a:off x="3431663" y="1586078"/>
-            <a:ext cx="3384260" cy="1734706"/>
-          </a:xfrm>
-          <a:prstGeom prst="rect">
-            <a:avLst/>
-          </a:prstGeom>
-          <a:noFill/>
-        </p:spPr>
-        <p:txBody>
-          <a:bodyPr wrap="none" rtlCol="0">
-            <a:spAutoFit/>
-          </a:bodyPr>
-          <a:lstStyle/>
-          <a:p>
-            <a:pPr>
-              <a:lnSpc>
-                <a:spcPts val="3300"/>
-              </a:lnSpc>
-            </a:pPr>
-            <a:r>
-              <a:rPr lang="ko-KR" altLang="en-US" sz="2400" b="1" dirty="0"/>
-              <a:t>면담</a:t>
-            </a:r>
-            <a:endParaRPr lang="en-US" altLang="ko-KR" sz="2400" b="1" dirty="0"/>
-          </a:p>
-          <a:p>
-            <a:pPr marL="285750" indent="-285750">
-              <a:lnSpc>
-                <a:spcPts val="3300"/>
-              </a:lnSpc>
-              <a:buFontTx/>
-              <a:buChar char="-"/>
-            </a:pPr>
-            <a:r>
-              <a:rPr lang="en-US" altLang="ko-KR" dirty="0"/>
-              <a:t>AR</a:t>
-            </a:r>
-            <a:r>
-              <a:rPr lang="ko-KR" altLang="en-US" dirty="0"/>
-              <a:t> </a:t>
-            </a:r>
-            <a:r>
-              <a:rPr lang="en-US" altLang="ko-KR" dirty="0"/>
-              <a:t>Player </a:t>
-            </a:r>
-            <a:r>
-              <a:rPr lang="ko-KR" altLang="en-US" dirty="0"/>
-              <a:t>형식</a:t>
-            </a:r>
-            <a:r>
-              <a:rPr lang="en-US" altLang="ko-KR" dirty="0"/>
-              <a:t>,</a:t>
-            </a:r>
-            <a:r>
-              <a:rPr lang="ko-KR" altLang="en-US" dirty="0"/>
-              <a:t> </a:t>
-            </a:r>
-            <a:r>
-              <a:rPr lang="en-US" altLang="ko-KR" dirty="0"/>
-              <a:t>Source </a:t>
-            </a:r>
-            <a:r>
-              <a:rPr lang="ko-KR" altLang="en-US" dirty="0"/>
-              <a:t>선택</a:t>
-            </a:r>
-            <a:endParaRPr lang="en-US" altLang="ko-KR" dirty="0"/>
-          </a:p>
-          <a:p>
-            <a:pPr marL="285750" indent="-285750">
-              <a:lnSpc>
-                <a:spcPts val="3300"/>
-              </a:lnSpc>
-              <a:buFontTx/>
-              <a:buChar char="-"/>
-            </a:pPr>
-            <a:r>
-              <a:rPr lang="en-US" altLang="ko-KR" dirty="0"/>
-              <a:t>Study </a:t>
-            </a:r>
-            <a:r>
-              <a:rPr lang="ko-KR" altLang="en-US" dirty="0"/>
-              <a:t>분야 분담</a:t>
-            </a:r>
-            <a:endParaRPr lang="en-US" altLang="ko-KR" dirty="0"/>
-          </a:p>
-          <a:p>
-            <a:pPr marL="285750" indent="-285750">
-              <a:lnSpc>
-                <a:spcPts val="3300"/>
-              </a:lnSpc>
-              <a:buFontTx/>
-              <a:buChar char="-"/>
-            </a:pPr>
-            <a:r>
-              <a:rPr lang="ko-KR" altLang="en-US" dirty="0"/>
-              <a:t>메신저와 </a:t>
-            </a:r>
-            <a:r>
-              <a:rPr lang="en-US" altLang="ko-KR" dirty="0"/>
-              <a:t>GitHub</a:t>
-            </a:r>
-            <a:r>
-              <a:rPr lang="ko-KR" altLang="en-US" dirty="0"/>
-              <a:t>를 통한 소통</a:t>
-            </a:r>
-            <a:endParaRPr lang="en-US" altLang="ko-KR" dirty="0"/>
-          </a:p>
-        </p:txBody>
-      </p:sp>
-      <p:sp>
-        <p:nvSpPr>
-          <p:cNvPr id="12" name="TextBox 11"/>
-          <p:cNvSpPr txBox="1"/>
-          <p:nvPr/>
-        </p:nvSpPr>
-        <p:spPr>
-          <a:xfrm>
-            <a:off x="3425526" y="3994046"/>
-            <a:ext cx="3609321" cy="1734706"/>
-          </a:xfrm>
-          <a:prstGeom prst="rect">
-            <a:avLst/>
-          </a:prstGeom>
-          <a:noFill/>
-        </p:spPr>
-        <p:txBody>
-          <a:bodyPr wrap="none" rtlCol="0">
-            <a:spAutoFit/>
-          </a:bodyPr>
-          <a:lstStyle/>
-          <a:p>
-            <a:pPr>
-              <a:lnSpc>
-                <a:spcPts val="3300"/>
-              </a:lnSpc>
-            </a:pPr>
-            <a:r>
-              <a:rPr lang="ko-KR" altLang="en-US" sz="2400" b="1" dirty="0"/>
-              <a:t>스터디</a:t>
-            </a:r>
-            <a:endParaRPr lang="en-US" altLang="ko-KR" sz="2400" b="1" dirty="0"/>
-          </a:p>
-          <a:p>
-            <a:pPr marL="285750" indent="-285750">
-              <a:lnSpc>
-                <a:spcPts val="3300"/>
-              </a:lnSpc>
-              <a:buFontTx/>
-              <a:buChar char="-"/>
-            </a:pPr>
-            <a:r>
-              <a:rPr lang="ko-KR" altLang="en-US" dirty="0"/>
-              <a:t>앞으로 배워야 할 내용 설정</a:t>
-            </a:r>
-            <a:endParaRPr lang="en-US" altLang="ko-KR" dirty="0"/>
-          </a:p>
-          <a:p>
-            <a:pPr marL="285750" indent="-285750">
-              <a:lnSpc>
-                <a:spcPts val="3300"/>
-              </a:lnSpc>
-              <a:buFontTx/>
-              <a:buChar char="-"/>
-            </a:pPr>
-            <a:r>
-              <a:rPr lang="en-US" altLang="ko-KR" dirty="0" err="1"/>
-              <a:t>TensorFlow</a:t>
-            </a:r>
-            <a:r>
-              <a:rPr lang="en-US" altLang="ko-KR" dirty="0"/>
-              <a:t>: Terms, MNIST,</a:t>
-            </a:r>
-            <a:r>
-              <a:rPr lang="ko-KR" altLang="en-US" dirty="0"/>
-              <a:t> </a:t>
-            </a:r>
-            <a:r>
-              <a:rPr lang="mr-IN" altLang="ko-KR" dirty="0"/>
-              <a:t>…</a:t>
-            </a:r>
-            <a:endParaRPr lang="en-US" altLang="ko-KR" dirty="0"/>
-          </a:p>
-          <a:p>
-            <a:pPr marL="285750" indent="-285750">
-              <a:lnSpc>
-                <a:spcPts val="3300"/>
-              </a:lnSpc>
-              <a:buFontTx/>
-              <a:buChar char="-"/>
-            </a:pPr>
-            <a:r>
-              <a:rPr lang="en-US" altLang="ko-KR" dirty="0"/>
-              <a:t>Android: Android Studio, </a:t>
-            </a:r>
-            <a:r>
-              <a:rPr lang="mr-IN" altLang="ko-KR" dirty="0"/>
-              <a:t>…</a:t>
-            </a:r>
-            <a:endParaRPr lang="en-US" altLang="ko-KR" dirty="0"/>
-          </a:p>
-        </p:txBody>
-      </p:sp>
-    </p:spTree>
-    <p:extLst>
-      <p:ext uri="{BB962C8B-B14F-4D97-AF65-F5344CB8AC3E}">
-        <p14:creationId xmlns:p14="http://schemas.microsoft.com/office/powerpoint/2010/main" val="1496718616"/>
-      </p:ext>
-    </p:extLst>
-  </p:cSld>
-  <p:clrMapOvr>
-    <a:masterClrMapping/>
-  </p:clrMapOvr>
-  <p:transition>
-    <p:fade/>
-  </p:transition>
-</p:sld>
-</file>
-
-<file path=ppt/slides/slide16.xml><?xml version="1.0" encoding="utf-8"?>
-<p:sld xmlns:a="http://schemas.openxmlformats.org/drawingml/2006/main" xmlns:r="http://schemas.openxmlformats.org/officeDocument/2006/relationships" xmlns:p="http://schemas.openxmlformats.org/presentationml/2006/main">
-  <p:cSld>
-    <p:spTree>
-      <p:nvGrpSpPr>
-        <p:cNvPr id="1" name=""/>
-        <p:cNvGrpSpPr/>
-        <p:nvPr/>
-      </p:nvGrpSpPr>
-      <p:grpSpPr>
-        <a:xfrm>
-          <a:off x="0" y="0"/>
-          <a:ext cx="0" cy="0"/>
-          <a:chOff x="0" y="0"/>
-          <a:chExt cx="0" cy="0"/>
-        </a:xfrm>
-      </p:grpSpPr>
-      <p:sp>
-        <p:nvSpPr>
-          <p:cNvPr id="4" name="제목 3"/>
-          <p:cNvSpPr>
-            <a:spLocks noGrp="1"/>
-          </p:cNvSpPr>
-          <p:nvPr>
-            <p:ph type="title"/>
-          </p:nvPr>
-        </p:nvSpPr>
-        <p:spPr>
-          <a:xfrm>
-            <a:off x="457200" y="366780"/>
-            <a:ext cx="8229600" cy="648404"/>
-          </a:xfrm>
-        </p:spPr>
-        <p:txBody>
-          <a:bodyPr/>
-          <a:lstStyle/>
-          <a:p>
-            <a:r>
-              <a:rPr lang="en-US" altLang="ko-KR" dirty="0"/>
-              <a:t>Further Plan</a:t>
-            </a:r>
-            <a:endParaRPr lang="ko-KR" altLang="en-US" dirty="0"/>
-          </a:p>
-        </p:txBody>
-      </p:sp>
-      <p:cxnSp>
-        <p:nvCxnSpPr>
-          <p:cNvPr id="10" name="직선 연결선 9"/>
-          <p:cNvCxnSpPr/>
-          <p:nvPr/>
-        </p:nvCxnSpPr>
-        <p:spPr>
-          <a:xfrm flipH="1">
-            <a:off x="1192945" y="1944909"/>
-            <a:ext cx="2" cy="3931477"/>
-          </a:xfrm>
-          <a:prstGeom prst="line">
-            <a:avLst/>
-          </a:prstGeom>
-          <a:ln w="38100">
-            <a:solidFill>
-              <a:schemeClr val="tx1">
-                <a:lumMod val="50000"/>
-                <a:lumOff val="50000"/>
-              </a:schemeClr>
-            </a:solidFill>
-          </a:ln>
-        </p:spPr>
-        <p:style>
-          <a:lnRef idx="1">
-            <a:schemeClr val="accent1"/>
-          </a:lnRef>
-          <a:fillRef idx="0">
-            <a:schemeClr val="accent1"/>
-          </a:fillRef>
-          <a:effectRef idx="0">
-            <a:schemeClr val="accent1"/>
-          </a:effectRef>
-          <a:fontRef idx="minor">
-            <a:schemeClr val="tx1"/>
-          </a:fontRef>
-        </p:style>
-      </p:cxnSp>
-      <p:sp>
-        <p:nvSpPr>
-          <p:cNvPr id="6" name="타원 5"/>
-          <p:cNvSpPr/>
-          <p:nvPr/>
-        </p:nvSpPr>
-        <p:spPr>
-          <a:xfrm>
-            <a:off x="803538" y="1564143"/>
-            <a:ext cx="761533" cy="761533"/>
-          </a:xfrm>
-          <a:prstGeom prst="ellipse">
-            <a:avLst/>
-          </a:prstGeom>
-          <a:solidFill>
-            <a:schemeClr val="bg1"/>
-          </a:solidFill>
-          <a:ln w="38100">
-            <a:solidFill>
-              <a:srgbClr val="00B050"/>
-            </a:solidFill>
-          </a:ln>
-        </p:spPr>
-        <p:style>
-          <a:lnRef idx="2">
-            <a:schemeClr val="accent1">
-              <a:shade val="50000"/>
-            </a:schemeClr>
-          </a:lnRef>
-          <a:fillRef idx="1">
-            <a:schemeClr val="accent1"/>
-          </a:fillRef>
-          <a:effectRef idx="0">
-            <a:schemeClr val="accent1"/>
-          </a:effectRef>
-          <a:fontRef idx="minor">
-            <a:schemeClr val="lt1"/>
-          </a:fontRef>
-        </p:style>
-        <p:txBody>
-          <a:bodyPr rtlCol="0" anchor="ctr"/>
-          <a:lstStyle/>
-          <a:p>
-            <a:pPr algn="ctr"/>
-            <a:endParaRPr lang="ko-KR" altLang="en-US" spc="80" dirty="0">
-              <a:solidFill>
-                <a:schemeClr val="bg1"/>
-              </a:solidFill>
-              <a:latin typeface="나눔고딕" pitchFamily="50" charset="-127"/>
-              <a:ea typeface="나눔고딕" pitchFamily="50" charset="-127"/>
-            </a:endParaRPr>
-          </a:p>
-        </p:txBody>
-      </p:sp>
-      <p:sp>
-        <p:nvSpPr>
-          <p:cNvPr id="7" name="타원 6"/>
-          <p:cNvSpPr/>
-          <p:nvPr/>
-        </p:nvSpPr>
-        <p:spPr>
-          <a:xfrm>
-            <a:off x="803537" y="2874636"/>
-            <a:ext cx="761533" cy="761533"/>
-          </a:xfrm>
-          <a:prstGeom prst="ellipse">
-            <a:avLst/>
-          </a:prstGeom>
-          <a:solidFill>
-            <a:schemeClr val="bg1"/>
-          </a:solidFill>
-          <a:ln w="38100">
-            <a:solidFill>
-              <a:srgbClr val="00B050"/>
-            </a:solidFill>
-          </a:ln>
-        </p:spPr>
-        <p:style>
-          <a:lnRef idx="2">
-            <a:schemeClr val="accent1">
-              <a:shade val="50000"/>
-            </a:schemeClr>
-          </a:lnRef>
-          <a:fillRef idx="1">
-            <a:schemeClr val="accent1"/>
-          </a:fillRef>
-          <a:effectRef idx="0">
-            <a:schemeClr val="accent1"/>
-          </a:effectRef>
-          <a:fontRef idx="minor">
-            <a:schemeClr val="lt1"/>
-          </a:fontRef>
-        </p:style>
-        <p:txBody>
-          <a:bodyPr rtlCol="0" anchor="ctr"/>
-          <a:lstStyle/>
-          <a:p>
-            <a:pPr algn="ctr"/>
-            <a:endParaRPr lang="ko-KR" altLang="en-US" spc="80" dirty="0">
-              <a:solidFill>
-                <a:schemeClr val="bg1"/>
-              </a:solidFill>
-              <a:latin typeface="나눔고딕" pitchFamily="50" charset="-127"/>
-              <a:ea typeface="나눔고딕" pitchFamily="50" charset="-127"/>
-            </a:endParaRPr>
-          </a:p>
-        </p:txBody>
-      </p:sp>
-      <p:sp>
-        <p:nvSpPr>
-          <p:cNvPr id="8" name="타원 7"/>
-          <p:cNvSpPr/>
-          <p:nvPr/>
-        </p:nvSpPr>
-        <p:spPr>
-          <a:xfrm>
-            <a:off x="803536" y="4185128"/>
-            <a:ext cx="761533" cy="761533"/>
-          </a:xfrm>
-          <a:prstGeom prst="ellipse">
-            <a:avLst/>
-          </a:prstGeom>
-          <a:solidFill>
-            <a:schemeClr val="bg1"/>
-          </a:solidFill>
-          <a:ln w="38100">
-            <a:solidFill>
-              <a:srgbClr val="00B050"/>
-            </a:solidFill>
-          </a:ln>
-        </p:spPr>
-        <p:style>
-          <a:lnRef idx="2">
-            <a:schemeClr val="accent1">
-              <a:shade val="50000"/>
-            </a:schemeClr>
-          </a:lnRef>
-          <a:fillRef idx="1">
-            <a:schemeClr val="accent1"/>
-          </a:fillRef>
-          <a:effectRef idx="0">
-            <a:schemeClr val="accent1"/>
-          </a:effectRef>
-          <a:fontRef idx="minor">
-            <a:schemeClr val="lt1"/>
-          </a:fontRef>
-        </p:style>
-        <p:txBody>
-          <a:bodyPr rtlCol="0" anchor="ctr"/>
-          <a:lstStyle/>
-          <a:p>
-            <a:pPr algn="ctr"/>
-            <a:endParaRPr lang="ko-KR" altLang="en-US" spc="80" dirty="0">
-              <a:solidFill>
-                <a:schemeClr val="bg1"/>
-              </a:solidFill>
-              <a:latin typeface="나눔고딕" pitchFamily="50" charset="-127"/>
-              <a:ea typeface="나눔고딕" pitchFamily="50" charset="-127"/>
-            </a:endParaRPr>
-          </a:p>
-        </p:txBody>
-      </p:sp>
-      <p:sp>
-        <p:nvSpPr>
-          <p:cNvPr id="9" name="타원 7"/>
-          <p:cNvSpPr/>
-          <p:nvPr/>
-        </p:nvSpPr>
-        <p:spPr>
-          <a:xfrm>
-            <a:off x="803536" y="5495620"/>
-            <a:ext cx="761533" cy="761533"/>
-          </a:xfrm>
-          <a:prstGeom prst="ellipse">
-            <a:avLst/>
-          </a:prstGeom>
-          <a:solidFill>
-            <a:schemeClr val="bg1"/>
-          </a:solidFill>
-          <a:ln w="38100">
-            <a:solidFill>
-              <a:srgbClr val="00B050"/>
-            </a:solidFill>
-          </a:ln>
-        </p:spPr>
-        <p:style>
-          <a:lnRef idx="2">
-            <a:schemeClr val="accent1">
-              <a:shade val="50000"/>
-            </a:schemeClr>
-          </a:lnRef>
-          <a:fillRef idx="1">
-            <a:schemeClr val="accent1"/>
-          </a:fillRef>
-          <a:effectRef idx="0">
-            <a:schemeClr val="accent1"/>
-          </a:effectRef>
-          <a:fontRef idx="minor">
-            <a:schemeClr val="lt1"/>
-          </a:fontRef>
-        </p:style>
-        <p:txBody>
-          <a:bodyPr rtlCol="0" anchor="ctr"/>
-          <a:lstStyle/>
-          <a:p>
-            <a:pPr algn="ctr"/>
-            <a:endParaRPr lang="ko-KR" altLang="en-US" spc="80" dirty="0">
-              <a:solidFill>
-                <a:schemeClr val="bg1"/>
-              </a:solidFill>
-              <a:latin typeface="나눔고딕" pitchFamily="50" charset="-127"/>
-              <a:ea typeface="나눔고딕" pitchFamily="50" charset="-127"/>
-            </a:endParaRPr>
-          </a:p>
-        </p:txBody>
-      </p:sp>
-      <p:sp>
-        <p:nvSpPr>
-          <p:cNvPr id="11" name="TextBox 10"/>
-          <p:cNvSpPr txBox="1"/>
-          <p:nvPr/>
-        </p:nvSpPr>
-        <p:spPr>
-          <a:xfrm>
-            <a:off x="1740470" y="1714076"/>
-            <a:ext cx="5886015" cy="461665"/>
-          </a:xfrm>
-          <a:prstGeom prst="rect">
-            <a:avLst/>
-          </a:prstGeom>
-          <a:noFill/>
-        </p:spPr>
-        <p:txBody>
-          <a:bodyPr wrap="square" rtlCol="0">
-            <a:spAutoFit/>
-          </a:bodyPr>
-          <a:lstStyle/>
-          <a:p>
-            <a:r>
-              <a:rPr lang="en-US" altLang="ko-KR" sz="2400" dirty="0" err="1"/>
-              <a:t>TensorFlow</a:t>
-            </a:r>
-            <a:r>
-              <a:rPr lang="ko-KR" altLang="en-US" sz="2400" dirty="0"/>
-              <a:t> </a:t>
-            </a:r>
-            <a:r>
-              <a:rPr lang="en-US" altLang="ko-KR" dirty="0"/>
-              <a:t>CNN, Overshooting, Overfitting, </a:t>
-            </a:r>
-            <a:r>
-              <a:rPr lang="mr-IN" altLang="ko-KR" dirty="0"/>
-              <a:t>…</a:t>
-            </a:r>
-            <a:endParaRPr lang="ko-KR" altLang="en-US" dirty="0"/>
-          </a:p>
-        </p:txBody>
-      </p:sp>
-      <p:sp>
-        <p:nvSpPr>
-          <p:cNvPr id="13" name="TextBox 12"/>
-          <p:cNvSpPr txBox="1"/>
-          <p:nvPr/>
-        </p:nvSpPr>
-        <p:spPr>
-          <a:xfrm>
-            <a:off x="1740470" y="3024569"/>
-            <a:ext cx="5516364" cy="461665"/>
-          </a:xfrm>
-          <a:prstGeom prst="rect">
-            <a:avLst/>
-          </a:prstGeom>
-          <a:noFill/>
-        </p:spPr>
-        <p:txBody>
-          <a:bodyPr wrap="square" rtlCol="0">
-            <a:spAutoFit/>
-          </a:bodyPr>
-          <a:lstStyle/>
-          <a:p>
-            <a:r>
-              <a:rPr lang="en-US" altLang="ko-KR" sz="2400" dirty="0"/>
-              <a:t>Android</a:t>
-            </a:r>
-            <a:r>
-              <a:rPr lang="ko-KR" altLang="en-US" sz="2400" dirty="0"/>
-              <a:t> </a:t>
-            </a:r>
-            <a:r>
-              <a:rPr lang="en-US" altLang="ko-KR" dirty="0" err="1"/>
-              <a:t>RecyclerView</a:t>
-            </a:r>
-            <a:r>
-              <a:rPr lang="en-US" altLang="ko-KR" dirty="0"/>
-              <a:t>, Activity Life Cycle, </a:t>
-            </a:r>
-            <a:r>
-              <a:rPr lang="mr-IN" altLang="ko-KR" dirty="0"/>
-              <a:t>…</a:t>
-            </a:r>
-            <a:endParaRPr lang="ko-KR" altLang="en-US" dirty="0"/>
-          </a:p>
-        </p:txBody>
-      </p:sp>
-      <p:sp>
-        <p:nvSpPr>
-          <p:cNvPr id="14" name="TextBox 13"/>
-          <p:cNvSpPr txBox="1"/>
-          <p:nvPr/>
-        </p:nvSpPr>
-        <p:spPr>
-          <a:xfrm>
-            <a:off x="1740470" y="4335061"/>
-            <a:ext cx="4824551" cy="461665"/>
-          </a:xfrm>
-          <a:prstGeom prst="rect">
-            <a:avLst/>
-          </a:prstGeom>
-          <a:noFill/>
-        </p:spPr>
-        <p:txBody>
-          <a:bodyPr wrap="square" rtlCol="0">
-            <a:spAutoFit/>
-          </a:bodyPr>
-          <a:lstStyle/>
-          <a:p>
-            <a:r>
-              <a:rPr lang="en-US" altLang="ko-KR" sz="2400" dirty="0"/>
-              <a:t>Graphics</a:t>
-            </a:r>
-            <a:r>
-              <a:rPr lang="ko-KR" altLang="en-US" sz="2400" dirty="0"/>
-              <a:t> </a:t>
-            </a:r>
-            <a:r>
-              <a:rPr lang="en-US" altLang="ko-KR" dirty="0" err="1"/>
-              <a:t>openGL</a:t>
-            </a:r>
-            <a:r>
-              <a:rPr lang="en-US" altLang="ko-KR" dirty="0"/>
-              <a:t>, Glide, </a:t>
-            </a:r>
-            <a:r>
-              <a:rPr lang="mr-IN" altLang="ko-KR" dirty="0"/>
-              <a:t>…</a:t>
-            </a:r>
-            <a:endParaRPr lang="ko-KR" altLang="en-US" dirty="0"/>
-          </a:p>
-        </p:txBody>
-      </p:sp>
-      <p:sp>
-        <p:nvSpPr>
-          <p:cNvPr id="15" name="TextBox 14"/>
-          <p:cNvSpPr txBox="1"/>
-          <p:nvPr/>
-        </p:nvSpPr>
-        <p:spPr>
-          <a:xfrm>
-            <a:off x="1740469" y="5645553"/>
-            <a:ext cx="4824551" cy="461665"/>
-          </a:xfrm>
-          <a:prstGeom prst="rect">
-            <a:avLst/>
-          </a:prstGeom>
-          <a:noFill/>
-        </p:spPr>
-        <p:txBody>
-          <a:bodyPr wrap="square" rtlCol="0">
-            <a:spAutoFit/>
-          </a:bodyPr>
-          <a:lstStyle/>
-          <a:p>
-            <a:r>
-              <a:rPr lang="en-US" altLang="ko-KR" sz="2400" dirty="0"/>
-              <a:t>Application </a:t>
-            </a:r>
-            <a:r>
-              <a:rPr lang="en-US" altLang="ko-KR" dirty="0"/>
-              <a:t>SQLite, realm, </a:t>
-            </a:r>
-            <a:r>
-              <a:rPr lang="mr-IN" altLang="ko-KR" dirty="0"/>
-              <a:t>…</a:t>
-            </a:r>
-            <a:endParaRPr lang="ko-KR" altLang="en-US" dirty="0"/>
-          </a:p>
-        </p:txBody>
-      </p:sp>
-    </p:spTree>
-    <p:extLst>
-      <p:ext uri="{BB962C8B-B14F-4D97-AF65-F5344CB8AC3E}">
-        <p14:creationId xmlns:p14="http://schemas.microsoft.com/office/powerpoint/2010/main" val="475326152"/>
       </p:ext>
     </p:extLst>
   </p:cSld>
@@ -11863,36 +11822,6 @@
           <a:chExt cx="0" cy="0"/>
         </a:xfrm>
       </p:grpSpPr>
-      <p:sp>
-        <p:nvSpPr>
-          <p:cNvPr id="3" name="제목 2"/>
-          <p:cNvSpPr>
-            <a:spLocks noGrp="1"/>
-          </p:cNvSpPr>
-          <p:nvPr>
-            <p:ph type="title"/>
-          </p:nvPr>
-        </p:nvSpPr>
-        <p:spPr>
-          <a:xfrm>
-            <a:off x="457200" y="366780"/>
-            <a:ext cx="8229600" cy="648404"/>
-          </a:xfrm>
-        </p:spPr>
-        <p:txBody>
-          <a:bodyPr>
-            <a:normAutofit/>
-          </a:bodyPr>
-          <a:lstStyle/>
-          <a:p>
-            <a:r>
-              <a:rPr lang="en-US" altLang="ko-KR" dirty="0"/>
-              <a:t>Schedule </a:t>
-            </a:r>
-            <a:endParaRPr lang="ko-KR" altLang="en-US" dirty="0"/>
-          </a:p>
-        </p:txBody>
-      </p:sp>
       <p:graphicFrame>
         <p:nvGraphicFramePr>
           <p:cNvPr id="7" name="내용 개체 틀 6"/>
@@ -11901,12 +11830,16 @@
           </p:cNvGraphicFramePr>
           <p:nvPr>
             <p:ph sz="quarter" idx="4294967295"/>
-            <p:extLst/>
+            <p:extLst>
+              <p:ext uri="{D42A27DB-BD31-4B8C-83A1-F6EECF244321}">
+                <p14:modId xmlns:p14="http://schemas.microsoft.com/office/powerpoint/2010/main" val="3198818465"/>
+              </p:ext>
+            </p:extLst>
           </p:nvPr>
         </p:nvGraphicFramePr>
         <p:xfrm>
           <a:off x="501957" y="1182659"/>
-          <a:ext cx="8642042" cy="4798318"/>
+          <a:ext cx="8642042" cy="4425119"/>
         </p:xfrm>
         <a:graphic>
           <a:graphicData uri="http://schemas.openxmlformats.org/drawingml/2006/table">
@@ -11918,110 +11851,110 @@
                 <a:gridCol w="1662328">
                   <a:extLst>
                     <a:ext uri="{9D8B030D-6E8A-4147-A177-3AD203B41FA5}">
-                      <a16:colId xmlns:a16="http://schemas.microsoft.com/office/drawing/2014/main" xmlns="" val="20000"/>
+                      <a16:colId xmlns="" xmlns:a16="http://schemas.microsoft.com/office/drawing/2014/main" val="20000"/>
                     </a:ext>
                   </a:extLst>
                 </a:gridCol>
                 <a:gridCol w="498551">
                   <a:extLst>
                     <a:ext uri="{9D8B030D-6E8A-4147-A177-3AD203B41FA5}">
-                      <a16:colId xmlns:a16="http://schemas.microsoft.com/office/drawing/2014/main" xmlns="" val="20001"/>
+                      <a16:colId xmlns="" xmlns:a16="http://schemas.microsoft.com/office/drawing/2014/main" val="20001"/>
                     </a:ext>
                   </a:extLst>
                 </a:gridCol>
                 <a:gridCol w="498551">
                   <a:extLst>
                     <a:ext uri="{9D8B030D-6E8A-4147-A177-3AD203B41FA5}">
-                      <a16:colId xmlns:a16="http://schemas.microsoft.com/office/drawing/2014/main" xmlns="" val="20002"/>
+                      <a16:colId xmlns="" xmlns:a16="http://schemas.microsoft.com/office/drawing/2014/main" val="20002"/>
                     </a:ext>
                   </a:extLst>
                 </a:gridCol>
                 <a:gridCol w="498551">
                   <a:extLst>
                     <a:ext uri="{9D8B030D-6E8A-4147-A177-3AD203B41FA5}">
-                      <a16:colId xmlns:a16="http://schemas.microsoft.com/office/drawing/2014/main" xmlns="" val="20003"/>
+                      <a16:colId xmlns="" xmlns:a16="http://schemas.microsoft.com/office/drawing/2014/main" val="20003"/>
                     </a:ext>
                   </a:extLst>
                 </a:gridCol>
                 <a:gridCol w="498551">
                   <a:extLst>
                     <a:ext uri="{9D8B030D-6E8A-4147-A177-3AD203B41FA5}">
-                      <a16:colId xmlns:a16="http://schemas.microsoft.com/office/drawing/2014/main" xmlns="" val="20004"/>
+                      <a16:colId xmlns="" xmlns:a16="http://schemas.microsoft.com/office/drawing/2014/main" val="20004"/>
                     </a:ext>
                   </a:extLst>
                 </a:gridCol>
                 <a:gridCol w="498551">
                   <a:extLst>
                     <a:ext uri="{9D8B030D-6E8A-4147-A177-3AD203B41FA5}">
-                      <a16:colId xmlns:a16="http://schemas.microsoft.com/office/drawing/2014/main" xmlns="" val="20005"/>
+                      <a16:colId xmlns="" xmlns:a16="http://schemas.microsoft.com/office/drawing/2014/main" val="20005"/>
                     </a:ext>
                   </a:extLst>
                 </a:gridCol>
                 <a:gridCol w="498551">
                   <a:extLst>
                     <a:ext uri="{9D8B030D-6E8A-4147-A177-3AD203B41FA5}">
-                      <a16:colId xmlns:a16="http://schemas.microsoft.com/office/drawing/2014/main" xmlns="" val="20006"/>
+                      <a16:colId xmlns="" xmlns:a16="http://schemas.microsoft.com/office/drawing/2014/main" val="20006"/>
                     </a:ext>
                   </a:extLst>
                 </a:gridCol>
                 <a:gridCol w="498551">
                   <a:extLst>
                     <a:ext uri="{9D8B030D-6E8A-4147-A177-3AD203B41FA5}">
-                      <a16:colId xmlns:a16="http://schemas.microsoft.com/office/drawing/2014/main" xmlns="" val="20007"/>
+                      <a16:colId xmlns="" xmlns:a16="http://schemas.microsoft.com/office/drawing/2014/main" val="20007"/>
                     </a:ext>
                   </a:extLst>
                 </a:gridCol>
                 <a:gridCol w="498551">
                   <a:extLst>
                     <a:ext uri="{9D8B030D-6E8A-4147-A177-3AD203B41FA5}">
-                      <a16:colId xmlns:a16="http://schemas.microsoft.com/office/drawing/2014/main" xmlns="" val="20008"/>
+                      <a16:colId xmlns="" xmlns:a16="http://schemas.microsoft.com/office/drawing/2014/main" val="20008"/>
                     </a:ext>
                   </a:extLst>
                 </a:gridCol>
                 <a:gridCol w="498551">
                   <a:extLst>
                     <a:ext uri="{9D8B030D-6E8A-4147-A177-3AD203B41FA5}">
-                      <a16:colId xmlns:a16="http://schemas.microsoft.com/office/drawing/2014/main" xmlns="" val="20009"/>
+                      <a16:colId xmlns="" xmlns:a16="http://schemas.microsoft.com/office/drawing/2014/main" val="20009"/>
                     </a:ext>
                   </a:extLst>
                 </a:gridCol>
                 <a:gridCol w="498551">
                   <a:extLst>
                     <a:ext uri="{9D8B030D-6E8A-4147-A177-3AD203B41FA5}">
-                      <a16:colId xmlns:a16="http://schemas.microsoft.com/office/drawing/2014/main" xmlns="" val="20010"/>
+                      <a16:colId xmlns="" xmlns:a16="http://schemas.microsoft.com/office/drawing/2014/main" val="20010"/>
                     </a:ext>
                   </a:extLst>
                 </a:gridCol>
                 <a:gridCol w="498551">
                   <a:extLst>
                     <a:ext uri="{9D8B030D-6E8A-4147-A177-3AD203B41FA5}">
-                      <a16:colId xmlns:a16="http://schemas.microsoft.com/office/drawing/2014/main" xmlns="" val="20011"/>
+                      <a16:colId xmlns="" xmlns:a16="http://schemas.microsoft.com/office/drawing/2014/main" val="20011"/>
                     </a:ext>
                   </a:extLst>
                 </a:gridCol>
                 <a:gridCol w="498551">
                   <a:extLst>
                     <a:ext uri="{9D8B030D-6E8A-4147-A177-3AD203B41FA5}">
-                      <a16:colId xmlns:a16="http://schemas.microsoft.com/office/drawing/2014/main" xmlns="" val="20012"/>
+                      <a16:colId xmlns="" xmlns:a16="http://schemas.microsoft.com/office/drawing/2014/main" val="20012"/>
                     </a:ext>
                   </a:extLst>
                 </a:gridCol>
                 <a:gridCol w="498551">
                   <a:extLst>
                     <a:ext uri="{9D8B030D-6E8A-4147-A177-3AD203B41FA5}">
-                      <a16:colId xmlns:a16="http://schemas.microsoft.com/office/drawing/2014/main" xmlns="" val="20013"/>
+                      <a16:colId xmlns="" xmlns:a16="http://schemas.microsoft.com/office/drawing/2014/main" val="20013"/>
                     </a:ext>
                   </a:extLst>
                 </a:gridCol>
                 <a:gridCol w="498551">
                   <a:extLst>
                     <a:ext uri="{9D8B030D-6E8A-4147-A177-3AD203B41FA5}">
-                      <a16:colId xmlns:a16="http://schemas.microsoft.com/office/drawing/2014/main" xmlns="" val="3843917279"/>
+                      <a16:colId xmlns="" xmlns:a16="http://schemas.microsoft.com/office/drawing/2014/main" val="3843917279"/>
                     </a:ext>
                   </a:extLst>
                 </a:gridCol>
               </a:tblGrid>
-              <a:tr h="345925">
+              <a:tr h="319020">
                 <a:tc rowSpan="2">
                   <a:txBody>
                     <a:bodyPr/>
@@ -12398,11 +12331,11 @@
                 </a:tc>
                 <a:extLst>
                   <a:ext uri="{0D108BD9-81ED-4DB2-BD59-A6C34878D82A}">
-                    <a16:rowId xmlns:a16="http://schemas.microsoft.com/office/drawing/2014/main" xmlns="" val="10000"/>
+                    <a16:rowId xmlns="" xmlns:a16="http://schemas.microsoft.com/office/drawing/2014/main" val="10000"/>
                   </a:ext>
                 </a:extLst>
               </a:tr>
-              <a:tr h="294036">
+              <a:tr h="271167">
                 <a:tc vMerge="1">
                   <a:txBody>
                     <a:bodyPr/>
@@ -13180,11 +13113,11 @@
                 </a:tc>
                 <a:extLst>
                   <a:ext uri="{0D108BD9-81ED-4DB2-BD59-A6C34878D82A}">
-                    <a16:rowId xmlns:a16="http://schemas.microsoft.com/office/drawing/2014/main" xmlns="" val="10001"/>
+                    <a16:rowId xmlns="" xmlns:a16="http://schemas.microsoft.com/office/drawing/2014/main" val="10001"/>
                   </a:ext>
                 </a:extLst>
               </a:tr>
-              <a:tr h="415109">
+              <a:tr h="382823">
                 <a:tc>
                   <a:txBody>
                     <a:bodyPr/>
@@ -13781,11 +13714,11 @@
                 </a:tc>
                 <a:extLst>
                   <a:ext uri="{0D108BD9-81ED-4DB2-BD59-A6C34878D82A}">
-                    <a16:rowId xmlns:a16="http://schemas.microsoft.com/office/drawing/2014/main" xmlns="" val="10002"/>
+                    <a16:rowId xmlns="" xmlns:a16="http://schemas.microsoft.com/office/drawing/2014/main" val="10002"/>
                   </a:ext>
                 </a:extLst>
               </a:tr>
-              <a:tr h="415109">
+              <a:tr h="382823">
                 <a:tc>
                   <a:txBody>
                     <a:bodyPr/>
@@ -14462,11 +14395,11 @@
                 </a:tc>
                 <a:extLst>
                   <a:ext uri="{0D108BD9-81ED-4DB2-BD59-A6C34878D82A}">
-                    <a16:rowId xmlns:a16="http://schemas.microsoft.com/office/drawing/2014/main" xmlns="" val="10003"/>
+                    <a16:rowId xmlns="" xmlns:a16="http://schemas.microsoft.com/office/drawing/2014/main" val="10003"/>
                   </a:ext>
                 </a:extLst>
               </a:tr>
-              <a:tr h="415109">
+              <a:tr h="382823">
                 <a:tc>
                   <a:txBody>
                     <a:bodyPr/>
@@ -15133,11 +15066,11 @@
                 </a:tc>
                 <a:extLst>
                   <a:ext uri="{0D108BD9-81ED-4DB2-BD59-A6C34878D82A}">
-                    <a16:rowId xmlns:a16="http://schemas.microsoft.com/office/drawing/2014/main" xmlns="" val="10004"/>
+                    <a16:rowId xmlns="" xmlns:a16="http://schemas.microsoft.com/office/drawing/2014/main" val="10004"/>
                   </a:ext>
                 </a:extLst>
               </a:tr>
-              <a:tr h="415109">
+              <a:tr h="382823">
                 <a:tc gridSpan="2">
                   <a:txBody>
                     <a:bodyPr/>
@@ -15814,11 +15747,11 @@
                 </a:tc>
                 <a:extLst>
                   <a:ext uri="{0D108BD9-81ED-4DB2-BD59-A6C34878D82A}">
-                    <a16:rowId xmlns:a16="http://schemas.microsoft.com/office/drawing/2014/main" xmlns="" val="10005"/>
+                    <a16:rowId xmlns="" xmlns:a16="http://schemas.microsoft.com/office/drawing/2014/main" val="10005"/>
                   </a:ext>
                 </a:extLst>
               </a:tr>
-              <a:tr h="422376">
+              <a:tr h="389525">
                 <a:tc>
                   <a:txBody>
                     <a:bodyPr/>
@@ -16487,11 +16420,11 @@
                 </a:tc>
                 <a:extLst>
                   <a:ext uri="{0D108BD9-81ED-4DB2-BD59-A6C34878D82A}">
-                    <a16:rowId xmlns:a16="http://schemas.microsoft.com/office/drawing/2014/main" xmlns="" val="10006"/>
+                    <a16:rowId xmlns="" xmlns:a16="http://schemas.microsoft.com/office/drawing/2014/main" val="10006"/>
                   </a:ext>
                 </a:extLst>
               </a:tr>
-              <a:tr h="415109">
+              <a:tr h="382823">
                 <a:tc>
                   <a:txBody>
                     <a:bodyPr/>
@@ -17094,11 +17027,11 @@
                 </a:tc>
                 <a:extLst>
                   <a:ext uri="{0D108BD9-81ED-4DB2-BD59-A6C34878D82A}">
-                    <a16:rowId xmlns:a16="http://schemas.microsoft.com/office/drawing/2014/main" xmlns="" val="10007"/>
+                    <a16:rowId xmlns="" xmlns:a16="http://schemas.microsoft.com/office/drawing/2014/main" val="10007"/>
                   </a:ext>
                 </a:extLst>
               </a:tr>
-              <a:tr h="415109">
+              <a:tr h="382823">
                 <a:tc gridSpan="4">
                   <a:txBody>
                     <a:bodyPr/>
@@ -17705,11 +17638,11 @@
                 </a:tc>
                 <a:extLst>
                   <a:ext uri="{0D108BD9-81ED-4DB2-BD59-A6C34878D82A}">
-                    <a16:rowId xmlns:a16="http://schemas.microsoft.com/office/drawing/2014/main" xmlns="" val="10008"/>
+                    <a16:rowId xmlns="" xmlns:a16="http://schemas.microsoft.com/office/drawing/2014/main" val="10008"/>
                   </a:ext>
                 </a:extLst>
               </a:tr>
-              <a:tr h="415109">
+              <a:tr h="382823">
                 <a:tc>
                   <a:txBody>
                     <a:bodyPr/>
@@ -18318,11 +18251,11 @@
                 </a:tc>
                 <a:extLst>
                   <a:ext uri="{0D108BD9-81ED-4DB2-BD59-A6C34878D82A}">
-                    <a16:rowId xmlns:a16="http://schemas.microsoft.com/office/drawing/2014/main" xmlns="" val="10009"/>
+                    <a16:rowId xmlns="" xmlns:a16="http://schemas.microsoft.com/office/drawing/2014/main" val="10009"/>
                   </a:ext>
                 </a:extLst>
               </a:tr>
-              <a:tr h="415109">
+              <a:tr h="382823">
                 <a:tc gridSpan="2">
                   <a:txBody>
                     <a:bodyPr/>
@@ -18916,11 +18849,11 @@
                 </a:tc>
                 <a:extLst>
                   <a:ext uri="{0D108BD9-81ED-4DB2-BD59-A6C34878D82A}">
-                    <a16:rowId xmlns:a16="http://schemas.microsoft.com/office/drawing/2014/main" xmlns="" val="10010"/>
+                    <a16:rowId xmlns="" xmlns:a16="http://schemas.microsoft.com/office/drawing/2014/main" val="10010"/>
                   </a:ext>
                 </a:extLst>
               </a:tr>
-              <a:tr h="415109">
+              <a:tr h="382823">
                 <a:tc>
                   <a:txBody>
                     <a:bodyPr/>
@@ -19529,7 +19462,7 @@
                 </a:tc>
                 <a:extLst>
                   <a:ext uri="{0D108BD9-81ED-4DB2-BD59-A6C34878D82A}">
-                    <a16:rowId xmlns:a16="http://schemas.microsoft.com/office/drawing/2014/main" xmlns="" val="10011"/>
+                    <a16:rowId xmlns="" xmlns:a16="http://schemas.microsoft.com/office/drawing/2014/main" val="10011"/>
                   </a:ext>
                 </a:extLst>
               </a:tr>
@@ -19539,6 +19472,65 @@
       </p:graphicFrame>
       <p:pic>
         <p:nvPicPr>
+          <p:cNvPr id="5" name="그림 4"/>
+          <p:cNvPicPr>
+            <a:picLocks noChangeAspect="1"/>
+          </p:cNvPicPr>
+          <p:nvPr/>
+        </p:nvPicPr>
+        <p:blipFill rotWithShape="1">
+          <a:blip r:embed="rId3">
+            <a:extLst>
+              <a:ext uri="{28A0092B-C50C-407E-A947-70E740481C1C}">
+                <a14:useLocalDpi xmlns:a14="http://schemas.microsoft.com/office/drawing/2010/main" val="0"/>
+              </a:ext>
+            </a:extLst>
+          </a:blip>
+          <a:srcRect t="-1" b="-7692"/>
+          <a:stretch/>
+        </p:blipFill>
+        <p:spPr>
+          <a:xfrm>
+            <a:off x="501957" y="1122923"/>
+            <a:ext cx="8686800" cy="5237418"/>
+          </a:xfrm>
+          <a:prstGeom prst="rect">
+            <a:avLst/>
+          </a:prstGeom>
+        </p:spPr>
+      </p:pic>
+      <p:sp>
+        <p:nvSpPr>
+          <p:cNvPr id="3" name="제목 2"/>
+          <p:cNvSpPr>
+            <a:spLocks noGrp="1"/>
+          </p:cNvSpPr>
+          <p:nvPr>
+            <p:ph type="title"/>
+          </p:nvPr>
+        </p:nvSpPr>
+        <p:spPr>
+          <a:xfrm>
+            <a:off x="457200" y="366780"/>
+            <a:ext cx="8229600" cy="648404"/>
+          </a:xfrm>
+        </p:spPr>
+        <p:txBody>
+          <a:bodyPr>
+            <a:normAutofit/>
+          </a:bodyPr>
+          <a:lstStyle/>
+          <a:p>
+            <a:r>
+              <a:rPr lang="en-US" altLang="ko-KR" dirty="0"/>
+              <a:t>Schedule </a:t>
+            </a:r>
+            <a:endParaRPr lang="ko-KR" altLang="en-US" dirty="0"/>
+          </a:p>
+        </p:txBody>
+      </p:sp>
+      <p:pic>
+        <p:nvPicPr>
           <p:cNvPr id="4" name="그림 3"/>
           <p:cNvPicPr>
             <a:picLocks noChangeAspect="1"/>
@@ -19546,7 +19538,7 @@
           <p:nvPr/>
         </p:nvPicPr>
         <p:blipFill>
-          <a:blip r:embed="rId3">
+          <a:blip r:embed="rId4">
             <a:extLst>
               <a:ext uri="{28A0092B-C50C-407E-A947-70E740481C1C}">
                 <a14:useLocalDpi xmlns:a14="http://schemas.microsoft.com/office/drawing/2010/main" val="0"/>
@@ -19569,27 +19561,22 @@
       </p:pic>
       <p:pic>
         <p:nvPicPr>
-          <p:cNvPr id="5" name="그림 4"/>
+          <p:cNvPr id="2" name="그림 1"/>
           <p:cNvPicPr>
             <a:picLocks noChangeAspect="1"/>
           </p:cNvPicPr>
           <p:nvPr/>
         </p:nvPicPr>
-        <p:blipFill rotWithShape="1">
-          <a:blip r:embed="rId4">
-            <a:extLst>
-              <a:ext uri="{28A0092B-C50C-407E-A947-70E740481C1C}">
-                <a14:useLocalDpi xmlns:a14="http://schemas.microsoft.com/office/drawing/2010/main" val="0"/>
-              </a:ext>
-            </a:extLst>
-          </a:blip>
-          <a:srcRect t="-1" b="-7692"/>
-          <a:stretch/>
+        <p:blipFill>
+          <a:blip r:embed="rId5"/>
+          <a:stretch>
+            <a:fillRect/>
+          </a:stretch>
         </p:blipFill>
         <p:spPr>
           <a:xfrm>
-            <a:off x="228600" y="1182659"/>
-            <a:ext cx="8686800" cy="5237418"/>
+            <a:off x="0" y="381000"/>
+            <a:ext cx="9144000" cy="6096000"/>
           </a:xfrm>
           <a:prstGeom prst="rect">
             <a:avLst/>
@@ -19599,7 +19586,7 @@
     </p:spTree>
     <p:extLst>
       <p:ext uri="{BB962C8B-B14F-4D97-AF65-F5344CB8AC3E}">
-        <p14:creationId xmlns:p14="http://schemas.microsoft.com/office/powerpoint/2010/main" val="1394789202"/>
+        <p14:creationId xmlns:p14="http://schemas.microsoft.com/office/powerpoint/2010/main" val="940369786"/>
       </p:ext>
     </p:extLst>
   </p:cSld>
@@ -19609,6 +19596,13 @@
   <p:transition>
     <p:fade/>
   </p:transition>
+  <p:timing>
+    <p:tnLst>
+      <p:par>
+        <p:cTn id="1" dur="indefinite" restart="never" nodeType="tmRoot"/>
+      </p:par>
+    </p:tnLst>
+  </p:timing>
 </p:sld>
 </file>
 
@@ -19705,15 +19699,17 @@
           <a:p>
             <a:r>
               <a:rPr lang="ko-KR" altLang="en-US" sz="1600" dirty="0">
-                <a:latin typeface="나눔바른고딕" panose="020B0603020101020101" pitchFamily="50" charset="-127"/>
-                <a:ea typeface="나눔바른고딕" panose="020B0603020101020101" pitchFamily="50" charset="-127"/>
+                <a:latin typeface="Nanum Gothic" charset="-127"/>
+                <a:ea typeface="Nanum Gothic" charset="-127"/>
+                <a:cs typeface="Nanum Gothic" charset="-127"/>
               </a:rPr>
               <a:t>강민지</a:t>
             </a:r>
             <a:r>
               <a:rPr lang="en-US" altLang="ko-KR" sz="1600" dirty="0">
-                <a:latin typeface="나눔바른고딕" panose="020B0603020101020101" pitchFamily="50" charset="-127"/>
-                <a:ea typeface="나눔바른고딕" panose="020B0603020101020101" pitchFamily="50" charset="-127"/>
+                <a:latin typeface="Nanum Gothic" charset="-127"/>
+                <a:ea typeface="Nanum Gothic" charset="-127"/>
+                <a:cs typeface="Nanum Gothic" charset="-127"/>
               </a:rPr>
               <a:t> 	kyang@snu.ac.kr</a:t>
             </a:r>
@@ -19721,15 +19717,17 @@
           <a:p>
             <a:r>
               <a:rPr lang="ko-KR" altLang="en-US" sz="1600" dirty="0">
-                <a:latin typeface="나눔바른고딕" panose="020B0603020101020101" pitchFamily="50" charset="-127"/>
-                <a:ea typeface="나눔바른고딕" panose="020B0603020101020101" pitchFamily="50" charset="-127"/>
+                <a:latin typeface="Nanum Gothic" charset="-127"/>
+                <a:ea typeface="Nanum Gothic" charset="-127"/>
+                <a:cs typeface="Nanum Gothic" charset="-127"/>
               </a:rPr>
               <a:t>원종훈 </a:t>
             </a:r>
             <a:r>
               <a:rPr lang="en-US" altLang="ko-KR" sz="1600" dirty="0">
-                <a:latin typeface="나눔바른고딕" panose="020B0603020101020101" pitchFamily="50" charset="-127"/>
-                <a:ea typeface="나눔바른고딕" panose="020B0603020101020101" pitchFamily="50" charset="-127"/>
+                <a:latin typeface="Nanum Gothic" charset="-127"/>
+                <a:ea typeface="Nanum Gothic" charset="-127"/>
+                <a:cs typeface="Nanum Gothic" charset="-127"/>
               </a:rPr>
               <a:t>	barber@snu.ac.kr</a:t>
             </a:r>
@@ -19737,28 +19735,61 @@
           <a:p>
             <a:r>
               <a:rPr lang="ko-KR" altLang="en-US" sz="1600" dirty="0" err="1">
-                <a:latin typeface="나눔바른고딕" panose="020B0603020101020101" pitchFamily="50" charset="-127"/>
-                <a:ea typeface="나눔바른고딕" panose="020B0603020101020101" pitchFamily="50" charset="-127"/>
+                <a:latin typeface="Nanum Gothic" charset="-127"/>
+                <a:ea typeface="Nanum Gothic" charset="-127"/>
+                <a:cs typeface="Nanum Gothic" charset="-127"/>
               </a:rPr>
               <a:t>핌언</a:t>
             </a:r>
             <a:r>
               <a:rPr lang="ko-KR" altLang="en-US" sz="1600" dirty="0">
-                <a:latin typeface="나눔바른고딕" panose="020B0603020101020101" pitchFamily="50" charset="-127"/>
-                <a:ea typeface="나눔바른고딕" panose="020B0603020101020101" pitchFamily="50" charset="-127"/>
+                <a:latin typeface="Nanum Gothic" charset="-127"/>
+                <a:ea typeface="Nanum Gothic" charset="-127"/>
+                <a:cs typeface="Nanum Gothic" charset="-127"/>
               </a:rPr>
               <a:t> </a:t>
             </a:r>
             <a:r>
               <a:rPr lang="en-US" altLang="ko-KR" sz="1600" dirty="0">
-                <a:latin typeface="나눔바른고딕" panose="020B0603020101020101" pitchFamily="50" charset="-127"/>
-                <a:ea typeface="나눔바른고딕" panose="020B0603020101020101" pitchFamily="50" charset="-127"/>
+                <a:latin typeface="Nanum Gothic" charset="-127"/>
+                <a:ea typeface="Nanum Gothic" charset="-127"/>
+                <a:cs typeface="Nanum Gothic" charset="-127"/>
               </a:rPr>
               <a:t>	pimonink_ja@hotmail.com</a:t>
             </a:r>
           </a:p>
         </p:txBody>
       </p:sp>
+      <p:pic>
+        <p:nvPicPr>
+          <p:cNvPr id="5" name="그림 12"/>
+          <p:cNvPicPr>
+            <a:picLocks noChangeAspect="1"/>
+          </p:cNvPicPr>
+          <p:nvPr/>
+        </p:nvPicPr>
+        <p:blipFill>
+          <a:blip r:embed="rId3" cstate="print">
+            <a:extLst>
+              <a:ext uri="{28A0092B-C50C-407E-A947-70E740481C1C}">
+                <a14:useLocalDpi xmlns:a14="http://schemas.microsoft.com/office/drawing/2010/main" val="0"/>
+              </a:ext>
+            </a:extLst>
+          </a:blip>
+          <a:stretch>
+            <a:fillRect/>
+          </a:stretch>
+        </p:blipFill>
+        <p:spPr>
+          <a:xfrm>
+            <a:off x="7622302" y="5511148"/>
+            <a:ext cx="899130" cy="899130"/>
+          </a:xfrm>
+          <a:prstGeom prst="rect">
+            <a:avLst/>
+          </a:prstGeom>
+        </p:spPr>
+      </p:pic>
     </p:spTree>
   </p:cSld>
   <p:clrMapOvr>
@@ -19767,6 +19798,13 @@
   <p:transition>
     <p:fade/>
   </p:transition>
+  <p:timing>
+    <p:tnLst>
+      <p:par>
+        <p:cTn id="1" dur="indefinite" restart="never" nodeType="tmRoot"/>
+      </p:par>
+    </p:tnLst>
+  </p:timing>
 </p:sld>
 </file>
 
@@ -19946,7 +19984,7 @@
                 <a:latin typeface="나눔고딕" panose="020D0604000000000000" pitchFamily="50" charset="-127"/>
                 <a:ea typeface="나눔고딕" panose="020D0604000000000000" pitchFamily="50" charset="-127"/>
               </a:rPr>
-              <a:t>Architecture/Basic Spec</a:t>
+              <a:t>Basic Spec/Architecture</a:t>
             </a:r>
           </a:p>
           <a:p>
@@ -20012,6 +20050,13 @@
   <p:transition>
     <p:fade/>
   </p:transition>
+  <p:timing>
+    <p:tnLst>
+      <p:par>
+        <p:cTn id="1" dur="indefinite" restart="never" nodeType="tmRoot"/>
+      </p:par>
+    </p:tnLst>
+  </p:timing>
 </p:sld>
 </file>
 
@@ -20128,10 +20173,6 @@
             <a:r>
               <a:rPr lang="en-US" altLang="ko-KR" sz="2400" b="1" dirty="0"/>
               <a:t>Where	</a:t>
-            </a:r>
-            <a:r>
-              <a:rPr lang="ko-KR" altLang="en-US" sz="2400" dirty="0"/>
-              <a:t>㈜ 네이버</a:t>
             </a:r>
             <a:endParaRPr lang="en-US" altLang="ko-KR" sz="2400" dirty="0"/>
           </a:p>

--- a/artoon-spec.pptx
+++ b/artoon-spec.pptx
@@ -7909,7 +7909,7 @@
                 <a14:useLocalDpi xmlns:a14="http://schemas.microsoft.com/office/drawing/2010/main" val="0"/>
               </a:ext>
               <a:ext uri="{96DAC541-7B7A-43D3-8B79-37D633B846F1}">
-                <asvg:svgBlip xmlns="" xmlns:asvg="http://schemas.microsoft.com/office/drawing/2016/SVG/main" r:embed="rId4"/>
+                <asvg:svgBlip xmlns:asvg="http://schemas.microsoft.com/office/drawing/2016/SVG/main" xmlns="" r:embed="rId4"/>
               </a:ext>
             </a:extLst>
           </a:blip>
@@ -8007,7 +8007,7 @@
                 <a14:useLocalDpi xmlns:a14="http://schemas.microsoft.com/office/drawing/2010/main" val="0"/>
               </a:ext>
               <a:ext uri="{96DAC541-7B7A-43D3-8B79-37D633B846F1}">
-                <asvg:svgBlip xmlns="" xmlns:asvg="http://schemas.microsoft.com/office/drawing/2016/SVG/main" r:embed="rId6"/>
+                <asvg:svgBlip xmlns:asvg="http://schemas.microsoft.com/office/drawing/2016/SVG/main" xmlns="" r:embed="rId6"/>
               </a:ext>
             </a:extLst>
           </a:blip>
@@ -9443,7 +9443,7 @@
                 <a14:useLocalDpi xmlns:a14="http://schemas.microsoft.com/office/drawing/2010/main" val="0"/>
               </a:ext>
               <a:ext uri="{96DAC541-7B7A-43D3-8B79-37D633B846F1}">
-                <asvg:svgBlip xmlns="" xmlns:asvg="http://schemas.microsoft.com/office/drawing/2016/SVG/main" r:embed="rId4"/>
+                <asvg:svgBlip xmlns:asvg="http://schemas.microsoft.com/office/drawing/2016/SVG/main" xmlns="" r:embed="rId4"/>
               </a:ext>
             </a:extLst>
           </a:blip>
@@ -9476,7 +9476,7 @@
                 <a14:useLocalDpi xmlns:a14="http://schemas.microsoft.com/office/drawing/2010/main" val="0"/>
               </a:ext>
               <a:ext uri="{96DAC541-7B7A-43D3-8B79-37D633B846F1}">
-                <asvg:svgBlip xmlns="" xmlns:asvg="http://schemas.microsoft.com/office/drawing/2016/SVG/main" r:embed="rId6"/>
+                <asvg:svgBlip xmlns:asvg="http://schemas.microsoft.com/office/drawing/2016/SVG/main" xmlns="" r:embed="rId6"/>
               </a:ext>
             </a:extLst>
           </a:blip>
@@ -11802,6 +11802,13 @@
   <p:transition>
     <p:fade/>
   </p:transition>
+  <p:timing>
+    <p:tnLst>
+      <p:par>
+        <p:cTn id="1" dur="indefinite" restart="never" nodeType="tmRoot"/>
+      </p:par>
+    </p:tnLst>
+  </p:timing>
 </p:sld>
 </file>
 
@@ -11832,14 +11839,14 @@
             <p:ph sz="quarter" idx="4294967295"/>
             <p:extLst>
               <p:ext uri="{D42A27DB-BD31-4B8C-83A1-F6EECF244321}">
-                <p14:modId xmlns:p14="http://schemas.microsoft.com/office/powerpoint/2010/main" val="3198818465"/>
+                <p14:modId xmlns:p14="http://schemas.microsoft.com/office/powerpoint/2010/main" val="980996500"/>
               </p:ext>
             </p:extLst>
           </p:nvPr>
         </p:nvGraphicFramePr>
         <p:xfrm>
-          <a:off x="501957" y="1182659"/>
-          <a:ext cx="8642042" cy="4425119"/>
+          <a:off x="3481118" y="-6078377"/>
+          <a:ext cx="8642042" cy="4413032"/>
         </p:xfrm>
         <a:graphic>
           <a:graphicData uri="http://schemas.openxmlformats.org/drawingml/2006/table">
@@ -11851,105 +11858,105 @@
                 <a:gridCol w="1662328">
                   <a:extLst>
                     <a:ext uri="{9D8B030D-6E8A-4147-A177-3AD203B41FA5}">
-                      <a16:colId xmlns="" xmlns:a16="http://schemas.microsoft.com/office/drawing/2014/main" val="20000"/>
+                      <a16:colId xmlns:a16="http://schemas.microsoft.com/office/drawing/2014/main" xmlns="" val="20000"/>
                     </a:ext>
                   </a:extLst>
                 </a:gridCol>
                 <a:gridCol w="498551">
                   <a:extLst>
                     <a:ext uri="{9D8B030D-6E8A-4147-A177-3AD203B41FA5}">
-                      <a16:colId xmlns="" xmlns:a16="http://schemas.microsoft.com/office/drawing/2014/main" val="20001"/>
+                      <a16:colId xmlns:a16="http://schemas.microsoft.com/office/drawing/2014/main" xmlns="" val="20001"/>
                     </a:ext>
                   </a:extLst>
                 </a:gridCol>
                 <a:gridCol w="498551">
                   <a:extLst>
                     <a:ext uri="{9D8B030D-6E8A-4147-A177-3AD203B41FA5}">
-                      <a16:colId xmlns="" xmlns:a16="http://schemas.microsoft.com/office/drawing/2014/main" val="20002"/>
+                      <a16:colId xmlns:a16="http://schemas.microsoft.com/office/drawing/2014/main" xmlns="" val="20002"/>
                     </a:ext>
                   </a:extLst>
                 </a:gridCol>
                 <a:gridCol w="498551">
                   <a:extLst>
                     <a:ext uri="{9D8B030D-6E8A-4147-A177-3AD203B41FA5}">
-                      <a16:colId xmlns="" xmlns:a16="http://schemas.microsoft.com/office/drawing/2014/main" val="20003"/>
+                      <a16:colId xmlns:a16="http://schemas.microsoft.com/office/drawing/2014/main" xmlns="" val="20003"/>
                     </a:ext>
                   </a:extLst>
                 </a:gridCol>
                 <a:gridCol w="498551">
                   <a:extLst>
                     <a:ext uri="{9D8B030D-6E8A-4147-A177-3AD203B41FA5}">
-                      <a16:colId xmlns="" xmlns:a16="http://schemas.microsoft.com/office/drawing/2014/main" val="20004"/>
+                      <a16:colId xmlns:a16="http://schemas.microsoft.com/office/drawing/2014/main" xmlns="" val="20004"/>
                     </a:ext>
                   </a:extLst>
                 </a:gridCol>
                 <a:gridCol w="498551">
                   <a:extLst>
                     <a:ext uri="{9D8B030D-6E8A-4147-A177-3AD203B41FA5}">
-                      <a16:colId xmlns="" xmlns:a16="http://schemas.microsoft.com/office/drawing/2014/main" val="20005"/>
+                      <a16:colId xmlns:a16="http://schemas.microsoft.com/office/drawing/2014/main" xmlns="" val="20005"/>
                     </a:ext>
                   </a:extLst>
                 </a:gridCol>
                 <a:gridCol w="498551">
                   <a:extLst>
                     <a:ext uri="{9D8B030D-6E8A-4147-A177-3AD203B41FA5}">
-                      <a16:colId xmlns="" xmlns:a16="http://schemas.microsoft.com/office/drawing/2014/main" val="20006"/>
+                      <a16:colId xmlns:a16="http://schemas.microsoft.com/office/drawing/2014/main" xmlns="" val="20006"/>
                     </a:ext>
                   </a:extLst>
                 </a:gridCol>
                 <a:gridCol w="498551">
                   <a:extLst>
                     <a:ext uri="{9D8B030D-6E8A-4147-A177-3AD203B41FA5}">
-                      <a16:colId xmlns="" xmlns:a16="http://schemas.microsoft.com/office/drawing/2014/main" val="20007"/>
+                      <a16:colId xmlns:a16="http://schemas.microsoft.com/office/drawing/2014/main" xmlns="" val="20007"/>
                     </a:ext>
                   </a:extLst>
                 </a:gridCol>
                 <a:gridCol w="498551">
                   <a:extLst>
                     <a:ext uri="{9D8B030D-6E8A-4147-A177-3AD203B41FA5}">
-                      <a16:colId xmlns="" xmlns:a16="http://schemas.microsoft.com/office/drawing/2014/main" val="20008"/>
+                      <a16:colId xmlns:a16="http://schemas.microsoft.com/office/drawing/2014/main" xmlns="" val="20008"/>
                     </a:ext>
                   </a:extLst>
                 </a:gridCol>
                 <a:gridCol w="498551">
                   <a:extLst>
                     <a:ext uri="{9D8B030D-6E8A-4147-A177-3AD203B41FA5}">
-                      <a16:colId xmlns="" xmlns:a16="http://schemas.microsoft.com/office/drawing/2014/main" val="20009"/>
+                      <a16:colId xmlns:a16="http://schemas.microsoft.com/office/drawing/2014/main" xmlns="" val="20009"/>
                     </a:ext>
                   </a:extLst>
                 </a:gridCol>
                 <a:gridCol w="498551">
                   <a:extLst>
                     <a:ext uri="{9D8B030D-6E8A-4147-A177-3AD203B41FA5}">
-                      <a16:colId xmlns="" xmlns:a16="http://schemas.microsoft.com/office/drawing/2014/main" val="20010"/>
+                      <a16:colId xmlns:a16="http://schemas.microsoft.com/office/drawing/2014/main" xmlns="" val="20010"/>
                     </a:ext>
                   </a:extLst>
                 </a:gridCol>
                 <a:gridCol w="498551">
                   <a:extLst>
                     <a:ext uri="{9D8B030D-6E8A-4147-A177-3AD203B41FA5}">
-                      <a16:colId xmlns="" xmlns:a16="http://schemas.microsoft.com/office/drawing/2014/main" val="20011"/>
+                      <a16:colId xmlns:a16="http://schemas.microsoft.com/office/drawing/2014/main" xmlns="" val="20011"/>
                     </a:ext>
                   </a:extLst>
                 </a:gridCol>
                 <a:gridCol w="498551">
                   <a:extLst>
                     <a:ext uri="{9D8B030D-6E8A-4147-A177-3AD203B41FA5}">
-                      <a16:colId xmlns="" xmlns:a16="http://schemas.microsoft.com/office/drawing/2014/main" val="20012"/>
+                      <a16:colId xmlns:a16="http://schemas.microsoft.com/office/drawing/2014/main" xmlns="" val="20012"/>
                     </a:ext>
                   </a:extLst>
                 </a:gridCol>
                 <a:gridCol w="498551">
                   <a:extLst>
                     <a:ext uri="{9D8B030D-6E8A-4147-A177-3AD203B41FA5}">
-                      <a16:colId xmlns="" xmlns:a16="http://schemas.microsoft.com/office/drawing/2014/main" val="20013"/>
+                      <a16:colId xmlns:a16="http://schemas.microsoft.com/office/drawing/2014/main" xmlns="" val="20013"/>
                     </a:ext>
                   </a:extLst>
                 </a:gridCol>
                 <a:gridCol w="498551">
                   <a:extLst>
                     <a:ext uri="{9D8B030D-6E8A-4147-A177-3AD203B41FA5}">
-                      <a16:colId xmlns="" xmlns:a16="http://schemas.microsoft.com/office/drawing/2014/main" val="3843917279"/>
+                      <a16:colId xmlns:a16="http://schemas.microsoft.com/office/drawing/2014/main" xmlns="" val="3843917279"/>
                     </a:ext>
                   </a:extLst>
                 </a:gridCol>
@@ -12331,11 +12338,11 @@
                 </a:tc>
                 <a:extLst>
                   <a:ext uri="{0D108BD9-81ED-4DB2-BD59-A6C34878D82A}">
-                    <a16:rowId xmlns="" xmlns:a16="http://schemas.microsoft.com/office/drawing/2014/main" val="10000"/>
+                    <a16:rowId xmlns:a16="http://schemas.microsoft.com/office/drawing/2014/main" xmlns="" val="10000"/>
                   </a:ext>
                 </a:extLst>
               </a:tr>
-              <a:tr h="271167">
+              <a:tr h="0">
                 <a:tc vMerge="1">
                   <a:txBody>
                     <a:bodyPr/>
@@ -13113,7 +13120,7 @@
                 </a:tc>
                 <a:extLst>
                   <a:ext uri="{0D108BD9-81ED-4DB2-BD59-A6C34878D82A}">
-                    <a16:rowId xmlns="" xmlns:a16="http://schemas.microsoft.com/office/drawing/2014/main" val="10001"/>
+                    <a16:rowId xmlns:a16="http://schemas.microsoft.com/office/drawing/2014/main" xmlns="" val="10001"/>
                   </a:ext>
                 </a:extLst>
               </a:tr>
@@ -13714,7 +13721,7 @@
                 </a:tc>
                 <a:extLst>
                   <a:ext uri="{0D108BD9-81ED-4DB2-BD59-A6C34878D82A}">
-                    <a16:rowId xmlns="" xmlns:a16="http://schemas.microsoft.com/office/drawing/2014/main" val="10002"/>
+                    <a16:rowId xmlns:a16="http://schemas.microsoft.com/office/drawing/2014/main" xmlns="" val="10002"/>
                   </a:ext>
                 </a:extLst>
               </a:tr>
@@ -14395,7 +14402,7 @@
                 </a:tc>
                 <a:extLst>
                   <a:ext uri="{0D108BD9-81ED-4DB2-BD59-A6C34878D82A}">
-                    <a16:rowId xmlns="" xmlns:a16="http://schemas.microsoft.com/office/drawing/2014/main" val="10003"/>
+                    <a16:rowId xmlns:a16="http://schemas.microsoft.com/office/drawing/2014/main" xmlns="" val="10003"/>
                   </a:ext>
                 </a:extLst>
               </a:tr>
@@ -15066,7 +15073,7 @@
                 </a:tc>
                 <a:extLst>
                   <a:ext uri="{0D108BD9-81ED-4DB2-BD59-A6C34878D82A}">
-                    <a16:rowId xmlns="" xmlns:a16="http://schemas.microsoft.com/office/drawing/2014/main" val="10004"/>
+                    <a16:rowId xmlns:a16="http://schemas.microsoft.com/office/drawing/2014/main" xmlns="" val="10004"/>
                   </a:ext>
                 </a:extLst>
               </a:tr>
@@ -15747,7 +15754,7 @@
                 </a:tc>
                 <a:extLst>
                   <a:ext uri="{0D108BD9-81ED-4DB2-BD59-A6C34878D82A}">
-                    <a16:rowId xmlns="" xmlns:a16="http://schemas.microsoft.com/office/drawing/2014/main" val="10005"/>
+                    <a16:rowId xmlns:a16="http://schemas.microsoft.com/office/drawing/2014/main" xmlns="" val="10005"/>
                   </a:ext>
                 </a:extLst>
               </a:tr>
@@ -16420,7 +16427,7 @@
                 </a:tc>
                 <a:extLst>
                   <a:ext uri="{0D108BD9-81ED-4DB2-BD59-A6C34878D82A}">
-                    <a16:rowId xmlns="" xmlns:a16="http://schemas.microsoft.com/office/drawing/2014/main" val="10006"/>
+                    <a16:rowId xmlns:a16="http://schemas.microsoft.com/office/drawing/2014/main" xmlns="" val="10006"/>
                   </a:ext>
                 </a:extLst>
               </a:tr>
@@ -17027,7 +17034,7 @@
                 </a:tc>
                 <a:extLst>
                   <a:ext uri="{0D108BD9-81ED-4DB2-BD59-A6C34878D82A}">
-                    <a16:rowId xmlns="" xmlns:a16="http://schemas.microsoft.com/office/drawing/2014/main" val="10007"/>
+                    <a16:rowId xmlns:a16="http://schemas.microsoft.com/office/drawing/2014/main" xmlns="" val="10007"/>
                   </a:ext>
                 </a:extLst>
               </a:tr>
@@ -17638,7 +17645,7 @@
                 </a:tc>
                 <a:extLst>
                   <a:ext uri="{0D108BD9-81ED-4DB2-BD59-A6C34878D82A}">
-                    <a16:rowId xmlns="" xmlns:a16="http://schemas.microsoft.com/office/drawing/2014/main" val="10008"/>
+                    <a16:rowId xmlns:a16="http://schemas.microsoft.com/office/drawing/2014/main" xmlns="" val="10008"/>
                   </a:ext>
                 </a:extLst>
               </a:tr>
@@ -18251,7 +18258,7 @@
                 </a:tc>
                 <a:extLst>
                   <a:ext uri="{0D108BD9-81ED-4DB2-BD59-A6C34878D82A}">
-                    <a16:rowId xmlns="" xmlns:a16="http://schemas.microsoft.com/office/drawing/2014/main" val="10009"/>
+                    <a16:rowId xmlns:a16="http://schemas.microsoft.com/office/drawing/2014/main" xmlns="" val="10009"/>
                   </a:ext>
                 </a:extLst>
               </a:tr>
@@ -18849,7 +18856,7 @@
                 </a:tc>
                 <a:extLst>
                   <a:ext uri="{0D108BD9-81ED-4DB2-BD59-A6C34878D82A}">
-                    <a16:rowId xmlns="" xmlns:a16="http://schemas.microsoft.com/office/drawing/2014/main" val="10010"/>
+                    <a16:rowId xmlns:a16="http://schemas.microsoft.com/office/drawing/2014/main" xmlns="" val="10010"/>
                   </a:ext>
                 </a:extLst>
               </a:tr>
@@ -19462,7 +19469,7 @@
                 </a:tc>
                 <a:extLst>
                   <a:ext uri="{0D108BD9-81ED-4DB2-BD59-A6C34878D82A}">
-                    <a16:rowId xmlns="" xmlns:a16="http://schemas.microsoft.com/office/drawing/2014/main" val="10011"/>
+                    <a16:rowId xmlns:a16="http://schemas.microsoft.com/office/drawing/2014/main" xmlns="" val="10011"/>
                   </a:ext>
                 </a:extLst>
               </a:tr>
@@ -19470,35 +19477,6 @@
           </a:graphicData>
         </a:graphic>
       </p:graphicFrame>
-      <p:pic>
-        <p:nvPicPr>
-          <p:cNvPr id="5" name="그림 4"/>
-          <p:cNvPicPr>
-            <a:picLocks noChangeAspect="1"/>
-          </p:cNvPicPr>
-          <p:nvPr/>
-        </p:nvPicPr>
-        <p:blipFill rotWithShape="1">
-          <a:blip r:embed="rId3">
-            <a:extLst>
-              <a:ext uri="{28A0092B-C50C-407E-A947-70E740481C1C}">
-                <a14:useLocalDpi xmlns:a14="http://schemas.microsoft.com/office/drawing/2010/main" val="0"/>
-              </a:ext>
-            </a:extLst>
-          </a:blip>
-          <a:srcRect t="-1" b="-7692"/>
-          <a:stretch/>
-        </p:blipFill>
-        <p:spPr>
-          <a:xfrm>
-            <a:off x="501957" y="1122923"/>
-            <a:ext cx="8686800" cy="5237418"/>
-          </a:xfrm>
-          <a:prstGeom prst="rect">
-            <a:avLst/>
-          </a:prstGeom>
-        </p:spPr>
-      </p:pic>
       <p:sp>
         <p:nvSpPr>
           <p:cNvPr id="3" name="제목 2"/>
@@ -19538,7 +19516,7 @@
           <p:nvPr/>
         </p:nvPicPr>
         <p:blipFill>
-          <a:blip r:embed="rId4">
+          <a:blip r:embed="rId3">
             <a:extLst>
               <a:ext uri="{28A0092B-C50C-407E-A947-70E740481C1C}">
                 <a14:useLocalDpi xmlns:a14="http://schemas.microsoft.com/office/drawing/2010/main" val="0"/>
@@ -19561,22 +19539,28 @@
       </p:pic>
       <p:pic>
         <p:nvPicPr>
-          <p:cNvPr id="2" name="그림 1"/>
+          <p:cNvPr id="6" name="Picture 5"/>
           <p:cNvPicPr>
             <a:picLocks noChangeAspect="1"/>
           </p:cNvPicPr>
           <p:nvPr/>
         </p:nvPicPr>
         <p:blipFill>
-          <a:blip r:embed="rId5"/>
+          <a:blip r:embed="rId4">
+            <a:extLst>
+              <a:ext uri="{28A0092B-C50C-407E-A947-70E740481C1C}">
+                <a14:useLocalDpi xmlns:a14="http://schemas.microsoft.com/office/drawing/2010/main" val="0"/>
+              </a:ext>
+            </a:extLst>
+          </a:blip>
           <a:stretch>
             <a:fillRect/>
           </a:stretch>
         </p:blipFill>
         <p:spPr>
           <a:xfrm>
-            <a:off x="0" y="381000"/>
-            <a:ext cx="9144000" cy="6096000"/>
+            <a:off x="0" y="1015184"/>
+            <a:ext cx="9144000" cy="5037117"/>
           </a:xfrm>
           <a:prstGeom prst="rect">
             <a:avLst/>
@@ -21733,7 +21717,7 @@
                 <a14:useLocalDpi xmlns:a14="http://schemas.microsoft.com/office/drawing/2010/main" val="0"/>
               </a:ext>
               <a:ext uri="{96DAC541-7B7A-43D3-8B79-37D633B846F1}">
-                <asvg:svgBlip xmlns="" xmlns:asvg="http://schemas.microsoft.com/office/drawing/2016/SVG/main" r:embed="rId4"/>
+                <asvg:svgBlip xmlns:asvg="http://schemas.microsoft.com/office/drawing/2016/SVG/main" xmlns="" r:embed="rId4"/>
               </a:ext>
             </a:extLst>
           </a:blip>
